--- a/营销.pptx
+++ b/营销.pptx
@@ -5,10 +5,10 @@
     <p:sldMasterId id="2147483660" r:id="rId1"/>
   </p:sldMasterIdLst>
   <p:notesMasterIdLst>
-    <p:notesMasterId r:id="rId9"/>
+    <p:notesMasterId r:id="rId8"/>
   </p:notesMasterIdLst>
   <p:handoutMasterIdLst>
-    <p:handoutMasterId r:id="rId10"/>
+    <p:handoutMasterId r:id="rId9"/>
   </p:handoutMasterIdLst>
   <p:sldIdLst>
     <p:sldId id="256" r:id="rId2"/>
@@ -17,7 +17,6 @@
     <p:sldId id="260" r:id="rId5"/>
     <p:sldId id="262" r:id="rId6"/>
     <p:sldId id="261" r:id="rId7"/>
-    <p:sldId id="258" r:id="rId8"/>
   </p:sldIdLst>
   <p:sldSz cx="9144000" cy="6858000" type="screen4x3"/>
   <p:notesSz cx="6858000" cy="9144000"/>
@@ -4072,6 +4071,13 @@
         </dgm:presLayoutVars>
       </dgm:prSet>
       <dgm:spPr/>
+      <dgm:t>
+        <a:bodyPr/>
+        <a:lstStyle/>
+        <a:p>
+          <a:endParaRPr lang="zh-CN" altLang="en-US"/>
+        </a:p>
+      </dgm:t>
     </dgm:pt>
     <dgm:pt modelId="{4C6BDB4D-E2DD-9746-8A9C-5833A4F5DC65}" type="pres">
       <dgm:prSet presAssocID="{1A090B2B-03DC-A247-BDCC-02CD65A6A6BA}" presName="Parent" presStyleLbl="node0" presStyleIdx="0" presStyleCnt="1" custScaleX="81825" custScaleY="77445" custLinFactNeighborX="6908" custLinFactNeighborY="1594">
@@ -4117,6 +4123,13 @@
         </dgm:presLayoutVars>
       </dgm:prSet>
       <dgm:spPr/>
+      <dgm:t>
+        <a:bodyPr/>
+        <a:lstStyle/>
+        <a:p>
+          <a:endParaRPr lang="zh-CN" altLang="en-US"/>
+        </a:p>
+      </dgm:t>
     </dgm:pt>
     <dgm:pt modelId="{4060E977-929F-454B-BE57-B398AFA7D1DA}" type="pres">
       <dgm:prSet presAssocID="{1F05560E-C2AD-EE43-AB5A-471C8FFEDE8A}" presName="Accent7" presStyleCnt="0"/>
@@ -4142,6 +4155,13 @@
         </dgm:presLayoutVars>
       </dgm:prSet>
       <dgm:spPr/>
+      <dgm:t>
+        <a:bodyPr/>
+        <a:lstStyle/>
+        <a:p>
+          <a:endParaRPr lang="zh-CN" altLang="en-US"/>
+        </a:p>
+      </dgm:t>
     </dgm:pt>
     <dgm:pt modelId="{82FAC547-C994-2F4C-8F22-58118CA5E498}" type="pres">
       <dgm:prSet presAssocID="{8D21E41D-58EA-FB4E-BDFF-5586DE54A237}" presName="Accent9" presStyleCnt="0"/>
@@ -4307,7 +4327,7 @@
 <dgm:dataModel xmlns:dgm="http://schemas.openxmlformats.org/drawingml/2006/diagram" xmlns:a="http://schemas.openxmlformats.org/drawingml/2006/main">
   <dgm:ptLst>
     <dgm:pt modelId="{86CBEBD1-654E-3D47-99A2-61AEA60D33F4}" type="doc">
-      <dgm:prSet loTypeId="urn:microsoft.com/office/officeart/2005/8/layout/radial4" loCatId="" qsTypeId="urn:microsoft.com/office/officeart/2005/8/quickstyle/simple2" qsCatId="simple" csTypeId="urn:microsoft.com/office/officeart/2005/8/colors/colorful1" csCatId="colorful" phldr="1"/>
+      <dgm:prSet loTypeId="urn:microsoft.com/office/officeart/2005/8/layout/radial4" loCatId="" qsTypeId="urn:microsoft.com/office/officeart/2005/8/quickstyle/simple1" qsCatId="simple" csTypeId="urn:microsoft.com/office/officeart/2005/8/colors/colorful1" csCatId="colorful" phldr="1"/>
       <dgm:spPr/>
       <dgm:t>
         <a:bodyPr/>
@@ -4319,20 +4339,16 @@
     </dgm:pt>
     <dgm:pt modelId="{323BA724-50B1-5A4C-A17B-416D581E5E4E}">
       <dgm:prSet phldrT="[文本]" custT="1"/>
-      <dgm:spPr>
-        <a:solidFill>
-          <a:srgbClr val="3366FF"/>
-        </a:solidFill>
-      </dgm:spPr>
+      <dgm:spPr/>
       <dgm:t>
         <a:bodyPr/>
         <a:lstStyle/>
         <a:p>
           <a:r>
-            <a:rPr lang="zh-CN" altLang="en-US" sz="2400" dirty="0" smtClean="0"/>
+            <a:rPr lang="zh-CN" altLang="en-US" sz="2000" smtClean="0"/>
             <a:t>数据模型</a:t>
           </a:r>
-          <a:endParaRPr lang="zh-CN" altLang="en-US" sz="2400" dirty="0"/>
+          <a:endParaRPr lang="zh-CN" altLang="en-US" sz="2000" dirty="0"/>
         </a:p>
       </dgm:t>
     </dgm:pt>
@@ -4343,7 +4359,11 @@
         <a:bodyPr/>
         <a:lstStyle/>
         <a:p>
-          <a:endParaRPr lang="zh-CN" altLang="en-US" sz="2400"/>
+          <a:endParaRPr lang="zh-CN" altLang="en-US" sz="2000">
+            <a:solidFill>
+              <a:schemeClr val="tx1"/>
+            </a:solidFill>
+          </a:endParaRPr>
         </a:p>
       </dgm:t>
     </dgm:pt>
@@ -4354,7 +4374,11 @@
         <a:bodyPr/>
         <a:lstStyle/>
         <a:p>
-          <a:endParaRPr lang="zh-CN" altLang="en-US" sz="2400"/>
+          <a:endParaRPr lang="zh-CN" altLang="en-US" sz="2000">
+            <a:solidFill>
+              <a:schemeClr val="tx1"/>
+            </a:solidFill>
+          </a:endParaRPr>
         </a:p>
       </dgm:t>
     </dgm:pt>
@@ -4362,9 +4386,7 @@
       <dgm:prSet phldrT="[文本]" custT="1"/>
       <dgm:spPr>
         <a:solidFill>
-          <a:schemeClr val="accent1">
-            <a:lumMod val="75000"/>
-          </a:schemeClr>
+          <a:srgbClr val="7F7F7F"/>
         </a:solidFill>
       </dgm:spPr>
       <dgm:t>
@@ -4372,10 +4394,10 @@
         <a:lstStyle/>
         <a:p>
           <a:r>
-            <a:rPr lang="zh-CN" altLang="en-US" sz="2400" dirty="0" smtClean="0"/>
-            <a:t>金融平台</a:t>
+            <a:rPr lang="zh-CN" altLang="en-US" sz="2000" smtClean="0"/>
+            <a:t>其他</a:t>
           </a:r>
-          <a:endParaRPr lang="zh-CN" altLang="en-US" sz="2400" dirty="0"/>
+          <a:endParaRPr lang="zh-CN" altLang="en-US" sz="2000" dirty="0"/>
         </a:p>
       </dgm:t>
     </dgm:pt>
@@ -4383,14 +4405,18 @@
       <dgm:prSet/>
       <dgm:spPr>
         <a:solidFill>
-          <a:srgbClr val="B5A306"/>
+          <a:srgbClr val="7F7F7F"/>
         </a:solidFill>
       </dgm:spPr>
       <dgm:t>
         <a:bodyPr/>
         <a:lstStyle/>
         <a:p>
-          <a:endParaRPr lang="zh-CN" altLang="en-US" sz="2400"/>
+          <a:endParaRPr lang="zh-CN" altLang="en-US" sz="2000">
+            <a:solidFill>
+              <a:schemeClr val="tx1"/>
+            </a:solidFill>
+          </a:endParaRPr>
         </a:p>
       </dgm:t>
     </dgm:pt>
@@ -4401,41 +4427,41 @@
         <a:bodyPr/>
         <a:lstStyle/>
         <a:p>
-          <a:endParaRPr lang="zh-CN" altLang="en-US" sz="2400"/>
+          <a:endParaRPr lang="zh-CN" altLang="en-US" sz="2000">
+            <a:solidFill>
+              <a:schemeClr val="tx1"/>
+            </a:solidFill>
+          </a:endParaRPr>
         </a:p>
       </dgm:t>
     </dgm:pt>
     <dgm:pt modelId="{C951D44F-9269-F344-8D11-6F173D2D6BA6}">
       <dgm:prSet phldrT="[文本]" custT="1"/>
-      <dgm:spPr>
-        <a:solidFill>
-          <a:schemeClr val="accent5"/>
-        </a:solidFill>
-      </dgm:spPr>
+      <dgm:spPr/>
       <dgm:t>
         <a:bodyPr/>
         <a:lstStyle/>
         <a:p>
           <a:r>
-            <a:rPr lang="zh-CN" altLang="en-US" sz="2400" dirty="0" smtClean="0"/>
+            <a:rPr lang="zh-CN" altLang="en-US" sz="2000" smtClean="0"/>
             <a:t>信贷</a:t>
           </a:r>
-          <a:endParaRPr lang="zh-CN" altLang="en-US" sz="2400" dirty="0"/>
+          <a:endParaRPr lang="zh-CN" altLang="en-US" sz="2000" dirty="0"/>
         </a:p>
       </dgm:t>
     </dgm:pt>
     <dgm:pt modelId="{1911F731-0BA9-3547-8760-517423F54254}" type="parTrans" cxnId="{C11AEBDB-834B-AF49-98B4-3210FE04236E}">
       <dgm:prSet/>
-      <dgm:spPr>
-        <a:solidFill>
-          <a:schemeClr val="accent5"/>
-        </a:solidFill>
-      </dgm:spPr>
+      <dgm:spPr/>
       <dgm:t>
         <a:bodyPr/>
         <a:lstStyle/>
         <a:p>
-          <a:endParaRPr lang="zh-CN" altLang="en-US" sz="2400"/>
+          <a:endParaRPr lang="zh-CN" altLang="en-US" sz="2000">
+            <a:solidFill>
+              <a:schemeClr val="tx1"/>
+            </a:solidFill>
+          </a:endParaRPr>
         </a:p>
       </dgm:t>
     </dgm:pt>
@@ -4446,47 +4472,41 @@
         <a:bodyPr/>
         <a:lstStyle/>
         <a:p>
-          <a:endParaRPr lang="zh-CN" altLang="en-US" sz="2400"/>
+          <a:endParaRPr lang="zh-CN" altLang="en-US" sz="2000">
+            <a:solidFill>
+              <a:schemeClr val="tx1"/>
+            </a:solidFill>
+          </a:endParaRPr>
         </a:p>
       </dgm:t>
     </dgm:pt>
     <dgm:pt modelId="{716BEB03-3723-DB42-9623-5FF6E8E1A78F}">
       <dgm:prSet phldrT="[文本]" custT="1"/>
-      <dgm:spPr>
-        <a:solidFill>
-          <a:schemeClr val="accent4">
-            <a:lumMod val="60000"/>
-            <a:lumOff val="40000"/>
-          </a:schemeClr>
-        </a:solidFill>
-      </dgm:spPr>
+      <dgm:spPr/>
       <dgm:t>
         <a:bodyPr/>
         <a:lstStyle/>
         <a:p>
           <a:r>
-            <a:rPr lang="zh-CN" altLang="en-US" sz="2400" dirty="0" smtClean="0"/>
+            <a:rPr lang="zh-CN" altLang="en-US" sz="2000" smtClean="0"/>
             <a:t>数据</a:t>
           </a:r>
-          <a:endParaRPr lang="zh-CN" altLang="en-US" sz="2400" dirty="0"/>
+          <a:endParaRPr lang="zh-CN" altLang="en-US" sz="2000" dirty="0"/>
         </a:p>
       </dgm:t>
     </dgm:pt>
     <dgm:pt modelId="{AAAD3C24-2333-9A4A-9E2D-F00AD08CB935}" type="parTrans" cxnId="{DAB7BDEC-5C21-8745-95D9-0967606CD2C5}">
       <dgm:prSet/>
-      <dgm:spPr>
-        <a:solidFill>
-          <a:schemeClr val="accent4">
-            <a:lumMod val="60000"/>
-            <a:lumOff val="40000"/>
-          </a:schemeClr>
-        </a:solidFill>
-      </dgm:spPr>
+      <dgm:spPr/>
       <dgm:t>
         <a:bodyPr/>
         <a:lstStyle/>
         <a:p>
-          <a:endParaRPr lang="zh-CN" altLang="en-US" sz="2400"/>
+          <a:endParaRPr lang="zh-CN" altLang="en-US" sz="2000">
+            <a:solidFill>
+              <a:schemeClr val="tx1"/>
+            </a:solidFill>
+          </a:endParaRPr>
         </a:p>
       </dgm:t>
     </dgm:pt>
@@ -4497,43 +4517,41 @@
         <a:bodyPr/>
         <a:lstStyle/>
         <a:p>
-          <a:endParaRPr lang="zh-CN" altLang="en-US" sz="2400"/>
+          <a:endParaRPr lang="zh-CN" altLang="en-US" sz="2000">
+            <a:solidFill>
+              <a:schemeClr val="tx1"/>
+            </a:solidFill>
+          </a:endParaRPr>
         </a:p>
       </dgm:t>
     </dgm:pt>
     <dgm:pt modelId="{189BF5AF-C107-2D4C-91B7-2374F4DFD898}">
       <dgm:prSet phldrT="[文本]" custT="1"/>
-      <dgm:spPr>
-        <a:solidFill>
-          <a:schemeClr val="accent2">
-            <a:lumMod val="75000"/>
-          </a:schemeClr>
-        </a:solidFill>
-      </dgm:spPr>
+      <dgm:spPr/>
       <dgm:t>
         <a:bodyPr/>
         <a:lstStyle/>
         <a:p>
           <a:r>
-            <a:rPr lang="zh-CN" altLang="en-US" sz="2400" dirty="0" smtClean="0"/>
-            <a:t>支付平台</a:t>
+            <a:rPr lang="zh-CN" altLang="en-US" sz="2000" dirty="0" smtClean="0"/>
+            <a:t>支付</a:t>
           </a:r>
-          <a:endParaRPr lang="zh-CN" altLang="en-US" sz="2400" dirty="0"/>
+          <a:endParaRPr lang="zh-CN" altLang="en-US" sz="2000" dirty="0"/>
         </a:p>
       </dgm:t>
     </dgm:pt>
     <dgm:pt modelId="{A55E4A74-A093-064C-8270-A3A823F81E93}" type="parTrans" cxnId="{2392437F-5682-E84A-8424-CE2929B26676}">
       <dgm:prSet/>
-      <dgm:spPr>
-        <a:solidFill>
-          <a:schemeClr val="accent2"/>
-        </a:solidFill>
-      </dgm:spPr>
+      <dgm:spPr/>
       <dgm:t>
         <a:bodyPr/>
         <a:lstStyle/>
         <a:p>
-          <a:endParaRPr lang="zh-CN" altLang="en-US" sz="2400"/>
+          <a:endParaRPr lang="zh-CN" altLang="en-US" sz="2000">
+            <a:solidFill>
+              <a:schemeClr val="tx1"/>
+            </a:solidFill>
+          </a:endParaRPr>
         </a:p>
       </dgm:t>
     </dgm:pt>
@@ -4544,7 +4562,11 @@
         <a:bodyPr/>
         <a:lstStyle/>
         <a:p>
-          <a:endParaRPr lang="zh-CN" altLang="en-US" sz="2400"/>
+          <a:endParaRPr lang="zh-CN" altLang="en-US" sz="2000">
+            <a:solidFill>
+              <a:schemeClr val="tx1"/>
+            </a:solidFill>
+          </a:endParaRPr>
         </a:p>
       </dgm:t>
     </dgm:pt>
@@ -4556,9 +4578,10 @@
         <a:lstStyle/>
         <a:p>
           <a:r>
-            <a:rPr lang="zh-CN" altLang="en-US" sz="2400" dirty="0" smtClean="0"/>
+            <a:rPr lang="zh-CN" altLang="en-US" sz="2000" smtClean="0"/>
             <a:t>社交</a:t>
           </a:r>
+          <a:endParaRPr lang="zh-CN" altLang="en-US" sz="2000" dirty="0" smtClean="0"/>
         </a:p>
       </dgm:t>
     </dgm:pt>
@@ -4569,7 +4592,11 @@
         <a:bodyPr/>
         <a:lstStyle/>
         <a:p>
-          <a:endParaRPr lang="zh-CN" altLang="en-US" sz="2400"/>
+          <a:endParaRPr lang="zh-CN" altLang="en-US" sz="2000">
+            <a:solidFill>
+              <a:schemeClr val="tx1"/>
+            </a:solidFill>
+          </a:endParaRPr>
         </a:p>
       </dgm:t>
     </dgm:pt>
@@ -4580,7 +4607,56 @@
         <a:bodyPr/>
         <a:lstStyle/>
         <a:p>
-          <a:endParaRPr lang="zh-CN" altLang="en-US" sz="2400"/>
+          <a:endParaRPr lang="zh-CN" altLang="en-US" sz="2000">
+            <a:solidFill>
+              <a:schemeClr val="tx1"/>
+            </a:solidFill>
+          </a:endParaRPr>
+        </a:p>
+      </dgm:t>
+    </dgm:pt>
+    <dgm:pt modelId="{F0AD43AE-DDE0-9545-A5C2-067C5D606645}">
+      <dgm:prSet phldrT="[文本]" custT="1"/>
+      <dgm:spPr/>
+      <dgm:t>
+        <a:bodyPr/>
+        <a:lstStyle/>
+        <a:p>
+          <a:r>
+            <a:rPr lang="zh-CN" altLang="en-US" sz="2000" dirty="0" smtClean="0"/>
+            <a:t>互金</a:t>
+          </a:r>
+          <a:endParaRPr lang="zh-CN" altLang="en-US" sz="2000" dirty="0"/>
+        </a:p>
+      </dgm:t>
+    </dgm:pt>
+    <dgm:pt modelId="{7108C36A-E9E0-EF43-AAD1-7152A74B2640}" type="parTrans" cxnId="{09A51706-6094-2B40-93BA-98099C54D93B}">
+      <dgm:prSet/>
+      <dgm:spPr/>
+      <dgm:t>
+        <a:bodyPr/>
+        <a:lstStyle/>
+        <a:p>
+          <a:endParaRPr lang="zh-CN" altLang="en-US" sz="2000">
+            <a:solidFill>
+              <a:schemeClr val="tx1"/>
+            </a:solidFill>
+          </a:endParaRPr>
+        </a:p>
+      </dgm:t>
+    </dgm:pt>
+    <dgm:pt modelId="{E905128F-A110-E441-8B72-13735267E3FA}" type="sibTrans" cxnId="{09A51706-6094-2B40-93BA-98099C54D93B}">
+      <dgm:prSet/>
+      <dgm:spPr/>
+      <dgm:t>
+        <a:bodyPr/>
+        <a:lstStyle/>
+        <a:p>
+          <a:endParaRPr lang="zh-CN" altLang="en-US" sz="2000">
+            <a:solidFill>
+              <a:schemeClr val="tx1"/>
+            </a:solidFill>
+          </a:endParaRPr>
         </a:p>
       </dgm:t>
     </dgm:pt>
@@ -4594,9 +4670,16 @@
         </dgm:presLayoutVars>
       </dgm:prSet>
       <dgm:spPr/>
+      <dgm:t>
+        <a:bodyPr/>
+        <a:lstStyle/>
+        <a:p>
+          <a:endParaRPr lang="zh-CN" altLang="en-US"/>
+        </a:p>
+      </dgm:t>
     </dgm:pt>
     <dgm:pt modelId="{29F0EFE1-6155-3541-AD93-D4A4FB764396}" type="pres">
-      <dgm:prSet presAssocID="{323BA724-50B1-5A4C-A17B-416D581E5E4E}" presName="centerShape" presStyleLbl="node0" presStyleIdx="0" presStyleCnt="1" custScaleX="108619" custScaleY="106600"/>
+      <dgm:prSet presAssocID="{323BA724-50B1-5A4C-A17B-416D581E5E4E}" presName="centerShape" presStyleLbl="node0" presStyleIdx="0" presStyleCnt="1" custScaleX="96388" custScaleY="95850" custLinFactNeighborX="-31" custLinFactNeighborY="-12658"/>
       <dgm:spPr/>
       <dgm:t>
         <a:bodyPr/>
@@ -4607,11 +4690,44 @@
       </dgm:t>
     </dgm:pt>
     <dgm:pt modelId="{C26BB37E-E550-7144-A00F-C9977B00E2F1}" type="pres">
-      <dgm:prSet presAssocID="{9137D1A7-9765-FC4E-A118-55DE3F690101}" presName="parTrans" presStyleLbl="bgSibTrans2D1" presStyleIdx="0" presStyleCnt="5" custScaleX="64122" custScaleY="135347" custLinFactNeighborX="43451" custLinFactNeighborY="-45020"/>
+      <dgm:prSet presAssocID="{9137D1A7-9765-FC4E-A118-55DE3F690101}" presName="parTrans" presStyleLbl="bgSibTrans2D1" presStyleIdx="0" presStyleCnt="6" custScaleX="71816" custScaleY="115800" custLinFactNeighborX="24214" custLinFactNeighborY="-9888"/>
       <dgm:spPr/>
+      <dgm:t>
+        <a:bodyPr/>
+        <a:lstStyle/>
+        <a:p>
+          <a:endParaRPr lang="zh-CN" altLang="en-US"/>
+        </a:p>
+      </dgm:t>
     </dgm:pt>
     <dgm:pt modelId="{52524838-862D-BB40-B4DD-0ECC3B01C946}" type="pres">
-      <dgm:prSet presAssocID="{51FE8F6A-4C02-144C-965E-E1AE2D4A2E18}" presName="node" presStyleLbl="node1" presStyleIdx="0" presStyleCnt="5" custScaleX="95187" custScaleY="69904" custRadScaleRad="89819" custRadScaleInc="-53458">
+      <dgm:prSet presAssocID="{51FE8F6A-4C02-144C-965E-E1AE2D4A2E18}" presName="node" presStyleLbl="node1" presStyleIdx="0" presStyleCnt="6" custScaleX="67192" custScaleY="51826" custRadScaleRad="57208" custRadScaleInc="-69159">
+        <dgm:presLayoutVars>
+          <dgm:bulletEnabled val="1"/>
+        </dgm:presLayoutVars>
+      </dgm:prSet>
+      <dgm:spPr/>
+      <dgm:t>
+        <a:bodyPr/>
+        <a:lstStyle/>
+        <a:p>
+          <a:endParaRPr lang="zh-CN" altLang="en-US"/>
+        </a:p>
+      </dgm:t>
+    </dgm:pt>
+    <dgm:pt modelId="{9D812D46-A4A6-E746-88B0-CBB5F8A3B8D5}" type="pres">
+      <dgm:prSet presAssocID="{7108C36A-E9E0-EF43-AAD1-7152A74B2640}" presName="parTrans" presStyleLbl="bgSibTrans2D1" presStyleIdx="1" presStyleCnt="6" custScaleX="82376" custScaleY="112814" custLinFactNeighborX="24670" custLinFactNeighborY="13533"/>
+      <dgm:spPr/>
+      <dgm:t>
+        <a:bodyPr/>
+        <a:lstStyle/>
+        <a:p>
+          <a:endParaRPr lang="zh-CN" altLang="en-US"/>
+        </a:p>
+      </dgm:t>
+    </dgm:pt>
+    <dgm:pt modelId="{EA604611-6D37-354D-965A-46313C6ED91F}" type="pres">
+      <dgm:prSet presAssocID="{F0AD43AE-DDE0-9545-A5C2-067C5D606645}" presName="node" presStyleLbl="node1" presStyleIdx="1" presStyleCnt="6" custScaleX="76212" custScaleY="51986" custRadScaleRad="77555" custRadScaleInc="-45163">
         <dgm:presLayoutVars>
           <dgm:bulletEnabled val="1"/>
         </dgm:presLayoutVars>
@@ -4626,35 +4742,70 @@
       </dgm:t>
     </dgm:pt>
     <dgm:pt modelId="{8F8CFA8A-2A78-4C48-A97E-659AE707772C}" type="pres">
-      <dgm:prSet presAssocID="{1911F731-0BA9-3547-8760-517423F54254}" presName="parTrans" presStyleLbl="bgSibTrans2D1" presStyleIdx="1" presStyleCnt="5" custScaleX="109772" custScaleY="135347" custLinFactNeighborX="4149" custLinFactNeighborY="0"/>
+      <dgm:prSet presAssocID="{1911F731-0BA9-3547-8760-517423F54254}" presName="parTrans" presStyleLbl="bgSibTrans2D1" presStyleIdx="2" presStyleCnt="6" custScaleX="101564" custScaleY="101369" custLinFactNeighborX="4149" custLinFactNeighborY="0"/>
       <dgm:spPr/>
+      <dgm:t>
+        <a:bodyPr/>
+        <a:lstStyle/>
+        <a:p>
+          <a:endParaRPr lang="zh-CN" altLang="en-US"/>
+        </a:p>
+      </dgm:t>
     </dgm:pt>
     <dgm:pt modelId="{CFBDFC51-2039-2548-89B9-4460D3290F47}" type="pres">
-      <dgm:prSet presAssocID="{C951D44F-9269-F344-8D11-6F173D2D6BA6}" presName="node" presStyleLbl="node1" presStyleIdx="1" presStyleCnt="5" custScaleX="101888" custScaleY="73565" custRadScaleRad="99811" custRadScaleInc="-29486">
+      <dgm:prSet presAssocID="{C951D44F-9269-F344-8D11-6F173D2D6BA6}" presName="node" presStyleLbl="node1" presStyleIdx="2" presStyleCnt="6" custScaleX="73346" custScaleY="51681" custRadScaleRad="94763" custRadScaleInc="-18772">
         <dgm:presLayoutVars>
           <dgm:bulletEnabled val="1"/>
         </dgm:presLayoutVars>
       </dgm:prSet>
       <dgm:spPr/>
+      <dgm:t>
+        <a:bodyPr/>
+        <a:lstStyle/>
+        <a:p>
+          <a:endParaRPr lang="zh-CN" altLang="en-US"/>
+        </a:p>
+      </dgm:t>
     </dgm:pt>
     <dgm:pt modelId="{98056020-FB56-D147-B70F-4FFE779EA340}" type="pres">
-      <dgm:prSet presAssocID="{AAAD3C24-2333-9A4A-9E2D-F00AD08CB935}" presName="parTrans" presStyleLbl="bgSibTrans2D1" presStyleIdx="2" presStyleCnt="5" custScaleX="116731" custScaleY="135347"/>
+      <dgm:prSet presAssocID="{AAAD3C24-2333-9A4A-9E2D-F00AD08CB935}" presName="parTrans" presStyleLbl="bgSibTrans2D1" presStyleIdx="3" presStyleCnt="6" custScaleX="104134" custScaleY="104676"/>
       <dgm:spPr/>
+      <dgm:t>
+        <a:bodyPr/>
+        <a:lstStyle/>
+        <a:p>
+          <a:endParaRPr lang="zh-CN" altLang="en-US"/>
+        </a:p>
+      </dgm:t>
     </dgm:pt>
     <dgm:pt modelId="{A85E439B-B256-FE49-9455-A9D9064A101C}" type="pres">
-      <dgm:prSet presAssocID="{716BEB03-3723-DB42-9623-5FF6E8E1A78F}" presName="node" presStyleLbl="node1" presStyleIdx="2" presStyleCnt="5" custScaleX="95501" custScaleY="73567" custRadScaleRad="90447" custRadScaleInc="-1096">
+      <dgm:prSet presAssocID="{716BEB03-3723-DB42-9623-5FF6E8E1A78F}" presName="node" presStyleLbl="node1" presStyleIdx="3" presStyleCnt="6" custScaleX="70790" custScaleY="59630" custRadScaleRad="94653" custRadScaleInc="7994">
         <dgm:presLayoutVars>
           <dgm:bulletEnabled val="1"/>
         </dgm:presLayoutVars>
       </dgm:prSet>
       <dgm:spPr/>
+      <dgm:t>
+        <a:bodyPr/>
+        <a:lstStyle/>
+        <a:p>
+          <a:endParaRPr lang="zh-CN" altLang="en-US"/>
+        </a:p>
+      </dgm:t>
     </dgm:pt>
     <dgm:pt modelId="{F213E22B-0D71-EF40-B2B7-08174BE412B3}" type="pres">
-      <dgm:prSet presAssocID="{A55E4A74-A093-064C-8270-A3A823F81E93}" presName="parTrans" presStyleLbl="bgSibTrans2D1" presStyleIdx="3" presStyleCnt="5" custScaleX="106201" custScaleY="135347"/>
+      <dgm:prSet presAssocID="{A55E4A74-A093-064C-8270-A3A823F81E93}" presName="parTrans" presStyleLbl="bgSibTrans2D1" presStyleIdx="4" presStyleCnt="6" custScaleX="88091" custScaleY="110547" custLinFactNeighborX="-13105" custLinFactNeighborY="14638"/>
       <dgm:spPr/>
+      <dgm:t>
+        <a:bodyPr/>
+        <a:lstStyle/>
+        <a:p>
+          <a:endParaRPr lang="zh-CN" altLang="en-US"/>
+        </a:p>
+      </dgm:t>
     </dgm:pt>
     <dgm:pt modelId="{406F857C-F044-2E49-98FB-C51992207711}" type="pres">
-      <dgm:prSet presAssocID="{189BF5AF-C107-2D4C-91B7-2374F4DFD898}" presName="node" presStyleLbl="node1" presStyleIdx="3" presStyleCnt="5" custScaleX="91974" custScaleY="65585" custRadScaleRad="103470" custRadScaleInc="20543">
+      <dgm:prSet presAssocID="{189BF5AF-C107-2D4C-91B7-2374F4DFD898}" presName="node" presStyleLbl="node1" presStyleIdx="4" presStyleCnt="6" custScaleX="69050" custScaleY="60797" custRadScaleRad="87517" custRadScaleInc="10646">
         <dgm:presLayoutVars>
           <dgm:bulletEnabled val="1"/>
         </dgm:presLayoutVars>
@@ -4669,11 +4820,18 @@
       </dgm:t>
     </dgm:pt>
     <dgm:pt modelId="{12862D62-4798-7443-89B2-EC38CCAA882C}" type="pres">
-      <dgm:prSet presAssocID="{3A5B3AF6-2407-EB4E-90CA-068F10664E60}" presName="parTrans" presStyleLbl="bgSibTrans2D1" presStyleIdx="4" presStyleCnt="5" custAng="663556" custScaleX="76447" custScaleY="135347" custLinFactNeighborX="-20113" custLinFactNeighborY="17774"/>
+      <dgm:prSet presAssocID="{3A5B3AF6-2407-EB4E-90CA-068F10664E60}" presName="parTrans" presStyleLbl="bgSibTrans2D1" presStyleIdx="5" presStyleCnt="6" custAng="663556" custScaleX="77473" custScaleY="125598" custLinFactNeighborX="-31609" custLinFactNeighborY="-18998"/>
       <dgm:spPr/>
+      <dgm:t>
+        <a:bodyPr/>
+        <a:lstStyle/>
+        <a:p>
+          <a:endParaRPr lang="zh-CN" altLang="en-US"/>
+        </a:p>
+      </dgm:t>
     </dgm:pt>
     <dgm:pt modelId="{AFE549F7-8950-CA46-9287-E8D4AD39E781}" type="pres">
-      <dgm:prSet presAssocID="{99DEB8B4-0376-574C-A191-F519CADDF2AA}" presName="node" presStyleLbl="node1" presStyleIdx="4" presStyleCnt="5" custScaleX="91974" custScaleY="65585" custRadScaleRad="103465" custRadScaleInc="27517">
+      <dgm:prSet presAssocID="{99DEB8B4-0376-574C-A191-F519CADDF2AA}" presName="node" presStyleLbl="node1" presStyleIdx="5" presStyleCnt="6" custScaleX="79434" custScaleY="52917" custRadScaleRad="54438" custRadScaleInc="60041">
         <dgm:presLayoutVars>
           <dgm:bulletEnabled val="1"/>
         </dgm:presLayoutVars>
@@ -4691,33 +4849,38 @@
   <dgm:cxnLst>
     <dgm:cxn modelId="{528DAEB8-78EE-6A4A-B2D0-C48F030B01C6}" type="presOf" srcId="{189BF5AF-C107-2D4C-91B7-2374F4DFD898}" destId="{406F857C-F044-2E49-98FB-C51992207711}" srcOrd="0" destOrd="0" presId="urn:microsoft.com/office/officeart/2005/8/layout/radial4"/>
     <dgm:cxn modelId="{25DEE42A-87CB-E249-877A-15B09418ADA1}" type="presOf" srcId="{99DEB8B4-0376-574C-A191-F519CADDF2AA}" destId="{AFE549F7-8950-CA46-9287-E8D4AD39E781}" srcOrd="0" destOrd="0" presId="urn:microsoft.com/office/officeart/2005/8/layout/radial4"/>
-    <dgm:cxn modelId="{DAB7BDEC-5C21-8745-95D9-0967606CD2C5}" srcId="{323BA724-50B1-5A4C-A17B-416D581E5E4E}" destId="{716BEB03-3723-DB42-9623-5FF6E8E1A78F}" srcOrd="2" destOrd="0" parTransId="{AAAD3C24-2333-9A4A-9E2D-F00AD08CB935}" sibTransId="{A35E21D8-5165-0A46-A179-16EA417D09BA}"/>
+    <dgm:cxn modelId="{DAB7BDEC-5C21-8745-95D9-0967606CD2C5}" srcId="{323BA724-50B1-5A4C-A17B-416D581E5E4E}" destId="{716BEB03-3723-DB42-9623-5FF6E8E1A78F}" srcOrd="3" destOrd="0" parTransId="{AAAD3C24-2333-9A4A-9E2D-F00AD08CB935}" sibTransId="{A35E21D8-5165-0A46-A179-16EA417D09BA}"/>
     <dgm:cxn modelId="{AE5B5B0E-9251-704F-B44D-083395527E3E}" srcId="{86CBEBD1-654E-3D47-99A2-61AEA60D33F4}" destId="{323BA724-50B1-5A4C-A17B-416D581E5E4E}" srcOrd="0" destOrd="0" parTransId="{102066B7-4CE7-D747-B4BF-7086D1027925}" sibTransId="{E0610465-59AE-904E-A022-BDA8CD5F79F3}"/>
+    <dgm:cxn modelId="{61501B59-EC6D-554A-B85C-9BBDC39E58FB}" type="presOf" srcId="{7108C36A-E9E0-EF43-AAD1-7152A74B2640}" destId="{9D812D46-A4A6-E746-88B0-CBB5F8A3B8D5}" srcOrd="0" destOrd="0" presId="urn:microsoft.com/office/officeart/2005/8/layout/radial4"/>
     <dgm:cxn modelId="{26A1EB35-7661-2144-ABC6-85401B4B3566}" type="presOf" srcId="{323BA724-50B1-5A4C-A17B-416D581E5E4E}" destId="{29F0EFE1-6155-3541-AD93-D4A4FB764396}" srcOrd="0" destOrd="0" presId="urn:microsoft.com/office/officeart/2005/8/layout/radial4"/>
     <dgm:cxn modelId="{34EC95A8-E088-9A4B-BD44-5E62E7F74D42}" type="presOf" srcId="{A55E4A74-A093-064C-8270-A3A823F81E93}" destId="{F213E22B-0D71-EF40-B2B7-08174BE412B3}" srcOrd="0" destOrd="0" presId="urn:microsoft.com/office/officeart/2005/8/layout/radial4"/>
     <dgm:cxn modelId="{33688490-6EC4-004C-BD8E-67BB781AFCBC}" type="presOf" srcId="{C951D44F-9269-F344-8D11-6F173D2D6BA6}" destId="{CFBDFC51-2039-2548-89B9-4460D3290F47}" srcOrd="0" destOrd="0" presId="urn:microsoft.com/office/officeart/2005/8/layout/radial4"/>
     <dgm:cxn modelId="{AD3AE09F-44E2-4C45-9EB1-2D46A3E01BA9}" type="presOf" srcId="{716BEB03-3723-DB42-9623-5FF6E8E1A78F}" destId="{A85E439B-B256-FE49-9455-A9D9064A101C}" srcOrd="0" destOrd="0" presId="urn:microsoft.com/office/officeart/2005/8/layout/radial4"/>
-    <dgm:cxn modelId="{96330BB4-BBB5-A34F-BA1B-EC725129DC39}" srcId="{323BA724-50B1-5A4C-A17B-416D581E5E4E}" destId="{99DEB8B4-0376-574C-A191-F519CADDF2AA}" srcOrd="4" destOrd="0" parTransId="{3A5B3AF6-2407-EB4E-90CA-068F10664E60}" sibTransId="{4792242A-7A02-7B4C-A828-20CC0BEE30D8}"/>
+    <dgm:cxn modelId="{96330BB4-BBB5-A34F-BA1B-EC725129DC39}" srcId="{323BA724-50B1-5A4C-A17B-416D581E5E4E}" destId="{99DEB8B4-0376-574C-A191-F519CADDF2AA}" srcOrd="5" destOrd="0" parTransId="{3A5B3AF6-2407-EB4E-90CA-068F10664E60}" sibTransId="{4792242A-7A02-7B4C-A828-20CC0BEE30D8}"/>
     <dgm:cxn modelId="{FAF0271B-223B-0A4B-8EE7-BF6E9C96B02E}" type="presOf" srcId="{AAAD3C24-2333-9A4A-9E2D-F00AD08CB935}" destId="{98056020-FB56-D147-B70F-4FFE779EA340}" srcOrd="0" destOrd="0" presId="urn:microsoft.com/office/officeart/2005/8/layout/radial4"/>
     <dgm:cxn modelId="{1A6110B6-BAA9-6A4D-A64A-2652CB458014}" type="presOf" srcId="{9137D1A7-9765-FC4E-A118-55DE3F690101}" destId="{C26BB37E-E550-7144-A00F-C9977B00E2F1}" srcOrd="0" destOrd="0" presId="urn:microsoft.com/office/officeart/2005/8/layout/radial4"/>
-    <dgm:cxn modelId="{C11AEBDB-834B-AF49-98B4-3210FE04236E}" srcId="{323BA724-50B1-5A4C-A17B-416D581E5E4E}" destId="{C951D44F-9269-F344-8D11-6F173D2D6BA6}" srcOrd="1" destOrd="0" parTransId="{1911F731-0BA9-3547-8760-517423F54254}" sibTransId="{B114975F-3E89-7549-A507-7B1DDD596D78}"/>
+    <dgm:cxn modelId="{C11AEBDB-834B-AF49-98B4-3210FE04236E}" srcId="{323BA724-50B1-5A4C-A17B-416D581E5E4E}" destId="{C951D44F-9269-F344-8D11-6F173D2D6BA6}" srcOrd="2" destOrd="0" parTransId="{1911F731-0BA9-3547-8760-517423F54254}" sibTransId="{B114975F-3E89-7549-A507-7B1DDD596D78}"/>
+    <dgm:cxn modelId="{B0E7DC89-A133-0D47-B58F-382CB6562361}" type="presOf" srcId="{F0AD43AE-DDE0-9545-A5C2-067C5D606645}" destId="{EA604611-6D37-354D-965A-46313C6ED91F}" srcOrd="0" destOrd="0" presId="urn:microsoft.com/office/officeart/2005/8/layout/radial4"/>
+    <dgm:cxn modelId="{09A51706-6094-2B40-93BA-98099C54D93B}" srcId="{323BA724-50B1-5A4C-A17B-416D581E5E4E}" destId="{F0AD43AE-DDE0-9545-A5C2-067C5D606645}" srcOrd="1" destOrd="0" parTransId="{7108C36A-E9E0-EF43-AAD1-7152A74B2640}" sibTransId="{E905128F-A110-E441-8B72-13735267E3FA}"/>
     <dgm:cxn modelId="{F0762C95-825C-7B42-A0B3-6263D265284D}" srcId="{323BA724-50B1-5A4C-A17B-416D581E5E4E}" destId="{51FE8F6A-4C02-144C-965E-E1AE2D4A2E18}" srcOrd="0" destOrd="0" parTransId="{9137D1A7-9765-FC4E-A118-55DE3F690101}" sibTransId="{C870F09C-15EA-2649-9712-64D15EA87CAB}"/>
     <dgm:cxn modelId="{1F464BEF-D160-1145-82B0-1B78BB908F84}" type="presOf" srcId="{51FE8F6A-4C02-144C-965E-E1AE2D4A2E18}" destId="{52524838-862D-BB40-B4DD-0ECC3B01C946}" srcOrd="0" destOrd="0" presId="urn:microsoft.com/office/officeart/2005/8/layout/radial4"/>
     <dgm:cxn modelId="{B11B03BC-DDF1-8447-9CDF-04D2B9C2EB71}" type="presOf" srcId="{86CBEBD1-654E-3D47-99A2-61AEA60D33F4}" destId="{5AB738ED-4B94-0749-BB34-2B37E279744B}" srcOrd="0" destOrd="0" presId="urn:microsoft.com/office/officeart/2005/8/layout/radial4"/>
-    <dgm:cxn modelId="{2392437F-5682-E84A-8424-CE2929B26676}" srcId="{323BA724-50B1-5A4C-A17B-416D581E5E4E}" destId="{189BF5AF-C107-2D4C-91B7-2374F4DFD898}" srcOrd="3" destOrd="0" parTransId="{A55E4A74-A093-064C-8270-A3A823F81E93}" sibTransId="{7CB89CA4-4DF0-024D-BC33-1608117017C1}"/>
     <dgm:cxn modelId="{8CE97473-CCA9-2F4E-842E-0AEC4D002F75}" type="presOf" srcId="{3A5B3AF6-2407-EB4E-90CA-068F10664E60}" destId="{12862D62-4798-7443-89B2-EC38CCAA882C}" srcOrd="0" destOrd="0" presId="urn:microsoft.com/office/officeart/2005/8/layout/radial4"/>
+    <dgm:cxn modelId="{2392437F-5682-E84A-8424-CE2929B26676}" srcId="{323BA724-50B1-5A4C-A17B-416D581E5E4E}" destId="{189BF5AF-C107-2D4C-91B7-2374F4DFD898}" srcOrd="4" destOrd="0" parTransId="{A55E4A74-A093-064C-8270-A3A823F81E93}" sibTransId="{7CB89CA4-4DF0-024D-BC33-1608117017C1}"/>
     <dgm:cxn modelId="{71C952DB-F509-8644-B082-46FFDA674349}" type="presOf" srcId="{1911F731-0BA9-3547-8760-517423F54254}" destId="{8F8CFA8A-2A78-4C48-A97E-659AE707772C}" srcOrd="0" destOrd="0" presId="urn:microsoft.com/office/officeart/2005/8/layout/radial4"/>
     <dgm:cxn modelId="{751B6989-FACD-C84C-AC9B-64112FC254B6}" type="presParOf" srcId="{5AB738ED-4B94-0749-BB34-2B37E279744B}" destId="{29F0EFE1-6155-3541-AD93-D4A4FB764396}" srcOrd="0" destOrd="0" presId="urn:microsoft.com/office/officeart/2005/8/layout/radial4"/>
     <dgm:cxn modelId="{5D27692F-3F0E-C346-AD4D-DEEDF1B4A9DB}" type="presParOf" srcId="{5AB738ED-4B94-0749-BB34-2B37E279744B}" destId="{C26BB37E-E550-7144-A00F-C9977B00E2F1}" srcOrd="1" destOrd="0" presId="urn:microsoft.com/office/officeart/2005/8/layout/radial4"/>
     <dgm:cxn modelId="{D1CAB165-62A0-8C4C-85ED-3D619B6EFE39}" type="presParOf" srcId="{5AB738ED-4B94-0749-BB34-2B37E279744B}" destId="{52524838-862D-BB40-B4DD-0ECC3B01C946}" srcOrd="2" destOrd="0" presId="urn:microsoft.com/office/officeart/2005/8/layout/radial4"/>
-    <dgm:cxn modelId="{29F3599E-B27F-4B43-84FD-8EA1F4B1FAC0}" type="presParOf" srcId="{5AB738ED-4B94-0749-BB34-2B37E279744B}" destId="{8F8CFA8A-2A78-4C48-A97E-659AE707772C}" srcOrd="3" destOrd="0" presId="urn:microsoft.com/office/officeart/2005/8/layout/radial4"/>
-    <dgm:cxn modelId="{6A500322-9FC5-604F-9A85-FCAF19FEB0CC}" type="presParOf" srcId="{5AB738ED-4B94-0749-BB34-2B37E279744B}" destId="{CFBDFC51-2039-2548-89B9-4460D3290F47}" srcOrd="4" destOrd="0" presId="urn:microsoft.com/office/officeart/2005/8/layout/radial4"/>
-    <dgm:cxn modelId="{1F1ECD71-9E9F-1C42-8FB3-141E3CD009F0}" type="presParOf" srcId="{5AB738ED-4B94-0749-BB34-2B37E279744B}" destId="{98056020-FB56-D147-B70F-4FFE779EA340}" srcOrd="5" destOrd="0" presId="urn:microsoft.com/office/officeart/2005/8/layout/radial4"/>
-    <dgm:cxn modelId="{A9F93D73-D038-1F40-905A-3CF761C5E55E}" type="presParOf" srcId="{5AB738ED-4B94-0749-BB34-2B37E279744B}" destId="{A85E439B-B256-FE49-9455-A9D9064A101C}" srcOrd="6" destOrd="0" presId="urn:microsoft.com/office/officeart/2005/8/layout/radial4"/>
-    <dgm:cxn modelId="{E2DD28C4-9557-9E48-B193-F3CCD7F67548}" type="presParOf" srcId="{5AB738ED-4B94-0749-BB34-2B37E279744B}" destId="{F213E22B-0D71-EF40-B2B7-08174BE412B3}" srcOrd="7" destOrd="0" presId="urn:microsoft.com/office/officeart/2005/8/layout/radial4"/>
-    <dgm:cxn modelId="{24DD981A-D501-7A41-965F-3FBC5071159B}" type="presParOf" srcId="{5AB738ED-4B94-0749-BB34-2B37E279744B}" destId="{406F857C-F044-2E49-98FB-C51992207711}" srcOrd="8" destOrd="0" presId="urn:microsoft.com/office/officeart/2005/8/layout/radial4"/>
-    <dgm:cxn modelId="{A8FACBB9-C5D4-894B-BABD-C1D494FAEB59}" type="presParOf" srcId="{5AB738ED-4B94-0749-BB34-2B37E279744B}" destId="{12862D62-4798-7443-89B2-EC38CCAA882C}" srcOrd="9" destOrd="0" presId="urn:microsoft.com/office/officeart/2005/8/layout/radial4"/>
-    <dgm:cxn modelId="{0A7F9E1E-673A-184D-987F-E93BA2062AAA}" type="presParOf" srcId="{5AB738ED-4B94-0749-BB34-2B37E279744B}" destId="{AFE549F7-8950-CA46-9287-E8D4AD39E781}" srcOrd="10" destOrd="0" presId="urn:microsoft.com/office/officeart/2005/8/layout/radial4"/>
+    <dgm:cxn modelId="{259B7FB3-AB9E-2A45-9A9F-C1659609E0ED}" type="presParOf" srcId="{5AB738ED-4B94-0749-BB34-2B37E279744B}" destId="{9D812D46-A4A6-E746-88B0-CBB5F8A3B8D5}" srcOrd="3" destOrd="0" presId="urn:microsoft.com/office/officeart/2005/8/layout/radial4"/>
+    <dgm:cxn modelId="{7F4AC4A1-8FF8-A942-8481-3E1D309350BE}" type="presParOf" srcId="{5AB738ED-4B94-0749-BB34-2B37E279744B}" destId="{EA604611-6D37-354D-965A-46313C6ED91F}" srcOrd="4" destOrd="0" presId="urn:microsoft.com/office/officeart/2005/8/layout/radial4"/>
+    <dgm:cxn modelId="{29F3599E-B27F-4B43-84FD-8EA1F4B1FAC0}" type="presParOf" srcId="{5AB738ED-4B94-0749-BB34-2B37E279744B}" destId="{8F8CFA8A-2A78-4C48-A97E-659AE707772C}" srcOrd="5" destOrd="0" presId="urn:microsoft.com/office/officeart/2005/8/layout/radial4"/>
+    <dgm:cxn modelId="{6A500322-9FC5-604F-9A85-FCAF19FEB0CC}" type="presParOf" srcId="{5AB738ED-4B94-0749-BB34-2B37E279744B}" destId="{CFBDFC51-2039-2548-89B9-4460D3290F47}" srcOrd="6" destOrd="0" presId="urn:microsoft.com/office/officeart/2005/8/layout/radial4"/>
+    <dgm:cxn modelId="{1F1ECD71-9E9F-1C42-8FB3-141E3CD009F0}" type="presParOf" srcId="{5AB738ED-4B94-0749-BB34-2B37E279744B}" destId="{98056020-FB56-D147-B70F-4FFE779EA340}" srcOrd="7" destOrd="0" presId="urn:microsoft.com/office/officeart/2005/8/layout/radial4"/>
+    <dgm:cxn modelId="{A9F93D73-D038-1F40-905A-3CF761C5E55E}" type="presParOf" srcId="{5AB738ED-4B94-0749-BB34-2B37E279744B}" destId="{A85E439B-B256-FE49-9455-A9D9064A101C}" srcOrd="8" destOrd="0" presId="urn:microsoft.com/office/officeart/2005/8/layout/radial4"/>
+    <dgm:cxn modelId="{E2DD28C4-9557-9E48-B193-F3CCD7F67548}" type="presParOf" srcId="{5AB738ED-4B94-0749-BB34-2B37E279744B}" destId="{F213E22B-0D71-EF40-B2B7-08174BE412B3}" srcOrd="9" destOrd="0" presId="urn:microsoft.com/office/officeart/2005/8/layout/radial4"/>
+    <dgm:cxn modelId="{24DD981A-D501-7A41-965F-3FBC5071159B}" type="presParOf" srcId="{5AB738ED-4B94-0749-BB34-2B37E279744B}" destId="{406F857C-F044-2E49-98FB-C51992207711}" srcOrd="10" destOrd="0" presId="urn:microsoft.com/office/officeart/2005/8/layout/radial4"/>
+    <dgm:cxn modelId="{A8FACBB9-C5D4-894B-BABD-C1D494FAEB59}" type="presParOf" srcId="{5AB738ED-4B94-0749-BB34-2B37E279744B}" destId="{12862D62-4798-7443-89B2-EC38CCAA882C}" srcOrd="11" destOrd="0" presId="urn:microsoft.com/office/officeart/2005/8/layout/radial4"/>
+    <dgm:cxn modelId="{0A7F9E1E-673A-184D-987F-E93BA2062AAA}" type="presParOf" srcId="{5AB738ED-4B94-0749-BB34-2B37E279744B}" destId="{AFE549F7-8950-CA46-9287-E8D4AD39E781}" srcOrd="12" destOrd="0" presId="urn:microsoft.com/office/officeart/2005/8/layout/radial4"/>
   </dgm:cxnLst>
   <dgm:bg/>
   <dgm:whole/>
@@ -4733,7 +4896,7 @@
 <dgm:dataModel xmlns:dgm="http://schemas.openxmlformats.org/drawingml/2006/diagram" xmlns:a="http://schemas.openxmlformats.org/drawingml/2006/main">
   <dgm:ptLst>
     <dgm:pt modelId="{B32469D9-A1A6-DF46-8113-71CAC6922919}" type="doc">
-      <dgm:prSet loTypeId="urn:microsoft.com/office/officeart/2005/8/layout/radial6" loCatId="" qsTypeId="urn:microsoft.com/office/officeart/2005/8/quickstyle/simple2" qsCatId="simple" csTypeId="urn:microsoft.com/office/officeart/2005/8/colors/colorful1" csCatId="colorful" phldr="1"/>
+      <dgm:prSet loTypeId="urn:microsoft.com/office/officeart/2005/8/layout/radial6" loCatId="" qsTypeId="urn:microsoft.com/office/officeart/2005/8/quickstyle/simple4" qsCatId="simple" csTypeId="urn:microsoft.com/office/officeart/2005/8/colors/colorful1" csCatId="colorful" phldr="1"/>
       <dgm:spPr/>
       <dgm:t>
         <a:bodyPr/>
@@ -4747,8 +4910,8 @@
       <dgm:prSet phldrT="[文本]" custT="1"/>
       <dgm:spPr>
         <a:solidFill>
-          <a:schemeClr val="accent2">
-            <a:lumMod val="75000"/>
+          <a:schemeClr val="tx1">
+            <a:lumMod val="50000"/>
           </a:schemeClr>
         </a:solidFill>
       </dgm:spPr>
@@ -4757,10 +4920,10 @@
         <a:lstStyle/>
         <a:p>
           <a:r>
-            <a:rPr lang="zh-CN" altLang="en-US" sz="2400" dirty="0" smtClean="0"/>
+            <a:rPr lang="zh-CN" altLang="en-US" sz="2000" dirty="0" smtClean="0"/>
             <a:t>画像</a:t>
           </a:r>
-          <a:endParaRPr lang="zh-CN" altLang="en-US" sz="2400" dirty="0"/>
+          <a:endParaRPr lang="zh-CN" altLang="en-US" sz="2000" dirty="0"/>
         </a:p>
       </dgm:t>
     </dgm:pt>
@@ -4771,7 +4934,7 @@
         <a:bodyPr/>
         <a:lstStyle/>
         <a:p>
-          <a:endParaRPr lang="zh-CN" altLang="en-US" sz="2400"/>
+          <a:endParaRPr lang="zh-CN" altLang="en-US" sz="2000"/>
         </a:p>
       </dgm:t>
     </dgm:pt>
@@ -4782,11 +4945,196 @@
         <a:bodyPr/>
         <a:lstStyle/>
         <a:p>
-          <a:endParaRPr lang="zh-CN" altLang="en-US" sz="2400"/>
+          <a:endParaRPr lang="zh-CN" altLang="en-US" sz="2000"/>
         </a:p>
       </dgm:t>
     </dgm:pt>
     <dgm:pt modelId="{D920D285-E8AD-C44B-970D-7A915DACEAC8}">
+      <dgm:prSet phldrT="[文本]" custT="1"/>
+      <dgm:spPr/>
+      <dgm:t>
+        <a:bodyPr/>
+        <a:lstStyle/>
+        <a:p>
+          <a:r>
+            <a:rPr lang="zh-CN" altLang="en-US" sz="2000" dirty="0" smtClean="0"/>
+            <a:t>资产</a:t>
+          </a:r>
+          <a:endParaRPr lang="zh-CN" altLang="en-US" sz="2000" dirty="0"/>
+        </a:p>
+      </dgm:t>
+    </dgm:pt>
+    <dgm:pt modelId="{15741A0D-57CD-5F4E-9414-2BE5236CE091}" type="parTrans" cxnId="{59CB6E67-A3D2-B642-9100-183C4609F5A4}">
+      <dgm:prSet/>
+      <dgm:spPr/>
+      <dgm:t>
+        <a:bodyPr/>
+        <a:lstStyle/>
+        <a:p>
+          <a:endParaRPr lang="zh-CN" altLang="en-US" sz="2000"/>
+        </a:p>
+      </dgm:t>
+    </dgm:pt>
+    <dgm:pt modelId="{DFFCD53C-88E6-534F-9574-822AE78A86A7}" type="sibTrans" cxnId="{59CB6E67-A3D2-B642-9100-183C4609F5A4}">
+      <dgm:prSet/>
+      <dgm:spPr/>
+      <dgm:t>
+        <a:bodyPr/>
+        <a:lstStyle/>
+        <a:p>
+          <a:endParaRPr lang="zh-CN" altLang="en-US" sz="2000"/>
+        </a:p>
+      </dgm:t>
+    </dgm:pt>
+    <dgm:pt modelId="{051ECED1-A7E0-074E-B806-69E31F373EEE}">
+      <dgm:prSet phldrT="[文本]" custT="1"/>
+      <dgm:spPr/>
+      <dgm:t>
+        <a:bodyPr/>
+        <a:lstStyle/>
+        <a:p>
+          <a:r>
+            <a:rPr lang="zh-CN" altLang="en-US" sz="2000" dirty="0" smtClean="0"/>
+            <a:t>圈子</a:t>
+          </a:r>
+          <a:endParaRPr lang="zh-CN" altLang="en-US" sz="2000" dirty="0"/>
+        </a:p>
+      </dgm:t>
+    </dgm:pt>
+    <dgm:pt modelId="{7BCB60D3-B292-EA40-80A6-E40B16C60613}" type="parTrans" cxnId="{9EF39CEB-B991-974C-9446-D58A899EB85C}">
+      <dgm:prSet/>
+      <dgm:spPr/>
+      <dgm:t>
+        <a:bodyPr/>
+        <a:lstStyle/>
+        <a:p>
+          <a:endParaRPr lang="zh-CN" altLang="en-US" sz="2000"/>
+        </a:p>
+      </dgm:t>
+    </dgm:pt>
+    <dgm:pt modelId="{4086DFDD-7A6C-ED46-AA9E-FFFF87A51A08}" type="sibTrans" cxnId="{9EF39CEB-B991-974C-9446-D58A899EB85C}">
+      <dgm:prSet/>
+      <dgm:spPr/>
+      <dgm:t>
+        <a:bodyPr/>
+        <a:lstStyle/>
+        <a:p>
+          <a:endParaRPr lang="zh-CN" altLang="en-US" sz="2000"/>
+        </a:p>
+      </dgm:t>
+    </dgm:pt>
+    <dgm:pt modelId="{653C2525-6CC3-CA4F-B1F3-142B1477CD80}">
+      <dgm:prSet phldrT="[文本]" custT="1"/>
+      <dgm:spPr/>
+      <dgm:t>
+        <a:bodyPr/>
+        <a:lstStyle/>
+        <a:p>
+          <a:r>
+            <a:rPr lang="zh-CN" altLang="en-US" sz="2000" dirty="0" smtClean="0"/>
+            <a:t>反馈</a:t>
+          </a:r>
+          <a:endParaRPr lang="zh-CN" altLang="en-US" sz="2000" dirty="0"/>
+        </a:p>
+      </dgm:t>
+    </dgm:pt>
+    <dgm:pt modelId="{C6BF515A-4A66-F149-B697-14929193EA28}" type="parTrans" cxnId="{A8829341-AD8B-FA43-BDDC-3DF0CB2AFB2D}">
+      <dgm:prSet/>
+      <dgm:spPr/>
+      <dgm:t>
+        <a:bodyPr/>
+        <a:lstStyle/>
+        <a:p>
+          <a:endParaRPr lang="zh-CN" altLang="en-US" sz="2000"/>
+        </a:p>
+      </dgm:t>
+    </dgm:pt>
+    <dgm:pt modelId="{7F3A5146-2828-3C4A-8BEE-CB3D3E51AE19}" type="sibTrans" cxnId="{A8829341-AD8B-FA43-BDDC-3DF0CB2AFB2D}">
+      <dgm:prSet/>
+      <dgm:spPr/>
+      <dgm:t>
+        <a:bodyPr/>
+        <a:lstStyle/>
+        <a:p>
+          <a:endParaRPr lang="zh-CN" altLang="en-US" sz="2000"/>
+        </a:p>
+      </dgm:t>
+    </dgm:pt>
+    <dgm:pt modelId="{C85D0DDA-50EF-AD4F-9A5B-DBF964B3F70E}">
+      <dgm:prSet phldrT="[文本]" custT="1"/>
+      <dgm:spPr/>
+      <dgm:t>
+        <a:bodyPr/>
+        <a:lstStyle/>
+        <a:p>
+          <a:r>
+            <a:rPr lang="zh-CN" altLang="en-US" sz="2000" dirty="0" smtClean="0"/>
+            <a:t>风险</a:t>
+          </a:r>
+          <a:endParaRPr lang="zh-CN" altLang="en-US" sz="2000" dirty="0"/>
+        </a:p>
+      </dgm:t>
+    </dgm:pt>
+    <dgm:pt modelId="{73ABB32E-033F-344A-ADE1-74E2A74944C9}" type="parTrans" cxnId="{B4DCAE70-455F-9342-8232-903C73A58D43}">
+      <dgm:prSet/>
+      <dgm:spPr/>
+      <dgm:t>
+        <a:bodyPr/>
+        <a:lstStyle/>
+        <a:p>
+          <a:endParaRPr lang="zh-CN" altLang="en-US" sz="2000"/>
+        </a:p>
+      </dgm:t>
+    </dgm:pt>
+    <dgm:pt modelId="{6A79D2D9-8E60-6C48-B2AC-2D2E7917540D}" type="sibTrans" cxnId="{B4DCAE70-455F-9342-8232-903C73A58D43}">
+      <dgm:prSet/>
+      <dgm:spPr/>
+      <dgm:t>
+        <a:bodyPr/>
+        <a:lstStyle/>
+        <a:p>
+          <a:endParaRPr lang="zh-CN" altLang="en-US" sz="2000"/>
+        </a:p>
+      </dgm:t>
+    </dgm:pt>
+    <dgm:pt modelId="{071E8877-8B15-DE43-9DED-33C83F43B405}">
+      <dgm:prSet phldrT="[文本]" custT="1"/>
+      <dgm:spPr/>
+      <dgm:t>
+        <a:bodyPr/>
+        <a:lstStyle/>
+        <a:p>
+          <a:r>
+            <a:rPr lang="zh-CN" altLang="en-US" sz="2000" dirty="0" smtClean="0"/>
+            <a:t>位置</a:t>
+          </a:r>
+          <a:endParaRPr lang="zh-CN" altLang="en-US" sz="2000" dirty="0"/>
+        </a:p>
+      </dgm:t>
+    </dgm:pt>
+    <dgm:pt modelId="{5AC10F78-5FE6-9145-A574-C021B649175B}" type="parTrans" cxnId="{CDB7C3A7-7236-BB45-A10D-F74A73D0E632}">
+      <dgm:prSet/>
+      <dgm:spPr/>
+      <dgm:t>
+        <a:bodyPr/>
+        <a:lstStyle/>
+        <a:p>
+          <a:endParaRPr lang="zh-CN" altLang="en-US" sz="2000"/>
+        </a:p>
+      </dgm:t>
+    </dgm:pt>
+    <dgm:pt modelId="{B503CB9F-2CB1-964F-BEAA-6495D57C3CF8}" type="sibTrans" cxnId="{CDB7C3A7-7236-BB45-A10D-F74A73D0E632}">
+      <dgm:prSet/>
+      <dgm:spPr/>
+      <dgm:t>
+        <a:bodyPr/>
+        <a:lstStyle/>
+        <a:p>
+          <a:endParaRPr lang="zh-CN" altLang="en-US" sz="2000"/>
+        </a:p>
+      </dgm:t>
+    </dgm:pt>
+    <dgm:pt modelId="{66473736-CF84-1E4E-8066-4364DCBF847F}">
       <dgm:prSet phldrT="[文本]" custT="1"/>
       <dgm:spPr>
         <a:solidFill>
@@ -4800,180 +5148,32 @@
         <a:lstStyle/>
         <a:p>
           <a:r>
-            <a:rPr lang="zh-CN" altLang="en-US" sz="2400" dirty="0" smtClean="0"/>
-            <a:t>资产</a:t>
+            <a:rPr lang="zh-CN" altLang="en-US" sz="2000" dirty="0" smtClean="0"/>
+            <a:t>足迹</a:t>
           </a:r>
-          <a:endParaRPr lang="zh-CN" altLang="en-US" sz="2400" dirty="0"/>
+          <a:endParaRPr lang="zh-CN" altLang="en-US" sz="2000" dirty="0"/>
         </a:p>
       </dgm:t>
     </dgm:pt>
-    <dgm:pt modelId="{15741A0D-57CD-5F4E-9414-2BE5236CE091}" type="parTrans" cxnId="{59CB6E67-A3D2-B642-9100-183C4609F5A4}">
+    <dgm:pt modelId="{16ECC7B8-1150-414A-8F6B-14A066AE97C3}" type="parTrans" cxnId="{57D2AE21-5831-5D48-AD06-06CACEFF632A}">
       <dgm:prSet/>
       <dgm:spPr/>
       <dgm:t>
         <a:bodyPr/>
         <a:lstStyle/>
         <a:p>
-          <a:endParaRPr lang="zh-CN" altLang="en-US" sz="2400"/>
+          <a:endParaRPr lang="zh-CN" altLang="en-US" sz="2000"/>
         </a:p>
       </dgm:t>
     </dgm:pt>
-    <dgm:pt modelId="{DFFCD53C-88E6-534F-9574-822AE78A86A7}" type="sibTrans" cxnId="{59CB6E67-A3D2-B642-9100-183C4609F5A4}">
+    <dgm:pt modelId="{437CAB75-9F95-8644-A859-D6AAA6275B68}" type="sibTrans" cxnId="{57D2AE21-5831-5D48-AD06-06CACEFF632A}">
       <dgm:prSet/>
       <dgm:spPr/>
       <dgm:t>
         <a:bodyPr/>
         <a:lstStyle/>
         <a:p>
-          <a:endParaRPr lang="zh-CN" altLang="en-US" sz="2400"/>
-        </a:p>
-      </dgm:t>
-    </dgm:pt>
-    <dgm:pt modelId="{051ECED1-A7E0-074E-B806-69E31F373EEE}">
-      <dgm:prSet phldrT="[文本]" custT="1"/>
-      <dgm:spPr/>
-      <dgm:t>
-        <a:bodyPr/>
-        <a:lstStyle/>
-        <a:p>
-          <a:r>
-            <a:rPr lang="zh-CN" altLang="en-US" sz="2400" dirty="0" smtClean="0"/>
-            <a:t>圈子</a:t>
-          </a:r>
-          <a:endParaRPr lang="zh-CN" altLang="en-US" sz="2400" dirty="0"/>
-        </a:p>
-      </dgm:t>
-    </dgm:pt>
-    <dgm:pt modelId="{7BCB60D3-B292-EA40-80A6-E40B16C60613}" type="parTrans" cxnId="{9EF39CEB-B991-974C-9446-D58A899EB85C}">
-      <dgm:prSet/>
-      <dgm:spPr/>
-      <dgm:t>
-        <a:bodyPr/>
-        <a:lstStyle/>
-        <a:p>
-          <a:endParaRPr lang="zh-CN" altLang="en-US" sz="2400"/>
-        </a:p>
-      </dgm:t>
-    </dgm:pt>
-    <dgm:pt modelId="{4086DFDD-7A6C-ED46-AA9E-FFFF87A51A08}" type="sibTrans" cxnId="{9EF39CEB-B991-974C-9446-D58A899EB85C}">
-      <dgm:prSet/>
-      <dgm:spPr/>
-      <dgm:t>
-        <a:bodyPr/>
-        <a:lstStyle/>
-        <a:p>
-          <a:endParaRPr lang="zh-CN" altLang="en-US" sz="2400"/>
-        </a:p>
-      </dgm:t>
-    </dgm:pt>
-    <dgm:pt modelId="{653C2525-6CC3-CA4F-B1F3-142B1477CD80}">
-      <dgm:prSet phldrT="[文本]" custT="1"/>
-      <dgm:spPr/>
-      <dgm:t>
-        <a:bodyPr/>
-        <a:lstStyle/>
-        <a:p>
-          <a:r>
-            <a:rPr lang="zh-CN" altLang="en-US" sz="2400" dirty="0" smtClean="0"/>
-            <a:t>反馈</a:t>
-          </a:r>
-          <a:endParaRPr lang="zh-CN" altLang="en-US" sz="2400" dirty="0"/>
-        </a:p>
-      </dgm:t>
-    </dgm:pt>
-    <dgm:pt modelId="{C6BF515A-4A66-F149-B697-14929193EA28}" type="parTrans" cxnId="{A8829341-AD8B-FA43-BDDC-3DF0CB2AFB2D}">
-      <dgm:prSet/>
-      <dgm:spPr/>
-      <dgm:t>
-        <a:bodyPr/>
-        <a:lstStyle/>
-        <a:p>
-          <a:endParaRPr lang="zh-CN" altLang="en-US" sz="2400"/>
-        </a:p>
-      </dgm:t>
-    </dgm:pt>
-    <dgm:pt modelId="{7F3A5146-2828-3C4A-8BEE-CB3D3E51AE19}" type="sibTrans" cxnId="{A8829341-AD8B-FA43-BDDC-3DF0CB2AFB2D}">
-      <dgm:prSet/>
-      <dgm:spPr/>
-      <dgm:t>
-        <a:bodyPr/>
-        <a:lstStyle/>
-        <a:p>
-          <a:endParaRPr lang="zh-CN" altLang="en-US" sz="2400"/>
-        </a:p>
-      </dgm:t>
-    </dgm:pt>
-    <dgm:pt modelId="{C85D0DDA-50EF-AD4F-9A5B-DBF964B3F70E}">
-      <dgm:prSet phldrT="[文本]" custT="1"/>
-      <dgm:spPr/>
-      <dgm:t>
-        <a:bodyPr/>
-        <a:lstStyle/>
-        <a:p>
-          <a:r>
-            <a:rPr lang="zh-CN" altLang="en-US" sz="2400" dirty="0" smtClean="0"/>
-            <a:t>风险</a:t>
-          </a:r>
-          <a:endParaRPr lang="zh-CN" altLang="en-US" sz="2400" dirty="0"/>
-        </a:p>
-      </dgm:t>
-    </dgm:pt>
-    <dgm:pt modelId="{73ABB32E-033F-344A-ADE1-74E2A74944C9}" type="parTrans" cxnId="{B4DCAE70-455F-9342-8232-903C73A58D43}">
-      <dgm:prSet/>
-      <dgm:spPr/>
-      <dgm:t>
-        <a:bodyPr/>
-        <a:lstStyle/>
-        <a:p>
-          <a:endParaRPr lang="zh-CN" altLang="en-US" sz="2400"/>
-        </a:p>
-      </dgm:t>
-    </dgm:pt>
-    <dgm:pt modelId="{6A79D2D9-8E60-6C48-B2AC-2D2E7917540D}" type="sibTrans" cxnId="{B4DCAE70-455F-9342-8232-903C73A58D43}">
-      <dgm:prSet/>
-      <dgm:spPr/>
-      <dgm:t>
-        <a:bodyPr/>
-        <a:lstStyle/>
-        <a:p>
-          <a:endParaRPr lang="zh-CN" altLang="en-US" sz="2400"/>
-        </a:p>
-      </dgm:t>
-    </dgm:pt>
-    <dgm:pt modelId="{071E8877-8B15-DE43-9DED-33C83F43B405}">
-      <dgm:prSet phldrT="[文本]" custT="1"/>
-      <dgm:spPr/>
-      <dgm:t>
-        <a:bodyPr/>
-        <a:lstStyle/>
-        <a:p>
-          <a:r>
-            <a:rPr lang="zh-CN" altLang="en-US" sz="2400" dirty="0" smtClean="0"/>
-            <a:t>位置</a:t>
-          </a:r>
-          <a:endParaRPr lang="zh-CN" altLang="en-US" sz="2400" dirty="0"/>
-        </a:p>
-      </dgm:t>
-    </dgm:pt>
-    <dgm:pt modelId="{5AC10F78-5FE6-9145-A574-C021B649175B}" type="parTrans" cxnId="{CDB7C3A7-7236-BB45-A10D-F74A73D0E632}">
-      <dgm:prSet/>
-      <dgm:spPr/>
-      <dgm:t>
-        <a:bodyPr/>
-        <a:lstStyle/>
-        <a:p>
-          <a:endParaRPr lang="zh-CN" altLang="en-US" sz="2400"/>
-        </a:p>
-      </dgm:t>
-    </dgm:pt>
-    <dgm:pt modelId="{B503CB9F-2CB1-964F-BEAA-6495D57C3CF8}" type="sibTrans" cxnId="{CDB7C3A7-7236-BB45-A10D-F74A73D0E632}">
-      <dgm:prSet/>
-      <dgm:spPr/>
-      <dgm:t>
-        <a:bodyPr/>
-        <a:lstStyle/>
-        <a:p>
-          <a:endParaRPr lang="zh-CN" altLang="en-US" sz="2400"/>
+          <a:endParaRPr lang="zh-CN" altLang="en-US" sz="2000"/>
         </a:p>
       </dgm:t>
     </dgm:pt>
@@ -4987,6 +5187,13 @@
         </dgm:presLayoutVars>
       </dgm:prSet>
       <dgm:spPr/>
+      <dgm:t>
+        <a:bodyPr/>
+        <a:lstStyle/>
+        <a:p>
+          <a:endParaRPr lang="zh-CN" altLang="en-US"/>
+        </a:p>
+      </dgm:t>
     </dgm:pt>
     <dgm:pt modelId="{6083DA2B-239C-E94F-BFF6-D56AF934496A}" type="pres">
       <dgm:prSet presAssocID="{09D5084C-69BD-AF43-9B48-6D30D55CB4EE}" presName="centerShape" presStyleLbl="node0" presStyleIdx="0" presStyleCnt="1"/>
@@ -5000,23 +5207,44 @@
       </dgm:t>
     </dgm:pt>
     <dgm:pt modelId="{5536D637-8BAA-AB4B-B6C9-866D35EC6748}" type="pres">
-      <dgm:prSet presAssocID="{D920D285-E8AD-C44B-970D-7A915DACEAC8}" presName="node" presStyleLbl="node1" presStyleIdx="0" presStyleCnt="5">
+      <dgm:prSet presAssocID="{D920D285-E8AD-C44B-970D-7A915DACEAC8}" presName="node" presStyleLbl="node1" presStyleIdx="0" presStyleCnt="6">
         <dgm:presLayoutVars>
           <dgm:bulletEnabled val="1"/>
         </dgm:presLayoutVars>
       </dgm:prSet>
       <dgm:spPr/>
+      <dgm:t>
+        <a:bodyPr/>
+        <a:lstStyle/>
+        <a:p>
+          <a:endParaRPr lang="zh-CN" altLang="en-US"/>
+        </a:p>
+      </dgm:t>
     </dgm:pt>
     <dgm:pt modelId="{EDE2C607-339F-BE40-87BD-A7B702C0EB9F}" type="pres">
       <dgm:prSet presAssocID="{D920D285-E8AD-C44B-970D-7A915DACEAC8}" presName="dummy" presStyleCnt="0"/>
       <dgm:spPr/>
+      <dgm:t>
+        <a:bodyPr/>
+        <a:lstStyle/>
+        <a:p>
+          <a:endParaRPr lang="zh-CN" altLang="en-US"/>
+        </a:p>
+      </dgm:t>
     </dgm:pt>
     <dgm:pt modelId="{3D789891-1C63-F44B-8F92-15966C6EE98C}" type="pres">
-      <dgm:prSet presAssocID="{DFFCD53C-88E6-534F-9574-822AE78A86A7}" presName="sibTrans" presStyleLbl="sibTrans2D1" presStyleIdx="0" presStyleCnt="5"/>
+      <dgm:prSet presAssocID="{DFFCD53C-88E6-534F-9574-822AE78A86A7}" presName="sibTrans" presStyleLbl="sibTrans2D1" presStyleIdx="0" presStyleCnt="6"/>
       <dgm:spPr/>
+      <dgm:t>
+        <a:bodyPr/>
+        <a:lstStyle/>
+        <a:p>
+          <a:endParaRPr lang="zh-CN" altLang="en-US"/>
+        </a:p>
+      </dgm:t>
     </dgm:pt>
     <dgm:pt modelId="{B046A877-FABA-444C-B762-87688AD26366}" type="pres">
-      <dgm:prSet presAssocID="{051ECED1-A7E0-074E-B806-69E31F373EEE}" presName="node" presStyleLbl="node1" presStyleIdx="1" presStyleCnt="5">
+      <dgm:prSet presAssocID="{051ECED1-A7E0-074E-B806-69E31F373EEE}" presName="node" presStyleLbl="node1" presStyleIdx="1" presStyleCnt="6">
         <dgm:presLayoutVars>
           <dgm:bulletEnabled val="1"/>
         </dgm:presLayoutVars>
@@ -5033,13 +5261,27 @@
     <dgm:pt modelId="{58036A72-0E81-294E-B22E-97307FFBBDB7}" type="pres">
       <dgm:prSet presAssocID="{051ECED1-A7E0-074E-B806-69E31F373EEE}" presName="dummy" presStyleCnt="0"/>
       <dgm:spPr/>
+      <dgm:t>
+        <a:bodyPr/>
+        <a:lstStyle/>
+        <a:p>
+          <a:endParaRPr lang="zh-CN" altLang="en-US"/>
+        </a:p>
+      </dgm:t>
     </dgm:pt>
     <dgm:pt modelId="{96F1AE09-269B-164E-8BAE-E6642AEE4A09}" type="pres">
-      <dgm:prSet presAssocID="{4086DFDD-7A6C-ED46-AA9E-FFFF87A51A08}" presName="sibTrans" presStyleLbl="sibTrans2D1" presStyleIdx="1" presStyleCnt="5"/>
+      <dgm:prSet presAssocID="{4086DFDD-7A6C-ED46-AA9E-FFFF87A51A08}" presName="sibTrans" presStyleLbl="sibTrans2D1" presStyleIdx="1" presStyleCnt="6"/>
       <dgm:spPr/>
+      <dgm:t>
+        <a:bodyPr/>
+        <a:lstStyle/>
+        <a:p>
+          <a:endParaRPr lang="zh-CN" altLang="en-US"/>
+        </a:p>
+      </dgm:t>
     </dgm:pt>
     <dgm:pt modelId="{7325DBA6-C0E7-B046-84F1-61165AFA4FB2}" type="pres">
-      <dgm:prSet presAssocID="{071E8877-8B15-DE43-9DED-33C83F43B405}" presName="node" presStyleLbl="node1" presStyleIdx="2" presStyleCnt="5">
+      <dgm:prSet presAssocID="{071E8877-8B15-DE43-9DED-33C83F43B405}" presName="node" presStyleLbl="node1" presStyleIdx="2" presStyleCnt="6">
         <dgm:presLayoutVars>
           <dgm:bulletEnabled val="1"/>
         </dgm:presLayoutVars>
@@ -5056,13 +5298,27 @@
     <dgm:pt modelId="{A7B3A1CA-DDC9-F849-9BE0-8BB0BD5A2E52}" type="pres">
       <dgm:prSet presAssocID="{071E8877-8B15-DE43-9DED-33C83F43B405}" presName="dummy" presStyleCnt="0"/>
       <dgm:spPr/>
+      <dgm:t>
+        <a:bodyPr/>
+        <a:lstStyle/>
+        <a:p>
+          <a:endParaRPr lang="zh-CN" altLang="en-US"/>
+        </a:p>
+      </dgm:t>
     </dgm:pt>
     <dgm:pt modelId="{09428FDF-8432-CE41-B3F6-EE7E2067A4EC}" type="pres">
-      <dgm:prSet presAssocID="{B503CB9F-2CB1-964F-BEAA-6495D57C3CF8}" presName="sibTrans" presStyleLbl="sibTrans2D1" presStyleIdx="2" presStyleCnt="5"/>
+      <dgm:prSet presAssocID="{B503CB9F-2CB1-964F-BEAA-6495D57C3CF8}" presName="sibTrans" presStyleLbl="sibTrans2D1" presStyleIdx="2" presStyleCnt="6"/>
       <dgm:spPr/>
+      <dgm:t>
+        <a:bodyPr/>
+        <a:lstStyle/>
+        <a:p>
+          <a:endParaRPr lang="zh-CN" altLang="en-US"/>
+        </a:p>
+      </dgm:t>
     </dgm:pt>
     <dgm:pt modelId="{5667F904-C74D-2F40-98FB-956E46ADA6D9}" type="pres">
-      <dgm:prSet presAssocID="{653C2525-6CC3-CA4F-B1F3-142B1477CD80}" presName="node" presStyleLbl="node1" presStyleIdx="3" presStyleCnt="5">
+      <dgm:prSet presAssocID="{653C2525-6CC3-CA4F-B1F3-142B1477CD80}" presName="node" presStyleLbl="node1" presStyleIdx="3" presStyleCnt="6">
         <dgm:presLayoutVars>
           <dgm:bulletEnabled val="1"/>
         </dgm:presLayoutVars>
@@ -5079,13 +5335,27 @@
     <dgm:pt modelId="{BEE72B79-1E85-E44E-B54C-73E12EFD66B1}" type="pres">
       <dgm:prSet presAssocID="{653C2525-6CC3-CA4F-B1F3-142B1477CD80}" presName="dummy" presStyleCnt="0"/>
       <dgm:spPr/>
+      <dgm:t>
+        <a:bodyPr/>
+        <a:lstStyle/>
+        <a:p>
+          <a:endParaRPr lang="zh-CN" altLang="en-US"/>
+        </a:p>
+      </dgm:t>
     </dgm:pt>
     <dgm:pt modelId="{AB2880E1-8592-A44C-A825-0024CB987867}" type="pres">
-      <dgm:prSet presAssocID="{7F3A5146-2828-3C4A-8BEE-CB3D3E51AE19}" presName="sibTrans" presStyleLbl="sibTrans2D1" presStyleIdx="3" presStyleCnt="5"/>
+      <dgm:prSet presAssocID="{7F3A5146-2828-3C4A-8BEE-CB3D3E51AE19}" presName="sibTrans" presStyleLbl="sibTrans2D1" presStyleIdx="3" presStyleCnt="6"/>
       <dgm:spPr/>
+      <dgm:t>
+        <a:bodyPr/>
+        <a:lstStyle/>
+        <a:p>
+          <a:endParaRPr lang="zh-CN" altLang="en-US"/>
+        </a:p>
+      </dgm:t>
     </dgm:pt>
     <dgm:pt modelId="{FEB3DD1C-6016-AD42-B617-1805A98435B5}" type="pres">
-      <dgm:prSet presAssocID="{C85D0DDA-50EF-AD4F-9A5B-DBF964B3F70E}" presName="node" presStyleLbl="node1" presStyleIdx="4" presStyleCnt="5">
+      <dgm:prSet presAssocID="{C85D0DDA-50EF-AD4F-9A5B-DBF964B3F70E}" presName="node" presStyleLbl="node1" presStyleIdx="4" presStyleCnt="6">
         <dgm:presLayoutVars>
           <dgm:bulletEnabled val="1"/>
         </dgm:presLayoutVars>
@@ -5102,21 +5372,66 @@
     <dgm:pt modelId="{197129DD-212F-4744-855A-82FF22A1B081}" type="pres">
       <dgm:prSet presAssocID="{C85D0DDA-50EF-AD4F-9A5B-DBF964B3F70E}" presName="dummy" presStyleCnt="0"/>
       <dgm:spPr/>
+      <dgm:t>
+        <a:bodyPr/>
+        <a:lstStyle/>
+        <a:p>
+          <a:endParaRPr lang="zh-CN" altLang="en-US"/>
+        </a:p>
+      </dgm:t>
     </dgm:pt>
     <dgm:pt modelId="{DD305EF8-1BBB-E44F-989A-D706D5F8007A}" type="pres">
-      <dgm:prSet presAssocID="{6A79D2D9-8E60-6C48-B2AC-2D2E7917540D}" presName="sibTrans" presStyleLbl="sibTrans2D1" presStyleIdx="4" presStyleCnt="5" custLinFactNeighborX="3353" custLinFactNeighborY="1674"/>
+      <dgm:prSet presAssocID="{6A79D2D9-8E60-6C48-B2AC-2D2E7917540D}" presName="sibTrans" presStyleLbl="sibTrans2D1" presStyleIdx="4" presStyleCnt="6" custLinFactNeighborX="3353" custLinFactNeighborY="1674"/>
       <dgm:spPr/>
+      <dgm:t>
+        <a:bodyPr/>
+        <a:lstStyle/>
+        <a:p>
+          <a:endParaRPr lang="zh-CN" altLang="en-US"/>
+        </a:p>
+      </dgm:t>
+    </dgm:pt>
+    <dgm:pt modelId="{4E239341-0024-3B43-A03F-4550B79185B0}" type="pres">
+      <dgm:prSet presAssocID="{66473736-CF84-1E4E-8066-4364DCBF847F}" presName="node" presStyleLbl="node1" presStyleIdx="5" presStyleCnt="6">
+        <dgm:presLayoutVars>
+          <dgm:bulletEnabled val="1"/>
+        </dgm:presLayoutVars>
+      </dgm:prSet>
+      <dgm:spPr/>
+      <dgm:t>
+        <a:bodyPr/>
+        <a:lstStyle/>
+        <a:p>
+          <a:endParaRPr lang="zh-CN" altLang="en-US"/>
+        </a:p>
+      </dgm:t>
+    </dgm:pt>
+    <dgm:pt modelId="{9A20FCAD-88BB-4F4E-8595-BF1B66F0CFE1}" type="pres">
+      <dgm:prSet presAssocID="{66473736-CF84-1E4E-8066-4364DCBF847F}" presName="dummy" presStyleCnt="0"/>
+      <dgm:spPr/>
+    </dgm:pt>
+    <dgm:pt modelId="{1C6F226F-68CF-0D49-85BA-CA4D670F8AD3}" type="pres">
+      <dgm:prSet presAssocID="{437CAB75-9F95-8644-A859-D6AAA6275B68}" presName="sibTrans" presStyleLbl="sibTrans2D1" presStyleIdx="5" presStyleCnt="6" custLinFactNeighborX="3353" custLinFactNeighborY="1674"/>
+      <dgm:spPr/>
+      <dgm:t>
+        <a:bodyPr/>
+        <a:lstStyle/>
+        <a:p>
+          <a:endParaRPr lang="zh-CN" altLang="en-US"/>
+        </a:p>
+      </dgm:t>
     </dgm:pt>
   </dgm:ptLst>
   <dgm:cxnLst>
+    <dgm:cxn modelId="{57D2AE21-5831-5D48-AD06-06CACEFF632A}" srcId="{09D5084C-69BD-AF43-9B48-6D30D55CB4EE}" destId="{66473736-CF84-1E4E-8066-4364DCBF847F}" srcOrd="5" destOrd="0" parTransId="{16ECC7B8-1150-414A-8F6B-14A066AE97C3}" sibTransId="{437CAB75-9F95-8644-A859-D6AAA6275B68}"/>
     <dgm:cxn modelId="{22F57FC2-0428-CB44-8F42-D82CFBF2E0CA}" type="presOf" srcId="{B503CB9F-2CB1-964F-BEAA-6495D57C3CF8}" destId="{09428FDF-8432-CE41-B3F6-EE7E2067A4EC}" srcOrd="0" destOrd="0" presId="urn:microsoft.com/office/officeart/2005/8/layout/radial6"/>
     <dgm:cxn modelId="{EDCF644C-ED17-5B4B-82CA-703A9036F26C}" type="presOf" srcId="{4086DFDD-7A6C-ED46-AA9E-FFFF87A51A08}" destId="{96F1AE09-269B-164E-8BAE-E6642AEE4A09}" srcOrd="0" destOrd="0" presId="urn:microsoft.com/office/officeart/2005/8/layout/radial6"/>
     <dgm:cxn modelId="{B825F2BB-F501-7E49-AE74-C97F88B42702}" type="presOf" srcId="{B32469D9-A1A6-DF46-8113-71CAC6922919}" destId="{28F48120-D992-D843-AEA5-31E440C2EFF9}" srcOrd="0" destOrd="0" presId="urn:microsoft.com/office/officeart/2005/8/layout/radial6"/>
     <dgm:cxn modelId="{5EA4D413-7781-C24E-AEC1-102490B55E63}" type="presOf" srcId="{D920D285-E8AD-C44B-970D-7A915DACEAC8}" destId="{5536D637-8BAA-AB4B-B6C9-866D35EC6748}" srcOrd="0" destOrd="0" presId="urn:microsoft.com/office/officeart/2005/8/layout/radial6"/>
+    <dgm:cxn modelId="{FA99F889-B993-FE49-9353-51F39676C42B}" srcId="{B32469D9-A1A6-DF46-8113-71CAC6922919}" destId="{09D5084C-69BD-AF43-9B48-6D30D55CB4EE}" srcOrd="0" destOrd="0" parTransId="{4EECCD25-E224-0743-A7A6-5629A4FC249A}" sibTransId="{EB327D46-4A0D-4441-95EA-D018447A42ED}"/>
     <dgm:cxn modelId="{87C40290-5682-CA4D-BE5C-B7790E1E4578}" type="presOf" srcId="{071E8877-8B15-DE43-9DED-33C83F43B405}" destId="{7325DBA6-C0E7-B046-84F1-61165AFA4FB2}" srcOrd="0" destOrd="0" presId="urn:microsoft.com/office/officeart/2005/8/layout/radial6"/>
-    <dgm:cxn modelId="{FA99F889-B993-FE49-9353-51F39676C42B}" srcId="{B32469D9-A1A6-DF46-8113-71CAC6922919}" destId="{09D5084C-69BD-AF43-9B48-6D30D55CB4EE}" srcOrd="0" destOrd="0" parTransId="{4EECCD25-E224-0743-A7A6-5629A4FC249A}" sibTransId="{EB327D46-4A0D-4441-95EA-D018447A42ED}"/>
+    <dgm:cxn modelId="{B248DC84-D878-2F49-B093-E1ABFEE7FA70}" type="presOf" srcId="{7F3A5146-2828-3C4A-8BEE-CB3D3E51AE19}" destId="{AB2880E1-8592-A44C-A825-0024CB987867}" srcOrd="0" destOrd="0" presId="urn:microsoft.com/office/officeart/2005/8/layout/radial6"/>
     <dgm:cxn modelId="{9EF39CEB-B991-974C-9446-D58A899EB85C}" srcId="{09D5084C-69BD-AF43-9B48-6D30D55CB4EE}" destId="{051ECED1-A7E0-074E-B806-69E31F373EEE}" srcOrd="1" destOrd="0" parTransId="{7BCB60D3-B292-EA40-80A6-E40B16C60613}" sibTransId="{4086DFDD-7A6C-ED46-AA9E-FFFF87A51A08}"/>
-    <dgm:cxn modelId="{B248DC84-D878-2F49-B093-E1ABFEE7FA70}" type="presOf" srcId="{7F3A5146-2828-3C4A-8BEE-CB3D3E51AE19}" destId="{AB2880E1-8592-A44C-A825-0024CB987867}" srcOrd="0" destOrd="0" presId="urn:microsoft.com/office/officeart/2005/8/layout/radial6"/>
     <dgm:cxn modelId="{B4DCAE70-455F-9342-8232-903C73A58D43}" srcId="{09D5084C-69BD-AF43-9B48-6D30D55CB4EE}" destId="{C85D0DDA-50EF-AD4F-9A5B-DBF964B3F70E}" srcOrd="4" destOrd="0" parTransId="{73ABB32E-033F-344A-ADE1-74E2A74944C9}" sibTransId="{6A79D2D9-8E60-6C48-B2AC-2D2E7917540D}"/>
     <dgm:cxn modelId="{A8829341-AD8B-FA43-BDDC-3DF0CB2AFB2D}" srcId="{09D5084C-69BD-AF43-9B48-6D30D55CB4EE}" destId="{653C2525-6CC3-CA4F-B1F3-142B1477CD80}" srcOrd="3" destOrd="0" parTransId="{C6BF515A-4A66-F149-B697-14929193EA28}" sibTransId="{7F3A5146-2828-3C4A-8BEE-CB3D3E51AE19}"/>
     <dgm:cxn modelId="{59CB6E67-A3D2-B642-9100-183C4609F5A4}" srcId="{09D5084C-69BD-AF43-9B48-6D30D55CB4EE}" destId="{D920D285-E8AD-C44B-970D-7A915DACEAC8}" srcOrd="0" destOrd="0" parTransId="{15741A0D-57CD-5F4E-9414-2BE5236CE091}" sibTransId="{DFFCD53C-88E6-534F-9574-822AE78A86A7}"/>
@@ -5124,9 +5439,11 @@
     <dgm:cxn modelId="{CDB7C3A7-7236-BB45-A10D-F74A73D0E632}" srcId="{09D5084C-69BD-AF43-9B48-6D30D55CB4EE}" destId="{071E8877-8B15-DE43-9DED-33C83F43B405}" srcOrd="2" destOrd="0" parTransId="{5AC10F78-5FE6-9145-A574-C021B649175B}" sibTransId="{B503CB9F-2CB1-964F-BEAA-6495D57C3CF8}"/>
     <dgm:cxn modelId="{CDC0E59E-38A7-4945-8B9A-AD494C93BD71}" type="presOf" srcId="{653C2525-6CC3-CA4F-B1F3-142B1477CD80}" destId="{5667F904-C74D-2F40-98FB-956E46ADA6D9}" srcOrd="0" destOrd="0" presId="urn:microsoft.com/office/officeart/2005/8/layout/radial6"/>
     <dgm:cxn modelId="{6CE43F44-966B-EA46-82ED-DBD2E9316A2F}" type="presOf" srcId="{DFFCD53C-88E6-534F-9574-822AE78A86A7}" destId="{3D789891-1C63-F44B-8F92-15966C6EE98C}" srcOrd="0" destOrd="0" presId="urn:microsoft.com/office/officeart/2005/8/layout/radial6"/>
+    <dgm:cxn modelId="{6CE6B92E-325C-A04F-BA21-B4FDA4790072}" type="presOf" srcId="{437CAB75-9F95-8644-A859-D6AAA6275B68}" destId="{1C6F226F-68CF-0D49-85BA-CA4D670F8AD3}" srcOrd="0" destOrd="0" presId="urn:microsoft.com/office/officeart/2005/8/layout/radial6"/>
     <dgm:cxn modelId="{030C4367-BFA5-3445-9BB5-2A170E38B379}" type="presOf" srcId="{051ECED1-A7E0-074E-B806-69E31F373EEE}" destId="{B046A877-FABA-444C-B762-87688AD26366}" srcOrd="0" destOrd="0" presId="urn:microsoft.com/office/officeart/2005/8/layout/radial6"/>
     <dgm:cxn modelId="{E88EC75D-41C5-4646-AAC3-5106A12C646D}" type="presOf" srcId="{09D5084C-69BD-AF43-9B48-6D30D55CB4EE}" destId="{6083DA2B-239C-E94F-BFF6-D56AF934496A}" srcOrd="0" destOrd="0" presId="urn:microsoft.com/office/officeart/2005/8/layout/radial6"/>
     <dgm:cxn modelId="{C82643A1-26F2-634B-A98B-919398A7A00C}" type="presOf" srcId="{6A79D2D9-8E60-6C48-B2AC-2D2E7917540D}" destId="{DD305EF8-1BBB-E44F-989A-D706D5F8007A}" srcOrd="0" destOrd="0" presId="urn:microsoft.com/office/officeart/2005/8/layout/radial6"/>
+    <dgm:cxn modelId="{DB19F980-A3BC-F049-826B-E0E18EE43394}" type="presOf" srcId="{66473736-CF84-1E4E-8066-4364DCBF847F}" destId="{4E239341-0024-3B43-A03F-4550B79185B0}" srcOrd="0" destOrd="0" presId="urn:microsoft.com/office/officeart/2005/8/layout/radial6"/>
     <dgm:cxn modelId="{EA5556B8-3B51-7A41-A868-BE0024A760B1}" type="presParOf" srcId="{28F48120-D992-D843-AEA5-31E440C2EFF9}" destId="{6083DA2B-239C-E94F-BFF6-D56AF934496A}" srcOrd="0" destOrd="0" presId="urn:microsoft.com/office/officeart/2005/8/layout/radial6"/>
     <dgm:cxn modelId="{5EB7691D-2D89-B648-A67A-D2D7AB5D02D1}" type="presParOf" srcId="{28F48120-D992-D843-AEA5-31E440C2EFF9}" destId="{5536D637-8BAA-AB4B-B6C9-866D35EC6748}" srcOrd="1" destOrd="0" presId="urn:microsoft.com/office/officeart/2005/8/layout/radial6"/>
     <dgm:cxn modelId="{857B7688-E8CD-5A4D-85BA-AD33FEA68400}" type="presParOf" srcId="{28F48120-D992-D843-AEA5-31E440C2EFF9}" destId="{EDE2C607-339F-BE40-87BD-A7B702C0EB9F}" srcOrd="2" destOrd="0" presId="urn:microsoft.com/office/officeart/2005/8/layout/radial6"/>
@@ -5143,6 +5460,9 @@
     <dgm:cxn modelId="{9F4D036C-7204-3C49-BD8A-EEE08246554A}" type="presParOf" srcId="{28F48120-D992-D843-AEA5-31E440C2EFF9}" destId="{FEB3DD1C-6016-AD42-B617-1805A98435B5}" srcOrd="13" destOrd="0" presId="urn:microsoft.com/office/officeart/2005/8/layout/radial6"/>
     <dgm:cxn modelId="{60E50D7F-C6D4-C443-8269-144C1F0E75EA}" type="presParOf" srcId="{28F48120-D992-D843-AEA5-31E440C2EFF9}" destId="{197129DD-212F-4744-855A-82FF22A1B081}" srcOrd="14" destOrd="0" presId="urn:microsoft.com/office/officeart/2005/8/layout/radial6"/>
     <dgm:cxn modelId="{EC9A6729-D299-FA43-921D-138A06A072C6}" type="presParOf" srcId="{28F48120-D992-D843-AEA5-31E440C2EFF9}" destId="{DD305EF8-1BBB-E44F-989A-D706D5F8007A}" srcOrd="15" destOrd="0" presId="urn:microsoft.com/office/officeart/2005/8/layout/radial6"/>
+    <dgm:cxn modelId="{3F2A45F0-5AF9-B045-8C07-D726C469281B}" type="presParOf" srcId="{28F48120-D992-D843-AEA5-31E440C2EFF9}" destId="{4E239341-0024-3B43-A03F-4550B79185B0}" srcOrd="16" destOrd="0" presId="urn:microsoft.com/office/officeart/2005/8/layout/radial6"/>
+    <dgm:cxn modelId="{64BA0186-509D-1D4F-BB26-0607B1714A52}" type="presParOf" srcId="{28F48120-D992-D843-AEA5-31E440C2EFF9}" destId="{9A20FCAD-88BB-4F4E-8595-BF1B66F0CFE1}" srcOrd="17" destOrd="0" presId="urn:microsoft.com/office/officeart/2005/8/layout/radial6"/>
+    <dgm:cxn modelId="{14966382-1157-F94E-8B37-A376ADADCE4D}" type="presParOf" srcId="{28F48120-D992-D843-AEA5-31E440C2EFF9}" destId="{1C6F226F-68CF-0D49-85BA-CA4D670F8AD3}" srcOrd="18" destOrd="0" presId="urn:microsoft.com/office/officeart/2005/8/layout/radial6"/>
   </dgm:cxnLst>
   <dgm:bg/>
   <dgm:whole/>
@@ -5158,7 +5478,7 @@
 <dgm:dataModel xmlns:dgm="http://schemas.openxmlformats.org/drawingml/2006/diagram" xmlns:a="http://schemas.openxmlformats.org/drawingml/2006/main">
   <dgm:ptLst>
     <dgm:pt modelId="{41D8AFE9-0CB3-6C48-98EA-0D3DE3EC0769}" type="doc">
-      <dgm:prSet loTypeId="urn:microsoft.com/office/officeart/2005/8/layout/hierarchy4" loCatId="" qsTypeId="urn:microsoft.com/office/officeart/2005/8/quickstyle/simple2" qsCatId="simple" csTypeId="urn:microsoft.com/office/officeart/2005/8/colors/colorful1" csCatId="colorful" phldr="1"/>
+      <dgm:prSet loTypeId="urn:microsoft.com/office/officeart/2005/8/layout/hierarchy4" loCatId="" qsTypeId="urn:microsoft.com/office/officeart/2005/8/quickstyle/simple4" qsCatId="simple" csTypeId="urn:microsoft.com/office/officeart/2005/8/colors/colorful1" csCatId="colorful" phldr="1"/>
       <dgm:spPr/>
       <dgm:t>
         <a:bodyPr/>
@@ -5173,7 +5493,7 @@
       <dgm:spPr>
         <a:solidFill>
           <a:schemeClr val="accent5">
-            <a:lumMod val="75000"/>
+            <a:lumMod val="50000"/>
           </a:schemeClr>
         </a:solidFill>
       </dgm:spPr>
@@ -5182,30 +5502,18 @@
         <a:lstStyle/>
         <a:p>
           <a:r>
-            <a:rPr lang="en-US" altLang="zh-CN" sz="2400" dirty="0" smtClean="0"/>
+            <a:rPr lang="en-US" altLang="zh-CN" sz="2000" dirty="0" smtClean="0"/>
             <a:t>EMP</a:t>
           </a:r>
           <a:r>
-            <a:rPr lang="zh-CN" altLang="en-US" sz="2400" dirty="0" smtClean="0"/>
-            <a:t>（</a:t>
-          </a:r>
-          <a:r>
-            <a:rPr lang="en-US" altLang="zh-CN" sz="2400" dirty="0" err="1" smtClean="0"/>
-            <a:t>Memcach</a:t>
-          </a:r>
-          <a:r>
-            <a:rPr lang="zh-CN" altLang="en-US" sz="2400" dirty="0" smtClean="0"/>
+            <a:rPr lang="zh-CN" altLang="en-US" sz="2000" dirty="0" smtClean="0"/>
             <a:t>、</a:t>
           </a:r>
           <a:r>
-            <a:rPr lang="en-US" altLang="zh-CN" sz="2400" dirty="0" err="1" smtClean="0"/>
-            <a:t>MongoDB</a:t>
+            <a:rPr lang="en-US" altLang="zh-CN" sz="2000" dirty="0" smtClean="0"/>
+            <a:t>Liana5</a:t>
           </a:r>
-          <a:r>
-            <a:rPr lang="zh-CN" altLang="en-US" sz="2400" dirty="0" smtClean="0"/>
-            <a:t>）</a:t>
-          </a:r>
-          <a:endParaRPr lang="zh-CN" altLang="en-US" sz="2400" dirty="0"/>
+          <a:endParaRPr lang="zh-CN" altLang="en-US" sz="2000" dirty="0" smtClean="0"/>
         </a:p>
       </dgm:t>
     </dgm:pt>
@@ -5216,7 +5524,7 @@
         <a:bodyPr/>
         <a:lstStyle/>
         <a:p>
-          <a:endParaRPr lang="zh-CN" altLang="en-US" sz="2400"/>
+          <a:endParaRPr lang="zh-CN" altLang="en-US" sz="2000"/>
         </a:p>
       </dgm:t>
     </dgm:pt>
@@ -5227,22 +5535,29 @@
         <a:bodyPr/>
         <a:lstStyle/>
         <a:p>
-          <a:endParaRPr lang="zh-CN" altLang="en-US" sz="2400"/>
+          <a:endParaRPr lang="zh-CN" altLang="en-US" sz="2000"/>
         </a:p>
       </dgm:t>
     </dgm:pt>
     <dgm:pt modelId="{52CECD96-6F80-A748-8F27-5B3C6064910A}">
       <dgm:prSet phldrT="[文本]" custT="1"/>
-      <dgm:spPr/>
+      <dgm:spPr>
+        <a:solidFill>
+          <a:schemeClr val="accent6">
+            <a:lumMod val="60000"/>
+            <a:lumOff val="40000"/>
+          </a:schemeClr>
+        </a:solidFill>
+      </dgm:spPr>
       <dgm:t>
         <a:bodyPr/>
         <a:lstStyle/>
         <a:p>
           <a:r>
-            <a:rPr lang="zh-CN" altLang="en-US" sz="2400" dirty="0" smtClean="0"/>
+            <a:rPr lang="zh-CN" altLang="en-US" sz="2000" dirty="0" smtClean="0"/>
             <a:t>图表</a:t>
           </a:r>
-          <a:endParaRPr lang="zh-CN" altLang="en-US" sz="2400" dirty="0"/>
+          <a:endParaRPr lang="zh-CN" altLang="en-US" sz="2000" dirty="0"/>
         </a:p>
       </dgm:t>
     </dgm:pt>
@@ -5253,7 +5568,7 @@
         <a:bodyPr/>
         <a:lstStyle/>
         <a:p>
-          <a:endParaRPr lang="zh-CN" altLang="en-US" sz="2400"/>
+          <a:endParaRPr lang="zh-CN" altLang="en-US" sz="2000"/>
         </a:p>
       </dgm:t>
     </dgm:pt>
@@ -5264,7 +5579,7 @@
         <a:bodyPr/>
         <a:lstStyle/>
         <a:p>
-          <a:endParaRPr lang="zh-CN" altLang="en-US" sz="2400"/>
+          <a:endParaRPr lang="zh-CN" altLang="en-US" sz="2000"/>
         </a:p>
       </dgm:t>
     </dgm:pt>
@@ -5276,10 +5591,10 @@
         <a:lstStyle/>
         <a:p>
           <a:r>
-            <a:rPr lang="zh-CN" altLang="en-US" sz="2400" dirty="0" smtClean="0"/>
+            <a:rPr lang="zh-CN" altLang="en-US" sz="2000" dirty="0" smtClean="0"/>
             <a:t>采集</a:t>
           </a:r>
-          <a:endParaRPr lang="zh-CN" altLang="en-US" sz="2400" dirty="0"/>
+          <a:endParaRPr lang="zh-CN" altLang="en-US" sz="2000" dirty="0"/>
         </a:p>
       </dgm:t>
     </dgm:pt>
@@ -5290,7 +5605,7 @@
         <a:bodyPr/>
         <a:lstStyle/>
         <a:p>
-          <a:endParaRPr lang="zh-CN" altLang="en-US" sz="2400"/>
+          <a:endParaRPr lang="zh-CN" altLang="en-US" sz="2000"/>
         </a:p>
       </dgm:t>
     </dgm:pt>
@@ -5301,7 +5616,7 @@
         <a:bodyPr/>
         <a:lstStyle/>
         <a:p>
-          <a:endParaRPr lang="zh-CN" altLang="en-US" sz="2400"/>
+          <a:endParaRPr lang="zh-CN" altLang="en-US" sz="2000"/>
         </a:p>
       </dgm:t>
     </dgm:pt>
@@ -5317,10 +5632,10 @@
         <a:lstStyle/>
         <a:p>
           <a:r>
-            <a:rPr lang="zh-CN" altLang="en-US" sz="2400" dirty="0" smtClean="0"/>
+            <a:rPr lang="zh-CN" altLang="en-US" sz="2000" dirty="0" smtClean="0"/>
             <a:t>分析</a:t>
           </a:r>
-          <a:endParaRPr lang="zh-CN" altLang="en-US" sz="2400" dirty="0"/>
+          <a:endParaRPr lang="zh-CN" altLang="en-US" sz="2000" dirty="0"/>
         </a:p>
       </dgm:t>
     </dgm:pt>
@@ -5331,7 +5646,7 @@
         <a:bodyPr/>
         <a:lstStyle/>
         <a:p>
-          <a:endParaRPr lang="zh-CN" altLang="en-US" sz="2400"/>
+          <a:endParaRPr lang="zh-CN" altLang="en-US" sz="2000"/>
         </a:p>
       </dgm:t>
     </dgm:pt>
@@ -5342,11 +5657,48 @@
         <a:bodyPr/>
         <a:lstStyle/>
         <a:p>
-          <a:endParaRPr lang="zh-CN" altLang="en-US" sz="2400"/>
+          <a:endParaRPr lang="zh-CN" altLang="en-US" sz="2000"/>
         </a:p>
       </dgm:t>
     </dgm:pt>
     <dgm:pt modelId="{5001ECD0-436F-B04D-ACC1-EF3B9A3FB08B}">
+      <dgm:prSet phldrT="[文本]" custT="1"/>
+      <dgm:spPr/>
+      <dgm:t>
+        <a:bodyPr/>
+        <a:lstStyle/>
+        <a:p>
+          <a:r>
+            <a:rPr lang="zh-CN" altLang="en-US" sz="2000" dirty="0" smtClean="0"/>
+            <a:t>营销</a:t>
+          </a:r>
+          <a:endParaRPr lang="zh-CN" altLang="en-US" sz="2000" dirty="0"/>
+        </a:p>
+      </dgm:t>
+    </dgm:pt>
+    <dgm:pt modelId="{510AB8A0-3E6F-B849-B35E-1232E5EA9064}" type="parTrans" cxnId="{728BE7F0-9E53-4C4F-9EE4-EE1E2DE9320D}">
+      <dgm:prSet/>
+      <dgm:spPr/>
+      <dgm:t>
+        <a:bodyPr/>
+        <a:lstStyle/>
+        <a:p>
+          <a:endParaRPr lang="zh-CN" altLang="en-US" sz="2000"/>
+        </a:p>
+      </dgm:t>
+    </dgm:pt>
+    <dgm:pt modelId="{5965E4CB-7B21-3C4E-86A3-C8AE2C92FCF4}" type="sibTrans" cxnId="{728BE7F0-9E53-4C4F-9EE4-EE1E2DE9320D}">
+      <dgm:prSet/>
+      <dgm:spPr/>
+      <dgm:t>
+        <a:bodyPr/>
+        <a:lstStyle/>
+        <a:p>
+          <a:endParaRPr lang="zh-CN" altLang="en-US" sz="2000"/>
+        </a:p>
+      </dgm:t>
+    </dgm:pt>
+    <dgm:pt modelId="{53B40226-716A-374D-891C-B671C2A694E2}">
       <dgm:prSet phldrT="[文本]" custT="1"/>
       <dgm:spPr>
         <a:solidFill>
@@ -5361,53 +5713,10 @@
         <a:lstStyle/>
         <a:p>
           <a:r>
-            <a:rPr lang="zh-CN" altLang="en-US" sz="2400" dirty="0" smtClean="0"/>
-            <a:t>营销</a:t>
-          </a:r>
-          <a:endParaRPr lang="zh-CN" altLang="en-US" sz="2400" dirty="0"/>
-        </a:p>
-      </dgm:t>
-    </dgm:pt>
-    <dgm:pt modelId="{510AB8A0-3E6F-B849-B35E-1232E5EA9064}" type="parTrans" cxnId="{728BE7F0-9E53-4C4F-9EE4-EE1E2DE9320D}">
-      <dgm:prSet/>
-      <dgm:spPr/>
-      <dgm:t>
-        <a:bodyPr/>
-        <a:lstStyle/>
-        <a:p>
-          <a:endParaRPr lang="zh-CN" altLang="en-US" sz="2400"/>
-        </a:p>
-      </dgm:t>
-    </dgm:pt>
-    <dgm:pt modelId="{5965E4CB-7B21-3C4E-86A3-C8AE2C92FCF4}" type="sibTrans" cxnId="{728BE7F0-9E53-4C4F-9EE4-EE1E2DE9320D}">
-      <dgm:prSet/>
-      <dgm:spPr/>
-      <dgm:t>
-        <a:bodyPr/>
-        <a:lstStyle/>
-        <a:p>
-          <a:endParaRPr lang="zh-CN" altLang="en-US" sz="2400"/>
-        </a:p>
-      </dgm:t>
-    </dgm:pt>
-    <dgm:pt modelId="{53B40226-716A-374D-891C-B671C2A694E2}">
-      <dgm:prSet phldrT="[文本]" custT="1"/>
-      <dgm:spPr>
-        <a:solidFill>
-          <a:schemeClr val="accent1">
-            <a:lumMod val="75000"/>
-          </a:schemeClr>
-        </a:solidFill>
-      </dgm:spPr>
-      <dgm:t>
-        <a:bodyPr/>
-        <a:lstStyle/>
-        <a:p>
-          <a:r>
-            <a:rPr lang="zh-CN" altLang="en-US" sz="2400" dirty="0" smtClean="0"/>
+            <a:rPr lang="zh-CN" altLang="en-US" sz="2000" dirty="0" smtClean="0"/>
             <a:t>管理</a:t>
           </a:r>
-          <a:endParaRPr lang="zh-CN" altLang="en-US" sz="2400" dirty="0"/>
+          <a:endParaRPr lang="zh-CN" altLang="en-US" sz="2000" dirty="0"/>
         </a:p>
       </dgm:t>
     </dgm:pt>
@@ -5418,7 +5727,7 @@
         <a:bodyPr/>
         <a:lstStyle/>
         <a:p>
-          <a:endParaRPr lang="zh-CN" altLang="en-US" sz="2400"/>
+          <a:endParaRPr lang="zh-CN" altLang="en-US" sz="2000"/>
         </a:p>
       </dgm:t>
     </dgm:pt>
@@ -5429,7 +5738,7 @@
         <a:bodyPr/>
         <a:lstStyle/>
         <a:p>
-          <a:endParaRPr lang="zh-CN" altLang="en-US" sz="2400"/>
+          <a:endParaRPr lang="zh-CN" altLang="en-US" sz="2000"/>
         </a:p>
       </dgm:t>
     </dgm:pt>
@@ -5444,10 +5753,24 @@
         </dgm:presLayoutVars>
       </dgm:prSet>
       <dgm:spPr/>
+      <dgm:t>
+        <a:bodyPr/>
+        <a:lstStyle/>
+        <a:p>
+          <a:endParaRPr lang="zh-CN" altLang="en-US"/>
+        </a:p>
+      </dgm:t>
     </dgm:pt>
     <dgm:pt modelId="{3C62A908-9024-3D41-9739-8AFC3E5C4CA8}" type="pres">
       <dgm:prSet presAssocID="{19C1441A-FBB1-8C40-A22E-066630E1BB32}" presName="vertOne" presStyleCnt="0"/>
       <dgm:spPr/>
+      <dgm:t>
+        <a:bodyPr/>
+        <a:lstStyle/>
+        <a:p>
+          <a:endParaRPr lang="zh-CN" altLang="en-US"/>
+        </a:p>
+      </dgm:t>
     </dgm:pt>
     <dgm:pt modelId="{D248E6BD-8022-4A47-9158-627137337570}" type="pres">
       <dgm:prSet presAssocID="{19C1441A-FBB1-8C40-A22E-066630E1BB32}" presName="txOne" presStyleLbl="node0" presStyleIdx="0" presStyleCnt="1" custLinFactY="200000" custLinFactNeighborX="11" custLinFactNeighborY="214514">
@@ -5467,17 +5790,38 @@
     <dgm:pt modelId="{D4E7E4F6-E456-FD43-8866-F607B30F03E6}" type="pres">
       <dgm:prSet presAssocID="{19C1441A-FBB1-8C40-A22E-066630E1BB32}" presName="parTransOne" presStyleCnt="0"/>
       <dgm:spPr/>
+      <dgm:t>
+        <a:bodyPr/>
+        <a:lstStyle/>
+        <a:p>
+          <a:endParaRPr lang="zh-CN" altLang="en-US"/>
+        </a:p>
+      </dgm:t>
     </dgm:pt>
     <dgm:pt modelId="{504E8417-C740-394D-A55E-EAB33D9622A6}" type="pres">
       <dgm:prSet presAssocID="{19C1441A-FBB1-8C40-A22E-066630E1BB32}" presName="horzOne" presStyleCnt="0"/>
       <dgm:spPr/>
+      <dgm:t>
+        <a:bodyPr/>
+        <a:lstStyle/>
+        <a:p>
+          <a:endParaRPr lang="zh-CN" altLang="en-US"/>
+        </a:p>
+      </dgm:t>
     </dgm:pt>
     <dgm:pt modelId="{D412FCF4-1648-6B4A-8DC8-CB0F00D8B83C}" type="pres">
       <dgm:prSet presAssocID="{52CECD96-6F80-A748-8F27-5B3C6064910A}" presName="vertTwo" presStyleCnt="0"/>
       <dgm:spPr/>
+      <dgm:t>
+        <a:bodyPr/>
+        <a:lstStyle/>
+        <a:p>
+          <a:endParaRPr lang="zh-CN" altLang="en-US"/>
+        </a:p>
+      </dgm:t>
     </dgm:pt>
     <dgm:pt modelId="{D94364CA-E377-0543-B9A4-325C483FBF75}" type="pres">
-      <dgm:prSet presAssocID="{52CECD96-6F80-A748-8F27-5B3C6064910A}" presName="txTwo" presStyleLbl="node2" presStyleIdx="0" presStyleCnt="2" custLinFactY="-95647" custLinFactNeighborX="296" custLinFactNeighborY="-100000">
+      <dgm:prSet presAssocID="{52CECD96-6F80-A748-8F27-5B3C6064910A}" presName="txTwo" presStyleLbl="node2" presStyleIdx="0" presStyleCnt="2" custLinFactY="-97977" custLinFactNeighborX="296" custLinFactNeighborY="-100000">
         <dgm:presLayoutVars>
           <dgm:chPref val="3"/>
         </dgm:presLayoutVars>
@@ -5494,14 +5838,35 @@
     <dgm:pt modelId="{6D7E51A6-E857-E240-B9FE-6CD56AD23240}" type="pres">
       <dgm:prSet presAssocID="{52CECD96-6F80-A748-8F27-5B3C6064910A}" presName="parTransTwo" presStyleCnt="0"/>
       <dgm:spPr/>
+      <dgm:t>
+        <a:bodyPr/>
+        <a:lstStyle/>
+        <a:p>
+          <a:endParaRPr lang="zh-CN" altLang="en-US"/>
+        </a:p>
+      </dgm:t>
     </dgm:pt>
     <dgm:pt modelId="{2F6B7564-5506-844F-B35D-63EACA3E7FC6}" type="pres">
       <dgm:prSet presAssocID="{52CECD96-6F80-A748-8F27-5B3C6064910A}" presName="horzTwo" presStyleCnt="0"/>
       <dgm:spPr/>
+      <dgm:t>
+        <a:bodyPr/>
+        <a:lstStyle/>
+        <a:p>
+          <a:endParaRPr lang="zh-CN" altLang="en-US"/>
+        </a:p>
+      </dgm:t>
     </dgm:pt>
     <dgm:pt modelId="{6DCB8217-9A6C-C342-9E2C-4A21A3448517}" type="pres">
       <dgm:prSet presAssocID="{EE730EA6-8635-EB4D-8BFD-9A2388D956EB}" presName="vertThree" presStyleCnt="0"/>
       <dgm:spPr/>
+      <dgm:t>
+        <a:bodyPr/>
+        <a:lstStyle/>
+        <a:p>
+          <a:endParaRPr lang="zh-CN" altLang="en-US"/>
+        </a:p>
+      </dgm:t>
     </dgm:pt>
     <dgm:pt modelId="{D7926BB1-EE2C-BE4F-BDC3-9EE8D5EAD62F}" type="pres">
       <dgm:prSet presAssocID="{EE730EA6-8635-EB4D-8BFD-9A2388D956EB}" presName="txThree" presStyleLbl="node3" presStyleIdx="0" presStyleCnt="3" custLinFactY="-7830" custLinFactNeighborX="604" custLinFactNeighborY="-100000">
@@ -5521,14 +5886,35 @@
     <dgm:pt modelId="{A6450AAD-FBAA-664B-9823-0403FBEAEA89}" type="pres">
       <dgm:prSet presAssocID="{EE730EA6-8635-EB4D-8BFD-9A2388D956EB}" presName="horzThree" presStyleCnt="0"/>
       <dgm:spPr/>
+      <dgm:t>
+        <a:bodyPr/>
+        <a:lstStyle/>
+        <a:p>
+          <a:endParaRPr lang="zh-CN" altLang="en-US"/>
+        </a:p>
+      </dgm:t>
     </dgm:pt>
     <dgm:pt modelId="{531724AD-87E7-B34F-9427-840975E2F808}" type="pres">
       <dgm:prSet presAssocID="{2F24F0F2-97F1-4041-913D-92726A25F2A9}" presName="sibSpaceThree" presStyleCnt="0"/>
       <dgm:spPr/>
+      <dgm:t>
+        <a:bodyPr/>
+        <a:lstStyle/>
+        <a:p>
+          <a:endParaRPr lang="zh-CN" altLang="en-US"/>
+        </a:p>
+      </dgm:t>
     </dgm:pt>
     <dgm:pt modelId="{F57CAD7D-7851-6D41-8BBE-D1F54A3196A0}" type="pres">
       <dgm:prSet presAssocID="{7F66B1A2-F880-9C40-AFCD-87B1B957AA0A}" presName="vertThree" presStyleCnt="0"/>
       <dgm:spPr/>
+      <dgm:t>
+        <a:bodyPr/>
+        <a:lstStyle/>
+        <a:p>
+          <a:endParaRPr lang="zh-CN" altLang="en-US"/>
+        </a:p>
+      </dgm:t>
     </dgm:pt>
     <dgm:pt modelId="{EFB31975-7F0A-B743-9777-B873FECBBFCD}" type="pres">
       <dgm:prSet presAssocID="{7F66B1A2-F880-9C40-AFCD-87B1B957AA0A}" presName="txThree" presStyleLbl="node3" presStyleIdx="1" presStyleCnt="3" custLinFactY="-7971" custLinFactNeighborX="2196" custLinFactNeighborY="-100000">
@@ -5548,14 +5934,35 @@
     <dgm:pt modelId="{4E24A90E-B945-D847-BAE6-7CA0154DF002}" type="pres">
       <dgm:prSet presAssocID="{7F66B1A2-F880-9C40-AFCD-87B1B957AA0A}" presName="horzThree" presStyleCnt="0"/>
       <dgm:spPr/>
+      <dgm:t>
+        <a:bodyPr/>
+        <a:lstStyle/>
+        <a:p>
+          <a:endParaRPr lang="zh-CN" altLang="en-US"/>
+        </a:p>
+      </dgm:t>
     </dgm:pt>
     <dgm:pt modelId="{4606EC61-14FD-1144-AEF2-AE0E838DA8C8}" type="pres">
       <dgm:prSet presAssocID="{741D3582-E399-0D46-A8F3-7C53ACAED73C}" presName="sibSpaceTwo" presStyleCnt="0"/>
       <dgm:spPr/>
+      <dgm:t>
+        <a:bodyPr/>
+        <a:lstStyle/>
+        <a:p>
+          <a:endParaRPr lang="zh-CN" altLang="en-US"/>
+        </a:p>
+      </dgm:t>
     </dgm:pt>
     <dgm:pt modelId="{EE77F992-6F43-0F47-949B-B83B281FAF43}" type="pres">
       <dgm:prSet presAssocID="{5001ECD0-436F-B04D-ACC1-EF3B9A3FB08B}" presName="vertTwo" presStyleCnt="0"/>
       <dgm:spPr/>
+      <dgm:t>
+        <a:bodyPr/>
+        <a:lstStyle/>
+        <a:p>
+          <a:endParaRPr lang="zh-CN" altLang="en-US"/>
+        </a:p>
+      </dgm:t>
     </dgm:pt>
     <dgm:pt modelId="{9BC07098-2F34-7740-B9E7-F57E3D4A0DE6}" type="pres">
       <dgm:prSet presAssocID="{5001ECD0-436F-B04D-ACC1-EF3B9A3FB08B}" presName="txTwo" presStyleLbl="node2" presStyleIdx="1" presStyleCnt="2" custLinFactNeighborX="-2010">
@@ -5575,14 +5982,35 @@
     <dgm:pt modelId="{E2C1B985-E935-AE48-9BC6-C0EEFCC07A0B}" type="pres">
       <dgm:prSet presAssocID="{5001ECD0-436F-B04D-ACC1-EF3B9A3FB08B}" presName="parTransTwo" presStyleCnt="0"/>
       <dgm:spPr/>
+      <dgm:t>
+        <a:bodyPr/>
+        <a:lstStyle/>
+        <a:p>
+          <a:endParaRPr lang="zh-CN" altLang="en-US"/>
+        </a:p>
+      </dgm:t>
     </dgm:pt>
     <dgm:pt modelId="{9F6CBDD5-A91F-1D40-BD37-2E5D89928055}" type="pres">
       <dgm:prSet presAssocID="{5001ECD0-436F-B04D-ACC1-EF3B9A3FB08B}" presName="horzTwo" presStyleCnt="0"/>
       <dgm:spPr/>
+      <dgm:t>
+        <a:bodyPr/>
+        <a:lstStyle/>
+        <a:p>
+          <a:endParaRPr lang="zh-CN" altLang="en-US"/>
+        </a:p>
+      </dgm:t>
     </dgm:pt>
     <dgm:pt modelId="{1377AE52-D523-FE42-AF8F-4498F5B238C9}" type="pres">
       <dgm:prSet presAssocID="{53B40226-716A-374D-891C-B671C2A694E2}" presName="vertThree" presStyleCnt="0"/>
       <dgm:spPr/>
+      <dgm:t>
+        <a:bodyPr/>
+        <a:lstStyle/>
+        <a:p>
+          <a:endParaRPr lang="zh-CN" altLang="en-US"/>
+        </a:p>
+      </dgm:t>
     </dgm:pt>
     <dgm:pt modelId="{D5DF83B6-4370-7E48-87B2-E67A52E056CF}" type="pres">
       <dgm:prSet presAssocID="{53B40226-716A-374D-891C-B671C2A694E2}" presName="txThree" presStyleLbl="node3" presStyleIdx="2" presStyleCnt="3" custLinFactY="-100000" custLinFactNeighborX="-1882" custLinFactNeighborY="-115999">
@@ -5602,6 +6030,13 @@
     <dgm:pt modelId="{0C880426-978A-834B-9124-633777BCC137}" type="pres">
       <dgm:prSet presAssocID="{53B40226-716A-374D-891C-B671C2A694E2}" presName="horzThree" presStyleCnt="0"/>
       <dgm:spPr/>
+      <dgm:t>
+        <a:bodyPr/>
+        <a:lstStyle/>
+        <a:p>
+          <a:endParaRPr lang="zh-CN" altLang="en-US"/>
+        </a:p>
+      </dgm:t>
     </dgm:pt>
   </dgm:ptLst>
   <dgm:cxnLst>
@@ -5611,10 +6046,10 @@
     <dgm:cxn modelId="{46A407E6-211B-2447-BBB4-4FDA86DB1F76}" srcId="{52CECD96-6F80-A748-8F27-5B3C6064910A}" destId="{EE730EA6-8635-EB4D-8BFD-9A2388D956EB}" srcOrd="0" destOrd="0" parTransId="{F4BC1A11-7F36-F14F-8CCD-50025010E979}" sibTransId="{2F24F0F2-97F1-4041-913D-92726A25F2A9}"/>
     <dgm:cxn modelId="{3EB10E2C-D7C8-7643-BE70-EEE368751919}" srcId="{52CECD96-6F80-A748-8F27-5B3C6064910A}" destId="{7F66B1A2-F880-9C40-AFCD-87B1B957AA0A}" srcOrd="1" destOrd="0" parTransId="{E69E88C6-781F-D040-A2CA-46BDD0334D11}" sibTransId="{E99B9006-0142-7547-AFE3-46224D86FE9B}"/>
     <dgm:cxn modelId="{9A15F970-5ADB-3F4F-8BC0-4736A7131758}" type="presOf" srcId="{19C1441A-FBB1-8C40-A22E-066630E1BB32}" destId="{D248E6BD-8022-4A47-9158-627137337570}" srcOrd="0" destOrd="0" presId="urn:microsoft.com/office/officeart/2005/8/layout/hierarchy4"/>
+    <dgm:cxn modelId="{631C5358-6B79-D341-8BCB-B778E4A5541F}" type="presOf" srcId="{5001ECD0-436F-B04D-ACC1-EF3B9A3FB08B}" destId="{9BC07098-2F34-7740-B9E7-F57E3D4A0DE6}" srcOrd="0" destOrd="0" presId="urn:microsoft.com/office/officeart/2005/8/layout/hierarchy4"/>
     <dgm:cxn modelId="{A15B25F0-7AF1-F34F-ADCB-E53CD2388934}" type="presOf" srcId="{41D8AFE9-0CB3-6C48-98EA-0D3DE3EC0769}" destId="{30501705-0E13-E340-862E-D79CB49EE3DA}" srcOrd="0" destOrd="0" presId="urn:microsoft.com/office/officeart/2005/8/layout/hierarchy4"/>
-    <dgm:cxn modelId="{631C5358-6B79-D341-8BCB-B778E4A5541F}" type="presOf" srcId="{5001ECD0-436F-B04D-ACC1-EF3B9A3FB08B}" destId="{9BC07098-2F34-7740-B9E7-F57E3D4A0DE6}" srcOrd="0" destOrd="0" presId="urn:microsoft.com/office/officeart/2005/8/layout/hierarchy4"/>
+    <dgm:cxn modelId="{4F3A6CA7-FE3C-FC4A-9D8F-05FD1B952A75}" type="presOf" srcId="{52CECD96-6F80-A748-8F27-5B3C6064910A}" destId="{D94364CA-E377-0543-B9A4-325C483FBF75}" srcOrd="0" destOrd="0" presId="urn:microsoft.com/office/officeart/2005/8/layout/hierarchy4"/>
     <dgm:cxn modelId="{728BE7F0-9E53-4C4F-9EE4-EE1E2DE9320D}" srcId="{19C1441A-FBB1-8C40-A22E-066630E1BB32}" destId="{5001ECD0-436F-B04D-ACC1-EF3B9A3FB08B}" srcOrd="1" destOrd="0" parTransId="{510AB8A0-3E6F-B849-B35E-1232E5EA9064}" sibTransId="{5965E4CB-7B21-3C4E-86A3-C8AE2C92FCF4}"/>
-    <dgm:cxn modelId="{4F3A6CA7-FE3C-FC4A-9D8F-05FD1B952A75}" type="presOf" srcId="{52CECD96-6F80-A748-8F27-5B3C6064910A}" destId="{D94364CA-E377-0543-B9A4-325C483FBF75}" srcOrd="0" destOrd="0" presId="urn:microsoft.com/office/officeart/2005/8/layout/hierarchy4"/>
     <dgm:cxn modelId="{6F585806-9D95-A34E-AD10-49761D201622}" type="presOf" srcId="{53B40226-716A-374D-891C-B671C2A694E2}" destId="{D5DF83B6-4370-7E48-87B2-E67A52E056CF}" srcOrd="0" destOrd="0" presId="urn:microsoft.com/office/officeart/2005/8/layout/hierarchy4"/>
     <dgm:cxn modelId="{3BC769DB-BBFC-F547-88C2-B8580F56317C}" type="presOf" srcId="{EE730EA6-8635-EB4D-8BFD-9A2388D956EB}" destId="{D7926BB1-EE2C-BE4F-BDC3-9EE8D5EAD62F}" srcOrd="0" destOrd="0" presId="urn:microsoft.com/office/officeart/2005/8/layout/hierarchy4"/>
     <dgm:cxn modelId="{B863CCBF-3D9B-EB49-8A8B-8C220990013D}" srcId="{5001ECD0-436F-B04D-ACC1-EF3B9A3FB08B}" destId="{53B40226-716A-374D-891C-B671C2A694E2}" srcOrd="0" destOrd="0" parTransId="{DE61FAF1-73B9-5F49-88C6-02E54BE1E2AC}" sibTransId="{69BC7CF9-BEEE-8C4E-9A07-2A54CB1482C5}"/>
@@ -6816,16 +7251,21 @@
       </dsp:nvSpPr>
       <dsp:spPr>
         <a:xfrm>
-          <a:off x="2312155" y="2383341"/>
-          <a:ext cx="1784374" cy="1751206"/>
+          <a:off x="2777231" y="1739097"/>
+          <a:ext cx="1965244" cy="1954274"/>
         </a:xfrm>
         <a:prstGeom prst="ellipse">
           <a:avLst/>
         </a:prstGeom>
         <a:solidFill>
-          <a:srgbClr val="3366FF"/>
+          <a:schemeClr val="accent1">
+            <a:hueOff val="0"/>
+            <a:satOff val="0"/>
+            <a:lumOff val="0"/>
+            <a:alphaOff val="0"/>
+          </a:schemeClr>
         </a:solidFill>
-        <a:ln w="76200" cap="flat" cmpd="sng" algn="ctr">
+        <a:ln w="31750" cap="flat" cmpd="sng" algn="ctr">
           <a:solidFill>
             <a:schemeClr val="lt1">
               <a:hueOff val="0"/>
@@ -6839,13 +7279,13 @@
         <a:effectLst/>
       </dsp:spPr>
       <dsp:style>
-        <a:lnRef idx="3">
+        <a:lnRef idx="2">
           <a:scrgbClr r="0" g="0" b="0"/>
         </a:lnRef>
         <a:fillRef idx="1">
           <a:scrgbClr r="0" g="0" b="0"/>
         </a:fillRef>
-        <a:effectRef idx="1">
+        <a:effectRef idx="0">
           <a:scrgbClr r="0" g="0" b="0"/>
         </a:effectRef>
         <a:fontRef idx="minor">
@@ -6853,12 +7293,12 @@
         </a:fontRef>
       </dsp:style>
       <dsp:txBody>
-        <a:bodyPr spcFirstLastPara="0" vert="horz" wrap="square" lIns="15240" tIns="15240" rIns="15240" bIns="15240" numCol="1" spcCol="1270" anchor="ctr" anchorCtr="0">
+        <a:bodyPr spcFirstLastPara="0" vert="horz" wrap="square" lIns="12700" tIns="12700" rIns="12700" bIns="12700" numCol="1" spcCol="1270" anchor="ctr" anchorCtr="0">
           <a:noAutofit/>
         </a:bodyPr>
         <a:lstStyle/>
         <a:p>
-          <a:pPr lvl="0" algn="ctr" defTabSz="1066800">
+          <a:pPr lvl="0" algn="ctr" defTabSz="889000">
             <a:lnSpc>
               <a:spcPct val="90000"/>
             </a:lnSpc>
@@ -6870,15 +7310,15 @@
             </a:spcAft>
           </a:pPr>
           <a:r>
-            <a:rPr lang="zh-CN" altLang="en-US" sz="2400" kern="1200" dirty="0" smtClean="0"/>
+            <a:rPr lang="zh-CN" altLang="en-US" sz="2000" kern="1200" smtClean="0"/>
             <a:t>数据模型</a:t>
           </a:r>
-          <a:endParaRPr lang="zh-CN" altLang="en-US" sz="2400" kern="1200" dirty="0"/>
+          <a:endParaRPr lang="zh-CN" altLang="en-US" sz="2000" kern="1200" dirty="0"/>
         </a:p>
       </dsp:txBody>
       <dsp:txXfrm>
-        <a:off x="2573471" y="2639799"/>
-        <a:ext cx="1261742" cy="1238290"/>
+        <a:off x="3065034" y="2025294"/>
+        <a:ext cx="1389638" cy="1381880"/>
       </dsp:txXfrm>
     </dsp:sp>
     <dsp:sp modelId="{C26BB37E-E550-7144-A00F-C9977B00E2F1}">
@@ -6887,9 +7327,9 @@
         <dsp:cNvSpPr/>
       </dsp:nvSpPr>
       <dsp:spPr>
-        <a:xfrm rot="9645307">
-          <a:off x="1865937" y="3246497"/>
-          <a:ext cx="772706" cy="633685"/>
+        <a:xfrm rot="8372105">
+          <a:off x="2404571" y="3366168"/>
+          <a:ext cx="808117" cy="672894"/>
         </a:xfrm>
         <a:prstGeom prst="leftArrow">
           <a:avLst>
@@ -6898,7 +7338,7 @@
           </a:avLst>
         </a:prstGeom>
         <a:solidFill>
-          <a:srgbClr val="B5A306"/>
+          <a:srgbClr val="7F7F7F"/>
         </a:solidFill>
         <a:ln>
           <a:noFill/>
@@ -6912,7 +7352,7 @@
         <a:fillRef idx="1">
           <a:scrgbClr r="0" g="0" b="0"/>
         </a:fillRef>
-        <a:effectRef idx="1">
+        <a:effectRef idx="0">
           <a:scrgbClr r="0" g="0" b="0"/>
         </a:effectRef>
         <a:fontRef idx="minor">
@@ -6927,8 +7367,8 @@
       </dsp:nvSpPr>
       <dsp:spPr>
         <a:xfrm>
-          <a:off x="417058" y="3536337"/>
-          <a:ext cx="1485529" cy="872761"/>
+          <a:off x="1628618" y="3829342"/>
+          <a:ext cx="958979" cy="591737"/>
         </a:xfrm>
         <a:prstGeom prst="roundRect">
           <a:avLst>
@@ -6936,11 +7376,9 @@
           </a:avLst>
         </a:prstGeom>
         <a:solidFill>
-          <a:schemeClr val="accent1">
-            <a:lumMod val="75000"/>
-          </a:schemeClr>
+          <a:srgbClr val="7F7F7F"/>
         </a:solidFill>
-        <a:ln w="76200" cap="flat" cmpd="sng" algn="ctr">
+        <a:ln w="31750" cap="flat" cmpd="sng" algn="ctr">
           <a:solidFill>
             <a:schemeClr val="lt1">
               <a:hueOff val="0"/>
@@ -6954,13 +7392,13 @@
         <a:effectLst/>
       </dsp:spPr>
       <dsp:style>
-        <a:lnRef idx="3">
+        <a:lnRef idx="2">
           <a:scrgbClr r="0" g="0" b="0"/>
         </a:lnRef>
         <a:fillRef idx="1">
           <a:scrgbClr r="0" g="0" b="0"/>
         </a:fillRef>
-        <a:effectRef idx="1">
+        <a:effectRef idx="0">
           <a:scrgbClr r="0" g="0" b="0"/>
         </a:effectRef>
         <a:fontRef idx="minor">
@@ -6968,12 +7406,12 @@
         </a:fontRef>
       </dsp:style>
       <dsp:txBody>
-        <a:bodyPr spcFirstLastPara="0" vert="horz" wrap="square" lIns="45720" tIns="45720" rIns="45720" bIns="45720" numCol="1" spcCol="1270" anchor="ctr" anchorCtr="0">
+        <a:bodyPr spcFirstLastPara="0" vert="horz" wrap="square" lIns="38100" tIns="38100" rIns="38100" bIns="38100" numCol="1" spcCol="1270" anchor="ctr" anchorCtr="0">
           <a:noAutofit/>
         </a:bodyPr>
         <a:lstStyle/>
         <a:p>
-          <a:pPr lvl="0" algn="ctr" defTabSz="1066800">
+          <a:pPr lvl="0" algn="ctr" defTabSz="889000">
             <a:lnSpc>
               <a:spcPct val="90000"/>
             </a:lnSpc>
@@ -6985,26 +7423,26 @@
             </a:spcAft>
           </a:pPr>
           <a:r>
-            <a:rPr lang="zh-CN" altLang="en-US" sz="2400" kern="1200" dirty="0" smtClean="0"/>
-            <a:t>金融平台</a:t>
+            <a:rPr lang="zh-CN" altLang="en-US" sz="2000" kern="1200" smtClean="0"/>
+            <a:t>其他</a:t>
           </a:r>
-          <a:endParaRPr lang="zh-CN" altLang="en-US" sz="2400" kern="1200" dirty="0"/>
+          <a:endParaRPr lang="zh-CN" altLang="en-US" sz="2000" kern="1200" dirty="0"/>
         </a:p>
       </dsp:txBody>
       <dsp:txXfrm>
-        <a:off x="442620" y="3561899"/>
-        <a:ext cx="1434405" cy="821637"/>
+        <a:off x="1645949" y="3846673"/>
+        <a:ext cx="924317" cy="557075"/>
       </dsp:txXfrm>
     </dsp:sp>
-    <dsp:sp modelId="{8F8CFA8A-2A78-4C48-A97E-659AE707772C}">
+    <dsp:sp modelId="{9D812D46-A4A6-E746-88B0-CBB5F8A3B8D5}">
       <dsp:nvSpPr>
         <dsp:cNvPr id="0" name=""/>
         <dsp:cNvSpPr/>
       </dsp:nvSpPr>
       <dsp:spPr>
-        <a:xfrm rot="12863102">
-          <a:off x="1082350" y="1988571"/>
-          <a:ext cx="1576394" cy="633685"/>
+        <a:xfrm rot="11006255">
+          <a:off x="1935916" y="2369119"/>
+          <a:ext cx="961429" cy="655543"/>
         </a:xfrm>
         <a:prstGeom prst="leftArrow">
           <a:avLst>
@@ -7013,7 +7451,12 @@
           </a:avLst>
         </a:prstGeom>
         <a:solidFill>
-          <a:schemeClr val="accent5"/>
+          <a:schemeClr val="accent3">
+            <a:hueOff val="0"/>
+            <a:satOff val="0"/>
+            <a:lumOff val="0"/>
+            <a:alphaOff val="0"/>
+          </a:schemeClr>
         </a:solidFill>
         <a:ln>
           <a:noFill/>
@@ -7027,7 +7470,130 @@
         <a:fillRef idx="1">
           <a:scrgbClr r="0" g="0" b="0"/>
         </a:fillRef>
-        <a:effectRef idx="1">
+        <a:effectRef idx="0">
+          <a:scrgbClr r="0" g="0" b="0"/>
+        </a:effectRef>
+        <a:fontRef idx="minor">
+          <a:schemeClr val="lt1"/>
+        </a:fontRef>
+      </dsp:style>
+    </dsp:sp>
+    <dsp:sp modelId="{EA604611-6D37-354D-965A-46313C6ED91F}">
+      <dsp:nvSpPr>
+        <dsp:cNvPr id="0" name=""/>
+        <dsp:cNvSpPr/>
+      </dsp:nvSpPr>
+      <dsp:spPr>
+        <a:xfrm>
+          <a:off x="1002333" y="2286479"/>
+          <a:ext cx="1087714" cy="593564"/>
+        </a:xfrm>
+        <a:prstGeom prst="roundRect">
+          <a:avLst>
+            <a:gd name="adj" fmla="val 10000"/>
+          </a:avLst>
+        </a:prstGeom>
+        <a:solidFill>
+          <a:schemeClr val="accent3">
+            <a:hueOff val="0"/>
+            <a:satOff val="0"/>
+            <a:lumOff val="0"/>
+            <a:alphaOff val="0"/>
+          </a:schemeClr>
+        </a:solidFill>
+        <a:ln w="31750" cap="flat" cmpd="sng" algn="ctr">
+          <a:solidFill>
+            <a:schemeClr val="lt1">
+              <a:hueOff val="0"/>
+              <a:satOff val="0"/>
+              <a:lumOff val="0"/>
+              <a:alphaOff val="0"/>
+            </a:schemeClr>
+          </a:solidFill>
+          <a:prstDash val="solid"/>
+        </a:ln>
+        <a:effectLst/>
+      </dsp:spPr>
+      <dsp:style>
+        <a:lnRef idx="2">
+          <a:scrgbClr r="0" g="0" b="0"/>
+        </a:lnRef>
+        <a:fillRef idx="1">
+          <a:scrgbClr r="0" g="0" b="0"/>
+        </a:fillRef>
+        <a:effectRef idx="0">
+          <a:scrgbClr r="0" g="0" b="0"/>
+        </a:effectRef>
+        <a:fontRef idx="minor">
+          <a:schemeClr val="lt1"/>
+        </a:fontRef>
+      </dsp:style>
+      <dsp:txBody>
+        <a:bodyPr spcFirstLastPara="0" vert="horz" wrap="square" lIns="38100" tIns="38100" rIns="38100" bIns="38100" numCol="1" spcCol="1270" anchor="ctr" anchorCtr="0">
+          <a:noAutofit/>
+        </a:bodyPr>
+        <a:lstStyle/>
+        <a:p>
+          <a:pPr lvl="0" algn="ctr" defTabSz="889000">
+            <a:lnSpc>
+              <a:spcPct val="90000"/>
+            </a:lnSpc>
+            <a:spcBef>
+              <a:spcPct val="0"/>
+            </a:spcBef>
+            <a:spcAft>
+              <a:spcPct val="35000"/>
+            </a:spcAft>
+          </a:pPr>
+          <a:r>
+            <a:rPr lang="zh-CN" altLang="en-US" sz="2000" kern="1200" dirty="0" smtClean="0"/>
+            <a:t>互金</a:t>
+          </a:r>
+          <a:endParaRPr lang="zh-CN" altLang="en-US" sz="2000" kern="1200" dirty="0"/>
+        </a:p>
+      </dsp:txBody>
+      <dsp:txXfrm>
+        <a:off x="1019718" y="2303864"/>
+        <a:ext cx="1052944" cy="558794"/>
+      </dsp:txXfrm>
+    </dsp:sp>
+    <dsp:sp modelId="{8F8CFA8A-2A78-4C48-A97E-659AE707772C}">
+      <dsp:nvSpPr>
+        <dsp:cNvPr id="0" name=""/>
+        <dsp:cNvSpPr/>
+      </dsp:nvSpPr>
+      <dsp:spPr>
+        <a:xfrm rot="14300397">
+          <a:off x="2345827" y="1025338"/>
+          <a:ext cx="1204293" cy="589038"/>
+        </a:xfrm>
+        <a:prstGeom prst="leftArrow">
+          <a:avLst>
+            <a:gd name="adj1" fmla="val 60000"/>
+            <a:gd name="adj2" fmla="val 50000"/>
+          </a:avLst>
+        </a:prstGeom>
+        <a:solidFill>
+          <a:schemeClr val="accent4">
+            <a:hueOff val="0"/>
+            <a:satOff val="0"/>
+            <a:lumOff val="0"/>
+            <a:alphaOff val="0"/>
+          </a:schemeClr>
+        </a:solidFill>
+        <a:ln>
+          <a:noFill/>
+        </a:ln>
+        <a:effectLst/>
+      </dsp:spPr>
+      <dsp:style>
+        <a:lnRef idx="0">
+          <a:scrgbClr r="0" g="0" b="0"/>
+        </a:lnRef>
+        <a:fillRef idx="1">
+          <a:scrgbClr r="0" g="0" b="0"/>
+        </a:fillRef>
+        <a:effectRef idx="0">
           <a:scrgbClr r="0" g="0" b="0"/>
         </a:effectRef>
         <a:fontRef idx="minor">
@@ -7042,8 +7608,8 @@
       </dsp:nvSpPr>
       <dsp:spPr>
         <a:xfrm>
-          <a:off x="423347" y="1440669"/>
-          <a:ext cx="1590108" cy="918470"/>
+          <a:off x="2064185" y="520175"/>
+          <a:ext cx="1046810" cy="590082"/>
         </a:xfrm>
         <a:prstGeom prst="roundRect">
           <a:avLst>
@@ -7051,9 +7617,14 @@
           </a:avLst>
         </a:prstGeom>
         <a:solidFill>
-          <a:schemeClr val="accent5"/>
+          <a:schemeClr val="accent4">
+            <a:hueOff val="0"/>
+            <a:satOff val="0"/>
+            <a:lumOff val="0"/>
+            <a:alphaOff val="0"/>
+          </a:schemeClr>
         </a:solidFill>
-        <a:ln w="76200" cap="flat" cmpd="sng" algn="ctr">
+        <a:ln w="31750" cap="flat" cmpd="sng" algn="ctr">
           <a:solidFill>
             <a:schemeClr val="lt1">
               <a:hueOff val="0"/>
@@ -7067,13 +7638,13 @@
         <a:effectLst/>
       </dsp:spPr>
       <dsp:style>
-        <a:lnRef idx="3">
+        <a:lnRef idx="2">
           <a:scrgbClr r="0" g="0" b="0"/>
         </a:lnRef>
         <a:fillRef idx="1">
           <a:scrgbClr r="0" g="0" b="0"/>
         </a:fillRef>
-        <a:effectRef idx="1">
+        <a:effectRef idx="0">
           <a:scrgbClr r="0" g="0" b="0"/>
         </a:effectRef>
         <a:fontRef idx="minor">
@@ -7081,12 +7652,12 @@
         </a:fontRef>
       </dsp:style>
       <dsp:txBody>
-        <a:bodyPr spcFirstLastPara="0" vert="horz" wrap="square" lIns="45720" tIns="45720" rIns="45720" bIns="45720" numCol="1" spcCol="1270" anchor="ctr" anchorCtr="0">
+        <a:bodyPr spcFirstLastPara="0" vert="horz" wrap="square" lIns="38100" tIns="38100" rIns="38100" bIns="38100" numCol="1" spcCol="1270" anchor="ctr" anchorCtr="0">
           <a:noAutofit/>
         </a:bodyPr>
         <a:lstStyle/>
         <a:p>
-          <a:pPr lvl="0" algn="ctr" defTabSz="1066800">
+          <a:pPr lvl="0" algn="ctr" defTabSz="889000">
             <a:lnSpc>
               <a:spcPct val="90000"/>
             </a:lnSpc>
@@ -7098,15 +7669,15 @@
             </a:spcAft>
           </a:pPr>
           <a:r>
-            <a:rPr lang="zh-CN" altLang="en-US" sz="2400" kern="1200" dirty="0" smtClean="0"/>
+            <a:rPr lang="zh-CN" altLang="en-US" sz="2000" kern="1200" smtClean="0"/>
             <a:t>信贷</a:t>
           </a:r>
-          <a:endParaRPr lang="zh-CN" altLang="en-US" sz="2400" kern="1200" dirty="0"/>
+          <a:endParaRPr lang="zh-CN" altLang="en-US" sz="2000" kern="1200" dirty="0"/>
         </a:p>
       </dsp:txBody>
       <dsp:txXfrm>
-        <a:off x="450248" y="1467570"/>
-        <a:ext cx="1536306" cy="864668"/>
+        <a:off x="2081468" y="537458"/>
+        <a:ext cx="1012244" cy="555516"/>
       </dsp:txXfrm>
     </dsp:sp>
     <dsp:sp modelId="{98056020-FB56-D147-B70F-4FFE779EA340}">
@@ -7115,9 +7686,9 @@
         <dsp:cNvSpPr/>
       </dsp:nvSpPr>
       <dsp:spPr>
-        <a:xfrm rot="16176326">
-          <a:off x="2473755" y="1378111"/>
-          <a:ext cx="1439632" cy="633685"/>
+        <a:xfrm rot="17852040">
+          <a:off x="3906383" y="968427"/>
+          <a:ext cx="1212183" cy="608254"/>
         </a:xfrm>
         <a:prstGeom prst="leftArrow">
           <a:avLst>
@@ -7126,9 +7697,11 @@
           </a:avLst>
         </a:prstGeom>
         <a:solidFill>
-          <a:schemeClr val="accent4">
-            <a:lumMod val="60000"/>
-            <a:lumOff val="40000"/>
+          <a:schemeClr val="accent5">
+            <a:hueOff val="0"/>
+            <a:satOff val="0"/>
+            <a:lumOff val="0"/>
+            <a:alphaOff val="0"/>
           </a:schemeClr>
         </a:solidFill>
         <a:ln>
@@ -7143,7 +7716,7 @@
         <a:fillRef idx="1">
           <a:scrgbClr r="0" g="0" b="0"/>
         </a:fillRef>
-        <a:effectRef idx="1">
+        <a:effectRef idx="0">
           <a:scrgbClr r="0" g="0" b="0"/>
         </a:effectRef>
         <a:fontRef idx="minor">
@@ -7158,8 +7731,8 @@
       </dsp:nvSpPr>
       <dsp:spPr>
         <a:xfrm>
-          <a:off x="2444110" y="619075"/>
-          <a:ext cx="1490430" cy="918495"/>
+          <a:off x="4276367" y="416026"/>
+          <a:ext cx="1010330" cy="680842"/>
         </a:xfrm>
         <a:prstGeom prst="roundRect">
           <a:avLst>
@@ -7167,12 +7740,14 @@
           </a:avLst>
         </a:prstGeom>
         <a:solidFill>
-          <a:schemeClr val="accent4">
-            <a:lumMod val="60000"/>
-            <a:lumOff val="40000"/>
+          <a:schemeClr val="accent5">
+            <a:hueOff val="0"/>
+            <a:satOff val="0"/>
+            <a:lumOff val="0"/>
+            <a:alphaOff val="0"/>
           </a:schemeClr>
         </a:solidFill>
-        <a:ln w="76200" cap="flat" cmpd="sng" algn="ctr">
+        <a:ln w="31750" cap="flat" cmpd="sng" algn="ctr">
           <a:solidFill>
             <a:schemeClr val="lt1">
               <a:hueOff val="0"/>
@@ -7186,13 +7761,13 @@
         <a:effectLst/>
       </dsp:spPr>
       <dsp:style>
-        <a:lnRef idx="3">
+        <a:lnRef idx="2">
           <a:scrgbClr r="0" g="0" b="0"/>
         </a:lnRef>
         <a:fillRef idx="1">
           <a:scrgbClr r="0" g="0" b="0"/>
         </a:fillRef>
-        <a:effectRef idx="1">
+        <a:effectRef idx="0">
           <a:scrgbClr r="0" g="0" b="0"/>
         </a:effectRef>
         <a:fontRef idx="minor">
@@ -7200,12 +7775,12 @@
         </a:fontRef>
       </dsp:style>
       <dsp:txBody>
-        <a:bodyPr spcFirstLastPara="0" vert="horz" wrap="square" lIns="45720" tIns="45720" rIns="45720" bIns="45720" numCol="1" spcCol="1270" anchor="ctr" anchorCtr="0">
+        <a:bodyPr spcFirstLastPara="0" vert="horz" wrap="square" lIns="38100" tIns="38100" rIns="38100" bIns="38100" numCol="1" spcCol="1270" anchor="ctr" anchorCtr="0">
           <a:noAutofit/>
         </a:bodyPr>
         <a:lstStyle/>
         <a:p>
-          <a:pPr lvl="0" algn="ctr" defTabSz="1066800">
+          <a:pPr lvl="0" algn="ctr" defTabSz="889000">
             <a:lnSpc>
               <a:spcPct val="90000"/>
             </a:lnSpc>
@@ -7217,15 +7792,15 @@
             </a:spcAft>
           </a:pPr>
           <a:r>
-            <a:rPr lang="zh-CN" altLang="en-US" sz="2400" kern="1200" dirty="0" smtClean="0"/>
+            <a:rPr lang="zh-CN" altLang="en-US" sz="2000" kern="1200" smtClean="0"/>
             <a:t>数据</a:t>
           </a:r>
-          <a:endParaRPr lang="zh-CN" altLang="en-US" sz="2400" kern="1200" dirty="0"/>
+          <a:endParaRPr lang="zh-CN" altLang="en-US" sz="2000" kern="1200" dirty="0"/>
         </a:p>
       </dsp:txBody>
       <dsp:txXfrm>
-        <a:off x="2471012" y="645977"/>
-        <a:ext cx="1436626" cy="864691"/>
+        <a:off x="4296308" y="435967"/>
+        <a:ext cx="970448" cy="640960"/>
       </dsp:txXfrm>
     </dsp:sp>
     <dsp:sp modelId="{F213E22B-0D71-EF40-B2B7-08174BE412B3}">
@@ -7234,124 +7809,9 @@
         <dsp:cNvSpPr/>
       </dsp:nvSpPr>
       <dsp:spPr>
-        <a:xfrm rot="19343729">
-          <a:off x="3771228" y="1883684"/>
-          <a:ext cx="1614545" cy="633685"/>
-        </a:xfrm>
-        <a:prstGeom prst="leftArrow">
-          <a:avLst>
-            <a:gd name="adj1" fmla="val 60000"/>
-            <a:gd name="adj2" fmla="val 50000"/>
-          </a:avLst>
-        </a:prstGeom>
-        <a:solidFill>
-          <a:schemeClr val="accent2"/>
-        </a:solidFill>
-        <a:ln>
-          <a:noFill/>
-        </a:ln>
-        <a:effectLst/>
-      </dsp:spPr>
-      <dsp:style>
-        <a:lnRef idx="0">
-          <a:scrgbClr r="0" g="0" b="0"/>
-        </a:lnRef>
-        <a:fillRef idx="1">
-          <a:scrgbClr r="0" g="0" b="0"/>
-        </a:fillRef>
-        <a:effectRef idx="1">
-          <a:scrgbClr r="0" g="0" b="0"/>
-        </a:effectRef>
-        <a:fontRef idx="minor">
-          <a:schemeClr val="lt1"/>
-        </a:fontRef>
-      </dsp:style>
-    </dsp:sp>
-    <dsp:sp modelId="{406F857C-F044-2E49-98FB-C51992207711}">
-      <dsp:nvSpPr>
-        <dsp:cNvPr id="0" name=""/>
-        <dsp:cNvSpPr/>
-      </dsp:nvSpPr>
-      <dsp:spPr>
-        <a:xfrm>
-          <a:off x="4463020" y="1327266"/>
-          <a:ext cx="1435386" cy="818838"/>
-        </a:xfrm>
-        <a:prstGeom prst="roundRect">
-          <a:avLst>
-            <a:gd name="adj" fmla="val 10000"/>
-          </a:avLst>
-        </a:prstGeom>
-        <a:solidFill>
-          <a:schemeClr val="accent2">
-            <a:lumMod val="75000"/>
-          </a:schemeClr>
-        </a:solidFill>
-        <a:ln w="76200" cap="flat" cmpd="sng" algn="ctr">
-          <a:solidFill>
-            <a:schemeClr val="lt1">
-              <a:hueOff val="0"/>
-              <a:satOff val="0"/>
-              <a:lumOff val="0"/>
-              <a:alphaOff val="0"/>
-            </a:schemeClr>
-          </a:solidFill>
-          <a:prstDash val="solid"/>
-        </a:ln>
-        <a:effectLst/>
-      </dsp:spPr>
-      <dsp:style>
-        <a:lnRef idx="3">
-          <a:scrgbClr r="0" g="0" b="0"/>
-        </a:lnRef>
-        <a:fillRef idx="1">
-          <a:scrgbClr r="0" g="0" b="0"/>
-        </a:fillRef>
-        <a:effectRef idx="1">
-          <a:scrgbClr r="0" g="0" b="0"/>
-        </a:effectRef>
-        <a:fontRef idx="minor">
-          <a:schemeClr val="lt1"/>
-        </a:fontRef>
-      </dsp:style>
-      <dsp:txBody>
-        <a:bodyPr spcFirstLastPara="0" vert="horz" wrap="square" lIns="45720" tIns="45720" rIns="45720" bIns="45720" numCol="1" spcCol="1270" anchor="ctr" anchorCtr="0">
-          <a:noAutofit/>
-        </a:bodyPr>
-        <a:lstStyle/>
-        <a:p>
-          <a:pPr lvl="0" algn="ctr" defTabSz="1066800">
-            <a:lnSpc>
-              <a:spcPct val="90000"/>
-            </a:lnSpc>
-            <a:spcBef>
-              <a:spcPct val="0"/>
-            </a:spcBef>
-            <a:spcAft>
-              <a:spcPct val="35000"/>
-            </a:spcAft>
-          </a:pPr>
-          <a:r>
-            <a:rPr lang="zh-CN" altLang="en-US" sz="2400" kern="1200" dirty="0" smtClean="0"/>
-            <a:t>支付平台</a:t>
-          </a:r>
-          <a:endParaRPr lang="zh-CN" altLang="en-US" sz="2400" kern="1200" dirty="0"/>
-        </a:p>
-      </dsp:txBody>
-      <dsp:txXfrm>
-        <a:off x="4487003" y="1351249"/>
-        <a:ext cx="1387420" cy="770872"/>
-      </dsp:txXfrm>
-    </dsp:sp>
-    <dsp:sp modelId="{12862D62-4798-7443-89B2-EC38CCAA882C}">
-      <dsp:nvSpPr>
-        <dsp:cNvPr id="0" name=""/>
-        <dsp:cNvSpPr/>
-      </dsp:nvSpPr>
-      <dsp:spPr>
-        <a:xfrm rot="1257923">
-          <a:off x="4032009" y="3324175"/>
-          <a:ext cx="1157940" cy="633685"/>
+        <a:xfrm rot="20597428">
+          <a:off x="4651976" y="1986319"/>
+          <a:ext cx="1160308" cy="642370"/>
         </a:xfrm>
         <a:prstGeom prst="leftArrow">
           <a:avLst>
@@ -7379,7 +7839,7 @@
         <a:fillRef idx="1">
           <a:scrgbClr r="0" g="0" b="0"/>
         </a:fillRef>
-        <a:effectRef idx="1">
+        <a:effectRef idx="0">
           <a:scrgbClr r="0" g="0" b="0"/>
         </a:effectRef>
         <a:fontRef idx="minor">
@@ -7387,15 +7847,15 @@
         </a:fontRef>
       </dsp:style>
     </dsp:sp>
-    <dsp:sp modelId="{AFE549F7-8950-CA46-9287-E8D4AD39E781}">
+    <dsp:sp modelId="{406F857C-F044-2E49-98FB-C51992207711}">
       <dsp:nvSpPr>
         <dsp:cNvPr id="0" name=""/>
         <dsp:cNvSpPr/>
       </dsp:nvSpPr>
       <dsp:spPr>
         <a:xfrm>
-          <a:off x="4943994" y="3278671"/>
-          <a:ext cx="1435386" cy="818838"/>
+          <a:off x="5542773" y="1686005"/>
+          <a:ext cx="985496" cy="694166"/>
         </a:xfrm>
         <a:prstGeom prst="roundRect">
           <a:avLst>
@@ -7410,7 +7870,7 @@
             <a:alphaOff val="0"/>
           </a:schemeClr>
         </a:solidFill>
-        <a:ln w="76200" cap="flat" cmpd="sng" algn="ctr">
+        <a:ln w="31750" cap="flat" cmpd="sng" algn="ctr">
           <a:solidFill>
             <a:schemeClr val="lt1">
               <a:hueOff val="0"/>
@@ -7424,13 +7884,13 @@
         <a:effectLst/>
       </dsp:spPr>
       <dsp:style>
-        <a:lnRef idx="3">
+        <a:lnRef idx="2">
           <a:scrgbClr r="0" g="0" b="0"/>
         </a:lnRef>
         <a:fillRef idx="1">
           <a:scrgbClr r="0" g="0" b="0"/>
         </a:fillRef>
-        <a:effectRef idx="1">
+        <a:effectRef idx="0">
           <a:scrgbClr r="0" g="0" b="0"/>
         </a:effectRef>
         <a:fontRef idx="minor">
@@ -7438,12 +7898,12 @@
         </a:fontRef>
       </dsp:style>
       <dsp:txBody>
-        <a:bodyPr spcFirstLastPara="0" vert="horz" wrap="square" lIns="45720" tIns="45720" rIns="45720" bIns="45720" numCol="1" spcCol="1270" anchor="ctr" anchorCtr="0">
+        <a:bodyPr spcFirstLastPara="0" vert="horz" wrap="square" lIns="38100" tIns="38100" rIns="38100" bIns="38100" numCol="1" spcCol="1270" anchor="ctr" anchorCtr="0">
           <a:noAutofit/>
         </a:bodyPr>
         <a:lstStyle/>
         <a:p>
-          <a:pPr lvl="0" algn="ctr" defTabSz="1066800">
+          <a:pPr lvl="0" algn="ctr" defTabSz="889000">
             <a:lnSpc>
               <a:spcPct val="90000"/>
             </a:lnSpc>
@@ -7455,223 +7915,31 @@
             </a:spcAft>
           </a:pPr>
           <a:r>
-            <a:rPr lang="zh-CN" altLang="en-US" sz="2400" kern="1200" dirty="0" smtClean="0"/>
-            <a:t>社交</a:t>
+            <a:rPr lang="zh-CN" altLang="en-US" sz="2000" kern="1200" dirty="0" smtClean="0"/>
+            <a:t>支付</a:t>
           </a:r>
+          <a:endParaRPr lang="zh-CN" altLang="en-US" sz="2000" kern="1200" dirty="0"/>
         </a:p>
       </dsp:txBody>
       <dsp:txXfrm>
-        <a:off x="4967977" y="3302654"/>
-        <a:ext cx="1387420" cy="770872"/>
+        <a:off x="5563104" y="1706336"/>
+        <a:ext cx="944834" cy="653504"/>
       </dsp:txXfrm>
     </dsp:sp>
-  </dsp:spTree>
-</dsp:drawing>
-</file>
-
-<file path=ppt/diagrams/drawing3.xml><?xml version="1.0" encoding="utf-8"?>
-<dsp:drawing xmlns:dgm="http://schemas.openxmlformats.org/drawingml/2006/diagram" xmlns:dsp="http://schemas.microsoft.com/office/drawing/2008/diagram" xmlns:a="http://schemas.openxmlformats.org/drawingml/2006/main">
-  <dsp:spTree>
-    <dsp:nvGrpSpPr>
-      <dsp:cNvPr id="0" name=""/>
-      <dsp:cNvGrpSpPr/>
-    </dsp:nvGrpSpPr>
-    <dsp:grpSpPr/>
-    <dsp:sp modelId="{DD305EF8-1BBB-E44F-989A-D706D5F8007A}">
+    <dsp:sp modelId="{12862D62-4798-7443-89B2-EC38CCAA882C}">
       <dsp:nvSpPr>
         <dsp:cNvPr id="0" name=""/>
         <dsp:cNvSpPr/>
       </dsp:nvSpPr>
       <dsp:spPr>
-        <a:xfrm>
-          <a:off x="1606006" y="589389"/>
-          <a:ext cx="3546998" cy="3546998"/>
+        <a:xfrm rot="3010620">
+          <a:off x="4243397" y="3220461"/>
+          <a:ext cx="794066" cy="729828"/>
         </a:xfrm>
-        <a:prstGeom prst="blockArc">
+        <a:prstGeom prst="leftArrow">
           <a:avLst>
-            <a:gd name="adj1" fmla="val 11880000"/>
-            <a:gd name="adj2" fmla="val 16200000"/>
-            <a:gd name="adj3" fmla="val 4633"/>
-          </a:avLst>
-        </a:prstGeom>
-        <a:solidFill>
-          <a:schemeClr val="accent6">
-            <a:hueOff val="0"/>
-            <a:satOff val="0"/>
-            <a:lumOff val="0"/>
-            <a:alphaOff val="0"/>
-          </a:schemeClr>
-        </a:solidFill>
-        <a:ln>
-          <a:noFill/>
-        </a:ln>
-        <a:effectLst/>
-      </dsp:spPr>
-      <dsp:style>
-        <a:lnRef idx="0">
-          <a:scrgbClr r="0" g="0" b="0"/>
-        </a:lnRef>
-        <a:fillRef idx="1">
-          <a:scrgbClr r="0" g="0" b="0"/>
-        </a:fillRef>
-        <a:effectRef idx="1">
-          <a:scrgbClr r="0" g="0" b="0"/>
-        </a:effectRef>
-        <a:fontRef idx="minor">
-          <a:schemeClr val="lt1"/>
-        </a:fontRef>
-      </dsp:style>
-    </dsp:sp>
-    <dsp:sp modelId="{AB2880E1-8592-A44C-A825-0024CB987867}">
-      <dsp:nvSpPr>
-        <dsp:cNvPr id="0" name=""/>
-        <dsp:cNvSpPr/>
-      </dsp:nvSpPr>
-      <dsp:spPr>
-        <a:xfrm>
-          <a:off x="1487075" y="530012"/>
-          <a:ext cx="3546998" cy="3546998"/>
-        </a:xfrm>
-        <a:prstGeom prst="blockArc">
-          <a:avLst>
-            <a:gd name="adj1" fmla="val 7560000"/>
-            <a:gd name="adj2" fmla="val 11880000"/>
-            <a:gd name="adj3" fmla="val 4633"/>
-          </a:avLst>
-        </a:prstGeom>
-        <a:solidFill>
-          <a:schemeClr val="accent5">
-            <a:hueOff val="0"/>
-            <a:satOff val="0"/>
-            <a:lumOff val="0"/>
-            <a:alphaOff val="0"/>
-          </a:schemeClr>
-        </a:solidFill>
-        <a:ln>
-          <a:noFill/>
-        </a:ln>
-        <a:effectLst/>
-      </dsp:spPr>
-      <dsp:style>
-        <a:lnRef idx="0">
-          <a:scrgbClr r="0" g="0" b="0"/>
-        </a:lnRef>
-        <a:fillRef idx="1">
-          <a:scrgbClr r="0" g="0" b="0"/>
-        </a:fillRef>
-        <a:effectRef idx="1">
-          <a:scrgbClr r="0" g="0" b="0"/>
-        </a:effectRef>
-        <a:fontRef idx="minor">
-          <a:schemeClr val="lt1"/>
-        </a:fontRef>
-      </dsp:style>
-    </dsp:sp>
-    <dsp:sp modelId="{09428FDF-8432-CE41-B3F6-EE7E2067A4EC}">
-      <dsp:nvSpPr>
-        <dsp:cNvPr id="0" name=""/>
-        <dsp:cNvSpPr/>
-      </dsp:nvSpPr>
-      <dsp:spPr>
-        <a:xfrm>
-          <a:off x="1487075" y="530012"/>
-          <a:ext cx="3546998" cy="3546998"/>
-        </a:xfrm>
-        <a:prstGeom prst="blockArc">
-          <a:avLst>
-            <a:gd name="adj1" fmla="val 3240000"/>
-            <a:gd name="adj2" fmla="val 7560000"/>
-            <a:gd name="adj3" fmla="val 4633"/>
-          </a:avLst>
-        </a:prstGeom>
-        <a:solidFill>
-          <a:schemeClr val="accent4">
-            <a:hueOff val="0"/>
-            <a:satOff val="0"/>
-            <a:lumOff val="0"/>
-            <a:alphaOff val="0"/>
-          </a:schemeClr>
-        </a:solidFill>
-        <a:ln>
-          <a:noFill/>
-        </a:ln>
-        <a:effectLst/>
-      </dsp:spPr>
-      <dsp:style>
-        <a:lnRef idx="0">
-          <a:scrgbClr r="0" g="0" b="0"/>
-        </a:lnRef>
-        <a:fillRef idx="1">
-          <a:scrgbClr r="0" g="0" b="0"/>
-        </a:fillRef>
-        <a:effectRef idx="1">
-          <a:scrgbClr r="0" g="0" b="0"/>
-        </a:effectRef>
-        <a:fontRef idx="minor">
-          <a:schemeClr val="lt1"/>
-        </a:fontRef>
-      </dsp:style>
-    </dsp:sp>
-    <dsp:sp modelId="{96F1AE09-269B-164E-8BAE-E6642AEE4A09}">
-      <dsp:nvSpPr>
-        <dsp:cNvPr id="0" name=""/>
-        <dsp:cNvSpPr/>
-      </dsp:nvSpPr>
-      <dsp:spPr>
-        <a:xfrm>
-          <a:off x="1487075" y="530012"/>
-          <a:ext cx="3546998" cy="3546998"/>
-        </a:xfrm>
-        <a:prstGeom prst="blockArc">
-          <a:avLst>
-            <a:gd name="adj1" fmla="val 20520000"/>
-            <a:gd name="adj2" fmla="val 3240000"/>
-            <a:gd name="adj3" fmla="val 4633"/>
-          </a:avLst>
-        </a:prstGeom>
-        <a:solidFill>
-          <a:schemeClr val="accent3">
-            <a:hueOff val="0"/>
-            <a:satOff val="0"/>
-            <a:lumOff val="0"/>
-            <a:alphaOff val="0"/>
-          </a:schemeClr>
-        </a:solidFill>
-        <a:ln>
-          <a:noFill/>
-        </a:ln>
-        <a:effectLst/>
-      </dsp:spPr>
-      <dsp:style>
-        <a:lnRef idx="0">
-          <a:scrgbClr r="0" g="0" b="0"/>
-        </a:lnRef>
-        <a:fillRef idx="1">
-          <a:scrgbClr r="0" g="0" b="0"/>
-        </a:fillRef>
-        <a:effectRef idx="1">
-          <a:scrgbClr r="0" g="0" b="0"/>
-        </a:effectRef>
-        <a:fontRef idx="minor">
-          <a:schemeClr val="lt1"/>
-        </a:fontRef>
-      </dsp:style>
-    </dsp:sp>
-    <dsp:sp modelId="{3D789891-1C63-F44B-8F92-15966C6EE98C}">
-      <dsp:nvSpPr>
-        <dsp:cNvPr id="0" name=""/>
-        <dsp:cNvSpPr/>
-      </dsp:nvSpPr>
-      <dsp:spPr>
-        <a:xfrm>
-          <a:off x="1487075" y="530012"/>
-          <a:ext cx="3546998" cy="3546998"/>
-        </a:xfrm>
-        <a:prstGeom prst="blockArc">
-          <a:avLst>
-            <a:gd name="adj1" fmla="val 16200000"/>
-            <a:gd name="adj2" fmla="val 20520000"/>
-            <a:gd name="adj3" fmla="val 4633"/>
+            <a:gd name="adj1" fmla="val 60000"/>
+            <a:gd name="adj2" fmla="val 50000"/>
           </a:avLst>
         </a:prstGeom>
         <a:solidFill>
@@ -7694,7 +7962,572 @@
         <a:fillRef idx="1">
           <a:scrgbClr r="0" g="0" b="0"/>
         </a:fillRef>
-        <a:effectRef idx="1">
+        <a:effectRef idx="0">
+          <a:scrgbClr r="0" g="0" b="0"/>
+        </a:effectRef>
+        <a:fontRef idx="minor">
+          <a:schemeClr val="lt1"/>
+        </a:fontRef>
+      </dsp:style>
+    </dsp:sp>
+    <dsp:sp modelId="{AFE549F7-8950-CA46-9287-E8D4AD39E781}">
+      <dsp:nvSpPr>
+        <dsp:cNvPr id="0" name=""/>
+        <dsp:cNvSpPr/>
+      </dsp:nvSpPr>
+      <dsp:spPr>
+        <a:xfrm>
+          <a:off x="4795167" y="3717004"/>
+          <a:ext cx="1133699" cy="604194"/>
+        </a:xfrm>
+        <a:prstGeom prst="roundRect">
+          <a:avLst>
+            <a:gd name="adj" fmla="val 10000"/>
+          </a:avLst>
+        </a:prstGeom>
+        <a:solidFill>
+          <a:schemeClr val="accent2">
+            <a:hueOff val="0"/>
+            <a:satOff val="0"/>
+            <a:lumOff val="0"/>
+            <a:alphaOff val="0"/>
+          </a:schemeClr>
+        </a:solidFill>
+        <a:ln w="31750" cap="flat" cmpd="sng" algn="ctr">
+          <a:solidFill>
+            <a:schemeClr val="lt1">
+              <a:hueOff val="0"/>
+              <a:satOff val="0"/>
+              <a:lumOff val="0"/>
+              <a:alphaOff val="0"/>
+            </a:schemeClr>
+          </a:solidFill>
+          <a:prstDash val="solid"/>
+        </a:ln>
+        <a:effectLst/>
+      </dsp:spPr>
+      <dsp:style>
+        <a:lnRef idx="2">
+          <a:scrgbClr r="0" g="0" b="0"/>
+        </a:lnRef>
+        <a:fillRef idx="1">
+          <a:scrgbClr r="0" g="0" b="0"/>
+        </a:fillRef>
+        <a:effectRef idx="0">
+          <a:scrgbClr r="0" g="0" b="0"/>
+        </a:effectRef>
+        <a:fontRef idx="minor">
+          <a:schemeClr val="lt1"/>
+        </a:fontRef>
+      </dsp:style>
+      <dsp:txBody>
+        <a:bodyPr spcFirstLastPara="0" vert="horz" wrap="square" lIns="38100" tIns="38100" rIns="38100" bIns="38100" numCol="1" spcCol="1270" anchor="ctr" anchorCtr="0">
+          <a:noAutofit/>
+        </a:bodyPr>
+        <a:lstStyle/>
+        <a:p>
+          <a:pPr lvl="0" algn="ctr" defTabSz="889000">
+            <a:lnSpc>
+              <a:spcPct val="90000"/>
+            </a:lnSpc>
+            <a:spcBef>
+              <a:spcPct val="0"/>
+            </a:spcBef>
+            <a:spcAft>
+              <a:spcPct val="35000"/>
+            </a:spcAft>
+          </a:pPr>
+          <a:r>
+            <a:rPr lang="zh-CN" altLang="en-US" sz="2000" kern="1200" smtClean="0"/>
+            <a:t>社交</a:t>
+          </a:r>
+          <a:endParaRPr lang="zh-CN" altLang="en-US" sz="2000" kern="1200" dirty="0" smtClean="0"/>
+        </a:p>
+      </dsp:txBody>
+      <dsp:txXfrm>
+        <a:off x="4812863" y="3734700"/>
+        <a:ext cx="1098307" cy="568802"/>
+      </dsp:txXfrm>
+    </dsp:sp>
+  </dsp:spTree>
+</dsp:drawing>
+</file>
+
+<file path=ppt/diagrams/drawing3.xml><?xml version="1.0" encoding="utf-8"?>
+<dsp:drawing xmlns:dgm="http://schemas.openxmlformats.org/drawingml/2006/diagram" xmlns:dsp="http://schemas.microsoft.com/office/drawing/2008/diagram" xmlns:a="http://schemas.openxmlformats.org/drawingml/2006/main">
+  <dsp:spTree>
+    <dsp:nvGrpSpPr>
+      <dsp:cNvPr id="0" name=""/>
+      <dsp:cNvGrpSpPr/>
+    </dsp:nvGrpSpPr>
+    <dsp:grpSpPr/>
+    <dsp:sp modelId="{1C6F226F-68CF-0D49-85BA-CA4D670F8AD3}">
+      <dsp:nvSpPr>
+        <dsp:cNvPr id="0" name=""/>
+        <dsp:cNvSpPr/>
+      </dsp:nvSpPr>
+      <dsp:spPr>
+        <a:xfrm>
+          <a:off x="1706447" y="542839"/>
+          <a:ext cx="3331676" cy="3331676"/>
+        </a:xfrm>
+        <a:prstGeom prst="blockArc">
+          <a:avLst>
+            <a:gd name="adj1" fmla="val 12600000"/>
+            <a:gd name="adj2" fmla="val 16200000"/>
+            <a:gd name="adj3" fmla="val 4518"/>
+          </a:avLst>
+        </a:prstGeom>
+        <a:gradFill rotWithShape="0">
+          <a:gsLst>
+            <a:gs pos="0">
+              <a:schemeClr val="accent2">
+                <a:hueOff val="0"/>
+                <a:satOff val="0"/>
+                <a:lumOff val="0"/>
+                <a:alphaOff val="0"/>
+                <a:shade val="30000"/>
+                <a:satMod val="100000"/>
+              </a:schemeClr>
+            </a:gs>
+            <a:gs pos="80000">
+              <a:schemeClr val="accent2">
+                <a:hueOff val="0"/>
+                <a:satOff val="0"/>
+                <a:lumOff val="0"/>
+                <a:alphaOff val="0"/>
+                <a:shade val="90000"/>
+                <a:satMod val="100000"/>
+              </a:schemeClr>
+            </a:gs>
+            <a:gs pos="100000">
+              <a:schemeClr val="accent2">
+                <a:hueOff val="0"/>
+                <a:satOff val="0"/>
+                <a:lumOff val="0"/>
+                <a:alphaOff val="0"/>
+                <a:tint val="90000"/>
+                <a:shade val="100000"/>
+                <a:satMod val="150000"/>
+              </a:schemeClr>
+            </a:gs>
+          </a:gsLst>
+          <a:lin ang="16200000" scaled="0"/>
+        </a:gradFill>
+        <a:ln>
+          <a:noFill/>
+        </a:ln>
+        <a:effectLst>
+          <a:outerShdw blurRad="228600" dist="38100" dir="5400000" sx="104000" sy="104000" algn="ctr" rotWithShape="0">
+            <a:srgbClr val="000000">
+              <a:alpha val="80000"/>
+            </a:srgbClr>
+          </a:outerShdw>
+        </a:effectLst>
+      </dsp:spPr>
+      <dsp:style>
+        <a:lnRef idx="0">
+          <a:scrgbClr r="0" g="0" b="0"/>
+        </a:lnRef>
+        <a:fillRef idx="3">
+          <a:scrgbClr r="0" g="0" b="0"/>
+        </a:fillRef>
+        <a:effectRef idx="2">
+          <a:scrgbClr r="0" g="0" b="0"/>
+        </a:effectRef>
+        <a:fontRef idx="minor">
+          <a:schemeClr val="lt1"/>
+        </a:fontRef>
+      </dsp:style>
+    </dsp:sp>
+    <dsp:sp modelId="{DD305EF8-1BBB-E44F-989A-D706D5F8007A}">
+      <dsp:nvSpPr>
+        <dsp:cNvPr id="0" name=""/>
+        <dsp:cNvSpPr/>
+      </dsp:nvSpPr>
+      <dsp:spPr>
+        <a:xfrm>
+          <a:off x="1706447" y="542839"/>
+          <a:ext cx="3331676" cy="3331676"/>
+        </a:xfrm>
+        <a:prstGeom prst="blockArc">
+          <a:avLst>
+            <a:gd name="adj1" fmla="val 9000000"/>
+            <a:gd name="adj2" fmla="val 12600000"/>
+            <a:gd name="adj3" fmla="val 4518"/>
+          </a:avLst>
+        </a:prstGeom>
+        <a:gradFill rotWithShape="0">
+          <a:gsLst>
+            <a:gs pos="0">
+              <a:schemeClr val="accent6">
+                <a:hueOff val="0"/>
+                <a:satOff val="0"/>
+                <a:lumOff val="0"/>
+                <a:alphaOff val="0"/>
+                <a:shade val="30000"/>
+                <a:satMod val="100000"/>
+              </a:schemeClr>
+            </a:gs>
+            <a:gs pos="80000">
+              <a:schemeClr val="accent6">
+                <a:hueOff val="0"/>
+                <a:satOff val="0"/>
+                <a:lumOff val="0"/>
+                <a:alphaOff val="0"/>
+                <a:shade val="90000"/>
+                <a:satMod val="100000"/>
+              </a:schemeClr>
+            </a:gs>
+            <a:gs pos="100000">
+              <a:schemeClr val="accent6">
+                <a:hueOff val="0"/>
+                <a:satOff val="0"/>
+                <a:lumOff val="0"/>
+                <a:alphaOff val="0"/>
+                <a:tint val="90000"/>
+                <a:shade val="100000"/>
+                <a:satMod val="150000"/>
+              </a:schemeClr>
+            </a:gs>
+          </a:gsLst>
+          <a:lin ang="16200000" scaled="0"/>
+        </a:gradFill>
+        <a:ln>
+          <a:noFill/>
+        </a:ln>
+        <a:effectLst>
+          <a:outerShdw blurRad="228600" dist="38100" dir="5400000" sx="104000" sy="104000" algn="ctr" rotWithShape="0">
+            <a:srgbClr val="000000">
+              <a:alpha val="80000"/>
+            </a:srgbClr>
+          </a:outerShdw>
+        </a:effectLst>
+      </dsp:spPr>
+      <dsp:style>
+        <a:lnRef idx="0">
+          <a:scrgbClr r="0" g="0" b="0"/>
+        </a:lnRef>
+        <a:fillRef idx="3">
+          <a:scrgbClr r="0" g="0" b="0"/>
+        </a:fillRef>
+        <a:effectRef idx="2">
+          <a:scrgbClr r="0" g="0" b="0"/>
+        </a:effectRef>
+        <a:fontRef idx="minor">
+          <a:schemeClr val="lt1"/>
+        </a:fontRef>
+      </dsp:style>
+    </dsp:sp>
+    <dsp:sp modelId="{AB2880E1-8592-A44C-A825-0024CB987867}">
+      <dsp:nvSpPr>
+        <dsp:cNvPr id="0" name=""/>
+        <dsp:cNvSpPr/>
+      </dsp:nvSpPr>
+      <dsp:spPr>
+        <a:xfrm>
+          <a:off x="1594736" y="487067"/>
+          <a:ext cx="3331676" cy="3331676"/>
+        </a:xfrm>
+        <a:prstGeom prst="blockArc">
+          <a:avLst>
+            <a:gd name="adj1" fmla="val 5400000"/>
+            <a:gd name="adj2" fmla="val 9000000"/>
+            <a:gd name="adj3" fmla="val 4518"/>
+          </a:avLst>
+        </a:prstGeom>
+        <a:gradFill rotWithShape="0">
+          <a:gsLst>
+            <a:gs pos="0">
+              <a:schemeClr val="accent5">
+                <a:hueOff val="0"/>
+                <a:satOff val="0"/>
+                <a:lumOff val="0"/>
+                <a:alphaOff val="0"/>
+                <a:shade val="30000"/>
+                <a:satMod val="100000"/>
+              </a:schemeClr>
+            </a:gs>
+            <a:gs pos="80000">
+              <a:schemeClr val="accent5">
+                <a:hueOff val="0"/>
+                <a:satOff val="0"/>
+                <a:lumOff val="0"/>
+                <a:alphaOff val="0"/>
+                <a:shade val="90000"/>
+                <a:satMod val="100000"/>
+              </a:schemeClr>
+            </a:gs>
+            <a:gs pos="100000">
+              <a:schemeClr val="accent5">
+                <a:hueOff val="0"/>
+                <a:satOff val="0"/>
+                <a:lumOff val="0"/>
+                <a:alphaOff val="0"/>
+                <a:tint val="90000"/>
+                <a:shade val="100000"/>
+                <a:satMod val="150000"/>
+              </a:schemeClr>
+            </a:gs>
+          </a:gsLst>
+          <a:lin ang="16200000" scaled="0"/>
+        </a:gradFill>
+        <a:ln>
+          <a:noFill/>
+        </a:ln>
+        <a:effectLst>
+          <a:outerShdw blurRad="228600" dist="38100" dir="5400000" sx="104000" sy="104000" algn="ctr" rotWithShape="0">
+            <a:srgbClr val="000000">
+              <a:alpha val="80000"/>
+            </a:srgbClr>
+          </a:outerShdw>
+        </a:effectLst>
+      </dsp:spPr>
+      <dsp:style>
+        <a:lnRef idx="0">
+          <a:scrgbClr r="0" g="0" b="0"/>
+        </a:lnRef>
+        <a:fillRef idx="3">
+          <a:scrgbClr r="0" g="0" b="0"/>
+        </a:fillRef>
+        <a:effectRef idx="2">
+          <a:scrgbClr r="0" g="0" b="0"/>
+        </a:effectRef>
+        <a:fontRef idx="minor">
+          <a:schemeClr val="lt1"/>
+        </a:fontRef>
+      </dsp:style>
+    </dsp:sp>
+    <dsp:sp modelId="{09428FDF-8432-CE41-B3F6-EE7E2067A4EC}">
+      <dsp:nvSpPr>
+        <dsp:cNvPr id="0" name=""/>
+        <dsp:cNvSpPr/>
+      </dsp:nvSpPr>
+      <dsp:spPr>
+        <a:xfrm>
+          <a:off x="1594736" y="487067"/>
+          <a:ext cx="3331676" cy="3331676"/>
+        </a:xfrm>
+        <a:prstGeom prst="blockArc">
+          <a:avLst>
+            <a:gd name="adj1" fmla="val 1800000"/>
+            <a:gd name="adj2" fmla="val 5400000"/>
+            <a:gd name="adj3" fmla="val 4518"/>
+          </a:avLst>
+        </a:prstGeom>
+        <a:gradFill rotWithShape="0">
+          <a:gsLst>
+            <a:gs pos="0">
+              <a:schemeClr val="accent4">
+                <a:hueOff val="0"/>
+                <a:satOff val="0"/>
+                <a:lumOff val="0"/>
+                <a:alphaOff val="0"/>
+                <a:shade val="30000"/>
+                <a:satMod val="100000"/>
+              </a:schemeClr>
+            </a:gs>
+            <a:gs pos="80000">
+              <a:schemeClr val="accent4">
+                <a:hueOff val="0"/>
+                <a:satOff val="0"/>
+                <a:lumOff val="0"/>
+                <a:alphaOff val="0"/>
+                <a:shade val="90000"/>
+                <a:satMod val="100000"/>
+              </a:schemeClr>
+            </a:gs>
+            <a:gs pos="100000">
+              <a:schemeClr val="accent4">
+                <a:hueOff val="0"/>
+                <a:satOff val="0"/>
+                <a:lumOff val="0"/>
+                <a:alphaOff val="0"/>
+                <a:tint val="90000"/>
+                <a:shade val="100000"/>
+                <a:satMod val="150000"/>
+              </a:schemeClr>
+            </a:gs>
+          </a:gsLst>
+          <a:lin ang="16200000" scaled="0"/>
+        </a:gradFill>
+        <a:ln>
+          <a:noFill/>
+        </a:ln>
+        <a:effectLst>
+          <a:outerShdw blurRad="228600" dist="38100" dir="5400000" sx="104000" sy="104000" algn="ctr" rotWithShape="0">
+            <a:srgbClr val="000000">
+              <a:alpha val="80000"/>
+            </a:srgbClr>
+          </a:outerShdw>
+        </a:effectLst>
+      </dsp:spPr>
+      <dsp:style>
+        <a:lnRef idx="0">
+          <a:scrgbClr r="0" g="0" b="0"/>
+        </a:lnRef>
+        <a:fillRef idx="3">
+          <a:scrgbClr r="0" g="0" b="0"/>
+        </a:fillRef>
+        <a:effectRef idx="2">
+          <a:scrgbClr r="0" g="0" b="0"/>
+        </a:effectRef>
+        <a:fontRef idx="minor">
+          <a:schemeClr val="lt1"/>
+        </a:fontRef>
+      </dsp:style>
+    </dsp:sp>
+    <dsp:sp modelId="{96F1AE09-269B-164E-8BAE-E6642AEE4A09}">
+      <dsp:nvSpPr>
+        <dsp:cNvPr id="0" name=""/>
+        <dsp:cNvSpPr/>
+      </dsp:nvSpPr>
+      <dsp:spPr>
+        <a:xfrm>
+          <a:off x="1594736" y="487067"/>
+          <a:ext cx="3331676" cy="3331676"/>
+        </a:xfrm>
+        <a:prstGeom prst="blockArc">
+          <a:avLst>
+            <a:gd name="adj1" fmla="val 19800000"/>
+            <a:gd name="adj2" fmla="val 1800000"/>
+            <a:gd name="adj3" fmla="val 4518"/>
+          </a:avLst>
+        </a:prstGeom>
+        <a:gradFill rotWithShape="0">
+          <a:gsLst>
+            <a:gs pos="0">
+              <a:schemeClr val="accent3">
+                <a:hueOff val="0"/>
+                <a:satOff val="0"/>
+                <a:lumOff val="0"/>
+                <a:alphaOff val="0"/>
+                <a:shade val="30000"/>
+                <a:satMod val="100000"/>
+              </a:schemeClr>
+            </a:gs>
+            <a:gs pos="80000">
+              <a:schemeClr val="accent3">
+                <a:hueOff val="0"/>
+                <a:satOff val="0"/>
+                <a:lumOff val="0"/>
+                <a:alphaOff val="0"/>
+                <a:shade val="90000"/>
+                <a:satMod val="100000"/>
+              </a:schemeClr>
+            </a:gs>
+            <a:gs pos="100000">
+              <a:schemeClr val="accent3">
+                <a:hueOff val="0"/>
+                <a:satOff val="0"/>
+                <a:lumOff val="0"/>
+                <a:alphaOff val="0"/>
+                <a:tint val="90000"/>
+                <a:shade val="100000"/>
+                <a:satMod val="150000"/>
+              </a:schemeClr>
+            </a:gs>
+          </a:gsLst>
+          <a:lin ang="16200000" scaled="0"/>
+        </a:gradFill>
+        <a:ln>
+          <a:noFill/>
+        </a:ln>
+        <a:effectLst>
+          <a:outerShdw blurRad="228600" dist="38100" dir="5400000" sx="104000" sy="104000" algn="ctr" rotWithShape="0">
+            <a:srgbClr val="000000">
+              <a:alpha val="80000"/>
+            </a:srgbClr>
+          </a:outerShdw>
+        </a:effectLst>
+      </dsp:spPr>
+      <dsp:style>
+        <a:lnRef idx="0">
+          <a:scrgbClr r="0" g="0" b="0"/>
+        </a:lnRef>
+        <a:fillRef idx="3">
+          <a:scrgbClr r="0" g="0" b="0"/>
+        </a:fillRef>
+        <a:effectRef idx="2">
+          <a:scrgbClr r="0" g="0" b="0"/>
+        </a:effectRef>
+        <a:fontRef idx="minor">
+          <a:schemeClr val="lt1"/>
+        </a:fontRef>
+      </dsp:style>
+    </dsp:sp>
+    <dsp:sp modelId="{3D789891-1C63-F44B-8F92-15966C6EE98C}">
+      <dsp:nvSpPr>
+        <dsp:cNvPr id="0" name=""/>
+        <dsp:cNvSpPr/>
+      </dsp:nvSpPr>
+      <dsp:spPr>
+        <a:xfrm>
+          <a:off x="1594736" y="487067"/>
+          <a:ext cx="3331676" cy="3331676"/>
+        </a:xfrm>
+        <a:prstGeom prst="blockArc">
+          <a:avLst>
+            <a:gd name="adj1" fmla="val 16200000"/>
+            <a:gd name="adj2" fmla="val 19800000"/>
+            <a:gd name="adj3" fmla="val 4518"/>
+          </a:avLst>
+        </a:prstGeom>
+        <a:gradFill rotWithShape="0">
+          <a:gsLst>
+            <a:gs pos="0">
+              <a:schemeClr val="accent2">
+                <a:hueOff val="0"/>
+                <a:satOff val="0"/>
+                <a:lumOff val="0"/>
+                <a:alphaOff val="0"/>
+                <a:shade val="30000"/>
+                <a:satMod val="100000"/>
+              </a:schemeClr>
+            </a:gs>
+            <a:gs pos="80000">
+              <a:schemeClr val="accent2">
+                <a:hueOff val="0"/>
+                <a:satOff val="0"/>
+                <a:lumOff val="0"/>
+                <a:alphaOff val="0"/>
+                <a:shade val="90000"/>
+                <a:satMod val="100000"/>
+              </a:schemeClr>
+            </a:gs>
+            <a:gs pos="100000">
+              <a:schemeClr val="accent2">
+                <a:hueOff val="0"/>
+                <a:satOff val="0"/>
+                <a:lumOff val="0"/>
+                <a:alphaOff val="0"/>
+                <a:tint val="90000"/>
+                <a:shade val="100000"/>
+                <a:satMod val="150000"/>
+              </a:schemeClr>
+            </a:gs>
+          </a:gsLst>
+          <a:lin ang="16200000" scaled="0"/>
+        </a:gradFill>
+        <a:ln>
+          <a:noFill/>
+        </a:ln>
+        <a:effectLst>
+          <a:outerShdw blurRad="228600" dist="38100" dir="5400000" sx="104000" sy="104000" algn="ctr" rotWithShape="0">
+            <a:srgbClr val="000000">
+              <a:alpha val="80000"/>
+            </a:srgbClr>
+          </a:outerShdw>
+        </a:effectLst>
+      </dsp:spPr>
+      <dsp:style>
+        <a:lnRef idx="0">
+          <a:scrgbClr r="0" g="0" b="0"/>
+        </a:lnRef>
+        <a:fillRef idx="3">
+          <a:scrgbClr r="0" g="0" b="0"/>
+        </a:fillRef>
+        <a:effectRef idx="2">
           <a:scrgbClr r="0" g="0" b="0"/>
         </a:effectRef>
         <a:fontRef idx="minor">
@@ -7709,38 +8542,36 @@
       </dsp:nvSpPr>
       <dsp:spPr>
         <a:xfrm>
-          <a:off x="2445431" y="1488367"/>
-          <a:ext cx="1630287" cy="1630287"/>
+          <a:off x="2513890" y="1406221"/>
+          <a:ext cx="1493368" cy="1493368"/>
         </a:xfrm>
         <a:prstGeom prst="ellipse">
           <a:avLst/>
         </a:prstGeom>
         <a:solidFill>
-          <a:schemeClr val="accent2">
-            <a:lumMod val="75000"/>
+          <a:schemeClr val="tx1">
+            <a:lumMod val="50000"/>
           </a:schemeClr>
         </a:solidFill>
-        <a:ln w="76200" cap="flat" cmpd="sng" algn="ctr">
-          <a:solidFill>
-            <a:schemeClr val="lt1">
-              <a:hueOff val="0"/>
-              <a:satOff val="0"/>
-              <a:lumOff val="0"/>
-              <a:alphaOff val="0"/>
-            </a:schemeClr>
-          </a:solidFill>
-          <a:prstDash val="solid"/>
+        <a:ln>
+          <a:noFill/>
         </a:ln>
-        <a:effectLst/>
+        <a:effectLst>
+          <a:outerShdw blurRad="228600" dist="38100" dir="5400000" sx="104000" sy="104000" algn="ctr" rotWithShape="0">
+            <a:srgbClr val="000000">
+              <a:alpha val="80000"/>
+            </a:srgbClr>
+          </a:outerShdw>
+        </a:effectLst>
       </dsp:spPr>
       <dsp:style>
-        <a:lnRef idx="3">
+        <a:lnRef idx="0">
           <a:scrgbClr r="0" g="0" b="0"/>
         </a:lnRef>
-        <a:fillRef idx="1">
+        <a:fillRef idx="3">
           <a:scrgbClr r="0" g="0" b="0"/>
         </a:fillRef>
-        <a:effectRef idx="1">
+        <a:effectRef idx="2">
           <a:scrgbClr r="0" g="0" b="0"/>
         </a:effectRef>
         <a:fontRef idx="minor">
@@ -7748,12 +8579,12 @@
         </a:fontRef>
       </dsp:style>
       <dsp:txBody>
-        <a:bodyPr spcFirstLastPara="0" vert="horz" wrap="square" lIns="30480" tIns="30480" rIns="30480" bIns="30480" numCol="1" spcCol="1270" anchor="ctr" anchorCtr="0">
+        <a:bodyPr spcFirstLastPara="0" vert="horz" wrap="square" lIns="25400" tIns="25400" rIns="25400" bIns="25400" numCol="1" spcCol="1270" anchor="ctr" anchorCtr="0">
           <a:noAutofit/>
         </a:bodyPr>
         <a:lstStyle/>
         <a:p>
-          <a:pPr lvl="0" algn="ctr" defTabSz="1066800">
+          <a:pPr lvl="0" algn="ctr" defTabSz="889000">
             <a:lnSpc>
               <a:spcPct val="90000"/>
             </a:lnSpc>
@@ -7765,15 +8596,15 @@
             </a:spcAft>
           </a:pPr>
           <a:r>
-            <a:rPr lang="zh-CN" altLang="en-US" sz="2400" kern="1200" dirty="0" smtClean="0"/>
+            <a:rPr lang="zh-CN" altLang="en-US" sz="2000" kern="1200" dirty="0" smtClean="0"/>
             <a:t>画像</a:t>
           </a:r>
-          <a:endParaRPr lang="zh-CN" altLang="en-US" sz="2400" kern="1200" dirty="0"/>
+          <a:endParaRPr lang="zh-CN" altLang="en-US" sz="2000" kern="1200" dirty="0"/>
         </a:p>
       </dsp:txBody>
       <dsp:txXfrm>
-        <a:off x="2684181" y="1727117"/>
-        <a:ext cx="1152787" cy="1152787"/>
+        <a:off x="2732589" y="1624920"/>
+        <a:ext cx="1055970" cy="1055970"/>
       </dsp:txXfrm>
     </dsp:sp>
     <dsp:sp modelId="{5536D637-8BAA-AB4B-B6C9-866D35EC6748}">
@@ -7783,38 +8614,67 @@
       </dsp:nvSpPr>
       <dsp:spPr>
         <a:xfrm>
-          <a:off x="2689974" y="494"/>
-          <a:ext cx="1141201" cy="1141201"/>
+          <a:off x="2737895" y="2021"/>
+          <a:ext cx="1045358" cy="1045358"/>
         </a:xfrm>
         <a:prstGeom prst="ellipse">
           <a:avLst/>
         </a:prstGeom>
-        <a:solidFill>
-          <a:schemeClr val="accent1">
-            <a:lumMod val="75000"/>
-          </a:schemeClr>
-        </a:solidFill>
-        <a:ln w="76200" cap="flat" cmpd="sng" algn="ctr">
-          <a:solidFill>
-            <a:schemeClr val="lt1">
-              <a:hueOff val="0"/>
-              <a:satOff val="0"/>
-              <a:lumOff val="0"/>
-              <a:alphaOff val="0"/>
-            </a:schemeClr>
-          </a:solidFill>
-          <a:prstDash val="solid"/>
+        <a:gradFill rotWithShape="0">
+          <a:gsLst>
+            <a:gs pos="0">
+              <a:schemeClr val="accent2">
+                <a:hueOff val="0"/>
+                <a:satOff val="0"/>
+                <a:lumOff val="0"/>
+                <a:alphaOff val="0"/>
+                <a:shade val="30000"/>
+                <a:satMod val="100000"/>
+              </a:schemeClr>
+            </a:gs>
+            <a:gs pos="80000">
+              <a:schemeClr val="accent2">
+                <a:hueOff val="0"/>
+                <a:satOff val="0"/>
+                <a:lumOff val="0"/>
+                <a:alphaOff val="0"/>
+                <a:shade val="90000"/>
+                <a:satMod val="100000"/>
+              </a:schemeClr>
+            </a:gs>
+            <a:gs pos="100000">
+              <a:schemeClr val="accent2">
+                <a:hueOff val="0"/>
+                <a:satOff val="0"/>
+                <a:lumOff val="0"/>
+                <a:alphaOff val="0"/>
+                <a:tint val="90000"/>
+                <a:shade val="100000"/>
+                <a:satMod val="150000"/>
+              </a:schemeClr>
+            </a:gs>
+          </a:gsLst>
+          <a:lin ang="16200000" scaled="0"/>
+        </a:gradFill>
+        <a:ln>
+          <a:noFill/>
         </a:ln>
-        <a:effectLst/>
+        <a:effectLst>
+          <a:outerShdw blurRad="228600" dist="38100" dir="5400000" sx="104000" sy="104000" algn="ctr" rotWithShape="0">
+            <a:srgbClr val="000000">
+              <a:alpha val="80000"/>
+            </a:srgbClr>
+          </a:outerShdw>
+        </a:effectLst>
       </dsp:spPr>
       <dsp:style>
-        <a:lnRef idx="3">
+        <a:lnRef idx="0">
           <a:scrgbClr r="0" g="0" b="0"/>
         </a:lnRef>
-        <a:fillRef idx="1">
+        <a:fillRef idx="3">
           <a:scrgbClr r="0" g="0" b="0"/>
         </a:fillRef>
-        <a:effectRef idx="1">
+        <a:effectRef idx="2">
           <a:scrgbClr r="0" g="0" b="0"/>
         </a:effectRef>
         <a:fontRef idx="minor">
@@ -7822,12 +8682,12 @@
         </a:fontRef>
       </dsp:style>
       <dsp:txBody>
-        <a:bodyPr spcFirstLastPara="0" vert="horz" wrap="square" lIns="30480" tIns="30480" rIns="30480" bIns="30480" numCol="1" spcCol="1270" anchor="ctr" anchorCtr="0">
+        <a:bodyPr spcFirstLastPara="0" vert="horz" wrap="square" lIns="25400" tIns="25400" rIns="25400" bIns="25400" numCol="1" spcCol="1270" anchor="ctr" anchorCtr="0">
           <a:noAutofit/>
         </a:bodyPr>
         <a:lstStyle/>
         <a:p>
-          <a:pPr lvl="0" algn="ctr" defTabSz="1066800">
+          <a:pPr lvl="0" algn="ctr" defTabSz="889000">
             <a:lnSpc>
               <a:spcPct val="90000"/>
             </a:lnSpc>
@@ -7839,15 +8699,15 @@
             </a:spcAft>
           </a:pPr>
           <a:r>
-            <a:rPr lang="zh-CN" altLang="en-US" sz="2400" kern="1200" dirty="0" smtClean="0"/>
+            <a:rPr lang="zh-CN" altLang="en-US" sz="2000" kern="1200" dirty="0" smtClean="0"/>
             <a:t>资产</a:t>
           </a:r>
-          <a:endParaRPr lang="zh-CN" altLang="en-US" sz="2400" kern="1200" dirty="0"/>
+          <a:endParaRPr lang="zh-CN" altLang="en-US" sz="2000" kern="1200" dirty="0"/>
         </a:p>
       </dsp:txBody>
       <dsp:txXfrm>
-        <a:off x="2857099" y="167619"/>
-        <a:ext cx="806951" cy="806951"/>
+        <a:off x="2890984" y="155110"/>
+        <a:ext cx="739180" cy="739180"/>
       </dsp:txXfrm>
     </dsp:sp>
     <dsp:sp modelId="{B046A877-FABA-444C-B762-87688AD26366}">
@@ -7857,41 +8717,67 @@
       </dsp:nvSpPr>
       <dsp:spPr>
         <a:xfrm>
-          <a:off x="4337600" y="1197565"/>
-          <a:ext cx="1141201" cy="1141201"/>
+          <a:off x="4147963" y="816123"/>
+          <a:ext cx="1045358" cy="1045358"/>
         </a:xfrm>
         <a:prstGeom prst="ellipse">
           <a:avLst/>
         </a:prstGeom>
-        <a:solidFill>
-          <a:schemeClr val="accent3">
-            <a:hueOff val="0"/>
-            <a:satOff val="0"/>
-            <a:lumOff val="0"/>
-            <a:alphaOff val="0"/>
-          </a:schemeClr>
-        </a:solidFill>
-        <a:ln w="76200" cap="flat" cmpd="sng" algn="ctr">
-          <a:solidFill>
-            <a:schemeClr val="lt1">
-              <a:hueOff val="0"/>
-              <a:satOff val="0"/>
-              <a:lumOff val="0"/>
-              <a:alphaOff val="0"/>
-            </a:schemeClr>
-          </a:solidFill>
-          <a:prstDash val="solid"/>
+        <a:gradFill rotWithShape="0">
+          <a:gsLst>
+            <a:gs pos="0">
+              <a:schemeClr val="accent3">
+                <a:hueOff val="0"/>
+                <a:satOff val="0"/>
+                <a:lumOff val="0"/>
+                <a:alphaOff val="0"/>
+                <a:shade val="30000"/>
+                <a:satMod val="100000"/>
+              </a:schemeClr>
+            </a:gs>
+            <a:gs pos="80000">
+              <a:schemeClr val="accent3">
+                <a:hueOff val="0"/>
+                <a:satOff val="0"/>
+                <a:lumOff val="0"/>
+                <a:alphaOff val="0"/>
+                <a:shade val="90000"/>
+                <a:satMod val="100000"/>
+              </a:schemeClr>
+            </a:gs>
+            <a:gs pos="100000">
+              <a:schemeClr val="accent3">
+                <a:hueOff val="0"/>
+                <a:satOff val="0"/>
+                <a:lumOff val="0"/>
+                <a:alphaOff val="0"/>
+                <a:tint val="90000"/>
+                <a:shade val="100000"/>
+                <a:satMod val="150000"/>
+              </a:schemeClr>
+            </a:gs>
+          </a:gsLst>
+          <a:lin ang="16200000" scaled="0"/>
+        </a:gradFill>
+        <a:ln>
+          <a:noFill/>
         </a:ln>
-        <a:effectLst/>
+        <a:effectLst>
+          <a:outerShdw blurRad="228600" dist="38100" dir="5400000" sx="104000" sy="104000" algn="ctr" rotWithShape="0">
+            <a:srgbClr val="000000">
+              <a:alpha val="80000"/>
+            </a:srgbClr>
+          </a:outerShdw>
+        </a:effectLst>
       </dsp:spPr>
       <dsp:style>
-        <a:lnRef idx="3">
+        <a:lnRef idx="0">
           <a:scrgbClr r="0" g="0" b="0"/>
         </a:lnRef>
-        <a:fillRef idx="1">
+        <a:fillRef idx="3">
           <a:scrgbClr r="0" g="0" b="0"/>
         </a:fillRef>
-        <a:effectRef idx="1">
+        <a:effectRef idx="2">
           <a:scrgbClr r="0" g="0" b="0"/>
         </a:effectRef>
         <a:fontRef idx="minor">
@@ -7899,12 +8785,12 @@
         </a:fontRef>
       </dsp:style>
       <dsp:txBody>
-        <a:bodyPr spcFirstLastPara="0" vert="horz" wrap="square" lIns="30480" tIns="30480" rIns="30480" bIns="30480" numCol="1" spcCol="1270" anchor="ctr" anchorCtr="0">
+        <a:bodyPr spcFirstLastPara="0" vert="horz" wrap="square" lIns="25400" tIns="25400" rIns="25400" bIns="25400" numCol="1" spcCol="1270" anchor="ctr" anchorCtr="0">
           <a:noAutofit/>
         </a:bodyPr>
         <a:lstStyle/>
         <a:p>
-          <a:pPr lvl="0" algn="ctr" defTabSz="1066800">
+          <a:pPr lvl="0" algn="ctr" defTabSz="889000">
             <a:lnSpc>
               <a:spcPct val="90000"/>
             </a:lnSpc>
@@ -7916,15 +8802,15 @@
             </a:spcAft>
           </a:pPr>
           <a:r>
-            <a:rPr lang="zh-CN" altLang="en-US" sz="2400" kern="1200" dirty="0" smtClean="0"/>
+            <a:rPr lang="zh-CN" altLang="en-US" sz="2000" kern="1200" dirty="0" smtClean="0"/>
             <a:t>圈子</a:t>
           </a:r>
-          <a:endParaRPr lang="zh-CN" altLang="en-US" sz="2400" kern="1200" dirty="0"/>
+          <a:endParaRPr lang="zh-CN" altLang="en-US" sz="2000" kern="1200" dirty="0"/>
         </a:p>
       </dsp:txBody>
       <dsp:txXfrm>
-        <a:off x="4504725" y="1364690"/>
-        <a:ext cx="806951" cy="806951"/>
+        <a:off x="4301052" y="969212"/>
+        <a:ext cx="739180" cy="739180"/>
       </dsp:txXfrm>
     </dsp:sp>
     <dsp:sp modelId="{7325DBA6-C0E7-B046-84F1-61165AFA4FB2}">
@@ -7934,41 +8820,67 @@
       </dsp:nvSpPr>
       <dsp:spPr>
         <a:xfrm>
-          <a:off x="3708263" y="3134465"/>
-          <a:ext cx="1141201" cy="1141201"/>
+          <a:off x="4147963" y="2444329"/>
+          <a:ext cx="1045358" cy="1045358"/>
         </a:xfrm>
         <a:prstGeom prst="ellipse">
           <a:avLst/>
         </a:prstGeom>
-        <a:solidFill>
-          <a:schemeClr val="accent4">
-            <a:hueOff val="0"/>
-            <a:satOff val="0"/>
-            <a:lumOff val="0"/>
-            <a:alphaOff val="0"/>
-          </a:schemeClr>
-        </a:solidFill>
-        <a:ln w="76200" cap="flat" cmpd="sng" algn="ctr">
-          <a:solidFill>
-            <a:schemeClr val="lt1">
-              <a:hueOff val="0"/>
-              <a:satOff val="0"/>
-              <a:lumOff val="0"/>
-              <a:alphaOff val="0"/>
-            </a:schemeClr>
-          </a:solidFill>
-          <a:prstDash val="solid"/>
+        <a:gradFill rotWithShape="0">
+          <a:gsLst>
+            <a:gs pos="0">
+              <a:schemeClr val="accent4">
+                <a:hueOff val="0"/>
+                <a:satOff val="0"/>
+                <a:lumOff val="0"/>
+                <a:alphaOff val="0"/>
+                <a:shade val="30000"/>
+                <a:satMod val="100000"/>
+              </a:schemeClr>
+            </a:gs>
+            <a:gs pos="80000">
+              <a:schemeClr val="accent4">
+                <a:hueOff val="0"/>
+                <a:satOff val="0"/>
+                <a:lumOff val="0"/>
+                <a:alphaOff val="0"/>
+                <a:shade val="90000"/>
+                <a:satMod val="100000"/>
+              </a:schemeClr>
+            </a:gs>
+            <a:gs pos="100000">
+              <a:schemeClr val="accent4">
+                <a:hueOff val="0"/>
+                <a:satOff val="0"/>
+                <a:lumOff val="0"/>
+                <a:alphaOff val="0"/>
+                <a:tint val="90000"/>
+                <a:shade val="100000"/>
+                <a:satMod val="150000"/>
+              </a:schemeClr>
+            </a:gs>
+          </a:gsLst>
+          <a:lin ang="16200000" scaled="0"/>
+        </a:gradFill>
+        <a:ln>
+          <a:noFill/>
         </a:ln>
-        <a:effectLst/>
+        <a:effectLst>
+          <a:outerShdw blurRad="228600" dist="38100" dir="5400000" sx="104000" sy="104000" algn="ctr" rotWithShape="0">
+            <a:srgbClr val="000000">
+              <a:alpha val="80000"/>
+            </a:srgbClr>
+          </a:outerShdw>
+        </a:effectLst>
       </dsp:spPr>
       <dsp:style>
-        <a:lnRef idx="3">
+        <a:lnRef idx="0">
           <a:scrgbClr r="0" g="0" b="0"/>
         </a:lnRef>
-        <a:fillRef idx="1">
+        <a:fillRef idx="3">
           <a:scrgbClr r="0" g="0" b="0"/>
         </a:fillRef>
-        <a:effectRef idx="1">
+        <a:effectRef idx="2">
           <a:scrgbClr r="0" g="0" b="0"/>
         </a:effectRef>
         <a:fontRef idx="minor">
@@ -7976,12 +8888,12 @@
         </a:fontRef>
       </dsp:style>
       <dsp:txBody>
-        <a:bodyPr spcFirstLastPara="0" vert="horz" wrap="square" lIns="30480" tIns="30480" rIns="30480" bIns="30480" numCol="1" spcCol="1270" anchor="ctr" anchorCtr="0">
+        <a:bodyPr spcFirstLastPara="0" vert="horz" wrap="square" lIns="25400" tIns="25400" rIns="25400" bIns="25400" numCol="1" spcCol="1270" anchor="ctr" anchorCtr="0">
           <a:noAutofit/>
         </a:bodyPr>
         <a:lstStyle/>
         <a:p>
-          <a:pPr lvl="0" algn="ctr" defTabSz="1066800">
+          <a:pPr lvl="0" algn="ctr" defTabSz="889000">
             <a:lnSpc>
               <a:spcPct val="90000"/>
             </a:lnSpc>
@@ -7993,15 +8905,15 @@
             </a:spcAft>
           </a:pPr>
           <a:r>
-            <a:rPr lang="zh-CN" altLang="en-US" sz="2400" kern="1200" dirty="0" smtClean="0"/>
+            <a:rPr lang="zh-CN" altLang="en-US" sz="2000" kern="1200" dirty="0" smtClean="0"/>
             <a:t>位置</a:t>
           </a:r>
-          <a:endParaRPr lang="zh-CN" altLang="en-US" sz="2400" kern="1200" dirty="0"/>
+          <a:endParaRPr lang="zh-CN" altLang="en-US" sz="2000" kern="1200" dirty="0"/>
         </a:p>
       </dsp:txBody>
       <dsp:txXfrm>
-        <a:off x="3875388" y="3301590"/>
-        <a:ext cx="806951" cy="806951"/>
+        <a:off x="4301052" y="2597418"/>
+        <a:ext cx="739180" cy="739180"/>
       </dsp:txXfrm>
     </dsp:sp>
     <dsp:sp modelId="{5667F904-C74D-2F40-98FB-956E46ADA6D9}">
@@ -8011,41 +8923,67 @@
       </dsp:nvSpPr>
       <dsp:spPr>
         <a:xfrm>
-          <a:off x="1671685" y="3134465"/>
-          <a:ext cx="1141201" cy="1141201"/>
+          <a:off x="2737895" y="3258431"/>
+          <a:ext cx="1045358" cy="1045358"/>
         </a:xfrm>
         <a:prstGeom prst="ellipse">
           <a:avLst/>
         </a:prstGeom>
-        <a:solidFill>
-          <a:schemeClr val="accent5">
-            <a:hueOff val="0"/>
-            <a:satOff val="0"/>
-            <a:lumOff val="0"/>
-            <a:alphaOff val="0"/>
-          </a:schemeClr>
-        </a:solidFill>
-        <a:ln w="76200" cap="flat" cmpd="sng" algn="ctr">
-          <a:solidFill>
-            <a:schemeClr val="lt1">
-              <a:hueOff val="0"/>
-              <a:satOff val="0"/>
-              <a:lumOff val="0"/>
-              <a:alphaOff val="0"/>
-            </a:schemeClr>
-          </a:solidFill>
-          <a:prstDash val="solid"/>
+        <a:gradFill rotWithShape="0">
+          <a:gsLst>
+            <a:gs pos="0">
+              <a:schemeClr val="accent5">
+                <a:hueOff val="0"/>
+                <a:satOff val="0"/>
+                <a:lumOff val="0"/>
+                <a:alphaOff val="0"/>
+                <a:shade val="30000"/>
+                <a:satMod val="100000"/>
+              </a:schemeClr>
+            </a:gs>
+            <a:gs pos="80000">
+              <a:schemeClr val="accent5">
+                <a:hueOff val="0"/>
+                <a:satOff val="0"/>
+                <a:lumOff val="0"/>
+                <a:alphaOff val="0"/>
+                <a:shade val="90000"/>
+                <a:satMod val="100000"/>
+              </a:schemeClr>
+            </a:gs>
+            <a:gs pos="100000">
+              <a:schemeClr val="accent5">
+                <a:hueOff val="0"/>
+                <a:satOff val="0"/>
+                <a:lumOff val="0"/>
+                <a:alphaOff val="0"/>
+                <a:tint val="90000"/>
+                <a:shade val="100000"/>
+                <a:satMod val="150000"/>
+              </a:schemeClr>
+            </a:gs>
+          </a:gsLst>
+          <a:lin ang="16200000" scaled="0"/>
+        </a:gradFill>
+        <a:ln>
+          <a:noFill/>
         </a:ln>
-        <a:effectLst/>
+        <a:effectLst>
+          <a:outerShdw blurRad="228600" dist="38100" dir="5400000" sx="104000" sy="104000" algn="ctr" rotWithShape="0">
+            <a:srgbClr val="000000">
+              <a:alpha val="80000"/>
+            </a:srgbClr>
+          </a:outerShdw>
+        </a:effectLst>
       </dsp:spPr>
       <dsp:style>
-        <a:lnRef idx="3">
+        <a:lnRef idx="0">
           <a:scrgbClr r="0" g="0" b="0"/>
         </a:lnRef>
-        <a:fillRef idx="1">
+        <a:fillRef idx="3">
           <a:scrgbClr r="0" g="0" b="0"/>
         </a:fillRef>
-        <a:effectRef idx="1">
+        <a:effectRef idx="2">
           <a:scrgbClr r="0" g="0" b="0"/>
         </a:effectRef>
         <a:fontRef idx="minor">
@@ -8053,12 +8991,12 @@
         </a:fontRef>
       </dsp:style>
       <dsp:txBody>
-        <a:bodyPr spcFirstLastPara="0" vert="horz" wrap="square" lIns="30480" tIns="30480" rIns="30480" bIns="30480" numCol="1" spcCol="1270" anchor="ctr" anchorCtr="0">
+        <a:bodyPr spcFirstLastPara="0" vert="horz" wrap="square" lIns="25400" tIns="25400" rIns="25400" bIns="25400" numCol="1" spcCol="1270" anchor="ctr" anchorCtr="0">
           <a:noAutofit/>
         </a:bodyPr>
         <a:lstStyle/>
         <a:p>
-          <a:pPr lvl="0" algn="ctr" defTabSz="1066800">
+          <a:pPr lvl="0" algn="ctr" defTabSz="889000">
             <a:lnSpc>
               <a:spcPct val="90000"/>
             </a:lnSpc>
@@ -8070,15 +9008,15 @@
             </a:spcAft>
           </a:pPr>
           <a:r>
-            <a:rPr lang="zh-CN" altLang="en-US" sz="2400" kern="1200" dirty="0" smtClean="0"/>
+            <a:rPr lang="zh-CN" altLang="en-US" sz="2000" kern="1200" dirty="0" smtClean="0"/>
             <a:t>反馈</a:t>
           </a:r>
-          <a:endParaRPr lang="zh-CN" altLang="en-US" sz="2400" kern="1200" dirty="0"/>
+          <a:endParaRPr lang="zh-CN" altLang="en-US" sz="2000" kern="1200" dirty="0"/>
         </a:p>
       </dsp:txBody>
       <dsp:txXfrm>
-        <a:off x="1838810" y="3301590"/>
-        <a:ext cx="806951" cy="806951"/>
+        <a:off x="2890984" y="3411520"/>
+        <a:ext cx="739180" cy="739180"/>
       </dsp:txXfrm>
     </dsp:sp>
     <dsp:sp modelId="{FEB3DD1C-6016-AD42-B617-1805A98435B5}">
@@ -8088,41 +9026,67 @@
       </dsp:nvSpPr>
       <dsp:spPr>
         <a:xfrm>
-          <a:off x="1042348" y="1197565"/>
-          <a:ext cx="1141201" cy="1141201"/>
+          <a:off x="1327828" y="2444329"/>
+          <a:ext cx="1045358" cy="1045358"/>
         </a:xfrm>
         <a:prstGeom prst="ellipse">
           <a:avLst/>
         </a:prstGeom>
-        <a:solidFill>
-          <a:schemeClr val="accent6">
-            <a:hueOff val="0"/>
-            <a:satOff val="0"/>
-            <a:lumOff val="0"/>
-            <a:alphaOff val="0"/>
-          </a:schemeClr>
-        </a:solidFill>
-        <a:ln w="76200" cap="flat" cmpd="sng" algn="ctr">
-          <a:solidFill>
-            <a:schemeClr val="lt1">
-              <a:hueOff val="0"/>
-              <a:satOff val="0"/>
-              <a:lumOff val="0"/>
-              <a:alphaOff val="0"/>
-            </a:schemeClr>
-          </a:solidFill>
-          <a:prstDash val="solid"/>
+        <a:gradFill rotWithShape="0">
+          <a:gsLst>
+            <a:gs pos="0">
+              <a:schemeClr val="accent6">
+                <a:hueOff val="0"/>
+                <a:satOff val="0"/>
+                <a:lumOff val="0"/>
+                <a:alphaOff val="0"/>
+                <a:shade val="30000"/>
+                <a:satMod val="100000"/>
+              </a:schemeClr>
+            </a:gs>
+            <a:gs pos="80000">
+              <a:schemeClr val="accent6">
+                <a:hueOff val="0"/>
+                <a:satOff val="0"/>
+                <a:lumOff val="0"/>
+                <a:alphaOff val="0"/>
+                <a:shade val="90000"/>
+                <a:satMod val="100000"/>
+              </a:schemeClr>
+            </a:gs>
+            <a:gs pos="100000">
+              <a:schemeClr val="accent6">
+                <a:hueOff val="0"/>
+                <a:satOff val="0"/>
+                <a:lumOff val="0"/>
+                <a:alphaOff val="0"/>
+                <a:tint val="90000"/>
+                <a:shade val="100000"/>
+                <a:satMod val="150000"/>
+              </a:schemeClr>
+            </a:gs>
+          </a:gsLst>
+          <a:lin ang="16200000" scaled="0"/>
+        </a:gradFill>
+        <a:ln>
+          <a:noFill/>
         </a:ln>
-        <a:effectLst/>
+        <a:effectLst>
+          <a:outerShdw blurRad="228600" dist="38100" dir="5400000" sx="104000" sy="104000" algn="ctr" rotWithShape="0">
+            <a:srgbClr val="000000">
+              <a:alpha val="80000"/>
+            </a:srgbClr>
+          </a:outerShdw>
+        </a:effectLst>
       </dsp:spPr>
       <dsp:style>
-        <a:lnRef idx="3">
+        <a:lnRef idx="0">
           <a:scrgbClr r="0" g="0" b="0"/>
         </a:lnRef>
-        <a:fillRef idx="1">
+        <a:fillRef idx="3">
           <a:scrgbClr r="0" g="0" b="0"/>
         </a:fillRef>
-        <a:effectRef idx="1">
+        <a:effectRef idx="2">
           <a:scrgbClr r="0" g="0" b="0"/>
         </a:effectRef>
         <a:fontRef idx="minor">
@@ -8130,12 +9094,12 @@
         </a:fontRef>
       </dsp:style>
       <dsp:txBody>
-        <a:bodyPr spcFirstLastPara="0" vert="horz" wrap="square" lIns="30480" tIns="30480" rIns="30480" bIns="30480" numCol="1" spcCol="1270" anchor="ctr" anchorCtr="0">
+        <a:bodyPr spcFirstLastPara="0" vert="horz" wrap="square" lIns="25400" tIns="25400" rIns="25400" bIns="25400" numCol="1" spcCol="1270" anchor="ctr" anchorCtr="0">
           <a:noAutofit/>
         </a:bodyPr>
         <a:lstStyle/>
         <a:p>
-          <a:pPr lvl="0" algn="ctr" defTabSz="1066800">
+          <a:pPr lvl="0" algn="ctr" defTabSz="889000">
             <a:lnSpc>
               <a:spcPct val="90000"/>
             </a:lnSpc>
@@ -8147,15 +9111,87 @@
             </a:spcAft>
           </a:pPr>
           <a:r>
-            <a:rPr lang="zh-CN" altLang="en-US" sz="2400" kern="1200" dirty="0" smtClean="0"/>
+            <a:rPr lang="zh-CN" altLang="en-US" sz="2000" kern="1200" dirty="0" smtClean="0"/>
             <a:t>风险</a:t>
           </a:r>
-          <a:endParaRPr lang="zh-CN" altLang="en-US" sz="2400" kern="1200" dirty="0"/>
+          <a:endParaRPr lang="zh-CN" altLang="en-US" sz="2000" kern="1200" dirty="0"/>
         </a:p>
       </dsp:txBody>
       <dsp:txXfrm>
-        <a:off x="1209473" y="1364690"/>
-        <a:ext cx="806951" cy="806951"/>
+        <a:off x="1480917" y="2597418"/>
+        <a:ext cx="739180" cy="739180"/>
+      </dsp:txXfrm>
+    </dsp:sp>
+    <dsp:sp modelId="{4E239341-0024-3B43-A03F-4550B79185B0}">
+      <dsp:nvSpPr>
+        <dsp:cNvPr id="0" name=""/>
+        <dsp:cNvSpPr/>
+      </dsp:nvSpPr>
+      <dsp:spPr>
+        <a:xfrm>
+          <a:off x="1327828" y="816123"/>
+          <a:ext cx="1045358" cy="1045358"/>
+        </a:xfrm>
+        <a:prstGeom prst="ellipse">
+          <a:avLst/>
+        </a:prstGeom>
+        <a:solidFill>
+          <a:schemeClr val="accent1">
+            <a:lumMod val="75000"/>
+          </a:schemeClr>
+        </a:solidFill>
+        <a:ln>
+          <a:noFill/>
+        </a:ln>
+        <a:effectLst>
+          <a:outerShdw blurRad="228600" dist="38100" dir="5400000" sx="104000" sy="104000" algn="ctr" rotWithShape="0">
+            <a:srgbClr val="000000">
+              <a:alpha val="80000"/>
+            </a:srgbClr>
+          </a:outerShdw>
+        </a:effectLst>
+      </dsp:spPr>
+      <dsp:style>
+        <a:lnRef idx="0">
+          <a:scrgbClr r="0" g="0" b="0"/>
+        </a:lnRef>
+        <a:fillRef idx="3">
+          <a:scrgbClr r="0" g="0" b="0"/>
+        </a:fillRef>
+        <a:effectRef idx="2">
+          <a:scrgbClr r="0" g="0" b="0"/>
+        </a:effectRef>
+        <a:fontRef idx="minor">
+          <a:schemeClr val="lt1"/>
+        </a:fontRef>
+      </dsp:style>
+      <dsp:txBody>
+        <a:bodyPr spcFirstLastPara="0" vert="horz" wrap="square" lIns="25400" tIns="25400" rIns="25400" bIns="25400" numCol="1" spcCol="1270" anchor="ctr" anchorCtr="0">
+          <a:noAutofit/>
+        </a:bodyPr>
+        <a:lstStyle/>
+        <a:p>
+          <a:pPr lvl="0" algn="ctr" defTabSz="889000">
+            <a:lnSpc>
+              <a:spcPct val="90000"/>
+            </a:lnSpc>
+            <a:spcBef>
+              <a:spcPct val="0"/>
+            </a:spcBef>
+            <a:spcAft>
+              <a:spcPct val="35000"/>
+            </a:spcAft>
+          </a:pPr>
+          <a:r>
+            <a:rPr lang="zh-CN" altLang="en-US" sz="2000" kern="1200" dirty="0" smtClean="0"/>
+            <a:t>足迹</a:t>
+          </a:r>
+          <a:endParaRPr lang="zh-CN" altLang="en-US" sz="2000" kern="1200" dirty="0"/>
+        </a:p>
+      </dsp:txBody>
+      <dsp:txXfrm>
+        <a:off x="1480917" y="969212"/>
+        <a:ext cx="739180" cy="739180"/>
       </dsp:txXfrm>
     </dsp:sp>
   </dsp:spTree>
@@ -8177,8 +9213,8 @@
       </dsp:nvSpPr>
       <dsp:spPr>
         <a:xfrm>
-          <a:off x="1385" y="2670489"/>
-          <a:ext cx="6163560" cy="1224925"/>
+          <a:off x="1558" y="2793830"/>
+          <a:ext cx="6934005" cy="1272811"/>
         </a:xfrm>
         <a:prstGeom prst="roundRect">
           <a:avLst>
@@ -8187,30 +9223,28 @@
         </a:prstGeom>
         <a:solidFill>
           <a:schemeClr val="accent5">
-            <a:lumMod val="75000"/>
+            <a:lumMod val="50000"/>
           </a:schemeClr>
         </a:solidFill>
-        <a:ln w="76200" cap="flat" cmpd="sng" algn="ctr">
-          <a:solidFill>
-            <a:schemeClr val="lt1">
-              <a:hueOff val="0"/>
-              <a:satOff val="0"/>
-              <a:lumOff val="0"/>
-              <a:alphaOff val="0"/>
-            </a:schemeClr>
-          </a:solidFill>
-          <a:prstDash val="solid"/>
+        <a:ln>
+          <a:noFill/>
         </a:ln>
-        <a:effectLst/>
+        <a:effectLst>
+          <a:outerShdw blurRad="228600" dist="38100" dir="5400000" sx="104000" sy="104000" algn="ctr" rotWithShape="0">
+            <a:srgbClr val="000000">
+              <a:alpha val="80000"/>
+            </a:srgbClr>
+          </a:outerShdw>
+        </a:effectLst>
       </dsp:spPr>
       <dsp:style>
-        <a:lnRef idx="3">
+        <a:lnRef idx="0">
           <a:scrgbClr r="0" g="0" b="0"/>
         </a:lnRef>
-        <a:fillRef idx="1">
+        <a:fillRef idx="3">
           <a:scrgbClr r="0" g="0" b="0"/>
         </a:fillRef>
-        <a:effectRef idx="1">
+        <a:effectRef idx="2">
           <a:scrgbClr r="0" g="0" b="0"/>
         </a:effectRef>
         <a:fontRef idx="minor">
@@ -8218,12 +9252,12 @@
         </a:fontRef>
       </dsp:style>
       <dsp:txBody>
-        <a:bodyPr spcFirstLastPara="0" vert="horz" wrap="square" lIns="91440" tIns="91440" rIns="91440" bIns="91440" numCol="1" spcCol="1270" anchor="ctr" anchorCtr="0">
+        <a:bodyPr spcFirstLastPara="0" vert="horz" wrap="square" lIns="76200" tIns="76200" rIns="76200" bIns="76200" numCol="1" spcCol="1270" anchor="ctr" anchorCtr="0">
           <a:noAutofit/>
         </a:bodyPr>
         <a:lstStyle/>
         <a:p>
-          <a:pPr lvl="0" algn="ctr" defTabSz="1066800">
+          <a:pPr lvl="0" algn="ctr" defTabSz="889000">
             <a:lnSpc>
               <a:spcPct val="90000"/>
             </a:lnSpc>
@@ -8235,35 +9269,23 @@
             </a:spcAft>
           </a:pPr>
           <a:r>
-            <a:rPr lang="en-US" altLang="zh-CN" sz="2400" kern="1200" dirty="0" smtClean="0"/>
+            <a:rPr lang="en-US" altLang="zh-CN" sz="2000" kern="1200" dirty="0" smtClean="0"/>
             <a:t>EMP</a:t>
           </a:r>
           <a:r>
-            <a:rPr lang="zh-CN" altLang="en-US" sz="2400" kern="1200" dirty="0" smtClean="0"/>
-            <a:t>（</a:t>
-          </a:r>
-          <a:r>
-            <a:rPr lang="en-US" altLang="zh-CN" sz="2400" kern="1200" dirty="0" err="1" smtClean="0"/>
-            <a:t>Memcach</a:t>
-          </a:r>
-          <a:r>
-            <a:rPr lang="zh-CN" altLang="en-US" sz="2400" kern="1200" dirty="0" smtClean="0"/>
+            <a:rPr lang="zh-CN" altLang="en-US" sz="2000" kern="1200" dirty="0" smtClean="0"/>
             <a:t>、</a:t>
           </a:r>
           <a:r>
-            <a:rPr lang="en-US" altLang="zh-CN" sz="2400" kern="1200" dirty="0" err="1" smtClean="0"/>
-            <a:t>MongoDB</a:t>
+            <a:rPr lang="en-US" altLang="zh-CN" sz="2000" kern="1200" dirty="0" smtClean="0"/>
+            <a:t>Liana5</a:t>
           </a:r>
-          <a:r>
-            <a:rPr lang="zh-CN" altLang="en-US" sz="2400" kern="1200" dirty="0" smtClean="0"/>
-            <a:t>）</a:t>
-          </a:r>
-          <a:endParaRPr lang="zh-CN" altLang="en-US" sz="2400" kern="1200" dirty="0"/>
+          <a:endParaRPr lang="zh-CN" altLang="en-US" sz="2000" kern="1200" dirty="0" smtClean="0"/>
         </a:p>
       </dsp:txBody>
       <dsp:txXfrm>
-        <a:off x="37262" y="2706366"/>
-        <a:ext cx="6091806" cy="1153171"/>
+        <a:off x="38837" y="2831109"/>
+        <a:ext cx="6859447" cy="1198253"/>
       </dsp:txXfrm>
     </dsp:sp>
     <dsp:sp modelId="{D94364CA-E377-0543-B9A4-325C483FBF75}">
@@ -8273,8 +9295,8 @@
       </dsp:nvSpPr>
       <dsp:spPr>
         <a:xfrm>
-          <a:off x="12625" y="55079"/>
-          <a:ext cx="4026228" cy="1224925"/>
+          <a:off x="14203" y="28290"/>
+          <a:ext cx="4529507" cy="1272811"/>
         </a:xfrm>
         <a:prstGeom prst="roundRect">
           <a:avLst>
@@ -8282,34 +9304,30 @@
           </a:avLst>
         </a:prstGeom>
         <a:solidFill>
-          <a:schemeClr val="accent2">
-            <a:hueOff val="0"/>
-            <a:satOff val="0"/>
-            <a:lumOff val="0"/>
-            <a:alphaOff val="0"/>
+          <a:schemeClr val="accent6">
+            <a:lumMod val="60000"/>
+            <a:lumOff val="40000"/>
           </a:schemeClr>
         </a:solidFill>
-        <a:ln w="76200" cap="flat" cmpd="sng" algn="ctr">
-          <a:solidFill>
-            <a:schemeClr val="lt1">
-              <a:hueOff val="0"/>
-              <a:satOff val="0"/>
-              <a:lumOff val="0"/>
-              <a:alphaOff val="0"/>
-            </a:schemeClr>
-          </a:solidFill>
-          <a:prstDash val="solid"/>
+        <a:ln>
+          <a:noFill/>
         </a:ln>
-        <a:effectLst/>
+        <a:effectLst>
+          <a:outerShdw blurRad="228600" dist="38100" dir="5400000" sx="104000" sy="104000" algn="ctr" rotWithShape="0">
+            <a:srgbClr val="000000">
+              <a:alpha val="80000"/>
+            </a:srgbClr>
+          </a:outerShdw>
+        </a:effectLst>
       </dsp:spPr>
       <dsp:style>
-        <a:lnRef idx="3">
+        <a:lnRef idx="0">
           <a:scrgbClr r="0" g="0" b="0"/>
         </a:lnRef>
-        <a:fillRef idx="1">
+        <a:fillRef idx="3">
           <a:scrgbClr r="0" g="0" b="0"/>
         </a:fillRef>
-        <a:effectRef idx="1">
+        <a:effectRef idx="2">
           <a:scrgbClr r="0" g="0" b="0"/>
         </a:effectRef>
         <a:fontRef idx="minor">
@@ -8317,12 +9335,12 @@
         </a:fontRef>
       </dsp:style>
       <dsp:txBody>
-        <a:bodyPr spcFirstLastPara="0" vert="horz" wrap="square" lIns="91440" tIns="91440" rIns="91440" bIns="91440" numCol="1" spcCol="1270" anchor="ctr" anchorCtr="0">
+        <a:bodyPr spcFirstLastPara="0" vert="horz" wrap="square" lIns="76200" tIns="76200" rIns="76200" bIns="76200" numCol="1" spcCol="1270" anchor="ctr" anchorCtr="0">
           <a:noAutofit/>
         </a:bodyPr>
         <a:lstStyle/>
         <a:p>
-          <a:pPr lvl="0" algn="ctr" defTabSz="1066800">
+          <a:pPr lvl="0" algn="ctr" defTabSz="889000">
             <a:lnSpc>
               <a:spcPct val="90000"/>
             </a:lnSpc>
@@ -8334,15 +9352,15 @@
             </a:spcAft>
           </a:pPr>
           <a:r>
-            <a:rPr lang="zh-CN" altLang="en-US" sz="2400" kern="1200" dirty="0" smtClean="0"/>
+            <a:rPr lang="zh-CN" altLang="en-US" sz="2000" kern="1200" dirty="0" smtClean="0"/>
             <a:t>图表</a:t>
           </a:r>
-          <a:endParaRPr lang="zh-CN" altLang="en-US" sz="2400" kern="1200" dirty="0"/>
+          <a:endParaRPr lang="zh-CN" altLang="en-US" sz="2000" kern="1200" dirty="0"/>
         </a:p>
       </dsp:txBody>
       <dsp:txXfrm>
-        <a:off x="48502" y="90956"/>
-        <a:ext cx="3954474" cy="1153171"/>
+        <a:off x="51482" y="65569"/>
+        <a:ext cx="4454949" cy="1198253"/>
       </dsp:txXfrm>
     </dsp:sp>
     <dsp:sp modelId="{D7926BB1-EE2C-BE4F-BDC3-9EE8D5EAD62F}">
@@ -8352,43 +9370,69 @@
       </dsp:nvSpPr>
       <dsp:spPr>
         <a:xfrm>
-          <a:off x="12616" y="1347894"/>
-          <a:ext cx="1971708" cy="1224925"/>
+          <a:off x="14193" y="1418816"/>
+          <a:ext cx="2218171" cy="1272811"/>
         </a:xfrm>
         <a:prstGeom prst="roundRect">
           <a:avLst>
             <a:gd name="adj" fmla="val 10000"/>
           </a:avLst>
         </a:prstGeom>
-        <a:solidFill>
-          <a:schemeClr val="accent3">
-            <a:hueOff val="0"/>
-            <a:satOff val="0"/>
-            <a:lumOff val="0"/>
-            <a:alphaOff val="0"/>
-          </a:schemeClr>
-        </a:solidFill>
-        <a:ln w="76200" cap="flat" cmpd="sng" algn="ctr">
-          <a:solidFill>
-            <a:schemeClr val="lt1">
-              <a:hueOff val="0"/>
-              <a:satOff val="0"/>
-              <a:lumOff val="0"/>
-              <a:alphaOff val="0"/>
-            </a:schemeClr>
-          </a:solidFill>
-          <a:prstDash val="solid"/>
+        <a:gradFill rotWithShape="0">
+          <a:gsLst>
+            <a:gs pos="0">
+              <a:schemeClr val="accent3">
+                <a:hueOff val="0"/>
+                <a:satOff val="0"/>
+                <a:lumOff val="0"/>
+                <a:alphaOff val="0"/>
+                <a:shade val="30000"/>
+                <a:satMod val="100000"/>
+              </a:schemeClr>
+            </a:gs>
+            <a:gs pos="80000">
+              <a:schemeClr val="accent3">
+                <a:hueOff val="0"/>
+                <a:satOff val="0"/>
+                <a:lumOff val="0"/>
+                <a:alphaOff val="0"/>
+                <a:shade val="90000"/>
+                <a:satMod val="100000"/>
+              </a:schemeClr>
+            </a:gs>
+            <a:gs pos="100000">
+              <a:schemeClr val="accent3">
+                <a:hueOff val="0"/>
+                <a:satOff val="0"/>
+                <a:lumOff val="0"/>
+                <a:alphaOff val="0"/>
+                <a:tint val="90000"/>
+                <a:shade val="100000"/>
+                <a:satMod val="150000"/>
+              </a:schemeClr>
+            </a:gs>
+          </a:gsLst>
+          <a:lin ang="16200000" scaled="0"/>
+        </a:gradFill>
+        <a:ln>
+          <a:noFill/>
         </a:ln>
-        <a:effectLst/>
+        <a:effectLst>
+          <a:outerShdw blurRad="228600" dist="38100" dir="5400000" sx="104000" sy="104000" algn="ctr" rotWithShape="0">
+            <a:srgbClr val="000000">
+              <a:alpha val="80000"/>
+            </a:srgbClr>
+          </a:outerShdw>
+        </a:effectLst>
       </dsp:spPr>
       <dsp:style>
-        <a:lnRef idx="3">
+        <a:lnRef idx="0">
           <a:scrgbClr r="0" g="0" b="0"/>
         </a:lnRef>
-        <a:fillRef idx="1">
+        <a:fillRef idx="3">
           <a:scrgbClr r="0" g="0" b="0"/>
         </a:fillRef>
-        <a:effectRef idx="1">
+        <a:effectRef idx="2">
           <a:scrgbClr r="0" g="0" b="0"/>
         </a:effectRef>
         <a:fontRef idx="minor">
@@ -8396,12 +9440,12 @@
         </a:fontRef>
       </dsp:style>
       <dsp:txBody>
-        <a:bodyPr spcFirstLastPara="0" vert="horz" wrap="square" lIns="91440" tIns="91440" rIns="91440" bIns="91440" numCol="1" spcCol="1270" anchor="ctr" anchorCtr="0">
+        <a:bodyPr spcFirstLastPara="0" vert="horz" wrap="square" lIns="76200" tIns="76200" rIns="76200" bIns="76200" numCol="1" spcCol="1270" anchor="ctr" anchorCtr="0">
           <a:noAutofit/>
         </a:bodyPr>
         <a:lstStyle/>
         <a:p>
-          <a:pPr lvl="0" algn="ctr" defTabSz="1066800">
+          <a:pPr lvl="0" algn="ctr" defTabSz="889000">
             <a:lnSpc>
               <a:spcPct val="90000"/>
             </a:lnSpc>
@@ -8413,15 +9457,15 @@
             </a:spcAft>
           </a:pPr>
           <a:r>
-            <a:rPr lang="zh-CN" altLang="en-US" sz="2400" kern="1200" dirty="0" smtClean="0"/>
+            <a:rPr lang="zh-CN" altLang="en-US" sz="2000" kern="1200" dirty="0" smtClean="0"/>
             <a:t>采集</a:t>
           </a:r>
-          <a:endParaRPr lang="zh-CN" altLang="en-US" sz="2400" kern="1200" dirty="0"/>
+          <a:endParaRPr lang="zh-CN" altLang="en-US" sz="2000" kern="1200" dirty="0"/>
         </a:p>
       </dsp:txBody>
       <dsp:txXfrm>
-        <a:off x="48493" y="1383771"/>
-        <a:ext cx="1899954" cy="1153171"/>
+        <a:off x="51472" y="1456095"/>
+        <a:ext cx="2143613" cy="1198253"/>
       </dsp:txXfrm>
     </dsp:sp>
     <dsp:sp modelId="{EFB31975-7F0A-B743-9777-B873FECBBFCD}">
@@ -8431,8 +9475,8 @@
       </dsp:nvSpPr>
       <dsp:spPr>
         <a:xfrm>
-          <a:off x="2098526" y="1346167"/>
-          <a:ext cx="1971708" cy="1224925"/>
+          <a:off x="2360841" y="1417022"/>
+          <a:ext cx="2218171" cy="1272811"/>
         </a:xfrm>
         <a:prstGeom prst="roundRect">
           <a:avLst>
@@ -8442,27 +9486,25 @@
         <a:solidFill>
           <a:srgbClr val="FF6600"/>
         </a:solidFill>
-        <a:ln w="76200" cap="flat" cmpd="sng" algn="ctr">
-          <a:solidFill>
-            <a:schemeClr val="lt1">
-              <a:hueOff val="0"/>
-              <a:satOff val="0"/>
-              <a:lumOff val="0"/>
-              <a:alphaOff val="0"/>
-            </a:schemeClr>
-          </a:solidFill>
-          <a:prstDash val="solid"/>
+        <a:ln>
+          <a:noFill/>
         </a:ln>
-        <a:effectLst/>
+        <a:effectLst>
+          <a:outerShdw blurRad="228600" dist="38100" dir="5400000" sx="104000" sy="104000" algn="ctr" rotWithShape="0">
+            <a:srgbClr val="000000">
+              <a:alpha val="80000"/>
+            </a:srgbClr>
+          </a:outerShdw>
+        </a:effectLst>
       </dsp:spPr>
       <dsp:style>
-        <a:lnRef idx="3">
+        <a:lnRef idx="0">
           <a:scrgbClr r="0" g="0" b="0"/>
         </a:lnRef>
-        <a:fillRef idx="1">
+        <a:fillRef idx="3">
           <a:scrgbClr r="0" g="0" b="0"/>
         </a:fillRef>
-        <a:effectRef idx="1">
+        <a:effectRef idx="2">
           <a:scrgbClr r="0" g="0" b="0"/>
         </a:effectRef>
         <a:fontRef idx="minor">
@@ -8470,12 +9512,12 @@
         </a:fontRef>
       </dsp:style>
       <dsp:txBody>
-        <a:bodyPr spcFirstLastPara="0" vert="horz" wrap="square" lIns="91440" tIns="91440" rIns="91440" bIns="91440" numCol="1" spcCol="1270" anchor="ctr" anchorCtr="0">
+        <a:bodyPr spcFirstLastPara="0" vert="horz" wrap="square" lIns="76200" tIns="76200" rIns="76200" bIns="76200" numCol="1" spcCol="1270" anchor="ctr" anchorCtr="0">
           <a:noAutofit/>
         </a:bodyPr>
         <a:lstStyle/>
         <a:p>
-          <a:pPr lvl="0" algn="ctr" defTabSz="1066800">
+          <a:pPr lvl="0" algn="ctr" defTabSz="889000">
             <a:lnSpc>
               <a:spcPct val="90000"/>
             </a:lnSpc>
@@ -8487,15 +9529,15 @@
             </a:spcAft>
           </a:pPr>
           <a:r>
-            <a:rPr lang="zh-CN" altLang="en-US" sz="2400" kern="1200" dirty="0" smtClean="0"/>
+            <a:rPr lang="zh-CN" altLang="en-US" sz="2000" kern="1200" dirty="0" smtClean="0"/>
             <a:t>分析</a:t>
           </a:r>
-          <a:endParaRPr lang="zh-CN" altLang="en-US" sz="2400" kern="1200" dirty="0"/>
+          <a:endParaRPr lang="zh-CN" altLang="en-US" sz="2000" kern="1200" dirty="0"/>
         </a:p>
       </dsp:txBody>
       <dsp:txXfrm>
-        <a:off x="2134403" y="1382044"/>
-        <a:ext cx="1899954" cy="1153171"/>
+        <a:off x="2398120" y="1454301"/>
+        <a:ext cx="2143613" cy="1198253"/>
       </dsp:txXfrm>
     </dsp:sp>
     <dsp:sp modelId="{9BC07098-2F34-7740-B9E7-F57E3D4A0DE6}">
@@ -8505,8 +9547,113 @@
       </dsp:nvSpPr>
       <dsp:spPr>
         <a:xfrm>
-          <a:off x="4152927" y="1335244"/>
-          <a:ext cx="1971708" cy="1224925"/>
+          <a:off x="4672044" y="1396915"/>
+          <a:ext cx="2218171" cy="1272811"/>
+        </a:xfrm>
+        <a:prstGeom prst="roundRect">
+          <a:avLst>
+            <a:gd name="adj" fmla="val 10000"/>
+          </a:avLst>
+        </a:prstGeom>
+        <a:gradFill rotWithShape="0">
+          <a:gsLst>
+            <a:gs pos="0">
+              <a:schemeClr val="accent2">
+                <a:hueOff val="0"/>
+                <a:satOff val="0"/>
+                <a:lumOff val="0"/>
+                <a:alphaOff val="0"/>
+                <a:shade val="30000"/>
+                <a:satMod val="100000"/>
+              </a:schemeClr>
+            </a:gs>
+            <a:gs pos="80000">
+              <a:schemeClr val="accent2">
+                <a:hueOff val="0"/>
+                <a:satOff val="0"/>
+                <a:lumOff val="0"/>
+                <a:alphaOff val="0"/>
+                <a:shade val="90000"/>
+                <a:satMod val="100000"/>
+              </a:schemeClr>
+            </a:gs>
+            <a:gs pos="100000">
+              <a:schemeClr val="accent2">
+                <a:hueOff val="0"/>
+                <a:satOff val="0"/>
+                <a:lumOff val="0"/>
+                <a:alphaOff val="0"/>
+                <a:tint val="90000"/>
+                <a:shade val="100000"/>
+                <a:satMod val="150000"/>
+              </a:schemeClr>
+            </a:gs>
+          </a:gsLst>
+          <a:lin ang="16200000" scaled="0"/>
+        </a:gradFill>
+        <a:ln>
+          <a:noFill/>
+        </a:ln>
+        <a:effectLst>
+          <a:outerShdw blurRad="228600" dist="38100" dir="5400000" sx="104000" sy="104000" algn="ctr" rotWithShape="0">
+            <a:srgbClr val="000000">
+              <a:alpha val="80000"/>
+            </a:srgbClr>
+          </a:outerShdw>
+        </a:effectLst>
+      </dsp:spPr>
+      <dsp:style>
+        <a:lnRef idx="0">
+          <a:scrgbClr r="0" g="0" b="0"/>
+        </a:lnRef>
+        <a:fillRef idx="3">
+          <a:scrgbClr r="0" g="0" b="0"/>
+        </a:fillRef>
+        <a:effectRef idx="2">
+          <a:scrgbClr r="0" g="0" b="0"/>
+        </a:effectRef>
+        <a:fontRef idx="minor">
+          <a:schemeClr val="lt1"/>
+        </a:fontRef>
+      </dsp:style>
+      <dsp:txBody>
+        <a:bodyPr spcFirstLastPara="0" vert="horz" wrap="square" lIns="76200" tIns="76200" rIns="76200" bIns="76200" numCol="1" spcCol="1270" anchor="ctr" anchorCtr="0">
+          <a:noAutofit/>
+        </a:bodyPr>
+        <a:lstStyle/>
+        <a:p>
+          <a:pPr lvl="0" algn="ctr" defTabSz="889000">
+            <a:lnSpc>
+              <a:spcPct val="90000"/>
+            </a:lnSpc>
+            <a:spcBef>
+              <a:spcPct val="0"/>
+            </a:spcBef>
+            <a:spcAft>
+              <a:spcPct val="35000"/>
+            </a:spcAft>
+          </a:pPr>
+          <a:r>
+            <a:rPr lang="zh-CN" altLang="en-US" sz="2000" kern="1200" dirty="0" smtClean="0"/>
+            <a:t>营销</a:t>
+          </a:r>
+          <a:endParaRPr lang="zh-CN" altLang="en-US" sz="2000" kern="1200" dirty="0"/>
+        </a:p>
+      </dsp:txBody>
+      <dsp:txXfrm>
+        <a:off x="4709323" y="1434194"/>
+        <a:ext cx="2143613" cy="1198253"/>
+      </dsp:txXfrm>
+    </dsp:sp>
+    <dsp:sp modelId="{D5DF83B6-4370-7E48-87B2-E67A52E056CF}">
+      <dsp:nvSpPr>
+        <dsp:cNvPr id="0" name=""/>
+        <dsp:cNvSpPr/>
+      </dsp:nvSpPr>
+      <dsp:spPr>
+        <a:xfrm>
+          <a:off x="4674883" y="42029"/>
+          <a:ext cx="2218171" cy="1272811"/>
         </a:xfrm>
         <a:prstGeom prst="roundRect">
           <a:avLst>
@@ -8519,27 +9666,25 @@
             <a:lumOff val="40000"/>
           </a:schemeClr>
         </a:solidFill>
-        <a:ln w="76200" cap="flat" cmpd="sng" algn="ctr">
-          <a:solidFill>
-            <a:schemeClr val="lt1">
-              <a:hueOff val="0"/>
-              <a:satOff val="0"/>
-              <a:lumOff val="0"/>
-              <a:alphaOff val="0"/>
-            </a:schemeClr>
-          </a:solidFill>
-          <a:prstDash val="solid"/>
+        <a:ln>
+          <a:noFill/>
         </a:ln>
-        <a:effectLst/>
+        <a:effectLst>
+          <a:outerShdw blurRad="228600" dist="38100" dir="5400000" sx="104000" sy="104000" algn="ctr" rotWithShape="0">
+            <a:srgbClr val="000000">
+              <a:alpha val="80000"/>
+            </a:srgbClr>
+          </a:outerShdw>
+        </a:effectLst>
       </dsp:spPr>
       <dsp:style>
-        <a:lnRef idx="3">
+        <a:lnRef idx="0">
           <a:scrgbClr r="0" g="0" b="0"/>
         </a:lnRef>
-        <a:fillRef idx="1">
+        <a:fillRef idx="3">
           <a:scrgbClr r="0" g="0" b="0"/>
         </a:fillRef>
-        <a:effectRef idx="1">
+        <a:effectRef idx="2">
           <a:scrgbClr r="0" g="0" b="0"/>
         </a:effectRef>
         <a:fontRef idx="minor">
@@ -8547,12 +9692,12 @@
         </a:fontRef>
       </dsp:style>
       <dsp:txBody>
-        <a:bodyPr spcFirstLastPara="0" vert="horz" wrap="square" lIns="91440" tIns="91440" rIns="91440" bIns="91440" numCol="1" spcCol="1270" anchor="ctr" anchorCtr="0">
+        <a:bodyPr spcFirstLastPara="0" vert="horz" wrap="square" lIns="76200" tIns="76200" rIns="76200" bIns="76200" numCol="1" spcCol="1270" anchor="ctr" anchorCtr="0">
           <a:noAutofit/>
         </a:bodyPr>
         <a:lstStyle/>
         <a:p>
-          <a:pPr lvl="0" algn="ctr" defTabSz="1066800">
+          <a:pPr lvl="0" algn="ctr" defTabSz="889000">
             <a:lnSpc>
               <a:spcPct val="90000"/>
             </a:lnSpc>
@@ -8564,91 +9709,15 @@
             </a:spcAft>
           </a:pPr>
           <a:r>
-            <a:rPr lang="zh-CN" altLang="en-US" sz="2400" kern="1200" dirty="0" smtClean="0"/>
-            <a:t>营销</a:t>
+            <a:rPr lang="zh-CN" altLang="en-US" sz="2000" kern="1200" dirty="0" smtClean="0"/>
+            <a:t>管理</a:t>
           </a:r>
-          <a:endParaRPr lang="zh-CN" altLang="en-US" sz="2400" kern="1200" dirty="0"/>
+          <a:endParaRPr lang="zh-CN" altLang="en-US" sz="2000" kern="1200" dirty="0"/>
         </a:p>
       </dsp:txBody>
       <dsp:txXfrm>
-        <a:off x="4188804" y="1371121"/>
-        <a:ext cx="1899954" cy="1153171"/>
-      </dsp:txXfrm>
-    </dsp:sp>
-    <dsp:sp modelId="{D5DF83B6-4370-7E48-87B2-E67A52E056CF}">
-      <dsp:nvSpPr>
-        <dsp:cNvPr id="0" name=""/>
-        <dsp:cNvSpPr/>
-      </dsp:nvSpPr>
-      <dsp:spPr>
-        <a:xfrm>
-          <a:off x="4155451" y="22904"/>
-          <a:ext cx="1971708" cy="1224925"/>
-        </a:xfrm>
-        <a:prstGeom prst="roundRect">
-          <a:avLst>
-            <a:gd name="adj" fmla="val 10000"/>
-          </a:avLst>
-        </a:prstGeom>
-        <a:solidFill>
-          <a:schemeClr val="accent1">
-            <a:lumMod val="75000"/>
-          </a:schemeClr>
-        </a:solidFill>
-        <a:ln w="76200" cap="flat" cmpd="sng" algn="ctr">
-          <a:solidFill>
-            <a:schemeClr val="lt1">
-              <a:hueOff val="0"/>
-              <a:satOff val="0"/>
-              <a:lumOff val="0"/>
-              <a:alphaOff val="0"/>
-            </a:schemeClr>
-          </a:solidFill>
-          <a:prstDash val="solid"/>
-        </a:ln>
-        <a:effectLst/>
-      </dsp:spPr>
-      <dsp:style>
-        <a:lnRef idx="3">
-          <a:scrgbClr r="0" g="0" b="0"/>
-        </a:lnRef>
-        <a:fillRef idx="1">
-          <a:scrgbClr r="0" g="0" b="0"/>
-        </a:fillRef>
-        <a:effectRef idx="1">
-          <a:scrgbClr r="0" g="0" b="0"/>
-        </a:effectRef>
-        <a:fontRef idx="minor">
-          <a:schemeClr val="lt1"/>
-        </a:fontRef>
-      </dsp:style>
-      <dsp:txBody>
-        <a:bodyPr spcFirstLastPara="0" vert="horz" wrap="square" lIns="91440" tIns="91440" rIns="91440" bIns="91440" numCol="1" spcCol="1270" anchor="ctr" anchorCtr="0">
-          <a:noAutofit/>
-        </a:bodyPr>
-        <a:lstStyle/>
-        <a:p>
-          <a:pPr lvl="0" algn="ctr" defTabSz="1066800">
-            <a:lnSpc>
-              <a:spcPct val="90000"/>
-            </a:lnSpc>
-            <a:spcBef>
-              <a:spcPct val="0"/>
-            </a:spcBef>
-            <a:spcAft>
-              <a:spcPct val="35000"/>
-            </a:spcAft>
-          </a:pPr>
-          <a:r>
-            <a:rPr lang="zh-CN" altLang="en-US" sz="2400" kern="1200" dirty="0" smtClean="0"/>
-            <a:t>管理</a:t>
-          </a:r>
-          <a:endParaRPr lang="zh-CN" altLang="en-US" sz="2400" kern="1200" dirty="0"/>
-        </a:p>
-      </dsp:txBody>
-      <dsp:txXfrm>
-        <a:off x="4191328" y="58781"/>
-        <a:ext cx="1899954" cy="1153171"/>
+        <a:off x="4712162" y="79308"/>
+        <a:ext cx="2143613" cy="1198253"/>
       </dsp:txXfrm>
     </dsp:sp>
   </dsp:spTree>
@@ -11671,11 +12740,11 @@
 </file>
 
 <file path=ppt/diagrams/quickStyle2.xml><?xml version="1.0" encoding="utf-8"?>
-<dgm:styleDef xmlns:dgm="http://schemas.openxmlformats.org/drawingml/2006/diagram" xmlns:a="http://schemas.openxmlformats.org/drawingml/2006/main" uniqueId="urn:microsoft.com/office/officeart/2005/8/quickstyle/simple2">
+<dgm:styleDef xmlns:dgm="http://schemas.openxmlformats.org/drawingml/2006/diagram" xmlns:a="http://schemas.openxmlformats.org/drawingml/2006/main" uniqueId="urn:microsoft.com/office/officeart/2005/8/quickstyle/simple1">
   <dgm:title val=""/>
   <dgm:desc val=""/>
   <dgm:catLst>
-    <dgm:cat type="simple" pri="10200"/>
+    <dgm:cat type="simple" pri="10100"/>
   </dgm:catLst>
   <dgm:scene3d>
     <a:camera prst="orthographicFront"/>
@@ -11689,13 +12758,13 @@
     <dgm:sp3d/>
     <dgm:txPr/>
     <dgm:style>
-      <a:lnRef idx="3">
+      <a:lnRef idx="2">
         <a:scrgbClr r="0" g="0" b="0"/>
       </a:lnRef>
       <a:fillRef idx="1">
         <a:scrgbClr r="0" g="0" b="0"/>
       </a:fillRef>
-      <a:effectRef idx="1">
+      <a:effectRef idx="0">
         <a:scrgbClr r="0" g="0" b="0"/>
       </a:effectRef>
       <a:fontRef idx="minor">
@@ -11711,13 +12780,13 @@
     <dgm:sp3d/>
     <dgm:txPr/>
     <dgm:style>
-      <a:lnRef idx="3">
+      <a:lnRef idx="2">
         <a:scrgbClr r="0" g="0" b="0"/>
       </a:lnRef>
       <a:fillRef idx="1">
         <a:scrgbClr r="0" g="0" b="0"/>
       </a:fillRef>
-      <a:effectRef idx="1">
+      <a:effectRef idx="0">
         <a:scrgbClr r="0" g="0" b="0"/>
       </a:effectRef>
       <a:fontRef idx="minor">
@@ -11733,7 +12802,7 @@
     <dgm:sp3d/>
     <dgm:txPr/>
     <dgm:style>
-      <a:lnRef idx="3">
+      <a:lnRef idx="2">
         <a:scrgbClr r="0" g="0" b="0"/>
       </a:lnRef>
       <a:fillRef idx="1">
@@ -11761,7 +12830,7 @@
       <a:fillRef idx="1">
         <a:scrgbClr r="0" g="0" b="0"/>
       </a:fillRef>
-      <a:effectRef idx="1">
+      <a:effectRef idx="0">
         <a:scrgbClr r="0" g="0" b="0"/>
       </a:effectRef>
       <a:fontRef idx="minor">
@@ -11777,13 +12846,13 @@
     <dgm:sp3d/>
     <dgm:txPr/>
     <dgm:style>
-      <a:lnRef idx="3">
+      <a:lnRef idx="2">
         <a:scrgbClr r="0" g="0" b="0"/>
       </a:lnRef>
       <a:fillRef idx="1">
         <a:scrgbClr r="0" g="0" b="0"/>
       </a:fillRef>
-      <a:effectRef idx="1">
+      <a:effectRef idx="0">
         <a:scrgbClr r="0" g="0" b="0"/>
       </a:effectRef>
       <a:fontRef idx="minor">
@@ -11799,13 +12868,13 @@
     <dgm:sp3d/>
     <dgm:txPr/>
     <dgm:style>
-      <a:lnRef idx="3">
+      <a:lnRef idx="2">
         <a:scrgbClr r="0" g="0" b="0"/>
       </a:lnRef>
       <a:fillRef idx="1">
         <a:scrgbClr r="0" g="0" b="0"/>
       </a:fillRef>
-      <a:effectRef idx="1">
+      <a:effectRef idx="0">
         <a:scrgbClr r="0" g="0" b="0"/>
       </a:effectRef>
       <a:fontRef idx="minor">
@@ -11821,13 +12890,13 @@
     <dgm:sp3d/>
     <dgm:txPr/>
     <dgm:style>
-      <a:lnRef idx="3">
+      <a:lnRef idx="2">
         <a:scrgbClr r="0" g="0" b="0"/>
       </a:lnRef>
       <a:fillRef idx="1">
         <a:scrgbClr r="0" g="0" b="0"/>
       </a:fillRef>
-      <a:effectRef idx="1">
+      <a:effectRef idx="0">
         <a:scrgbClr r="0" g="0" b="0"/>
       </a:effectRef>
       <a:fontRef idx="minor">
@@ -11843,13 +12912,13 @@
     <dgm:sp3d/>
     <dgm:txPr/>
     <dgm:style>
-      <a:lnRef idx="3">
+      <a:lnRef idx="2">
         <a:scrgbClr r="0" g="0" b="0"/>
       </a:lnRef>
       <a:fillRef idx="1">
         <a:scrgbClr r="0" g="0" b="0"/>
       </a:fillRef>
-      <a:effectRef idx="1">
+      <a:effectRef idx="0">
         <a:scrgbClr r="0" g="0" b="0"/>
       </a:effectRef>
       <a:fontRef idx="minor">
@@ -11865,13 +12934,13 @@
     <dgm:sp3d/>
     <dgm:txPr/>
     <dgm:style>
-      <a:lnRef idx="3">
+      <a:lnRef idx="2">
         <a:scrgbClr r="0" g="0" b="0"/>
       </a:lnRef>
       <a:fillRef idx="1">
         <a:scrgbClr r="0" g="0" b="0"/>
       </a:fillRef>
-      <a:effectRef idx="1">
+      <a:effectRef idx="0">
         <a:scrgbClr r="0" g="0" b="0"/>
       </a:effectRef>
       <a:fontRef idx="minor"/>
@@ -11885,13 +12954,13 @@
     <dgm:sp3d/>
     <dgm:txPr/>
     <dgm:style>
-      <a:lnRef idx="3">
+      <a:lnRef idx="2">
         <a:scrgbClr r="0" g="0" b="0"/>
       </a:lnRef>
       <a:fillRef idx="1">
         <a:scrgbClr r="0" g="0" b="0"/>
       </a:fillRef>
-      <a:effectRef idx="1">
+      <a:effectRef idx="0">
         <a:scrgbClr r="0" g="0" b="0"/>
       </a:effectRef>
       <a:fontRef idx="minor"/>
@@ -11905,13 +12974,13 @@
     <dgm:sp3d/>
     <dgm:txPr/>
     <dgm:style>
-      <a:lnRef idx="3">
+      <a:lnRef idx="2">
         <a:scrgbClr r="0" g="0" b="0"/>
       </a:lnRef>
       <a:fillRef idx="1">
         <a:scrgbClr r="0" g="0" b="0"/>
       </a:fillRef>
-      <a:effectRef idx="1">
+      <a:effectRef idx="0">
         <a:scrgbClr r="0" g="0" b="0"/>
       </a:effectRef>
       <a:fontRef idx="minor"/>
@@ -11931,7 +13000,7 @@
       <a:fillRef idx="1">
         <a:scrgbClr r="0" g="0" b="0"/>
       </a:fillRef>
-      <a:effectRef idx="1">
+      <a:effectRef idx="0">
         <a:scrgbClr r="0" g="0" b="0"/>
       </a:effectRef>
       <a:fontRef idx="minor">
@@ -11953,7 +13022,7 @@
       <a:fillRef idx="1">
         <a:scrgbClr r="0" g="0" b="0"/>
       </a:fillRef>
-      <a:effectRef idx="1">
+      <a:effectRef idx="0">
         <a:scrgbClr r="0" g="0" b="0"/>
       </a:effectRef>
       <a:fontRef idx="minor">
@@ -11975,7 +13044,7 @@
       <a:fillRef idx="1">
         <a:scrgbClr r="0" g="0" b="0"/>
       </a:fillRef>
-      <a:effectRef idx="1">
+      <a:effectRef idx="0">
         <a:scrgbClr r="0" g="0" b="0"/>
       </a:effectRef>
       <a:fontRef idx="minor">
@@ -12017,7 +13086,7 @@
       <a:fillRef idx="1">
         <a:scrgbClr r="0" g="0" b="0"/>
       </a:fillRef>
-      <a:effectRef idx="1">
+      <a:effectRef idx="0">
         <a:scrgbClr r="0" g="0" b="0"/>
       </a:effectRef>
       <a:fontRef idx="minor"/>
@@ -12031,13 +13100,13 @@
     <dgm:sp3d/>
     <dgm:txPr/>
     <dgm:style>
-      <a:lnRef idx="3">
+      <a:lnRef idx="2">
         <a:scrgbClr r="0" g="0" b="0"/>
       </a:lnRef>
       <a:fillRef idx="1">
         <a:scrgbClr r="0" g="0" b="0"/>
       </a:fillRef>
-      <a:effectRef idx="1">
+      <a:effectRef idx="0">
         <a:scrgbClr r="0" g="0" b="0"/>
       </a:effectRef>
       <a:fontRef idx="minor">
@@ -12053,13 +13122,13 @@
     <dgm:sp3d/>
     <dgm:txPr/>
     <dgm:style>
-      <a:lnRef idx="3">
+      <a:lnRef idx="2">
         <a:scrgbClr r="0" g="0" b="0"/>
       </a:lnRef>
       <a:fillRef idx="1">
         <a:scrgbClr r="0" g="0" b="0"/>
       </a:fillRef>
-      <a:effectRef idx="1">
+      <a:effectRef idx="0">
         <a:scrgbClr r="0" g="0" b="0"/>
       </a:effectRef>
       <a:fontRef idx="minor">
@@ -12075,13 +13144,13 @@
     <dgm:sp3d/>
     <dgm:txPr/>
     <dgm:style>
-      <a:lnRef idx="3">
+      <a:lnRef idx="2">
         <a:scrgbClr r="0" g="0" b="0"/>
       </a:lnRef>
       <a:fillRef idx="1">
         <a:scrgbClr r="0" g="0" b="0"/>
       </a:fillRef>
-      <a:effectRef idx="1">
+      <a:effectRef idx="0">
         <a:scrgbClr r="0" g="0" b="0"/>
       </a:effectRef>
       <a:fontRef idx="minor">
@@ -12097,13 +13166,13 @@
     <dgm:sp3d/>
     <dgm:txPr/>
     <dgm:style>
-      <a:lnRef idx="3">
+      <a:lnRef idx="2">
         <a:scrgbClr r="0" g="0" b="0"/>
       </a:lnRef>
       <a:fillRef idx="1">
         <a:scrgbClr r="0" g="0" b="0"/>
       </a:fillRef>
-      <a:effectRef idx="1">
+      <a:effectRef idx="0">
         <a:scrgbClr r="0" g="0" b="0"/>
       </a:effectRef>
       <a:fontRef idx="minor">
@@ -12119,13 +13188,13 @@
     <dgm:sp3d/>
     <dgm:txPr/>
     <dgm:style>
-      <a:lnRef idx="3">
+      <a:lnRef idx="2">
         <a:scrgbClr r="0" g="0" b="0"/>
       </a:lnRef>
       <a:fillRef idx="1">
         <a:scrgbClr r="0" g="0" b="0"/>
       </a:fillRef>
-      <a:effectRef idx="1">
+      <a:effectRef idx="0">
         <a:scrgbClr r="0" g="0" b="0"/>
       </a:effectRef>
       <a:fontRef idx="minor">
@@ -12141,13 +13210,13 @@
     <dgm:sp3d/>
     <dgm:txPr/>
     <dgm:style>
-      <a:lnRef idx="3">
+      <a:lnRef idx="2">
         <a:scrgbClr r="0" g="0" b="0"/>
       </a:lnRef>
       <a:fillRef idx="1">
         <a:scrgbClr r="0" g="0" b="0"/>
       </a:fillRef>
-      <a:effectRef idx="1">
+      <a:effectRef idx="0">
         <a:scrgbClr r="0" g="0" b="0"/>
       </a:effectRef>
       <a:fontRef idx="minor">
@@ -12163,13 +13232,13 @@
     <dgm:sp3d/>
     <dgm:txPr/>
     <dgm:style>
-      <a:lnRef idx="3">
+      <a:lnRef idx="2">
         <a:scrgbClr r="0" g="0" b="0"/>
       </a:lnRef>
       <a:fillRef idx="1">
         <a:scrgbClr r="0" g="0" b="0"/>
       </a:fillRef>
-      <a:effectRef idx="1">
+      <a:effectRef idx="0">
         <a:scrgbClr r="0" g="0" b="0"/>
       </a:effectRef>
       <a:fontRef idx="minor">
@@ -12185,13 +13254,13 @@
     <dgm:sp3d/>
     <dgm:txPr/>
     <dgm:style>
-      <a:lnRef idx="3">
+      <a:lnRef idx="2">
         <a:scrgbClr r="0" g="0" b="0"/>
       </a:lnRef>
       <a:fillRef idx="1">
         <a:scrgbClr r="0" g="0" b="0"/>
       </a:fillRef>
-      <a:effectRef idx="1">
+      <a:effectRef idx="0">
         <a:scrgbClr r="0" g="0" b="0"/>
       </a:effectRef>
       <a:fontRef idx="minor">
@@ -12207,13 +13276,13 @@
     <dgm:sp3d/>
     <dgm:txPr/>
     <dgm:style>
-      <a:lnRef idx="3">
+      <a:lnRef idx="2">
         <a:scrgbClr r="0" g="0" b="0"/>
       </a:lnRef>
       <a:fillRef idx="1">
         <a:scrgbClr r="0" g="0" b="0"/>
       </a:fillRef>
-      <a:effectRef idx="1">
+      <a:effectRef idx="0">
         <a:scrgbClr r="0" g="0" b="0"/>
       </a:effectRef>
       <a:fontRef idx="minor">
@@ -12669,13 +13738,13 @@
     <dgm:sp3d/>
     <dgm:txPr/>
     <dgm:style>
-      <a:lnRef idx="3">
+      <a:lnRef idx="2">
         <a:scrgbClr r="0" g="0" b="0"/>
       </a:lnRef>
       <a:fillRef idx="1">
         <a:scrgbClr r="0" g="0" b="0"/>
       </a:fillRef>
-      <a:effectRef idx="1">
+      <a:effectRef idx="0">
         <a:scrgbClr r="0" g="0" b="0"/>
       </a:effectRef>
       <a:fontRef idx="minor"/>
@@ -12705,11 +13774,11 @@
 </file>
 
 <file path=ppt/diagrams/quickStyle3.xml><?xml version="1.0" encoding="utf-8"?>
-<dgm:styleDef xmlns:dgm="http://schemas.openxmlformats.org/drawingml/2006/diagram" xmlns:a="http://schemas.openxmlformats.org/drawingml/2006/main" uniqueId="urn:microsoft.com/office/officeart/2005/8/quickstyle/simple2">
+<dgm:styleDef xmlns:dgm="http://schemas.openxmlformats.org/drawingml/2006/diagram" xmlns:a="http://schemas.openxmlformats.org/drawingml/2006/main" uniqueId="urn:microsoft.com/office/officeart/2005/8/quickstyle/simple4">
   <dgm:title val=""/>
   <dgm:desc val=""/>
   <dgm:catLst>
-    <dgm:cat type="simple" pri="10200"/>
+    <dgm:cat type="simple" pri="10400"/>
   </dgm:catLst>
   <dgm:scene3d>
     <a:camera prst="orthographicFront"/>
@@ -12723,13 +13792,13 @@
     <dgm:sp3d/>
     <dgm:txPr/>
     <dgm:style>
-      <a:lnRef idx="3">
+      <a:lnRef idx="0">
         <a:scrgbClr r="0" g="0" b="0"/>
       </a:lnRef>
-      <a:fillRef idx="1">
+      <a:fillRef idx="3">
         <a:scrgbClr r="0" g="0" b="0"/>
       </a:fillRef>
-      <a:effectRef idx="1">
+      <a:effectRef idx="2">
         <a:scrgbClr r="0" g="0" b="0"/>
       </a:effectRef>
       <a:fontRef idx="minor">
@@ -12745,13 +13814,13 @@
     <dgm:sp3d/>
     <dgm:txPr/>
     <dgm:style>
-      <a:lnRef idx="3">
+      <a:lnRef idx="1">
         <a:scrgbClr r="0" g="0" b="0"/>
       </a:lnRef>
-      <a:fillRef idx="1">
+      <a:fillRef idx="3">
         <a:scrgbClr r="0" g="0" b="0"/>
       </a:fillRef>
-      <a:effectRef idx="1">
+      <a:effectRef idx="2">
         <a:scrgbClr r="0" g="0" b="0"/>
       </a:effectRef>
       <a:fontRef idx="minor">
@@ -12767,10 +13836,10 @@
     <dgm:sp3d/>
     <dgm:txPr/>
     <dgm:style>
-      <a:lnRef idx="3">
+      <a:lnRef idx="0">
         <a:scrgbClr r="0" g="0" b="0"/>
       </a:lnRef>
-      <a:fillRef idx="1">
+      <a:fillRef idx="3">
         <a:scrgbClr r="0" g="0" b="0"/>
       </a:fillRef>
       <a:effectRef idx="0">
@@ -12789,13 +13858,13 @@
     <dgm:sp3d/>
     <dgm:txPr/>
     <dgm:style>
-      <a:lnRef idx="2">
+      <a:lnRef idx="1">
         <a:scrgbClr r="0" g="0" b="0"/>
       </a:lnRef>
-      <a:fillRef idx="1">
+      <a:fillRef idx="3">
         <a:scrgbClr r="0" g="0" b="0"/>
       </a:fillRef>
-      <a:effectRef idx="1">
+      <a:effectRef idx="2">
         <a:scrgbClr r="0" g="0" b="0"/>
       </a:effectRef>
       <a:fontRef idx="minor">
@@ -12811,13 +13880,13 @@
     <dgm:sp3d/>
     <dgm:txPr/>
     <dgm:style>
-      <a:lnRef idx="3">
+      <a:lnRef idx="0">
         <a:scrgbClr r="0" g="0" b="0"/>
       </a:lnRef>
-      <a:fillRef idx="1">
+      <a:fillRef idx="3">
         <a:scrgbClr r="0" g="0" b="0"/>
       </a:fillRef>
-      <a:effectRef idx="1">
+      <a:effectRef idx="2">
         <a:scrgbClr r="0" g="0" b="0"/>
       </a:effectRef>
       <a:fontRef idx="minor">
@@ -12833,13 +13902,13 @@
     <dgm:sp3d/>
     <dgm:txPr/>
     <dgm:style>
-      <a:lnRef idx="3">
+      <a:lnRef idx="0">
         <a:scrgbClr r="0" g="0" b="0"/>
       </a:lnRef>
-      <a:fillRef idx="1">
+      <a:fillRef idx="3">
         <a:scrgbClr r="0" g="0" b="0"/>
       </a:fillRef>
-      <a:effectRef idx="1">
+      <a:effectRef idx="2">
         <a:scrgbClr r="0" g="0" b="0"/>
       </a:effectRef>
       <a:fontRef idx="minor">
@@ -12855,13 +13924,13 @@
     <dgm:sp3d/>
     <dgm:txPr/>
     <dgm:style>
-      <a:lnRef idx="3">
+      <a:lnRef idx="0">
         <a:scrgbClr r="0" g="0" b="0"/>
       </a:lnRef>
-      <a:fillRef idx="1">
+      <a:fillRef idx="3">
         <a:scrgbClr r="0" g="0" b="0"/>
       </a:fillRef>
-      <a:effectRef idx="1">
+      <a:effectRef idx="2">
         <a:scrgbClr r="0" g="0" b="0"/>
       </a:effectRef>
       <a:fontRef idx="minor">
@@ -12877,13 +13946,13 @@
     <dgm:sp3d/>
     <dgm:txPr/>
     <dgm:style>
-      <a:lnRef idx="3">
+      <a:lnRef idx="0">
         <a:scrgbClr r="0" g="0" b="0"/>
       </a:lnRef>
-      <a:fillRef idx="1">
+      <a:fillRef idx="3">
         <a:scrgbClr r="0" g="0" b="0"/>
       </a:fillRef>
-      <a:effectRef idx="1">
+      <a:effectRef idx="2">
         <a:scrgbClr r="0" g="0" b="0"/>
       </a:effectRef>
       <a:fontRef idx="minor">
@@ -12899,13 +13968,13 @@
     <dgm:sp3d/>
     <dgm:txPr/>
     <dgm:style>
-      <a:lnRef idx="3">
+      <a:lnRef idx="0">
         <a:scrgbClr r="0" g="0" b="0"/>
       </a:lnRef>
       <a:fillRef idx="1">
         <a:scrgbClr r="0" g="0" b="0"/>
       </a:fillRef>
-      <a:effectRef idx="1">
+      <a:effectRef idx="2">
         <a:scrgbClr r="0" g="0" b="0"/>
       </a:effectRef>
       <a:fontRef idx="minor"/>
@@ -12919,13 +13988,13 @@
     <dgm:sp3d/>
     <dgm:txPr/>
     <dgm:style>
-      <a:lnRef idx="3">
+      <a:lnRef idx="0">
         <a:scrgbClr r="0" g="0" b="0"/>
       </a:lnRef>
       <a:fillRef idx="1">
         <a:scrgbClr r="0" g="0" b="0"/>
       </a:fillRef>
-      <a:effectRef idx="1">
+      <a:effectRef idx="2">
         <a:scrgbClr r="0" g="0" b="0"/>
       </a:effectRef>
       <a:fontRef idx="minor"/>
@@ -12939,13 +14008,13 @@
     <dgm:sp3d/>
     <dgm:txPr/>
     <dgm:style>
-      <a:lnRef idx="3">
+      <a:lnRef idx="0">
         <a:scrgbClr r="0" g="0" b="0"/>
       </a:lnRef>
       <a:fillRef idx="1">
         <a:scrgbClr r="0" g="0" b="0"/>
       </a:fillRef>
-      <a:effectRef idx="1">
+      <a:effectRef idx="2">
         <a:scrgbClr r="0" g="0" b="0"/>
       </a:effectRef>
       <a:fontRef idx="minor"/>
@@ -12962,10 +14031,10 @@
       <a:lnRef idx="0">
         <a:scrgbClr r="0" g="0" b="0"/>
       </a:lnRef>
-      <a:fillRef idx="1">
+      <a:fillRef idx="3">
         <a:scrgbClr r="0" g="0" b="0"/>
       </a:fillRef>
-      <a:effectRef idx="1">
+      <a:effectRef idx="2">
         <a:scrgbClr r="0" g="0" b="0"/>
       </a:effectRef>
       <a:fontRef idx="minor">
@@ -12984,10 +14053,10 @@
       <a:lnRef idx="0">
         <a:scrgbClr r="0" g="0" b="0"/>
       </a:lnRef>
-      <a:fillRef idx="1">
+      <a:fillRef idx="3">
         <a:scrgbClr r="0" g="0" b="0"/>
       </a:fillRef>
-      <a:effectRef idx="1">
+      <a:effectRef idx="2">
         <a:scrgbClr r="0" g="0" b="0"/>
       </a:effectRef>
       <a:fontRef idx="minor">
@@ -13006,10 +14075,10 @@
       <a:lnRef idx="0">
         <a:scrgbClr r="0" g="0" b="0"/>
       </a:lnRef>
-      <a:fillRef idx="1">
+      <a:fillRef idx="3">
         <a:scrgbClr r="0" g="0" b="0"/>
       </a:fillRef>
-      <a:effectRef idx="1">
+      <a:effectRef idx="2">
         <a:scrgbClr r="0" g="0" b="0"/>
       </a:effectRef>
       <a:fontRef idx="minor">
@@ -13065,13 +14134,13 @@
     <dgm:sp3d/>
     <dgm:txPr/>
     <dgm:style>
-      <a:lnRef idx="3">
+      <a:lnRef idx="0">
         <a:scrgbClr r="0" g="0" b="0"/>
       </a:lnRef>
-      <a:fillRef idx="1">
+      <a:fillRef idx="3">
         <a:scrgbClr r="0" g="0" b="0"/>
       </a:fillRef>
-      <a:effectRef idx="1">
+      <a:effectRef idx="2">
         <a:scrgbClr r="0" g="0" b="0"/>
       </a:effectRef>
       <a:fontRef idx="minor">
@@ -13087,13 +14156,13 @@
     <dgm:sp3d/>
     <dgm:txPr/>
     <dgm:style>
-      <a:lnRef idx="3">
+      <a:lnRef idx="0">
         <a:scrgbClr r="0" g="0" b="0"/>
       </a:lnRef>
-      <a:fillRef idx="1">
+      <a:fillRef idx="3">
         <a:scrgbClr r="0" g="0" b="0"/>
       </a:fillRef>
-      <a:effectRef idx="1">
+      <a:effectRef idx="2">
         <a:scrgbClr r="0" g="0" b="0"/>
       </a:effectRef>
       <a:fontRef idx="minor">
@@ -13109,13 +14178,13 @@
     <dgm:sp3d/>
     <dgm:txPr/>
     <dgm:style>
-      <a:lnRef idx="3">
+      <a:lnRef idx="0">
         <a:scrgbClr r="0" g="0" b="0"/>
       </a:lnRef>
-      <a:fillRef idx="1">
+      <a:fillRef idx="3">
         <a:scrgbClr r="0" g="0" b="0"/>
       </a:fillRef>
-      <a:effectRef idx="1">
+      <a:effectRef idx="2">
         <a:scrgbClr r="0" g="0" b="0"/>
       </a:effectRef>
       <a:fontRef idx="minor">
@@ -13131,13 +14200,13 @@
     <dgm:sp3d/>
     <dgm:txPr/>
     <dgm:style>
-      <a:lnRef idx="3">
+      <a:lnRef idx="0">
         <a:scrgbClr r="0" g="0" b="0"/>
       </a:lnRef>
-      <a:fillRef idx="1">
+      <a:fillRef idx="3">
         <a:scrgbClr r="0" g="0" b="0"/>
       </a:fillRef>
-      <a:effectRef idx="1">
+      <a:effectRef idx="2">
         <a:scrgbClr r="0" g="0" b="0"/>
       </a:effectRef>
       <a:fontRef idx="minor">
@@ -13153,13 +14222,13 @@
     <dgm:sp3d/>
     <dgm:txPr/>
     <dgm:style>
-      <a:lnRef idx="3">
+      <a:lnRef idx="0">
         <a:scrgbClr r="0" g="0" b="0"/>
       </a:lnRef>
-      <a:fillRef idx="1">
+      <a:fillRef idx="3">
         <a:scrgbClr r="0" g="0" b="0"/>
       </a:fillRef>
-      <a:effectRef idx="1">
+      <a:effectRef idx="2">
         <a:scrgbClr r="0" g="0" b="0"/>
       </a:effectRef>
       <a:fontRef idx="minor">
@@ -13175,13 +14244,13 @@
     <dgm:sp3d/>
     <dgm:txPr/>
     <dgm:style>
-      <a:lnRef idx="3">
+      <a:lnRef idx="0">
         <a:scrgbClr r="0" g="0" b="0"/>
       </a:lnRef>
-      <a:fillRef idx="1">
+      <a:fillRef idx="3">
         <a:scrgbClr r="0" g="0" b="0"/>
       </a:fillRef>
-      <a:effectRef idx="1">
+      <a:effectRef idx="2">
         <a:scrgbClr r="0" g="0" b="0"/>
       </a:effectRef>
       <a:fontRef idx="minor">
@@ -13197,13 +14266,13 @@
     <dgm:sp3d/>
     <dgm:txPr/>
     <dgm:style>
-      <a:lnRef idx="3">
+      <a:lnRef idx="0">
         <a:scrgbClr r="0" g="0" b="0"/>
       </a:lnRef>
-      <a:fillRef idx="1">
+      <a:fillRef idx="3">
         <a:scrgbClr r="0" g="0" b="0"/>
       </a:fillRef>
-      <a:effectRef idx="1">
+      <a:effectRef idx="2">
         <a:scrgbClr r="0" g="0" b="0"/>
       </a:effectRef>
       <a:fontRef idx="minor">
@@ -13219,13 +14288,13 @@
     <dgm:sp3d/>
     <dgm:txPr/>
     <dgm:style>
-      <a:lnRef idx="3">
+      <a:lnRef idx="1">
         <a:scrgbClr r="0" g="0" b="0"/>
       </a:lnRef>
-      <a:fillRef idx="1">
+      <a:fillRef idx="3">
         <a:scrgbClr r="0" g="0" b="0"/>
       </a:fillRef>
-      <a:effectRef idx="1">
+      <a:effectRef idx="2">
         <a:scrgbClr r="0" g="0" b="0"/>
       </a:effectRef>
       <a:fontRef idx="minor">
@@ -13241,13 +14310,13 @@
     <dgm:sp3d/>
     <dgm:txPr/>
     <dgm:style>
-      <a:lnRef idx="3">
+      <a:lnRef idx="1">
         <a:scrgbClr r="0" g="0" b="0"/>
       </a:lnRef>
-      <a:fillRef idx="1">
+      <a:fillRef idx="3">
         <a:scrgbClr r="0" g="0" b="0"/>
       </a:fillRef>
-      <a:effectRef idx="1">
+      <a:effectRef idx="2">
         <a:scrgbClr r="0" g="0" b="0"/>
       </a:effectRef>
       <a:fontRef idx="minor">
@@ -13263,7 +14332,7 @@
     <dgm:sp3d/>
     <dgm:txPr/>
     <dgm:style>
-      <a:lnRef idx="2">
+      <a:lnRef idx="1">
         <a:scrgbClr r="0" g="0" b="0"/>
       </a:lnRef>
       <a:fillRef idx="0">
@@ -13283,7 +14352,7 @@
     <dgm:sp3d/>
     <dgm:txPr/>
     <dgm:style>
-      <a:lnRef idx="2">
+      <a:lnRef idx="1">
         <a:scrgbClr r="0" g="0" b="0"/>
       </a:lnRef>
       <a:fillRef idx="0">
@@ -13303,7 +14372,7 @@
     <dgm:sp3d/>
     <dgm:txPr/>
     <dgm:style>
-      <a:lnRef idx="2">
+      <a:lnRef idx="1">
         <a:scrgbClr r="0" g="0" b="0"/>
       </a:lnRef>
       <a:fillRef idx="0">
@@ -13323,7 +14392,7 @@
     <dgm:sp3d/>
     <dgm:txPr/>
     <dgm:style>
-      <a:lnRef idx="2">
+      <a:lnRef idx="1">
         <a:scrgbClr r="0" g="0" b="0"/>
       </a:lnRef>
       <a:fillRef idx="0">
@@ -13343,7 +14412,7 @@
     <dgm:sp3d/>
     <dgm:txPr/>
     <dgm:style>
-      <a:lnRef idx="2">
+      <a:lnRef idx="1">
         <a:scrgbClr r="0" g="0" b="0"/>
       </a:lnRef>
       <a:fillRef idx="1">
@@ -13363,7 +14432,7 @@
     <dgm:sp3d/>
     <dgm:txPr/>
     <dgm:style>
-      <a:lnRef idx="2">
+      <a:lnRef idx="1">
         <a:scrgbClr r="0" g="0" b="0"/>
       </a:lnRef>
       <a:fillRef idx="1">
@@ -13383,7 +14452,7 @@
     <dgm:sp3d/>
     <dgm:txPr/>
     <dgm:style>
-      <a:lnRef idx="2">
+      <a:lnRef idx="1">
         <a:scrgbClr r="0" g="0" b="0"/>
       </a:lnRef>
       <a:fillRef idx="1">
@@ -13423,7 +14492,7 @@
     <dgm:sp3d/>
     <dgm:txPr/>
     <dgm:style>
-      <a:lnRef idx="2">
+      <a:lnRef idx="1">
         <a:scrgbClr r="0" g="0" b="0"/>
       </a:lnRef>
       <a:fillRef idx="1">
@@ -13443,7 +14512,7 @@
     <dgm:sp3d/>
     <dgm:txPr/>
     <dgm:style>
-      <a:lnRef idx="2">
+      <a:lnRef idx="1">
         <a:scrgbClr r="0" g="0" b="0"/>
       </a:lnRef>
       <a:fillRef idx="1">
@@ -13463,7 +14532,7 @@
     <dgm:sp3d/>
     <dgm:txPr/>
     <dgm:style>
-      <a:lnRef idx="2">
+      <a:lnRef idx="1">
         <a:scrgbClr r="0" g="0" b="0"/>
       </a:lnRef>
       <a:fillRef idx="1">
@@ -13483,7 +14552,7 @@
     <dgm:sp3d/>
     <dgm:txPr/>
     <dgm:style>
-      <a:lnRef idx="2">
+      <a:lnRef idx="1">
         <a:scrgbClr r="0" g="0" b="0"/>
       </a:lnRef>
       <a:fillRef idx="1">
@@ -13503,7 +14572,7 @@
     <dgm:sp3d/>
     <dgm:txPr/>
     <dgm:style>
-      <a:lnRef idx="2">
+      <a:lnRef idx="1">
         <a:scrgbClr r="0" g="0" b="0"/>
       </a:lnRef>
       <a:fillRef idx="1">
@@ -13523,7 +14592,7 @@
     <dgm:sp3d/>
     <dgm:txPr/>
     <dgm:style>
-      <a:lnRef idx="2">
+      <a:lnRef idx="1">
         <a:scrgbClr r="0" g="0" b="0"/>
       </a:lnRef>
       <a:fillRef idx="1">
@@ -13543,7 +14612,7 @@
     <dgm:sp3d/>
     <dgm:txPr/>
     <dgm:style>
-      <a:lnRef idx="2">
+      <a:lnRef idx="1">
         <a:scrgbClr r="0" g="0" b="0"/>
       </a:lnRef>
       <a:fillRef idx="1">
@@ -13563,7 +14632,7 @@
     <dgm:sp3d/>
     <dgm:txPr/>
     <dgm:style>
-      <a:lnRef idx="2">
+      <a:lnRef idx="1">
         <a:scrgbClr r="0" g="0" b="0"/>
       </a:lnRef>
       <a:fillRef idx="1">
@@ -13583,7 +14652,7 @@
     <dgm:sp3d/>
     <dgm:txPr/>
     <dgm:style>
-      <a:lnRef idx="2">
+      <a:lnRef idx="1">
         <a:scrgbClr r="0" g="0" b="0"/>
       </a:lnRef>
       <a:fillRef idx="1">
@@ -13603,7 +14672,7 @@
     <dgm:sp3d/>
     <dgm:txPr/>
     <dgm:style>
-      <a:lnRef idx="2">
+      <a:lnRef idx="1">
         <a:scrgbClr r="0" g="0" b="0"/>
       </a:lnRef>
       <a:fillRef idx="1">
@@ -13623,7 +14692,7 @@
     <dgm:sp3d/>
     <dgm:txPr/>
     <dgm:style>
-      <a:lnRef idx="2">
+      <a:lnRef idx="1">
         <a:scrgbClr r="0" g="0" b="0"/>
       </a:lnRef>
       <a:fillRef idx="1">
@@ -13649,7 +14718,7 @@
       <a:fillRef idx="1">
         <a:scrgbClr r="0" g="0" b="0"/>
       </a:fillRef>
-      <a:effectRef idx="0">
+      <a:effectRef idx="2">
         <a:scrgbClr r="0" g="0" b="0"/>
       </a:effectRef>
       <a:fontRef idx="minor"/>
@@ -13669,7 +14738,7 @@
       <a:fillRef idx="1">
         <a:scrgbClr r="0" g="0" b="0"/>
       </a:fillRef>
-      <a:effectRef idx="0">
+      <a:effectRef idx="2">
         <a:scrgbClr r="0" g="0" b="0"/>
       </a:effectRef>
       <a:fontRef idx="minor"/>
@@ -13703,13 +14772,13 @@
     <dgm:sp3d/>
     <dgm:txPr/>
     <dgm:style>
-      <a:lnRef idx="3">
+      <a:lnRef idx="0">
         <a:scrgbClr r="0" g="0" b="0"/>
       </a:lnRef>
-      <a:fillRef idx="1">
+      <a:fillRef idx="3">
         <a:scrgbClr r="0" g="0" b="0"/>
       </a:fillRef>
-      <a:effectRef idx="1">
+      <a:effectRef idx="2">
         <a:scrgbClr r="0" g="0" b="0"/>
       </a:effectRef>
       <a:fontRef idx="minor"/>
@@ -13739,11 +14808,11 @@
 </file>
 
 <file path=ppt/diagrams/quickStyle4.xml><?xml version="1.0" encoding="utf-8"?>
-<dgm:styleDef xmlns:dgm="http://schemas.openxmlformats.org/drawingml/2006/diagram" xmlns:a="http://schemas.openxmlformats.org/drawingml/2006/main" uniqueId="urn:microsoft.com/office/officeart/2005/8/quickstyle/simple2">
+<dgm:styleDef xmlns:dgm="http://schemas.openxmlformats.org/drawingml/2006/diagram" xmlns:a="http://schemas.openxmlformats.org/drawingml/2006/main" uniqueId="urn:microsoft.com/office/officeart/2005/8/quickstyle/simple4">
   <dgm:title val=""/>
   <dgm:desc val=""/>
   <dgm:catLst>
-    <dgm:cat type="simple" pri="10200"/>
+    <dgm:cat type="simple" pri="10400"/>
   </dgm:catLst>
   <dgm:scene3d>
     <a:camera prst="orthographicFront"/>
@@ -13757,13 +14826,13 @@
     <dgm:sp3d/>
     <dgm:txPr/>
     <dgm:style>
-      <a:lnRef idx="3">
+      <a:lnRef idx="0">
         <a:scrgbClr r="0" g="0" b="0"/>
       </a:lnRef>
-      <a:fillRef idx="1">
+      <a:fillRef idx="3">
         <a:scrgbClr r="0" g="0" b="0"/>
       </a:fillRef>
-      <a:effectRef idx="1">
+      <a:effectRef idx="2">
         <a:scrgbClr r="0" g="0" b="0"/>
       </a:effectRef>
       <a:fontRef idx="minor">
@@ -13779,13 +14848,13 @@
     <dgm:sp3d/>
     <dgm:txPr/>
     <dgm:style>
-      <a:lnRef idx="3">
+      <a:lnRef idx="1">
         <a:scrgbClr r="0" g="0" b="0"/>
       </a:lnRef>
-      <a:fillRef idx="1">
+      <a:fillRef idx="3">
         <a:scrgbClr r="0" g="0" b="0"/>
       </a:fillRef>
-      <a:effectRef idx="1">
+      <a:effectRef idx="2">
         <a:scrgbClr r="0" g="0" b="0"/>
       </a:effectRef>
       <a:fontRef idx="minor">
@@ -13801,10 +14870,10 @@
     <dgm:sp3d/>
     <dgm:txPr/>
     <dgm:style>
-      <a:lnRef idx="3">
+      <a:lnRef idx="0">
         <a:scrgbClr r="0" g="0" b="0"/>
       </a:lnRef>
-      <a:fillRef idx="1">
+      <a:fillRef idx="3">
         <a:scrgbClr r="0" g="0" b="0"/>
       </a:fillRef>
       <a:effectRef idx="0">
@@ -13823,13 +14892,13 @@
     <dgm:sp3d/>
     <dgm:txPr/>
     <dgm:style>
-      <a:lnRef idx="2">
+      <a:lnRef idx="1">
         <a:scrgbClr r="0" g="0" b="0"/>
       </a:lnRef>
-      <a:fillRef idx="1">
+      <a:fillRef idx="3">
         <a:scrgbClr r="0" g="0" b="0"/>
       </a:fillRef>
-      <a:effectRef idx="1">
+      <a:effectRef idx="2">
         <a:scrgbClr r="0" g="0" b="0"/>
       </a:effectRef>
       <a:fontRef idx="minor">
@@ -13845,13 +14914,13 @@
     <dgm:sp3d/>
     <dgm:txPr/>
     <dgm:style>
-      <a:lnRef idx="3">
+      <a:lnRef idx="0">
         <a:scrgbClr r="0" g="0" b="0"/>
       </a:lnRef>
-      <a:fillRef idx="1">
+      <a:fillRef idx="3">
         <a:scrgbClr r="0" g="0" b="0"/>
       </a:fillRef>
-      <a:effectRef idx="1">
+      <a:effectRef idx="2">
         <a:scrgbClr r="0" g="0" b="0"/>
       </a:effectRef>
       <a:fontRef idx="minor">
@@ -13867,13 +14936,13 @@
     <dgm:sp3d/>
     <dgm:txPr/>
     <dgm:style>
-      <a:lnRef idx="3">
+      <a:lnRef idx="0">
         <a:scrgbClr r="0" g="0" b="0"/>
       </a:lnRef>
-      <a:fillRef idx="1">
+      <a:fillRef idx="3">
         <a:scrgbClr r="0" g="0" b="0"/>
       </a:fillRef>
-      <a:effectRef idx="1">
+      <a:effectRef idx="2">
         <a:scrgbClr r="0" g="0" b="0"/>
       </a:effectRef>
       <a:fontRef idx="minor">
@@ -13889,13 +14958,13 @@
     <dgm:sp3d/>
     <dgm:txPr/>
     <dgm:style>
-      <a:lnRef idx="3">
+      <a:lnRef idx="0">
         <a:scrgbClr r="0" g="0" b="0"/>
       </a:lnRef>
-      <a:fillRef idx="1">
+      <a:fillRef idx="3">
         <a:scrgbClr r="0" g="0" b="0"/>
       </a:fillRef>
-      <a:effectRef idx="1">
+      <a:effectRef idx="2">
         <a:scrgbClr r="0" g="0" b="0"/>
       </a:effectRef>
       <a:fontRef idx="minor">
@@ -13911,13 +14980,13 @@
     <dgm:sp3d/>
     <dgm:txPr/>
     <dgm:style>
-      <a:lnRef idx="3">
+      <a:lnRef idx="0">
         <a:scrgbClr r="0" g="0" b="0"/>
       </a:lnRef>
-      <a:fillRef idx="1">
+      <a:fillRef idx="3">
         <a:scrgbClr r="0" g="0" b="0"/>
       </a:fillRef>
-      <a:effectRef idx="1">
+      <a:effectRef idx="2">
         <a:scrgbClr r="0" g="0" b="0"/>
       </a:effectRef>
       <a:fontRef idx="minor">
@@ -13933,13 +15002,13 @@
     <dgm:sp3d/>
     <dgm:txPr/>
     <dgm:style>
-      <a:lnRef idx="3">
+      <a:lnRef idx="0">
         <a:scrgbClr r="0" g="0" b="0"/>
       </a:lnRef>
       <a:fillRef idx="1">
         <a:scrgbClr r="0" g="0" b="0"/>
       </a:fillRef>
-      <a:effectRef idx="1">
+      <a:effectRef idx="2">
         <a:scrgbClr r="0" g="0" b="0"/>
       </a:effectRef>
       <a:fontRef idx="minor"/>
@@ -13953,13 +15022,13 @@
     <dgm:sp3d/>
     <dgm:txPr/>
     <dgm:style>
-      <a:lnRef idx="3">
+      <a:lnRef idx="0">
         <a:scrgbClr r="0" g="0" b="0"/>
       </a:lnRef>
       <a:fillRef idx="1">
         <a:scrgbClr r="0" g="0" b="0"/>
       </a:fillRef>
-      <a:effectRef idx="1">
+      <a:effectRef idx="2">
         <a:scrgbClr r="0" g="0" b="0"/>
       </a:effectRef>
       <a:fontRef idx="minor"/>
@@ -13973,13 +15042,13 @@
     <dgm:sp3d/>
     <dgm:txPr/>
     <dgm:style>
-      <a:lnRef idx="3">
+      <a:lnRef idx="0">
         <a:scrgbClr r="0" g="0" b="0"/>
       </a:lnRef>
       <a:fillRef idx="1">
         <a:scrgbClr r="0" g="0" b="0"/>
       </a:fillRef>
-      <a:effectRef idx="1">
+      <a:effectRef idx="2">
         <a:scrgbClr r="0" g="0" b="0"/>
       </a:effectRef>
       <a:fontRef idx="minor"/>
@@ -13996,10 +15065,10 @@
       <a:lnRef idx="0">
         <a:scrgbClr r="0" g="0" b="0"/>
       </a:lnRef>
-      <a:fillRef idx="1">
+      <a:fillRef idx="3">
         <a:scrgbClr r="0" g="0" b="0"/>
       </a:fillRef>
-      <a:effectRef idx="1">
+      <a:effectRef idx="2">
         <a:scrgbClr r="0" g="0" b="0"/>
       </a:effectRef>
       <a:fontRef idx="minor">
@@ -14018,10 +15087,10 @@
       <a:lnRef idx="0">
         <a:scrgbClr r="0" g="0" b="0"/>
       </a:lnRef>
-      <a:fillRef idx="1">
+      <a:fillRef idx="3">
         <a:scrgbClr r="0" g="0" b="0"/>
       </a:fillRef>
-      <a:effectRef idx="1">
+      <a:effectRef idx="2">
         <a:scrgbClr r="0" g="0" b="0"/>
       </a:effectRef>
       <a:fontRef idx="minor">
@@ -14040,10 +15109,10 @@
       <a:lnRef idx="0">
         <a:scrgbClr r="0" g="0" b="0"/>
       </a:lnRef>
-      <a:fillRef idx="1">
+      <a:fillRef idx="3">
         <a:scrgbClr r="0" g="0" b="0"/>
       </a:fillRef>
-      <a:effectRef idx="1">
+      <a:effectRef idx="2">
         <a:scrgbClr r="0" g="0" b="0"/>
       </a:effectRef>
       <a:fontRef idx="minor">
@@ -14099,13 +15168,13 @@
     <dgm:sp3d/>
     <dgm:txPr/>
     <dgm:style>
-      <a:lnRef idx="3">
+      <a:lnRef idx="0">
         <a:scrgbClr r="0" g="0" b="0"/>
       </a:lnRef>
-      <a:fillRef idx="1">
+      <a:fillRef idx="3">
         <a:scrgbClr r="0" g="0" b="0"/>
       </a:fillRef>
-      <a:effectRef idx="1">
+      <a:effectRef idx="2">
         <a:scrgbClr r="0" g="0" b="0"/>
       </a:effectRef>
       <a:fontRef idx="minor">
@@ -14121,13 +15190,13 @@
     <dgm:sp3d/>
     <dgm:txPr/>
     <dgm:style>
-      <a:lnRef idx="3">
+      <a:lnRef idx="0">
         <a:scrgbClr r="0" g="0" b="0"/>
       </a:lnRef>
-      <a:fillRef idx="1">
+      <a:fillRef idx="3">
         <a:scrgbClr r="0" g="0" b="0"/>
       </a:fillRef>
-      <a:effectRef idx="1">
+      <a:effectRef idx="2">
         <a:scrgbClr r="0" g="0" b="0"/>
       </a:effectRef>
       <a:fontRef idx="minor">
@@ -14143,13 +15212,13 @@
     <dgm:sp3d/>
     <dgm:txPr/>
     <dgm:style>
-      <a:lnRef idx="3">
+      <a:lnRef idx="0">
         <a:scrgbClr r="0" g="0" b="0"/>
       </a:lnRef>
-      <a:fillRef idx="1">
+      <a:fillRef idx="3">
         <a:scrgbClr r="0" g="0" b="0"/>
       </a:fillRef>
-      <a:effectRef idx="1">
+      <a:effectRef idx="2">
         <a:scrgbClr r="0" g="0" b="0"/>
       </a:effectRef>
       <a:fontRef idx="minor">
@@ -14165,13 +15234,13 @@
     <dgm:sp3d/>
     <dgm:txPr/>
     <dgm:style>
-      <a:lnRef idx="3">
+      <a:lnRef idx="0">
         <a:scrgbClr r="0" g="0" b="0"/>
       </a:lnRef>
-      <a:fillRef idx="1">
+      <a:fillRef idx="3">
         <a:scrgbClr r="0" g="0" b="0"/>
       </a:fillRef>
-      <a:effectRef idx="1">
+      <a:effectRef idx="2">
         <a:scrgbClr r="0" g="0" b="0"/>
       </a:effectRef>
       <a:fontRef idx="minor">
@@ -14187,13 +15256,13 @@
     <dgm:sp3d/>
     <dgm:txPr/>
     <dgm:style>
-      <a:lnRef idx="3">
+      <a:lnRef idx="0">
         <a:scrgbClr r="0" g="0" b="0"/>
       </a:lnRef>
-      <a:fillRef idx="1">
+      <a:fillRef idx="3">
         <a:scrgbClr r="0" g="0" b="0"/>
       </a:fillRef>
-      <a:effectRef idx="1">
+      <a:effectRef idx="2">
         <a:scrgbClr r="0" g="0" b="0"/>
       </a:effectRef>
       <a:fontRef idx="minor">
@@ -14209,13 +15278,13 @@
     <dgm:sp3d/>
     <dgm:txPr/>
     <dgm:style>
-      <a:lnRef idx="3">
+      <a:lnRef idx="0">
         <a:scrgbClr r="0" g="0" b="0"/>
       </a:lnRef>
-      <a:fillRef idx="1">
+      <a:fillRef idx="3">
         <a:scrgbClr r="0" g="0" b="0"/>
       </a:fillRef>
-      <a:effectRef idx="1">
+      <a:effectRef idx="2">
         <a:scrgbClr r="0" g="0" b="0"/>
       </a:effectRef>
       <a:fontRef idx="minor">
@@ -14231,13 +15300,13 @@
     <dgm:sp3d/>
     <dgm:txPr/>
     <dgm:style>
-      <a:lnRef idx="3">
+      <a:lnRef idx="0">
         <a:scrgbClr r="0" g="0" b="0"/>
       </a:lnRef>
-      <a:fillRef idx="1">
+      <a:fillRef idx="3">
         <a:scrgbClr r="0" g="0" b="0"/>
       </a:fillRef>
-      <a:effectRef idx="1">
+      <a:effectRef idx="2">
         <a:scrgbClr r="0" g="0" b="0"/>
       </a:effectRef>
       <a:fontRef idx="minor">
@@ -14253,13 +15322,13 @@
     <dgm:sp3d/>
     <dgm:txPr/>
     <dgm:style>
-      <a:lnRef idx="3">
+      <a:lnRef idx="1">
         <a:scrgbClr r="0" g="0" b="0"/>
       </a:lnRef>
-      <a:fillRef idx="1">
+      <a:fillRef idx="3">
         <a:scrgbClr r="0" g="0" b="0"/>
       </a:fillRef>
-      <a:effectRef idx="1">
+      <a:effectRef idx="2">
         <a:scrgbClr r="0" g="0" b="0"/>
       </a:effectRef>
       <a:fontRef idx="minor">
@@ -14275,13 +15344,13 @@
     <dgm:sp3d/>
     <dgm:txPr/>
     <dgm:style>
-      <a:lnRef idx="3">
+      <a:lnRef idx="1">
         <a:scrgbClr r="0" g="0" b="0"/>
       </a:lnRef>
-      <a:fillRef idx="1">
+      <a:fillRef idx="3">
         <a:scrgbClr r="0" g="0" b="0"/>
       </a:fillRef>
-      <a:effectRef idx="1">
+      <a:effectRef idx="2">
         <a:scrgbClr r="0" g="0" b="0"/>
       </a:effectRef>
       <a:fontRef idx="minor">
@@ -14297,7 +15366,7 @@
     <dgm:sp3d/>
     <dgm:txPr/>
     <dgm:style>
-      <a:lnRef idx="2">
+      <a:lnRef idx="1">
         <a:scrgbClr r="0" g="0" b="0"/>
       </a:lnRef>
       <a:fillRef idx="0">
@@ -14317,7 +15386,7 @@
     <dgm:sp3d/>
     <dgm:txPr/>
     <dgm:style>
-      <a:lnRef idx="2">
+      <a:lnRef idx="1">
         <a:scrgbClr r="0" g="0" b="0"/>
       </a:lnRef>
       <a:fillRef idx="0">
@@ -14337,7 +15406,7 @@
     <dgm:sp3d/>
     <dgm:txPr/>
     <dgm:style>
-      <a:lnRef idx="2">
+      <a:lnRef idx="1">
         <a:scrgbClr r="0" g="0" b="0"/>
       </a:lnRef>
       <a:fillRef idx="0">
@@ -14357,7 +15426,7 @@
     <dgm:sp3d/>
     <dgm:txPr/>
     <dgm:style>
-      <a:lnRef idx="2">
+      <a:lnRef idx="1">
         <a:scrgbClr r="0" g="0" b="0"/>
       </a:lnRef>
       <a:fillRef idx="0">
@@ -14377,7 +15446,7 @@
     <dgm:sp3d/>
     <dgm:txPr/>
     <dgm:style>
-      <a:lnRef idx="2">
+      <a:lnRef idx="1">
         <a:scrgbClr r="0" g="0" b="0"/>
       </a:lnRef>
       <a:fillRef idx="1">
@@ -14397,7 +15466,7 @@
     <dgm:sp3d/>
     <dgm:txPr/>
     <dgm:style>
-      <a:lnRef idx="2">
+      <a:lnRef idx="1">
         <a:scrgbClr r="0" g="0" b="0"/>
       </a:lnRef>
       <a:fillRef idx="1">
@@ -14417,7 +15486,7 @@
     <dgm:sp3d/>
     <dgm:txPr/>
     <dgm:style>
-      <a:lnRef idx="2">
+      <a:lnRef idx="1">
         <a:scrgbClr r="0" g="0" b="0"/>
       </a:lnRef>
       <a:fillRef idx="1">
@@ -14457,7 +15526,7 @@
     <dgm:sp3d/>
     <dgm:txPr/>
     <dgm:style>
-      <a:lnRef idx="2">
+      <a:lnRef idx="1">
         <a:scrgbClr r="0" g="0" b="0"/>
       </a:lnRef>
       <a:fillRef idx="1">
@@ -14477,7 +15546,7 @@
     <dgm:sp3d/>
     <dgm:txPr/>
     <dgm:style>
-      <a:lnRef idx="2">
+      <a:lnRef idx="1">
         <a:scrgbClr r="0" g="0" b="0"/>
       </a:lnRef>
       <a:fillRef idx="1">
@@ -14497,7 +15566,7 @@
     <dgm:sp3d/>
     <dgm:txPr/>
     <dgm:style>
-      <a:lnRef idx="2">
+      <a:lnRef idx="1">
         <a:scrgbClr r="0" g="0" b="0"/>
       </a:lnRef>
       <a:fillRef idx="1">
@@ -14517,7 +15586,7 @@
     <dgm:sp3d/>
     <dgm:txPr/>
     <dgm:style>
-      <a:lnRef idx="2">
+      <a:lnRef idx="1">
         <a:scrgbClr r="0" g="0" b="0"/>
       </a:lnRef>
       <a:fillRef idx="1">
@@ -14537,7 +15606,7 @@
     <dgm:sp3d/>
     <dgm:txPr/>
     <dgm:style>
-      <a:lnRef idx="2">
+      <a:lnRef idx="1">
         <a:scrgbClr r="0" g="0" b="0"/>
       </a:lnRef>
       <a:fillRef idx="1">
@@ -14557,7 +15626,7 @@
     <dgm:sp3d/>
     <dgm:txPr/>
     <dgm:style>
-      <a:lnRef idx="2">
+      <a:lnRef idx="1">
         <a:scrgbClr r="0" g="0" b="0"/>
       </a:lnRef>
       <a:fillRef idx="1">
@@ -14577,7 +15646,7 @@
     <dgm:sp3d/>
     <dgm:txPr/>
     <dgm:style>
-      <a:lnRef idx="2">
+      <a:lnRef idx="1">
         <a:scrgbClr r="0" g="0" b="0"/>
       </a:lnRef>
       <a:fillRef idx="1">
@@ -14597,7 +15666,7 @@
     <dgm:sp3d/>
     <dgm:txPr/>
     <dgm:style>
-      <a:lnRef idx="2">
+      <a:lnRef idx="1">
         <a:scrgbClr r="0" g="0" b="0"/>
       </a:lnRef>
       <a:fillRef idx="1">
@@ -14617,7 +15686,7 @@
     <dgm:sp3d/>
     <dgm:txPr/>
     <dgm:style>
-      <a:lnRef idx="2">
+      <a:lnRef idx="1">
         <a:scrgbClr r="0" g="0" b="0"/>
       </a:lnRef>
       <a:fillRef idx="1">
@@ -14637,7 +15706,7 @@
     <dgm:sp3d/>
     <dgm:txPr/>
     <dgm:style>
-      <a:lnRef idx="2">
+      <a:lnRef idx="1">
         <a:scrgbClr r="0" g="0" b="0"/>
       </a:lnRef>
       <a:fillRef idx="1">
@@ -14657,7 +15726,7 @@
     <dgm:sp3d/>
     <dgm:txPr/>
     <dgm:style>
-      <a:lnRef idx="2">
+      <a:lnRef idx="1">
         <a:scrgbClr r="0" g="0" b="0"/>
       </a:lnRef>
       <a:fillRef idx="1">
@@ -14683,7 +15752,7 @@
       <a:fillRef idx="1">
         <a:scrgbClr r="0" g="0" b="0"/>
       </a:fillRef>
-      <a:effectRef idx="0">
+      <a:effectRef idx="2">
         <a:scrgbClr r="0" g="0" b="0"/>
       </a:effectRef>
       <a:fontRef idx="minor"/>
@@ -14703,7 +15772,7 @@
       <a:fillRef idx="1">
         <a:scrgbClr r="0" g="0" b="0"/>
       </a:fillRef>
-      <a:effectRef idx="0">
+      <a:effectRef idx="2">
         <a:scrgbClr r="0" g="0" b="0"/>
       </a:effectRef>
       <a:fontRef idx="minor"/>
@@ -14737,13 +15806,13 @@
     <dgm:sp3d/>
     <dgm:txPr/>
     <dgm:style>
-      <a:lnRef idx="3">
+      <a:lnRef idx="0">
         <a:scrgbClr r="0" g="0" b="0"/>
       </a:lnRef>
-      <a:fillRef idx="1">
+      <a:fillRef idx="3">
         <a:scrgbClr r="0" g="0" b="0"/>
       </a:fillRef>
-      <a:effectRef idx="1">
+      <a:effectRef idx="2">
         <a:scrgbClr r="0" g="0" b="0"/>
       </a:effectRef>
       <a:fontRef idx="minor"/>
@@ -14854,7 +15923,7 @@
           <a:p>
             <a:fld id="{141971DB-7766-C44B-930B-2F09E959C349}" type="datetimeFigureOut">
               <a:rPr kumimoji="1" lang="zh-CN" altLang="en-US" smtClean="0"/>
-              <a:t>15/3/4</a:t>
+              <a:t>15/3/6</a:t>
             </a:fld>
             <a:endParaRPr kumimoji="1" lang="zh-CN" altLang="en-US"/>
           </a:p>
@@ -15020,7 +16089,7 @@
           <a:p>
             <a:fld id="{59E3B538-975B-4249-AA39-E35F58C578B3}" type="datetimeFigureOut">
               <a:rPr kumimoji="1" lang="zh-CN" altLang="en-US" smtClean="0"/>
-              <a:t>15/3/4</a:t>
+              <a:t>15/3/6</a:t>
             </a:fld>
             <a:endParaRPr kumimoji="1" lang="zh-CN" altLang="en-US"/>
           </a:p>
@@ -15895,7 +16964,7 @@
           <a:p>
             <a:fld id="{7D4D5215-B83D-0F4A-9F6C-CFA7FB93B836}" type="datetime1">
               <a:rPr lang="zh-CN" altLang="en-US" smtClean="0"/>
-              <a:t>15/3/4</a:t>
+              <a:t>15/3/6</a:t>
             </a:fld>
             <a:endParaRPr lang="en-US"/>
           </a:p>
@@ -16252,7 +17321,7 @@
           <a:p>
             <a:fld id="{1FF577A3-261E-D34A-8D0F-9CF5899AC53E}" type="datetime1">
               <a:rPr lang="zh-CN" altLang="en-US" smtClean="0"/>
-              <a:t>15/3/4</a:t>
+              <a:t>15/3/6</a:t>
             </a:fld>
             <a:endParaRPr lang="en-US"/>
           </a:p>
@@ -16421,7 +17490,7 @@
           <a:p>
             <a:fld id="{F6261A2D-25E1-1349-A36F-EBC82F29A52C}" type="datetime1">
               <a:rPr lang="zh-CN" altLang="en-US" smtClean="0"/>
-              <a:t>15/3/4</a:t>
+              <a:t>15/3/6</a:t>
             </a:fld>
             <a:endParaRPr lang="en-US"/>
           </a:p>
@@ -16600,7 +17669,7 @@
           <a:p>
             <a:fld id="{B5087D83-E822-724C-8B3A-0150CD76E6F9}" type="datetime1">
               <a:rPr lang="zh-CN" altLang="en-US" smtClean="0"/>
-              <a:t>15/3/4</a:t>
+              <a:t>15/3/6</a:t>
             </a:fld>
             <a:endParaRPr lang="en-US"/>
           </a:p>
@@ -16769,7 +17838,7 @@
           <a:p>
             <a:fld id="{1E86C3BC-5F89-2F49-8F2B-3916B25A12D0}" type="datetime1">
               <a:rPr lang="zh-CN" altLang="en-US" smtClean="0"/>
-              <a:t>15/3/4</a:t>
+              <a:t>15/3/6</a:t>
             </a:fld>
             <a:endParaRPr lang="en-US"/>
           </a:p>
@@ -17046,7 +18115,7 @@
           <a:p>
             <a:fld id="{3C06AE13-05D3-C74C-A664-508DB1536078}" type="datetime1">
               <a:rPr lang="zh-CN" altLang="en-US" smtClean="0"/>
-              <a:t>15/3/4</a:t>
+              <a:t>15/3/6</a:t>
             </a:fld>
             <a:endParaRPr lang="en-US"/>
           </a:p>
@@ -17338,7 +18407,7 @@
           <a:p>
             <a:fld id="{737F11DA-40E2-6544-99E9-86C5EB9A7F46}" type="datetime1">
               <a:rPr lang="zh-CN" altLang="en-US" smtClean="0"/>
-              <a:t>15/3/4</a:t>
+              <a:t>15/3/6</a:t>
             </a:fld>
             <a:endParaRPr lang="en-US"/>
           </a:p>
@@ -17774,7 +18843,7 @@
           <a:p>
             <a:fld id="{B8A522D3-0C6D-2845-8738-67EDDA71C39A}" type="datetime1">
               <a:rPr lang="zh-CN" altLang="en-US" smtClean="0"/>
-              <a:t>15/3/4</a:t>
+              <a:t>15/3/6</a:t>
             </a:fld>
             <a:endParaRPr lang="en-US"/>
           </a:p>
@@ -17887,7 +18956,7 @@
           <a:p>
             <a:fld id="{F50657D1-CBB5-B44E-B989-83AB587ECBDE}" type="datetime1">
               <a:rPr lang="zh-CN" altLang="en-US" smtClean="0"/>
-              <a:t>15/3/4</a:t>
+              <a:t>15/3/6</a:t>
             </a:fld>
             <a:endParaRPr lang="en-US"/>
           </a:p>
@@ -17977,7 +19046,7 @@
           <a:p>
             <a:fld id="{66690611-31BF-C640-A836-04E19E216A6B}" type="datetime1">
               <a:rPr lang="zh-CN" altLang="en-US" smtClean="0"/>
-              <a:t>15/3/4</a:t>
+              <a:t>15/3/6</a:t>
             </a:fld>
             <a:endParaRPr lang="en-US"/>
           </a:p>
@@ -18314,7 +19383,7 @@
           <a:p>
             <a:fld id="{6BE92493-A156-C947-8894-F1EA4760435F}" type="datetime1">
               <a:rPr lang="zh-CN" altLang="en-US" smtClean="0"/>
-              <a:t>15/3/4</a:t>
+              <a:t>15/3/6</a:t>
             </a:fld>
             <a:endParaRPr lang="en-US"/>
           </a:p>
@@ -18629,7 +19698,7 @@
           <a:p>
             <a:fld id="{40E2AC34-94C9-3944-B48E-200F1B80D608}" type="datetime1">
               <a:rPr lang="zh-CN" altLang="en-US" smtClean="0"/>
-              <a:t>15/3/4</a:t>
+              <a:t>15/3/6</a:t>
             </a:fld>
             <a:endParaRPr lang="en-US"/>
           </a:p>
@@ -18875,7 +19944,7 @@
           <a:p>
             <a:fld id="{EDF516EF-5C45-534C-A800-220451E25F43}" type="datetime1">
               <a:rPr lang="zh-CN" altLang="en-US" smtClean="0"/>
-              <a:t>15/3/4</a:t>
+              <a:t>15/3/6</a:t>
             </a:fld>
             <a:endParaRPr lang="en-US"/>
           </a:p>
@@ -19961,14 +21030,14 @@
           <p:nvPr>
             <p:extLst>
               <p:ext uri="{D42A27DB-BD31-4B8C-83A1-F6EECF244321}">
-                <p14:modId xmlns:p14="http://schemas.microsoft.com/office/powerpoint/2010/main" val="4175197972"/>
+                <p14:modId xmlns:p14="http://schemas.microsoft.com/office/powerpoint/2010/main" val="56062212"/>
               </p:ext>
             </p:extLst>
           </p:nvPr>
         </p:nvGraphicFramePr>
         <p:xfrm>
-          <a:off x="1108545" y="856135"/>
-          <a:ext cx="6383613" cy="4523250"/>
+          <a:off x="623338" y="841865"/>
+          <a:ext cx="7610900" cy="4694475"/>
         </p:xfrm>
         <a:graphic>
           <a:graphicData uri="http://schemas.openxmlformats.org/drawingml/2006/diagram">
@@ -20193,7 +21262,7 @@
           <p:nvPr>
             <p:extLst>
               <p:ext uri="{D42A27DB-BD31-4B8C-83A1-F6EECF244321}">
-                <p14:modId xmlns:p14="http://schemas.microsoft.com/office/powerpoint/2010/main" val="152119745"/>
+                <p14:modId xmlns:p14="http://schemas.microsoft.com/office/powerpoint/2010/main" val="4014943814"/>
               </p:ext>
             </p:extLst>
           </p:nvPr>
@@ -20222,19 +21291,20 @@
           <a:prstGeom prst="cloud">
             <a:avLst/>
           </a:prstGeom>
+          <a:noFill/>
         </p:spPr>
         <p:style>
-          <a:lnRef idx="2">
+          <a:lnRef idx="1">
             <a:schemeClr val="accent3"/>
           </a:lnRef>
-          <a:fillRef idx="1">
-            <a:schemeClr val="lt1"/>
+          <a:fillRef idx="3">
+            <a:schemeClr val="accent3"/>
           </a:fillRef>
-          <a:effectRef idx="0">
+          <a:effectRef idx="2">
             <a:schemeClr val="accent3"/>
           </a:effectRef>
           <a:fontRef idx="minor">
-            <a:schemeClr val="dk1"/>
+            <a:schemeClr val="lt1"/>
           </a:fontRef>
         </p:style>
         <p:txBody>
@@ -20258,25 +21328,26 @@
         </p:nvSpPr>
         <p:spPr>
           <a:xfrm>
-            <a:off x="5475401" y="4246952"/>
+            <a:off x="5594146" y="4246952"/>
             <a:ext cx="1341452" cy="914400"/>
           </a:xfrm>
           <a:prstGeom prst="cloud">
             <a:avLst/>
           </a:prstGeom>
+          <a:noFill/>
         </p:spPr>
         <p:style>
-          <a:lnRef idx="2">
+          <a:lnRef idx="1">
             <a:schemeClr val="accent4"/>
           </a:lnRef>
-          <a:fillRef idx="1">
-            <a:schemeClr val="lt1"/>
+          <a:fillRef idx="3">
+            <a:schemeClr val="accent4"/>
           </a:fillRef>
-          <a:effectRef idx="0">
+          <a:effectRef idx="2">
             <a:schemeClr val="accent4"/>
           </a:effectRef>
           <a:fontRef idx="minor">
-            <a:schemeClr val="dk1"/>
+            <a:schemeClr val="lt1"/>
           </a:fontRef>
         </p:style>
         <p:txBody>
@@ -20300,25 +21371,26 @@
         </p:nvSpPr>
         <p:spPr>
           <a:xfrm>
-            <a:off x="2540200" y="783602"/>
+            <a:off x="3011134" y="534808"/>
             <a:ext cx="1341452" cy="914400"/>
           </a:xfrm>
           <a:prstGeom prst="cloud">
             <a:avLst/>
           </a:prstGeom>
+          <a:noFill/>
         </p:spPr>
         <p:style>
-          <a:lnRef idx="2">
-            <a:schemeClr val="accent1"/>
+          <a:lnRef idx="1">
+            <a:schemeClr val="accent2"/>
           </a:lnRef>
-          <a:fillRef idx="1">
-            <a:schemeClr val="lt1"/>
+          <a:fillRef idx="3">
+            <a:schemeClr val="accent2"/>
           </a:fillRef>
-          <a:effectRef idx="0">
-            <a:schemeClr val="accent1"/>
+          <a:effectRef idx="2">
+            <a:schemeClr val="accent2"/>
           </a:effectRef>
           <a:fontRef idx="minor">
-            <a:schemeClr val="dk1"/>
+            <a:schemeClr val="lt1"/>
           </a:fontRef>
         </p:style>
         <p:txBody>
@@ -20342,25 +21414,26 @@
         </p:nvSpPr>
         <p:spPr>
           <a:xfrm>
-            <a:off x="841976" y="2369236"/>
+            <a:off x="998956" y="3590581"/>
             <a:ext cx="1341452" cy="914400"/>
           </a:xfrm>
           <a:prstGeom prst="cloud">
             <a:avLst/>
           </a:prstGeom>
+          <a:noFill/>
         </p:spPr>
         <p:style>
-          <a:lnRef idx="2">
+          <a:lnRef idx="1">
             <a:schemeClr val="accent6"/>
           </a:lnRef>
-          <a:fillRef idx="1">
-            <a:schemeClr val="lt1"/>
+          <a:fillRef idx="3">
+            <a:schemeClr val="accent6"/>
           </a:fillRef>
-          <a:effectRef idx="0">
+          <a:effectRef idx="2">
             <a:schemeClr val="accent6"/>
           </a:effectRef>
           <a:fontRef idx="minor">
-            <a:schemeClr val="dk1"/>
+            <a:schemeClr val="lt1"/>
           </a:fontRef>
         </p:style>
         <p:txBody>
@@ -20384,25 +21457,26 @@
         </p:nvSpPr>
         <p:spPr>
           <a:xfrm>
-            <a:off x="1669682" y="4903916"/>
+            <a:off x="2540200" y="4903916"/>
             <a:ext cx="1341452" cy="914400"/>
           </a:xfrm>
           <a:prstGeom prst="cloud">
             <a:avLst/>
           </a:prstGeom>
+          <a:noFill/>
         </p:spPr>
         <p:style>
-          <a:lnRef idx="2">
+          <a:lnRef idx="1">
             <a:schemeClr val="accent5"/>
           </a:lnRef>
-          <a:fillRef idx="1">
-            <a:schemeClr val="lt1"/>
+          <a:fillRef idx="3">
+            <a:schemeClr val="accent5"/>
           </a:fillRef>
-          <a:effectRef idx="0">
+          <a:effectRef idx="2">
             <a:schemeClr val="accent5"/>
           </a:effectRef>
           <a:fontRef idx="minor">
-            <a:schemeClr val="dk1"/>
+            <a:schemeClr val="lt1"/>
           </a:fontRef>
         </p:style>
         <p:txBody>
@@ -20413,6 +21487,56 @@
             <a:r>
               <a:rPr kumimoji="1" lang="zh-CN" altLang="en-US" dirty="0" smtClean="0"/>
               <a:t>优化</a:t>
+            </a:r>
+            <a:endParaRPr kumimoji="1" lang="zh-CN" altLang="en-US" dirty="0"/>
+          </a:p>
+        </p:txBody>
+      </p:sp>
+      <p:sp>
+        <p:nvSpPr>
+          <p:cNvPr id="12" name="云形 11"/>
+          <p:cNvSpPr/>
+          <p:nvPr/>
+        </p:nvSpPr>
+        <p:spPr>
+          <a:xfrm>
+            <a:off x="913331" y="2026187"/>
+            <a:ext cx="1341452" cy="914400"/>
+          </a:xfrm>
+          <a:prstGeom prst="cloud">
+            <a:avLst/>
+          </a:prstGeom>
+          <a:noFill/>
+          <a:ln>
+            <a:solidFill>
+              <a:schemeClr val="accent1">
+                <a:lumMod val="75000"/>
+              </a:schemeClr>
+            </a:solidFill>
+          </a:ln>
+        </p:spPr>
+        <p:style>
+          <a:lnRef idx="1">
+            <a:schemeClr val="accent6"/>
+          </a:lnRef>
+          <a:fillRef idx="3">
+            <a:schemeClr val="accent6"/>
+          </a:fillRef>
+          <a:effectRef idx="2">
+            <a:schemeClr val="accent6"/>
+          </a:effectRef>
+          <a:fontRef idx="minor">
+            <a:schemeClr val="lt1"/>
+          </a:fontRef>
+        </p:style>
+        <p:txBody>
+          <a:bodyPr rtlCol="0" anchor="ctr"/>
+          <a:lstStyle/>
+          <a:p>
+            <a:pPr algn="ctr"/>
+            <a:r>
+              <a:rPr kumimoji="1" lang="zh-CN" altLang="en-US" dirty="0" smtClean="0"/>
+              <a:t>引导</a:t>
             </a:r>
             <a:endParaRPr kumimoji="1" lang="zh-CN" altLang="en-US" dirty="0"/>
           </a:p>
@@ -20637,6 +21761,564 @@
                 <a:srgbClr val="BFBFBF"/>
               </a:solidFill>
             </a:endParaRPr>
+          </a:p>
+        </p:txBody>
+      </p:sp>
+      <p:sp>
+        <p:nvSpPr>
+          <p:cNvPr id="7" name="多文档 6"/>
+          <p:cNvSpPr/>
+          <p:nvPr/>
+        </p:nvSpPr>
+        <p:spPr>
+          <a:xfrm>
+            <a:off x="1412807" y="1469699"/>
+            <a:ext cx="1155932" cy="939430"/>
+          </a:xfrm>
+          <a:prstGeom prst="flowChartMultidocument">
+            <a:avLst/>
+          </a:prstGeom>
+          <a:solidFill>
+            <a:schemeClr val="accent2">
+              <a:lumMod val="75000"/>
+            </a:schemeClr>
+          </a:solidFill>
+          <a:ln>
+            <a:noFill/>
+          </a:ln>
+        </p:spPr>
+        <p:style>
+          <a:lnRef idx="1">
+            <a:schemeClr val="accent1"/>
+          </a:lnRef>
+          <a:fillRef idx="3">
+            <a:schemeClr val="accent1"/>
+          </a:fillRef>
+          <a:effectRef idx="2">
+            <a:schemeClr val="accent1"/>
+          </a:effectRef>
+          <a:fontRef idx="minor">
+            <a:schemeClr val="lt1"/>
+          </a:fontRef>
+        </p:style>
+        <p:txBody>
+          <a:bodyPr/>
+          <a:lstStyle/>
+          <a:p>
+            <a:pPr algn="ctr"/>
+            <a:r>
+              <a:rPr lang="zh-CN" altLang="en-US" dirty="0" smtClean="0"/>
+              <a:t>模版</a:t>
+            </a:r>
+            <a:endParaRPr lang="zh-CN" altLang="en-US" dirty="0"/>
+          </a:p>
+        </p:txBody>
+      </p:sp>
+      <p:sp>
+        <p:nvSpPr>
+          <p:cNvPr id="10" name="磁盘 9"/>
+          <p:cNvSpPr/>
+          <p:nvPr/>
+        </p:nvSpPr>
+        <p:spPr>
+          <a:xfrm>
+            <a:off x="1412808" y="3938222"/>
+            <a:ext cx="1155932" cy="956018"/>
+          </a:xfrm>
+          <a:prstGeom prst="flowChartMagneticDisk">
+            <a:avLst/>
+          </a:prstGeom>
+          <a:solidFill>
+            <a:schemeClr val="accent5">
+              <a:lumMod val="75000"/>
+            </a:schemeClr>
+          </a:solidFill>
+          <a:ln>
+            <a:noFill/>
+          </a:ln>
+        </p:spPr>
+        <p:style>
+          <a:lnRef idx="1">
+            <a:schemeClr val="accent1"/>
+          </a:lnRef>
+          <a:fillRef idx="3">
+            <a:schemeClr val="accent1"/>
+          </a:fillRef>
+          <a:effectRef idx="2">
+            <a:schemeClr val="accent1"/>
+          </a:effectRef>
+          <a:fontRef idx="minor">
+            <a:schemeClr val="lt1"/>
+          </a:fontRef>
+        </p:style>
+        <p:txBody>
+          <a:bodyPr/>
+          <a:lstStyle/>
+          <a:p>
+            <a:pPr algn="ctr"/>
+            <a:r>
+              <a:rPr lang="en-US" altLang="zh-CN" dirty="0" smtClean="0"/>
+              <a:t> </a:t>
+            </a:r>
+            <a:r>
+              <a:rPr lang="zh-CN" altLang="en-US" dirty="0" smtClean="0"/>
+              <a:t>数据</a:t>
+            </a:r>
+            <a:endParaRPr lang="en-US" altLang="zh-CN" dirty="0" smtClean="0"/>
+          </a:p>
+        </p:txBody>
+      </p:sp>
+      <p:sp>
+        <p:nvSpPr>
+          <p:cNvPr id="11" name="云形标注 10"/>
+          <p:cNvSpPr/>
+          <p:nvPr/>
+        </p:nvSpPr>
+        <p:spPr>
+          <a:xfrm>
+            <a:off x="3496340" y="2682557"/>
+            <a:ext cx="1755307" cy="1084735"/>
+          </a:xfrm>
+          <a:prstGeom prst="cloudCallout">
+            <a:avLst/>
+          </a:prstGeom>
+          <a:solidFill>
+            <a:schemeClr val="accent3">
+              <a:lumMod val="60000"/>
+              <a:lumOff val="40000"/>
+            </a:schemeClr>
+          </a:solidFill>
+          <a:ln>
+            <a:noFill/>
+          </a:ln>
+        </p:spPr>
+        <p:style>
+          <a:lnRef idx="1">
+            <a:schemeClr val="accent1"/>
+          </a:lnRef>
+          <a:fillRef idx="3">
+            <a:schemeClr val="accent1"/>
+          </a:fillRef>
+          <a:effectRef idx="2">
+            <a:schemeClr val="accent1"/>
+          </a:effectRef>
+          <a:fontRef idx="minor">
+            <a:schemeClr val="lt1"/>
+          </a:fontRef>
+        </p:style>
+        <p:txBody>
+          <a:bodyPr/>
+          <a:lstStyle/>
+          <a:p>
+            <a:pPr algn="ctr"/>
+            <a:r>
+              <a:rPr lang="zh-CN" altLang="en-US" dirty="0" smtClean="0"/>
+              <a:t>营销活动</a:t>
+            </a:r>
+            <a:r>
+              <a:rPr lang="en-US" altLang="zh-CN" dirty="0" smtClean="0"/>
+              <a:t>BD</a:t>
+            </a:r>
+            <a:endParaRPr lang="zh-CN" altLang="en-US" dirty="0"/>
+          </a:p>
+        </p:txBody>
+      </p:sp>
+      <p:cxnSp>
+        <p:nvCxnSpPr>
+          <p:cNvPr id="12" name="直线连接符 11"/>
+          <p:cNvCxnSpPr/>
+          <p:nvPr/>
+        </p:nvCxnSpPr>
+        <p:spPr>
+          <a:xfrm flipV="1">
+            <a:off x="1926555" y="2682557"/>
+            <a:ext cx="0" cy="1101026"/>
+          </a:xfrm>
+          <a:prstGeom prst="line">
+            <a:avLst/>
+          </a:prstGeom>
+          <a:ln>
+            <a:tailEnd type="triangle" w="lg"/>
+          </a:ln>
+        </p:spPr>
+        <p:style>
+          <a:lnRef idx="2">
+            <a:schemeClr val="accent1"/>
+          </a:lnRef>
+          <a:fillRef idx="0">
+            <a:schemeClr val="accent1"/>
+          </a:fillRef>
+          <a:effectRef idx="1">
+            <a:schemeClr val="accent1"/>
+          </a:effectRef>
+          <a:fontRef idx="minor">
+            <a:schemeClr val="tx1"/>
+          </a:fontRef>
+        </p:style>
+      </p:cxnSp>
+      <p:cxnSp>
+        <p:nvCxnSpPr>
+          <p:cNvPr id="15" name="直线连接符 14"/>
+          <p:cNvCxnSpPr/>
+          <p:nvPr/>
+        </p:nvCxnSpPr>
+        <p:spPr>
+          <a:xfrm>
+            <a:off x="2925509" y="2082347"/>
+            <a:ext cx="1141662" cy="527950"/>
+          </a:xfrm>
+          <a:prstGeom prst="line">
+            <a:avLst/>
+          </a:prstGeom>
+          <a:ln>
+            <a:tailEnd type="triangle" w="lg"/>
+          </a:ln>
+        </p:spPr>
+        <p:style>
+          <a:lnRef idx="2">
+            <a:schemeClr val="accent1"/>
+          </a:lnRef>
+          <a:fillRef idx="0">
+            <a:schemeClr val="accent1"/>
+          </a:fillRef>
+          <a:effectRef idx="1">
+            <a:schemeClr val="accent1"/>
+          </a:effectRef>
+          <a:fontRef idx="minor">
+            <a:schemeClr val="tx1"/>
+          </a:fontRef>
+        </p:style>
+      </p:cxnSp>
+      <p:sp>
+        <p:nvSpPr>
+          <p:cNvPr id="17" name="可选流程 16"/>
+          <p:cNvSpPr/>
+          <p:nvPr/>
+        </p:nvSpPr>
+        <p:spPr>
+          <a:xfrm>
+            <a:off x="6835704" y="1469699"/>
+            <a:ext cx="914400" cy="612648"/>
+          </a:xfrm>
+          <a:prstGeom prst="flowChartAlternateProcess">
+            <a:avLst/>
+          </a:prstGeom>
+          <a:solidFill>
+            <a:schemeClr val="accent1">
+              <a:lumMod val="75000"/>
+            </a:schemeClr>
+          </a:solidFill>
+        </p:spPr>
+        <p:style>
+          <a:lnRef idx="1">
+            <a:schemeClr val="accent1"/>
+          </a:lnRef>
+          <a:fillRef idx="3">
+            <a:schemeClr val="accent1"/>
+          </a:fillRef>
+          <a:effectRef idx="2">
+            <a:schemeClr val="accent1"/>
+          </a:effectRef>
+          <a:fontRef idx="minor">
+            <a:schemeClr val="lt1"/>
+          </a:fontRef>
+        </p:style>
+        <p:txBody>
+          <a:bodyPr rtlCol="0" anchor="ctr"/>
+          <a:lstStyle/>
+          <a:p>
+            <a:pPr algn="ctr"/>
+            <a:r>
+              <a:rPr kumimoji="1" lang="zh-CN" altLang="en-US" dirty="0" smtClean="0"/>
+              <a:t>移动</a:t>
+            </a:r>
+            <a:endParaRPr kumimoji="1" lang="zh-CN" altLang="en-US" dirty="0"/>
+          </a:p>
+        </p:txBody>
+      </p:sp>
+      <p:sp>
+        <p:nvSpPr>
+          <p:cNvPr id="18" name="可选流程 17"/>
+          <p:cNvSpPr/>
+          <p:nvPr/>
+        </p:nvSpPr>
+        <p:spPr>
+          <a:xfrm>
+            <a:off x="6835704" y="2964881"/>
+            <a:ext cx="914400" cy="612648"/>
+          </a:xfrm>
+          <a:prstGeom prst="flowChartAlternateProcess">
+            <a:avLst/>
+          </a:prstGeom>
+          <a:solidFill>
+            <a:srgbClr val="B5A306"/>
+          </a:solidFill>
+        </p:spPr>
+        <p:style>
+          <a:lnRef idx="1">
+            <a:schemeClr val="accent1"/>
+          </a:lnRef>
+          <a:fillRef idx="3">
+            <a:schemeClr val="accent1"/>
+          </a:fillRef>
+          <a:effectRef idx="2">
+            <a:schemeClr val="accent1"/>
+          </a:effectRef>
+          <a:fontRef idx="minor">
+            <a:schemeClr val="lt1"/>
+          </a:fontRef>
+        </p:style>
+        <p:txBody>
+          <a:bodyPr rtlCol="0" anchor="ctr"/>
+          <a:lstStyle/>
+          <a:p>
+            <a:pPr algn="ctr"/>
+            <a:r>
+              <a:rPr kumimoji="1" lang="en-US" altLang="zh-CN" dirty="0" smtClean="0"/>
+              <a:t>PC</a:t>
+            </a:r>
+            <a:endParaRPr kumimoji="1" lang="zh-CN" altLang="en-US" dirty="0"/>
+          </a:p>
+        </p:txBody>
+      </p:sp>
+      <p:sp>
+        <p:nvSpPr>
+          <p:cNvPr id="19" name="可选流程 18"/>
+          <p:cNvSpPr/>
+          <p:nvPr/>
+        </p:nvSpPr>
+        <p:spPr>
+          <a:xfrm>
+            <a:off x="6835704" y="4280676"/>
+            <a:ext cx="914400" cy="612648"/>
+          </a:xfrm>
+          <a:prstGeom prst="flowChartAlternateProcess">
+            <a:avLst/>
+          </a:prstGeom>
+          <a:solidFill>
+            <a:srgbClr val="B5A306"/>
+          </a:solidFill>
+        </p:spPr>
+        <p:style>
+          <a:lnRef idx="1">
+            <a:schemeClr val="accent1"/>
+          </a:lnRef>
+          <a:fillRef idx="3">
+            <a:schemeClr val="accent1"/>
+          </a:fillRef>
+          <a:effectRef idx="2">
+            <a:schemeClr val="accent1"/>
+          </a:effectRef>
+          <a:fontRef idx="minor">
+            <a:schemeClr val="lt1"/>
+          </a:fontRef>
+        </p:style>
+        <p:txBody>
+          <a:bodyPr rtlCol="0" anchor="ctr"/>
+          <a:lstStyle/>
+          <a:p>
+            <a:pPr algn="ctr"/>
+            <a:r>
+              <a:rPr kumimoji="1" lang="zh-CN" altLang="en-US" dirty="0" smtClean="0"/>
+              <a:t>自助</a:t>
+            </a:r>
+            <a:endParaRPr kumimoji="1" lang="en-US" altLang="zh-CN" dirty="0" smtClean="0"/>
+          </a:p>
+        </p:txBody>
+      </p:sp>
+      <p:cxnSp>
+        <p:nvCxnSpPr>
+          <p:cNvPr id="20" name="直线连接符 19"/>
+          <p:cNvCxnSpPr/>
+          <p:nvPr/>
+        </p:nvCxnSpPr>
+        <p:spPr>
+          <a:xfrm flipV="1">
+            <a:off x="5437166" y="1897766"/>
+            <a:ext cx="1070308" cy="784791"/>
+          </a:xfrm>
+          <a:prstGeom prst="line">
+            <a:avLst/>
+          </a:prstGeom>
+          <a:ln>
+            <a:tailEnd type="triangle" w="lg"/>
+          </a:ln>
+        </p:spPr>
+        <p:style>
+          <a:lnRef idx="2">
+            <a:schemeClr val="accent1"/>
+          </a:lnRef>
+          <a:fillRef idx="0">
+            <a:schemeClr val="accent1"/>
+          </a:fillRef>
+          <a:effectRef idx="1">
+            <a:schemeClr val="accent1"/>
+          </a:effectRef>
+          <a:fontRef idx="minor">
+            <a:schemeClr val="tx1"/>
+          </a:fontRef>
+        </p:style>
+      </p:cxnSp>
+      <p:cxnSp>
+        <p:nvCxnSpPr>
+          <p:cNvPr id="22" name="直线连接符 21"/>
+          <p:cNvCxnSpPr/>
+          <p:nvPr/>
+        </p:nvCxnSpPr>
+        <p:spPr>
+          <a:xfrm>
+            <a:off x="5437166" y="3260706"/>
+            <a:ext cx="1213016" cy="0"/>
+          </a:xfrm>
+          <a:prstGeom prst="line">
+            <a:avLst/>
+          </a:prstGeom>
+          <a:ln>
+            <a:tailEnd type="triangle" w="lg"/>
+          </a:ln>
+        </p:spPr>
+        <p:style>
+          <a:lnRef idx="2">
+            <a:schemeClr val="accent1"/>
+          </a:lnRef>
+          <a:fillRef idx="0">
+            <a:schemeClr val="accent1"/>
+          </a:fillRef>
+          <a:effectRef idx="1">
+            <a:schemeClr val="accent1"/>
+          </a:effectRef>
+          <a:fontRef idx="minor">
+            <a:schemeClr val="tx1"/>
+          </a:fontRef>
+        </p:style>
+      </p:cxnSp>
+      <p:cxnSp>
+        <p:nvCxnSpPr>
+          <p:cNvPr id="23" name="直线连接符 22"/>
+          <p:cNvCxnSpPr/>
+          <p:nvPr/>
+        </p:nvCxnSpPr>
+        <p:spPr>
+          <a:xfrm>
+            <a:off x="5437166" y="3767292"/>
+            <a:ext cx="1213016" cy="813032"/>
+          </a:xfrm>
+          <a:prstGeom prst="line">
+            <a:avLst/>
+          </a:prstGeom>
+          <a:ln>
+            <a:tailEnd type="triangle" w="lg"/>
+          </a:ln>
+        </p:spPr>
+        <p:style>
+          <a:lnRef idx="2">
+            <a:schemeClr val="accent1"/>
+          </a:lnRef>
+          <a:fillRef idx="0">
+            <a:schemeClr val="accent1"/>
+          </a:fillRef>
+          <a:effectRef idx="1">
+            <a:schemeClr val="accent1"/>
+          </a:effectRef>
+          <a:fontRef idx="minor">
+            <a:schemeClr val="tx1"/>
+          </a:fontRef>
+        </p:style>
+      </p:cxnSp>
+      <p:sp>
+        <p:nvSpPr>
+          <p:cNvPr id="30" name="文本框 29"/>
+          <p:cNvSpPr txBox="1"/>
+          <p:nvPr/>
+        </p:nvSpPr>
+        <p:spPr>
+          <a:xfrm>
+            <a:off x="694687" y="2931198"/>
+            <a:ext cx="1103431" cy="646331"/>
+          </a:xfrm>
+          <a:prstGeom prst="rect">
+            <a:avLst/>
+          </a:prstGeom>
+          <a:noFill/>
+        </p:spPr>
+        <p:txBody>
+          <a:bodyPr wrap="square" rtlCol="0">
+            <a:spAutoFit/>
+          </a:bodyPr>
+          <a:lstStyle/>
+          <a:p>
+            <a:r>
+              <a:rPr kumimoji="1" lang="zh-CN" altLang="en-US" dirty="0" smtClean="0"/>
+              <a:t>基于模型营销模版</a:t>
+            </a:r>
+            <a:endParaRPr kumimoji="1" lang="zh-CN" altLang="en-US" dirty="0"/>
+          </a:p>
+        </p:txBody>
+      </p:sp>
+      <p:sp>
+        <p:nvSpPr>
+          <p:cNvPr id="31" name="文本框 30"/>
+          <p:cNvSpPr txBox="1"/>
+          <p:nvPr/>
+        </p:nvSpPr>
+        <p:spPr>
+          <a:xfrm>
+            <a:off x="3210927" y="1541959"/>
+            <a:ext cx="1231868" cy="646331"/>
+          </a:xfrm>
+          <a:prstGeom prst="rect">
+            <a:avLst/>
+          </a:prstGeom>
+          <a:noFill/>
+        </p:spPr>
+        <p:txBody>
+          <a:bodyPr wrap="square" rtlCol="0">
+            <a:spAutoFit/>
+          </a:bodyPr>
+          <a:lstStyle/>
+          <a:p>
+            <a:r>
+              <a:rPr kumimoji="1" lang="zh-CN" altLang="en-US" dirty="0" smtClean="0"/>
+              <a:t>精准定位</a:t>
+            </a:r>
+            <a:endParaRPr kumimoji="1" lang="en-US" altLang="zh-CN" dirty="0" smtClean="0"/>
+          </a:p>
+          <a:p>
+            <a:r>
+              <a:rPr kumimoji="1" lang="zh-CN" altLang="en-US" dirty="0" smtClean="0"/>
+              <a:t>构建活动</a:t>
+            </a:r>
+            <a:endParaRPr kumimoji="1" lang="en-US" altLang="zh-CN" dirty="0"/>
+          </a:p>
+        </p:txBody>
+      </p:sp>
+      <p:sp>
+        <p:nvSpPr>
+          <p:cNvPr id="32" name="文本框 31"/>
+          <p:cNvSpPr txBox="1"/>
+          <p:nvPr/>
+        </p:nvSpPr>
+        <p:spPr>
+          <a:xfrm>
+            <a:off x="4739043" y="4247909"/>
+            <a:ext cx="1396245" cy="646331"/>
+          </a:xfrm>
+          <a:prstGeom prst="rect">
+            <a:avLst/>
+          </a:prstGeom>
+          <a:noFill/>
+        </p:spPr>
+        <p:txBody>
+          <a:bodyPr wrap="square" rtlCol="0">
+            <a:spAutoFit/>
+          </a:bodyPr>
+          <a:lstStyle/>
+          <a:p>
+            <a:r>
+              <a:rPr kumimoji="1" lang="zh-CN" altLang="en-US" dirty="0" smtClean="0"/>
+              <a:t>定时、实时推送</a:t>
+            </a:r>
+            <a:endParaRPr kumimoji="1" lang="zh-CN" altLang="en-US" dirty="0"/>
           </a:p>
         </p:txBody>
       </p:sp>
@@ -21015,14 +22697,14 @@
           <p:nvPr>
             <p:extLst>
               <p:ext uri="{D42A27DB-BD31-4B8C-83A1-F6EECF244321}">
-                <p14:modId xmlns:p14="http://schemas.microsoft.com/office/powerpoint/2010/main" val="1624664608"/>
+                <p14:modId xmlns:p14="http://schemas.microsoft.com/office/powerpoint/2010/main" val="2298534540"/>
               </p:ext>
             </p:extLst>
           </p:nvPr>
         </p:nvGraphicFramePr>
         <p:xfrm>
-          <a:off x="1184475" y="1170052"/>
-          <a:ext cx="6164975" cy="3895415"/>
+          <a:off x="927600" y="1055900"/>
+          <a:ext cx="6935597" cy="4066642"/>
         </p:xfrm>
         <a:graphic>
           <a:graphicData uri="http://schemas.openxmlformats.org/drawingml/2006/diagram">
@@ -21034,269 +22716,6 @@
     <p:extLst>
       <p:ext uri="{BB962C8B-B14F-4D97-AF65-F5344CB8AC3E}">
         <p14:creationId xmlns:p14="http://schemas.microsoft.com/office/powerpoint/2010/main" val="813638220"/>
-      </p:ext>
-    </p:extLst>
-  </p:cSld>
-  <p:clrMapOvr>
-    <a:masterClrMapping/>
-  </p:clrMapOvr>
-  <p:timing>
-    <p:tnLst>
-      <p:par>
-        <p:cTn xmlns:p14="http://schemas.microsoft.com/office/powerpoint/2010/main" id="1" dur="indefinite" restart="never" nodeType="tmRoot"/>
-      </p:par>
-    </p:tnLst>
-  </p:timing>
-</p:sld>
-</file>
-
-<file path=ppt/slides/slide7.xml><?xml version="1.0" encoding="utf-8"?>
-<p:sld xmlns:a="http://schemas.openxmlformats.org/drawingml/2006/main" xmlns:r="http://schemas.openxmlformats.org/officeDocument/2006/relationships" xmlns:p="http://schemas.openxmlformats.org/presentationml/2006/main">
-  <p:cSld>
-    <p:spTree>
-      <p:nvGrpSpPr>
-        <p:cNvPr id="1" name=""/>
-        <p:cNvGrpSpPr/>
-        <p:nvPr/>
-      </p:nvGrpSpPr>
-      <p:grpSpPr>
-        <a:xfrm>
-          <a:off x="0" y="0"/>
-          <a:ext cx="0" cy="0"/>
-          <a:chOff x="0" y="0"/>
-          <a:chExt cx="0" cy="0"/>
-        </a:xfrm>
-      </p:grpSpPr>
-      <p:sp>
-        <p:nvSpPr>
-          <p:cNvPr id="6" name="文本框 5"/>
-          <p:cNvSpPr txBox="1"/>
-          <p:nvPr/>
-        </p:nvSpPr>
-        <p:spPr>
-          <a:xfrm>
-            <a:off x="1312911" y="1041630"/>
-            <a:ext cx="6536016" cy="4524316"/>
-          </a:xfrm>
-          <a:prstGeom prst="rect">
-            <a:avLst/>
-          </a:prstGeom>
-          <a:noFill/>
-        </p:spPr>
-        <p:txBody>
-          <a:bodyPr wrap="square" rtlCol="0">
-            <a:spAutoFit/>
-          </a:bodyPr>
-          <a:lstStyle/>
-          <a:p>
-            <a:r>
-              <a:rPr kumimoji="1" lang="zh-CN" altLang="en-US" dirty="0" smtClean="0"/>
-              <a:t>一</a:t>
-            </a:r>
-            <a:r>
-              <a:rPr kumimoji="1" lang="zh-CN" altLang="zh-CN" dirty="0" smtClean="0"/>
-              <a:t>、</a:t>
-            </a:r>
-            <a:r>
-              <a:rPr kumimoji="1" lang="zh-CN" altLang="en-US" dirty="0" smtClean="0"/>
-              <a:t>研发（跨界合作－数据营销）</a:t>
-            </a:r>
-            <a:endParaRPr kumimoji="1" lang="en-US" altLang="zh-CN" dirty="0" smtClean="0"/>
-          </a:p>
-          <a:p>
-            <a:r>
-              <a:rPr kumimoji="1" lang="zh-CN" altLang="en-US" dirty="0" smtClean="0"/>
-              <a:t>独立平台</a:t>
-            </a:r>
-            <a:endParaRPr kumimoji="1" lang="en-US" altLang="zh-CN" dirty="0" smtClean="0"/>
-          </a:p>
-          <a:p>
-            <a:r>
-              <a:rPr kumimoji="1" lang="zh-CN" altLang="zh-CN" dirty="0" smtClean="0"/>
-              <a:t>1</a:t>
-            </a:r>
-            <a:r>
-              <a:rPr kumimoji="1" lang="zh-CN" altLang="en-US" dirty="0" smtClean="0"/>
-              <a:t>）支持多种系统（</a:t>
-            </a:r>
-            <a:r>
-              <a:rPr kumimoji="1" lang="zh-CN" altLang="zh-CN" dirty="0" smtClean="0"/>
-              <a:t>3</a:t>
-            </a:r>
-            <a:r>
-              <a:rPr kumimoji="1" lang="en-US" altLang="zh-CN" dirty="0" smtClean="0"/>
-              <a:t>.5</a:t>
-            </a:r>
-            <a:r>
-              <a:rPr kumimoji="1" lang="zh-CN" altLang="en-US" dirty="0" smtClean="0"/>
-              <a:t>、</a:t>
-            </a:r>
-            <a:r>
-              <a:rPr kumimoji="1" lang="en-US" altLang="zh-CN" dirty="0" smtClean="0"/>
-              <a:t>5.0</a:t>
-            </a:r>
-            <a:r>
-              <a:rPr kumimoji="1" lang="zh-CN" altLang="en-US" dirty="0" smtClean="0"/>
-              <a:t>、其他产品线）</a:t>
-            </a:r>
-            <a:endParaRPr kumimoji="1" lang="en-US" altLang="zh-CN" dirty="0" smtClean="0"/>
-          </a:p>
-          <a:p>
-            <a:r>
-              <a:rPr kumimoji="1" lang="zh-CN" altLang="zh-CN" dirty="0" smtClean="0"/>
-              <a:t>2</a:t>
-            </a:r>
-            <a:r>
-              <a:rPr kumimoji="1" lang="zh-CN" altLang="en-US" dirty="0" smtClean="0"/>
-              <a:t>）架构、技术更加灵活，例如</a:t>
-            </a:r>
-            <a:r>
-              <a:rPr kumimoji="1" lang="en-US" altLang="zh-CN" dirty="0" err="1" smtClean="0"/>
-              <a:t>Mongodb</a:t>
-            </a:r>
-            <a:endParaRPr kumimoji="1" lang="en-US" altLang="zh-CN" dirty="0" smtClean="0"/>
-          </a:p>
-          <a:p>
-            <a:r>
-              <a:rPr kumimoji="1" lang="zh-CN" altLang="zh-CN" dirty="0" smtClean="0"/>
-              <a:t>3</a:t>
-            </a:r>
-            <a:r>
-              <a:rPr kumimoji="1" lang="zh-CN" altLang="en-US" dirty="0" smtClean="0"/>
-              <a:t>）耦合度低，有利于销售、实施</a:t>
-            </a:r>
-            <a:endParaRPr kumimoji="1" lang="en-US" altLang="zh-CN" dirty="0" smtClean="0"/>
-          </a:p>
-          <a:p>
-            <a:r>
-              <a:rPr kumimoji="1" lang="zh-CN" altLang="en-US" dirty="0" smtClean="0"/>
-              <a:t>闭环</a:t>
-            </a:r>
-            <a:endParaRPr kumimoji="1" lang="en-US" altLang="zh-CN" dirty="0" smtClean="0"/>
-          </a:p>
-          <a:p>
-            <a:r>
-              <a:rPr kumimoji="1" lang="zh-CN" altLang="zh-CN" dirty="0" smtClean="0"/>
-              <a:t>1</a:t>
-            </a:r>
-            <a:r>
-              <a:rPr kumimoji="1" lang="zh-CN" altLang="en-US" dirty="0" smtClean="0"/>
-              <a:t>）渠道数据采集、挖掘</a:t>
-            </a:r>
-            <a:endParaRPr kumimoji="1" lang="en-US" altLang="zh-CN" dirty="0" smtClean="0"/>
-          </a:p>
-          <a:p>
-            <a:r>
-              <a:rPr kumimoji="1" lang="zh-CN" altLang="zh-CN" dirty="0" smtClean="0"/>
-              <a:t>2</a:t>
-            </a:r>
-            <a:r>
-              <a:rPr kumimoji="1" lang="zh-CN" altLang="en-US" dirty="0" smtClean="0"/>
-              <a:t>）数据存储、分析</a:t>
-            </a:r>
-            <a:endParaRPr kumimoji="1" lang="en-US" altLang="zh-CN" dirty="0" smtClean="0"/>
-          </a:p>
-          <a:p>
-            <a:r>
-              <a:rPr kumimoji="1" lang="zh-CN" altLang="zh-CN" dirty="0" smtClean="0"/>
-              <a:t>3</a:t>
-            </a:r>
-            <a:r>
-              <a:rPr kumimoji="1" lang="zh-CN" altLang="en-US" dirty="0" smtClean="0"/>
-              <a:t>）精准营销</a:t>
-            </a:r>
-            <a:endParaRPr kumimoji="1" lang="en-US" altLang="zh-CN" dirty="0" smtClean="0"/>
-          </a:p>
-          <a:p>
-            <a:r>
-              <a:rPr kumimoji="1" lang="zh-CN" altLang="zh-CN" dirty="0" smtClean="0"/>
-              <a:t>4</a:t>
-            </a:r>
-            <a:r>
-              <a:rPr kumimoji="1" lang="zh-CN" altLang="en-US" dirty="0" smtClean="0"/>
-              <a:t>）数据、信贷系统数据交换，描述用户画像</a:t>
-            </a:r>
-            <a:endParaRPr kumimoji="1" lang="en-US" altLang="zh-CN" dirty="0" smtClean="0"/>
-          </a:p>
-          <a:p>
-            <a:endParaRPr kumimoji="1" lang="en-US" altLang="zh-CN" dirty="0" smtClean="0"/>
-          </a:p>
-          <a:p>
-            <a:r>
-              <a:rPr kumimoji="1" lang="zh-CN" altLang="en-US" dirty="0" smtClean="0"/>
-              <a:t>二、人员（</a:t>
-            </a:r>
-            <a:r>
-              <a:rPr kumimoji="1" lang="en-US" altLang="zh-CN" dirty="0" smtClean="0"/>
-              <a:t>4</a:t>
-            </a:r>
-            <a:r>
-              <a:rPr kumimoji="1" lang="zh-CN" altLang="en-US" dirty="0" smtClean="0"/>
-              <a:t>＋</a:t>
-            </a:r>
-            <a:r>
-              <a:rPr kumimoji="1" lang="en-US" altLang="zh-CN" dirty="0" smtClean="0"/>
-              <a:t>2</a:t>
-            </a:r>
-            <a:r>
-              <a:rPr kumimoji="1" lang="zh-CN" altLang="en-US" dirty="0" smtClean="0"/>
-              <a:t>＋</a:t>
-            </a:r>
-            <a:r>
-              <a:rPr kumimoji="1" lang="en-US" altLang="zh-CN" dirty="0" smtClean="0"/>
-              <a:t>1</a:t>
-            </a:r>
-            <a:r>
-              <a:rPr kumimoji="1" lang="zh-CN" altLang="en-US" dirty="0" smtClean="0"/>
-              <a:t>）</a:t>
-            </a:r>
-            <a:r>
-              <a:rPr kumimoji="1" lang="en-US" altLang="zh-CN" dirty="0" smtClean="0"/>
-              <a:t>200w </a:t>
-            </a:r>
-          </a:p>
-          <a:p>
-            <a:r>
-              <a:rPr kumimoji="1" lang="zh-CN" altLang="en-US" dirty="0" smtClean="0"/>
-              <a:t>申请</a:t>
-            </a:r>
-            <a:r>
-              <a:rPr kumimoji="1" lang="en-US" altLang="zh-CN" dirty="0" smtClean="0"/>
-              <a:t>2</a:t>
-            </a:r>
-            <a:r>
-              <a:rPr kumimoji="1" lang="zh-CN" altLang="en-US" dirty="0" smtClean="0"/>
-              <a:t>（需求、测试）</a:t>
-            </a:r>
-            <a:endParaRPr kumimoji="1" lang="en-US" altLang="zh-CN" dirty="0" smtClean="0"/>
-          </a:p>
-          <a:p>
-            <a:endParaRPr kumimoji="1" lang="en-US" altLang="zh-CN" dirty="0" smtClean="0"/>
-          </a:p>
-          <a:p>
-            <a:r>
-              <a:rPr kumimoji="1" lang="zh-CN" altLang="en-US" dirty="0" smtClean="0"/>
-              <a:t>三、售前、支持</a:t>
-            </a:r>
-            <a:endParaRPr kumimoji="1" lang="en-US" altLang="zh-CN" dirty="0" smtClean="0"/>
-          </a:p>
-          <a:p>
-            <a:r>
-              <a:rPr kumimoji="1" lang="zh-CN" altLang="zh-CN" dirty="0" smtClean="0"/>
-              <a:t>3</a:t>
-            </a:r>
-            <a:r>
-              <a:rPr kumimoji="1" lang="en-US" altLang="zh-CN" dirty="0" smtClean="0"/>
-              <a:t>0% time</a:t>
-            </a:r>
-            <a:endParaRPr kumimoji="1" lang="zh-CN" altLang="en-US" dirty="0"/>
-          </a:p>
-        </p:txBody>
-      </p:sp>
-    </p:spTree>
-    <p:extLst>
-      <p:ext uri="{BB962C8B-B14F-4D97-AF65-F5344CB8AC3E}">
-        <p14:creationId xmlns:p14="http://schemas.microsoft.com/office/powerpoint/2010/main" val="4037533352"/>
       </p:ext>
     </p:extLst>
   </p:cSld>

--- a/营销.pptx
+++ b/营销.pptx
@@ -5,10 +5,10 @@
     <p:sldMasterId id="2147483660" r:id="rId1"/>
   </p:sldMasterIdLst>
   <p:notesMasterIdLst>
-    <p:notesMasterId r:id="rId8"/>
+    <p:notesMasterId r:id="rId9"/>
   </p:notesMasterIdLst>
   <p:handoutMasterIdLst>
-    <p:handoutMasterId r:id="rId9"/>
+    <p:handoutMasterId r:id="rId10"/>
   </p:handoutMasterIdLst>
   <p:sldIdLst>
     <p:sldId id="256" r:id="rId2"/>
@@ -17,6 +17,7 @@
     <p:sldId id="260" r:id="rId5"/>
     <p:sldId id="262" r:id="rId6"/>
     <p:sldId id="261" r:id="rId7"/>
+    <p:sldId id="263" r:id="rId8"/>
   </p:sldIdLst>
   <p:sldSz cx="9144000" cy="6858000" type="screen4x3"/>
   <p:notesSz cx="6858000" cy="9144000"/>
@@ -3968,6 +3969,13 @@
     <dgm:pt modelId="{2EAD23EF-6A97-EB4C-A2D7-B92DCFFC24D5}">
       <dgm:prSet phldrT="[文本]"/>
       <dgm:spPr/>
+      <dgm:t>
+        <a:bodyPr/>
+        <a:lstStyle/>
+        <a:p>
+          <a:endParaRPr lang="zh-CN" altLang="en-US"/>
+        </a:p>
+      </dgm:t>
     </dgm:pt>
     <dgm:pt modelId="{3D22F239-DE92-D642-A09D-DA0C58F49917}" type="parTrans" cxnId="{C63F73D5-3FD8-B24F-A802-CDB09D9C8861}">
       <dgm:prSet/>
@@ -5423,27 +5431,27 @@
     </dgm:pt>
   </dgm:ptLst>
   <dgm:cxnLst>
+    <dgm:cxn modelId="{87C40290-5682-CA4D-BE5C-B7790E1E4578}" type="presOf" srcId="{071E8877-8B15-DE43-9DED-33C83F43B405}" destId="{7325DBA6-C0E7-B046-84F1-61165AFA4FB2}" srcOrd="0" destOrd="0" presId="urn:microsoft.com/office/officeart/2005/8/layout/radial6"/>
+    <dgm:cxn modelId="{B825F2BB-F501-7E49-AE74-C97F88B42702}" type="presOf" srcId="{B32469D9-A1A6-DF46-8113-71CAC6922919}" destId="{28F48120-D992-D843-AEA5-31E440C2EFF9}" srcOrd="0" destOrd="0" presId="urn:microsoft.com/office/officeart/2005/8/layout/radial6"/>
+    <dgm:cxn modelId="{B248DC84-D878-2F49-B093-E1ABFEE7FA70}" type="presOf" srcId="{7F3A5146-2828-3C4A-8BEE-CB3D3E51AE19}" destId="{AB2880E1-8592-A44C-A825-0024CB987867}" srcOrd="0" destOrd="0" presId="urn:microsoft.com/office/officeart/2005/8/layout/radial6"/>
+    <dgm:cxn modelId="{CDC0E59E-38A7-4945-8B9A-AD494C93BD71}" type="presOf" srcId="{653C2525-6CC3-CA4F-B1F3-142B1477CD80}" destId="{5667F904-C74D-2F40-98FB-956E46ADA6D9}" srcOrd="0" destOrd="0" presId="urn:microsoft.com/office/officeart/2005/8/layout/radial6"/>
+    <dgm:cxn modelId="{FA99F889-B993-FE49-9353-51F39676C42B}" srcId="{B32469D9-A1A6-DF46-8113-71CAC6922919}" destId="{09D5084C-69BD-AF43-9B48-6D30D55CB4EE}" srcOrd="0" destOrd="0" parTransId="{4EECCD25-E224-0743-A7A6-5629A4FC249A}" sibTransId="{EB327D46-4A0D-4441-95EA-D018447A42ED}"/>
+    <dgm:cxn modelId="{B5DA3F54-930B-D64A-9D92-B2C66082DC0F}" type="presOf" srcId="{C85D0DDA-50EF-AD4F-9A5B-DBF964B3F70E}" destId="{FEB3DD1C-6016-AD42-B617-1805A98435B5}" srcOrd="0" destOrd="0" presId="urn:microsoft.com/office/officeart/2005/8/layout/radial6"/>
+    <dgm:cxn modelId="{C82643A1-26F2-634B-A98B-919398A7A00C}" type="presOf" srcId="{6A79D2D9-8E60-6C48-B2AC-2D2E7917540D}" destId="{DD305EF8-1BBB-E44F-989A-D706D5F8007A}" srcOrd="0" destOrd="0" presId="urn:microsoft.com/office/officeart/2005/8/layout/radial6"/>
+    <dgm:cxn modelId="{A8829341-AD8B-FA43-BDDC-3DF0CB2AFB2D}" srcId="{09D5084C-69BD-AF43-9B48-6D30D55CB4EE}" destId="{653C2525-6CC3-CA4F-B1F3-142B1477CD80}" srcOrd="3" destOrd="0" parTransId="{C6BF515A-4A66-F149-B697-14929193EA28}" sibTransId="{7F3A5146-2828-3C4A-8BEE-CB3D3E51AE19}"/>
     <dgm:cxn modelId="{57D2AE21-5831-5D48-AD06-06CACEFF632A}" srcId="{09D5084C-69BD-AF43-9B48-6D30D55CB4EE}" destId="{66473736-CF84-1E4E-8066-4364DCBF847F}" srcOrd="5" destOrd="0" parTransId="{16ECC7B8-1150-414A-8F6B-14A066AE97C3}" sibTransId="{437CAB75-9F95-8644-A859-D6AAA6275B68}"/>
     <dgm:cxn modelId="{22F57FC2-0428-CB44-8F42-D82CFBF2E0CA}" type="presOf" srcId="{B503CB9F-2CB1-964F-BEAA-6495D57C3CF8}" destId="{09428FDF-8432-CE41-B3F6-EE7E2067A4EC}" srcOrd="0" destOrd="0" presId="urn:microsoft.com/office/officeart/2005/8/layout/radial6"/>
+    <dgm:cxn modelId="{59CB6E67-A3D2-B642-9100-183C4609F5A4}" srcId="{09D5084C-69BD-AF43-9B48-6D30D55CB4EE}" destId="{D920D285-E8AD-C44B-970D-7A915DACEAC8}" srcOrd="0" destOrd="0" parTransId="{15741A0D-57CD-5F4E-9414-2BE5236CE091}" sibTransId="{DFFCD53C-88E6-534F-9574-822AE78A86A7}"/>
+    <dgm:cxn modelId="{B4DCAE70-455F-9342-8232-903C73A58D43}" srcId="{09D5084C-69BD-AF43-9B48-6D30D55CB4EE}" destId="{C85D0DDA-50EF-AD4F-9A5B-DBF964B3F70E}" srcOrd="4" destOrd="0" parTransId="{73ABB32E-033F-344A-ADE1-74E2A74944C9}" sibTransId="{6A79D2D9-8E60-6C48-B2AC-2D2E7917540D}"/>
+    <dgm:cxn modelId="{030C4367-BFA5-3445-9BB5-2A170E38B379}" type="presOf" srcId="{051ECED1-A7E0-074E-B806-69E31F373EEE}" destId="{B046A877-FABA-444C-B762-87688AD26366}" srcOrd="0" destOrd="0" presId="urn:microsoft.com/office/officeart/2005/8/layout/radial6"/>
+    <dgm:cxn modelId="{6CE43F44-966B-EA46-82ED-DBD2E9316A2F}" type="presOf" srcId="{DFFCD53C-88E6-534F-9574-822AE78A86A7}" destId="{3D789891-1C63-F44B-8F92-15966C6EE98C}" srcOrd="0" destOrd="0" presId="urn:microsoft.com/office/officeart/2005/8/layout/radial6"/>
+    <dgm:cxn modelId="{E88EC75D-41C5-4646-AAC3-5106A12C646D}" type="presOf" srcId="{09D5084C-69BD-AF43-9B48-6D30D55CB4EE}" destId="{6083DA2B-239C-E94F-BFF6-D56AF934496A}" srcOrd="0" destOrd="0" presId="urn:microsoft.com/office/officeart/2005/8/layout/radial6"/>
+    <dgm:cxn modelId="{9EF39CEB-B991-974C-9446-D58A899EB85C}" srcId="{09D5084C-69BD-AF43-9B48-6D30D55CB4EE}" destId="{051ECED1-A7E0-074E-B806-69E31F373EEE}" srcOrd="1" destOrd="0" parTransId="{7BCB60D3-B292-EA40-80A6-E40B16C60613}" sibTransId="{4086DFDD-7A6C-ED46-AA9E-FFFF87A51A08}"/>
+    <dgm:cxn modelId="{CDB7C3A7-7236-BB45-A10D-F74A73D0E632}" srcId="{09D5084C-69BD-AF43-9B48-6D30D55CB4EE}" destId="{071E8877-8B15-DE43-9DED-33C83F43B405}" srcOrd="2" destOrd="0" parTransId="{5AC10F78-5FE6-9145-A574-C021B649175B}" sibTransId="{B503CB9F-2CB1-964F-BEAA-6495D57C3CF8}"/>
     <dgm:cxn modelId="{EDCF644C-ED17-5B4B-82CA-703A9036F26C}" type="presOf" srcId="{4086DFDD-7A6C-ED46-AA9E-FFFF87A51A08}" destId="{96F1AE09-269B-164E-8BAE-E6642AEE4A09}" srcOrd="0" destOrd="0" presId="urn:microsoft.com/office/officeart/2005/8/layout/radial6"/>
-    <dgm:cxn modelId="{B825F2BB-F501-7E49-AE74-C97F88B42702}" type="presOf" srcId="{B32469D9-A1A6-DF46-8113-71CAC6922919}" destId="{28F48120-D992-D843-AEA5-31E440C2EFF9}" srcOrd="0" destOrd="0" presId="urn:microsoft.com/office/officeart/2005/8/layout/radial6"/>
+    <dgm:cxn modelId="{DB19F980-A3BC-F049-826B-E0E18EE43394}" type="presOf" srcId="{66473736-CF84-1E4E-8066-4364DCBF847F}" destId="{4E239341-0024-3B43-A03F-4550B79185B0}" srcOrd="0" destOrd="0" presId="urn:microsoft.com/office/officeart/2005/8/layout/radial6"/>
+    <dgm:cxn modelId="{6CE6B92E-325C-A04F-BA21-B4FDA4790072}" type="presOf" srcId="{437CAB75-9F95-8644-A859-D6AAA6275B68}" destId="{1C6F226F-68CF-0D49-85BA-CA4D670F8AD3}" srcOrd="0" destOrd="0" presId="urn:microsoft.com/office/officeart/2005/8/layout/radial6"/>
     <dgm:cxn modelId="{5EA4D413-7781-C24E-AEC1-102490B55E63}" type="presOf" srcId="{D920D285-E8AD-C44B-970D-7A915DACEAC8}" destId="{5536D637-8BAA-AB4B-B6C9-866D35EC6748}" srcOrd="0" destOrd="0" presId="urn:microsoft.com/office/officeart/2005/8/layout/radial6"/>
-    <dgm:cxn modelId="{FA99F889-B993-FE49-9353-51F39676C42B}" srcId="{B32469D9-A1A6-DF46-8113-71CAC6922919}" destId="{09D5084C-69BD-AF43-9B48-6D30D55CB4EE}" srcOrd="0" destOrd="0" parTransId="{4EECCD25-E224-0743-A7A6-5629A4FC249A}" sibTransId="{EB327D46-4A0D-4441-95EA-D018447A42ED}"/>
-    <dgm:cxn modelId="{87C40290-5682-CA4D-BE5C-B7790E1E4578}" type="presOf" srcId="{071E8877-8B15-DE43-9DED-33C83F43B405}" destId="{7325DBA6-C0E7-B046-84F1-61165AFA4FB2}" srcOrd="0" destOrd="0" presId="urn:microsoft.com/office/officeart/2005/8/layout/radial6"/>
-    <dgm:cxn modelId="{B248DC84-D878-2F49-B093-E1ABFEE7FA70}" type="presOf" srcId="{7F3A5146-2828-3C4A-8BEE-CB3D3E51AE19}" destId="{AB2880E1-8592-A44C-A825-0024CB987867}" srcOrd="0" destOrd="0" presId="urn:microsoft.com/office/officeart/2005/8/layout/radial6"/>
-    <dgm:cxn modelId="{9EF39CEB-B991-974C-9446-D58A899EB85C}" srcId="{09D5084C-69BD-AF43-9B48-6D30D55CB4EE}" destId="{051ECED1-A7E0-074E-B806-69E31F373EEE}" srcOrd="1" destOrd="0" parTransId="{7BCB60D3-B292-EA40-80A6-E40B16C60613}" sibTransId="{4086DFDD-7A6C-ED46-AA9E-FFFF87A51A08}"/>
-    <dgm:cxn modelId="{B4DCAE70-455F-9342-8232-903C73A58D43}" srcId="{09D5084C-69BD-AF43-9B48-6D30D55CB4EE}" destId="{C85D0DDA-50EF-AD4F-9A5B-DBF964B3F70E}" srcOrd="4" destOrd="0" parTransId="{73ABB32E-033F-344A-ADE1-74E2A74944C9}" sibTransId="{6A79D2D9-8E60-6C48-B2AC-2D2E7917540D}"/>
-    <dgm:cxn modelId="{A8829341-AD8B-FA43-BDDC-3DF0CB2AFB2D}" srcId="{09D5084C-69BD-AF43-9B48-6D30D55CB4EE}" destId="{653C2525-6CC3-CA4F-B1F3-142B1477CD80}" srcOrd="3" destOrd="0" parTransId="{C6BF515A-4A66-F149-B697-14929193EA28}" sibTransId="{7F3A5146-2828-3C4A-8BEE-CB3D3E51AE19}"/>
-    <dgm:cxn modelId="{59CB6E67-A3D2-B642-9100-183C4609F5A4}" srcId="{09D5084C-69BD-AF43-9B48-6D30D55CB4EE}" destId="{D920D285-E8AD-C44B-970D-7A915DACEAC8}" srcOrd="0" destOrd="0" parTransId="{15741A0D-57CD-5F4E-9414-2BE5236CE091}" sibTransId="{DFFCD53C-88E6-534F-9574-822AE78A86A7}"/>
-    <dgm:cxn modelId="{B5DA3F54-930B-D64A-9D92-B2C66082DC0F}" type="presOf" srcId="{C85D0DDA-50EF-AD4F-9A5B-DBF964B3F70E}" destId="{FEB3DD1C-6016-AD42-B617-1805A98435B5}" srcOrd="0" destOrd="0" presId="urn:microsoft.com/office/officeart/2005/8/layout/radial6"/>
-    <dgm:cxn modelId="{CDB7C3A7-7236-BB45-A10D-F74A73D0E632}" srcId="{09D5084C-69BD-AF43-9B48-6D30D55CB4EE}" destId="{071E8877-8B15-DE43-9DED-33C83F43B405}" srcOrd="2" destOrd="0" parTransId="{5AC10F78-5FE6-9145-A574-C021B649175B}" sibTransId="{B503CB9F-2CB1-964F-BEAA-6495D57C3CF8}"/>
-    <dgm:cxn modelId="{CDC0E59E-38A7-4945-8B9A-AD494C93BD71}" type="presOf" srcId="{653C2525-6CC3-CA4F-B1F3-142B1477CD80}" destId="{5667F904-C74D-2F40-98FB-956E46ADA6D9}" srcOrd="0" destOrd="0" presId="urn:microsoft.com/office/officeart/2005/8/layout/radial6"/>
-    <dgm:cxn modelId="{6CE43F44-966B-EA46-82ED-DBD2E9316A2F}" type="presOf" srcId="{DFFCD53C-88E6-534F-9574-822AE78A86A7}" destId="{3D789891-1C63-F44B-8F92-15966C6EE98C}" srcOrd="0" destOrd="0" presId="urn:microsoft.com/office/officeart/2005/8/layout/radial6"/>
-    <dgm:cxn modelId="{6CE6B92E-325C-A04F-BA21-B4FDA4790072}" type="presOf" srcId="{437CAB75-9F95-8644-A859-D6AAA6275B68}" destId="{1C6F226F-68CF-0D49-85BA-CA4D670F8AD3}" srcOrd="0" destOrd="0" presId="urn:microsoft.com/office/officeart/2005/8/layout/radial6"/>
-    <dgm:cxn modelId="{030C4367-BFA5-3445-9BB5-2A170E38B379}" type="presOf" srcId="{051ECED1-A7E0-074E-B806-69E31F373EEE}" destId="{B046A877-FABA-444C-B762-87688AD26366}" srcOrd="0" destOrd="0" presId="urn:microsoft.com/office/officeart/2005/8/layout/radial6"/>
-    <dgm:cxn modelId="{E88EC75D-41C5-4646-AAC3-5106A12C646D}" type="presOf" srcId="{09D5084C-69BD-AF43-9B48-6D30D55CB4EE}" destId="{6083DA2B-239C-E94F-BFF6-D56AF934496A}" srcOrd="0" destOrd="0" presId="urn:microsoft.com/office/officeart/2005/8/layout/radial6"/>
-    <dgm:cxn modelId="{C82643A1-26F2-634B-A98B-919398A7A00C}" type="presOf" srcId="{6A79D2D9-8E60-6C48-B2AC-2D2E7917540D}" destId="{DD305EF8-1BBB-E44F-989A-D706D5F8007A}" srcOrd="0" destOrd="0" presId="urn:microsoft.com/office/officeart/2005/8/layout/radial6"/>
-    <dgm:cxn modelId="{DB19F980-A3BC-F049-826B-E0E18EE43394}" type="presOf" srcId="{66473736-CF84-1E4E-8066-4364DCBF847F}" destId="{4E239341-0024-3B43-A03F-4550B79185B0}" srcOrd="0" destOrd="0" presId="urn:microsoft.com/office/officeart/2005/8/layout/radial6"/>
     <dgm:cxn modelId="{EA5556B8-3B51-7A41-A868-BE0024A760B1}" type="presParOf" srcId="{28F48120-D992-D843-AEA5-31E440C2EFF9}" destId="{6083DA2B-239C-E94F-BFF6-D56AF934496A}" srcOrd="0" destOrd="0" presId="urn:microsoft.com/office/officeart/2005/8/layout/radial6"/>
     <dgm:cxn modelId="{5EB7691D-2D89-B648-A67A-D2D7AB5D02D1}" type="presParOf" srcId="{28F48120-D992-D843-AEA5-31E440C2EFF9}" destId="{5536D637-8BAA-AB4B-B6C9-866D35EC6748}" srcOrd="1" destOrd="0" presId="urn:microsoft.com/office/officeart/2005/8/layout/radial6"/>
     <dgm:cxn modelId="{857B7688-E8CD-5A4D-85BA-AD33FEA68400}" type="presParOf" srcId="{28F48120-D992-D843-AEA5-31E440C2EFF9}" destId="{EDE2C607-339F-BE40-87BD-A7B702C0EB9F}" srcOrd="2" destOrd="0" presId="urn:microsoft.com/office/officeart/2005/8/layout/radial6"/>
@@ -15923,7 +15931,7 @@
           <a:p>
             <a:fld id="{141971DB-7766-C44B-930B-2F09E959C349}" type="datetimeFigureOut">
               <a:rPr kumimoji="1" lang="zh-CN" altLang="en-US" smtClean="0"/>
-              <a:t>15/3/6</a:t>
+              <a:t>15/3/11</a:t>
             </a:fld>
             <a:endParaRPr kumimoji="1" lang="zh-CN" altLang="en-US"/>
           </a:p>
@@ -16089,7 +16097,7 @@
           <a:p>
             <a:fld id="{59E3B538-975B-4249-AA39-E35F58C578B3}" type="datetimeFigureOut">
               <a:rPr kumimoji="1" lang="zh-CN" altLang="en-US" smtClean="0"/>
-              <a:t>15/3/6</a:t>
+              <a:t>15/3/11</a:t>
             </a:fld>
             <a:endParaRPr kumimoji="1" lang="zh-CN" altLang="en-US"/>
           </a:p>
@@ -16964,7 +16972,7 @@
           <a:p>
             <a:fld id="{7D4D5215-B83D-0F4A-9F6C-CFA7FB93B836}" type="datetime1">
               <a:rPr lang="zh-CN" altLang="en-US" smtClean="0"/>
-              <a:t>15/3/6</a:t>
+              <a:t>15/3/11</a:t>
             </a:fld>
             <a:endParaRPr lang="en-US"/>
           </a:p>
@@ -17321,7 +17329,7 @@
           <a:p>
             <a:fld id="{1FF577A3-261E-D34A-8D0F-9CF5899AC53E}" type="datetime1">
               <a:rPr lang="zh-CN" altLang="en-US" smtClean="0"/>
-              <a:t>15/3/6</a:t>
+              <a:t>15/3/11</a:t>
             </a:fld>
             <a:endParaRPr lang="en-US"/>
           </a:p>
@@ -17490,7 +17498,7 @@
           <a:p>
             <a:fld id="{F6261A2D-25E1-1349-A36F-EBC82F29A52C}" type="datetime1">
               <a:rPr lang="zh-CN" altLang="en-US" smtClean="0"/>
-              <a:t>15/3/6</a:t>
+              <a:t>15/3/11</a:t>
             </a:fld>
             <a:endParaRPr lang="en-US"/>
           </a:p>
@@ -17669,7 +17677,7 @@
           <a:p>
             <a:fld id="{B5087D83-E822-724C-8B3A-0150CD76E6F9}" type="datetime1">
               <a:rPr lang="zh-CN" altLang="en-US" smtClean="0"/>
-              <a:t>15/3/6</a:t>
+              <a:t>15/3/11</a:t>
             </a:fld>
             <a:endParaRPr lang="en-US"/>
           </a:p>
@@ -17838,7 +17846,7 @@
           <a:p>
             <a:fld id="{1E86C3BC-5F89-2F49-8F2B-3916B25A12D0}" type="datetime1">
               <a:rPr lang="zh-CN" altLang="en-US" smtClean="0"/>
-              <a:t>15/3/6</a:t>
+              <a:t>15/3/11</a:t>
             </a:fld>
             <a:endParaRPr lang="en-US"/>
           </a:p>
@@ -18115,7 +18123,7 @@
           <a:p>
             <a:fld id="{3C06AE13-05D3-C74C-A664-508DB1536078}" type="datetime1">
               <a:rPr lang="zh-CN" altLang="en-US" smtClean="0"/>
-              <a:t>15/3/6</a:t>
+              <a:t>15/3/11</a:t>
             </a:fld>
             <a:endParaRPr lang="en-US"/>
           </a:p>
@@ -18407,7 +18415,7 @@
           <a:p>
             <a:fld id="{737F11DA-40E2-6544-99E9-86C5EB9A7F46}" type="datetime1">
               <a:rPr lang="zh-CN" altLang="en-US" smtClean="0"/>
-              <a:t>15/3/6</a:t>
+              <a:t>15/3/11</a:t>
             </a:fld>
             <a:endParaRPr lang="en-US"/>
           </a:p>
@@ -18843,7 +18851,7 @@
           <a:p>
             <a:fld id="{B8A522D3-0C6D-2845-8738-67EDDA71C39A}" type="datetime1">
               <a:rPr lang="zh-CN" altLang="en-US" smtClean="0"/>
-              <a:t>15/3/6</a:t>
+              <a:t>15/3/11</a:t>
             </a:fld>
             <a:endParaRPr lang="en-US"/>
           </a:p>
@@ -18956,7 +18964,7 @@
           <a:p>
             <a:fld id="{F50657D1-CBB5-B44E-B989-83AB587ECBDE}" type="datetime1">
               <a:rPr lang="zh-CN" altLang="en-US" smtClean="0"/>
-              <a:t>15/3/6</a:t>
+              <a:t>15/3/11</a:t>
             </a:fld>
             <a:endParaRPr lang="en-US"/>
           </a:p>
@@ -19046,7 +19054,7 @@
           <a:p>
             <a:fld id="{66690611-31BF-C640-A836-04E19E216A6B}" type="datetime1">
               <a:rPr lang="zh-CN" altLang="en-US" smtClean="0"/>
-              <a:t>15/3/6</a:t>
+              <a:t>15/3/11</a:t>
             </a:fld>
             <a:endParaRPr lang="en-US"/>
           </a:p>
@@ -19383,7 +19391,7 @@
           <a:p>
             <a:fld id="{6BE92493-A156-C947-8894-F1EA4760435F}" type="datetime1">
               <a:rPr lang="zh-CN" altLang="en-US" smtClean="0"/>
-              <a:t>15/3/6</a:t>
+              <a:t>15/3/11</a:t>
             </a:fld>
             <a:endParaRPr lang="en-US"/>
           </a:p>
@@ -19698,7 +19706,7 @@
           <a:p>
             <a:fld id="{40E2AC34-94C9-3944-B48E-200F1B80D608}" type="datetime1">
               <a:rPr lang="zh-CN" altLang="en-US" smtClean="0"/>
-              <a:t>15/3/6</a:t>
+              <a:t>15/3/11</a:t>
             </a:fld>
             <a:endParaRPr lang="en-US"/>
           </a:p>
@@ -19944,7 +19952,7 @@
           <a:p>
             <a:fld id="{EDF516EF-5C45-534C-A800-220451E25F43}" type="datetime1">
               <a:rPr lang="zh-CN" altLang="en-US" smtClean="0"/>
-              <a:t>15/3/6</a:t>
+              <a:t>15/3/11</a:t>
             </a:fld>
             <a:endParaRPr lang="en-US"/>
           </a:p>
@@ -20518,7 +20526,7 @@
         <p:spPr>
           <a:xfrm>
             <a:off x="5251647" y="5454046"/>
-            <a:ext cx="3415023" cy="1077218"/>
+            <a:ext cx="3415023" cy="584776"/>
           </a:xfrm>
           <a:prstGeom prst="rect">
             <a:avLst/>
@@ -20531,6 +20539,10 @@
           </a:bodyPr>
           <a:lstStyle/>
           <a:p>
+            <a:pPr marL="285750" indent="-285750">
+              <a:buFont typeface="Zapf Dingbats" charset="0"/>
+              <a:buChar char="✓"/>
+            </a:pPr>
             <a:r>
               <a:rPr kumimoji="1" lang="zh-CN" altLang="en-US" sz="1600" dirty="0" smtClean="0">
                 <a:solidFill>
@@ -20538,26 +20550,11 @@
                     <a:lumMod val="75000"/>
                   </a:schemeClr>
                 </a:solidFill>
-                <a:latin typeface="Zapf Dingbats"/>
-                <a:ea typeface="Zapf Dingbats"/>
-                <a:cs typeface="Zapf Dingbats"/>
-                <a:sym typeface="Zapf Dingbats"/>
+                <a:latin typeface="微软雅黑"/>
+                <a:ea typeface="微软雅黑"/>
+                <a:cs typeface="微软雅黑"/>
               </a:rPr>
-              <a:t>✓</a:t>
-            </a:r>
-            <a:r>
-              <a:rPr kumimoji="1" lang="en-US" altLang="zh-CN" sz="1600" dirty="0" smtClean="0">
-                <a:solidFill>
-                  <a:schemeClr val="tx1">
-                    <a:lumMod val="75000"/>
-                  </a:schemeClr>
-                </a:solidFill>
-                <a:latin typeface="Zapf Dingbats"/>
-                <a:ea typeface="Zapf Dingbats"/>
-                <a:cs typeface="Zapf Dingbats"/>
-                <a:sym typeface="Zapf Dingbats"/>
-              </a:rPr>
-              <a:t> </a:t>
+              <a:t>改善服务</a:t>
             </a:r>
             <a:r>
               <a:rPr kumimoji="1" lang="zh-CN" altLang="en-US" sz="1600" dirty="0" smtClean="0">
@@ -20570,47 +20567,7 @@
                 <a:ea typeface="微软雅黑"/>
                 <a:cs typeface="微软雅黑"/>
               </a:rPr>
-              <a:t>用户金融行为，产生大量数据</a:t>
-            </a:r>
-            <a:endParaRPr kumimoji="1" lang="en-US" altLang="zh-CN" sz="1600" dirty="0" smtClean="0">
-              <a:solidFill>
-                <a:schemeClr val="tx1">
-                  <a:lumMod val="75000"/>
-                </a:schemeClr>
-              </a:solidFill>
-              <a:latin typeface="微软雅黑"/>
-              <a:ea typeface="微软雅黑"/>
-              <a:cs typeface="微软雅黑"/>
-            </a:endParaRPr>
-          </a:p>
-          <a:p>
-            <a:r>
-              <a:rPr kumimoji="1" lang="zh-CN" altLang="en-US" sz="1600" dirty="0" smtClean="0">
-                <a:solidFill>
-                  <a:schemeClr val="tx1">
-                    <a:lumMod val="75000"/>
-                  </a:schemeClr>
-                </a:solidFill>
-                <a:latin typeface="Zapf Dingbats"/>
-                <a:ea typeface="Zapf Dingbats"/>
-                <a:cs typeface="Zapf Dingbats"/>
-                <a:sym typeface="Zapf Dingbats"/>
-              </a:rPr>
-              <a:t>✓</a:t>
-            </a:r>
-            <a:r>
-              <a:rPr kumimoji="1" lang="en-US" altLang="zh-CN" sz="1600" dirty="0" smtClean="0">
-                <a:solidFill>
-                  <a:schemeClr val="tx1">
-                    <a:lumMod val="75000"/>
-                  </a:schemeClr>
-                </a:solidFill>
-                <a:latin typeface="Zapf Dingbats"/>
-                <a:ea typeface="Zapf Dingbats"/>
-                <a:cs typeface="Zapf Dingbats"/>
-                <a:sym typeface="Zapf Dingbats"/>
-              </a:rPr>
-              <a:t> </a:t>
+              <a:t>，</a:t>
             </a:r>
             <a:r>
               <a:rPr kumimoji="1" lang="zh-CN" altLang="en-US" sz="1600" dirty="0" smtClean="0">
@@ -20623,60 +20580,7 @@
                 <a:ea typeface="微软雅黑"/>
                 <a:cs typeface="微软雅黑"/>
               </a:rPr>
-              <a:t>数据金矿长眠，需要挖掘分析</a:t>
-            </a:r>
-            <a:endParaRPr kumimoji="1" lang="en-US" altLang="zh-CN" sz="1600" dirty="0" smtClean="0">
-              <a:solidFill>
-                <a:schemeClr val="tx1">
-                  <a:lumMod val="75000"/>
-                </a:schemeClr>
-              </a:solidFill>
-              <a:latin typeface="微软雅黑"/>
-              <a:ea typeface="微软雅黑"/>
-              <a:cs typeface="微软雅黑"/>
-            </a:endParaRPr>
-          </a:p>
-          <a:p>
-            <a:r>
-              <a:rPr kumimoji="1" lang="zh-CN" altLang="en-US" sz="1600" dirty="0" smtClean="0">
-                <a:solidFill>
-                  <a:schemeClr val="tx1">
-                    <a:lumMod val="75000"/>
-                  </a:schemeClr>
-                </a:solidFill>
-                <a:latin typeface="Zapf Dingbats"/>
-                <a:ea typeface="Zapf Dingbats"/>
-                <a:cs typeface="Zapf Dingbats"/>
-                <a:sym typeface="Zapf Dingbats"/>
-              </a:rPr>
-              <a:t>✓</a:t>
-            </a:r>
-            <a:r>
-              <a:rPr kumimoji="1" lang="en-US" altLang="zh-CN" sz="1600" dirty="0" smtClean="0">
-                <a:solidFill>
-                  <a:schemeClr val="tx1">
-                    <a:lumMod val="75000"/>
-                  </a:schemeClr>
-                </a:solidFill>
-                <a:latin typeface="Zapf Dingbats"/>
-                <a:ea typeface="Zapf Dingbats"/>
-                <a:cs typeface="Zapf Dingbats"/>
-                <a:sym typeface="Zapf Dingbats"/>
-              </a:rPr>
-              <a:t> </a:t>
-            </a:r>
-            <a:r>
-              <a:rPr kumimoji="1" lang="zh-CN" altLang="en-US" sz="1600" dirty="0" smtClean="0">
-                <a:solidFill>
-                  <a:schemeClr val="tx1">
-                    <a:lumMod val="75000"/>
-                  </a:schemeClr>
-                </a:solidFill>
-                <a:latin typeface="微软雅黑"/>
-                <a:ea typeface="微软雅黑"/>
-                <a:cs typeface="微软雅黑"/>
-              </a:rPr>
-              <a:t>改善服务，了解用户精准营销</a:t>
+              <a:t>了解用户精准营销</a:t>
             </a:r>
             <a:endParaRPr kumimoji="1" lang="en-US" altLang="zh-CN" sz="1600" dirty="0" smtClean="0">
               <a:solidFill>
@@ -21091,7 +20995,7 @@
         <p:spPr>
           <a:xfrm>
             <a:off x="5265917" y="5460999"/>
-            <a:ext cx="3539152" cy="1077218"/>
+            <a:ext cx="3539152" cy="830997"/>
           </a:xfrm>
           <a:prstGeom prst="rect">
             <a:avLst/>
@@ -21121,36 +21025,13 @@
           </a:lstStyle>
           <a:p>
             <a:r>
-              <a:rPr lang="zh-CN" altLang="en-US" dirty="0">
+              <a:rPr lang="zh-CN" altLang="en-US" dirty="0" smtClean="0">
                 <a:sym typeface="Zapf Dingbats"/>
               </a:rPr>
               <a:t>✓</a:t>
             </a:r>
             <a:r>
-              <a:rPr lang="en-US" altLang="zh-CN" dirty="0">
-                <a:sym typeface="Zapf Dingbats"/>
-              </a:rPr>
-              <a:t> </a:t>
-            </a:r>
-            <a:r>
-              <a:rPr lang="zh-CN" altLang="en-US" dirty="0" smtClean="0"/>
-              <a:t>数据进行清洗</a:t>
-            </a:r>
-            <a:r>
-              <a:rPr lang="zh-CN" altLang="en-US" dirty="0"/>
-              <a:t>、整理，去掉噪点</a:t>
-            </a:r>
-            <a:endParaRPr lang="en-US" altLang="zh-CN" dirty="0"/>
-          </a:p>
-          <a:p>
-            <a:r>
-              <a:rPr lang="zh-CN" altLang="en-US" dirty="0">
-                <a:sym typeface="Zapf Dingbats"/>
-              </a:rPr>
-              <a:t>✓</a:t>
-            </a:r>
-            <a:r>
-              <a:rPr lang="en-US" altLang="zh-CN" dirty="0">
+              <a:rPr lang="en-US" altLang="zh-CN" dirty="0" smtClean="0">
                 <a:sym typeface="Zapf Dingbats"/>
               </a:rPr>
               <a:t> </a:t>
@@ -22368,7 +22249,7 @@
         <p:spPr>
           <a:xfrm>
             <a:off x="5265916" y="5400291"/>
-            <a:ext cx="3258047" cy="1323439"/>
+            <a:ext cx="3258047" cy="830997"/>
           </a:xfrm>
           <a:prstGeom prst="rect">
             <a:avLst/>
@@ -22485,55 +22366,7 @@
                   <a:srgbClr val="BFBFBF"/>
                 </a:solidFill>
               </a:rPr>
-              <a:t>分布式</a:t>
-            </a:r>
-            <a:r>
-              <a:rPr kumimoji="1" lang="en-US" altLang="zh-CN" sz="1600" dirty="0" smtClean="0">
-                <a:solidFill>
-                  <a:srgbClr val="BFBFBF"/>
-                </a:solidFill>
-              </a:rPr>
-              <a:t>API</a:t>
-            </a:r>
-            <a:r>
-              <a:rPr kumimoji="1" lang="zh-CN" altLang="en-US" sz="1600" dirty="0" smtClean="0">
-                <a:solidFill>
-                  <a:srgbClr val="BFBFBF"/>
-                </a:solidFill>
-              </a:rPr>
-              <a:t>接口</a:t>
-            </a:r>
-            <a:r>
-              <a:rPr kumimoji="1" lang="zh-CN" altLang="zh-CN" sz="1600" dirty="0">
-                <a:solidFill>
-                  <a:srgbClr val="BFBFBF"/>
-                </a:solidFill>
-              </a:rPr>
-              <a:t>，</a:t>
-            </a:r>
-            <a:r>
-              <a:rPr kumimoji="1" lang="zh-CN" altLang="en-US" sz="1600" dirty="0" smtClean="0">
-                <a:solidFill>
-                  <a:srgbClr val="BFBFBF"/>
-                </a:solidFill>
-              </a:rPr>
-              <a:t>支持多种协议</a:t>
-            </a:r>
-            <a:r>
-              <a:rPr kumimoji="1" lang="zh-CN" altLang="zh-CN" sz="1600" dirty="0" smtClean="0">
-                <a:solidFill>
-                  <a:srgbClr val="BFBFBF"/>
-                </a:solidFill>
-              </a:rPr>
-              <a:t>、</a:t>
-            </a:r>
-            <a:r>
-              <a:rPr kumimoji="1" lang="zh-CN" altLang="en-US" sz="1600" dirty="0" smtClean="0">
-                <a:solidFill>
-                  <a:srgbClr val="BFBFBF"/>
-                </a:solidFill>
-              </a:rPr>
-              <a:t>异步、同步方式调用</a:t>
+              <a:t>支持多种协议用</a:t>
             </a:r>
             <a:endParaRPr kumimoji="1" lang="en-US" altLang="zh-CN" sz="1600" dirty="0" smtClean="0">
               <a:solidFill>
@@ -22567,30 +22400,6 @@
               <a:t> </a:t>
             </a:r>
             <a:r>
-              <a:rPr kumimoji="1" lang="zh-CN" altLang="en-US" sz="1600" dirty="0" smtClean="0">
-                <a:solidFill>
-                  <a:srgbClr val="BFBFBF"/>
-                </a:solidFill>
-              </a:rPr>
-              <a:t>采用</a:t>
-            </a:r>
-            <a:r>
-              <a:rPr kumimoji="1" lang="en-US" altLang="zh-CN" sz="1600" dirty="0" err="1" smtClean="0">
-                <a:solidFill>
-                  <a:srgbClr val="BFBFBF"/>
-                </a:solidFill>
-              </a:rPr>
-              <a:t>Memcache</a:t>
-            </a:r>
-            <a:r>
-              <a:rPr kumimoji="1" lang="zh-CN" altLang="en-US" sz="1600" dirty="0" smtClean="0">
-                <a:solidFill>
-                  <a:srgbClr val="BFBFBF"/>
-                </a:solidFill>
-              </a:rPr>
-              <a:t>＋</a:t>
-            </a:r>
-            <a:r>
               <a:rPr kumimoji="1" lang="en-US" altLang="zh-CN" sz="1600" dirty="0" err="1" smtClean="0">
                 <a:solidFill>
                   <a:srgbClr val="BFBFBF"/>
@@ -22604,16 +22413,13 @@
                   <a:srgbClr val="BFBFBF"/>
                 </a:solidFill>
               </a:rPr>
-              <a:t>，读取性能提升，处理非结构化数据</a:t>
+              <a:t>，读取性能提升</a:t>
             </a:r>
-            <a:r>
-              <a:rPr kumimoji="1" lang="en-US" altLang="zh-CN" sz="1600" dirty="0" smtClean="0">
-                <a:solidFill>
-                  <a:srgbClr val="BFBFBF"/>
-                </a:solidFill>
-              </a:rPr>
-              <a:t> </a:t>
-            </a:r>
+            <a:endParaRPr kumimoji="1" lang="en-US" altLang="zh-CN" sz="1600" dirty="0" smtClean="0">
+              <a:solidFill>
+                <a:srgbClr val="BFBFBF"/>
+              </a:solidFill>
+            </a:endParaRPr>
           </a:p>
         </p:txBody>
       </p:sp>
@@ -22729,6 +22535,237 @@
       </p:par>
     </p:tnLst>
   </p:timing>
+</p:sld>
+</file>
+
+<file path=ppt/slides/slide7.xml><?xml version="1.0" encoding="utf-8"?>
+<p:sld xmlns:a="http://schemas.openxmlformats.org/drawingml/2006/main" xmlns:r="http://schemas.openxmlformats.org/officeDocument/2006/relationships" xmlns:p="http://schemas.openxmlformats.org/presentationml/2006/main">
+  <p:cSld>
+    <p:spTree>
+      <p:nvGrpSpPr>
+        <p:cNvPr id="1" name=""/>
+        <p:cNvGrpSpPr/>
+        <p:nvPr/>
+      </p:nvGrpSpPr>
+      <p:grpSpPr>
+        <a:xfrm>
+          <a:off x="0" y="0"/>
+          <a:ext cx="0" cy="0"/>
+          <a:chOff x="0" y="0"/>
+          <a:chExt cx="0" cy="0"/>
+        </a:xfrm>
+      </p:grpSpPr>
+      <p:sp>
+        <p:nvSpPr>
+          <p:cNvPr id="4" name="文本框 3"/>
+          <p:cNvSpPr txBox="1"/>
+          <p:nvPr/>
+        </p:nvSpPr>
+        <p:spPr>
+          <a:xfrm>
+            <a:off x="1069474" y="949158"/>
+            <a:ext cx="7339263" cy="5909311"/>
+          </a:xfrm>
+          <a:prstGeom prst="rect">
+            <a:avLst/>
+          </a:prstGeom>
+          <a:noFill/>
+        </p:spPr>
+        <p:txBody>
+          <a:bodyPr wrap="square" rtlCol="0">
+            <a:spAutoFit/>
+          </a:bodyPr>
+          <a:lstStyle/>
+          <a:p>
+            <a:r>
+              <a:rPr kumimoji="1" lang="zh-CN" altLang="en-US" dirty="0" smtClean="0"/>
+              <a:t>推荐：</a:t>
+            </a:r>
+            <a:endParaRPr kumimoji="1" lang="en-US" altLang="zh-CN" dirty="0" smtClean="0"/>
+          </a:p>
+          <a:p>
+            <a:endParaRPr kumimoji="1" lang="en-US" altLang="zh-CN" dirty="0"/>
+          </a:p>
+          <a:p>
+            <a:r>
+              <a:rPr kumimoji="1" lang="zh-CN" altLang="en-US" dirty="0" smtClean="0"/>
+              <a:t>给谁推</a:t>
+            </a:r>
+            <a:endParaRPr kumimoji="1" lang="en-US" altLang="zh-CN" dirty="0" smtClean="0"/>
+          </a:p>
+          <a:p>
+            <a:r>
+              <a:rPr kumimoji="1" lang="zh-CN" altLang="zh-CN" dirty="0" smtClean="0"/>
+              <a:t>－</a:t>
+            </a:r>
+            <a:r>
+              <a:rPr kumimoji="1" lang="zh-CN" altLang="en-US" dirty="0" smtClean="0"/>
+              <a:t>用户</a:t>
+            </a:r>
+            <a:r>
+              <a:rPr kumimoji="1" lang="zh-CN" altLang="en-US" dirty="0" smtClean="0"/>
+              <a:t>相似度</a:t>
+            </a:r>
+            <a:r>
+              <a:rPr kumimoji="1" lang="zh-CN" altLang="en-US" dirty="0" smtClean="0"/>
+              <a:t>（分类、标签）</a:t>
+            </a:r>
+            <a:endParaRPr kumimoji="1" lang="en-US" altLang="zh-CN" dirty="0" smtClean="0"/>
+          </a:p>
+          <a:p>
+            <a:endParaRPr kumimoji="1" lang="en-US" altLang="zh-CN" dirty="0" smtClean="0"/>
+          </a:p>
+          <a:p>
+            <a:r>
+              <a:rPr kumimoji="1" lang="zh-CN" altLang="en-US" dirty="0" smtClean="0"/>
+              <a:t>推什么</a:t>
+            </a:r>
+            <a:endParaRPr kumimoji="1" lang="en-US" altLang="zh-CN" dirty="0" smtClean="0"/>
+          </a:p>
+          <a:p>
+            <a:r>
+              <a:rPr kumimoji="1" lang="zh-CN" altLang="zh-CN" dirty="0" smtClean="0"/>
+              <a:t>－</a:t>
+            </a:r>
+            <a:r>
+              <a:rPr kumimoji="1" lang="zh-CN" altLang="en-US" dirty="0" smtClean="0"/>
+              <a:t>商品</a:t>
+            </a:r>
+            <a:r>
+              <a:rPr kumimoji="1" lang="zh-CN" altLang="en-US" dirty="0" smtClean="0"/>
+              <a:t>相似度</a:t>
+            </a:r>
+            <a:r>
+              <a:rPr kumimoji="1" lang="zh-CN" altLang="en-US" dirty="0" smtClean="0"/>
+              <a:t>（分类、标签）</a:t>
+            </a:r>
+            <a:endParaRPr kumimoji="1" lang="en-US" altLang="zh-CN" dirty="0"/>
+          </a:p>
+          <a:p>
+            <a:endParaRPr kumimoji="1" lang="en-US" altLang="zh-CN" dirty="0"/>
+          </a:p>
+          <a:p>
+            <a:r>
+              <a:rPr kumimoji="1" lang="zh-CN" altLang="en-US" dirty="0" smtClean="0"/>
+              <a:t>怎么推</a:t>
+            </a:r>
+            <a:r>
+              <a:rPr kumimoji="1" lang="zh-CN" altLang="en-US" dirty="0" smtClean="0"/>
+              <a:t>（营销活动</a:t>
+            </a:r>
+            <a:r>
+              <a:rPr kumimoji="1" lang="en-US" altLang="zh-CN" dirty="0" smtClean="0"/>
+              <a:t>BD</a:t>
+            </a:r>
+            <a:r>
+              <a:rPr kumimoji="1" lang="zh-CN" altLang="en-US" dirty="0" smtClean="0"/>
+              <a:t>）</a:t>
+            </a:r>
+            <a:endParaRPr kumimoji="1" lang="en-US" altLang="zh-CN" dirty="0" smtClean="0"/>
+          </a:p>
+          <a:p>
+            <a:r>
+              <a:rPr kumimoji="1" lang="zh-CN" altLang="en-US" dirty="0" smtClean="0"/>
+              <a:t>－用户、商品匹配</a:t>
+            </a:r>
+            <a:endParaRPr kumimoji="1" lang="en-US" altLang="zh-CN" dirty="0" smtClean="0"/>
+          </a:p>
+          <a:p>
+            <a:endParaRPr kumimoji="1" lang="en-US" altLang="zh-CN" dirty="0" smtClean="0"/>
+          </a:p>
+          <a:p>
+            <a:r>
+              <a:rPr kumimoji="1" lang="zh-CN" altLang="en-US" dirty="0" smtClean="0"/>
+              <a:t>优势：</a:t>
+            </a:r>
+            <a:endParaRPr kumimoji="1" lang="en-US" altLang="zh-CN" dirty="0" smtClean="0"/>
+          </a:p>
+          <a:p>
+            <a:r>
+              <a:rPr kumimoji="1" lang="zh-CN" altLang="en-US" dirty="0" smtClean="0"/>
+              <a:t>海量数据（结构化</a:t>
+            </a:r>
+            <a:r>
+              <a:rPr kumimoji="1" lang="zh-CN" altLang="en-US" dirty="0" smtClean="0"/>
+              <a:t>、）</a:t>
+            </a:r>
+            <a:r>
+              <a:rPr kumimoji="1" lang="zh-CN" altLang="en-US" dirty="0" smtClean="0"/>
+              <a:t>？分布式？</a:t>
+            </a:r>
+            <a:endParaRPr kumimoji="1" lang="en-US" altLang="zh-CN" dirty="0" smtClean="0"/>
+          </a:p>
+          <a:p>
+            <a:endParaRPr kumimoji="1" lang="en-US" altLang="zh-CN" dirty="0"/>
+          </a:p>
+          <a:p>
+            <a:r>
+              <a:rPr kumimoji="1" lang="zh-CN" altLang="en-US" dirty="0" smtClean="0"/>
+              <a:t>数据交互形式</a:t>
+            </a:r>
+            <a:r>
+              <a:rPr kumimoji="1" lang="en-US" altLang="zh-CN" dirty="0" smtClean="0"/>
+              <a:t> </a:t>
+            </a:r>
+            <a:r>
+              <a:rPr kumimoji="1" lang="zh-CN" altLang="en-US" dirty="0" smtClean="0"/>
+              <a:t>接口</a:t>
+            </a:r>
+            <a:r>
+              <a:rPr kumimoji="1" lang="en-US" altLang="zh-CN" dirty="0" smtClean="0"/>
+              <a:t> </a:t>
+            </a:r>
+            <a:r>
+              <a:rPr kumimoji="1" lang="zh-CN" altLang="en-US" dirty="0" smtClean="0"/>
+              <a:t>协议</a:t>
+            </a:r>
+            <a:r>
+              <a:rPr kumimoji="1" lang="en-US" altLang="zh-CN" dirty="0" smtClean="0"/>
+              <a:t> </a:t>
+            </a:r>
+            <a:r>
+              <a:rPr kumimoji="1" lang="zh-CN" altLang="en-US" dirty="0" smtClean="0"/>
+              <a:t>报文（支持数据库、流、文件方式）</a:t>
+            </a:r>
+            <a:endParaRPr kumimoji="1" lang="en-US" altLang="zh-CN" dirty="0" smtClean="0"/>
+          </a:p>
+          <a:p>
+            <a:endParaRPr kumimoji="1" lang="en-US" altLang="zh-CN" dirty="0"/>
+          </a:p>
+          <a:p>
+            <a:r>
+              <a:rPr kumimoji="1" lang="en-US" altLang="zh-CN" dirty="0" smtClean="0"/>
+              <a:t>Demo</a:t>
+            </a:r>
+          </a:p>
+          <a:p>
+            <a:r>
+              <a:rPr kumimoji="1" lang="zh-CN" altLang="en-US" dirty="0" smtClean="0"/>
+              <a:t>业务变动对分析结果影响</a:t>
+            </a:r>
+            <a:endParaRPr kumimoji="1" lang="en-US" altLang="zh-CN" dirty="0"/>
+          </a:p>
+          <a:p>
+            <a:endParaRPr kumimoji="1" lang="en-US" altLang="zh-CN" dirty="0" smtClean="0"/>
+          </a:p>
+          <a:p>
+            <a:endParaRPr kumimoji="1" lang="en-US" altLang="zh-CN" dirty="0"/>
+          </a:p>
+          <a:p>
+            <a:endParaRPr kumimoji="1" lang="en-US" altLang="zh-CN" dirty="0" smtClean="0"/>
+          </a:p>
+        </p:txBody>
+      </p:sp>
+    </p:spTree>
+    <p:extLst>
+      <p:ext uri="{BB962C8B-B14F-4D97-AF65-F5344CB8AC3E}">
+        <p14:creationId xmlns:p14="http://schemas.microsoft.com/office/powerpoint/2010/main" val="25994985"/>
+      </p:ext>
+    </p:extLst>
+  </p:cSld>
+  <p:clrMapOvr>
+    <a:masterClrMapping/>
+  </p:clrMapOvr>
 </p:sld>
 </file>
 

--- a/营销.pptx
+++ b/营销.pptx
@@ -1958,925 +1958,6 @@
 </file>
 
 <file path=ppt/diagrams/colors3.xml><?xml version="1.0" encoding="utf-8"?>
-<dgm:colorsDef xmlns:dgm="http://schemas.openxmlformats.org/drawingml/2006/diagram" xmlns:a="http://schemas.openxmlformats.org/drawingml/2006/main" uniqueId="urn:microsoft.com/office/officeart/2005/8/colors/colorful1">
-  <dgm:title val=""/>
-  <dgm:desc val=""/>
-  <dgm:catLst>
-    <dgm:cat type="colorful" pri="10100"/>
-  </dgm:catLst>
-  <dgm:styleLbl name="node0">
-    <dgm:fillClrLst meth="repeat">
-      <a:schemeClr val="accent1"/>
-    </dgm:fillClrLst>
-    <dgm:linClrLst meth="repeat">
-      <a:schemeClr val="lt1"/>
-    </dgm:linClrLst>
-    <dgm:effectClrLst/>
-    <dgm:txLinClrLst/>
-    <dgm:txFillClrLst/>
-    <dgm:txEffectClrLst/>
-  </dgm:styleLbl>
-  <dgm:styleLbl name="node1">
-    <dgm:fillClrLst meth="repeat">
-      <a:schemeClr val="accent2"/>
-      <a:schemeClr val="accent3"/>
-      <a:schemeClr val="accent4"/>
-      <a:schemeClr val="accent5"/>
-      <a:schemeClr val="accent6"/>
-    </dgm:fillClrLst>
-    <dgm:linClrLst meth="repeat">
-      <a:schemeClr val="lt1"/>
-    </dgm:linClrLst>
-    <dgm:effectClrLst/>
-    <dgm:txLinClrLst/>
-    <dgm:txFillClrLst/>
-    <dgm:txEffectClrLst/>
-  </dgm:styleLbl>
-  <dgm:styleLbl name="alignNode1">
-    <dgm:fillClrLst meth="repeat">
-      <a:schemeClr val="accent2"/>
-      <a:schemeClr val="accent3"/>
-      <a:schemeClr val="accent4"/>
-      <a:schemeClr val="accent5"/>
-      <a:schemeClr val="accent6"/>
-    </dgm:fillClrLst>
-    <dgm:linClrLst meth="repeat">
-      <a:schemeClr val="accent2"/>
-      <a:schemeClr val="accent3"/>
-      <a:schemeClr val="accent4"/>
-      <a:schemeClr val="accent5"/>
-      <a:schemeClr val="accent6"/>
-    </dgm:linClrLst>
-    <dgm:effectClrLst/>
-    <dgm:txLinClrLst/>
-    <dgm:txFillClrLst/>
-    <dgm:txEffectClrLst/>
-  </dgm:styleLbl>
-  <dgm:styleLbl name="lnNode1">
-    <dgm:fillClrLst meth="repeat">
-      <a:schemeClr val="accent2"/>
-      <a:schemeClr val="accent3"/>
-      <a:schemeClr val="accent4"/>
-      <a:schemeClr val="accent5"/>
-      <a:schemeClr val="accent6"/>
-    </dgm:fillClrLst>
-    <dgm:linClrLst meth="repeat">
-      <a:schemeClr val="lt1"/>
-    </dgm:linClrLst>
-    <dgm:effectClrLst/>
-    <dgm:txLinClrLst/>
-    <dgm:txFillClrLst/>
-    <dgm:txEffectClrLst/>
-  </dgm:styleLbl>
-  <dgm:styleLbl name="vennNode1">
-    <dgm:fillClrLst meth="repeat">
-      <a:schemeClr val="accent2">
-        <a:alpha val="50000"/>
-      </a:schemeClr>
-      <a:schemeClr val="accent3">
-        <a:alpha val="50000"/>
-      </a:schemeClr>
-      <a:schemeClr val="accent4">
-        <a:alpha val="50000"/>
-      </a:schemeClr>
-      <a:schemeClr val="accent5">
-        <a:alpha val="50000"/>
-      </a:schemeClr>
-      <a:schemeClr val="accent6">
-        <a:alpha val="50000"/>
-      </a:schemeClr>
-    </dgm:fillClrLst>
-    <dgm:linClrLst meth="repeat">
-      <a:schemeClr val="lt1"/>
-    </dgm:linClrLst>
-    <dgm:effectClrLst/>
-    <dgm:txLinClrLst/>
-    <dgm:txFillClrLst/>
-    <dgm:txEffectClrLst/>
-  </dgm:styleLbl>
-  <dgm:styleLbl name="node2">
-    <dgm:fillClrLst>
-      <a:schemeClr val="accent2"/>
-    </dgm:fillClrLst>
-    <dgm:linClrLst meth="repeat">
-      <a:schemeClr val="lt1"/>
-    </dgm:linClrLst>
-    <dgm:effectClrLst/>
-    <dgm:txLinClrLst/>
-    <dgm:txFillClrLst/>
-    <dgm:txEffectClrLst/>
-  </dgm:styleLbl>
-  <dgm:styleLbl name="node3">
-    <dgm:fillClrLst>
-      <a:schemeClr val="accent3"/>
-    </dgm:fillClrLst>
-    <dgm:linClrLst meth="repeat">
-      <a:schemeClr val="lt1"/>
-    </dgm:linClrLst>
-    <dgm:effectClrLst/>
-    <dgm:txLinClrLst/>
-    <dgm:txFillClrLst/>
-    <dgm:txEffectClrLst/>
-  </dgm:styleLbl>
-  <dgm:styleLbl name="node4">
-    <dgm:fillClrLst>
-      <a:schemeClr val="accent4"/>
-    </dgm:fillClrLst>
-    <dgm:linClrLst meth="repeat">
-      <a:schemeClr val="lt1"/>
-    </dgm:linClrLst>
-    <dgm:effectClrLst/>
-    <dgm:txLinClrLst/>
-    <dgm:txFillClrLst/>
-    <dgm:txEffectClrLst/>
-  </dgm:styleLbl>
-  <dgm:styleLbl name="fgImgPlace1">
-    <dgm:fillClrLst meth="repeat">
-      <a:schemeClr val="accent2">
-        <a:tint val="50000"/>
-      </a:schemeClr>
-      <a:schemeClr val="accent3">
-        <a:tint val="50000"/>
-      </a:schemeClr>
-      <a:schemeClr val="accent4">
-        <a:tint val="50000"/>
-      </a:schemeClr>
-      <a:schemeClr val="accent5">
-        <a:tint val="50000"/>
-      </a:schemeClr>
-      <a:schemeClr val="accent6">
-        <a:tint val="50000"/>
-      </a:schemeClr>
-    </dgm:fillClrLst>
-    <dgm:linClrLst meth="repeat">
-      <a:schemeClr val="lt1"/>
-    </dgm:linClrLst>
-    <dgm:effectClrLst/>
-    <dgm:txLinClrLst/>
-    <dgm:txFillClrLst meth="repeat">
-      <a:schemeClr val="lt1"/>
-    </dgm:txFillClrLst>
-    <dgm:txEffectClrLst/>
-  </dgm:styleLbl>
-  <dgm:styleLbl name="alignImgPlace1">
-    <dgm:fillClrLst>
-      <a:schemeClr val="accent1">
-        <a:tint val="50000"/>
-      </a:schemeClr>
-      <a:schemeClr val="accent2">
-        <a:tint val="20000"/>
-      </a:schemeClr>
-    </dgm:fillClrLst>
-    <dgm:linClrLst meth="repeat">
-      <a:schemeClr val="lt1"/>
-    </dgm:linClrLst>
-    <dgm:effectClrLst/>
-    <dgm:txLinClrLst/>
-    <dgm:txFillClrLst meth="repeat">
-      <a:schemeClr val="lt1"/>
-    </dgm:txFillClrLst>
-    <dgm:txEffectClrLst/>
-  </dgm:styleLbl>
-  <dgm:styleLbl name="bgImgPlace1">
-    <dgm:fillClrLst>
-      <a:schemeClr val="accent1">
-        <a:tint val="50000"/>
-      </a:schemeClr>
-      <a:schemeClr val="accent2">
-        <a:tint val="20000"/>
-      </a:schemeClr>
-    </dgm:fillClrLst>
-    <dgm:linClrLst meth="repeat">
-      <a:schemeClr val="lt1"/>
-    </dgm:linClrLst>
-    <dgm:effectClrLst/>
-    <dgm:txLinClrLst/>
-    <dgm:txFillClrLst meth="repeat">
-      <a:schemeClr val="lt1"/>
-    </dgm:txFillClrLst>
-    <dgm:txEffectClrLst/>
-  </dgm:styleLbl>
-  <dgm:styleLbl name="sibTrans2D1">
-    <dgm:fillClrLst meth="repeat">
-      <a:schemeClr val="accent2"/>
-      <a:schemeClr val="accent3"/>
-      <a:schemeClr val="accent4"/>
-      <a:schemeClr val="accent5"/>
-      <a:schemeClr val="accent6"/>
-    </dgm:fillClrLst>
-    <dgm:linClrLst meth="cycle">
-      <a:schemeClr val="lt1"/>
-    </dgm:linClrLst>
-    <dgm:effectClrLst/>
-    <dgm:txLinClrLst/>
-    <dgm:txFillClrLst/>
-    <dgm:txEffectClrLst/>
-  </dgm:styleLbl>
-  <dgm:styleLbl name="fgSibTrans2D1">
-    <dgm:fillClrLst meth="repeat">
-      <a:schemeClr val="accent2"/>
-      <a:schemeClr val="accent3"/>
-      <a:schemeClr val="accent4"/>
-      <a:schemeClr val="accent5"/>
-      <a:schemeClr val="accent6"/>
-    </dgm:fillClrLst>
-    <dgm:linClrLst meth="cycle">
-      <a:schemeClr val="lt1"/>
-    </dgm:linClrLst>
-    <dgm:effectClrLst/>
-    <dgm:txLinClrLst/>
-    <dgm:txFillClrLst meth="repeat">
-      <a:schemeClr val="lt1"/>
-    </dgm:txFillClrLst>
-    <dgm:txEffectClrLst/>
-  </dgm:styleLbl>
-  <dgm:styleLbl name="bgSibTrans2D1">
-    <dgm:fillClrLst meth="repeat">
-      <a:schemeClr val="accent2"/>
-      <a:schemeClr val="accent3"/>
-      <a:schemeClr val="accent4"/>
-      <a:schemeClr val="accent5"/>
-      <a:schemeClr val="accent6"/>
-    </dgm:fillClrLst>
-    <dgm:linClrLst meth="cycle">
-      <a:schemeClr val="lt1"/>
-    </dgm:linClrLst>
-    <dgm:effectClrLst/>
-    <dgm:txLinClrLst/>
-    <dgm:txFillClrLst meth="repeat">
-      <a:schemeClr val="lt1"/>
-    </dgm:txFillClrLst>
-    <dgm:txEffectClrLst/>
-  </dgm:styleLbl>
-  <dgm:styleLbl name="sibTrans1D1">
-    <dgm:fillClrLst meth="repeat">
-      <a:schemeClr val="accent2"/>
-      <a:schemeClr val="accent3"/>
-      <a:schemeClr val="accent4"/>
-      <a:schemeClr val="accent5"/>
-      <a:schemeClr val="accent6"/>
-    </dgm:fillClrLst>
-    <dgm:linClrLst meth="repeat">
-      <a:schemeClr val="accent2"/>
-      <a:schemeClr val="accent3"/>
-      <a:schemeClr val="accent4"/>
-      <a:schemeClr val="accent5"/>
-      <a:schemeClr val="accent6"/>
-    </dgm:linClrLst>
-    <dgm:effectClrLst/>
-    <dgm:txLinClrLst/>
-    <dgm:txFillClrLst meth="repeat">
-      <a:schemeClr val="tx1"/>
-    </dgm:txFillClrLst>
-    <dgm:txEffectClrLst/>
-  </dgm:styleLbl>
-  <dgm:styleLbl name="callout">
-    <dgm:fillClrLst meth="repeat">
-      <a:schemeClr val="accent2"/>
-    </dgm:fillClrLst>
-    <dgm:linClrLst meth="repeat">
-      <a:schemeClr val="accent2">
-        <a:tint val="50000"/>
-      </a:schemeClr>
-    </dgm:linClrLst>
-    <dgm:effectClrLst/>
-    <dgm:txLinClrLst/>
-    <dgm:txFillClrLst meth="repeat">
-      <a:schemeClr val="tx1"/>
-    </dgm:txFillClrLst>
-    <dgm:txEffectClrLst/>
-  </dgm:styleLbl>
-  <dgm:styleLbl name="asst0">
-    <dgm:fillClrLst meth="repeat">
-      <a:schemeClr val="accent1"/>
-    </dgm:fillClrLst>
-    <dgm:linClrLst meth="repeat">
-      <a:schemeClr val="lt1"/>
-    </dgm:linClrLst>
-    <dgm:effectClrLst/>
-    <dgm:txLinClrLst/>
-    <dgm:txFillClrLst/>
-    <dgm:txEffectClrLst/>
-  </dgm:styleLbl>
-  <dgm:styleLbl name="asst1">
-    <dgm:fillClrLst meth="repeat">
-      <a:schemeClr val="accent2"/>
-    </dgm:fillClrLst>
-    <dgm:linClrLst meth="repeat">
-      <a:schemeClr val="lt1"/>
-    </dgm:linClrLst>
-    <dgm:effectClrLst/>
-    <dgm:txLinClrLst/>
-    <dgm:txFillClrLst/>
-    <dgm:txEffectClrLst/>
-  </dgm:styleLbl>
-  <dgm:styleLbl name="asst2">
-    <dgm:fillClrLst>
-      <a:schemeClr val="accent3"/>
-    </dgm:fillClrLst>
-    <dgm:linClrLst meth="repeat">
-      <a:schemeClr val="lt1"/>
-    </dgm:linClrLst>
-    <dgm:effectClrLst/>
-    <dgm:txLinClrLst/>
-    <dgm:txFillClrLst/>
-    <dgm:txEffectClrLst/>
-  </dgm:styleLbl>
-  <dgm:styleLbl name="asst3">
-    <dgm:fillClrLst>
-      <a:schemeClr val="accent4"/>
-    </dgm:fillClrLst>
-    <dgm:linClrLst meth="repeat">
-      <a:schemeClr val="lt1"/>
-    </dgm:linClrLst>
-    <dgm:effectClrLst/>
-    <dgm:txLinClrLst/>
-    <dgm:txFillClrLst/>
-    <dgm:txEffectClrLst/>
-  </dgm:styleLbl>
-  <dgm:styleLbl name="asst4">
-    <dgm:fillClrLst>
-      <a:schemeClr val="accent5"/>
-    </dgm:fillClrLst>
-    <dgm:linClrLst meth="repeat">
-      <a:schemeClr val="lt1"/>
-    </dgm:linClrLst>
-    <dgm:effectClrLst/>
-    <dgm:txLinClrLst/>
-    <dgm:txFillClrLst/>
-    <dgm:txEffectClrLst/>
-  </dgm:styleLbl>
-  <dgm:styleLbl name="parChTrans2D1">
-    <dgm:fillClrLst meth="repeat">
-      <a:schemeClr val="accent2"/>
-    </dgm:fillClrLst>
-    <dgm:linClrLst meth="repeat">
-      <a:schemeClr val="lt1"/>
-    </dgm:linClrLst>
-    <dgm:effectClrLst/>
-    <dgm:txLinClrLst/>
-    <dgm:txFillClrLst meth="repeat">
-      <a:schemeClr val="lt1"/>
-    </dgm:txFillClrLst>
-    <dgm:txEffectClrLst/>
-  </dgm:styleLbl>
-  <dgm:styleLbl name="parChTrans2D2">
-    <dgm:fillClrLst meth="repeat">
-      <a:schemeClr val="accent3"/>
-    </dgm:fillClrLst>
-    <dgm:linClrLst meth="repeat">
-      <a:schemeClr val="lt1"/>
-    </dgm:linClrLst>
-    <dgm:effectClrLst/>
-    <dgm:txLinClrLst/>
-    <dgm:txFillClrLst/>
-    <dgm:txEffectClrLst/>
-  </dgm:styleLbl>
-  <dgm:styleLbl name="parChTrans2D3">
-    <dgm:fillClrLst meth="repeat">
-      <a:schemeClr val="accent4"/>
-    </dgm:fillClrLst>
-    <dgm:linClrLst meth="repeat">
-      <a:schemeClr val="lt1"/>
-    </dgm:linClrLst>
-    <dgm:effectClrLst/>
-    <dgm:txLinClrLst/>
-    <dgm:txFillClrLst/>
-    <dgm:txEffectClrLst/>
-  </dgm:styleLbl>
-  <dgm:styleLbl name="parChTrans2D4">
-    <dgm:fillClrLst meth="repeat">
-      <a:schemeClr val="accent5"/>
-    </dgm:fillClrLst>
-    <dgm:linClrLst meth="repeat">
-      <a:schemeClr val="lt1"/>
-    </dgm:linClrLst>
-    <dgm:effectClrLst/>
-    <dgm:txLinClrLst/>
-    <dgm:txFillClrLst meth="repeat">
-      <a:schemeClr val="lt1"/>
-    </dgm:txFillClrLst>
-    <dgm:txEffectClrLst/>
-  </dgm:styleLbl>
-  <dgm:styleLbl name="parChTrans1D1">
-    <dgm:fillClrLst meth="repeat">
-      <a:schemeClr val="accent2"/>
-    </dgm:fillClrLst>
-    <dgm:linClrLst meth="repeat">
-      <a:schemeClr val="accent1"/>
-    </dgm:linClrLst>
-    <dgm:effectClrLst/>
-    <dgm:txLinClrLst/>
-    <dgm:txFillClrLst meth="repeat">
-      <a:schemeClr val="tx1"/>
-    </dgm:txFillClrLst>
-    <dgm:txEffectClrLst/>
-  </dgm:styleLbl>
-  <dgm:styleLbl name="parChTrans1D2">
-    <dgm:fillClrLst meth="repeat">
-      <a:schemeClr val="accent3">
-        <a:tint val="90000"/>
-      </a:schemeClr>
-    </dgm:fillClrLst>
-    <dgm:linClrLst meth="repeat">
-      <a:schemeClr val="accent2"/>
-    </dgm:linClrLst>
-    <dgm:effectClrLst/>
-    <dgm:txLinClrLst/>
-    <dgm:txFillClrLst meth="repeat">
-      <a:schemeClr val="tx1"/>
-    </dgm:txFillClrLst>
-    <dgm:txEffectClrLst/>
-  </dgm:styleLbl>
-  <dgm:styleLbl name="parChTrans1D3">
-    <dgm:fillClrLst meth="repeat">
-      <a:schemeClr val="accent4">
-        <a:tint val="70000"/>
-      </a:schemeClr>
-    </dgm:fillClrLst>
-    <dgm:linClrLst meth="repeat">
-      <a:schemeClr val="accent3"/>
-    </dgm:linClrLst>
-    <dgm:effectClrLst/>
-    <dgm:txLinClrLst/>
-    <dgm:txFillClrLst meth="repeat">
-      <a:schemeClr val="tx1"/>
-    </dgm:txFillClrLst>
-    <dgm:txEffectClrLst/>
-  </dgm:styleLbl>
-  <dgm:styleLbl name="parChTrans1D4">
-    <dgm:fillClrLst meth="repeat">
-      <a:schemeClr val="accent5">
-        <a:tint val="50000"/>
-      </a:schemeClr>
-    </dgm:fillClrLst>
-    <dgm:linClrLst meth="repeat">
-      <a:schemeClr val="accent4"/>
-    </dgm:linClrLst>
-    <dgm:effectClrLst/>
-    <dgm:txLinClrLst/>
-    <dgm:txFillClrLst meth="repeat">
-      <a:schemeClr val="tx1"/>
-    </dgm:txFillClrLst>
-    <dgm:txEffectClrLst/>
-  </dgm:styleLbl>
-  <dgm:styleLbl name="fgAcc1">
-    <dgm:fillClrLst meth="repeat">
-      <a:schemeClr val="lt1">
-        <a:alpha val="90000"/>
-      </a:schemeClr>
-    </dgm:fillClrLst>
-    <dgm:linClrLst meth="repeat">
-      <a:schemeClr val="accent2"/>
-      <a:schemeClr val="accent3"/>
-      <a:schemeClr val="accent4"/>
-      <a:schemeClr val="accent5"/>
-      <a:schemeClr val="accent6"/>
-    </dgm:linClrLst>
-    <dgm:effectClrLst/>
-    <dgm:txLinClrLst/>
-    <dgm:txFillClrLst meth="repeat">
-      <a:schemeClr val="dk1"/>
-    </dgm:txFillClrLst>
-    <dgm:txEffectClrLst/>
-  </dgm:styleLbl>
-  <dgm:styleLbl name="conFgAcc1">
-    <dgm:fillClrLst meth="repeat">
-      <a:schemeClr val="lt1">
-        <a:alpha val="90000"/>
-      </a:schemeClr>
-    </dgm:fillClrLst>
-    <dgm:linClrLst meth="repeat">
-      <a:schemeClr val="accent2"/>
-      <a:schemeClr val="accent3"/>
-      <a:schemeClr val="accent4"/>
-      <a:schemeClr val="accent5"/>
-      <a:schemeClr val="accent6"/>
-    </dgm:linClrLst>
-    <dgm:effectClrLst/>
-    <dgm:txLinClrLst/>
-    <dgm:txFillClrLst meth="repeat">
-      <a:schemeClr val="dk1"/>
-    </dgm:txFillClrLst>
-    <dgm:txEffectClrLst/>
-  </dgm:styleLbl>
-  <dgm:styleLbl name="alignAcc1">
-    <dgm:fillClrLst meth="repeat">
-      <a:schemeClr val="lt1">
-        <a:alpha val="90000"/>
-      </a:schemeClr>
-    </dgm:fillClrLst>
-    <dgm:linClrLst meth="repeat">
-      <a:schemeClr val="accent2"/>
-      <a:schemeClr val="accent3"/>
-      <a:schemeClr val="accent4"/>
-      <a:schemeClr val="accent5"/>
-      <a:schemeClr val="accent6"/>
-    </dgm:linClrLst>
-    <dgm:effectClrLst/>
-    <dgm:txLinClrLst/>
-    <dgm:txFillClrLst meth="repeat">
-      <a:schemeClr val="dk1"/>
-    </dgm:txFillClrLst>
-    <dgm:txEffectClrLst/>
-  </dgm:styleLbl>
-  <dgm:styleLbl name="trAlignAcc1">
-    <dgm:fillClrLst meth="repeat">
-      <a:schemeClr val="lt1">
-        <a:alpha val="40000"/>
-      </a:schemeClr>
-    </dgm:fillClrLst>
-    <dgm:linClrLst meth="repeat">
-      <a:schemeClr val="accent1"/>
-    </dgm:linClrLst>
-    <dgm:effectClrLst/>
-    <dgm:txLinClrLst/>
-    <dgm:txFillClrLst meth="repeat">
-      <a:schemeClr val="dk1"/>
-    </dgm:txFillClrLst>
-    <dgm:txEffectClrLst/>
-  </dgm:styleLbl>
-  <dgm:styleLbl name="bgAcc1">
-    <dgm:fillClrLst meth="repeat">
-      <a:schemeClr val="lt1">
-        <a:alpha val="90000"/>
-      </a:schemeClr>
-    </dgm:fillClrLst>
-    <dgm:linClrLst meth="repeat">
-      <a:schemeClr val="accent2"/>
-      <a:schemeClr val="accent3"/>
-      <a:schemeClr val="accent4"/>
-      <a:schemeClr val="accent5"/>
-      <a:schemeClr val="accent6"/>
-    </dgm:linClrLst>
-    <dgm:effectClrLst/>
-    <dgm:txLinClrLst/>
-    <dgm:txFillClrLst meth="repeat">
-      <a:schemeClr val="dk1"/>
-    </dgm:txFillClrLst>
-    <dgm:txEffectClrLst/>
-  </dgm:styleLbl>
-  <dgm:styleLbl name="solidFgAcc1">
-    <dgm:fillClrLst meth="repeat">
-      <a:schemeClr val="lt1"/>
-    </dgm:fillClrLst>
-    <dgm:linClrLst meth="repeat">
-      <a:schemeClr val="accent2"/>
-      <a:schemeClr val="accent3"/>
-      <a:schemeClr val="accent4"/>
-      <a:schemeClr val="accent5"/>
-      <a:schemeClr val="accent6"/>
-    </dgm:linClrLst>
-    <dgm:effectClrLst/>
-    <dgm:txLinClrLst/>
-    <dgm:txFillClrLst meth="repeat">
-      <a:schemeClr val="dk1"/>
-    </dgm:txFillClrLst>
-    <dgm:txEffectClrLst/>
-  </dgm:styleLbl>
-  <dgm:styleLbl name="solidAlignAcc1">
-    <dgm:fillClrLst meth="repeat">
-      <a:schemeClr val="lt1"/>
-    </dgm:fillClrLst>
-    <dgm:linClrLst meth="repeat">
-      <a:schemeClr val="accent2"/>
-      <a:schemeClr val="accent3"/>
-      <a:schemeClr val="accent4"/>
-      <a:schemeClr val="accent5"/>
-      <a:schemeClr val="accent6"/>
-    </dgm:linClrLst>
-    <dgm:effectClrLst/>
-    <dgm:txLinClrLst/>
-    <dgm:txFillClrLst meth="repeat">
-      <a:schemeClr val="dk1"/>
-    </dgm:txFillClrLst>
-    <dgm:txEffectClrLst/>
-  </dgm:styleLbl>
-  <dgm:styleLbl name="solidBgAcc1">
-    <dgm:fillClrLst meth="repeat">
-      <a:schemeClr val="lt1"/>
-    </dgm:fillClrLst>
-    <dgm:linClrLst meth="repeat">
-      <a:schemeClr val="accent2"/>
-      <a:schemeClr val="accent3"/>
-      <a:schemeClr val="accent4"/>
-      <a:schemeClr val="accent5"/>
-      <a:schemeClr val="accent6"/>
-    </dgm:linClrLst>
-    <dgm:effectClrLst/>
-    <dgm:txLinClrLst/>
-    <dgm:txFillClrLst meth="repeat">
-      <a:schemeClr val="dk1"/>
-    </dgm:txFillClrLst>
-    <dgm:txEffectClrLst/>
-  </dgm:styleLbl>
-  <dgm:styleLbl name="fgAccFollowNode1">
-    <dgm:fillClrLst meth="repeat">
-      <a:schemeClr val="accent2">
-        <a:tint val="40000"/>
-        <a:alpha val="90000"/>
-      </a:schemeClr>
-      <a:schemeClr val="accent3">
-        <a:tint val="40000"/>
-        <a:alpha val="90000"/>
-      </a:schemeClr>
-      <a:schemeClr val="accent4">
-        <a:tint val="40000"/>
-        <a:alpha val="90000"/>
-      </a:schemeClr>
-      <a:schemeClr val="accent5">
-        <a:tint val="40000"/>
-        <a:alpha val="90000"/>
-      </a:schemeClr>
-      <a:schemeClr val="accent6">
-        <a:tint val="40000"/>
-        <a:alpha val="90000"/>
-      </a:schemeClr>
-    </dgm:fillClrLst>
-    <dgm:linClrLst meth="repeat">
-      <a:schemeClr val="accent2">
-        <a:tint val="40000"/>
-        <a:alpha val="90000"/>
-      </a:schemeClr>
-      <a:schemeClr val="accent3">
-        <a:tint val="40000"/>
-        <a:alpha val="90000"/>
-      </a:schemeClr>
-      <a:schemeClr val="accent4">
-        <a:tint val="40000"/>
-        <a:alpha val="90000"/>
-      </a:schemeClr>
-      <a:schemeClr val="accent5">
-        <a:tint val="40000"/>
-        <a:alpha val="90000"/>
-      </a:schemeClr>
-      <a:schemeClr val="accent6">
-        <a:tint val="40000"/>
-        <a:alpha val="90000"/>
-      </a:schemeClr>
-    </dgm:linClrLst>
-    <dgm:effectClrLst/>
-    <dgm:txLinClrLst/>
-    <dgm:txFillClrLst meth="repeat">
-      <a:schemeClr val="dk1"/>
-    </dgm:txFillClrLst>
-    <dgm:txEffectClrLst/>
-  </dgm:styleLbl>
-  <dgm:styleLbl name="alignAccFollowNode1">
-    <dgm:fillClrLst meth="repeat">
-      <a:schemeClr val="accent2">
-        <a:tint val="40000"/>
-        <a:alpha val="90000"/>
-      </a:schemeClr>
-      <a:schemeClr val="accent3">
-        <a:tint val="40000"/>
-        <a:alpha val="90000"/>
-      </a:schemeClr>
-      <a:schemeClr val="accent4">
-        <a:tint val="40000"/>
-        <a:alpha val="90000"/>
-      </a:schemeClr>
-      <a:schemeClr val="accent5">
-        <a:tint val="40000"/>
-        <a:alpha val="90000"/>
-      </a:schemeClr>
-      <a:schemeClr val="accent6">
-        <a:tint val="40000"/>
-        <a:alpha val="90000"/>
-      </a:schemeClr>
-    </dgm:fillClrLst>
-    <dgm:linClrLst meth="repeat">
-      <a:schemeClr val="accent2">
-        <a:tint val="40000"/>
-        <a:alpha val="90000"/>
-      </a:schemeClr>
-      <a:schemeClr val="accent3">
-        <a:tint val="40000"/>
-        <a:alpha val="90000"/>
-      </a:schemeClr>
-      <a:schemeClr val="accent4">
-        <a:tint val="40000"/>
-        <a:alpha val="90000"/>
-      </a:schemeClr>
-      <a:schemeClr val="accent5">
-        <a:tint val="40000"/>
-        <a:alpha val="90000"/>
-      </a:schemeClr>
-      <a:schemeClr val="accent6">
-        <a:tint val="40000"/>
-        <a:alpha val="90000"/>
-      </a:schemeClr>
-    </dgm:linClrLst>
-    <dgm:effectClrLst/>
-    <dgm:txLinClrLst/>
-    <dgm:txFillClrLst meth="repeat">
-      <a:schemeClr val="dk1"/>
-    </dgm:txFillClrLst>
-    <dgm:txEffectClrLst/>
-  </dgm:styleLbl>
-  <dgm:styleLbl name="bgAccFollowNode1">
-    <dgm:fillClrLst meth="repeat">
-      <a:schemeClr val="accent2">
-        <a:tint val="40000"/>
-        <a:alpha val="90000"/>
-      </a:schemeClr>
-      <a:schemeClr val="accent3">
-        <a:tint val="40000"/>
-        <a:alpha val="90000"/>
-      </a:schemeClr>
-      <a:schemeClr val="accent4">
-        <a:tint val="40000"/>
-        <a:alpha val="90000"/>
-      </a:schemeClr>
-      <a:schemeClr val="accent5">
-        <a:tint val="40000"/>
-        <a:alpha val="90000"/>
-      </a:schemeClr>
-      <a:schemeClr val="accent6">
-        <a:tint val="40000"/>
-        <a:alpha val="90000"/>
-      </a:schemeClr>
-    </dgm:fillClrLst>
-    <dgm:linClrLst meth="repeat">
-      <a:schemeClr val="accent2">
-        <a:tint val="40000"/>
-        <a:alpha val="90000"/>
-      </a:schemeClr>
-      <a:schemeClr val="accent3">
-        <a:tint val="40000"/>
-        <a:alpha val="90000"/>
-      </a:schemeClr>
-      <a:schemeClr val="accent4">
-        <a:tint val="40000"/>
-        <a:alpha val="90000"/>
-      </a:schemeClr>
-      <a:schemeClr val="accent5">
-        <a:tint val="40000"/>
-        <a:alpha val="90000"/>
-      </a:schemeClr>
-      <a:schemeClr val="accent6">
-        <a:tint val="40000"/>
-        <a:alpha val="90000"/>
-      </a:schemeClr>
-    </dgm:linClrLst>
-    <dgm:effectClrLst/>
-    <dgm:txLinClrLst/>
-    <dgm:txFillClrLst meth="repeat">
-      <a:schemeClr val="dk1"/>
-    </dgm:txFillClrLst>
-    <dgm:txEffectClrLst/>
-  </dgm:styleLbl>
-  <dgm:styleLbl name="fgAcc0">
-    <dgm:fillClrLst meth="repeat">
-      <a:schemeClr val="lt1">
-        <a:alpha val="90000"/>
-      </a:schemeClr>
-    </dgm:fillClrLst>
-    <dgm:linClrLst>
-      <a:schemeClr val="accent1"/>
-    </dgm:linClrLst>
-    <dgm:effectClrLst/>
-    <dgm:txLinClrLst/>
-    <dgm:txFillClrLst meth="repeat">
-      <a:schemeClr val="dk1"/>
-    </dgm:txFillClrLst>
-    <dgm:txEffectClrLst/>
-  </dgm:styleLbl>
-  <dgm:styleLbl name="fgAcc2">
-    <dgm:fillClrLst meth="repeat">
-      <a:schemeClr val="lt1">
-        <a:alpha val="90000"/>
-      </a:schemeClr>
-    </dgm:fillClrLst>
-    <dgm:linClrLst>
-      <a:schemeClr val="accent2"/>
-    </dgm:linClrLst>
-    <dgm:effectClrLst/>
-    <dgm:txLinClrLst/>
-    <dgm:txFillClrLst meth="repeat">
-      <a:schemeClr val="dk1"/>
-    </dgm:txFillClrLst>
-    <dgm:txEffectClrLst/>
-  </dgm:styleLbl>
-  <dgm:styleLbl name="fgAcc3">
-    <dgm:fillClrLst meth="repeat">
-      <a:schemeClr val="lt1">
-        <a:alpha val="90000"/>
-      </a:schemeClr>
-    </dgm:fillClrLst>
-    <dgm:linClrLst>
-      <a:schemeClr val="accent3"/>
-    </dgm:linClrLst>
-    <dgm:effectClrLst/>
-    <dgm:txLinClrLst/>
-    <dgm:txFillClrLst meth="repeat">
-      <a:schemeClr val="dk1"/>
-    </dgm:txFillClrLst>
-    <dgm:txEffectClrLst/>
-  </dgm:styleLbl>
-  <dgm:styleLbl name="fgAcc4">
-    <dgm:fillClrLst meth="repeat">
-      <a:schemeClr val="lt1">
-        <a:alpha val="90000"/>
-      </a:schemeClr>
-    </dgm:fillClrLst>
-    <dgm:linClrLst>
-      <a:schemeClr val="accent4"/>
-    </dgm:linClrLst>
-    <dgm:effectClrLst/>
-    <dgm:txLinClrLst/>
-    <dgm:txFillClrLst meth="repeat">
-      <a:schemeClr val="dk1"/>
-    </dgm:txFillClrLst>
-    <dgm:txEffectClrLst/>
-  </dgm:styleLbl>
-  <dgm:styleLbl name="bgShp">
-    <dgm:fillClrLst meth="repeat">
-      <a:schemeClr val="accent2">
-        <a:tint val="40000"/>
-      </a:schemeClr>
-    </dgm:fillClrLst>
-    <dgm:linClrLst meth="repeat">
-      <a:schemeClr val="dk1"/>
-    </dgm:linClrLst>
-    <dgm:effectClrLst/>
-    <dgm:txLinClrLst/>
-    <dgm:txFillClrLst meth="repeat">
-      <a:schemeClr val="dk1"/>
-    </dgm:txFillClrLst>
-    <dgm:txEffectClrLst/>
-  </dgm:styleLbl>
-  <dgm:styleLbl name="dkBgShp">
-    <dgm:fillClrLst meth="repeat">
-      <a:schemeClr val="accent2">
-        <a:shade val="90000"/>
-      </a:schemeClr>
-    </dgm:fillClrLst>
-    <dgm:linClrLst meth="repeat">
-      <a:schemeClr val="dk1"/>
-    </dgm:linClrLst>
-    <dgm:effectClrLst/>
-    <dgm:txLinClrLst/>
-    <dgm:txFillClrLst meth="repeat">
-      <a:schemeClr val="lt1"/>
-    </dgm:txFillClrLst>
-    <dgm:txEffectClrLst/>
-  </dgm:styleLbl>
-  <dgm:styleLbl name="trBgShp">
-    <dgm:fillClrLst meth="repeat">
-      <a:schemeClr val="accent1">
-        <a:tint val="50000"/>
-        <a:alpha val="40000"/>
-      </a:schemeClr>
-    </dgm:fillClrLst>
-    <dgm:linClrLst meth="repeat">
-      <a:schemeClr val="accent2"/>
-    </dgm:linClrLst>
-    <dgm:effectClrLst/>
-    <dgm:txLinClrLst/>
-    <dgm:txFillClrLst meth="repeat">
-      <a:schemeClr val="lt1"/>
-    </dgm:txFillClrLst>
-    <dgm:txEffectClrLst/>
-  </dgm:styleLbl>
-  <dgm:styleLbl name="fgShp">
-    <dgm:fillClrLst meth="repeat">
-      <a:schemeClr val="accent2">
-        <a:tint val="40000"/>
-      </a:schemeClr>
-    </dgm:fillClrLst>
-    <dgm:linClrLst meth="repeat">
-      <a:schemeClr val="lt1"/>
-    </dgm:linClrLst>
-    <dgm:effectClrLst/>
-    <dgm:txLinClrLst/>
-    <dgm:txFillClrLst meth="repeat">
-      <a:schemeClr val="dk1"/>
-    </dgm:txFillClrLst>
-    <dgm:txEffectClrLst/>
-  </dgm:styleLbl>
-  <dgm:styleLbl name="revTx">
-    <dgm:fillClrLst meth="repeat">
-      <a:schemeClr val="lt1">
-        <a:alpha val="0"/>
-      </a:schemeClr>
-    </dgm:fillClrLst>
-    <dgm:linClrLst meth="repeat">
-      <a:schemeClr val="dk1">
-        <a:alpha val="0"/>
-      </a:schemeClr>
-    </dgm:linClrLst>
-    <dgm:effectClrLst/>
-    <dgm:txLinClrLst/>
-    <dgm:txFillClrLst meth="repeat">
-      <a:schemeClr val="tx1"/>
-    </dgm:txFillClrLst>
-    <dgm:txEffectClrLst/>
-  </dgm:styleLbl>
-</dgm:colorsDef>
-</file>
-
-<file path=ppt/diagrams/colors4.xml><?xml version="1.0" encoding="utf-8"?>
 <dgm:colorsDef xmlns:dgm="http://schemas.openxmlformats.org/drawingml/2006/diagram" xmlns:a="http://schemas.openxmlformats.org/drawingml/2006/main" uniqueId="urn:microsoft.com/office/officeart/2005/8/colors/colorful1">
   <dgm:title val=""/>
   <dgm:desc val=""/>
@@ -4709,7 +3790,7 @@
       </dgm:t>
     </dgm:pt>
     <dgm:pt modelId="{52524838-862D-BB40-B4DD-0ECC3B01C946}" type="pres">
-      <dgm:prSet presAssocID="{51FE8F6A-4C02-144C-965E-E1AE2D4A2E18}" presName="node" presStyleLbl="node1" presStyleIdx="0" presStyleCnt="6" custScaleX="67192" custScaleY="51826" custRadScaleRad="57208" custRadScaleInc="-69159">
+      <dgm:prSet presAssocID="{51FE8F6A-4C02-144C-965E-E1AE2D4A2E18}" presName="node" presStyleLbl="node1" presStyleIdx="0" presStyleCnt="6" custScaleX="67192" custScaleY="51826" custRadScaleRad="56341" custRadScaleInc="-60930">
         <dgm:presLayoutVars>
           <dgm:bulletEnabled val="1"/>
         </dgm:presLayoutVars>
@@ -4735,7 +3816,7 @@
       </dgm:t>
     </dgm:pt>
     <dgm:pt modelId="{EA604611-6D37-354D-965A-46313C6ED91F}" type="pres">
-      <dgm:prSet presAssocID="{F0AD43AE-DDE0-9545-A5C2-067C5D606645}" presName="node" presStyleLbl="node1" presStyleIdx="1" presStyleCnt="6" custScaleX="76212" custScaleY="51986" custRadScaleRad="77555" custRadScaleInc="-45163">
+      <dgm:prSet presAssocID="{F0AD43AE-DDE0-9545-A5C2-067C5D606645}" presName="node" presStyleLbl="node1" presStyleIdx="1" presStyleCnt="6" custScaleX="76212" custScaleY="51986" custRadScaleRad="72215" custRadScaleInc="-40541">
         <dgm:presLayoutVars>
           <dgm:bulletEnabled val="1"/>
         </dgm:presLayoutVars>
@@ -4761,7 +3842,7 @@
       </dgm:t>
     </dgm:pt>
     <dgm:pt modelId="{CFBDFC51-2039-2548-89B9-4460D3290F47}" type="pres">
-      <dgm:prSet presAssocID="{C951D44F-9269-F344-8D11-6F173D2D6BA6}" presName="node" presStyleLbl="node1" presStyleIdx="2" presStyleCnt="6" custScaleX="73346" custScaleY="51681" custRadScaleRad="94763" custRadScaleInc="-18772">
+      <dgm:prSet presAssocID="{C951D44F-9269-F344-8D11-6F173D2D6BA6}" presName="node" presStyleLbl="node1" presStyleIdx="2" presStyleCnt="6" custScaleX="73346" custScaleY="51681" custRadScaleRad="88467" custRadScaleInc="-24761">
         <dgm:presLayoutVars>
           <dgm:bulletEnabled val="1"/>
         </dgm:presLayoutVars>
@@ -4787,7 +3868,7 @@
       </dgm:t>
     </dgm:pt>
     <dgm:pt modelId="{A85E439B-B256-FE49-9455-A9D9064A101C}" type="pres">
-      <dgm:prSet presAssocID="{716BEB03-3723-DB42-9623-5FF6E8E1A78F}" presName="node" presStyleLbl="node1" presStyleIdx="3" presStyleCnt="6" custScaleX="70790" custScaleY="59630" custRadScaleRad="94653" custRadScaleInc="7994">
+      <dgm:prSet presAssocID="{716BEB03-3723-DB42-9623-5FF6E8E1A78F}" presName="node" presStyleLbl="node1" presStyleIdx="3" presStyleCnt="6" custScaleX="70790" custScaleY="59630" custRadScaleRad="90808" custRadScaleInc="7120">
         <dgm:presLayoutVars>
           <dgm:bulletEnabled val="1"/>
         </dgm:presLayoutVars>
@@ -4813,7 +3894,7 @@
       </dgm:t>
     </dgm:pt>
     <dgm:pt modelId="{406F857C-F044-2E49-98FB-C51992207711}" type="pres">
-      <dgm:prSet presAssocID="{189BF5AF-C107-2D4C-91B7-2374F4DFD898}" presName="node" presStyleLbl="node1" presStyleIdx="4" presStyleCnt="6" custScaleX="69050" custScaleY="60797" custRadScaleRad="87517" custRadScaleInc="10646">
+      <dgm:prSet presAssocID="{189BF5AF-C107-2D4C-91B7-2374F4DFD898}" presName="node" presStyleLbl="node1" presStyleIdx="4" presStyleCnt="6" custScaleX="69050" custScaleY="60797" custRadScaleRad="79625" custRadScaleInc="2018">
         <dgm:presLayoutVars>
           <dgm:bulletEnabled val="1"/>
         </dgm:presLayoutVars>
@@ -4839,7 +3920,7 @@
       </dgm:t>
     </dgm:pt>
     <dgm:pt modelId="{AFE549F7-8950-CA46-9287-E8D4AD39E781}" type="pres">
-      <dgm:prSet presAssocID="{99DEB8B4-0376-574C-A191-F519CADDF2AA}" presName="node" presStyleLbl="node1" presStyleIdx="5" presStyleCnt="6" custScaleX="79434" custScaleY="52917" custRadScaleRad="54438" custRadScaleInc="60041">
+      <dgm:prSet presAssocID="{99DEB8B4-0376-574C-A191-F519CADDF2AA}" presName="node" presStyleLbl="node1" presStyleIdx="5" presStyleCnt="6" custScaleX="79434" custScaleY="52917" custRadScaleRad="48600" custRadScaleInc="63940">
         <dgm:presLayoutVars>
           <dgm:bulletEnabled val="1"/>
         </dgm:presLayoutVars>
@@ -5431,27 +4512,27 @@
     </dgm:pt>
   </dgm:ptLst>
   <dgm:cxnLst>
-    <dgm:cxn modelId="{87C40290-5682-CA4D-BE5C-B7790E1E4578}" type="presOf" srcId="{071E8877-8B15-DE43-9DED-33C83F43B405}" destId="{7325DBA6-C0E7-B046-84F1-61165AFA4FB2}" srcOrd="0" destOrd="0" presId="urn:microsoft.com/office/officeart/2005/8/layout/radial6"/>
-    <dgm:cxn modelId="{B825F2BB-F501-7E49-AE74-C97F88B42702}" type="presOf" srcId="{B32469D9-A1A6-DF46-8113-71CAC6922919}" destId="{28F48120-D992-D843-AEA5-31E440C2EFF9}" srcOrd="0" destOrd="0" presId="urn:microsoft.com/office/officeart/2005/8/layout/radial6"/>
-    <dgm:cxn modelId="{B248DC84-D878-2F49-B093-E1ABFEE7FA70}" type="presOf" srcId="{7F3A5146-2828-3C4A-8BEE-CB3D3E51AE19}" destId="{AB2880E1-8592-A44C-A825-0024CB987867}" srcOrd="0" destOrd="0" presId="urn:microsoft.com/office/officeart/2005/8/layout/radial6"/>
-    <dgm:cxn modelId="{CDC0E59E-38A7-4945-8B9A-AD494C93BD71}" type="presOf" srcId="{653C2525-6CC3-CA4F-B1F3-142B1477CD80}" destId="{5667F904-C74D-2F40-98FB-956E46ADA6D9}" srcOrd="0" destOrd="0" presId="urn:microsoft.com/office/officeart/2005/8/layout/radial6"/>
-    <dgm:cxn modelId="{FA99F889-B993-FE49-9353-51F39676C42B}" srcId="{B32469D9-A1A6-DF46-8113-71CAC6922919}" destId="{09D5084C-69BD-AF43-9B48-6D30D55CB4EE}" srcOrd="0" destOrd="0" parTransId="{4EECCD25-E224-0743-A7A6-5629A4FC249A}" sibTransId="{EB327D46-4A0D-4441-95EA-D018447A42ED}"/>
-    <dgm:cxn modelId="{B5DA3F54-930B-D64A-9D92-B2C66082DC0F}" type="presOf" srcId="{C85D0DDA-50EF-AD4F-9A5B-DBF964B3F70E}" destId="{FEB3DD1C-6016-AD42-B617-1805A98435B5}" srcOrd="0" destOrd="0" presId="urn:microsoft.com/office/officeart/2005/8/layout/radial6"/>
-    <dgm:cxn modelId="{C82643A1-26F2-634B-A98B-919398A7A00C}" type="presOf" srcId="{6A79D2D9-8E60-6C48-B2AC-2D2E7917540D}" destId="{DD305EF8-1BBB-E44F-989A-D706D5F8007A}" srcOrd="0" destOrd="0" presId="urn:microsoft.com/office/officeart/2005/8/layout/radial6"/>
-    <dgm:cxn modelId="{A8829341-AD8B-FA43-BDDC-3DF0CB2AFB2D}" srcId="{09D5084C-69BD-AF43-9B48-6D30D55CB4EE}" destId="{653C2525-6CC3-CA4F-B1F3-142B1477CD80}" srcOrd="3" destOrd="0" parTransId="{C6BF515A-4A66-F149-B697-14929193EA28}" sibTransId="{7F3A5146-2828-3C4A-8BEE-CB3D3E51AE19}"/>
     <dgm:cxn modelId="{57D2AE21-5831-5D48-AD06-06CACEFF632A}" srcId="{09D5084C-69BD-AF43-9B48-6D30D55CB4EE}" destId="{66473736-CF84-1E4E-8066-4364DCBF847F}" srcOrd="5" destOrd="0" parTransId="{16ECC7B8-1150-414A-8F6B-14A066AE97C3}" sibTransId="{437CAB75-9F95-8644-A859-D6AAA6275B68}"/>
     <dgm:cxn modelId="{22F57FC2-0428-CB44-8F42-D82CFBF2E0CA}" type="presOf" srcId="{B503CB9F-2CB1-964F-BEAA-6495D57C3CF8}" destId="{09428FDF-8432-CE41-B3F6-EE7E2067A4EC}" srcOrd="0" destOrd="0" presId="urn:microsoft.com/office/officeart/2005/8/layout/radial6"/>
+    <dgm:cxn modelId="{EDCF644C-ED17-5B4B-82CA-703A9036F26C}" type="presOf" srcId="{4086DFDD-7A6C-ED46-AA9E-FFFF87A51A08}" destId="{96F1AE09-269B-164E-8BAE-E6642AEE4A09}" srcOrd="0" destOrd="0" presId="urn:microsoft.com/office/officeart/2005/8/layout/radial6"/>
+    <dgm:cxn modelId="{B825F2BB-F501-7E49-AE74-C97F88B42702}" type="presOf" srcId="{B32469D9-A1A6-DF46-8113-71CAC6922919}" destId="{28F48120-D992-D843-AEA5-31E440C2EFF9}" srcOrd="0" destOrd="0" presId="urn:microsoft.com/office/officeart/2005/8/layout/radial6"/>
+    <dgm:cxn modelId="{5EA4D413-7781-C24E-AEC1-102490B55E63}" type="presOf" srcId="{D920D285-E8AD-C44B-970D-7A915DACEAC8}" destId="{5536D637-8BAA-AB4B-B6C9-866D35EC6748}" srcOrd="0" destOrd="0" presId="urn:microsoft.com/office/officeart/2005/8/layout/radial6"/>
+    <dgm:cxn modelId="{FA99F889-B993-FE49-9353-51F39676C42B}" srcId="{B32469D9-A1A6-DF46-8113-71CAC6922919}" destId="{09D5084C-69BD-AF43-9B48-6D30D55CB4EE}" srcOrd="0" destOrd="0" parTransId="{4EECCD25-E224-0743-A7A6-5629A4FC249A}" sibTransId="{EB327D46-4A0D-4441-95EA-D018447A42ED}"/>
+    <dgm:cxn modelId="{87C40290-5682-CA4D-BE5C-B7790E1E4578}" type="presOf" srcId="{071E8877-8B15-DE43-9DED-33C83F43B405}" destId="{7325DBA6-C0E7-B046-84F1-61165AFA4FB2}" srcOrd="0" destOrd="0" presId="urn:microsoft.com/office/officeart/2005/8/layout/radial6"/>
+    <dgm:cxn modelId="{B248DC84-D878-2F49-B093-E1ABFEE7FA70}" type="presOf" srcId="{7F3A5146-2828-3C4A-8BEE-CB3D3E51AE19}" destId="{AB2880E1-8592-A44C-A825-0024CB987867}" srcOrd="0" destOrd="0" presId="urn:microsoft.com/office/officeart/2005/8/layout/radial6"/>
+    <dgm:cxn modelId="{9EF39CEB-B991-974C-9446-D58A899EB85C}" srcId="{09D5084C-69BD-AF43-9B48-6D30D55CB4EE}" destId="{051ECED1-A7E0-074E-B806-69E31F373EEE}" srcOrd="1" destOrd="0" parTransId="{7BCB60D3-B292-EA40-80A6-E40B16C60613}" sibTransId="{4086DFDD-7A6C-ED46-AA9E-FFFF87A51A08}"/>
+    <dgm:cxn modelId="{B4DCAE70-455F-9342-8232-903C73A58D43}" srcId="{09D5084C-69BD-AF43-9B48-6D30D55CB4EE}" destId="{C85D0DDA-50EF-AD4F-9A5B-DBF964B3F70E}" srcOrd="4" destOrd="0" parTransId="{73ABB32E-033F-344A-ADE1-74E2A74944C9}" sibTransId="{6A79D2D9-8E60-6C48-B2AC-2D2E7917540D}"/>
+    <dgm:cxn modelId="{A8829341-AD8B-FA43-BDDC-3DF0CB2AFB2D}" srcId="{09D5084C-69BD-AF43-9B48-6D30D55CB4EE}" destId="{653C2525-6CC3-CA4F-B1F3-142B1477CD80}" srcOrd="3" destOrd="0" parTransId="{C6BF515A-4A66-F149-B697-14929193EA28}" sibTransId="{7F3A5146-2828-3C4A-8BEE-CB3D3E51AE19}"/>
     <dgm:cxn modelId="{59CB6E67-A3D2-B642-9100-183C4609F5A4}" srcId="{09D5084C-69BD-AF43-9B48-6D30D55CB4EE}" destId="{D920D285-E8AD-C44B-970D-7A915DACEAC8}" srcOrd="0" destOrd="0" parTransId="{15741A0D-57CD-5F4E-9414-2BE5236CE091}" sibTransId="{DFFCD53C-88E6-534F-9574-822AE78A86A7}"/>
-    <dgm:cxn modelId="{B4DCAE70-455F-9342-8232-903C73A58D43}" srcId="{09D5084C-69BD-AF43-9B48-6D30D55CB4EE}" destId="{C85D0DDA-50EF-AD4F-9A5B-DBF964B3F70E}" srcOrd="4" destOrd="0" parTransId="{73ABB32E-033F-344A-ADE1-74E2A74944C9}" sibTransId="{6A79D2D9-8E60-6C48-B2AC-2D2E7917540D}"/>
+    <dgm:cxn modelId="{B5DA3F54-930B-D64A-9D92-B2C66082DC0F}" type="presOf" srcId="{C85D0DDA-50EF-AD4F-9A5B-DBF964B3F70E}" destId="{FEB3DD1C-6016-AD42-B617-1805A98435B5}" srcOrd="0" destOrd="0" presId="urn:microsoft.com/office/officeart/2005/8/layout/radial6"/>
+    <dgm:cxn modelId="{CDB7C3A7-7236-BB45-A10D-F74A73D0E632}" srcId="{09D5084C-69BD-AF43-9B48-6D30D55CB4EE}" destId="{071E8877-8B15-DE43-9DED-33C83F43B405}" srcOrd="2" destOrd="0" parTransId="{5AC10F78-5FE6-9145-A574-C021B649175B}" sibTransId="{B503CB9F-2CB1-964F-BEAA-6495D57C3CF8}"/>
+    <dgm:cxn modelId="{CDC0E59E-38A7-4945-8B9A-AD494C93BD71}" type="presOf" srcId="{653C2525-6CC3-CA4F-B1F3-142B1477CD80}" destId="{5667F904-C74D-2F40-98FB-956E46ADA6D9}" srcOrd="0" destOrd="0" presId="urn:microsoft.com/office/officeart/2005/8/layout/radial6"/>
+    <dgm:cxn modelId="{6CE43F44-966B-EA46-82ED-DBD2E9316A2F}" type="presOf" srcId="{DFFCD53C-88E6-534F-9574-822AE78A86A7}" destId="{3D789891-1C63-F44B-8F92-15966C6EE98C}" srcOrd="0" destOrd="0" presId="urn:microsoft.com/office/officeart/2005/8/layout/radial6"/>
+    <dgm:cxn modelId="{6CE6B92E-325C-A04F-BA21-B4FDA4790072}" type="presOf" srcId="{437CAB75-9F95-8644-A859-D6AAA6275B68}" destId="{1C6F226F-68CF-0D49-85BA-CA4D670F8AD3}" srcOrd="0" destOrd="0" presId="urn:microsoft.com/office/officeart/2005/8/layout/radial6"/>
     <dgm:cxn modelId="{030C4367-BFA5-3445-9BB5-2A170E38B379}" type="presOf" srcId="{051ECED1-A7E0-074E-B806-69E31F373EEE}" destId="{B046A877-FABA-444C-B762-87688AD26366}" srcOrd="0" destOrd="0" presId="urn:microsoft.com/office/officeart/2005/8/layout/radial6"/>
-    <dgm:cxn modelId="{6CE43F44-966B-EA46-82ED-DBD2E9316A2F}" type="presOf" srcId="{DFFCD53C-88E6-534F-9574-822AE78A86A7}" destId="{3D789891-1C63-F44B-8F92-15966C6EE98C}" srcOrd="0" destOrd="0" presId="urn:microsoft.com/office/officeart/2005/8/layout/radial6"/>
     <dgm:cxn modelId="{E88EC75D-41C5-4646-AAC3-5106A12C646D}" type="presOf" srcId="{09D5084C-69BD-AF43-9B48-6D30D55CB4EE}" destId="{6083DA2B-239C-E94F-BFF6-D56AF934496A}" srcOrd="0" destOrd="0" presId="urn:microsoft.com/office/officeart/2005/8/layout/radial6"/>
-    <dgm:cxn modelId="{9EF39CEB-B991-974C-9446-D58A899EB85C}" srcId="{09D5084C-69BD-AF43-9B48-6D30D55CB4EE}" destId="{051ECED1-A7E0-074E-B806-69E31F373EEE}" srcOrd="1" destOrd="0" parTransId="{7BCB60D3-B292-EA40-80A6-E40B16C60613}" sibTransId="{4086DFDD-7A6C-ED46-AA9E-FFFF87A51A08}"/>
-    <dgm:cxn modelId="{CDB7C3A7-7236-BB45-A10D-F74A73D0E632}" srcId="{09D5084C-69BD-AF43-9B48-6D30D55CB4EE}" destId="{071E8877-8B15-DE43-9DED-33C83F43B405}" srcOrd="2" destOrd="0" parTransId="{5AC10F78-5FE6-9145-A574-C021B649175B}" sibTransId="{B503CB9F-2CB1-964F-BEAA-6495D57C3CF8}"/>
-    <dgm:cxn modelId="{EDCF644C-ED17-5B4B-82CA-703A9036F26C}" type="presOf" srcId="{4086DFDD-7A6C-ED46-AA9E-FFFF87A51A08}" destId="{96F1AE09-269B-164E-8BAE-E6642AEE4A09}" srcOrd="0" destOrd="0" presId="urn:microsoft.com/office/officeart/2005/8/layout/radial6"/>
+    <dgm:cxn modelId="{C82643A1-26F2-634B-A98B-919398A7A00C}" type="presOf" srcId="{6A79D2D9-8E60-6C48-B2AC-2D2E7917540D}" destId="{DD305EF8-1BBB-E44F-989A-D706D5F8007A}" srcOrd="0" destOrd="0" presId="urn:microsoft.com/office/officeart/2005/8/layout/radial6"/>
     <dgm:cxn modelId="{DB19F980-A3BC-F049-826B-E0E18EE43394}" type="presOf" srcId="{66473736-CF84-1E4E-8066-4364DCBF847F}" destId="{4E239341-0024-3B43-A03F-4550B79185B0}" srcOrd="0" destOrd="0" presId="urn:microsoft.com/office/officeart/2005/8/layout/radial6"/>
-    <dgm:cxn modelId="{6CE6B92E-325C-A04F-BA21-B4FDA4790072}" type="presOf" srcId="{437CAB75-9F95-8644-A859-D6AAA6275B68}" destId="{1C6F226F-68CF-0D49-85BA-CA4D670F8AD3}" srcOrd="0" destOrd="0" presId="urn:microsoft.com/office/officeart/2005/8/layout/radial6"/>
-    <dgm:cxn modelId="{5EA4D413-7781-C24E-AEC1-102490B55E63}" type="presOf" srcId="{D920D285-E8AD-C44B-970D-7A915DACEAC8}" destId="{5536D637-8BAA-AB4B-B6C9-866D35EC6748}" srcOrd="0" destOrd="0" presId="urn:microsoft.com/office/officeart/2005/8/layout/radial6"/>
     <dgm:cxn modelId="{EA5556B8-3B51-7A41-A868-BE0024A760B1}" type="presParOf" srcId="{28F48120-D992-D843-AEA5-31E440C2EFF9}" destId="{6083DA2B-239C-E94F-BFF6-D56AF934496A}" srcOrd="0" destOrd="0" presId="urn:microsoft.com/office/officeart/2005/8/layout/radial6"/>
     <dgm:cxn modelId="{5EB7691D-2D89-B648-A67A-D2D7AB5D02D1}" type="presParOf" srcId="{28F48120-D992-D843-AEA5-31E440C2EFF9}" destId="{5536D637-8BAA-AB4B-B6C9-866D35EC6748}" srcOrd="1" destOrd="0" presId="urn:microsoft.com/office/officeart/2005/8/layout/radial6"/>
     <dgm:cxn modelId="{857B7688-E8CD-5A4D-85BA-AD33FEA68400}" type="presParOf" srcId="{28F48120-D992-D843-AEA5-31E440C2EFF9}" destId="{EDE2C607-339F-BE40-87BD-A7B702C0EB9F}" srcOrd="2" destOrd="0" presId="urn:microsoft.com/office/officeart/2005/8/layout/radial6"/>
@@ -5471,619 +4552,6 @@
     <dgm:cxn modelId="{3F2A45F0-5AF9-B045-8C07-D726C469281B}" type="presParOf" srcId="{28F48120-D992-D843-AEA5-31E440C2EFF9}" destId="{4E239341-0024-3B43-A03F-4550B79185B0}" srcOrd="16" destOrd="0" presId="urn:microsoft.com/office/officeart/2005/8/layout/radial6"/>
     <dgm:cxn modelId="{64BA0186-509D-1D4F-BB26-0607B1714A52}" type="presParOf" srcId="{28F48120-D992-D843-AEA5-31E440C2EFF9}" destId="{9A20FCAD-88BB-4F4E-8595-BF1B66F0CFE1}" srcOrd="17" destOrd="0" presId="urn:microsoft.com/office/officeart/2005/8/layout/radial6"/>
     <dgm:cxn modelId="{14966382-1157-F94E-8B37-A376ADADCE4D}" type="presParOf" srcId="{28F48120-D992-D843-AEA5-31E440C2EFF9}" destId="{1C6F226F-68CF-0D49-85BA-CA4D670F8AD3}" srcOrd="18" destOrd="0" presId="urn:microsoft.com/office/officeart/2005/8/layout/radial6"/>
-  </dgm:cxnLst>
-  <dgm:bg/>
-  <dgm:whole/>
-  <dgm:extLst>
-    <a:ext uri="http://schemas.microsoft.com/office/drawing/2008/diagram">
-      <dsp:dataModelExt xmlns:dsp="http://schemas.microsoft.com/office/drawing/2008/diagram" relId="rId7" minVer="http://schemas.openxmlformats.org/drawingml/2006/diagram"/>
-    </a:ext>
-  </dgm:extLst>
-</dgm:dataModel>
-</file>
-
-<file path=ppt/diagrams/data4.xml><?xml version="1.0" encoding="utf-8"?>
-<dgm:dataModel xmlns:dgm="http://schemas.openxmlformats.org/drawingml/2006/diagram" xmlns:a="http://schemas.openxmlformats.org/drawingml/2006/main">
-  <dgm:ptLst>
-    <dgm:pt modelId="{41D8AFE9-0CB3-6C48-98EA-0D3DE3EC0769}" type="doc">
-      <dgm:prSet loTypeId="urn:microsoft.com/office/officeart/2005/8/layout/hierarchy4" loCatId="" qsTypeId="urn:microsoft.com/office/officeart/2005/8/quickstyle/simple4" qsCatId="simple" csTypeId="urn:microsoft.com/office/officeart/2005/8/colors/colorful1" csCatId="colorful" phldr="1"/>
-      <dgm:spPr/>
-      <dgm:t>
-        <a:bodyPr/>
-        <a:lstStyle/>
-        <a:p>
-          <a:endParaRPr lang="zh-CN" altLang="en-US"/>
-        </a:p>
-      </dgm:t>
-    </dgm:pt>
-    <dgm:pt modelId="{19C1441A-FBB1-8C40-A22E-066630E1BB32}">
-      <dgm:prSet phldrT="[文本]" custT="1"/>
-      <dgm:spPr>
-        <a:solidFill>
-          <a:schemeClr val="accent5">
-            <a:lumMod val="50000"/>
-          </a:schemeClr>
-        </a:solidFill>
-      </dgm:spPr>
-      <dgm:t>
-        <a:bodyPr/>
-        <a:lstStyle/>
-        <a:p>
-          <a:r>
-            <a:rPr lang="en-US" altLang="zh-CN" sz="2000" dirty="0" smtClean="0"/>
-            <a:t>EMP</a:t>
-          </a:r>
-          <a:r>
-            <a:rPr lang="zh-CN" altLang="en-US" sz="2000" dirty="0" smtClean="0"/>
-            <a:t>、</a:t>
-          </a:r>
-          <a:r>
-            <a:rPr lang="en-US" altLang="zh-CN" sz="2000" dirty="0" smtClean="0"/>
-            <a:t>Liana5</a:t>
-          </a:r>
-          <a:endParaRPr lang="zh-CN" altLang="en-US" sz="2000" dirty="0" smtClean="0"/>
-        </a:p>
-      </dgm:t>
-    </dgm:pt>
-    <dgm:pt modelId="{F472BE44-C4C4-2F4F-B956-BE22259A3E7C}" type="parTrans" cxnId="{B3F471D5-FE50-7143-ACE2-E22180F5184F}">
-      <dgm:prSet/>
-      <dgm:spPr/>
-      <dgm:t>
-        <a:bodyPr/>
-        <a:lstStyle/>
-        <a:p>
-          <a:endParaRPr lang="zh-CN" altLang="en-US" sz="2000"/>
-        </a:p>
-      </dgm:t>
-    </dgm:pt>
-    <dgm:pt modelId="{6C99C526-9A53-4C40-8497-FBFCF4E53CC7}" type="sibTrans" cxnId="{B3F471D5-FE50-7143-ACE2-E22180F5184F}">
-      <dgm:prSet/>
-      <dgm:spPr/>
-      <dgm:t>
-        <a:bodyPr/>
-        <a:lstStyle/>
-        <a:p>
-          <a:endParaRPr lang="zh-CN" altLang="en-US" sz="2000"/>
-        </a:p>
-      </dgm:t>
-    </dgm:pt>
-    <dgm:pt modelId="{52CECD96-6F80-A748-8F27-5B3C6064910A}">
-      <dgm:prSet phldrT="[文本]" custT="1"/>
-      <dgm:spPr>
-        <a:solidFill>
-          <a:schemeClr val="accent6">
-            <a:lumMod val="60000"/>
-            <a:lumOff val="40000"/>
-          </a:schemeClr>
-        </a:solidFill>
-      </dgm:spPr>
-      <dgm:t>
-        <a:bodyPr/>
-        <a:lstStyle/>
-        <a:p>
-          <a:r>
-            <a:rPr lang="zh-CN" altLang="en-US" sz="2000" dirty="0" smtClean="0"/>
-            <a:t>图表</a:t>
-          </a:r>
-          <a:endParaRPr lang="zh-CN" altLang="en-US" sz="2000" dirty="0"/>
-        </a:p>
-      </dgm:t>
-    </dgm:pt>
-    <dgm:pt modelId="{9B49AB0D-5C21-0B40-8436-D435EBFB2F90}" type="parTrans" cxnId="{F2F6392C-E5A1-EB43-B040-7AECC8474E58}">
-      <dgm:prSet/>
-      <dgm:spPr/>
-      <dgm:t>
-        <a:bodyPr/>
-        <a:lstStyle/>
-        <a:p>
-          <a:endParaRPr lang="zh-CN" altLang="en-US" sz="2000"/>
-        </a:p>
-      </dgm:t>
-    </dgm:pt>
-    <dgm:pt modelId="{741D3582-E399-0D46-A8F3-7C53ACAED73C}" type="sibTrans" cxnId="{F2F6392C-E5A1-EB43-B040-7AECC8474E58}">
-      <dgm:prSet/>
-      <dgm:spPr/>
-      <dgm:t>
-        <a:bodyPr/>
-        <a:lstStyle/>
-        <a:p>
-          <a:endParaRPr lang="zh-CN" altLang="en-US" sz="2000"/>
-        </a:p>
-      </dgm:t>
-    </dgm:pt>
-    <dgm:pt modelId="{EE730EA6-8635-EB4D-8BFD-9A2388D956EB}">
-      <dgm:prSet phldrT="[文本]" custT="1"/>
-      <dgm:spPr/>
-      <dgm:t>
-        <a:bodyPr/>
-        <a:lstStyle/>
-        <a:p>
-          <a:r>
-            <a:rPr lang="zh-CN" altLang="en-US" sz="2000" dirty="0" smtClean="0"/>
-            <a:t>采集</a:t>
-          </a:r>
-          <a:endParaRPr lang="zh-CN" altLang="en-US" sz="2000" dirty="0"/>
-        </a:p>
-      </dgm:t>
-    </dgm:pt>
-    <dgm:pt modelId="{F4BC1A11-7F36-F14F-8CCD-50025010E979}" type="parTrans" cxnId="{46A407E6-211B-2447-BBB4-4FDA86DB1F76}">
-      <dgm:prSet/>
-      <dgm:spPr/>
-      <dgm:t>
-        <a:bodyPr/>
-        <a:lstStyle/>
-        <a:p>
-          <a:endParaRPr lang="zh-CN" altLang="en-US" sz="2000"/>
-        </a:p>
-      </dgm:t>
-    </dgm:pt>
-    <dgm:pt modelId="{2F24F0F2-97F1-4041-913D-92726A25F2A9}" type="sibTrans" cxnId="{46A407E6-211B-2447-BBB4-4FDA86DB1F76}">
-      <dgm:prSet/>
-      <dgm:spPr/>
-      <dgm:t>
-        <a:bodyPr/>
-        <a:lstStyle/>
-        <a:p>
-          <a:endParaRPr lang="zh-CN" altLang="en-US" sz="2000"/>
-        </a:p>
-      </dgm:t>
-    </dgm:pt>
-    <dgm:pt modelId="{7F66B1A2-F880-9C40-AFCD-87B1B957AA0A}">
-      <dgm:prSet phldrT="[文本]" custT="1"/>
-      <dgm:spPr>
-        <a:solidFill>
-          <a:srgbClr val="FF6600"/>
-        </a:solidFill>
-      </dgm:spPr>
-      <dgm:t>
-        <a:bodyPr/>
-        <a:lstStyle/>
-        <a:p>
-          <a:r>
-            <a:rPr lang="zh-CN" altLang="en-US" sz="2000" dirty="0" smtClean="0"/>
-            <a:t>分析</a:t>
-          </a:r>
-          <a:endParaRPr lang="zh-CN" altLang="en-US" sz="2000" dirty="0"/>
-        </a:p>
-      </dgm:t>
-    </dgm:pt>
-    <dgm:pt modelId="{E69E88C6-781F-D040-A2CA-46BDD0334D11}" type="parTrans" cxnId="{3EB10E2C-D7C8-7643-BE70-EEE368751919}">
-      <dgm:prSet/>
-      <dgm:spPr/>
-      <dgm:t>
-        <a:bodyPr/>
-        <a:lstStyle/>
-        <a:p>
-          <a:endParaRPr lang="zh-CN" altLang="en-US" sz="2000"/>
-        </a:p>
-      </dgm:t>
-    </dgm:pt>
-    <dgm:pt modelId="{E99B9006-0142-7547-AFE3-46224D86FE9B}" type="sibTrans" cxnId="{3EB10E2C-D7C8-7643-BE70-EEE368751919}">
-      <dgm:prSet/>
-      <dgm:spPr/>
-      <dgm:t>
-        <a:bodyPr/>
-        <a:lstStyle/>
-        <a:p>
-          <a:endParaRPr lang="zh-CN" altLang="en-US" sz="2000"/>
-        </a:p>
-      </dgm:t>
-    </dgm:pt>
-    <dgm:pt modelId="{5001ECD0-436F-B04D-ACC1-EF3B9A3FB08B}">
-      <dgm:prSet phldrT="[文本]" custT="1"/>
-      <dgm:spPr/>
-      <dgm:t>
-        <a:bodyPr/>
-        <a:lstStyle/>
-        <a:p>
-          <a:r>
-            <a:rPr lang="zh-CN" altLang="en-US" sz="2000" dirty="0" smtClean="0"/>
-            <a:t>营销</a:t>
-          </a:r>
-          <a:endParaRPr lang="zh-CN" altLang="en-US" sz="2000" dirty="0"/>
-        </a:p>
-      </dgm:t>
-    </dgm:pt>
-    <dgm:pt modelId="{510AB8A0-3E6F-B849-B35E-1232E5EA9064}" type="parTrans" cxnId="{728BE7F0-9E53-4C4F-9EE4-EE1E2DE9320D}">
-      <dgm:prSet/>
-      <dgm:spPr/>
-      <dgm:t>
-        <a:bodyPr/>
-        <a:lstStyle/>
-        <a:p>
-          <a:endParaRPr lang="zh-CN" altLang="en-US" sz="2000"/>
-        </a:p>
-      </dgm:t>
-    </dgm:pt>
-    <dgm:pt modelId="{5965E4CB-7B21-3C4E-86A3-C8AE2C92FCF4}" type="sibTrans" cxnId="{728BE7F0-9E53-4C4F-9EE4-EE1E2DE9320D}">
-      <dgm:prSet/>
-      <dgm:spPr/>
-      <dgm:t>
-        <a:bodyPr/>
-        <a:lstStyle/>
-        <a:p>
-          <a:endParaRPr lang="zh-CN" altLang="en-US" sz="2000"/>
-        </a:p>
-      </dgm:t>
-    </dgm:pt>
-    <dgm:pt modelId="{53B40226-716A-374D-891C-B671C2A694E2}">
-      <dgm:prSet phldrT="[文本]" custT="1"/>
-      <dgm:spPr>
-        <a:solidFill>
-          <a:schemeClr val="accent4">
-            <a:lumMod val="60000"/>
-            <a:lumOff val="40000"/>
-          </a:schemeClr>
-        </a:solidFill>
-      </dgm:spPr>
-      <dgm:t>
-        <a:bodyPr/>
-        <a:lstStyle/>
-        <a:p>
-          <a:r>
-            <a:rPr lang="zh-CN" altLang="en-US" sz="2000" dirty="0" smtClean="0"/>
-            <a:t>管理</a:t>
-          </a:r>
-          <a:endParaRPr lang="zh-CN" altLang="en-US" sz="2000" dirty="0"/>
-        </a:p>
-      </dgm:t>
-    </dgm:pt>
-    <dgm:pt modelId="{DE61FAF1-73B9-5F49-88C6-02E54BE1E2AC}" type="parTrans" cxnId="{B863CCBF-3D9B-EB49-8A8B-8C220990013D}">
-      <dgm:prSet/>
-      <dgm:spPr/>
-      <dgm:t>
-        <a:bodyPr/>
-        <a:lstStyle/>
-        <a:p>
-          <a:endParaRPr lang="zh-CN" altLang="en-US" sz="2000"/>
-        </a:p>
-      </dgm:t>
-    </dgm:pt>
-    <dgm:pt modelId="{69BC7CF9-BEEE-8C4E-9A07-2A54CB1482C5}" type="sibTrans" cxnId="{B863CCBF-3D9B-EB49-8A8B-8C220990013D}">
-      <dgm:prSet/>
-      <dgm:spPr/>
-      <dgm:t>
-        <a:bodyPr/>
-        <a:lstStyle/>
-        <a:p>
-          <a:endParaRPr lang="zh-CN" altLang="en-US" sz="2000"/>
-        </a:p>
-      </dgm:t>
-    </dgm:pt>
-    <dgm:pt modelId="{30501705-0E13-E340-862E-D79CB49EE3DA}" type="pres">
-      <dgm:prSet presAssocID="{41D8AFE9-0CB3-6C48-98EA-0D3DE3EC0769}" presName="Name0" presStyleCnt="0">
-        <dgm:presLayoutVars>
-          <dgm:chPref val="1"/>
-          <dgm:dir/>
-          <dgm:animOne val="branch"/>
-          <dgm:animLvl val="lvl"/>
-          <dgm:resizeHandles/>
-        </dgm:presLayoutVars>
-      </dgm:prSet>
-      <dgm:spPr/>
-      <dgm:t>
-        <a:bodyPr/>
-        <a:lstStyle/>
-        <a:p>
-          <a:endParaRPr lang="zh-CN" altLang="en-US"/>
-        </a:p>
-      </dgm:t>
-    </dgm:pt>
-    <dgm:pt modelId="{3C62A908-9024-3D41-9739-8AFC3E5C4CA8}" type="pres">
-      <dgm:prSet presAssocID="{19C1441A-FBB1-8C40-A22E-066630E1BB32}" presName="vertOne" presStyleCnt="0"/>
-      <dgm:spPr/>
-      <dgm:t>
-        <a:bodyPr/>
-        <a:lstStyle/>
-        <a:p>
-          <a:endParaRPr lang="zh-CN" altLang="en-US"/>
-        </a:p>
-      </dgm:t>
-    </dgm:pt>
-    <dgm:pt modelId="{D248E6BD-8022-4A47-9158-627137337570}" type="pres">
-      <dgm:prSet presAssocID="{19C1441A-FBB1-8C40-A22E-066630E1BB32}" presName="txOne" presStyleLbl="node0" presStyleIdx="0" presStyleCnt="1" custLinFactY="200000" custLinFactNeighborX="11" custLinFactNeighborY="214514">
-        <dgm:presLayoutVars>
-          <dgm:chPref val="3"/>
-        </dgm:presLayoutVars>
-      </dgm:prSet>
-      <dgm:spPr/>
-      <dgm:t>
-        <a:bodyPr/>
-        <a:lstStyle/>
-        <a:p>
-          <a:endParaRPr lang="zh-CN" altLang="en-US"/>
-        </a:p>
-      </dgm:t>
-    </dgm:pt>
-    <dgm:pt modelId="{D4E7E4F6-E456-FD43-8866-F607B30F03E6}" type="pres">
-      <dgm:prSet presAssocID="{19C1441A-FBB1-8C40-A22E-066630E1BB32}" presName="parTransOne" presStyleCnt="0"/>
-      <dgm:spPr/>
-      <dgm:t>
-        <a:bodyPr/>
-        <a:lstStyle/>
-        <a:p>
-          <a:endParaRPr lang="zh-CN" altLang="en-US"/>
-        </a:p>
-      </dgm:t>
-    </dgm:pt>
-    <dgm:pt modelId="{504E8417-C740-394D-A55E-EAB33D9622A6}" type="pres">
-      <dgm:prSet presAssocID="{19C1441A-FBB1-8C40-A22E-066630E1BB32}" presName="horzOne" presStyleCnt="0"/>
-      <dgm:spPr/>
-      <dgm:t>
-        <a:bodyPr/>
-        <a:lstStyle/>
-        <a:p>
-          <a:endParaRPr lang="zh-CN" altLang="en-US"/>
-        </a:p>
-      </dgm:t>
-    </dgm:pt>
-    <dgm:pt modelId="{D412FCF4-1648-6B4A-8DC8-CB0F00D8B83C}" type="pres">
-      <dgm:prSet presAssocID="{52CECD96-6F80-A748-8F27-5B3C6064910A}" presName="vertTwo" presStyleCnt="0"/>
-      <dgm:spPr/>
-      <dgm:t>
-        <a:bodyPr/>
-        <a:lstStyle/>
-        <a:p>
-          <a:endParaRPr lang="zh-CN" altLang="en-US"/>
-        </a:p>
-      </dgm:t>
-    </dgm:pt>
-    <dgm:pt modelId="{D94364CA-E377-0543-B9A4-325C483FBF75}" type="pres">
-      <dgm:prSet presAssocID="{52CECD96-6F80-A748-8F27-5B3C6064910A}" presName="txTwo" presStyleLbl="node2" presStyleIdx="0" presStyleCnt="2" custLinFactY="-97977" custLinFactNeighborX="296" custLinFactNeighborY="-100000">
-        <dgm:presLayoutVars>
-          <dgm:chPref val="3"/>
-        </dgm:presLayoutVars>
-      </dgm:prSet>
-      <dgm:spPr/>
-      <dgm:t>
-        <a:bodyPr/>
-        <a:lstStyle/>
-        <a:p>
-          <a:endParaRPr lang="zh-CN" altLang="en-US"/>
-        </a:p>
-      </dgm:t>
-    </dgm:pt>
-    <dgm:pt modelId="{6D7E51A6-E857-E240-B9FE-6CD56AD23240}" type="pres">
-      <dgm:prSet presAssocID="{52CECD96-6F80-A748-8F27-5B3C6064910A}" presName="parTransTwo" presStyleCnt="0"/>
-      <dgm:spPr/>
-      <dgm:t>
-        <a:bodyPr/>
-        <a:lstStyle/>
-        <a:p>
-          <a:endParaRPr lang="zh-CN" altLang="en-US"/>
-        </a:p>
-      </dgm:t>
-    </dgm:pt>
-    <dgm:pt modelId="{2F6B7564-5506-844F-B35D-63EACA3E7FC6}" type="pres">
-      <dgm:prSet presAssocID="{52CECD96-6F80-A748-8F27-5B3C6064910A}" presName="horzTwo" presStyleCnt="0"/>
-      <dgm:spPr/>
-      <dgm:t>
-        <a:bodyPr/>
-        <a:lstStyle/>
-        <a:p>
-          <a:endParaRPr lang="zh-CN" altLang="en-US"/>
-        </a:p>
-      </dgm:t>
-    </dgm:pt>
-    <dgm:pt modelId="{6DCB8217-9A6C-C342-9E2C-4A21A3448517}" type="pres">
-      <dgm:prSet presAssocID="{EE730EA6-8635-EB4D-8BFD-9A2388D956EB}" presName="vertThree" presStyleCnt="0"/>
-      <dgm:spPr/>
-      <dgm:t>
-        <a:bodyPr/>
-        <a:lstStyle/>
-        <a:p>
-          <a:endParaRPr lang="zh-CN" altLang="en-US"/>
-        </a:p>
-      </dgm:t>
-    </dgm:pt>
-    <dgm:pt modelId="{D7926BB1-EE2C-BE4F-BDC3-9EE8D5EAD62F}" type="pres">
-      <dgm:prSet presAssocID="{EE730EA6-8635-EB4D-8BFD-9A2388D956EB}" presName="txThree" presStyleLbl="node3" presStyleIdx="0" presStyleCnt="3" custLinFactY="-7830" custLinFactNeighborX="604" custLinFactNeighborY="-100000">
-        <dgm:presLayoutVars>
-          <dgm:chPref val="3"/>
-        </dgm:presLayoutVars>
-      </dgm:prSet>
-      <dgm:spPr/>
-      <dgm:t>
-        <a:bodyPr/>
-        <a:lstStyle/>
-        <a:p>
-          <a:endParaRPr lang="zh-CN" altLang="en-US"/>
-        </a:p>
-      </dgm:t>
-    </dgm:pt>
-    <dgm:pt modelId="{A6450AAD-FBAA-664B-9823-0403FBEAEA89}" type="pres">
-      <dgm:prSet presAssocID="{EE730EA6-8635-EB4D-8BFD-9A2388D956EB}" presName="horzThree" presStyleCnt="0"/>
-      <dgm:spPr/>
-      <dgm:t>
-        <a:bodyPr/>
-        <a:lstStyle/>
-        <a:p>
-          <a:endParaRPr lang="zh-CN" altLang="en-US"/>
-        </a:p>
-      </dgm:t>
-    </dgm:pt>
-    <dgm:pt modelId="{531724AD-87E7-B34F-9427-840975E2F808}" type="pres">
-      <dgm:prSet presAssocID="{2F24F0F2-97F1-4041-913D-92726A25F2A9}" presName="sibSpaceThree" presStyleCnt="0"/>
-      <dgm:spPr/>
-      <dgm:t>
-        <a:bodyPr/>
-        <a:lstStyle/>
-        <a:p>
-          <a:endParaRPr lang="zh-CN" altLang="en-US"/>
-        </a:p>
-      </dgm:t>
-    </dgm:pt>
-    <dgm:pt modelId="{F57CAD7D-7851-6D41-8BBE-D1F54A3196A0}" type="pres">
-      <dgm:prSet presAssocID="{7F66B1A2-F880-9C40-AFCD-87B1B957AA0A}" presName="vertThree" presStyleCnt="0"/>
-      <dgm:spPr/>
-      <dgm:t>
-        <a:bodyPr/>
-        <a:lstStyle/>
-        <a:p>
-          <a:endParaRPr lang="zh-CN" altLang="en-US"/>
-        </a:p>
-      </dgm:t>
-    </dgm:pt>
-    <dgm:pt modelId="{EFB31975-7F0A-B743-9777-B873FECBBFCD}" type="pres">
-      <dgm:prSet presAssocID="{7F66B1A2-F880-9C40-AFCD-87B1B957AA0A}" presName="txThree" presStyleLbl="node3" presStyleIdx="1" presStyleCnt="3" custLinFactY="-7971" custLinFactNeighborX="2196" custLinFactNeighborY="-100000">
-        <dgm:presLayoutVars>
-          <dgm:chPref val="3"/>
-        </dgm:presLayoutVars>
-      </dgm:prSet>
-      <dgm:spPr/>
-      <dgm:t>
-        <a:bodyPr/>
-        <a:lstStyle/>
-        <a:p>
-          <a:endParaRPr lang="zh-CN" altLang="en-US"/>
-        </a:p>
-      </dgm:t>
-    </dgm:pt>
-    <dgm:pt modelId="{4E24A90E-B945-D847-BAE6-7CA0154DF002}" type="pres">
-      <dgm:prSet presAssocID="{7F66B1A2-F880-9C40-AFCD-87B1B957AA0A}" presName="horzThree" presStyleCnt="0"/>
-      <dgm:spPr/>
-      <dgm:t>
-        <a:bodyPr/>
-        <a:lstStyle/>
-        <a:p>
-          <a:endParaRPr lang="zh-CN" altLang="en-US"/>
-        </a:p>
-      </dgm:t>
-    </dgm:pt>
-    <dgm:pt modelId="{4606EC61-14FD-1144-AEF2-AE0E838DA8C8}" type="pres">
-      <dgm:prSet presAssocID="{741D3582-E399-0D46-A8F3-7C53ACAED73C}" presName="sibSpaceTwo" presStyleCnt="0"/>
-      <dgm:spPr/>
-      <dgm:t>
-        <a:bodyPr/>
-        <a:lstStyle/>
-        <a:p>
-          <a:endParaRPr lang="zh-CN" altLang="en-US"/>
-        </a:p>
-      </dgm:t>
-    </dgm:pt>
-    <dgm:pt modelId="{EE77F992-6F43-0F47-949B-B83B281FAF43}" type="pres">
-      <dgm:prSet presAssocID="{5001ECD0-436F-B04D-ACC1-EF3B9A3FB08B}" presName="vertTwo" presStyleCnt="0"/>
-      <dgm:spPr/>
-      <dgm:t>
-        <a:bodyPr/>
-        <a:lstStyle/>
-        <a:p>
-          <a:endParaRPr lang="zh-CN" altLang="en-US"/>
-        </a:p>
-      </dgm:t>
-    </dgm:pt>
-    <dgm:pt modelId="{9BC07098-2F34-7740-B9E7-F57E3D4A0DE6}" type="pres">
-      <dgm:prSet presAssocID="{5001ECD0-436F-B04D-ACC1-EF3B9A3FB08B}" presName="txTwo" presStyleLbl="node2" presStyleIdx="1" presStyleCnt="2" custLinFactNeighborX="-2010">
-        <dgm:presLayoutVars>
-          <dgm:chPref val="3"/>
-        </dgm:presLayoutVars>
-      </dgm:prSet>
-      <dgm:spPr/>
-      <dgm:t>
-        <a:bodyPr/>
-        <a:lstStyle/>
-        <a:p>
-          <a:endParaRPr lang="zh-CN" altLang="en-US"/>
-        </a:p>
-      </dgm:t>
-    </dgm:pt>
-    <dgm:pt modelId="{E2C1B985-E935-AE48-9BC6-C0EEFCC07A0B}" type="pres">
-      <dgm:prSet presAssocID="{5001ECD0-436F-B04D-ACC1-EF3B9A3FB08B}" presName="parTransTwo" presStyleCnt="0"/>
-      <dgm:spPr/>
-      <dgm:t>
-        <a:bodyPr/>
-        <a:lstStyle/>
-        <a:p>
-          <a:endParaRPr lang="zh-CN" altLang="en-US"/>
-        </a:p>
-      </dgm:t>
-    </dgm:pt>
-    <dgm:pt modelId="{9F6CBDD5-A91F-1D40-BD37-2E5D89928055}" type="pres">
-      <dgm:prSet presAssocID="{5001ECD0-436F-B04D-ACC1-EF3B9A3FB08B}" presName="horzTwo" presStyleCnt="0"/>
-      <dgm:spPr/>
-      <dgm:t>
-        <a:bodyPr/>
-        <a:lstStyle/>
-        <a:p>
-          <a:endParaRPr lang="zh-CN" altLang="en-US"/>
-        </a:p>
-      </dgm:t>
-    </dgm:pt>
-    <dgm:pt modelId="{1377AE52-D523-FE42-AF8F-4498F5B238C9}" type="pres">
-      <dgm:prSet presAssocID="{53B40226-716A-374D-891C-B671C2A694E2}" presName="vertThree" presStyleCnt="0"/>
-      <dgm:spPr/>
-      <dgm:t>
-        <a:bodyPr/>
-        <a:lstStyle/>
-        <a:p>
-          <a:endParaRPr lang="zh-CN" altLang="en-US"/>
-        </a:p>
-      </dgm:t>
-    </dgm:pt>
-    <dgm:pt modelId="{D5DF83B6-4370-7E48-87B2-E67A52E056CF}" type="pres">
-      <dgm:prSet presAssocID="{53B40226-716A-374D-891C-B671C2A694E2}" presName="txThree" presStyleLbl="node3" presStyleIdx="2" presStyleCnt="3" custLinFactY="-100000" custLinFactNeighborX="-1882" custLinFactNeighborY="-115999">
-        <dgm:presLayoutVars>
-          <dgm:chPref val="3"/>
-        </dgm:presLayoutVars>
-      </dgm:prSet>
-      <dgm:spPr/>
-      <dgm:t>
-        <a:bodyPr/>
-        <a:lstStyle/>
-        <a:p>
-          <a:endParaRPr lang="zh-CN" altLang="en-US"/>
-        </a:p>
-      </dgm:t>
-    </dgm:pt>
-    <dgm:pt modelId="{0C880426-978A-834B-9124-633777BCC137}" type="pres">
-      <dgm:prSet presAssocID="{53B40226-716A-374D-891C-B671C2A694E2}" presName="horzThree" presStyleCnt="0"/>
-      <dgm:spPr/>
-      <dgm:t>
-        <a:bodyPr/>
-        <a:lstStyle/>
-        <a:p>
-          <a:endParaRPr lang="zh-CN" altLang="en-US"/>
-        </a:p>
-      </dgm:t>
-    </dgm:pt>
-  </dgm:ptLst>
-  <dgm:cxnLst>
-    <dgm:cxn modelId="{D24D7A1A-79D4-ED47-A1C8-90C8FB801F60}" type="presOf" srcId="{7F66B1A2-F880-9C40-AFCD-87B1B957AA0A}" destId="{EFB31975-7F0A-B743-9777-B873FECBBFCD}" srcOrd="0" destOrd="0" presId="urn:microsoft.com/office/officeart/2005/8/layout/hierarchy4"/>
-    <dgm:cxn modelId="{B3F471D5-FE50-7143-ACE2-E22180F5184F}" srcId="{41D8AFE9-0CB3-6C48-98EA-0D3DE3EC0769}" destId="{19C1441A-FBB1-8C40-A22E-066630E1BB32}" srcOrd="0" destOrd="0" parTransId="{F472BE44-C4C4-2F4F-B956-BE22259A3E7C}" sibTransId="{6C99C526-9A53-4C40-8497-FBFCF4E53CC7}"/>
-    <dgm:cxn modelId="{F2F6392C-E5A1-EB43-B040-7AECC8474E58}" srcId="{19C1441A-FBB1-8C40-A22E-066630E1BB32}" destId="{52CECD96-6F80-A748-8F27-5B3C6064910A}" srcOrd="0" destOrd="0" parTransId="{9B49AB0D-5C21-0B40-8436-D435EBFB2F90}" sibTransId="{741D3582-E399-0D46-A8F3-7C53ACAED73C}"/>
-    <dgm:cxn modelId="{46A407E6-211B-2447-BBB4-4FDA86DB1F76}" srcId="{52CECD96-6F80-A748-8F27-5B3C6064910A}" destId="{EE730EA6-8635-EB4D-8BFD-9A2388D956EB}" srcOrd="0" destOrd="0" parTransId="{F4BC1A11-7F36-F14F-8CCD-50025010E979}" sibTransId="{2F24F0F2-97F1-4041-913D-92726A25F2A9}"/>
-    <dgm:cxn modelId="{3EB10E2C-D7C8-7643-BE70-EEE368751919}" srcId="{52CECD96-6F80-A748-8F27-5B3C6064910A}" destId="{7F66B1A2-F880-9C40-AFCD-87B1B957AA0A}" srcOrd="1" destOrd="0" parTransId="{E69E88C6-781F-D040-A2CA-46BDD0334D11}" sibTransId="{E99B9006-0142-7547-AFE3-46224D86FE9B}"/>
-    <dgm:cxn modelId="{9A15F970-5ADB-3F4F-8BC0-4736A7131758}" type="presOf" srcId="{19C1441A-FBB1-8C40-A22E-066630E1BB32}" destId="{D248E6BD-8022-4A47-9158-627137337570}" srcOrd="0" destOrd="0" presId="urn:microsoft.com/office/officeart/2005/8/layout/hierarchy4"/>
-    <dgm:cxn modelId="{631C5358-6B79-D341-8BCB-B778E4A5541F}" type="presOf" srcId="{5001ECD0-436F-B04D-ACC1-EF3B9A3FB08B}" destId="{9BC07098-2F34-7740-B9E7-F57E3D4A0DE6}" srcOrd="0" destOrd="0" presId="urn:microsoft.com/office/officeart/2005/8/layout/hierarchy4"/>
-    <dgm:cxn modelId="{A15B25F0-7AF1-F34F-ADCB-E53CD2388934}" type="presOf" srcId="{41D8AFE9-0CB3-6C48-98EA-0D3DE3EC0769}" destId="{30501705-0E13-E340-862E-D79CB49EE3DA}" srcOrd="0" destOrd="0" presId="urn:microsoft.com/office/officeart/2005/8/layout/hierarchy4"/>
-    <dgm:cxn modelId="{4F3A6CA7-FE3C-FC4A-9D8F-05FD1B952A75}" type="presOf" srcId="{52CECD96-6F80-A748-8F27-5B3C6064910A}" destId="{D94364CA-E377-0543-B9A4-325C483FBF75}" srcOrd="0" destOrd="0" presId="urn:microsoft.com/office/officeart/2005/8/layout/hierarchy4"/>
-    <dgm:cxn modelId="{728BE7F0-9E53-4C4F-9EE4-EE1E2DE9320D}" srcId="{19C1441A-FBB1-8C40-A22E-066630E1BB32}" destId="{5001ECD0-436F-B04D-ACC1-EF3B9A3FB08B}" srcOrd="1" destOrd="0" parTransId="{510AB8A0-3E6F-B849-B35E-1232E5EA9064}" sibTransId="{5965E4CB-7B21-3C4E-86A3-C8AE2C92FCF4}"/>
-    <dgm:cxn modelId="{6F585806-9D95-A34E-AD10-49761D201622}" type="presOf" srcId="{53B40226-716A-374D-891C-B671C2A694E2}" destId="{D5DF83B6-4370-7E48-87B2-E67A52E056CF}" srcOrd="0" destOrd="0" presId="urn:microsoft.com/office/officeart/2005/8/layout/hierarchy4"/>
-    <dgm:cxn modelId="{3BC769DB-BBFC-F547-88C2-B8580F56317C}" type="presOf" srcId="{EE730EA6-8635-EB4D-8BFD-9A2388D956EB}" destId="{D7926BB1-EE2C-BE4F-BDC3-9EE8D5EAD62F}" srcOrd="0" destOrd="0" presId="urn:microsoft.com/office/officeart/2005/8/layout/hierarchy4"/>
-    <dgm:cxn modelId="{B863CCBF-3D9B-EB49-8A8B-8C220990013D}" srcId="{5001ECD0-436F-B04D-ACC1-EF3B9A3FB08B}" destId="{53B40226-716A-374D-891C-B671C2A694E2}" srcOrd="0" destOrd="0" parTransId="{DE61FAF1-73B9-5F49-88C6-02E54BE1E2AC}" sibTransId="{69BC7CF9-BEEE-8C4E-9A07-2A54CB1482C5}"/>
-    <dgm:cxn modelId="{79EE5927-D4BF-1E43-A744-2AB3BCAC45C1}" type="presParOf" srcId="{30501705-0E13-E340-862E-D79CB49EE3DA}" destId="{3C62A908-9024-3D41-9739-8AFC3E5C4CA8}" srcOrd="0" destOrd="0" presId="urn:microsoft.com/office/officeart/2005/8/layout/hierarchy4"/>
-    <dgm:cxn modelId="{34BECB2F-D517-4244-B556-B6859C89BAED}" type="presParOf" srcId="{3C62A908-9024-3D41-9739-8AFC3E5C4CA8}" destId="{D248E6BD-8022-4A47-9158-627137337570}" srcOrd="0" destOrd="0" presId="urn:microsoft.com/office/officeart/2005/8/layout/hierarchy4"/>
-    <dgm:cxn modelId="{C4E03812-179B-DC49-A9BD-9A6ED6045DE0}" type="presParOf" srcId="{3C62A908-9024-3D41-9739-8AFC3E5C4CA8}" destId="{D4E7E4F6-E456-FD43-8866-F607B30F03E6}" srcOrd="1" destOrd="0" presId="urn:microsoft.com/office/officeart/2005/8/layout/hierarchy4"/>
-    <dgm:cxn modelId="{E26BABD4-C516-BD4A-8179-ADC16D006350}" type="presParOf" srcId="{3C62A908-9024-3D41-9739-8AFC3E5C4CA8}" destId="{504E8417-C740-394D-A55E-EAB33D9622A6}" srcOrd="2" destOrd="0" presId="urn:microsoft.com/office/officeart/2005/8/layout/hierarchy4"/>
-    <dgm:cxn modelId="{C3124F67-7B28-2F4A-9310-C8E3C1826C56}" type="presParOf" srcId="{504E8417-C740-394D-A55E-EAB33D9622A6}" destId="{D412FCF4-1648-6B4A-8DC8-CB0F00D8B83C}" srcOrd="0" destOrd="0" presId="urn:microsoft.com/office/officeart/2005/8/layout/hierarchy4"/>
-    <dgm:cxn modelId="{D8F5F88D-C000-904C-AF0A-2C538B61FDCA}" type="presParOf" srcId="{D412FCF4-1648-6B4A-8DC8-CB0F00D8B83C}" destId="{D94364CA-E377-0543-B9A4-325C483FBF75}" srcOrd="0" destOrd="0" presId="urn:microsoft.com/office/officeart/2005/8/layout/hierarchy4"/>
-    <dgm:cxn modelId="{C8A7A44E-5D4A-C34D-A912-40CCEC687B68}" type="presParOf" srcId="{D412FCF4-1648-6B4A-8DC8-CB0F00D8B83C}" destId="{6D7E51A6-E857-E240-B9FE-6CD56AD23240}" srcOrd="1" destOrd="0" presId="urn:microsoft.com/office/officeart/2005/8/layout/hierarchy4"/>
-    <dgm:cxn modelId="{8F1B87DE-B1E2-034D-A68B-7964C05CC0D9}" type="presParOf" srcId="{D412FCF4-1648-6B4A-8DC8-CB0F00D8B83C}" destId="{2F6B7564-5506-844F-B35D-63EACA3E7FC6}" srcOrd="2" destOrd="0" presId="urn:microsoft.com/office/officeart/2005/8/layout/hierarchy4"/>
-    <dgm:cxn modelId="{772692D2-F0C4-CC48-AA8F-DD9E9F9FF53C}" type="presParOf" srcId="{2F6B7564-5506-844F-B35D-63EACA3E7FC6}" destId="{6DCB8217-9A6C-C342-9E2C-4A21A3448517}" srcOrd="0" destOrd="0" presId="urn:microsoft.com/office/officeart/2005/8/layout/hierarchy4"/>
-    <dgm:cxn modelId="{80FE8E2F-F6FD-6B4C-994D-24F3FCD72D7D}" type="presParOf" srcId="{6DCB8217-9A6C-C342-9E2C-4A21A3448517}" destId="{D7926BB1-EE2C-BE4F-BDC3-9EE8D5EAD62F}" srcOrd="0" destOrd="0" presId="urn:microsoft.com/office/officeart/2005/8/layout/hierarchy4"/>
-    <dgm:cxn modelId="{8A900B32-4D62-514B-93FC-B28C97156DE3}" type="presParOf" srcId="{6DCB8217-9A6C-C342-9E2C-4A21A3448517}" destId="{A6450AAD-FBAA-664B-9823-0403FBEAEA89}" srcOrd="1" destOrd="0" presId="urn:microsoft.com/office/officeart/2005/8/layout/hierarchy4"/>
-    <dgm:cxn modelId="{1A41F396-7CD9-5540-89F0-F86F8833A96C}" type="presParOf" srcId="{2F6B7564-5506-844F-B35D-63EACA3E7FC6}" destId="{531724AD-87E7-B34F-9427-840975E2F808}" srcOrd="1" destOrd="0" presId="urn:microsoft.com/office/officeart/2005/8/layout/hierarchy4"/>
-    <dgm:cxn modelId="{8A7D94D6-B7AA-D14F-A464-102E32CA04E8}" type="presParOf" srcId="{2F6B7564-5506-844F-B35D-63EACA3E7FC6}" destId="{F57CAD7D-7851-6D41-8BBE-D1F54A3196A0}" srcOrd="2" destOrd="0" presId="urn:microsoft.com/office/officeart/2005/8/layout/hierarchy4"/>
-    <dgm:cxn modelId="{F29AEF3F-3FA9-3D41-A956-477989A0A9C7}" type="presParOf" srcId="{F57CAD7D-7851-6D41-8BBE-D1F54A3196A0}" destId="{EFB31975-7F0A-B743-9777-B873FECBBFCD}" srcOrd="0" destOrd="0" presId="urn:microsoft.com/office/officeart/2005/8/layout/hierarchy4"/>
-    <dgm:cxn modelId="{513B08AB-D8DE-AD43-A6FF-FDD399A13384}" type="presParOf" srcId="{F57CAD7D-7851-6D41-8BBE-D1F54A3196A0}" destId="{4E24A90E-B945-D847-BAE6-7CA0154DF002}" srcOrd="1" destOrd="0" presId="urn:microsoft.com/office/officeart/2005/8/layout/hierarchy4"/>
-    <dgm:cxn modelId="{B2EAA8D6-D01E-3A41-8B94-B0E273EAC1FC}" type="presParOf" srcId="{504E8417-C740-394D-A55E-EAB33D9622A6}" destId="{4606EC61-14FD-1144-AEF2-AE0E838DA8C8}" srcOrd="1" destOrd="0" presId="urn:microsoft.com/office/officeart/2005/8/layout/hierarchy4"/>
-    <dgm:cxn modelId="{E5FC3CC1-5C61-EA42-B767-6268F321A4DD}" type="presParOf" srcId="{504E8417-C740-394D-A55E-EAB33D9622A6}" destId="{EE77F992-6F43-0F47-949B-B83B281FAF43}" srcOrd="2" destOrd="0" presId="urn:microsoft.com/office/officeart/2005/8/layout/hierarchy4"/>
-    <dgm:cxn modelId="{A945431C-D1E6-E347-823E-4388075BE327}" type="presParOf" srcId="{EE77F992-6F43-0F47-949B-B83B281FAF43}" destId="{9BC07098-2F34-7740-B9E7-F57E3D4A0DE6}" srcOrd="0" destOrd="0" presId="urn:microsoft.com/office/officeart/2005/8/layout/hierarchy4"/>
-    <dgm:cxn modelId="{41C43583-9F64-8948-BEC3-FFCE52B55A86}" type="presParOf" srcId="{EE77F992-6F43-0F47-949B-B83B281FAF43}" destId="{E2C1B985-E935-AE48-9BC6-C0EEFCC07A0B}" srcOrd="1" destOrd="0" presId="urn:microsoft.com/office/officeart/2005/8/layout/hierarchy4"/>
-    <dgm:cxn modelId="{06DB6CF9-E30E-C54D-84F5-173006198FB9}" type="presParOf" srcId="{EE77F992-6F43-0F47-949B-B83B281FAF43}" destId="{9F6CBDD5-A91F-1D40-BD37-2E5D89928055}" srcOrd="2" destOrd="0" presId="urn:microsoft.com/office/officeart/2005/8/layout/hierarchy4"/>
-    <dgm:cxn modelId="{17292DFF-EFDA-6647-8C28-449506069308}" type="presParOf" srcId="{9F6CBDD5-A91F-1D40-BD37-2E5D89928055}" destId="{1377AE52-D523-FE42-AF8F-4498F5B238C9}" srcOrd="0" destOrd="0" presId="urn:microsoft.com/office/officeart/2005/8/layout/hierarchy4"/>
-    <dgm:cxn modelId="{C1000349-E2CE-7441-A5B6-F71572B288D6}" type="presParOf" srcId="{1377AE52-D523-FE42-AF8F-4498F5B238C9}" destId="{D5DF83B6-4370-7E48-87B2-E67A52E056CF}" srcOrd="0" destOrd="0" presId="urn:microsoft.com/office/officeart/2005/8/layout/hierarchy4"/>
-    <dgm:cxn modelId="{B0839DFA-C5C4-6747-92D2-DD91C33729B3}" type="presParOf" srcId="{1377AE52-D523-FE42-AF8F-4498F5B238C9}" destId="{0C880426-978A-834B-9124-633777BCC137}" srcOrd="1" destOrd="0" presId="urn:microsoft.com/office/officeart/2005/8/layout/hierarchy4"/>
   </dgm:cxnLst>
   <dgm:bg/>
   <dgm:whole/>
@@ -7335,9 +5803,9 @@
         <dsp:cNvSpPr/>
       </dsp:nvSpPr>
       <dsp:spPr>
-        <a:xfrm rot="8372105">
-          <a:off x="2404571" y="3366168"/>
-          <a:ext cx="808117" cy="672894"/>
+        <a:xfrm rot="8471088">
+          <a:off x="2401678" y="3313630"/>
+          <a:ext cx="773278" cy="672894"/>
         </a:xfrm>
         <a:prstGeom prst="leftArrow">
           <a:avLst>
@@ -7375,7 +5843,7 @@
       </dsp:nvSpPr>
       <dsp:spPr>
         <a:xfrm>
-          <a:off x="1628618" y="3829342"/>
+          <a:off x="1628617" y="3749125"/>
           <a:ext cx="958979" cy="591737"/>
         </a:xfrm>
         <a:prstGeom prst="roundRect">
@@ -7438,7 +5906,7 @@
         </a:p>
       </dsp:txBody>
       <dsp:txXfrm>
-        <a:off x="1645949" y="3846673"/>
+        <a:off x="1645948" y="3766456"/>
         <a:ext cx="924317" cy="557075"/>
       </dsp:txXfrm>
     </dsp:sp>
@@ -7448,9 +5916,9 @@
         <dsp:cNvSpPr/>
       </dsp:nvSpPr>
       <dsp:spPr>
-        <a:xfrm rot="11006255">
-          <a:off x="1935916" y="2369119"/>
-          <a:ext cx="961429" cy="655543"/>
+        <a:xfrm rot="11001343">
+          <a:off x="2054751" y="2376831"/>
+          <a:ext cx="825766" cy="655543"/>
         </a:xfrm>
         <a:prstGeom prst="leftArrow">
           <a:avLst>
@@ -7493,7 +5961,7 @@
       </dsp:nvSpPr>
       <dsp:spPr>
         <a:xfrm>
-          <a:off x="1002333" y="2286479"/>
+          <a:off x="1176117" y="2299844"/>
           <a:ext cx="1087714" cy="593564"/>
         </a:xfrm>
         <a:prstGeom prst="roundRect">
@@ -7561,7 +6029,7 @@
         </a:p>
       </dsp:txBody>
       <dsp:txXfrm>
-        <a:off x="1019718" y="2303864"/>
+        <a:off x="1193502" y="2317229"/>
         <a:ext cx="1052944" cy="558794"/>
       </dsp:txXfrm>
     </dsp:sp>
@@ -7571,9 +6039,9 @@
         <dsp:cNvSpPr/>
       </dsp:nvSpPr>
       <dsp:spPr>
-        <a:xfrm rot="14300397">
-          <a:off x="2345827" y="1025338"/>
-          <a:ext cx="1204293" cy="589038"/>
+        <a:xfrm rot="14112443">
+          <a:off x="2403609" y="1151912"/>
+          <a:ext cx="1032236" cy="589038"/>
         </a:xfrm>
         <a:prstGeom prst="leftArrow">
           <a:avLst>
@@ -7616,7 +6084,7 @@
       </dsp:nvSpPr>
       <dsp:spPr>
         <a:xfrm>
-          <a:off x="2064185" y="520175"/>
+          <a:off x="2064188" y="734069"/>
           <a:ext cx="1046810" cy="590082"/>
         </a:xfrm>
         <a:prstGeom prst="roundRect">
@@ -7684,7 +6152,7 @@
         </a:p>
       </dsp:txBody>
       <dsp:txXfrm>
-        <a:off x="2081468" y="537458"/>
+        <a:off x="2081471" y="751352"/>
         <a:ext cx="1012244" cy="555516"/>
       </dsp:txXfrm>
     </dsp:sp>
@@ -7694,9 +6162,9 @@
         <dsp:cNvSpPr/>
       </dsp:nvSpPr>
       <dsp:spPr>
-        <a:xfrm rot="17852040">
-          <a:off x="3906383" y="968427"/>
-          <a:ext cx="1212183" cy="608254"/>
+        <a:xfrm rot="17855364">
+          <a:off x="3937399" y="1025048"/>
+          <a:ext cx="1094528" cy="608254"/>
         </a:xfrm>
         <a:prstGeom prst="leftArrow">
           <a:avLst>
@@ -7739,7 +6207,7 @@
       </dsp:nvSpPr>
       <dsp:spPr>
         <a:xfrm>
-          <a:off x="4276367" y="416026"/>
+          <a:off x="4222892" y="522975"/>
           <a:ext cx="1010330" cy="680842"/>
         </a:xfrm>
         <a:prstGeom prst="roundRect">
@@ -7807,7 +6275,7 @@
         </a:p>
       </dsp:txBody>
       <dsp:txXfrm>
-        <a:off x="4296308" y="435967"/>
+        <a:off x="4242833" y="542916"/>
         <a:ext cx="970448" cy="640960"/>
       </dsp:txXfrm>
     </dsp:sp>
@@ -7817,9 +6285,9 @@
         <dsp:cNvSpPr/>
       </dsp:nvSpPr>
       <dsp:spPr>
-        <a:xfrm rot="20597428">
-          <a:off x="4651976" y="1986319"/>
-          <a:ext cx="1160308" cy="642370"/>
+        <a:xfrm rot="20534722">
+          <a:off x="4652715" y="1999398"/>
+          <a:ext cx="937869" cy="642370"/>
         </a:xfrm>
         <a:prstGeom prst="leftArrow">
           <a:avLst>
@@ -7862,7 +6330,7 @@
       </dsp:nvSpPr>
       <dsp:spPr>
         <a:xfrm>
-          <a:off x="5542773" y="1686005"/>
+          <a:off x="5275400" y="1726112"/>
           <a:ext cx="985496" cy="694166"/>
         </a:xfrm>
         <a:prstGeom prst="roundRect">
@@ -7930,7 +6398,7 @@
         </a:p>
       </dsp:txBody>
       <dsp:txXfrm>
-        <a:off x="5563104" y="1706336"/>
+        <a:off x="5295731" y="1746443"/>
         <a:ext cx="944834" cy="653504"/>
       </dsp:txXfrm>
     </dsp:sp>
@@ -7940,9 +6408,9 @@
         <dsp:cNvSpPr/>
       </dsp:nvSpPr>
       <dsp:spPr>
-        <a:xfrm rot="3010620">
-          <a:off x="4243397" y="3220461"/>
-          <a:ext cx="794066" cy="729828"/>
+        <a:xfrm rot="3179363">
+          <a:off x="4235906" y="3223558"/>
+          <a:ext cx="680562" cy="729828"/>
         </a:xfrm>
         <a:prstGeom prst="leftArrow">
           <a:avLst>
@@ -7985,7 +6453,7 @@
       </dsp:nvSpPr>
       <dsp:spPr>
         <a:xfrm>
-          <a:off x="4795167" y="3717004"/>
+          <a:off x="4613774" y="3690270"/>
           <a:ext cx="1133699" cy="604194"/>
         </a:xfrm>
         <a:prstGeom prst="roundRect">
@@ -8053,7 +6521,7 @@
         </a:p>
       </dsp:txBody>
       <dsp:txXfrm>
-        <a:off x="4812863" y="3734700"/>
+        <a:off x="4631470" y="3707966"/>
         <a:ext cx="1098307" cy="568802"/>
       </dsp:txXfrm>
     </dsp:sp>
@@ -9200,532 +7668,6 @@
       <dsp:txXfrm>
         <a:off x="1480917" y="969212"/>
         <a:ext cx="739180" cy="739180"/>
-      </dsp:txXfrm>
-    </dsp:sp>
-  </dsp:spTree>
-</dsp:drawing>
-</file>
-
-<file path=ppt/diagrams/drawing4.xml><?xml version="1.0" encoding="utf-8"?>
-<dsp:drawing xmlns:dgm="http://schemas.openxmlformats.org/drawingml/2006/diagram" xmlns:dsp="http://schemas.microsoft.com/office/drawing/2008/diagram" xmlns:a="http://schemas.openxmlformats.org/drawingml/2006/main">
-  <dsp:spTree>
-    <dsp:nvGrpSpPr>
-      <dsp:cNvPr id="0" name=""/>
-      <dsp:cNvGrpSpPr/>
-    </dsp:nvGrpSpPr>
-    <dsp:grpSpPr/>
-    <dsp:sp modelId="{D248E6BD-8022-4A47-9158-627137337570}">
-      <dsp:nvSpPr>
-        <dsp:cNvPr id="0" name=""/>
-        <dsp:cNvSpPr/>
-      </dsp:nvSpPr>
-      <dsp:spPr>
-        <a:xfrm>
-          <a:off x="1558" y="2793830"/>
-          <a:ext cx="6934005" cy="1272811"/>
-        </a:xfrm>
-        <a:prstGeom prst="roundRect">
-          <a:avLst>
-            <a:gd name="adj" fmla="val 10000"/>
-          </a:avLst>
-        </a:prstGeom>
-        <a:solidFill>
-          <a:schemeClr val="accent5">
-            <a:lumMod val="50000"/>
-          </a:schemeClr>
-        </a:solidFill>
-        <a:ln>
-          <a:noFill/>
-        </a:ln>
-        <a:effectLst>
-          <a:outerShdw blurRad="228600" dist="38100" dir="5400000" sx="104000" sy="104000" algn="ctr" rotWithShape="0">
-            <a:srgbClr val="000000">
-              <a:alpha val="80000"/>
-            </a:srgbClr>
-          </a:outerShdw>
-        </a:effectLst>
-      </dsp:spPr>
-      <dsp:style>
-        <a:lnRef idx="0">
-          <a:scrgbClr r="0" g="0" b="0"/>
-        </a:lnRef>
-        <a:fillRef idx="3">
-          <a:scrgbClr r="0" g="0" b="0"/>
-        </a:fillRef>
-        <a:effectRef idx="2">
-          <a:scrgbClr r="0" g="0" b="0"/>
-        </a:effectRef>
-        <a:fontRef idx="minor">
-          <a:schemeClr val="lt1"/>
-        </a:fontRef>
-      </dsp:style>
-      <dsp:txBody>
-        <a:bodyPr spcFirstLastPara="0" vert="horz" wrap="square" lIns="76200" tIns="76200" rIns="76200" bIns="76200" numCol="1" spcCol="1270" anchor="ctr" anchorCtr="0">
-          <a:noAutofit/>
-        </a:bodyPr>
-        <a:lstStyle/>
-        <a:p>
-          <a:pPr lvl="0" algn="ctr" defTabSz="889000">
-            <a:lnSpc>
-              <a:spcPct val="90000"/>
-            </a:lnSpc>
-            <a:spcBef>
-              <a:spcPct val="0"/>
-            </a:spcBef>
-            <a:spcAft>
-              <a:spcPct val="35000"/>
-            </a:spcAft>
-          </a:pPr>
-          <a:r>
-            <a:rPr lang="en-US" altLang="zh-CN" sz="2000" kern="1200" dirty="0" smtClean="0"/>
-            <a:t>EMP</a:t>
-          </a:r>
-          <a:r>
-            <a:rPr lang="zh-CN" altLang="en-US" sz="2000" kern="1200" dirty="0" smtClean="0"/>
-            <a:t>、</a:t>
-          </a:r>
-          <a:r>
-            <a:rPr lang="en-US" altLang="zh-CN" sz="2000" kern="1200" dirty="0" smtClean="0"/>
-            <a:t>Liana5</a:t>
-          </a:r>
-          <a:endParaRPr lang="zh-CN" altLang="en-US" sz="2000" kern="1200" dirty="0" smtClean="0"/>
-        </a:p>
-      </dsp:txBody>
-      <dsp:txXfrm>
-        <a:off x="38837" y="2831109"/>
-        <a:ext cx="6859447" cy="1198253"/>
-      </dsp:txXfrm>
-    </dsp:sp>
-    <dsp:sp modelId="{D94364CA-E377-0543-B9A4-325C483FBF75}">
-      <dsp:nvSpPr>
-        <dsp:cNvPr id="0" name=""/>
-        <dsp:cNvSpPr/>
-      </dsp:nvSpPr>
-      <dsp:spPr>
-        <a:xfrm>
-          <a:off x="14203" y="28290"/>
-          <a:ext cx="4529507" cy="1272811"/>
-        </a:xfrm>
-        <a:prstGeom prst="roundRect">
-          <a:avLst>
-            <a:gd name="adj" fmla="val 10000"/>
-          </a:avLst>
-        </a:prstGeom>
-        <a:solidFill>
-          <a:schemeClr val="accent6">
-            <a:lumMod val="60000"/>
-            <a:lumOff val="40000"/>
-          </a:schemeClr>
-        </a:solidFill>
-        <a:ln>
-          <a:noFill/>
-        </a:ln>
-        <a:effectLst>
-          <a:outerShdw blurRad="228600" dist="38100" dir="5400000" sx="104000" sy="104000" algn="ctr" rotWithShape="0">
-            <a:srgbClr val="000000">
-              <a:alpha val="80000"/>
-            </a:srgbClr>
-          </a:outerShdw>
-        </a:effectLst>
-      </dsp:spPr>
-      <dsp:style>
-        <a:lnRef idx="0">
-          <a:scrgbClr r="0" g="0" b="0"/>
-        </a:lnRef>
-        <a:fillRef idx="3">
-          <a:scrgbClr r="0" g="0" b="0"/>
-        </a:fillRef>
-        <a:effectRef idx="2">
-          <a:scrgbClr r="0" g="0" b="0"/>
-        </a:effectRef>
-        <a:fontRef idx="minor">
-          <a:schemeClr val="lt1"/>
-        </a:fontRef>
-      </dsp:style>
-      <dsp:txBody>
-        <a:bodyPr spcFirstLastPara="0" vert="horz" wrap="square" lIns="76200" tIns="76200" rIns="76200" bIns="76200" numCol="1" spcCol="1270" anchor="ctr" anchorCtr="0">
-          <a:noAutofit/>
-        </a:bodyPr>
-        <a:lstStyle/>
-        <a:p>
-          <a:pPr lvl="0" algn="ctr" defTabSz="889000">
-            <a:lnSpc>
-              <a:spcPct val="90000"/>
-            </a:lnSpc>
-            <a:spcBef>
-              <a:spcPct val="0"/>
-            </a:spcBef>
-            <a:spcAft>
-              <a:spcPct val="35000"/>
-            </a:spcAft>
-          </a:pPr>
-          <a:r>
-            <a:rPr lang="zh-CN" altLang="en-US" sz="2000" kern="1200" dirty="0" smtClean="0"/>
-            <a:t>图表</a:t>
-          </a:r>
-          <a:endParaRPr lang="zh-CN" altLang="en-US" sz="2000" kern="1200" dirty="0"/>
-        </a:p>
-      </dsp:txBody>
-      <dsp:txXfrm>
-        <a:off x="51482" y="65569"/>
-        <a:ext cx="4454949" cy="1198253"/>
-      </dsp:txXfrm>
-    </dsp:sp>
-    <dsp:sp modelId="{D7926BB1-EE2C-BE4F-BDC3-9EE8D5EAD62F}">
-      <dsp:nvSpPr>
-        <dsp:cNvPr id="0" name=""/>
-        <dsp:cNvSpPr/>
-      </dsp:nvSpPr>
-      <dsp:spPr>
-        <a:xfrm>
-          <a:off x="14193" y="1418816"/>
-          <a:ext cx="2218171" cy="1272811"/>
-        </a:xfrm>
-        <a:prstGeom prst="roundRect">
-          <a:avLst>
-            <a:gd name="adj" fmla="val 10000"/>
-          </a:avLst>
-        </a:prstGeom>
-        <a:gradFill rotWithShape="0">
-          <a:gsLst>
-            <a:gs pos="0">
-              <a:schemeClr val="accent3">
-                <a:hueOff val="0"/>
-                <a:satOff val="0"/>
-                <a:lumOff val="0"/>
-                <a:alphaOff val="0"/>
-                <a:shade val="30000"/>
-                <a:satMod val="100000"/>
-              </a:schemeClr>
-            </a:gs>
-            <a:gs pos="80000">
-              <a:schemeClr val="accent3">
-                <a:hueOff val="0"/>
-                <a:satOff val="0"/>
-                <a:lumOff val="0"/>
-                <a:alphaOff val="0"/>
-                <a:shade val="90000"/>
-                <a:satMod val="100000"/>
-              </a:schemeClr>
-            </a:gs>
-            <a:gs pos="100000">
-              <a:schemeClr val="accent3">
-                <a:hueOff val="0"/>
-                <a:satOff val="0"/>
-                <a:lumOff val="0"/>
-                <a:alphaOff val="0"/>
-                <a:tint val="90000"/>
-                <a:shade val="100000"/>
-                <a:satMod val="150000"/>
-              </a:schemeClr>
-            </a:gs>
-          </a:gsLst>
-          <a:lin ang="16200000" scaled="0"/>
-        </a:gradFill>
-        <a:ln>
-          <a:noFill/>
-        </a:ln>
-        <a:effectLst>
-          <a:outerShdw blurRad="228600" dist="38100" dir="5400000" sx="104000" sy="104000" algn="ctr" rotWithShape="0">
-            <a:srgbClr val="000000">
-              <a:alpha val="80000"/>
-            </a:srgbClr>
-          </a:outerShdw>
-        </a:effectLst>
-      </dsp:spPr>
-      <dsp:style>
-        <a:lnRef idx="0">
-          <a:scrgbClr r="0" g="0" b="0"/>
-        </a:lnRef>
-        <a:fillRef idx="3">
-          <a:scrgbClr r="0" g="0" b="0"/>
-        </a:fillRef>
-        <a:effectRef idx="2">
-          <a:scrgbClr r="0" g="0" b="0"/>
-        </a:effectRef>
-        <a:fontRef idx="minor">
-          <a:schemeClr val="lt1"/>
-        </a:fontRef>
-      </dsp:style>
-      <dsp:txBody>
-        <a:bodyPr spcFirstLastPara="0" vert="horz" wrap="square" lIns="76200" tIns="76200" rIns="76200" bIns="76200" numCol="1" spcCol="1270" anchor="ctr" anchorCtr="0">
-          <a:noAutofit/>
-        </a:bodyPr>
-        <a:lstStyle/>
-        <a:p>
-          <a:pPr lvl="0" algn="ctr" defTabSz="889000">
-            <a:lnSpc>
-              <a:spcPct val="90000"/>
-            </a:lnSpc>
-            <a:spcBef>
-              <a:spcPct val="0"/>
-            </a:spcBef>
-            <a:spcAft>
-              <a:spcPct val="35000"/>
-            </a:spcAft>
-          </a:pPr>
-          <a:r>
-            <a:rPr lang="zh-CN" altLang="en-US" sz="2000" kern="1200" dirty="0" smtClean="0"/>
-            <a:t>采集</a:t>
-          </a:r>
-          <a:endParaRPr lang="zh-CN" altLang="en-US" sz="2000" kern="1200" dirty="0"/>
-        </a:p>
-      </dsp:txBody>
-      <dsp:txXfrm>
-        <a:off x="51472" y="1456095"/>
-        <a:ext cx="2143613" cy="1198253"/>
-      </dsp:txXfrm>
-    </dsp:sp>
-    <dsp:sp modelId="{EFB31975-7F0A-B743-9777-B873FECBBFCD}">
-      <dsp:nvSpPr>
-        <dsp:cNvPr id="0" name=""/>
-        <dsp:cNvSpPr/>
-      </dsp:nvSpPr>
-      <dsp:spPr>
-        <a:xfrm>
-          <a:off x="2360841" y="1417022"/>
-          <a:ext cx="2218171" cy="1272811"/>
-        </a:xfrm>
-        <a:prstGeom prst="roundRect">
-          <a:avLst>
-            <a:gd name="adj" fmla="val 10000"/>
-          </a:avLst>
-        </a:prstGeom>
-        <a:solidFill>
-          <a:srgbClr val="FF6600"/>
-        </a:solidFill>
-        <a:ln>
-          <a:noFill/>
-        </a:ln>
-        <a:effectLst>
-          <a:outerShdw blurRad="228600" dist="38100" dir="5400000" sx="104000" sy="104000" algn="ctr" rotWithShape="0">
-            <a:srgbClr val="000000">
-              <a:alpha val="80000"/>
-            </a:srgbClr>
-          </a:outerShdw>
-        </a:effectLst>
-      </dsp:spPr>
-      <dsp:style>
-        <a:lnRef idx="0">
-          <a:scrgbClr r="0" g="0" b="0"/>
-        </a:lnRef>
-        <a:fillRef idx="3">
-          <a:scrgbClr r="0" g="0" b="0"/>
-        </a:fillRef>
-        <a:effectRef idx="2">
-          <a:scrgbClr r="0" g="0" b="0"/>
-        </a:effectRef>
-        <a:fontRef idx="minor">
-          <a:schemeClr val="lt1"/>
-        </a:fontRef>
-      </dsp:style>
-      <dsp:txBody>
-        <a:bodyPr spcFirstLastPara="0" vert="horz" wrap="square" lIns="76200" tIns="76200" rIns="76200" bIns="76200" numCol="1" spcCol="1270" anchor="ctr" anchorCtr="0">
-          <a:noAutofit/>
-        </a:bodyPr>
-        <a:lstStyle/>
-        <a:p>
-          <a:pPr lvl="0" algn="ctr" defTabSz="889000">
-            <a:lnSpc>
-              <a:spcPct val="90000"/>
-            </a:lnSpc>
-            <a:spcBef>
-              <a:spcPct val="0"/>
-            </a:spcBef>
-            <a:spcAft>
-              <a:spcPct val="35000"/>
-            </a:spcAft>
-          </a:pPr>
-          <a:r>
-            <a:rPr lang="zh-CN" altLang="en-US" sz="2000" kern="1200" dirty="0" smtClean="0"/>
-            <a:t>分析</a:t>
-          </a:r>
-          <a:endParaRPr lang="zh-CN" altLang="en-US" sz="2000" kern="1200" dirty="0"/>
-        </a:p>
-      </dsp:txBody>
-      <dsp:txXfrm>
-        <a:off x="2398120" y="1454301"/>
-        <a:ext cx="2143613" cy="1198253"/>
-      </dsp:txXfrm>
-    </dsp:sp>
-    <dsp:sp modelId="{9BC07098-2F34-7740-B9E7-F57E3D4A0DE6}">
-      <dsp:nvSpPr>
-        <dsp:cNvPr id="0" name=""/>
-        <dsp:cNvSpPr/>
-      </dsp:nvSpPr>
-      <dsp:spPr>
-        <a:xfrm>
-          <a:off x="4672044" y="1396915"/>
-          <a:ext cx="2218171" cy="1272811"/>
-        </a:xfrm>
-        <a:prstGeom prst="roundRect">
-          <a:avLst>
-            <a:gd name="adj" fmla="val 10000"/>
-          </a:avLst>
-        </a:prstGeom>
-        <a:gradFill rotWithShape="0">
-          <a:gsLst>
-            <a:gs pos="0">
-              <a:schemeClr val="accent2">
-                <a:hueOff val="0"/>
-                <a:satOff val="0"/>
-                <a:lumOff val="0"/>
-                <a:alphaOff val="0"/>
-                <a:shade val="30000"/>
-                <a:satMod val="100000"/>
-              </a:schemeClr>
-            </a:gs>
-            <a:gs pos="80000">
-              <a:schemeClr val="accent2">
-                <a:hueOff val="0"/>
-                <a:satOff val="0"/>
-                <a:lumOff val="0"/>
-                <a:alphaOff val="0"/>
-                <a:shade val="90000"/>
-                <a:satMod val="100000"/>
-              </a:schemeClr>
-            </a:gs>
-            <a:gs pos="100000">
-              <a:schemeClr val="accent2">
-                <a:hueOff val="0"/>
-                <a:satOff val="0"/>
-                <a:lumOff val="0"/>
-                <a:alphaOff val="0"/>
-                <a:tint val="90000"/>
-                <a:shade val="100000"/>
-                <a:satMod val="150000"/>
-              </a:schemeClr>
-            </a:gs>
-          </a:gsLst>
-          <a:lin ang="16200000" scaled="0"/>
-        </a:gradFill>
-        <a:ln>
-          <a:noFill/>
-        </a:ln>
-        <a:effectLst>
-          <a:outerShdw blurRad="228600" dist="38100" dir="5400000" sx="104000" sy="104000" algn="ctr" rotWithShape="0">
-            <a:srgbClr val="000000">
-              <a:alpha val="80000"/>
-            </a:srgbClr>
-          </a:outerShdw>
-        </a:effectLst>
-      </dsp:spPr>
-      <dsp:style>
-        <a:lnRef idx="0">
-          <a:scrgbClr r="0" g="0" b="0"/>
-        </a:lnRef>
-        <a:fillRef idx="3">
-          <a:scrgbClr r="0" g="0" b="0"/>
-        </a:fillRef>
-        <a:effectRef idx="2">
-          <a:scrgbClr r="0" g="0" b="0"/>
-        </a:effectRef>
-        <a:fontRef idx="minor">
-          <a:schemeClr val="lt1"/>
-        </a:fontRef>
-      </dsp:style>
-      <dsp:txBody>
-        <a:bodyPr spcFirstLastPara="0" vert="horz" wrap="square" lIns="76200" tIns="76200" rIns="76200" bIns="76200" numCol="1" spcCol="1270" anchor="ctr" anchorCtr="0">
-          <a:noAutofit/>
-        </a:bodyPr>
-        <a:lstStyle/>
-        <a:p>
-          <a:pPr lvl="0" algn="ctr" defTabSz="889000">
-            <a:lnSpc>
-              <a:spcPct val="90000"/>
-            </a:lnSpc>
-            <a:spcBef>
-              <a:spcPct val="0"/>
-            </a:spcBef>
-            <a:spcAft>
-              <a:spcPct val="35000"/>
-            </a:spcAft>
-          </a:pPr>
-          <a:r>
-            <a:rPr lang="zh-CN" altLang="en-US" sz="2000" kern="1200" dirty="0" smtClean="0"/>
-            <a:t>营销</a:t>
-          </a:r>
-          <a:endParaRPr lang="zh-CN" altLang="en-US" sz="2000" kern="1200" dirty="0"/>
-        </a:p>
-      </dsp:txBody>
-      <dsp:txXfrm>
-        <a:off x="4709323" y="1434194"/>
-        <a:ext cx="2143613" cy="1198253"/>
-      </dsp:txXfrm>
-    </dsp:sp>
-    <dsp:sp modelId="{D5DF83B6-4370-7E48-87B2-E67A52E056CF}">
-      <dsp:nvSpPr>
-        <dsp:cNvPr id="0" name=""/>
-        <dsp:cNvSpPr/>
-      </dsp:nvSpPr>
-      <dsp:spPr>
-        <a:xfrm>
-          <a:off x="4674883" y="42029"/>
-          <a:ext cx="2218171" cy="1272811"/>
-        </a:xfrm>
-        <a:prstGeom prst="roundRect">
-          <a:avLst>
-            <a:gd name="adj" fmla="val 10000"/>
-          </a:avLst>
-        </a:prstGeom>
-        <a:solidFill>
-          <a:schemeClr val="accent4">
-            <a:lumMod val="60000"/>
-            <a:lumOff val="40000"/>
-          </a:schemeClr>
-        </a:solidFill>
-        <a:ln>
-          <a:noFill/>
-        </a:ln>
-        <a:effectLst>
-          <a:outerShdw blurRad="228600" dist="38100" dir="5400000" sx="104000" sy="104000" algn="ctr" rotWithShape="0">
-            <a:srgbClr val="000000">
-              <a:alpha val="80000"/>
-            </a:srgbClr>
-          </a:outerShdw>
-        </a:effectLst>
-      </dsp:spPr>
-      <dsp:style>
-        <a:lnRef idx="0">
-          <a:scrgbClr r="0" g="0" b="0"/>
-        </a:lnRef>
-        <a:fillRef idx="3">
-          <a:scrgbClr r="0" g="0" b="0"/>
-        </a:fillRef>
-        <a:effectRef idx="2">
-          <a:scrgbClr r="0" g="0" b="0"/>
-        </a:effectRef>
-        <a:fontRef idx="minor">
-          <a:schemeClr val="lt1"/>
-        </a:fontRef>
-      </dsp:style>
-      <dsp:txBody>
-        <a:bodyPr spcFirstLastPara="0" vert="horz" wrap="square" lIns="76200" tIns="76200" rIns="76200" bIns="76200" numCol="1" spcCol="1270" anchor="ctr" anchorCtr="0">
-          <a:noAutofit/>
-        </a:bodyPr>
-        <a:lstStyle/>
-        <a:p>
-          <a:pPr lvl="0" algn="ctr" defTabSz="889000">
-            <a:lnSpc>
-              <a:spcPct val="90000"/>
-            </a:lnSpc>
-            <a:spcBef>
-              <a:spcPct val="0"/>
-            </a:spcBef>
-            <a:spcAft>
-              <a:spcPct val="35000"/>
-            </a:spcAft>
-          </a:pPr>
-          <a:r>
-            <a:rPr lang="zh-CN" altLang="en-US" sz="2000" kern="1200" dirty="0" smtClean="0"/>
-            <a:t>管理</a:t>
-          </a:r>
-          <a:endParaRPr lang="zh-CN" altLang="en-US" sz="2000" kern="1200" dirty="0"/>
-        </a:p>
-      </dsp:txBody>
-      <dsp:txXfrm>
-        <a:off x="4712162" y="79308"/>
-        <a:ext cx="2143613" cy="1198253"/>
       </dsp:txXfrm>
     </dsp:sp>
   </dsp:spTree>
@@ -11191,528 +9133,6 @@
 </dgm:layoutDef>
 </file>
 
-<file path=ppt/diagrams/layout4.xml><?xml version="1.0" encoding="utf-8"?>
-<dgm:layoutDef xmlns:dgm="http://schemas.openxmlformats.org/drawingml/2006/diagram" xmlns:a="http://schemas.openxmlformats.org/drawingml/2006/main" uniqueId="urn:microsoft.com/office/officeart/2005/8/layout/hierarchy4">
-  <dgm:title val=""/>
-  <dgm:desc val=""/>
-  <dgm:catLst>
-    <dgm:cat type="hierarchy" pri="4000"/>
-    <dgm:cat type="list" pri="24000"/>
-    <dgm:cat type="relationship" pri="10000"/>
-  </dgm:catLst>
-  <dgm:sampData>
-    <dgm:dataModel>
-      <dgm:ptLst>
-        <dgm:pt modelId="0" type="doc"/>
-        <dgm:pt modelId="1">
-          <dgm:prSet phldr="1"/>
-        </dgm:pt>
-        <dgm:pt modelId="2">
-          <dgm:prSet phldr="1"/>
-        </dgm:pt>
-        <dgm:pt modelId="21">
-          <dgm:prSet phldr="1"/>
-        </dgm:pt>
-        <dgm:pt modelId="22">
-          <dgm:prSet phldr="1"/>
-        </dgm:pt>
-        <dgm:pt modelId="3">
-          <dgm:prSet phldr="1"/>
-        </dgm:pt>
-        <dgm:pt modelId="31">
-          <dgm:prSet phldr="1"/>
-        </dgm:pt>
-      </dgm:ptLst>
-      <dgm:cxnLst>
-        <dgm:cxn modelId="4" srcId="0" destId="1" srcOrd="0" destOrd="0"/>
-        <dgm:cxn modelId="5" srcId="1" destId="2" srcOrd="0" destOrd="0"/>
-        <dgm:cxn modelId="6" srcId="1" destId="3" srcOrd="1" destOrd="0"/>
-        <dgm:cxn modelId="23" srcId="2" destId="21" srcOrd="0" destOrd="0"/>
-        <dgm:cxn modelId="24" srcId="2" destId="22" srcOrd="1" destOrd="0"/>
-        <dgm:cxn modelId="33" srcId="3" destId="31" srcOrd="0" destOrd="0"/>
-      </dgm:cxnLst>
-      <dgm:bg/>
-      <dgm:whole/>
-    </dgm:dataModel>
-  </dgm:sampData>
-  <dgm:styleData>
-    <dgm:dataModel>
-      <dgm:ptLst>
-        <dgm:pt modelId="0" type="doc"/>
-        <dgm:pt modelId="1"/>
-        <dgm:pt modelId="11"/>
-        <dgm:pt modelId="12"/>
-      </dgm:ptLst>
-      <dgm:cxnLst>
-        <dgm:cxn modelId="2" srcId="0" destId="1" srcOrd="0" destOrd="0"/>
-        <dgm:cxn modelId="13" srcId="1" destId="11" srcOrd="0" destOrd="0"/>
-        <dgm:cxn modelId="14" srcId="1" destId="12" srcOrd="1" destOrd="0"/>
-      </dgm:cxnLst>
-      <dgm:bg/>
-      <dgm:whole/>
-    </dgm:dataModel>
-  </dgm:styleData>
-  <dgm:clrData>
-    <dgm:dataModel>
-      <dgm:ptLst>
-        <dgm:pt modelId="0" type="doc"/>
-        <dgm:pt modelId="1"/>
-        <dgm:pt modelId="2"/>
-        <dgm:pt modelId="21"/>
-        <dgm:pt modelId="211"/>
-        <dgm:pt modelId="3"/>
-        <dgm:pt modelId="31"/>
-        <dgm:pt modelId="311"/>
-      </dgm:ptLst>
-      <dgm:cxnLst>
-        <dgm:cxn modelId="4" srcId="0" destId="1" srcOrd="0" destOrd="0"/>
-        <dgm:cxn modelId="5" srcId="1" destId="2" srcOrd="0" destOrd="0"/>
-        <dgm:cxn modelId="6" srcId="1" destId="3" srcOrd="1" destOrd="0"/>
-        <dgm:cxn modelId="23" srcId="2" destId="21" srcOrd="0" destOrd="0"/>
-        <dgm:cxn modelId="24" srcId="21" destId="211" srcOrd="0" destOrd="0"/>
-        <dgm:cxn modelId="33" srcId="3" destId="31" srcOrd="0" destOrd="0"/>
-        <dgm:cxn modelId="34" srcId="31" destId="311" srcOrd="0" destOrd="0"/>
-      </dgm:cxnLst>
-      <dgm:bg/>
-      <dgm:whole/>
-    </dgm:dataModel>
-  </dgm:clrData>
-  <dgm:layoutNode name="Name0">
-    <dgm:varLst>
-      <dgm:chPref val="1"/>
-      <dgm:dir/>
-      <dgm:animOne val="branch"/>
-      <dgm:animLvl val="lvl"/>
-      <dgm:resizeHandles/>
-    </dgm:varLst>
-    <dgm:choose name="Name1">
-      <dgm:if name="Name2" func="var" arg="dir" op="equ" val="norm">
-        <dgm:alg type="lin">
-          <dgm:param type="linDir" val="fromL"/>
-          <dgm:param type="nodeVertAlign" val="t"/>
-        </dgm:alg>
-      </dgm:if>
-      <dgm:else name="Name3">
-        <dgm:alg type="lin">
-          <dgm:param type="linDir" val="fromR"/>
-          <dgm:param type="nodeVertAlign" val="t"/>
-        </dgm:alg>
-      </dgm:else>
-    </dgm:choose>
-    <dgm:shape xmlns:r="http://schemas.openxmlformats.org/officeDocument/2006/relationships" r:blip="">
-      <dgm:adjLst/>
-    </dgm:shape>
-    <dgm:presOf/>
-    <dgm:constrLst>
-      <dgm:constr type="w" for="ch" forName="vertOne" refType="w"/>
-      <dgm:constr type="w" for="des" forName="horzOne" refType="w"/>
-      <dgm:constr type="w" for="des" forName="txOne" refType="w"/>
-      <dgm:constr type="w" for="des" forName="vertTwo" refType="w"/>
-      <dgm:constr type="w" for="des" forName="horzTwo" refType="w"/>
-      <dgm:constr type="w" for="des" forName="txTwo" refType="w"/>
-      <dgm:constr type="w" for="des" forName="vertThree" refType="w"/>
-      <dgm:constr type="w" for="des" forName="horzThree" refType="w"/>
-      <dgm:constr type="w" for="des" forName="txThree" refType="w"/>
-      <dgm:constr type="w" for="des" forName="vertFour" refType="w"/>
-      <dgm:constr type="w" for="des" forName="horzFour" refType="w"/>
-      <dgm:constr type="w" for="des" forName="txFour" refType="w"/>
-      <dgm:constr type="h" for="des" ptType="node" op="equ"/>
-      <dgm:constr type="h" for="des" forName="txOne" refType="h"/>
-      <dgm:constr type="userH" for="des" ptType="node" refType="h" refFor="des" refForName="txOne"/>
-      <dgm:constr type="primFontSz" for="des" forName="txOne" val="65"/>
-      <dgm:constr type="primFontSz" for="des" forName="txTwo" val="65"/>
-      <dgm:constr type="primFontSz" for="des" forName="txTwo" refType="primFontSz" refFor="des" refForName="txOne" op="lte"/>
-      <dgm:constr type="primFontSz" for="des" forName="txThree" val="65"/>
-      <dgm:constr type="primFontSz" for="des" forName="txThree" refType="primFontSz" refFor="des" refForName="txOne" op="lte"/>
-      <dgm:constr type="primFontSz" for="des" forName="txThree" refType="primFontSz" refFor="des" refForName="txTwo" op="lte"/>
-      <dgm:constr type="primFontSz" for="des" forName="txFour" val="65"/>
-      <dgm:constr type="primFontSz" for="des" forName="txFour" refType="primFontSz" refFor="des" refForName="txOne" op="lte"/>
-      <dgm:constr type="primFontSz" for="des" forName="txFour" refType="primFontSz" refFor="des" refForName="txTwo" op="lte"/>
-      <dgm:constr type="primFontSz" for="des" forName="txFour" refType="primFontSz" refFor="des" refForName="txThree" op="lte"/>
-      <dgm:constr type="w" for="des" forName="sibSpaceOne" refType="w" fact="0.168"/>
-      <dgm:constr type="w" for="des" forName="sibSpaceTwo" refType="w" refFor="des" refForName="sibSpaceOne" op="equ" fact="0.5"/>
-      <dgm:constr type="w" for="des" forName="sibSpaceThree" refType="w" refFor="des" refForName="sibSpaceTwo" op="equ" fact="0.5"/>
-      <dgm:constr type="w" for="des" forName="sibSpaceFour" refType="w" refFor="des" refForName="sibSpaceThree" op="equ" fact="0.5"/>
-      <dgm:constr type="h" for="des" forName="parTransOne" refType="w" fact="0.056"/>
-      <dgm:constr type="h" for="des" forName="parTransTwo" refType="h" refFor="des" refForName="parTransOne" op="equ"/>
-      <dgm:constr type="h" for="des" forName="parTransThree" refType="h" refFor="des" refForName="parTransTwo" op="equ"/>
-      <dgm:constr type="h" for="des" forName="parTransFour" refType="h" refFor="des" refForName="parTransThree" op="equ"/>
-    </dgm:constrLst>
-    <dgm:ruleLst/>
-    <dgm:forEach name="Name4" axis="ch" ptType="node">
-      <dgm:layoutNode name="vertOne">
-        <dgm:alg type="lin">
-          <dgm:param type="linDir" val="fromT"/>
-        </dgm:alg>
-        <dgm:shape xmlns:r="http://schemas.openxmlformats.org/officeDocument/2006/relationships" r:blip="">
-          <dgm:adjLst/>
-        </dgm:shape>
-        <dgm:presOf/>
-        <dgm:constrLst>
-          <dgm:constr type="w" for="ch" forName="txOne" refType="w" refFor="ch" refForName="horzOne" op="gte"/>
-        </dgm:constrLst>
-        <dgm:ruleLst/>
-        <dgm:layoutNode name="txOne" styleLbl="node0">
-          <dgm:varLst>
-            <dgm:chPref val="3"/>
-          </dgm:varLst>
-          <dgm:alg type="tx"/>
-          <dgm:shape xmlns:r="http://schemas.openxmlformats.org/officeDocument/2006/relationships" type="roundRect" r:blip="">
-            <dgm:adjLst>
-              <dgm:adj idx="1" val="0.1"/>
-            </dgm:adjLst>
-          </dgm:shape>
-          <dgm:presOf axis="self"/>
-          <dgm:constrLst>
-            <dgm:constr type="tMarg" refType="primFontSz" fact="0.3"/>
-            <dgm:constr type="bMarg" refType="primFontSz" fact="0.3"/>
-            <dgm:constr type="lMarg" refType="primFontSz" fact="0.3"/>
-            <dgm:constr type="rMarg" refType="primFontSz" fact="0.3"/>
-          </dgm:constrLst>
-          <dgm:ruleLst>
-            <dgm:rule type="primFontSz" val="5" fact="NaN" max="NaN"/>
-          </dgm:ruleLst>
-        </dgm:layoutNode>
-        <dgm:choose name="Name5">
-          <dgm:if name="Name6" axis="des" ptType="node" func="cnt" op="gt" val="0">
-            <dgm:layoutNode name="parTransOne">
-              <dgm:alg type="sp"/>
-              <dgm:shape xmlns:r="http://schemas.openxmlformats.org/officeDocument/2006/relationships" r:blip="">
-                <dgm:adjLst/>
-              </dgm:shape>
-              <dgm:presOf/>
-              <dgm:constrLst/>
-              <dgm:ruleLst/>
-            </dgm:layoutNode>
-          </dgm:if>
-          <dgm:else name="Name7"/>
-        </dgm:choose>
-        <dgm:layoutNode name="horzOne">
-          <dgm:choose name="Name8">
-            <dgm:if name="Name9" func="var" arg="dir" op="equ" val="norm">
-              <dgm:alg type="lin">
-                <dgm:param type="linDir" val="fromL"/>
-                <dgm:param type="nodeVertAlign" val="t"/>
-              </dgm:alg>
-            </dgm:if>
-            <dgm:else name="Name10">
-              <dgm:alg type="lin">
-                <dgm:param type="linDir" val="fromR"/>
-                <dgm:param type="nodeVertAlign" val="t"/>
-              </dgm:alg>
-            </dgm:else>
-          </dgm:choose>
-          <dgm:shape xmlns:r="http://schemas.openxmlformats.org/officeDocument/2006/relationships" r:blip="">
-            <dgm:adjLst/>
-          </dgm:shape>
-          <dgm:presOf/>
-          <dgm:constrLst/>
-          <dgm:ruleLst>
-            <dgm:rule type="w" val="INF" fact="NaN" max="NaN"/>
-          </dgm:ruleLst>
-          <dgm:forEach name="Name11" axis="ch" ptType="node">
-            <dgm:layoutNode name="vertTwo">
-              <dgm:alg type="lin">
-                <dgm:param type="linDir" val="fromT"/>
-              </dgm:alg>
-              <dgm:shape xmlns:r="http://schemas.openxmlformats.org/officeDocument/2006/relationships" r:blip="">
-                <dgm:adjLst/>
-              </dgm:shape>
-              <dgm:presOf/>
-              <dgm:constrLst>
-                <dgm:constr type="w" for="ch" forName="txTwo" refType="w" refFor="ch" refForName="horzTwo" op="gte"/>
-              </dgm:constrLst>
-              <dgm:ruleLst/>
-              <dgm:layoutNode name="txTwo">
-                <dgm:varLst>
-                  <dgm:chPref val="3"/>
-                </dgm:varLst>
-                <dgm:alg type="tx"/>
-                <dgm:shape xmlns:r="http://schemas.openxmlformats.org/officeDocument/2006/relationships" type="roundRect" r:blip="">
-                  <dgm:adjLst>
-                    <dgm:adj idx="1" val="0.1"/>
-                  </dgm:adjLst>
-                </dgm:shape>
-                <dgm:presOf axis="self"/>
-                <dgm:constrLst>
-                  <dgm:constr type="userH"/>
-                  <dgm:constr type="h" refType="userH"/>
-                  <dgm:constr type="tMarg" refType="primFontSz" fact="0.3"/>
-                  <dgm:constr type="bMarg" refType="primFontSz" fact="0.3"/>
-                  <dgm:constr type="lMarg" refType="primFontSz" fact="0.3"/>
-                  <dgm:constr type="rMarg" refType="primFontSz" fact="0.3"/>
-                </dgm:constrLst>
-                <dgm:ruleLst>
-                  <dgm:rule type="primFontSz" val="5" fact="NaN" max="NaN"/>
-                </dgm:ruleLst>
-              </dgm:layoutNode>
-              <dgm:choose name="Name12">
-                <dgm:if name="Name13" axis="des" ptType="node" func="cnt" op="gt" val="0">
-                  <dgm:layoutNode name="parTransTwo">
-                    <dgm:alg type="sp"/>
-                    <dgm:shape xmlns:r="http://schemas.openxmlformats.org/officeDocument/2006/relationships" r:blip="">
-                      <dgm:adjLst/>
-                    </dgm:shape>
-                    <dgm:presOf/>
-                    <dgm:constrLst/>
-                    <dgm:ruleLst/>
-                  </dgm:layoutNode>
-                </dgm:if>
-                <dgm:else name="Name14"/>
-              </dgm:choose>
-              <dgm:layoutNode name="horzTwo">
-                <dgm:choose name="Name15">
-                  <dgm:if name="Name16" func="var" arg="dir" op="equ" val="norm">
-                    <dgm:alg type="lin">
-                      <dgm:param type="linDir" val="fromL"/>
-                      <dgm:param type="nodeVertAlign" val="t"/>
-                    </dgm:alg>
-                  </dgm:if>
-                  <dgm:else name="Name17">
-                    <dgm:alg type="lin">
-                      <dgm:param type="linDir" val="fromR"/>
-                      <dgm:param type="nodeVertAlign" val="t"/>
-                    </dgm:alg>
-                  </dgm:else>
-                </dgm:choose>
-                <dgm:shape xmlns:r="http://schemas.openxmlformats.org/officeDocument/2006/relationships" r:blip="">
-                  <dgm:adjLst/>
-                </dgm:shape>
-                <dgm:presOf/>
-                <dgm:constrLst/>
-                <dgm:ruleLst>
-                  <dgm:rule type="w" val="INF" fact="NaN" max="NaN"/>
-                </dgm:ruleLst>
-                <dgm:forEach name="Name18" axis="ch" ptType="node">
-                  <dgm:layoutNode name="vertThree">
-                    <dgm:alg type="lin">
-                      <dgm:param type="linDir" val="fromT"/>
-                    </dgm:alg>
-                    <dgm:shape xmlns:r="http://schemas.openxmlformats.org/officeDocument/2006/relationships" r:blip="">
-                      <dgm:adjLst/>
-                    </dgm:shape>
-                    <dgm:presOf/>
-                    <dgm:constrLst>
-                      <dgm:constr type="w" for="ch" forName="txThree" refType="w" refFor="ch" refForName="horzThree" op="gte"/>
-                    </dgm:constrLst>
-                    <dgm:ruleLst/>
-                    <dgm:layoutNode name="txThree">
-                      <dgm:varLst>
-                        <dgm:chPref val="3"/>
-                      </dgm:varLst>
-                      <dgm:alg type="tx"/>
-                      <dgm:shape xmlns:r="http://schemas.openxmlformats.org/officeDocument/2006/relationships" type="roundRect" r:blip="">
-                        <dgm:adjLst>
-                          <dgm:adj idx="1" val="0.1"/>
-                        </dgm:adjLst>
-                      </dgm:shape>
-                      <dgm:presOf axis="self"/>
-                      <dgm:constrLst>
-                        <dgm:constr type="userH"/>
-                        <dgm:constr type="h" refType="userH"/>
-                        <dgm:constr type="tMarg" refType="primFontSz" fact="0.3"/>
-                        <dgm:constr type="bMarg" refType="primFontSz" fact="0.3"/>
-                        <dgm:constr type="lMarg" refType="primFontSz" fact="0.3"/>
-                        <dgm:constr type="rMarg" refType="primFontSz" fact="0.3"/>
-                      </dgm:constrLst>
-                      <dgm:ruleLst>
-                        <dgm:rule type="primFontSz" val="5" fact="NaN" max="NaN"/>
-                      </dgm:ruleLst>
-                    </dgm:layoutNode>
-                    <dgm:choose name="Name19">
-                      <dgm:if name="Name20" axis="des" ptType="node" func="cnt" op="gt" val="0">
-                        <dgm:layoutNode name="parTransThree">
-                          <dgm:alg type="sp"/>
-                          <dgm:shape xmlns:r="http://schemas.openxmlformats.org/officeDocument/2006/relationships" r:blip="">
-                            <dgm:adjLst/>
-                          </dgm:shape>
-                          <dgm:presOf/>
-                          <dgm:constrLst/>
-                          <dgm:ruleLst/>
-                        </dgm:layoutNode>
-                      </dgm:if>
-                      <dgm:else name="Name21"/>
-                    </dgm:choose>
-                    <dgm:layoutNode name="horzThree">
-                      <dgm:choose name="Name22">
-                        <dgm:if name="Name23" func="var" arg="dir" op="equ" val="norm">
-                          <dgm:alg type="lin">
-                            <dgm:param type="linDir" val="fromL"/>
-                            <dgm:param type="nodeVertAlign" val="t"/>
-                          </dgm:alg>
-                        </dgm:if>
-                        <dgm:else name="Name24">
-                          <dgm:alg type="lin">
-                            <dgm:param type="linDir" val="fromR"/>
-                            <dgm:param type="nodeVertAlign" val="t"/>
-                          </dgm:alg>
-                        </dgm:else>
-                      </dgm:choose>
-                      <dgm:shape xmlns:r="http://schemas.openxmlformats.org/officeDocument/2006/relationships" r:blip="">
-                        <dgm:adjLst/>
-                      </dgm:shape>
-                      <dgm:presOf/>
-                      <dgm:constrLst/>
-                      <dgm:ruleLst>
-                        <dgm:rule type="w" val="INF" fact="NaN" max="NaN"/>
-                      </dgm:ruleLst>
-                      <dgm:forEach name="repeat" axis="ch" ptType="node">
-                        <dgm:layoutNode name="vertFour">
-                          <dgm:varLst>
-                            <dgm:chPref val="3"/>
-                          </dgm:varLst>
-                          <dgm:alg type="lin">
-                            <dgm:param type="linDir" val="fromT"/>
-                          </dgm:alg>
-                          <dgm:shape xmlns:r="http://schemas.openxmlformats.org/officeDocument/2006/relationships" r:blip="">
-                            <dgm:adjLst/>
-                          </dgm:shape>
-                          <dgm:presOf/>
-                          <dgm:constrLst>
-                            <dgm:constr type="w" for="ch" forName="txFour" refType="w" refFor="ch" refForName="horzFour" op="gte"/>
-                          </dgm:constrLst>
-                          <dgm:ruleLst/>
-                          <dgm:layoutNode name="txFour">
-                            <dgm:varLst>
-                              <dgm:chPref val="3"/>
-                            </dgm:varLst>
-                            <dgm:alg type="tx"/>
-                            <dgm:shape xmlns:r="http://schemas.openxmlformats.org/officeDocument/2006/relationships" type="roundRect" r:blip="">
-                              <dgm:adjLst>
-                                <dgm:adj idx="1" val="0.1"/>
-                              </dgm:adjLst>
-                            </dgm:shape>
-                            <dgm:presOf axis="self"/>
-                            <dgm:constrLst>
-                              <dgm:constr type="userH"/>
-                              <dgm:constr type="h" refType="userH"/>
-                              <dgm:constr type="tMarg" refType="primFontSz" fact="0.3"/>
-                              <dgm:constr type="bMarg" refType="primFontSz" fact="0.3"/>
-                              <dgm:constr type="lMarg" refType="primFontSz" fact="0.3"/>
-                              <dgm:constr type="rMarg" refType="primFontSz" fact="0.3"/>
-                            </dgm:constrLst>
-                            <dgm:ruleLst>
-                              <dgm:rule type="primFontSz" val="5" fact="NaN" max="NaN"/>
-                            </dgm:ruleLst>
-                          </dgm:layoutNode>
-                          <dgm:choose name="Name25">
-                            <dgm:if name="Name26" axis="des" ptType="node" func="cnt" op="gt" val="0">
-                              <dgm:layoutNode name="parTransFour">
-                                <dgm:alg type="sp"/>
-                                <dgm:shape xmlns:r="http://schemas.openxmlformats.org/officeDocument/2006/relationships" r:blip="">
-                                  <dgm:adjLst/>
-                                </dgm:shape>
-                                <dgm:presOf/>
-                                <dgm:constrLst/>
-                                <dgm:ruleLst/>
-                              </dgm:layoutNode>
-                            </dgm:if>
-                            <dgm:else name="Name27"/>
-                          </dgm:choose>
-                          <dgm:layoutNode name="horzFour">
-                            <dgm:choose name="Name28">
-                              <dgm:if name="Name29" func="var" arg="dir" op="equ" val="norm">
-                                <dgm:alg type="lin">
-                                  <dgm:param type="linDir" val="fromL"/>
-                                  <dgm:param type="nodeVertAlign" val="t"/>
-                                </dgm:alg>
-                              </dgm:if>
-                              <dgm:else name="Name30">
-                                <dgm:alg type="lin">
-                                  <dgm:param type="linDir" val="fromR"/>
-                                  <dgm:param type="nodeVertAlign" val="t"/>
-                                </dgm:alg>
-                              </dgm:else>
-                            </dgm:choose>
-                            <dgm:shape xmlns:r="http://schemas.openxmlformats.org/officeDocument/2006/relationships" r:blip="">
-                              <dgm:adjLst/>
-                            </dgm:shape>
-                            <dgm:presOf/>
-                            <dgm:constrLst/>
-                            <dgm:ruleLst>
-                              <dgm:rule type="w" val="INF" fact="NaN" max="NaN"/>
-                            </dgm:ruleLst>
-                            <dgm:forEach name="Name31" ref="repeat"/>
-                          </dgm:layoutNode>
-                        </dgm:layoutNode>
-                        <dgm:choose name="Name32">
-                          <dgm:if name="Name33" axis="self" ptType="node" func="revPos" op="gte" val="2">
-                            <dgm:forEach name="Name34" axis="followSib" ptType="sibTrans" cnt="1">
-                              <dgm:layoutNode name="sibSpaceFour">
-                                <dgm:alg type="sp"/>
-                                <dgm:shape xmlns:r="http://schemas.openxmlformats.org/officeDocument/2006/relationships" r:blip="">
-                                  <dgm:adjLst/>
-                                </dgm:shape>
-                                <dgm:presOf/>
-                                <dgm:constrLst/>
-                                <dgm:ruleLst/>
-                              </dgm:layoutNode>
-                            </dgm:forEach>
-                          </dgm:if>
-                          <dgm:else name="Name35"/>
-                        </dgm:choose>
-                      </dgm:forEach>
-                    </dgm:layoutNode>
-                  </dgm:layoutNode>
-                  <dgm:choose name="Name36">
-                    <dgm:if name="Name37" axis="self" ptType="node" func="revPos" op="gte" val="2">
-                      <dgm:forEach name="Name38" axis="followSib" ptType="sibTrans" cnt="1">
-                        <dgm:layoutNode name="sibSpaceThree">
-                          <dgm:alg type="sp"/>
-                          <dgm:shape xmlns:r="http://schemas.openxmlformats.org/officeDocument/2006/relationships" r:blip="">
-                            <dgm:adjLst/>
-                          </dgm:shape>
-                          <dgm:presOf/>
-                          <dgm:constrLst/>
-                          <dgm:ruleLst/>
-                        </dgm:layoutNode>
-                      </dgm:forEach>
-                    </dgm:if>
-                    <dgm:else name="Name39"/>
-                  </dgm:choose>
-                </dgm:forEach>
-              </dgm:layoutNode>
-            </dgm:layoutNode>
-            <dgm:choose name="Name40">
-              <dgm:if name="Name41" axis="self" ptType="node" func="revPos" op="gte" val="2">
-                <dgm:forEach name="Name42" axis="followSib" ptType="sibTrans" cnt="1">
-                  <dgm:layoutNode name="sibSpaceTwo">
-                    <dgm:alg type="sp"/>
-                    <dgm:shape xmlns:r="http://schemas.openxmlformats.org/officeDocument/2006/relationships" r:blip="">
-                      <dgm:adjLst/>
-                    </dgm:shape>
-                    <dgm:presOf/>
-                    <dgm:constrLst/>
-                    <dgm:ruleLst/>
-                  </dgm:layoutNode>
-                </dgm:forEach>
-              </dgm:if>
-              <dgm:else name="Name43"/>
-            </dgm:choose>
-          </dgm:forEach>
-        </dgm:layoutNode>
-      </dgm:layoutNode>
-      <dgm:choose name="Name44">
-        <dgm:if name="Name45" axis="self" ptType="node" func="revPos" op="gte" val="2">
-          <dgm:forEach name="Name46" axis="followSib" ptType="sibTrans" cnt="1">
-            <dgm:layoutNode name="sibSpaceOne">
-              <dgm:alg type="sp"/>
-              <dgm:shape xmlns:r="http://schemas.openxmlformats.org/officeDocument/2006/relationships" r:blip="">
-                <dgm:adjLst/>
-              </dgm:shape>
-              <dgm:presOf/>
-              <dgm:constrLst/>
-              <dgm:ruleLst/>
-            </dgm:layoutNode>
-          </dgm:forEach>
-        </dgm:if>
-        <dgm:else name="Name47"/>
-      </dgm:choose>
-    </dgm:forEach>
-  </dgm:layoutNode>
-</dgm:layoutDef>
-</file>
-
 <file path=ppt/diagrams/quickStyle1.xml><?xml version="1.0" encoding="utf-8"?>
 <dgm:styleDef xmlns:dgm="http://schemas.openxmlformats.org/drawingml/2006/diagram" xmlns:a="http://schemas.openxmlformats.org/drawingml/2006/main" uniqueId="urn:microsoft.com/office/officeart/2005/8/quickstyle/simple2">
   <dgm:title val=""/>
@@ -13782,1040 +11202,6 @@
 </file>
 
 <file path=ppt/diagrams/quickStyle3.xml><?xml version="1.0" encoding="utf-8"?>
-<dgm:styleDef xmlns:dgm="http://schemas.openxmlformats.org/drawingml/2006/diagram" xmlns:a="http://schemas.openxmlformats.org/drawingml/2006/main" uniqueId="urn:microsoft.com/office/officeart/2005/8/quickstyle/simple4">
-  <dgm:title val=""/>
-  <dgm:desc val=""/>
-  <dgm:catLst>
-    <dgm:cat type="simple" pri="10400"/>
-  </dgm:catLst>
-  <dgm:scene3d>
-    <a:camera prst="orthographicFront"/>
-    <a:lightRig rig="threePt" dir="t"/>
-  </dgm:scene3d>
-  <dgm:styleLbl name="node0">
-    <dgm:scene3d>
-      <a:camera prst="orthographicFront"/>
-      <a:lightRig rig="threePt" dir="t"/>
-    </dgm:scene3d>
-    <dgm:sp3d/>
-    <dgm:txPr/>
-    <dgm:style>
-      <a:lnRef idx="0">
-        <a:scrgbClr r="0" g="0" b="0"/>
-      </a:lnRef>
-      <a:fillRef idx="3">
-        <a:scrgbClr r="0" g="0" b="0"/>
-      </a:fillRef>
-      <a:effectRef idx="2">
-        <a:scrgbClr r="0" g="0" b="0"/>
-      </a:effectRef>
-      <a:fontRef idx="minor">
-        <a:schemeClr val="lt1"/>
-      </a:fontRef>
-    </dgm:style>
-  </dgm:styleLbl>
-  <dgm:styleLbl name="lnNode1">
-    <dgm:scene3d>
-      <a:camera prst="orthographicFront"/>
-      <a:lightRig rig="threePt" dir="t"/>
-    </dgm:scene3d>
-    <dgm:sp3d/>
-    <dgm:txPr/>
-    <dgm:style>
-      <a:lnRef idx="1">
-        <a:scrgbClr r="0" g="0" b="0"/>
-      </a:lnRef>
-      <a:fillRef idx="3">
-        <a:scrgbClr r="0" g="0" b="0"/>
-      </a:fillRef>
-      <a:effectRef idx="2">
-        <a:scrgbClr r="0" g="0" b="0"/>
-      </a:effectRef>
-      <a:fontRef idx="minor">
-        <a:schemeClr val="lt1"/>
-      </a:fontRef>
-    </dgm:style>
-  </dgm:styleLbl>
-  <dgm:styleLbl name="vennNode1">
-    <dgm:scene3d>
-      <a:camera prst="orthographicFront"/>
-      <a:lightRig rig="threePt" dir="t"/>
-    </dgm:scene3d>
-    <dgm:sp3d/>
-    <dgm:txPr/>
-    <dgm:style>
-      <a:lnRef idx="0">
-        <a:scrgbClr r="0" g="0" b="0"/>
-      </a:lnRef>
-      <a:fillRef idx="3">
-        <a:scrgbClr r="0" g="0" b="0"/>
-      </a:fillRef>
-      <a:effectRef idx="0">
-        <a:scrgbClr r="0" g="0" b="0"/>
-      </a:effectRef>
-      <a:fontRef idx="minor">
-        <a:schemeClr val="tx1"/>
-      </a:fontRef>
-    </dgm:style>
-  </dgm:styleLbl>
-  <dgm:styleLbl name="alignNode1">
-    <dgm:scene3d>
-      <a:camera prst="orthographicFront"/>
-      <a:lightRig rig="threePt" dir="t"/>
-    </dgm:scene3d>
-    <dgm:sp3d/>
-    <dgm:txPr/>
-    <dgm:style>
-      <a:lnRef idx="1">
-        <a:scrgbClr r="0" g="0" b="0"/>
-      </a:lnRef>
-      <a:fillRef idx="3">
-        <a:scrgbClr r="0" g="0" b="0"/>
-      </a:fillRef>
-      <a:effectRef idx="2">
-        <a:scrgbClr r="0" g="0" b="0"/>
-      </a:effectRef>
-      <a:fontRef idx="minor">
-        <a:schemeClr val="lt1"/>
-      </a:fontRef>
-    </dgm:style>
-  </dgm:styleLbl>
-  <dgm:styleLbl name="node1">
-    <dgm:scene3d>
-      <a:camera prst="orthographicFront"/>
-      <a:lightRig rig="threePt" dir="t"/>
-    </dgm:scene3d>
-    <dgm:sp3d/>
-    <dgm:txPr/>
-    <dgm:style>
-      <a:lnRef idx="0">
-        <a:scrgbClr r="0" g="0" b="0"/>
-      </a:lnRef>
-      <a:fillRef idx="3">
-        <a:scrgbClr r="0" g="0" b="0"/>
-      </a:fillRef>
-      <a:effectRef idx="2">
-        <a:scrgbClr r="0" g="0" b="0"/>
-      </a:effectRef>
-      <a:fontRef idx="minor">
-        <a:schemeClr val="lt1"/>
-      </a:fontRef>
-    </dgm:style>
-  </dgm:styleLbl>
-  <dgm:styleLbl name="node2">
-    <dgm:scene3d>
-      <a:camera prst="orthographicFront"/>
-      <a:lightRig rig="threePt" dir="t"/>
-    </dgm:scene3d>
-    <dgm:sp3d/>
-    <dgm:txPr/>
-    <dgm:style>
-      <a:lnRef idx="0">
-        <a:scrgbClr r="0" g="0" b="0"/>
-      </a:lnRef>
-      <a:fillRef idx="3">
-        <a:scrgbClr r="0" g="0" b="0"/>
-      </a:fillRef>
-      <a:effectRef idx="2">
-        <a:scrgbClr r="0" g="0" b="0"/>
-      </a:effectRef>
-      <a:fontRef idx="minor">
-        <a:schemeClr val="lt1"/>
-      </a:fontRef>
-    </dgm:style>
-  </dgm:styleLbl>
-  <dgm:styleLbl name="node3">
-    <dgm:scene3d>
-      <a:camera prst="orthographicFront"/>
-      <a:lightRig rig="threePt" dir="t"/>
-    </dgm:scene3d>
-    <dgm:sp3d/>
-    <dgm:txPr/>
-    <dgm:style>
-      <a:lnRef idx="0">
-        <a:scrgbClr r="0" g="0" b="0"/>
-      </a:lnRef>
-      <a:fillRef idx="3">
-        <a:scrgbClr r="0" g="0" b="0"/>
-      </a:fillRef>
-      <a:effectRef idx="2">
-        <a:scrgbClr r="0" g="0" b="0"/>
-      </a:effectRef>
-      <a:fontRef idx="minor">
-        <a:schemeClr val="lt1"/>
-      </a:fontRef>
-    </dgm:style>
-  </dgm:styleLbl>
-  <dgm:styleLbl name="node4">
-    <dgm:scene3d>
-      <a:camera prst="orthographicFront"/>
-      <a:lightRig rig="threePt" dir="t"/>
-    </dgm:scene3d>
-    <dgm:sp3d/>
-    <dgm:txPr/>
-    <dgm:style>
-      <a:lnRef idx="0">
-        <a:scrgbClr r="0" g="0" b="0"/>
-      </a:lnRef>
-      <a:fillRef idx="3">
-        <a:scrgbClr r="0" g="0" b="0"/>
-      </a:fillRef>
-      <a:effectRef idx="2">
-        <a:scrgbClr r="0" g="0" b="0"/>
-      </a:effectRef>
-      <a:fontRef idx="minor">
-        <a:schemeClr val="lt1"/>
-      </a:fontRef>
-    </dgm:style>
-  </dgm:styleLbl>
-  <dgm:styleLbl name="fgImgPlace1">
-    <dgm:scene3d>
-      <a:camera prst="orthographicFront"/>
-      <a:lightRig rig="threePt" dir="t"/>
-    </dgm:scene3d>
-    <dgm:sp3d/>
-    <dgm:txPr/>
-    <dgm:style>
-      <a:lnRef idx="0">
-        <a:scrgbClr r="0" g="0" b="0"/>
-      </a:lnRef>
-      <a:fillRef idx="1">
-        <a:scrgbClr r="0" g="0" b="0"/>
-      </a:fillRef>
-      <a:effectRef idx="2">
-        <a:scrgbClr r="0" g="0" b="0"/>
-      </a:effectRef>
-      <a:fontRef idx="minor"/>
-    </dgm:style>
-  </dgm:styleLbl>
-  <dgm:styleLbl name="alignImgPlace1">
-    <dgm:scene3d>
-      <a:camera prst="orthographicFront"/>
-      <a:lightRig rig="threePt" dir="t"/>
-    </dgm:scene3d>
-    <dgm:sp3d/>
-    <dgm:txPr/>
-    <dgm:style>
-      <a:lnRef idx="0">
-        <a:scrgbClr r="0" g="0" b="0"/>
-      </a:lnRef>
-      <a:fillRef idx="1">
-        <a:scrgbClr r="0" g="0" b="0"/>
-      </a:fillRef>
-      <a:effectRef idx="2">
-        <a:scrgbClr r="0" g="0" b="0"/>
-      </a:effectRef>
-      <a:fontRef idx="minor"/>
-    </dgm:style>
-  </dgm:styleLbl>
-  <dgm:styleLbl name="bgImgPlace1">
-    <dgm:scene3d>
-      <a:camera prst="orthographicFront"/>
-      <a:lightRig rig="threePt" dir="t"/>
-    </dgm:scene3d>
-    <dgm:sp3d/>
-    <dgm:txPr/>
-    <dgm:style>
-      <a:lnRef idx="0">
-        <a:scrgbClr r="0" g="0" b="0"/>
-      </a:lnRef>
-      <a:fillRef idx="1">
-        <a:scrgbClr r="0" g="0" b="0"/>
-      </a:fillRef>
-      <a:effectRef idx="2">
-        <a:scrgbClr r="0" g="0" b="0"/>
-      </a:effectRef>
-      <a:fontRef idx="minor"/>
-    </dgm:style>
-  </dgm:styleLbl>
-  <dgm:styleLbl name="sibTrans2D1">
-    <dgm:scene3d>
-      <a:camera prst="orthographicFront"/>
-      <a:lightRig rig="threePt" dir="t"/>
-    </dgm:scene3d>
-    <dgm:sp3d/>
-    <dgm:txPr/>
-    <dgm:style>
-      <a:lnRef idx="0">
-        <a:scrgbClr r="0" g="0" b="0"/>
-      </a:lnRef>
-      <a:fillRef idx="3">
-        <a:scrgbClr r="0" g="0" b="0"/>
-      </a:fillRef>
-      <a:effectRef idx="2">
-        <a:scrgbClr r="0" g="0" b="0"/>
-      </a:effectRef>
-      <a:fontRef idx="minor">
-        <a:schemeClr val="lt1"/>
-      </a:fontRef>
-    </dgm:style>
-  </dgm:styleLbl>
-  <dgm:styleLbl name="fgSibTrans2D1">
-    <dgm:scene3d>
-      <a:camera prst="orthographicFront"/>
-      <a:lightRig rig="threePt" dir="t"/>
-    </dgm:scene3d>
-    <dgm:sp3d/>
-    <dgm:txPr/>
-    <dgm:style>
-      <a:lnRef idx="0">
-        <a:scrgbClr r="0" g="0" b="0"/>
-      </a:lnRef>
-      <a:fillRef idx="3">
-        <a:scrgbClr r="0" g="0" b="0"/>
-      </a:fillRef>
-      <a:effectRef idx="2">
-        <a:scrgbClr r="0" g="0" b="0"/>
-      </a:effectRef>
-      <a:fontRef idx="minor">
-        <a:schemeClr val="lt1"/>
-      </a:fontRef>
-    </dgm:style>
-  </dgm:styleLbl>
-  <dgm:styleLbl name="bgSibTrans2D1">
-    <dgm:scene3d>
-      <a:camera prst="orthographicFront"/>
-      <a:lightRig rig="threePt" dir="t"/>
-    </dgm:scene3d>
-    <dgm:sp3d/>
-    <dgm:txPr/>
-    <dgm:style>
-      <a:lnRef idx="0">
-        <a:scrgbClr r="0" g="0" b="0"/>
-      </a:lnRef>
-      <a:fillRef idx="3">
-        <a:scrgbClr r="0" g="0" b="0"/>
-      </a:fillRef>
-      <a:effectRef idx="2">
-        <a:scrgbClr r="0" g="0" b="0"/>
-      </a:effectRef>
-      <a:fontRef idx="minor">
-        <a:schemeClr val="lt1"/>
-      </a:fontRef>
-    </dgm:style>
-  </dgm:styleLbl>
-  <dgm:styleLbl name="sibTrans1D1">
-    <dgm:scene3d>
-      <a:camera prst="orthographicFront"/>
-      <a:lightRig rig="threePt" dir="t"/>
-    </dgm:scene3d>
-    <dgm:sp3d/>
-    <dgm:txPr/>
-    <dgm:style>
-      <a:lnRef idx="1">
-        <a:scrgbClr r="0" g="0" b="0"/>
-      </a:lnRef>
-      <a:fillRef idx="0">
-        <a:scrgbClr r="0" g="0" b="0"/>
-      </a:fillRef>
-      <a:effectRef idx="0">
-        <a:scrgbClr r="0" g="0" b="0"/>
-      </a:effectRef>
-      <a:fontRef idx="minor"/>
-    </dgm:style>
-  </dgm:styleLbl>
-  <dgm:styleLbl name="callout">
-    <dgm:scene3d>
-      <a:camera prst="orthographicFront"/>
-      <a:lightRig rig="threePt" dir="t"/>
-    </dgm:scene3d>
-    <dgm:sp3d/>
-    <dgm:txPr/>
-    <dgm:style>
-      <a:lnRef idx="2">
-        <a:scrgbClr r="0" g="0" b="0"/>
-      </a:lnRef>
-      <a:fillRef idx="1">
-        <a:scrgbClr r="0" g="0" b="0"/>
-      </a:fillRef>
-      <a:effectRef idx="1">
-        <a:scrgbClr r="0" g="0" b="0"/>
-      </a:effectRef>
-      <a:fontRef idx="minor"/>
-    </dgm:style>
-  </dgm:styleLbl>
-  <dgm:styleLbl name="asst0">
-    <dgm:scene3d>
-      <a:camera prst="orthographicFront"/>
-      <a:lightRig rig="threePt" dir="t"/>
-    </dgm:scene3d>
-    <dgm:sp3d/>
-    <dgm:txPr/>
-    <dgm:style>
-      <a:lnRef idx="0">
-        <a:scrgbClr r="0" g="0" b="0"/>
-      </a:lnRef>
-      <a:fillRef idx="3">
-        <a:scrgbClr r="0" g="0" b="0"/>
-      </a:fillRef>
-      <a:effectRef idx="2">
-        <a:scrgbClr r="0" g="0" b="0"/>
-      </a:effectRef>
-      <a:fontRef idx="minor">
-        <a:schemeClr val="lt1"/>
-      </a:fontRef>
-    </dgm:style>
-  </dgm:styleLbl>
-  <dgm:styleLbl name="asst1">
-    <dgm:scene3d>
-      <a:camera prst="orthographicFront"/>
-      <a:lightRig rig="threePt" dir="t"/>
-    </dgm:scene3d>
-    <dgm:sp3d/>
-    <dgm:txPr/>
-    <dgm:style>
-      <a:lnRef idx="0">
-        <a:scrgbClr r="0" g="0" b="0"/>
-      </a:lnRef>
-      <a:fillRef idx="3">
-        <a:scrgbClr r="0" g="0" b="0"/>
-      </a:fillRef>
-      <a:effectRef idx="2">
-        <a:scrgbClr r="0" g="0" b="0"/>
-      </a:effectRef>
-      <a:fontRef idx="minor">
-        <a:schemeClr val="lt1"/>
-      </a:fontRef>
-    </dgm:style>
-  </dgm:styleLbl>
-  <dgm:styleLbl name="asst2">
-    <dgm:scene3d>
-      <a:camera prst="orthographicFront"/>
-      <a:lightRig rig="threePt" dir="t"/>
-    </dgm:scene3d>
-    <dgm:sp3d/>
-    <dgm:txPr/>
-    <dgm:style>
-      <a:lnRef idx="0">
-        <a:scrgbClr r="0" g="0" b="0"/>
-      </a:lnRef>
-      <a:fillRef idx="3">
-        <a:scrgbClr r="0" g="0" b="0"/>
-      </a:fillRef>
-      <a:effectRef idx="2">
-        <a:scrgbClr r="0" g="0" b="0"/>
-      </a:effectRef>
-      <a:fontRef idx="minor">
-        <a:schemeClr val="lt1"/>
-      </a:fontRef>
-    </dgm:style>
-  </dgm:styleLbl>
-  <dgm:styleLbl name="asst3">
-    <dgm:scene3d>
-      <a:camera prst="orthographicFront"/>
-      <a:lightRig rig="threePt" dir="t"/>
-    </dgm:scene3d>
-    <dgm:sp3d/>
-    <dgm:txPr/>
-    <dgm:style>
-      <a:lnRef idx="0">
-        <a:scrgbClr r="0" g="0" b="0"/>
-      </a:lnRef>
-      <a:fillRef idx="3">
-        <a:scrgbClr r="0" g="0" b="0"/>
-      </a:fillRef>
-      <a:effectRef idx="2">
-        <a:scrgbClr r="0" g="0" b="0"/>
-      </a:effectRef>
-      <a:fontRef idx="minor">
-        <a:schemeClr val="lt1"/>
-      </a:fontRef>
-    </dgm:style>
-  </dgm:styleLbl>
-  <dgm:styleLbl name="asst4">
-    <dgm:scene3d>
-      <a:camera prst="orthographicFront"/>
-      <a:lightRig rig="threePt" dir="t"/>
-    </dgm:scene3d>
-    <dgm:sp3d/>
-    <dgm:txPr/>
-    <dgm:style>
-      <a:lnRef idx="0">
-        <a:scrgbClr r="0" g="0" b="0"/>
-      </a:lnRef>
-      <a:fillRef idx="3">
-        <a:scrgbClr r="0" g="0" b="0"/>
-      </a:fillRef>
-      <a:effectRef idx="2">
-        <a:scrgbClr r="0" g="0" b="0"/>
-      </a:effectRef>
-      <a:fontRef idx="minor">
-        <a:schemeClr val="lt1"/>
-      </a:fontRef>
-    </dgm:style>
-  </dgm:styleLbl>
-  <dgm:styleLbl name="parChTrans2D1">
-    <dgm:scene3d>
-      <a:camera prst="orthographicFront"/>
-      <a:lightRig rig="threePt" dir="t"/>
-    </dgm:scene3d>
-    <dgm:sp3d/>
-    <dgm:txPr/>
-    <dgm:style>
-      <a:lnRef idx="0">
-        <a:scrgbClr r="0" g="0" b="0"/>
-      </a:lnRef>
-      <a:fillRef idx="3">
-        <a:scrgbClr r="0" g="0" b="0"/>
-      </a:fillRef>
-      <a:effectRef idx="2">
-        <a:scrgbClr r="0" g="0" b="0"/>
-      </a:effectRef>
-      <a:fontRef idx="minor">
-        <a:schemeClr val="lt1"/>
-      </a:fontRef>
-    </dgm:style>
-  </dgm:styleLbl>
-  <dgm:styleLbl name="parChTrans2D2">
-    <dgm:scene3d>
-      <a:camera prst="orthographicFront"/>
-      <a:lightRig rig="threePt" dir="t"/>
-    </dgm:scene3d>
-    <dgm:sp3d/>
-    <dgm:txPr/>
-    <dgm:style>
-      <a:lnRef idx="0">
-        <a:scrgbClr r="0" g="0" b="0"/>
-      </a:lnRef>
-      <a:fillRef idx="3">
-        <a:scrgbClr r="0" g="0" b="0"/>
-      </a:fillRef>
-      <a:effectRef idx="2">
-        <a:scrgbClr r="0" g="0" b="0"/>
-      </a:effectRef>
-      <a:fontRef idx="minor">
-        <a:schemeClr val="lt1"/>
-      </a:fontRef>
-    </dgm:style>
-  </dgm:styleLbl>
-  <dgm:styleLbl name="parChTrans2D3">
-    <dgm:scene3d>
-      <a:camera prst="orthographicFront"/>
-      <a:lightRig rig="threePt" dir="t"/>
-    </dgm:scene3d>
-    <dgm:sp3d/>
-    <dgm:txPr/>
-    <dgm:style>
-      <a:lnRef idx="1">
-        <a:scrgbClr r="0" g="0" b="0"/>
-      </a:lnRef>
-      <a:fillRef idx="3">
-        <a:scrgbClr r="0" g="0" b="0"/>
-      </a:fillRef>
-      <a:effectRef idx="2">
-        <a:scrgbClr r="0" g="0" b="0"/>
-      </a:effectRef>
-      <a:fontRef idx="minor">
-        <a:schemeClr val="lt1"/>
-      </a:fontRef>
-    </dgm:style>
-  </dgm:styleLbl>
-  <dgm:styleLbl name="parChTrans2D4">
-    <dgm:scene3d>
-      <a:camera prst="orthographicFront"/>
-      <a:lightRig rig="threePt" dir="t"/>
-    </dgm:scene3d>
-    <dgm:sp3d/>
-    <dgm:txPr/>
-    <dgm:style>
-      <a:lnRef idx="1">
-        <a:scrgbClr r="0" g="0" b="0"/>
-      </a:lnRef>
-      <a:fillRef idx="3">
-        <a:scrgbClr r="0" g="0" b="0"/>
-      </a:fillRef>
-      <a:effectRef idx="2">
-        <a:scrgbClr r="0" g="0" b="0"/>
-      </a:effectRef>
-      <a:fontRef idx="minor">
-        <a:schemeClr val="lt1"/>
-      </a:fontRef>
-    </dgm:style>
-  </dgm:styleLbl>
-  <dgm:styleLbl name="parChTrans1D1">
-    <dgm:scene3d>
-      <a:camera prst="orthographicFront"/>
-      <a:lightRig rig="threePt" dir="t"/>
-    </dgm:scene3d>
-    <dgm:sp3d/>
-    <dgm:txPr/>
-    <dgm:style>
-      <a:lnRef idx="1">
-        <a:scrgbClr r="0" g="0" b="0"/>
-      </a:lnRef>
-      <a:fillRef idx="0">
-        <a:scrgbClr r="0" g="0" b="0"/>
-      </a:fillRef>
-      <a:effectRef idx="0">
-        <a:scrgbClr r="0" g="0" b="0"/>
-      </a:effectRef>
-      <a:fontRef idx="minor"/>
-    </dgm:style>
-  </dgm:styleLbl>
-  <dgm:styleLbl name="parChTrans1D2">
-    <dgm:scene3d>
-      <a:camera prst="orthographicFront"/>
-      <a:lightRig rig="threePt" dir="t"/>
-    </dgm:scene3d>
-    <dgm:sp3d/>
-    <dgm:txPr/>
-    <dgm:style>
-      <a:lnRef idx="1">
-        <a:scrgbClr r="0" g="0" b="0"/>
-      </a:lnRef>
-      <a:fillRef idx="0">
-        <a:scrgbClr r="0" g="0" b="0"/>
-      </a:fillRef>
-      <a:effectRef idx="0">
-        <a:scrgbClr r="0" g="0" b="0"/>
-      </a:effectRef>
-      <a:fontRef idx="minor"/>
-    </dgm:style>
-  </dgm:styleLbl>
-  <dgm:styleLbl name="parChTrans1D3">
-    <dgm:scene3d>
-      <a:camera prst="orthographicFront"/>
-      <a:lightRig rig="threePt" dir="t"/>
-    </dgm:scene3d>
-    <dgm:sp3d/>
-    <dgm:txPr/>
-    <dgm:style>
-      <a:lnRef idx="1">
-        <a:scrgbClr r="0" g="0" b="0"/>
-      </a:lnRef>
-      <a:fillRef idx="0">
-        <a:scrgbClr r="0" g="0" b="0"/>
-      </a:fillRef>
-      <a:effectRef idx="0">
-        <a:scrgbClr r="0" g="0" b="0"/>
-      </a:effectRef>
-      <a:fontRef idx="minor"/>
-    </dgm:style>
-  </dgm:styleLbl>
-  <dgm:styleLbl name="parChTrans1D4">
-    <dgm:scene3d>
-      <a:camera prst="orthographicFront"/>
-      <a:lightRig rig="threePt" dir="t"/>
-    </dgm:scene3d>
-    <dgm:sp3d/>
-    <dgm:txPr/>
-    <dgm:style>
-      <a:lnRef idx="1">
-        <a:scrgbClr r="0" g="0" b="0"/>
-      </a:lnRef>
-      <a:fillRef idx="0">
-        <a:scrgbClr r="0" g="0" b="0"/>
-      </a:fillRef>
-      <a:effectRef idx="0">
-        <a:scrgbClr r="0" g="0" b="0"/>
-      </a:effectRef>
-      <a:fontRef idx="minor"/>
-    </dgm:style>
-  </dgm:styleLbl>
-  <dgm:styleLbl name="fgAcc1">
-    <dgm:scene3d>
-      <a:camera prst="orthographicFront"/>
-      <a:lightRig rig="threePt" dir="t"/>
-    </dgm:scene3d>
-    <dgm:sp3d/>
-    <dgm:txPr/>
-    <dgm:style>
-      <a:lnRef idx="1">
-        <a:scrgbClr r="0" g="0" b="0"/>
-      </a:lnRef>
-      <a:fillRef idx="1">
-        <a:scrgbClr r="0" g="0" b="0"/>
-      </a:fillRef>
-      <a:effectRef idx="0">
-        <a:scrgbClr r="0" g="0" b="0"/>
-      </a:effectRef>
-      <a:fontRef idx="minor"/>
-    </dgm:style>
-  </dgm:styleLbl>
-  <dgm:styleLbl name="conFgAcc1">
-    <dgm:scene3d>
-      <a:camera prst="orthographicFront"/>
-      <a:lightRig rig="threePt" dir="t"/>
-    </dgm:scene3d>
-    <dgm:sp3d/>
-    <dgm:txPr/>
-    <dgm:style>
-      <a:lnRef idx="1">
-        <a:scrgbClr r="0" g="0" b="0"/>
-      </a:lnRef>
-      <a:fillRef idx="1">
-        <a:scrgbClr r="0" g="0" b="0"/>
-      </a:fillRef>
-      <a:effectRef idx="0">
-        <a:scrgbClr r="0" g="0" b="0"/>
-      </a:effectRef>
-      <a:fontRef idx="minor"/>
-    </dgm:style>
-  </dgm:styleLbl>
-  <dgm:styleLbl name="alignAcc1">
-    <dgm:scene3d>
-      <a:camera prst="orthographicFront"/>
-      <a:lightRig rig="threePt" dir="t"/>
-    </dgm:scene3d>
-    <dgm:sp3d/>
-    <dgm:txPr/>
-    <dgm:style>
-      <a:lnRef idx="1">
-        <a:scrgbClr r="0" g="0" b="0"/>
-      </a:lnRef>
-      <a:fillRef idx="1">
-        <a:scrgbClr r="0" g="0" b="0"/>
-      </a:fillRef>
-      <a:effectRef idx="0">
-        <a:scrgbClr r="0" g="0" b="0"/>
-      </a:effectRef>
-      <a:fontRef idx="minor"/>
-    </dgm:style>
-  </dgm:styleLbl>
-  <dgm:styleLbl name="trAlignAcc1">
-    <dgm:scene3d>
-      <a:camera prst="orthographicFront"/>
-      <a:lightRig rig="threePt" dir="t"/>
-    </dgm:scene3d>
-    <dgm:sp3d/>
-    <dgm:txPr/>
-    <dgm:style>
-      <a:lnRef idx="1">
-        <a:scrgbClr r="0" g="0" b="0"/>
-      </a:lnRef>
-      <a:fillRef idx="1">
-        <a:scrgbClr r="0" g="0" b="0"/>
-      </a:fillRef>
-      <a:effectRef idx="0">
-        <a:scrgbClr r="0" g="0" b="0"/>
-      </a:effectRef>
-      <a:fontRef idx="minor"/>
-    </dgm:style>
-  </dgm:styleLbl>
-  <dgm:styleLbl name="bgAcc1">
-    <dgm:scene3d>
-      <a:camera prst="orthographicFront"/>
-      <a:lightRig rig="threePt" dir="t"/>
-    </dgm:scene3d>
-    <dgm:sp3d/>
-    <dgm:txPr/>
-    <dgm:style>
-      <a:lnRef idx="1">
-        <a:scrgbClr r="0" g="0" b="0"/>
-      </a:lnRef>
-      <a:fillRef idx="1">
-        <a:scrgbClr r="0" g="0" b="0"/>
-      </a:fillRef>
-      <a:effectRef idx="0">
-        <a:scrgbClr r="0" g="0" b="0"/>
-      </a:effectRef>
-      <a:fontRef idx="minor"/>
-    </dgm:style>
-  </dgm:styleLbl>
-  <dgm:styleLbl name="solidFgAcc1">
-    <dgm:scene3d>
-      <a:camera prst="orthographicFront"/>
-      <a:lightRig rig="threePt" dir="t"/>
-    </dgm:scene3d>
-    <dgm:sp3d/>
-    <dgm:txPr/>
-    <dgm:style>
-      <a:lnRef idx="1">
-        <a:scrgbClr r="0" g="0" b="0"/>
-      </a:lnRef>
-      <a:fillRef idx="1">
-        <a:scrgbClr r="0" g="0" b="0"/>
-      </a:fillRef>
-      <a:effectRef idx="0">
-        <a:scrgbClr r="0" g="0" b="0"/>
-      </a:effectRef>
-      <a:fontRef idx="minor"/>
-    </dgm:style>
-  </dgm:styleLbl>
-  <dgm:styleLbl name="solidAlignAcc1">
-    <dgm:scene3d>
-      <a:camera prst="orthographicFront"/>
-      <a:lightRig rig="threePt" dir="t"/>
-    </dgm:scene3d>
-    <dgm:sp3d/>
-    <dgm:txPr/>
-    <dgm:style>
-      <a:lnRef idx="1">
-        <a:scrgbClr r="0" g="0" b="0"/>
-      </a:lnRef>
-      <a:fillRef idx="1">
-        <a:scrgbClr r="0" g="0" b="0"/>
-      </a:fillRef>
-      <a:effectRef idx="0">
-        <a:scrgbClr r="0" g="0" b="0"/>
-      </a:effectRef>
-      <a:fontRef idx="minor"/>
-    </dgm:style>
-  </dgm:styleLbl>
-  <dgm:styleLbl name="solidBgAcc1">
-    <dgm:scene3d>
-      <a:camera prst="orthographicFront"/>
-      <a:lightRig rig="threePt" dir="t"/>
-    </dgm:scene3d>
-    <dgm:sp3d/>
-    <dgm:txPr/>
-    <dgm:style>
-      <a:lnRef idx="1">
-        <a:scrgbClr r="0" g="0" b="0"/>
-      </a:lnRef>
-      <a:fillRef idx="1">
-        <a:scrgbClr r="0" g="0" b="0"/>
-      </a:fillRef>
-      <a:effectRef idx="0">
-        <a:scrgbClr r="0" g="0" b="0"/>
-      </a:effectRef>
-      <a:fontRef idx="minor"/>
-    </dgm:style>
-  </dgm:styleLbl>
-  <dgm:styleLbl name="fgAccFollowNode1">
-    <dgm:scene3d>
-      <a:camera prst="orthographicFront"/>
-      <a:lightRig rig="threePt" dir="t"/>
-    </dgm:scene3d>
-    <dgm:sp3d/>
-    <dgm:txPr/>
-    <dgm:style>
-      <a:lnRef idx="1">
-        <a:scrgbClr r="0" g="0" b="0"/>
-      </a:lnRef>
-      <a:fillRef idx="1">
-        <a:scrgbClr r="0" g="0" b="0"/>
-      </a:fillRef>
-      <a:effectRef idx="0">
-        <a:scrgbClr r="0" g="0" b="0"/>
-      </a:effectRef>
-      <a:fontRef idx="minor"/>
-    </dgm:style>
-  </dgm:styleLbl>
-  <dgm:styleLbl name="alignAccFollowNode1">
-    <dgm:scene3d>
-      <a:camera prst="orthographicFront"/>
-      <a:lightRig rig="threePt" dir="t"/>
-    </dgm:scene3d>
-    <dgm:sp3d/>
-    <dgm:txPr/>
-    <dgm:style>
-      <a:lnRef idx="1">
-        <a:scrgbClr r="0" g="0" b="0"/>
-      </a:lnRef>
-      <a:fillRef idx="1">
-        <a:scrgbClr r="0" g="0" b="0"/>
-      </a:fillRef>
-      <a:effectRef idx="0">
-        <a:scrgbClr r="0" g="0" b="0"/>
-      </a:effectRef>
-      <a:fontRef idx="minor"/>
-    </dgm:style>
-  </dgm:styleLbl>
-  <dgm:styleLbl name="bgAccFollowNode1">
-    <dgm:scene3d>
-      <a:camera prst="orthographicFront"/>
-      <a:lightRig rig="threePt" dir="t"/>
-    </dgm:scene3d>
-    <dgm:sp3d/>
-    <dgm:txPr/>
-    <dgm:style>
-      <a:lnRef idx="1">
-        <a:scrgbClr r="0" g="0" b="0"/>
-      </a:lnRef>
-      <a:fillRef idx="1">
-        <a:scrgbClr r="0" g="0" b="0"/>
-      </a:fillRef>
-      <a:effectRef idx="0">
-        <a:scrgbClr r="0" g="0" b="0"/>
-      </a:effectRef>
-      <a:fontRef idx="minor"/>
-    </dgm:style>
-  </dgm:styleLbl>
-  <dgm:styleLbl name="fgAcc0">
-    <dgm:scene3d>
-      <a:camera prst="orthographicFront"/>
-      <a:lightRig rig="threePt" dir="t"/>
-    </dgm:scene3d>
-    <dgm:sp3d/>
-    <dgm:txPr/>
-    <dgm:style>
-      <a:lnRef idx="1">
-        <a:scrgbClr r="0" g="0" b="0"/>
-      </a:lnRef>
-      <a:fillRef idx="1">
-        <a:scrgbClr r="0" g="0" b="0"/>
-      </a:fillRef>
-      <a:effectRef idx="0">
-        <a:scrgbClr r="0" g="0" b="0"/>
-      </a:effectRef>
-      <a:fontRef idx="minor"/>
-    </dgm:style>
-  </dgm:styleLbl>
-  <dgm:styleLbl name="fgAcc2">
-    <dgm:scene3d>
-      <a:camera prst="orthographicFront"/>
-      <a:lightRig rig="threePt" dir="t"/>
-    </dgm:scene3d>
-    <dgm:sp3d/>
-    <dgm:txPr/>
-    <dgm:style>
-      <a:lnRef idx="1">
-        <a:scrgbClr r="0" g="0" b="0"/>
-      </a:lnRef>
-      <a:fillRef idx="1">
-        <a:scrgbClr r="0" g="0" b="0"/>
-      </a:fillRef>
-      <a:effectRef idx="0">
-        <a:scrgbClr r="0" g="0" b="0"/>
-      </a:effectRef>
-      <a:fontRef idx="minor"/>
-    </dgm:style>
-  </dgm:styleLbl>
-  <dgm:styleLbl name="fgAcc3">
-    <dgm:scene3d>
-      <a:camera prst="orthographicFront"/>
-      <a:lightRig rig="threePt" dir="t"/>
-    </dgm:scene3d>
-    <dgm:sp3d/>
-    <dgm:txPr/>
-    <dgm:style>
-      <a:lnRef idx="1">
-        <a:scrgbClr r="0" g="0" b="0"/>
-      </a:lnRef>
-      <a:fillRef idx="1">
-        <a:scrgbClr r="0" g="0" b="0"/>
-      </a:fillRef>
-      <a:effectRef idx="0">
-        <a:scrgbClr r="0" g="0" b="0"/>
-      </a:effectRef>
-      <a:fontRef idx="minor"/>
-    </dgm:style>
-  </dgm:styleLbl>
-  <dgm:styleLbl name="fgAcc4">
-    <dgm:scene3d>
-      <a:camera prst="orthographicFront"/>
-      <a:lightRig rig="threePt" dir="t"/>
-    </dgm:scene3d>
-    <dgm:sp3d/>
-    <dgm:txPr/>
-    <dgm:style>
-      <a:lnRef idx="1">
-        <a:scrgbClr r="0" g="0" b="0"/>
-      </a:lnRef>
-      <a:fillRef idx="1">
-        <a:scrgbClr r="0" g="0" b="0"/>
-      </a:fillRef>
-      <a:effectRef idx="0">
-        <a:scrgbClr r="0" g="0" b="0"/>
-      </a:effectRef>
-      <a:fontRef idx="minor"/>
-    </dgm:style>
-  </dgm:styleLbl>
-  <dgm:styleLbl name="bgShp">
-    <dgm:scene3d>
-      <a:camera prst="orthographicFront"/>
-      <a:lightRig rig="threePt" dir="t"/>
-    </dgm:scene3d>
-    <dgm:sp3d/>
-    <dgm:txPr/>
-    <dgm:style>
-      <a:lnRef idx="0">
-        <a:scrgbClr r="0" g="0" b="0"/>
-      </a:lnRef>
-      <a:fillRef idx="1">
-        <a:scrgbClr r="0" g="0" b="0"/>
-      </a:fillRef>
-      <a:effectRef idx="2">
-        <a:scrgbClr r="0" g="0" b="0"/>
-      </a:effectRef>
-      <a:fontRef idx="minor"/>
-    </dgm:style>
-  </dgm:styleLbl>
-  <dgm:styleLbl name="dkBgShp">
-    <dgm:scene3d>
-      <a:camera prst="orthographicFront"/>
-      <a:lightRig rig="threePt" dir="t"/>
-    </dgm:scene3d>
-    <dgm:sp3d/>
-    <dgm:txPr/>
-    <dgm:style>
-      <a:lnRef idx="0">
-        <a:scrgbClr r="0" g="0" b="0"/>
-      </a:lnRef>
-      <a:fillRef idx="1">
-        <a:scrgbClr r="0" g="0" b="0"/>
-      </a:fillRef>
-      <a:effectRef idx="2">
-        <a:scrgbClr r="0" g="0" b="0"/>
-      </a:effectRef>
-      <a:fontRef idx="minor"/>
-    </dgm:style>
-  </dgm:styleLbl>
-  <dgm:styleLbl name="trBgShp">
-    <dgm:scene3d>
-      <a:camera prst="orthographicFront"/>
-      <a:lightRig rig="threePt" dir="t"/>
-    </dgm:scene3d>
-    <dgm:sp3d/>
-    <dgm:txPr/>
-    <dgm:style>
-      <a:lnRef idx="0">
-        <a:scrgbClr r="0" g="0" b="0"/>
-      </a:lnRef>
-      <a:fillRef idx="1">
-        <a:scrgbClr r="0" g="0" b="0"/>
-      </a:fillRef>
-      <a:effectRef idx="0">
-        <a:scrgbClr r="0" g="0" b="0"/>
-      </a:effectRef>
-      <a:fontRef idx="minor"/>
-    </dgm:style>
-  </dgm:styleLbl>
-  <dgm:styleLbl name="fgShp">
-    <dgm:scene3d>
-      <a:camera prst="orthographicFront"/>
-      <a:lightRig rig="threePt" dir="t"/>
-    </dgm:scene3d>
-    <dgm:sp3d/>
-    <dgm:txPr/>
-    <dgm:style>
-      <a:lnRef idx="0">
-        <a:scrgbClr r="0" g="0" b="0"/>
-      </a:lnRef>
-      <a:fillRef idx="3">
-        <a:scrgbClr r="0" g="0" b="0"/>
-      </a:fillRef>
-      <a:effectRef idx="2">
-        <a:scrgbClr r="0" g="0" b="0"/>
-      </a:effectRef>
-      <a:fontRef idx="minor"/>
-    </dgm:style>
-  </dgm:styleLbl>
-  <dgm:styleLbl name="revTx">
-    <dgm:scene3d>
-      <a:camera prst="orthographicFront"/>
-      <a:lightRig rig="threePt" dir="t"/>
-    </dgm:scene3d>
-    <dgm:sp3d/>
-    <dgm:txPr/>
-    <dgm:style>
-      <a:lnRef idx="0">
-        <a:scrgbClr r="0" g="0" b="0"/>
-      </a:lnRef>
-      <a:fillRef idx="0">
-        <a:scrgbClr r="0" g="0" b="0"/>
-      </a:fillRef>
-      <a:effectRef idx="0">
-        <a:scrgbClr r="0" g="0" b="0"/>
-      </a:effectRef>
-      <a:fontRef idx="minor"/>
-    </dgm:style>
-  </dgm:styleLbl>
-</dgm:styleDef>
-</file>
-
-<file path=ppt/diagrams/quickStyle4.xml><?xml version="1.0" encoding="utf-8"?>
 <dgm:styleDef xmlns:dgm="http://schemas.openxmlformats.org/drawingml/2006/diagram" xmlns:a="http://schemas.openxmlformats.org/drawingml/2006/main" uniqueId="urn:microsoft.com/office/officeart/2005/8/quickstyle/simple4">
   <dgm:title val=""/>
   <dgm:desc val=""/>
@@ -15931,7 +12317,7 @@
           <a:p>
             <a:fld id="{141971DB-7766-C44B-930B-2F09E959C349}" type="datetimeFigureOut">
               <a:rPr kumimoji="1" lang="zh-CN" altLang="en-US" smtClean="0"/>
-              <a:t>15/3/11</a:t>
+              <a:t>15/3/26</a:t>
             </a:fld>
             <a:endParaRPr kumimoji="1" lang="zh-CN" altLang="en-US"/>
           </a:p>
@@ -16097,7 +12483,7 @@
           <a:p>
             <a:fld id="{59E3B538-975B-4249-AA39-E35F58C578B3}" type="datetimeFigureOut">
               <a:rPr kumimoji="1" lang="zh-CN" altLang="en-US" smtClean="0"/>
-              <a:t>15/3/11</a:t>
+              <a:t>15/3/26</a:t>
             </a:fld>
             <a:endParaRPr kumimoji="1" lang="zh-CN" altLang="en-US"/>
           </a:p>
@@ -16972,7 +13358,7 @@
           <a:p>
             <a:fld id="{7D4D5215-B83D-0F4A-9F6C-CFA7FB93B836}" type="datetime1">
               <a:rPr lang="zh-CN" altLang="en-US" smtClean="0"/>
-              <a:t>15/3/11</a:t>
+              <a:t>15/3/26</a:t>
             </a:fld>
             <a:endParaRPr lang="en-US"/>
           </a:p>
@@ -17329,7 +13715,7 @@
           <a:p>
             <a:fld id="{1FF577A3-261E-D34A-8D0F-9CF5899AC53E}" type="datetime1">
               <a:rPr lang="zh-CN" altLang="en-US" smtClean="0"/>
-              <a:t>15/3/11</a:t>
+              <a:t>15/3/26</a:t>
             </a:fld>
             <a:endParaRPr lang="en-US"/>
           </a:p>
@@ -17498,7 +13884,7 @@
           <a:p>
             <a:fld id="{F6261A2D-25E1-1349-A36F-EBC82F29A52C}" type="datetime1">
               <a:rPr lang="zh-CN" altLang="en-US" smtClean="0"/>
-              <a:t>15/3/11</a:t>
+              <a:t>15/3/26</a:t>
             </a:fld>
             <a:endParaRPr lang="en-US"/>
           </a:p>
@@ -17677,7 +14063,7 @@
           <a:p>
             <a:fld id="{B5087D83-E822-724C-8B3A-0150CD76E6F9}" type="datetime1">
               <a:rPr lang="zh-CN" altLang="en-US" smtClean="0"/>
-              <a:t>15/3/11</a:t>
+              <a:t>15/3/26</a:t>
             </a:fld>
             <a:endParaRPr lang="en-US"/>
           </a:p>
@@ -17846,7 +14232,7 @@
           <a:p>
             <a:fld id="{1E86C3BC-5F89-2F49-8F2B-3916B25A12D0}" type="datetime1">
               <a:rPr lang="zh-CN" altLang="en-US" smtClean="0"/>
-              <a:t>15/3/11</a:t>
+              <a:t>15/3/26</a:t>
             </a:fld>
             <a:endParaRPr lang="en-US"/>
           </a:p>
@@ -18123,7 +14509,7 @@
           <a:p>
             <a:fld id="{3C06AE13-05D3-C74C-A664-508DB1536078}" type="datetime1">
               <a:rPr lang="zh-CN" altLang="en-US" smtClean="0"/>
-              <a:t>15/3/11</a:t>
+              <a:t>15/3/26</a:t>
             </a:fld>
             <a:endParaRPr lang="en-US"/>
           </a:p>
@@ -18415,7 +14801,7 @@
           <a:p>
             <a:fld id="{737F11DA-40E2-6544-99E9-86C5EB9A7F46}" type="datetime1">
               <a:rPr lang="zh-CN" altLang="en-US" smtClean="0"/>
-              <a:t>15/3/11</a:t>
+              <a:t>15/3/26</a:t>
             </a:fld>
             <a:endParaRPr lang="en-US"/>
           </a:p>
@@ -18851,7 +15237,7 @@
           <a:p>
             <a:fld id="{B8A522D3-0C6D-2845-8738-67EDDA71C39A}" type="datetime1">
               <a:rPr lang="zh-CN" altLang="en-US" smtClean="0"/>
-              <a:t>15/3/11</a:t>
+              <a:t>15/3/26</a:t>
             </a:fld>
             <a:endParaRPr lang="en-US"/>
           </a:p>
@@ -18964,7 +15350,7 @@
           <a:p>
             <a:fld id="{F50657D1-CBB5-B44E-B989-83AB587ECBDE}" type="datetime1">
               <a:rPr lang="zh-CN" altLang="en-US" smtClean="0"/>
-              <a:t>15/3/11</a:t>
+              <a:t>15/3/26</a:t>
             </a:fld>
             <a:endParaRPr lang="en-US"/>
           </a:p>
@@ -19054,7 +15440,7 @@
           <a:p>
             <a:fld id="{66690611-31BF-C640-A836-04E19E216A6B}" type="datetime1">
               <a:rPr lang="zh-CN" altLang="en-US" smtClean="0"/>
-              <a:t>15/3/11</a:t>
+              <a:t>15/3/26</a:t>
             </a:fld>
             <a:endParaRPr lang="en-US"/>
           </a:p>
@@ -19391,7 +15777,7 @@
           <a:p>
             <a:fld id="{6BE92493-A156-C947-8894-F1EA4760435F}" type="datetime1">
               <a:rPr lang="zh-CN" altLang="en-US" smtClean="0"/>
-              <a:t>15/3/11</a:t>
+              <a:t>15/3/26</a:t>
             </a:fld>
             <a:endParaRPr lang="en-US"/>
           </a:p>
@@ -19706,7 +16092,7 @@
           <a:p>
             <a:fld id="{40E2AC34-94C9-3944-B48E-200F1B80D608}" type="datetime1">
               <a:rPr lang="zh-CN" altLang="en-US" smtClean="0"/>
-              <a:t>15/3/11</a:t>
+              <a:t>15/3/26</a:t>
             </a:fld>
             <a:endParaRPr lang="en-US"/>
           </a:p>
@@ -19952,7 +16338,7 @@
           <a:p>
             <a:fld id="{EDF516EF-5C45-534C-A800-220451E25F43}" type="datetime1">
               <a:rPr lang="zh-CN" altLang="en-US" smtClean="0"/>
-              <a:t>15/3/11</a:t>
+              <a:t>15/3/26</a:t>
             </a:fld>
             <a:endParaRPr lang="en-US"/>
           </a:p>
@@ -20554,33 +16940,7 @@
                 <a:ea typeface="微软雅黑"/>
                 <a:cs typeface="微软雅黑"/>
               </a:rPr>
-              <a:t>改善服务</a:t>
-            </a:r>
-            <a:r>
-              <a:rPr kumimoji="1" lang="zh-CN" altLang="en-US" sz="1600" dirty="0" smtClean="0">
-                <a:solidFill>
-                  <a:schemeClr val="tx1">
-                    <a:lumMod val="75000"/>
-                  </a:schemeClr>
-                </a:solidFill>
-                <a:latin typeface="微软雅黑"/>
-                <a:ea typeface="微软雅黑"/>
-                <a:cs typeface="微软雅黑"/>
-              </a:rPr>
-              <a:t>，</a:t>
-            </a:r>
-            <a:r>
-              <a:rPr kumimoji="1" lang="zh-CN" altLang="en-US" sz="1600" dirty="0" smtClean="0">
-                <a:solidFill>
-                  <a:schemeClr val="tx1">
-                    <a:lumMod val="75000"/>
-                  </a:schemeClr>
-                </a:solidFill>
-                <a:latin typeface="微软雅黑"/>
-                <a:ea typeface="微软雅黑"/>
-                <a:cs typeface="微软雅黑"/>
-              </a:rPr>
-              <a:t>了解用户精准营销</a:t>
+              <a:t>改善服务，了解用户精准营销</a:t>
             </a:r>
             <a:endParaRPr kumimoji="1" lang="en-US" altLang="zh-CN" sz="1600" dirty="0" smtClean="0">
               <a:solidFill>
@@ -20934,7 +17294,7 @@
           <p:nvPr>
             <p:extLst>
               <p:ext uri="{D42A27DB-BD31-4B8C-83A1-F6EECF244321}">
-                <p14:modId xmlns:p14="http://schemas.microsoft.com/office/powerpoint/2010/main" val="56062212"/>
+                <p14:modId xmlns:p14="http://schemas.microsoft.com/office/powerpoint/2010/main" val="1486130257"/>
               </p:ext>
             </p:extLst>
           </p:nvPr>
@@ -21166,7 +17526,7 @@
         </p:nvSpPr>
         <p:spPr>
           <a:xfrm>
-            <a:off x="5594146" y="1568987"/>
+            <a:off x="5265917" y="1498455"/>
             <a:ext cx="1341452" cy="914400"/>
           </a:xfrm>
           <a:prstGeom prst="cloud">
@@ -21209,7 +17569,7 @@
         </p:nvSpPr>
         <p:spPr>
           <a:xfrm>
-            <a:off x="5594146" y="4246952"/>
+            <a:off x="5389602" y="3315570"/>
             <a:ext cx="1341452" cy="914400"/>
           </a:xfrm>
           <a:prstGeom prst="cloud">
@@ -21252,7 +17612,7 @@
         </p:nvSpPr>
         <p:spPr>
           <a:xfrm>
-            <a:off x="3011134" y="534808"/>
+            <a:off x="3011134" y="619279"/>
             <a:ext cx="1341452" cy="914400"/>
           </a:xfrm>
           <a:prstGeom prst="cloud">
@@ -21295,7 +17655,7 @@
         </p:nvSpPr>
         <p:spPr>
           <a:xfrm>
-            <a:off x="998956" y="3590581"/>
+            <a:off x="1449806" y="3350505"/>
             <a:ext cx="1341452" cy="914400"/>
           </a:xfrm>
           <a:prstGeom prst="cloud">
@@ -21338,7 +17698,7 @@
         </p:nvSpPr>
         <p:spPr>
           <a:xfrm>
-            <a:off x="2540200" y="4903916"/>
+            <a:off x="3011134" y="4722105"/>
             <a:ext cx="1341452" cy="914400"/>
           </a:xfrm>
           <a:prstGeom prst="cloud">
@@ -21381,7 +17741,7 @@
         </p:nvSpPr>
         <p:spPr>
           <a:xfrm>
-            <a:off x="913331" y="2026187"/>
+            <a:off x="1520324" y="1699530"/>
             <a:ext cx="1341452" cy="914400"/>
           </a:xfrm>
           <a:prstGeom prst="cloud">
@@ -22496,28 +18856,417 @@
           </a:fontRef>
         </p:style>
       </p:cxnSp>
-      <p:graphicFrame>
-        <p:nvGraphicFramePr>
-          <p:cNvPr id="2" name="图表 1"/>
-          <p:cNvGraphicFramePr/>
-          <p:nvPr>
-            <p:extLst>
-              <p:ext uri="{D42A27DB-BD31-4B8C-83A1-F6EECF244321}">
-                <p14:modId xmlns:p14="http://schemas.microsoft.com/office/powerpoint/2010/main" val="2298534540"/>
-              </p:ext>
-            </p:extLst>
-          </p:nvPr>
-        </p:nvGraphicFramePr>
-        <p:xfrm>
-          <a:off x="927600" y="1055900"/>
-          <a:ext cx="6935597" cy="4066642"/>
-        </p:xfrm>
-        <a:graphic>
-          <a:graphicData uri="http://schemas.openxmlformats.org/drawingml/2006/diagram">
-            <dgm:relIds xmlns:dgm="http://schemas.openxmlformats.org/drawingml/2006/diagram" xmlns:r="http://schemas.openxmlformats.org/officeDocument/2006/relationships" r:dm="rId3" r:lo="rId4" r:qs="rId5" r:cs="rId6"/>
-          </a:graphicData>
-        </a:graphic>
-      </p:graphicFrame>
+      <p:grpSp>
+        <p:nvGrpSpPr>
+          <p:cNvPr id="18" name="组 17"/>
+          <p:cNvGrpSpPr/>
+          <p:nvPr/>
+        </p:nvGrpSpPr>
+        <p:grpSpPr>
+          <a:xfrm>
+            <a:off x="1384968" y="1711158"/>
+            <a:ext cx="5833979" cy="3154947"/>
+            <a:chOff x="1050758" y="1711158"/>
+            <a:chExt cx="5855370" cy="3042651"/>
+          </a:xfrm>
+        </p:grpSpPr>
+        <p:sp>
+          <p:nvSpPr>
+            <p:cNvPr id="8" name="圆角矩形 7"/>
+            <p:cNvSpPr/>
+            <p:nvPr/>
+          </p:nvSpPr>
+          <p:spPr>
+            <a:xfrm>
+              <a:off x="2580106" y="1711158"/>
+              <a:ext cx="1310106" cy="842210"/>
+            </a:xfrm>
+            <a:prstGeom prst="roundRect">
+              <a:avLst/>
+            </a:prstGeom>
+          </p:spPr>
+          <p:style>
+            <a:lnRef idx="2">
+              <a:schemeClr val="accent2">
+                <a:shade val="50000"/>
+              </a:schemeClr>
+            </a:lnRef>
+            <a:fillRef idx="1">
+              <a:schemeClr val="accent2"/>
+            </a:fillRef>
+            <a:effectRef idx="0">
+              <a:schemeClr val="accent2"/>
+            </a:effectRef>
+            <a:fontRef idx="minor">
+              <a:schemeClr val="lt1"/>
+            </a:fontRef>
+          </p:style>
+          <p:txBody>
+            <a:bodyPr rtlCol="0" anchor="ctr"/>
+            <a:lstStyle/>
+            <a:p>
+              <a:pPr algn="ctr"/>
+              <a:r>
+                <a:rPr kumimoji="1" lang="zh-CN" altLang="en-US" dirty="0" smtClean="0"/>
+                <a:t>采集</a:t>
+              </a:r>
+              <a:endParaRPr kumimoji="1" lang="zh-CN" altLang="en-US" dirty="0"/>
+            </a:p>
+          </p:txBody>
+        </p:sp>
+        <p:sp>
+          <p:nvSpPr>
+            <p:cNvPr id="10" name="圆角矩形 9"/>
+            <p:cNvSpPr/>
+            <p:nvPr/>
+          </p:nvSpPr>
+          <p:spPr>
+            <a:xfrm>
+              <a:off x="2580106" y="2810041"/>
+              <a:ext cx="1310106" cy="842210"/>
+            </a:xfrm>
+            <a:prstGeom prst="roundRect">
+              <a:avLst/>
+            </a:prstGeom>
+          </p:spPr>
+          <p:style>
+            <a:lnRef idx="2">
+              <a:schemeClr val="accent3">
+                <a:shade val="50000"/>
+              </a:schemeClr>
+            </a:lnRef>
+            <a:fillRef idx="1">
+              <a:schemeClr val="accent3"/>
+            </a:fillRef>
+            <a:effectRef idx="0">
+              <a:schemeClr val="accent3"/>
+            </a:effectRef>
+            <a:fontRef idx="minor">
+              <a:schemeClr val="lt1"/>
+            </a:fontRef>
+          </p:style>
+          <p:txBody>
+            <a:bodyPr rtlCol="0" anchor="ctr"/>
+            <a:lstStyle/>
+            <a:p>
+              <a:pPr algn="ctr"/>
+              <a:r>
+                <a:rPr kumimoji="1" lang="zh-CN" altLang="en-US" dirty="0" smtClean="0"/>
+                <a:t>挖掘</a:t>
+              </a:r>
+              <a:endParaRPr kumimoji="1" lang="zh-CN" altLang="en-US" dirty="0"/>
+            </a:p>
+          </p:txBody>
+        </p:sp>
+        <p:sp>
+          <p:nvSpPr>
+            <p:cNvPr id="11" name="圆角矩形 10"/>
+            <p:cNvSpPr/>
+            <p:nvPr/>
+          </p:nvSpPr>
+          <p:spPr>
+            <a:xfrm>
+              <a:off x="5596022" y="1711158"/>
+              <a:ext cx="1310106" cy="842210"/>
+            </a:xfrm>
+            <a:prstGeom prst="roundRect">
+              <a:avLst/>
+            </a:prstGeom>
+          </p:spPr>
+          <p:style>
+            <a:lnRef idx="2">
+              <a:schemeClr val="accent5">
+                <a:shade val="50000"/>
+              </a:schemeClr>
+            </a:lnRef>
+            <a:fillRef idx="1">
+              <a:schemeClr val="accent5"/>
+            </a:fillRef>
+            <a:effectRef idx="0">
+              <a:schemeClr val="accent5"/>
+            </a:effectRef>
+            <a:fontRef idx="minor">
+              <a:schemeClr val="lt1"/>
+            </a:fontRef>
+          </p:style>
+          <p:txBody>
+            <a:bodyPr rtlCol="0" anchor="ctr"/>
+            <a:lstStyle/>
+            <a:p>
+              <a:pPr algn="ctr"/>
+              <a:r>
+                <a:rPr kumimoji="1" lang="zh-CN" altLang="en-US" dirty="0" smtClean="0"/>
+                <a:t>管理</a:t>
+              </a:r>
+              <a:endParaRPr kumimoji="1" lang="zh-CN" altLang="en-US" dirty="0"/>
+            </a:p>
+          </p:txBody>
+        </p:sp>
+        <p:sp>
+          <p:nvSpPr>
+            <p:cNvPr id="12" name="圆角矩形 11"/>
+            <p:cNvSpPr/>
+            <p:nvPr/>
+          </p:nvSpPr>
+          <p:spPr>
+            <a:xfrm>
+              <a:off x="1050759" y="2810041"/>
+              <a:ext cx="1310106" cy="842210"/>
+            </a:xfrm>
+            <a:prstGeom prst="roundRect">
+              <a:avLst/>
+            </a:prstGeom>
+          </p:spPr>
+          <p:style>
+            <a:lnRef idx="2">
+              <a:schemeClr val="accent6">
+                <a:shade val="50000"/>
+              </a:schemeClr>
+            </a:lnRef>
+            <a:fillRef idx="1">
+              <a:schemeClr val="accent6"/>
+            </a:fillRef>
+            <a:effectRef idx="0">
+              <a:schemeClr val="accent6"/>
+            </a:effectRef>
+            <a:fontRef idx="minor">
+              <a:schemeClr val="lt1"/>
+            </a:fontRef>
+          </p:style>
+          <p:txBody>
+            <a:bodyPr rtlCol="0" anchor="ctr"/>
+            <a:lstStyle/>
+            <a:p>
+              <a:pPr algn="ctr"/>
+              <a:r>
+                <a:rPr kumimoji="1" lang="zh-CN" altLang="en-US" dirty="0" smtClean="0"/>
+                <a:t>分析</a:t>
+              </a:r>
+              <a:endParaRPr kumimoji="1" lang="zh-CN" altLang="en-US" dirty="0"/>
+            </a:p>
+          </p:txBody>
+        </p:sp>
+        <p:sp>
+          <p:nvSpPr>
+            <p:cNvPr id="13" name="圆角矩形 12"/>
+            <p:cNvSpPr/>
+            <p:nvPr/>
+          </p:nvSpPr>
+          <p:spPr>
+            <a:xfrm>
+              <a:off x="1050759" y="1711158"/>
+              <a:ext cx="1310106" cy="842210"/>
+            </a:xfrm>
+            <a:prstGeom prst="roundRect">
+              <a:avLst/>
+            </a:prstGeom>
+          </p:spPr>
+          <p:style>
+            <a:lnRef idx="2">
+              <a:schemeClr val="accent1">
+                <a:shade val="50000"/>
+              </a:schemeClr>
+            </a:lnRef>
+            <a:fillRef idx="1">
+              <a:schemeClr val="accent1"/>
+            </a:fillRef>
+            <a:effectRef idx="0">
+              <a:schemeClr val="accent1"/>
+            </a:effectRef>
+            <a:fontRef idx="minor">
+              <a:schemeClr val="lt1"/>
+            </a:fontRef>
+          </p:style>
+          <p:txBody>
+            <a:bodyPr rtlCol="0" anchor="ctr"/>
+            <a:lstStyle/>
+            <a:p>
+              <a:pPr algn="ctr"/>
+              <a:r>
+                <a:rPr kumimoji="1" lang="zh-CN" altLang="en-US" dirty="0" smtClean="0"/>
+                <a:t>图表</a:t>
+              </a:r>
+              <a:endParaRPr kumimoji="1" lang="zh-CN" altLang="en-US" dirty="0"/>
+            </a:p>
+          </p:txBody>
+        </p:sp>
+        <p:sp>
+          <p:nvSpPr>
+            <p:cNvPr id="14" name="圆角矩形 13"/>
+            <p:cNvSpPr/>
+            <p:nvPr/>
+          </p:nvSpPr>
+          <p:spPr>
+            <a:xfrm>
+              <a:off x="4085222" y="1711158"/>
+              <a:ext cx="1310106" cy="842210"/>
+            </a:xfrm>
+            <a:prstGeom prst="roundRect">
+              <a:avLst/>
+            </a:prstGeom>
+          </p:spPr>
+          <p:style>
+            <a:lnRef idx="2">
+              <a:schemeClr val="accent4">
+                <a:shade val="50000"/>
+              </a:schemeClr>
+            </a:lnRef>
+            <a:fillRef idx="1">
+              <a:schemeClr val="accent4"/>
+            </a:fillRef>
+            <a:effectRef idx="0">
+              <a:schemeClr val="accent4"/>
+            </a:effectRef>
+            <a:fontRef idx="minor">
+              <a:schemeClr val="lt1"/>
+            </a:fontRef>
+          </p:style>
+          <p:txBody>
+            <a:bodyPr rtlCol="0" anchor="ctr"/>
+            <a:lstStyle/>
+            <a:p>
+              <a:pPr algn="ctr"/>
+              <a:r>
+                <a:rPr kumimoji="1" lang="zh-CN" altLang="en-US" dirty="0" smtClean="0"/>
+                <a:t>标签</a:t>
+              </a:r>
+              <a:endParaRPr kumimoji="1" lang="zh-CN" altLang="en-US" dirty="0"/>
+            </a:p>
+          </p:txBody>
+        </p:sp>
+        <p:sp>
+          <p:nvSpPr>
+            <p:cNvPr id="15" name="圆角矩形 14"/>
+            <p:cNvSpPr/>
+            <p:nvPr/>
+          </p:nvSpPr>
+          <p:spPr>
+            <a:xfrm>
+              <a:off x="4085222" y="2810041"/>
+              <a:ext cx="1310106" cy="842210"/>
+            </a:xfrm>
+            <a:prstGeom prst="roundRect">
+              <a:avLst/>
+            </a:prstGeom>
+          </p:spPr>
+          <p:style>
+            <a:lnRef idx="2">
+              <a:schemeClr val="accent1">
+                <a:shade val="50000"/>
+              </a:schemeClr>
+            </a:lnRef>
+            <a:fillRef idx="1">
+              <a:schemeClr val="accent1"/>
+            </a:fillRef>
+            <a:effectRef idx="0">
+              <a:schemeClr val="accent1"/>
+            </a:effectRef>
+            <a:fontRef idx="minor">
+              <a:schemeClr val="lt1"/>
+            </a:fontRef>
+          </p:style>
+          <p:txBody>
+            <a:bodyPr rtlCol="0" anchor="ctr"/>
+            <a:lstStyle/>
+            <a:p>
+              <a:pPr algn="ctr"/>
+              <a:r>
+                <a:rPr kumimoji="1" lang="zh-CN" altLang="en-US" dirty="0" smtClean="0"/>
+                <a:t>建模</a:t>
+              </a:r>
+              <a:endParaRPr kumimoji="1" lang="zh-CN" altLang="en-US" dirty="0"/>
+            </a:p>
+          </p:txBody>
+        </p:sp>
+        <p:sp>
+          <p:nvSpPr>
+            <p:cNvPr id="16" name="圆角矩形 15"/>
+            <p:cNvSpPr/>
+            <p:nvPr/>
+          </p:nvSpPr>
+          <p:spPr>
+            <a:xfrm>
+              <a:off x="5596022" y="2810041"/>
+              <a:ext cx="1310106" cy="842210"/>
+            </a:xfrm>
+            <a:prstGeom prst="roundRect">
+              <a:avLst/>
+            </a:prstGeom>
+          </p:spPr>
+          <p:style>
+            <a:lnRef idx="2">
+              <a:schemeClr val="accent2">
+                <a:shade val="50000"/>
+              </a:schemeClr>
+            </a:lnRef>
+            <a:fillRef idx="1">
+              <a:schemeClr val="accent2"/>
+            </a:fillRef>
+            <a:effectRef idx="0">
+              <a:schemeClr val="accent2"/>
+            </a:effectRef>
+            <a:fontRef idx="minor">
+              <a:schemeClr val="lt1"/>
+            </a:fontRef>
+          </p:style>
+          <p:txBody>
+            <a:bodyPr rtlCol="0" anchor="ctr"/>
+            <a:lstStyle/>
+            <a:p>
+              <a:pPr algn="ctr"/>
+              <a:r>
+                <a:rPr kumimoji="1" lang="zh-CN" altLang="en-US" dirty="0" smtClean="0"/>
+                <a:t>营销</a:t>
+              </a:r>
+              <a:endParaRPr kumimoji="1" lang="zh-CN" altLang="en-US" dirty="0"/>
+            </a:p>
+          </p:txBody>
+        </p:sp>
+        <p:sp>
+          <p:nvSpPr>
+            <p:cNvPr id="17" name="圆角矩形 16"/>
+            <p:cNvSpPr/>
+            <p:nvPr/>
+          </p:nvSpPr>
+          <p:spPr>
+            <a:xfrm>
+              <a:off x="1050758" y="3911599"/>
+              <a:ext cx="5855369" cy="842210"/>
+            </a:xfrm>
+            <a:prstGeom prst="roundRect">
+              <a:avLst/>
+            </a:prstGeom>
+          </p:spPr>
+          <p:style>
+            <a:lnRef idx="2">
+              <a:schemeClr val="accent5">
+                <a:shade val="50000"/>
+              </a:schemeClr>
+            </a:lnRef>
+            <a:fillRef idx="1">
+              <a:schemeClr val="accent5"/>
+            </a:fillRef>
+            <a:effectRef idx="0">
+              <a:schemeClr val="accent5"/>
+            </a:effectRef>
+            <a:fontRef idx="minor">
+              <a:schemeClr val="lt1"/>
+            </a:fontRef>
+          </p:style>
+          <p:txBody>
+            <a:bodyPr rtlCol="0" anchor="ctr"/>
+            <a:lstStyle/>
+            <a:p>
+              <a:pPr algn="ctr"/>
+              <a:r>
+                <a:rPr kumimoji="1" lang="en-US" altLang="zh-CN" dirty="0" smtClean="0"/>
+                <a:t>EMP&amp;Liana5</a:t>
+              </a:r>
+              <a:endParaRPr kumimoji="1" lang="zh-CN" altLang="en-US" dirty="0"/>
+            </a:p>
+          </p:txBody>
+        </p:sp>
+      </p:grpSp>
     </p:spTree>
     <p:extLst>
       <p:ext uri="{BB962C8B-B14F-4D97-AF65-F5344CB8AC3E}">
@@ -22563,7 +19312,7 @@
         </p:nvSpPr>
         <p:spPr>
           <a:xfrm>
-            <a:off x="1069474" y="949158"/>
+            <a:off x="855579" y="521368"/>
             <a:ext cx="7339263" cy="5909311"/>
           </a:xfrm>
           <a:prstGeom prst="rect">
@@ -22600,15 +19349,7 @@
             </a:r>
             <a:r>
               <a:rPr kumimoji="1" lang="zh-CN" altLang="en-US" dirty="0" smtClean="0"/>
-              <a:t>用户</a:t>
-            </a:r>
-            <a:r>
-              <a:rPr kumimoji="1" lang="zh-CN" altLang="en-US" dirty="0" smtClean="0"/>
-              <a:t>相似度</a:t>
-            </a:r>
-            <a:r>
-              <a:rPr kumimoji="1" lang="zh-CN" altLang="en-US" dirty="0" smtClean="0"/>
-              <a:t>（分类、标签）</a:t>
+              <a:t>用户相似度（分类、标签）</a:t>
             </a:r>
             <a:endParaRPr kumimoji="1" lang="en-US" altLang="zh-CN" dirty="0" smtClean="0"/>
           </a:p>
@@ -22629,15 +19370,7 @@
             </a:r>
             <a:r>
               <a:rPr kumimoji="1" lang="zh-CN" altLang="en-US" dirty="0" smtClean="0"/>
-              <a:t>商品</a:t>
-            </a:r>
-            <a:r>
-              <a:rPr kumimoji="1" lang="zh-CN" altLang="en-US" dirty="0" smtClean="0"/>
-              <a:t>相似度</a:t>
-            </a:r>
-            <a:r>
-              <a:rPr kumimoji="1" lang="zh-CN" altLang="en-US" dirty="0" smtClean="0"/>
-              <a:t>（分类、标签）</a:t>
+              <a:t>商品相似度（分类、标签）</a:t>
             </a:r>
             <a:endParaRPr kumimoji="1" lang="en-US" altLang="zh-CN" dirty="0"/>
           </a:p>
@@ -22647,11 +19380,7 @@
           <a:p>
             <a:r>
               <a:rPr kumimoji="1" lang="zh-CN" altLang="en-US" dirty="0" smtClean="0"/>
-              <a:t>怎么推</a:t>
-            </a:r>
-            <a:r>
-              <a:rPr kumimoji="1" lang="zh-CN" altLang="en-US" dirty="0" smtClean="0"/>
-              <a:t>（营销活动</a:t>
+              <a:t>怎么推（营销活动</a:t>
             </a:r>
             <a:r>
               <a:rPr kumimoji="1" lang="en-US" altLang="zh-CN" dirty="0" smtClean="0"/>
@@ -22683,15 +19412,7 @@
           <a:p>
             <a:r>
               <a:rPr kumimoji="1" lang="zh-CN" altLang="en-US" dirty="0" smtClean="0"/>
-              <a:t>海量数据（结构化</a:t>
-            </a:r>
-            <a:r>
-              <a:rPr kumimoji="1" lang="zh-CN" altLang="en-US" dirty="0" smtClean="0"/>
-              <a:t>、）</a:t>
-            </a:r>
-            <a:r>
-              <a:rPr kumimoji="1" lang="zh-CN" altLang="en-US" dirty="0" smtClean="0"/>
-              <a:t>？分布式？</a:t>
+              <a:t>海量数据（结构化、）？分布式？</a:t>
             </a:r>
             <a:endParaRPr kumimoji="1" lang="en-US" altLang="zh-CN" dirty="0" smtClean="0"/>
           </a:p>

--- a/营销.pptx
+++ b/营销.pptx
@@ -5,19 +5,20 @@
     <p:sldMasterId id="2147483660" r:id="rId1"/>
   </p:sldMasterIdLst>
   <p:notesMasterIdLst>
-    <p:notesMasterId r:id="rId9"/>
+    <p:notesMasterId r:id="rId10"/>
   </p:notesMasterIdLst>
   <p:handoutMasterIdLst>
-    <p:handoutMasterId r:id="rId10"/>
+    <p:handoutMasterId r:id="rId11"/>
   </p:handoutMasterIdLst>
   <p:sldIdLst>
     <p:sldId id="256" r:id="rId2"/>
     <p:sldId id="267" r:id="rId3"/>
     <p:sldId id="265" r:id="rId4"/>
     <p:sldId id="259" r:id="rId5"/>
-    <p:sldId id="260" r:id="rId6"/>
-    <p:sldId id="262" r:id="rId7"/>
-    <p:sldId id="261" r:id="rId8"/>
+    <p:sldId id="269" r:id="rId6"/>
+    <p:sldId id="268" r:id="rId7"/>
+    <p:sldId id="262" r:id="rId8"/>
+    <p:sldId id="261" r:id="rId9"/>
   </p:sldIdLst>
   <p:sldSz cx="9144000" cy="6858000" type="screen4x3"/>
   <p:notesSz cx="6858000" cy="9144000"/>
@@ -1666,18 +1667,18 @@
   </dgm:ptLst>
   <dgm:cxnLst>
     <dgm:cxn modelId="{DF2D115C-FE4D-EB4F-9E49-37A27E7C3FA0}" srcId="{1A090B2B-03DC-A247-BDCC-02CD65A6A6BA}" destId="{780A7E83-F87B-CD4C-8EBD-35965B6CEB23}" srcOrd="4" destOrd="0" parTransId="{C27446FB-085B-2B43-A1D5-8EF003A444A0}" sibTransId="{45EFAF5A-D104-874B-B9E5-BBF75C1BA969}"/>
+    <dgm:cxn modelId="{1BDDC4B0-5E02-4747-B6C3-70989E99AB32}" type="presOf" srcId="{826D8FA6-9242-0C42-9936-382AF922E449}" destId="{7B418E68-134A-4647-8CCE-185FD86A7C54}" srcOrd="0" destOrd="0" presId="urn:microsoft.com/office/officeart/2009/3/layout/CircleRelationship"/>
+    <dgm:cxn modelId="{C9D01FBD-FA48-574E-9464-C515E95C8842}" type="presOf" srcId="{06A37BC9-258B-2A4F-A5DE-04B586A9BD76}" destId="{08432F1D-0784-3343-9665-C8A977C32CC6}" srcOrd="0" destOrd="0" presId="urn:microsoft.com/office/officeart/2009/3/layout/CircleRelationship"/>
+    <dgm:cxn modelId="{C94EF696-3CA5-144E-94CF-57999B8F179D}" srcId="{1A090B2B-03DC-A247-BDCC-02CD65A6A6BA}" destId="{8D21E41D-58EA-FB4E-BDFF-5586DE54A237}" srcOrd="1" destOrd="0" parTransId="{2D5B93D5-0188-6749-843E-8F71C50ABF86}" sibTransId="{B060CC8D-36A8-7447-84B1-578486679740}"/>
+    <dgm:cxn modelId="{D0E2D512-D827-174F-ABBA-38663541D8B9}" srcId="{1A090B2B-03DC-A247-BDCC-02CD65A6A6BA}" destId="{826D8FA6-9242-0C42-9936-382AF922E449}" srcOrd="2" destOrd="0" parTransId="{8BB306E5-326C-FA46-BDB7-706B4F7EA20E}" sibTransId="{D7662991-4692-0D4A-A08B-E4A0A5B393E9}"/>
     <dgm:cxn modelId="{1CDF1975-69D3-4543-BE5A-C029610B4423}" srcId="{06A37BC9-258B-2A4F-A5DE-04B586A9BD76}" destId="{1A090B2B-03DC-A247-BDCC-02CD65A6A6BA}" srcOrd="0" destOrd="0" parTransId="{36212B44-0221-B74A-AD62-AA71DC986AF4}" sibTransId="{3FDD121A-D62A-E745-8189-4470458B085E}"/>
+    <dgm:cxn modelId="{6EB99579-505D-8545-A959-F6EE8816D677}" type="presOf" srcId="{1A090B2B-03DC-A247-BDCC-02CD65A6A6BA}" destId="{4C6BDB4D-E2DD-9746-8A9C-5833A4F5DC65}" srcOrd="0" destOrd="0" presId="urn:microsoft.com/office/officeart/2009/3/layout/CircleRelationship"/>
+    <dgm:cxn modelId="{0617353B-BA70-384C-910C-C7DE24DDDE37}" type="presOf" srcId="{8D21E41D-58EA-FB4E-BDFF-5586DE54A237}" destId="{460FDE84-4031-EF4B-9100-AA601B73F93B}" srcOrd="0" destOrd="0" presId="urn:microsoft.com/office/officeart/2009/3/layout/CircleRelationship"/>
     <dgm:cxn modelId="{6CDEDD50-D8DB-AF44-8EDE-CD7C7FAC5ECD}" type="presOf" srcId="{780A7E83-F87B-CD4C-8EBD-35965B6CEB23}" destId="{EE9C1521-002E-4D49-A2A1-16551053B7C9}" srcOrd="0" destOrd="0" presId="urn:microsoft.com/office/officeart/2009/3/layout/CircleRelationship"/>
     <dgm:cxn modelId="{67A8E4BD-3C89-5D48-995C-BDDE1D917A03}" type="presOf" srcId="{630DE4C5-A4E2-7241-AB94-6023AD7215D4}" destId="{6EC5D382-DB5E-104B-B914-B8AADDCF5178}" srcOrd="0" destOrd="0" presId="urn:microsoft.com/office/officeart/2009/3/layout/CircleRelationship"/>
+    <dgm:cxn modelId="{B5B1E1DE-6D66-C948-939D-0906D0B57C26}" type="presOf" srcId="{1F05560E-C2AD-EE43-AB5A-471C8FFEDE8A}" destId="{98322E75-AFA8-314D-B71B-30BCA37D905F}" srcOrd="0" destOrd="0" presId="urn:microsoft.com/office/officeart/2009/3/layout/CircleRelationship"/>
+    <dgm:cxn modelId="{5EC6C0CC-6729-FB4E-BC15-DDFA0C25C215}" srcId="{1A090B2B-03DC-A247-BDCC-02CD65A6A6BA}" destId="{1F05560E-C2AD-EE43-AB5A-471C8FFEDE8A}" srcOrd="0" destOrd="0" parTransId="{63C1E977-0961-294D-8C67-F351884AFD0B}" sibTransId="{FDE3B361-D703-1649-B068-DB2A449D95D0}"/>
     <dgm:cxn modelId="{62324EC6-316B-5240-85F9-FB9BF0624798}" srcId="{1A090B2B-03DC-A247-BDCC-02CD65A6A6BA}" destId="{630DE4C5-A4E2-7241-AB94-6023AD7215D4}" srcOrd="3" destOrd="0" parTransId="{83FD199E-4201-B44B-9E1A-788C0052CAB2}" sibTransId="{DD742EA8-FC75-224D-B149-BBBD772A018D}"/>
-    <dgm:cxn modelId="{B5B1E1DE-6D66-C948-939D-0906D0B57C26}" type="presOf" srcId="{1F05560E-C2AD-EE43-AB5A-471C8FFEDE8A}" destId="{98322E75-AFA8-314D-B71B-30BCA37D905F}" srcOrd="0" destOrd="0" presId="urn:microsoft.com/office/officeart/2009/3/layout/CircleRelationship"/>
-    <dgm:cxn modelId="{1BDDC4B0-5E02-4747-B6C3-70989E99AB32}" type="presOf" srcId="{826D8FA6-9242-0C42-9936-382AF922E449}" destId="{7B418E68-134A-4647-8CCE-185FD86A7C54}" srcOrd="0" destOrd="0" presId="urn:microsoft.com/office/officeart/2009/3/layout/CircleRelationship"/>
-    <dgm:cxn modelId="{6EB99579-505D-8545-A959-F6EE8816D677}" type="presOf" srcId="{1A090B2B-03DC-A247-BDCC-02CD65A6A6BA}" destId="{4C6BDB4D-E2DD-9746-8A9C-5833A4F5DC65}" srcOrd="0" destOrd="0" presId="urn:microsoft.com/office/officeart/2009/3/layout/CircleRelationship"/>
-    <dgm:cxn modelId="{5EC6C0CC-6729-FB4E-BC15-DDFA0C25C215}" srcId="{1A090B2B-03DC-A247-BDCC-02CD65A6A6BA}" destId="{1F05560E-C2AD-EE43-AB5A-471C8FFEDE8A}" srcOrd="0" destOrd="0" parTransId="{63C1E977-0961-294D-8C67-F351884AFD0B}" sibTransId="{FDE3B361-D703-1649-B068-DB2A449D95D0}"/>
-    <dgm:cxn modelId="{D0E2D512-D827-174F-ABBA-38663541D8B9}" srcId="{1A090B2B-03DC-A247-BDCC-02CD65A6A6BA}" destId="{826D8FA6-9242-0C42-9936-382AF922E449}" srcOrd="2" destOrd="0" parTransId="{8BB306E5-326C-FA46-BDB7-706B4F7EA20E}" sibTransId="{D7662991-4692-0D4A-A08B-E4A0A5B393E9}"/>
-    <dgm:cxn modelId="{C94EF696-3CA5-144E-94CF-57999B8F179D}" srcId="{1A090B2B-03DC-A247-BDCC-02CD65A6A6BA}" destId="{8D21E41D-58EA-FB4E-BDFF-5586DE54A237}" srcOrd="1" destOrd="0" parTransId="{2D5B93D5-0188-6749-843E-8F71C50ABF86}" sibTransId="{B060CC8D-36A8-7447-84B1-578486679740}"/>
-    <dgm:cxn modelId="{C9D01FBD-FA48-574E-9464-C515E95C8842}" type="presOf" srcId="{06A37BC9-258B-2A4F-A5DE-04B586A9BD76}" destId="{08432F1D-0784-3343-9665-C8A977C32CC6}" srcOrd="0" destOrd="0" presId="urn:microsoft.com/office/officeart/2009/3/layout/CircleRelationship"/>
-    <dgm:cxn modelId="{0617353B-BA70-384C-910C-C7DE24DDDE37}" type="presOf" srcId="{8D21E41D-58EA-FB4E-BDFF-5586DE54A237}" destId="{460FDE84-4031-EF4B-9100-AA601B73F93B}" srcOrd="0" destOrd="0" presId="urn:microsoft.com/office/officeart/2009/3/layout/CircleRelationship"/>
     <dgm:cxn modelId="{EF65092C-19B5-6447-816E-D6044B10D48C}" type="presParOf" srcId="{08432F1D-0784-3343-9665-C8A977C32CC6}" destId="{4C6BDB4D-E2DD-9746-8A9C-5833A4F5DC65}" srcOrd="0" destOrd="0" presId="urn:microsoft.com/office/officeart/2009/3/layout/CircleRelationship"/>
     <dgm:cxn modelId="{66295179-E90B-844F-8622-FE599EADC293}" type="presParOf" srcId="{08432F1D-0784-3343-9665-C8A977C32CC6}" destId="{5548BAEC-CCA2-7043-AF9B-91B0714D408B}" srcOrd="1" destOrd="0" presId="urn:microsoft.com/office/officeart/2009/3/layout/CircleRelationship"/>
     <dgm:cxn modelId="{7786B02A-5D0B-A143-BE4E-843D7D042515}" type="presParOf" srcId="{08432F1D-0784-3343-9665-C8A977C32CC6}" destId="{2492C22C-B967-CB44-B86B-4AEFE6B35B3F}" srcOrd="2" destOrd="0" presId="urn:microsoft.com/office/officeart/2009/3/layout/CircleRelationship"/>
@@ -1737,8 +1738,8 @@
       </dsp:nvSpPr>
       <dsp:spPr>
         <a:xfrm>
-          <a:off x="2269840" y="768537"/>
-          <a:ext cx="1339202" cy="1267734"/>
+          <a:off x="2501280" y="835967"/>
+          <a:ext cx="1456702" cy="1378963"/>
         </a:xfrm>
         <a:prstGeom prst="ellipse">
           <a:avLst/>
@@ -1792,8 +1793,8 @@
         </a:p>
       </dsp:txBody>
       <dsp:txXfrm>
-        <a:off x="2465962" y="954192"/>
-        <a:ext cx="946958" cy="896424"/>
+        <a:off x="2714609" y="1037911"/>
+        <a:ext cx="1030044" cy="975075"/>
       </dsp:txXfrm>
     </dsp:sp>
     <dsp:sp modelId="{5548BAEC-CCA2-7043-AF9B-91B0714D408B}">
@@ -1803,8 +1804,8 @@
       </dsp:nvSpPr>
       <dsp:spPr>
         <a:xfrm>
-          <a:off x="2511301" y="2073097"/>
-          <a:ext cx="131940" cy="131927"/>
+          <a:off x="2763926" y="2254987"/>
+          <a:ext cx="143516" cy="143502"/>
         </a:xfrm>
         <a:prstGeom prst="ellipse">
           <a:avLst/>
@@ -1845,8 +1846,8 @@
       </dsp:nvSpPr>
       <dsp:spPr>
         <a:xfrm>
-          <a:off x="3750132" y="1222153"/>
-          <a:ext cx="131940" cy="131927"/>
+          <a:off x="4111450" y="1329383"/>
+          <a:ext cx="143516" cy="143502"/>
         </a:xfrm>
         <a:prstGeom prst="ellipse">
           <a:avLst/>
@@ -1887,8 +1888,8 @@
       </dsp:nvSpPr>
       <dsp:spPr>
         <a:xfrm>
-          <a:off x="3119638" y="2213507"/>
-          <a:ext cx="181963" cy="182240"/>
+          <a:off x="3425637" y="2407717"/>
+          <a:ext cx="197928" cy="198230"/>
         </a:xfrm>
         <a:prstGeom prst="ellipse">
           <a:avLst/>
@@ -1929,8 +1930,8 @@
       </dsp:nvSpPr>
       <dsp:spPr>
         <a:xfrm>
-          <a:off x="2548231" y="741833"/>
-          <a:ext cx="131940" cy="131927"/>
+          <a:off x="2804096" y="806920"/>
+          <a:ext cx="143516" cy="143502"/>
         </a:xfrm>
         <a:prstGeom prst="ellipse">
           <a:avLst/>
@@ -1971,8 +1972,8 @@
       </dsp:nvSpPr>
       <dsp:spPr>
         <a:xfrm>
-          <a:off x="2132937" y="1496830"/>
-          <a:ext cx="131940" cy="131927"/>
+          <a:off x="2352366" y="1628160"/>
+          <a:ext cx="143516" cy="143502"/>
         </a:xfrm>
         <a:prstGeom prst="ellipse">
           <a:avLst/>
@@ -2013,8 +2014,8 @@
       </dsp:nvSpPr>
       <dsp:spPr>
         <a:xfrm>
-          <a:off x="1496400" y="853284"/>
-          <a:ext cx="665410" cy="665485"/>
+          <a:off x="1659979" y="928150"/>
+          <a:ext cx="723792" cy="723874"/>
         </a:xfrm>
         <a:prstGeom prst="ellipse">
           <a:avLst/>
@@ -2069,8 +2070,8 @@
         </a:p>
       </dsp:txBody>
       <dsp:txXfrm>
-        <a:off x="1593847" y="950742"/>
-        <a:ext cx="470516" cy="470569"/>
+        <a:off x="1765976" y="1034159"/>
+        <a:ext cx="511798" cy="511856"/>
       </dsp:txXfrm>
     </dsp:sp>
     <dsp:sp modelId="{17FF6D62-504A-1D4C-8ABD-23BECBE137BA}">
@@ -2080,8 +2081,8 @@
       </dsp:nvSpPr>
       <dsp:spPr>
         <a:xfrm>
-          <a:off x="2758060" y="747684"/>
-          <a:ext cx="181963" cy="182240"/>
+          <a:off x="3032336" y="813284"/>
+          <a:ext cx="197928" cy="198230"/>
         </a:xfrm>
         <a:prstGeom prst="ellipse">
           <a:avLst/>
@@ -2122,8 +2123,8 @@
       </dsp:nvSpPr>
       <dsp:spPr>
         <a:xfrm>
-          <a:off x="1559181" y="1713589"/>
-          <a:ext cx="329012" cy="329086"/>
+          <a:off x="1728268" y="1863936"/>
+          <a:ext cx="357878" cy="357959"/>
         </a:xfrm>
         <a:prstGeom prst="ellipse">
           <a:avLst/>
@@ -2164,8 +2165,8 @@
       </dsp:nvSpPr>
       <dsp:spPr>
         <a:xfrm>
-          <a:off x="3812913" y="540286"/>
-          <a:ext cx="665410" cy="665485"/>
+          <a:off x="4179739" y="587690"/>
+          <a:ext cx="723792" cy="723874"/>
         </a:xfrm>
         <a:prstGeom prst="ellipse">
           <a:avLst/>
@@ -2223,8 +2224,8 @@
         </a:p>
       </dsp:txBody>
       <dsp:txXfrm>
-        <a:off x="3910360" y="637744"/>
-        <a:ext cx="470516" cy="470569"/>
+        <a:off x="4285736" y="693699"/>
+        <a:ext cx="511798" cy="511856"/>
       </dsp:txXfrm>
     </dsp:sp>
     <dsp:sp modelId="{F1515641-61DE-3E4C-9877-2D85F16F8485}">
@@ -2234,8 +2235,8 @@
       </dsp:nvSpPr>
       <dsp:spPr>
         <a:xfrm>
-          <a:off x="3515795" y="999544"/>
-          <a:ext cx="181963" cy="182240"/>
+          <a:off x="3856553" y="1087243"/>
+          <a:ext cx="197928" cy="198230"/>
         </a:xfrm>
         <a:prstGeom prst="ellipse">
           <a:avLst/>
@@ -2276,8 +2277,8 @@
       </dsp:nvSpPr>
       <dsp:spPr>
         <a:xfrm>
-          <a:off x="1433955" y="2105275"/>
-          <a:ext cx="131940" cy="131927"/>
+          <a:off x="1592055" y="2289988"/>
+          <a:ext cx="143516" cy="143502"/>
         </a:xfrm>
         <a:prstGeom prst="ellipse">
           <a:avLst/>
@@ -2318,8 +2319,8 @@
       </dsp:nvSpPr>
       <dsp:spPr>
         <a:xfrm>
-          <a:off x="2748660" y="1917476"/>
-          <a:ext cx="131940" cy="131927"/>
+          <a:off x="3022111" y="2085712"/>
+          <a:ext cx="143516" cy="143502"/>
         </a:xfrm>
         <a:prstGeom prst="ellipse">
           <a:avLst/>
@@ -2360,8 +2361,8 @@
       </dsp:nvSpPr>
       <dsp:spPr>
         <a:xfrm>
-          <a:off x="4125810" y="1690187"/>
-          <a:ext cx="665410" cy="665485"/>
+          <a:off x="4520090" y="1838481"/>
+          <a:ext cx="723792" cy="723874"/>
         </a:xfrm>
         <a:prstGeom prst="ellipse">
           <a:avLst/>
@@ -2418,8 +2419,8 @@
         </a:p>
       </dsp:txBody>
       <dsp:txXfrm>
-        <a:off x="4223257" y="1787645"/>
-        <a:ext cx="470516" cy="470569"/>
+        <a:off x="4626087" y="1944490"/>
+        <a:ext cx="511798" cy="511856"/>
       </dsp:txXfrm>
     </dsp:sp>
     <dsp:sp modelId="{AE8AE59E-1D40-EE4A-A8ED-FD40B3CCAD2D}">
@@ -2429,8 +2430,8 @@
       </dsp:nvSpPr>
       <dsp:spPr>
         <a:xfrm>
-          <a:off x="3938139" y="1667078"/>
-          <a:ext cx="131940" cy="131927"/>
+          <a:off x="4315953" y="1813344"/>
+          <a:ext cx="143516" cy="143502"/>
         </a:xfrm>
         <a:prstGeom prst="ellipse">
           <a:avLst/>
@@ -2471,8 +2472,8 @@
       </dsp:nvSpPr>
       <dsp:spPr>
         <a:xfrm>
-          <a:off x="2215862" y="2259726"/>
-          <a:ext cx="665410" cy="665485"/>
+          <a:off x="2442566" y="2457990"/>
+          <a:ext cx="723792" cy="723874"/>
         </a:xfrm>
         <a:prstGeom prst="ellipse">
           <a:avLst/>
@@ -2530,8 +2531,8 @@
         </a:p>
       </dsp:txBody>
       <dsp:txXfrm>
-        <a:off x="2313309" y="2357184"/>
-        <a:ext cx="470516" cy="470569"/>
+        <a:off x="2548563" y="2563999"/>
+        <a:ext cx="511798" cy="511856"/>
       </dsp:txXfrm>
     </dsp:sp>
     <dsp:sp modelId="{92A2652B-DECF-F141-80D9-6D1F5D460641}">
@@ -2541,8 +2542,8 @@
       </dsp:nvSpPr>
       <dsp:spPr>
         <a:xfrm>
-          <a:off x="2810098" y="2237202"/>
-          <a:ext cx="131940" cy="131927"/>
+          <a:off x="3088939" y="2433490"/>
+          <a:ext cx="143516" cy="143502"/>
         </a:xfrm>
         <a:prstGeom prst="ellipse">
           <a:avLst/>
@@ -2583,8 +2584,8 @@
       </dsp:nvSpPr>
       <dsp:spPr>
         <a:xfrm>
-          <a:off x="2850385" y="0"/>
-          <a:ext cx="665410" cy="665485"/>
+          <a:off x="3132761" y="0"/>
+          <a:ext cx="723792" cy="723874"/>
         </a:xfrm>
         <a:prstGeom prst="ellipse">
           <a:avLst/>
@@ -2641,8 +2642,8 @@
         </a:p>
       </dsp:txBody>
       <dsp:txXfrm>
-        <a:off x="2947832" y="97458"/>
-        <a:ext cx="470516" cy="470569"/>
+        <a:off x="3238758" y="106009"/>
+        <a:ext cx="511798" cy="511856"/>
       </dsp:txXfrm>
     </dsp:sp>
     <dsp:sp modelId="{528EF3CE-2916-0F4B-A34E-BE3A42A16650}">
@@ -2652,8 +2653,8 @@
       </dsp:nvSpPr>
       <dsp:spPr>
         <a:xfrm>
-          <a:off x="2029869" y="721357"/>
-          <a:ext cx="131940" cy="131927"/>
+          <a:off x="2240254" y="784647"/>
+          <a:ext cx="143516" cy="143502"/>
         </a:xfrm>
         <a:prstGeom prst="ellipse">
           <a:avLst/>
@@ -2694,8 +2695,8 @@
       </dsp:nvSpPr>
       <dsp:spPr>
         <a:xfrm>
-          <a:off x="3566154" y="163811"/>
-          <a:ext cx="131940" cy="131927"/>
+          <a:off x="3911330" y="178184"/>
+          <a:ext cx="143516" cy="143502"/>
         </a:xfrm>
         <a:prstGeom prst="ellipse">
           <a:avLst/>
@@ -4641,7 +4642,7 @@
           <a:p>
             <a:fld id="{141971DB-7766-C44B-930B-2F09E959C349}" type="datetimeFigureOut">
               <a:rPr kumimoji="1" lang="zh-CN" altLang="en-US" smtClean="0"/>
-              <a:t>15/4/3</a:t>
+              <a:t>15/4/7</a:t>
             </a:fld>
             <a:endParaRPr kumimoji="1" lang="zh-CN" altLang="en-US"/>
           </a:p>
@@ -4807,7 +4808,7 @@
           <a:p>
             <a:fld id="{59E3B538-975B-4249-AA39-E35F58C578B3}" type="datetimeFigureOut">
               <a:rPr kumimoji="1" lang="zh-CN" altLang="en-US" smtClean="0"/>
-              <a:t>15/4/3</a:t>
+              <a:t>15/4/7</a:t>
             </a:fld>
             <a:endParaRPr kumimoji="1" lang="zh-CN" altLang="en-US"/>
           </a:p>
@@ -5755,6 +5756,90 @@
 </p:notes>
 </file>
 
+<file path=ppt/notesSlides/notesSlide7.xml><?xml version="1.0" encoding="utf-8"?>
+<p:notes xmlns:a="http://schemas.openxmlformats.org/drawingml/2006/main" xmlns:r="http://schemas.openxmlformats.org/officeDocument/2006/relationships" xmlns:p="http://schemas.openxmlformats.org/presentationml/2006/main">
+  <p:cSld>
+    <p:spTree>
+      <p:nvGrpSpPr>
+        <p:cNvPr id="1" name=""/>
+        <p:cNvGrpSpPr/>
+        <p:nvPr/>
+      </p:nvGrpSpPr>
+      <p:grpSpPr>
+        <a:xfrm>
+          <a:off x="0" y="0"/>
+          <a:ext cx="0" cy="0"/>
+          <a:chOff x="0" y="0"/>
+          <a:chExt cx="0" cy="0"/>
+        </a:xfrm>
+      </p:grpSpPr>
+      <p:sp>
+        <p:nvSpPr>
+          <p:cNvPr id="2" name="幻灯片图像占位符 1"/>
+          <p:cNvSpPr>
+            <a:spLocks noGrp="1" noRot="1" noChangeAspect="1"/>
+          </p:cNvSpPr>
+          <p:nvPr>
+            <p:ph type="sldImg"/>
+          </p:nvPr>
+        </p:nvSpPr>
+        <p:spPr/>
+      </p:sp>
+      <p:sp>
+        <p:nvSpPr>
+          <p:cNvPr id="3" name="备注占位符 2"/>
+          <p:cNvSpPr>
+            <a:spLocks noGrp="1"/>
+          </p:cNvSpPr>
+          <p:nvPr>
+            <p:ph type="body" idx="1"/>
+          </p:nvPr>
+        </p:nvSpPr>
+        <p:spPr/>
+        <p:txBody>
+          <a:bodyPr/>
+          <a:lstStyle/>
+          <a:p>
+            <a:endParaRPr kumimoji="1" lang="zh-CN" altLang="en-US"/>
+          </a:p>
+        </p:txBody>
+      </p:sp>
+      <p:sp>
+        <p:nvSpPr>
+          <p:cNvPr id="4" name="幻灯片编号占位符 3"/>
+          <p:cNvSpPr>
+            <a:spLocks noGrp="1"/>
+          </p:cNvSpPr>
+          <p:nvPr>
+            <p:ph type="sldNum" sz="quarter" idx="10"/>
+          </p:nvPr>
+        </p:nvSpPr>
+        <p:spPr/>
+        <p:txBody>
+          <a:bodyPr/>
+          <a:lstStyle/>
+          <a:p>
+            <a:fld id="{2DEB783D-0A18-E242-958B-0B4697ECA700}" type="slidenum">
+              <a:rPr kumimoji="1" lang="zh-CN" altLang="en-US" smtClean="0"/>
+              <a:t>8</a:t>
+            </a:fld>
+            <a:endParaRPr kumimoji="1" lang="zh-CN" altLang="en-US"/>
+          </a:p>
+        </p:txBody>
+      </p:sp>
+    </p:spTree>
+    <p:extLst>
+      <p:ext uri="{BB962C8B-B14F-4D97-AF65-F5344CB8AC3E}">
+        <p14:creationId xmlns:p14="http://schemas.microsoft.com/office/powerpoint/2010/main" val="2543122142"/>
+      </p:ext>
+    </p:extLst>
+  </p:cSld>
+  <p:clrMapOvr>
+    <a:masterClrMapping/>
+  </p:clrMapOvr>
+</p:notes>
+</file>
+
 <file path=ppt/slideLayouts/slideLayout1.xml><?xml version="1.0" encoding="utf-8"?>
 <p:sldLayout xmlns:a="http://schemas.openxmlformats.org/drawingml/2006/main" xmlns:r="http://schemas.openxmlformats.org/officeDocument/2006/relationships" xmlns:p="http://schemas.openxmlformats.org/presentationml/2006/main" type="title" preserve="1">
   <p:cSld name="标题幻灯片">
@@ -5941,7 +6026,7 @@
           <a:p>
             <a:fld id="{7D4D5215-B83D-0F4A-9F6C-CFA7FB93B836}" type="datetime1">
               <a:rPr lang="zh-CN" altLang="en-US" smtClean="0"/>
-              <a:t>15/4/3</a:t>
+              <a:t>15/4/7</a:t>
             </a:fld>
             <a:endParaRPr lang="en-US"/>
           </a:p>
@@ -6298,7 +6383,7 @@
           <a:p>
             <a:fld id="{1FF577A3-261E-D34A-8D0F-9CF5899AC53E}" type="datetime1">
               <a:rPr lang="zh-CN" altLang="en-US" smtClean="0"/>
-              <a:t>15/4/3</a:t>
+              <a:t>15/4/7</a:t>
             </a:fld>
             <a:endParaRPr lang="en-US"/>
           </a:p>
@@ -6467,7 +6552,7 @@
           <a:p>
             <a:fld id="{F6261A2D-25E1-1349-A36F-EBC82F29A52C}" type="datetime1">
               <a:rPr lang="zh-CN" altLang="en-US" smtClean="0"/>
-              <a:t>15/4/3</a:t>
+              <a:t>15/4/7</a:t>
             </a:fld>
             <a:endParaRPr lang="en-US"/>
           </a:p>
@@ -6646,7 +6731,7 @@
           <a:p>
             <a:fld id="{B5087D83-E822-724C-8B3A-0150CD76E6F9}" type="datetime1">
               <a:rPr lang="zh-CN" altLang="en-US" smtClean="0"/>
-              <a:t>15/4/3</a:t>
+              <a:t>15/4/7</a:t>
             </a:fld>
             <a:endParaRPr lang="en-US"/>
           </a:p>
@@ -6815,7 +6900,7 @@
           <a:p>
             <a:fld id="{1E86C3BC-5F89-2F49-8F2B-3916B25A12D0}" type="datetime1">
               <a:rPr lang="zh-CN" altLang="en-US" smtClean="0"/>
-              <a:t>15/4/3</a:t>
+              <a:t>15/4/7</a:t>
             </a:fld>
             <a:endParaRPr lang="en-US"/>
           </a:p>
@@ -7092,7 +7177,7 @@
           <a:p>
             <a:fld id="{3C06AE13-05D3-C74C-A664-508DB1536078}" type="datetime1">
               <a:rPr lang="zh-CN" altLang="en-US" smtClean="0"/>
-              <a:t>15/4/3</a:t>
+              <a:t>15/4/7</a:t>
             </a:fld>
             <a:endParaRPr lang="en-US"/>
           </a:p>
@@ -7384,7 +7469,7 @@
           <a:p>
             <a:fld id="{737F11DA-40E2-6544-99E9-86C5EB9A7F46}" type="datetime1">
               <a:rPr lang="zh-CN" altLang="en-US" smtClean="0"/>
-              <a:t>15/4/3</a:t>
+              <a:t>15/4/7</a:t>
             </a:fld>
             <a:endParaRPr lang="en-US"/>
           </a:p>
@@ -7820,7 +7905,7 @@
           <a:p>
             <a:fld id="{B8A522D3-0C6D-2845-8738-67EDDA71C39A}" type="datetime1">
               <a:rPr lang="zh-CN" altLang="en-US" smtClean="0"/>
-              <a:t>15/4/3</a:t>
+              <a:t>15/4/7</a:t>
             </a:fld>
             <a:endParaRPr lang="en-US"/>
           </a:p>
@@ -7933,7 +8018,7 @@
           <a:p>
             <a:fld id="{F50657D1-CBB5-B44E-B989-83AB587ECBDE}" type="datetime1">
               <a:rPr lang="zh-CN" altLang="en-US" smtClean="0"/>
-              <a:t>15/4/3</a:t>
+              <a:t>15/4/7</a:t>
             </a:fld>
             <a:endParaRPr lang="en-US"/>
           </a:p>
@@ -8023,7 +8108,7 @@
           <a:p>
             <a:fld id="{66690611-31BF-C640-A836-04E19E216A6B}" type="datetime1">
               <a:rPr lang="zh-CN" altLang="en-US" smtClean="0"/>
-              <a:t>15/4/3</a:t>
+              <a:t>15/4/7</a:t>
             </a:fld>
             <a:endParaRPr lang="en-US"/>
           </a:p>
@@ -8360,7 +8445,7 @@
           <a:p>
             <a:fld id="{6BE92493-A156-C947-8894-F1EA4760435F}" type="datetime1">
               <a:rPr lang="zh-CN" altLang="en-US" smtClean="0"/>
-              <a:t>15/4/3</a:t>
+              <a:t>15/4/7</a:t>
             </a:fld>
             <a:endParaRPr lang="en-US"/>
           </a:p>
@@ -8675,7 +8760,7 @@
           <a:p>
             <a:fld id="{40E2AC34-94C9-3944-B48E-200F1B80D608}" type="datetime1">
               <a:rPr lang="zh-CN" altLang="en-US" smtClean="0"/>
-              <a:t>15/4/3</a:t>
+              <a:t>15/4/7</a:t>
             </a:fld>
             <a:endParaRPr lang="en-US"/>
           </a:p>
@@ -8921,7 +9006,7 @@
           <a:p>
             <a:fld id="{EDF516EF-5C45-534C-A800-220451E25F43}" type="datetime1">
               <a:rPr lang="zh-CN" altLang="en-US" smtClean="0"/>
-              <a:t>15/4/3</a:t>
+              <a:t>15/4/7</a:t>
             </a:fld>
             <a:endParaRPr lang="en-US"/>
           </a:p>
@@ -9416,8 +9501,33 @@
           <a:lstStyle/>
           <a:p>
             <a:r>
-              <a:rPr kumimoji="1" lang="en-US" altLang="zh-CN" sz="4800" dirty="0" smtClean="0"/>
-              <a:t>UBP</a:t>
+              <a:rPr kumimoji="1" lang="en-US" altLang="zh-CN" sz="4800" dirty="0" smtClean="0">
+                <a:solidFill>
+                  <a:srgbClr val="A95306"/>
+                </a:solidFill>
+              </a:rPr>
+              <a:t>U</a:t>
+            </a:r>
+            <a:r>
+              <a:rPr kumimoji="1" lang="en-US" altLang="zh-CN" sz="4800" dirty="0" smtClean="0">
+                <a:solidFill>
+                  <a:schemeClr val="accent1">
+                    <a:lumMod val="75000"/>
+                  </a:schemeClr>
+                </a:solidFill>
+              </a:rPr>
+              <a:t>B</a:t>
+            </a:r>
+            <a:r>
+              <a:rPr kumimoji="1" lang="en-US" altLang="zh-CN" sz="4800" dirty="0" smtClean="0">
+                <a:solidFill>
+                  <a:schemeClr val="accent4">
+                    <a:lumMod val="60000"/>
+                    <a:lumOff val="40000"/>
+                  </a:schemeClr>
+                </a:solidFill>
+              </a:rPr>
+              <a:t>P</a:t>
             </a:r>
             <a:r>
               <a:rPr kumimoji="1" lang="zh-CN" altLang="en-US" sz="4800" dirty="0" smtClean="0"/>
@@ -11798,7 +11908,7 @@
         <p:spPr>
           <a:xfrm>
             <a:off x="571011" y="1107163"/>
-            <a:ext cx="4140689" cy="602216"/>
+            <a:ext cx="4140689" cy="860748"/>
           </a:xfrm>
           <a:prstGeom prst="rect">
             <a:avLst/>
@@ -11834,11 +11944,7 @@
             </a:pPr>
             <a:r>
               <a:rPr lang="zh-CN" altLang="en-US" sz="1400" dirty="0" smtClean="0"/>
-              <a:t>系统将采集</a:t>
-            </a:r>
-            <a:r>
-              <a:rPr lang="zh-CN" altLang="en-US" sz="1400" dirty="0" smtClean="0"/>
-              <a:t>各种</a:t>
+              <a:t>采集各种</a:t>
             </a:r>
             <a:r>
               <a:rPr lang="zh-CN" altLang="en-US" sz="1400" dirty="0" smtClean="0"/>
@@ -11850,7 +11956,23 @@
             </a:r>
             <a:r>
               <a:rPr lang="zh-CN" altLang="en-US" sz="1400" dirty="0" smtClean="0"/>
-              <a:t>非金融系统用户行为数据</a:t>
+              <a:t>非金融系统用户行为</a:t>
+            </a:r>
+            <a:r>
+              <a:rPr lang="zh-CN" altLang="en-US" sz="1400" dirty="0" smtClean="0"/>
+              <a:t>数据</a:t>
+            </a:r>
+            <a:endParaRPr lang="en-US" altLang="zh-CN" sz="1400" dirty="0" smtClean="0"/>
+          </a:p>
+          <a:p>
+            <a:pPr>
+              <a:lnSpc>
+                <a:spcPct val="120000"/>
+              </a:lnSpc>
+            </a:pPr>
+            <a:r>
+              <a:rPr lang="zh-CN" altLang="en-US" sz="1400" dirty="0" smtClean="0"/>
+              <a:t>将各渠道非结构化数据转化为结构化</a:t>
             </a:r>
             <a:endParaRPr lang="en-US" altLang="zh-CN" sz="1400" dirty="0"/>
           </a:p>
@@ -15532,7 +15654,7 @@
           <p:spPr>
             <a:xfrm>
               <a:off x="654902" y="1779061"/>
-              <a:ext cx="2968885" cy="1047508"/>
+              <a:ext cx="2968884" cy="683289"/>
             </a:xfrm>
             <a:prstGeom prst="rect">
               <a:avLst/>
@@ -15555,7 +15677,7 @@
                 </a:lnSpc>
               </a:pPr>
               <a:r>
-                <a:rPr lang="zh-CN" altLang="en-US" sz="1200" dirty="0" smtClean="0">
+                <a:rPr lang="zh-CN" altLang="en-US" sz="1100" dirty="0" smtClean="0">
                   <a:solidFill>
                     <a:schemeClr val="tx1">
                       <a:lumMod val="65000"/>
@@ -15565,9 +15687,65 @@
                   <a:latin typeface="微软雅黑" pitchFamily="34" charset="-122"/>
                   <a:ea typeface="微软雅黑" pitchFamily="34" charset="-122"/>
                 </a:rPr>
-                <a:t>用户渠道行为，如设备、状态、点击、浏览、交易等</a:t>
+                <a:t>用户渠道行为，如设备</a:t>
               </a:r>
-              <a:endParaRPr lang="en-US" altLang="zh-CN" sz="1200" dirty="0" smtClean="0">
+              <a:r>
+                <a:rPr lang="zh-CN" altLang="en-US" sz="1100" dirty="0" smtClean="0">
+                  <a:solidFill>
+                    <a:schemeClr val="tx1">
+                      <a:lumMod val="65000"/>
+                      <a:lumOff val="35000"/>
+                    </a:schemeClr>
+                  </a:solidFill>
+                  <a:latin typeface="微软雅黑" pitchFamily="34" charset="-122"/>
+                  <a:ea typeface="微软雅黑" pitchFamily="34" charset="-122"/>
+                </a:rPr>
+                <a:t>、</a:t>
+              </a:r>
+              <a:endParaRPr lang="en-US" altLang="zh-CN" sz="1100" dirty="0" smtClean="0">
+                <a:solidFill>
+                  <a:schemeClr val="tx1">
+                    <a:lumMod val="65000"/>
+                    <a:lumOff val="35000"/>
+                  </a:schemeClr>
+                </a:solidFill>
+                <a:latin typeface="微软雅黑" pitchFamily="34" charset="-122"/>
+                <a:ea typeface="微软雅黑" pitchFamily="34" charset="-122"/>
+              </a:endParaRPr>
+            </a:p>
+            <a:p>
+              <a:pPr algn="just">
+                <a:lnSpc>
+                  <a:spcPct val="130000"/>
+                </a:lnSpc>
+              </a:pPr>
+              <a:r>
+                <a:rPr lang="zh-CN" altLang="en-US" sz="1100" dirty="0" smtClean="0">
+                  <a:solidFill>
+                    <a:schemeClr val="tx1">
+                      <a:lumMod val="65000"/>
+                      <a:lumOff val="35000"/>
+                    </a:schemeClr>
+                  </a:solidFill>
+                  <a:latin typeface="微软雅黑" pitchFamily="34" charset="-122"/>
+                  <a:ea typeface="微软雅黑" pitchFamily="34" charset="-122"/>
+                </a:rPr>
+                <a:t>状态</a:t>
+              </a:r>
+              <a:r>
+                <a:rPr lang="zh-CN" altLang="en-US" sz="1100" dirty="0" smtClean="0">
+                  <a:solidFill>
+                    <a:schemeClr val="tx1">
+                      <a:lumMod val="65000"/>
+                      <a:lumOff val="35000"/>
+                    </a:schemeClr>
+                  </a:solidFill>
+                  <a:latin typeface="微软雅黑" pitchFamily="34" charset="-122"/>
+                  <a:ea typeface="微软雅黑" pitchFamily="34" charset="-122"/>
+                </a:rPr>
+                <a:t>、点击、浏览、交易等</a:t>
+              </a:r>
+              <a:endParaRPr lang="en-US" altLang="zh-CN" sz="1100" dirty="0" smtClean="0">
                 <a:solidFill>
                   <a:schemeClr val="tx1">
                     <a:lumMod val="65000"/>
@@ -15668,33 +15846,7 @@
                   <a:latin typeface="微软雅黑" pitchFamily="34" charset="-122"/>
                   <a:ea typeface="微软雅黑" pitchFamily="34" charset="-122"/>
                 </a:rPr>
-                <a:t>关联</a:t>
-              </a:r>
-              <a:r>
-                <a:rPr lang="zh-CN" altLang="en-US" sz="1200" dirty="0" smtClean="0">
-                  <a:solidFill>
-                    <a:schemeClr val="tx1">
-                      <a:lumMod val="65000"/>
-                      <a:lumOff val="35000"/>
-                    </a:schemeClr>
-                  </a:solidFill>
-                  <a:latin typeface="微软雅黑" pitchFamily="34" charset="-122"/>
-                  <a:ea typeface="微软雅黑" pitchFamily="34" charset="-122"/>
-                </a:rPr>
-                <a:t>关系</a:t>
-              </a:r>
-              <a:r>
-                <a:rPr lang="zh-CN" altLang="en-US" sz="1200" dirty="0" smtClean="0">
-                  <a:solidFill>
-                    <a:schemeClr val="tx1">
-                      <a:lumMod val="65000"/>
-                      <a:lumOff val="35000"/>
-                    </a:schemeClr>
-                  </a:solidFill>
-                  <a:latin typeface="微软雅黑" pitchFamily="34" charset="-122"/>
-                  <a:ea typeface="微软雅黑" pitchFamily="34" charset="-122"/>
-                </a:rPr>
-                <a:t>模型</a:t>
+                <a:t>关联关系模型</a:t>
               </a:r>
               <a:endParaRPr lang="en-US" altLang="zh-CN" sz="1200" dirty="0" smtClean="0">
                 <a:solidFill>
@@ -15718,7 +15870,7 @@
           <p:spPr>
             <a:xfrm>
               <a:off x="6297702" y="1796395"/>
-              <a:ext cx="2485596" cy="1047508"/>
+              <a:ext cx="2485596" cy="970249"/>
             </a:xfrm>
             <a:prstGeom prst="rect">
               <a:avLst/>
@@ -15741,7 +15893,7 @@
                 </a:lnSpc>
               </a:pPr>
               <a:r>
-                <a:rPr lang="zh-CN" altLang="en-US" sz="1200" dirty="0" smtClean="0">
+                <a:rPr lang="zh-CN" altLang="en-US" sz="1100" dirty="0" smtClean="0">
                   <a:solidFill>
                     <a:schemeClr val="tx1">
                       <a:lumMod val="65000"/>
@@ -15753,7 +15905,7 @@
                 </a:rPr>
                 <a:t>用户行为建模</a:t>
               </a:r>
-              <a:endParaRPr lang="en-US" altLang="zh-CN" sz="1200" dirty="0" smtClean="0">
+              <a:endParaRPr lang="en-US" altLang="zh-CN" sz="1100" dirty="0" smtClean="0">
                 <a:solidFill>
                   <a:schemeClr val="tx1">
                     <a:lumMod val="65000"/>
@@ -15771,7 +15923,7 @@
                 </a:lnSpc>
               </a:pPr>
               <a:r>
-                <a:rPr lang="zh-CN" altLang="en-US" sz="1200" dirty="0" smtClean="0">
+                <a:rPr lang="zh-CN" altLang="en-US" sz="1100" dirty="0" smtClean="0">
                   <a:solidFill>
                     <a:schemeClr val="tx1">
                       <a:lumMod val="65000"/>
@@ -15783,7 +15935,7 @@
                 </a:rPr>
                 <a:t>标签匹配</a:t>
               </a:r>
-              <a:endParaRPr lang="en-US" altLang="zh-CN" sz="1200" dirty="0">
+              <a:endParaRPr lang="en-US" altLang="zh-CN" sz="1100" dirty="0">
                 <a:solidFill>
                   <a:schemeClr val="tx1">
                     <a:lumMod val="65000"/>
@@ -15801,7 +15953,7 @@
                 </a:lnSpc>
               </a:pPr>
               <a:r>
-                <a:rPr lang="zh-CN" altLang="en-US" sz="1200" dirty="0" smtClean="0">
+                <a:rPr lang="zh-CN" altLang="en-US" sz="1100" dirty="0" smtClean="0">
                   <a:solidFill>
                     <a:schemeClr val="tx1">
                       <a:lumMod val="65000"/>
@@ -15813,7 +15965,7 @@
                 </a:rPr>
                 <a:t>分析结果图表</a:t>
               </a:r>
-              <a:endParaRPr lang="en-US" altLang="zh-CN" sz="1200" dirty="0" smtClean="0">
+              <a:endParaRPr lang="en-US" altLang="zh-CN" sz="1100" dirty="0" smtClean="0">
                 <a:solidFill>
                   <a:schemeClr val="tx1">
                     <a:lumMod val="65000"/>
@@ -15835,7 +15987,7 @@
           <p:spPr>
             <a:xfrm>
               <a:off x="7440049" y="3085959"/>
-              <a:ext cx="1848311" cy="734459"/>
+              <a:ext cx="1848311" cy="683289"/>
             </a:xfrm>
             <a:prstGeom prst="rect">
               <a:avLst/>
@@ -15856,7 +16008,7 @@
                 </a:lnSpc>
               </a:pPr>
               <a:r>
-                <a:rPr lang="zh-CN" altLang="en-US" sz="1200" dirty="0" smtClean="0">
+                <a:rPr lang="zh-CN" altLang="en-US" sz="1100" dirty="0" smtClean="0">
                   <a:solidFill>
                     <a:schemeClr val="tx1">
                       <a:lumMod val="65000"/>
@@ -15868,7 +16020,7 @@
                 </a:rPr>
                 <a:t>营销活动创建</a:t>
               </a:r>
-              <a:endParaRPr lang="en-US" altLang="zh-CN" sz="1200" dirty="0" smtClean="0">
+              <a:endParaRPr lang="en-US" altLang="zh-CN" sz="1100" dirty="0" smtClean="0">
                 <a:solidFill>
                   <a:schemeClr val="tx1">
                     <a:lumMod val="65000"/>
@@ -15886,7 +16038,7 @@
                 </a:lnSpc>
               </a:pPr>
               <a:r>
-                <a:rPr lang="zh-CN" altLang="en-US" sz="1200" dirty="0" smtClean="0">
+                <a:rPr lang="zh-CN" altLang="en-US" sz="1100" dirty="0" smtClean="0">
                   <a:solidFill>
                     <a:schemeClr val="tx1">
                       <a:lumMod val="65000"/>
@@ -15898,7 +16050,7 @@
                 </a:rPr>
                 <a:t>精准定位发布</a:t>
               </a:r>
-              <a:endParaRPr lang="en-US" altLang="zh-CN" sz="1200" dirty="0" smtClean="0">
+              <a:endParaRPr lang="en-US" altLang="zh-CN" sz="1100" dirty="0" smtClean="0">
                 <a:solidFill>
                   <a:schemeClr val="tx1">
                     <a:lumMod val="65000"/>
@@ -16079,23 +16231,35 @@
             </a:pPr>
             <a:r>
               <a:rPr lang="zh-CN" altLang="en-US" sz="1200" dirty="0" smtClean="0">
+                <a:solidFill>
+                  <a:srgbClr val="FFFFFF"/>
+                </a:solidFill>
                 <a:sym typeface="Zapf Dingbats"/>
               </a:rPr>
               <a:t>✓</a:t>
             </a:r>
             <a:r>
               <a:rPr lang="en-US" altLang="zh-CN" sz="1200" dirty="0" smtClean="0">
+                <a:solidFill>
+                  <a:srgbClr val="FFFFFF"/>
+                </a:solidFill>
                 <a:sym typeface="Zapf Dingbats"/>
               </a:rPr>
               <a:t> </a:t>
             </a:r>
             <a:r>
               <a:rPr lang="zh-CN" altLang="en-US" sz="1200" dirty="0" smtClean="0">
+                <a:solidFill>
+                  <a:srgbClr val="FFFFFF"/>
+                </a:solidFill>
                 <a:sym typeface="Zapf Dingbats"/>
               </a:rPr>
               <a:t>标准化服务接口</a:t>
             </a:r>
             <a:endParaRPr lang="en-US" altLang="zh-CN" sz="1200" dirty="0" smtClean="0">
+              <a:solidFill>
+                <a:srgbClr val="FFFFFF"/>
+              </a:solidFill>
               <a:sym typeface="Zapf Dingbats"/>
             </a:endParaRPr>
           </a:p>
@@ -16107,11 +16271,18 @@
             </a:pPr>
             <a:r>
               <a:rPr lang="zh-CN" altLang="en-US" sz="1200" dirty="0" smtClean="0">
+                <a:solidFill>
+                  <a:srgbClr val="FFFFFF"/>
+                </a:solidFill>
                 <a:sym typeface="Zapf Dingbats"/>
               </a:rPr>
               <a:t>✓ 标准化界面</a:t>
             </a:r>
-            <a:endParaRPr lang="en-US" altLang="zh-CN" sz="1200" dirty="0"/>
+            <a:endParaRPr lang="en-US" altLang="zh-CN" sz="1200" dirty="0">
+              <a:solidFill>
+                <a:srgbClr val="FFFFFF"/>
+              </a:solidFill>
+            </a:endParaRPr>
           </a:p>
           <a:p>
             <a:pPr>
@@ -16121,23 +16292,35 @@
             </a:pPr>
             <a:r>
               <a:rPr lang="zh-CN" altLang="en-US" sz="1200" dirty="0">
+                <a:solidFill>
+                  <a:srgbClr val="FFFFFF"/>
+                </a:solidFill>
                 <a:sym typeface="Zapf Dingbats"/>
               </a:rPr>
               <a:t>✓</a:t>
             </a:r>
             <a:r>
               <a:rPr lang="en-US" altLang="zh-CN" sz="1200" dirty="0">
+                <a:solidFill>
+                  <a:srgbClr val="FFFFFF"/>
+                </a:solidFill>
                 <a:sym typeface="Zapf Dingbats"/>
               </a:rPr>
               <a:t> </a:t>
             </a:r>
             <a:r>
               <a:rPr lang="zh-CN" altLang="en-US" sz="1200" dirty="0" smtClean="0">
+                <a:solidFill>
+                  <a:srgbClr val="FFFFFF"/>
+                </a:solidFill>
                 <a:sym typeface="Zapf Dingbats"/>
               </a:rPr>
               <a:t>免费运维、升级 </a:t>
             </a:r>
             <a:endParaRPr lang="en-US" altLang="zh-CN" sz="1200" dirty="0" smtClean="0">
+              <a:solidFill>
+                <a:srgbClr val="FFFFFF"/>
+              </a:solidFill>
               <a:sym typeface="Zapf Dingbats"/>
             </a:endParaRPr>
           </a:p>
@@ -16149,29 +16332,45 @@
             </a:pPr>
             <a:r>
               <a:rPr lang="zh-CN" altLang="en-US" sz="1200" dirty="0">
+                <a:solidFill>
+                  <a:srgbClr val="FFFFFF"/>
+                </a:solidFill>
                 <a:sym typeface="Zapf Dingbats"/>
               </a:rPr>
               <a:t>✓</a:t>
             </a:r>
             <a:r>
               <a:rPr lang="en-US" altLang="zh-CN" sz="1200" dirty="0">
+                <a:solidFill>
+                  <a:srgbClr val="FFFFFF"/>
+                </a:solidFill>
                 <a:sym typeface="Zapf Dingbats"/>
               </a:rPr>
               <a:t> </a:t>
             </a:r>
             <a:r>
               <a:rPr lang="zh-CN" altLang="en-US" sz="1200" dirty="0">
+                <a:solidFill>
+                  <a:srgbClr val="FFFFFF"/>
+                </a:solidFill>
                 <a:sym typeface="Zapf Dingbats"/>
               </a:rPr>
               <a:t>提供</a:t>
             </a:r>
             <a:r>
               <a:rPr lang="zh-CN" altLang="en-US" sz="1200" dirty="0" smtClean="0">
+                <a:solidFill>
+                  <a:srgbClr val="FFFFFF"/>
+                </a:solidFill>
                 <a:sym typeface="Zapf Dingbats"/>
               </a:rPr>
               <a:t>增值服务</a:t>
             </a:r>
-            <a:endParaRPr lang="en-US" altLang="zh-CN" sz="1200" dirty="0"/>
+            <a:endParaRPr lang="en-US" altLang="zh-CN" sz="1200" dirty="0">
+              <a:solidFill>
+                <a:srgbClr val="FFFFFF"/>
+              </a:solidFill>
+            </a:endParaRPr>
           </a:p>
         </p:txBody>
       </p:sp>
@@ -16286,18 +16485,27 @@
             </a:pPr>
             <a:r>
               <a:rPr lang="zh-CN" altLang="en-US" sz="1200" dirty="0" smtClean="0">
+                <a:solidFill>
+                  <a:srgbClr val="FFFFFF"/>
+                </a:solidFill>
                 <a:sym typeface="Zapf Dingbats"/>
               </a:rPr>
               <a:t>✓</a:t>
             </a:r>
             <a:r>
               <a:rPr lang="en-US" altLang="zh-CN" sz="1200" dirty="0" smtClean="0">
+                <a:solidFill>
+                  <a:srgbClr val="FFFFFF"/>
+                </a:solidFill>
                 <a:sym typeface="Zapf Dingbats"/>
               </a:rPr>
               <a:t> </a:t>
             </a:r>
             <a:r>
               <a:rPr lang="zh-CN" altLang="en-US" sz="1200" dirty="0" smtClean="0">
+                <a:solidFill>
+                  <a:srgbClr val="FFFFFF"/>
+                </a:solidFill>
                 <a:latin typeface="微软雅黑"/>
                 <a:ea typeface="微软雅黑"/>
                 <a:cs typeface="微软雅黑"/>
@@ -16305,6 +16513,9 @@
               <a:t>改善服务了解用户精准营销</a:t>
             </a:r>
             <a:endParaRPr lang="en-US" altLang="zh-CN" sz="1200" dirty="0">
+              <a:solidFill>
+                <a:srgbClr val="FFFFFF"/>
+              </a:solidFill>
               <a:latin typeface="微软雅黑"/>
               <a:ea typeface="微软雅黑"/>
               <a:cs typeface="微软雅黑"/>
@@ -16318,18 +16529,27 @@
             </a:pPr>
             <a:r>
               <a:rPr lang="zh-CN" altLang="en-US" sz="1200" dirty="0">
+                <a:solidFill>
+                  <a:srgbClr val="FFFFFF"/>
+                </a:solidFill>
                 <a:sym typeface="Zapf Dingbats"/>
               </a:rPr>
               <a:t>✓</a:t>
             </a:r>
             <a:r>
               <a:rPr lang="en-US" altLang="zh-CN" sz="1200" dirty="0">
+                <a:solidFill>
+                  <a:srgbClr val="FFFFFF"/>
+                </a:solidFill>
                 <a:sym typeface="Zapf Dingbats"/>
               </a:rPr>
               <a:t> </a:t>
             </a:r>
             <a:r>
               <a:rPr lang="zh-CN" altLang="en-US" sz="1200" dirty="0">
+                <a:solidFill>
+                  <a:srgbClr val="FFFFFF"/>
+                </a:solidFill>
                 <a:latin typeface="微软雅黑"/>
                 <a:ea typeface="微软雅黑"/>
                 <a:cs typeface="微软雅黑"/>
@@ -16338,6 +16558,9 @@
             </a:r>
             <a:r>
               <a:rPr lang="zh-CN" altLang="en-US" sz="1200" dirty="0" smtClean="0">
+                <a:solidFill>
+                  <a:srgbClr val="FFFFFF"/>
+                </a:solidFill>
                 <a:latin typeface="微软雅黑"/>
                 <a:ea typeface="微软雅黑"/>
                 <a:cs typeface="微软雅黑"/>
@@ -16345,6 +16568,9 @@
               <a:t>生活</a:t>
             </a:r>
             <a:endParaRPr lang="en-US" altLang="zh-CN" sz="1200" dirty="0" smtClean="0">
+              <a:solidFill>
+                <a:srgbClr val="FFFFFF"/>
+              </a:solidFill>
               <a:sym typeface="Zapf Dingbats"/>
             </a:endParaRPr>
           </a:p>
@@ -16356,11 +16582,18 @@
             </a:pPr>
             <a:r>
               <a:rPr lang="zh-CN" altLang="en-US" sz="1200" dirty="0" smtClean="0">
+                <a:solidFill>
+                  <a:srgbClr val="FFFFFF"/>
+                </a:solidFill>
                 <a:sym typeface="Zapf Dingbats"/>
               </a:rPr>
               <a:t>✓ 精准营销信息接收</a:t>
             </a:r>
-            <a:endParaRPr lang="en-US" altLang="zh-CN" sz="1200" dirty="0"/>
+            <a:endParaRPr lang="en-US" altLang="zh-CN" sz="1200" dirty="0">
+              <a:solidFill>
+                <a:srgbClr val="FFFFFF"/>
+              </a:solidFill>
+            </a:endParaRPr>
           </a:p>
           <a:p>
             <a:pPr>
@@ -16370,35 +16603,35 @@
             </a:pPr>
             <a:r>
               <a:rPr lang="zh-CN" altLang="en-US" sz="1200" dirty="0">
+                <a:solidFill>
+                  <a:srgbClr val="FFFFFF"/>
+                </a:solidFill>
                 <a:sym typeface="Zapf Dingbats"/>
               </a:rPr>
               <a:t>✓</a:t>
             </a:r>
             <a:r>
               <a:rPr lang="en-US" altLang="zh-CN" sz="1200" dirty="0">
+                <a:solidFill>
+                  <a:srgbClr val="FFFFFF"/>
+                </a:solidFill>
                 <a:sym typeface="Zapf Dingbats"/>
               </a:rPr>
               <a:t> </a:t>
             </a:r>
             <a:r>
               <a:rPr lang="zh-CN" altLang="en-US" sz="1200" dirty="0" smtClean="0">
+                <a:solidFill>
+                  <a:srgbClr val="FFFFFF"/>
+                </a:solidFill>
                 <a:sym typeface="Zapf Dingbats"/>
               </a:rPr>
-              <a:t>服务导航、</a:t>
-            </a:r>
-            <a:r>
-              <a:rPr lang="zh-CN" altLang="en-US" sz="1200" dirty="0" smtClean="0">
-                <a:sym typeface="Zapf Dingbats"/>
-              </a:rPr>
-              <a:t>操作</a:t>
-            </a:r>
-            <a:r>
-              <a:rPr lang="zh-CN" altLang="en-US" sz="1200" dirty="0" smtClean="0">
-                <a:sym typeface="Zapf Dingbats"/>
-              </a:rPr>
-              <a:t>引导</a:t>
+              <a:t>服务导航、操作引导</a:t>
             </a:r>
             <a:endParaRPr lang="en-US" altLang="zh-CN" sz="1200" dirty="0" smtClean="0">
+              <a:solidFill>
+                <a:srgbClr val="FFFFFF"/>
+              </a:solidFill>
               <a:sym typeface="Zapf Dingbats"/>
             </a:endParaRPr>
           </a:p>
@@ -16410,23 +16643,35 @@
             </a:pPr>
             <a:r>
               <a:rPr lang="zh-CN" altLang="en-US" sz="1200" dirty="0">
+                <a:solidFill>
+                  <a:srgbClr val="FFFFFF"/>
+                </a:solidFill>
                 <a:sym typeface="Zapf Dingbats"/>
               </a:rPr>
               <a:t>✓</a:t>
             </a:r>
             <a:r>
               <a:rPr lang="en-US" altLang="zh-CN" sz="1200" dirty="0">
+                <a:solidFill>
+                  <a:srgbClr val="FFFFFF"/>
+                </a:solidFill>
                 <a:sym typeface="Zapf Dingbats"/>
               </a:rPr>
               <a:t> </a:t>
             </a:r>
             <a:r>
               <a:rPr lang="zh-CN" altLang="en-US" sz="1200" dirty="0" smtClean="0">
+                <a:solidFill>
+                  <a:srgbClr val="FFFFFF"/>
+                </a:solidFill>
                 <a:sym typeface="Zapf Dingbats"/>
               </a:rPr>
               <a:t>异常智能提醒、协助</a:t>
             </a:r>
             <a:endParaRPr lang="en-US" altLang="zh-CN" sz="1200" dirty="0" smtClean="0">
+              <a:solidFill>
+                <a:srgbClr val="FFFFFF"/>
+              </a:solidFill>
               <a:sym typeface="Zapf Dingbats"/>
             </a:endParaRPr>
           </a:p>
@@ -16517,14 +16762,14 @@
           <p:nvPr>
             <p:extLst>
               <p:ext uri="{D42A27DB-BD31-4B8C-83A1-F6EECF244321}">
-                <p14:modId xmlns:p14="http://schemas.microsoft.com/office/powerpoint/2010/main" val="28876710"/>
+                <p14:modId xmlns:p14="http://schemas.microsoft.com/office/powerpoint/2010/main" val="2630817563"/>
               </p:ext>
             </p:extLst>
           </p:nvPr>
         </p:nvGraphicFramePr>
         <p:xfrm>
-          <a:off x="2676363" y="3688134"/>
-          <a:ext cx="6225176" cy="2925212"/>
+          <a:off x="2676362" y="3561835"/>
+          <a:ext cx="6835938" cy="3181865"/>
         </p:xfrm>
         <a:graphic>
           <a:graphicData uri="http://schemas.openxmlformats.org/drawingml/2006/diagram">
@@ -16577,8 +16822,8 @@
         </p:nvSpPr>
         <p:spPr>
           <a:xfrm>
-            <a:off x="1114509" y="1124654"/>
-            <a:ext cx="3111300" cy="970522"/>
+            <a:off x="917178" y="2214453"/>
+            <a:ext cx="2667019" cy="1856919"/>
           </a:xfrm>
           <a:prstGeom prst="rect">
             <a:avLst/>
@@ -16614,21 +16859,35 @@
             </a:pPr>
             <a:r>
               <a:rPr lang="zh-CN" altLang="en-US" dirty="0">
+                <a:solidFill>
+                  <a:srgbClr val="FFFFFF"/>
+                </a:solidFill>
                 <a:sym typeface="Zapf Dingbats"/>
               </a:rPr>
               <a:t>✓</a:t>
             </a:r>
             <a:r>
               <a:rPr lang="en-US" altLang="zh-CN" dirty="0">
+                <a:solidFill>
+                  <a:srgbClr val="FFFFFF"/>
+                </a:solidFill>
                 <a:sym typeface="Zapf Dingbats"/>
               </a:rPr>
               <a:t> </a:t>
             </a:r>
             <a:r>
-              <a:rPr lang="zh-CN" altLang="en-US" dirty="0"/>
+              <a:rPr lang="zh-CN" altLang="en-US" dirty="0">
+                <a:solidFill>
+                  <a:srgbClr val="FFFFFF"/>
+                </a:solidFill>
+              </a:rPr>
               <a:t>用户金融行为，产生大量数据</a:t>
             </a:r>
-            <a:endParaRPr lang="en-US" altLang="zh-CN" dirty="0"/>
+            <a:endParaRPr lang="en-US" altLang="zh-CN" dirty="0">
+              <a:solidFill>
+                <a:srgbClr val="FFFFFF"/>
+              </a:solidFill>
+            </a:endParaRPr>
           </a:p>
           <a:p>
             <a:pPr>
@@ -16638,21 +16897,35 @@
             </a:pPr>
             <a:r>
               <a:rPr lang="zh-CN" altLang="en-US" dirty="0">
+                <a:solidFill>
+                  <a:srgbClr val="FFFFFF"/>
+                </a:solidFill>
                 <a:sym typeface="Zapf Dingbats"/>
               </a:rPr>
               <a:t>✓</a:t>
             </a:r>
             <a:r>
               <a:rPr lang="en-US" altLang="zh-CN" dirty="0">
+                <a:solidFill>
+                  <a:srgbClr val="FFFFFF"/>
+                </a:solidFill>
                 <a:sym typeface="Zapf Dingbats"/>
               </a:rPr>
               <a:t> </a:t>
             </a:r>
             <a:r>
-              <a:rPr lang="zh-CN" altLang="en-US" dirty="0"/>
+              <a:rPr lang="zh-CN" altLang="en-US" dirty="0">
+                <a:solidFill>
+                  <a:srgbClr val="FFFFFF"/>
+                </a:solidFill>
+              </a:rPr>
               <a:t>数据金矿长眠，需要挖掘分析</a:t>
             </a:r>
-            <a:endParaRPr lang="en-US" altLang="zh-CN" dirty="0"/>
+            <a:endParaRPr lang="en-US" altLang="zh-CN" dirty="0">
+              <a:solidFill>
+                <a:srgbClr val="FFFFFF"/>
+              </a:solidFill>
+            </a:endParaRPr>
           </a:p>
           <a:p>
             <a:pPr>
@@ -16662,21 +16935,35 @@
             </a:pPr>
             <a:r>
               <a:rPr lang="zh-CN" altLang="en-US" dirty="0">
+                <a:solidFill>
+                  <a:srgbClr val="FFFFFF"/>
+                </a:solidFill>
                 <a:sym typeface="Zapf Dingbats"/>
               </a:rPr>
               <a:t>✓</a:t>
             </a:r>
             <a:r>
               <a:rPr lang="en-US" altLang="zh-CN" dirty="0">
+                <a:solidFill>
+                  <a:srgbClr val="FFFFFF"/>
+                </a:solidFill>
                 <a:sym typeface="Zapf Dingbats"/>
               </a:rPr>
               <a:t> </a:t>
             </a:r>
             <a:r>
-              <a:rPr lang="zh-CN" altLang="en-US" dirty="0"/>
+              <a:rPr lang="zh-CN" altLang="en-US" dirty="0">
+                <a:solidFill>
+                  <a:srgbClr val="FFFFFF"/>
+                </a:solidFill>
+              </a:rPr>
               <a:t>改善服务，了解用户精准营销</a:t>
             </a:r>
-            <a:endParaRPr lang="en-US" altLang="zh-CN" dirty="0"/>
+            <a:endParaRPr lang="en-US" altLang="zh-CN" dirty="0">
+              <a:solidFill>
+                <a:srgbClr val="FFFFFF"/>
+              </a:solidFill>
+            </a:endParaRPr>
           </a:p>
         </p:txBody>
       </p:sp>
@@ -16761,10 +17048,10 @@
         </p:nvGrpSpPr>
         <p:grpSpPr>
           <a:xfrm>
-            <a:off x="990600" y="1041400"/>
-            <a:ext cx="7505700" cy="5200659"/>
-            <a:chOff x="395536" y="260647"/>
-            <a:chExt cx="8748464" cy="6550997"/>
+            <a:off x="917179" y="1041400"/>
+            <a:ext cx="7579121" cy="5200659"/>
+            <a:chOff x="309958" y="260647"/>
+            <a:chExt cx="8834042" cy="6550997"/>
           </a:xfrm>
         </p:grpSpPr>
         <p:pic>
@@ -18269,9 +18556,9 @@
             <p:nvPr/>
           </p:nvSpPr>
           <p:spPr>
-            <a:xfrm>
-              <a:off x="656414" y="5733257"/>
-              <a:ext cx="3507096" cy="144016"/>
+            <a:xfrm flipV="1">
+              <a:off x="309958" y="5635742"/>
+              <a:ext cx="3853553" cy="183941"/>
             </a:xfrm>
             <a:custGeom>
               <a:avLst/>
@@ -18484,6 +18771,2553 @@
           <a:chExt cx="0" cy="0"/>
         </a:xfrm>
       </p:grpSpPr>
+      <p:cxnSp>
+        <p:nvCxnSpPr>
+          <p:cNvPr id="9" name="直线连接符 8"/>
+          <p:cNvCxnSpPr/>
+          <p:nvPr/>
+        </p:nvCxnSpPr>
+        <p:spPr>
+          <a:xfrm>
+            <a:off x="437814" y="587681"/>
+            <a:ext cx="2573320" cy="5391"/>
+          </a:xfrm>
+          <a:prstGeom prst="line">
+            <a:avLst/>
+          </a:prstGeom>
+          <a:ln>
+            <a:solidFill>
+              <a:srgbClr val="A6A6A6"/>
+            </a:solidFill>
+          </a:ln>
+        </p:spPr>
+        <p:style>
+          <a:lnRef idx="2">
+            <a:schemeClr val="accent1"/>
+          </a:lnRef>
+          <a:fillRef idx="0">
+            <a:schemeClr val="accent1"/>
+          </a:fillRef>
+          <a:effectRef idx="1">
+            <a:schemeClr val="accent1"/>
+          </a:effectRef>
+          <a:fontRef idx="minor">
+            <a:schemeClr val="tx1"/>
+          </a:fontRef>
+        </p:style>
+      </p:cxnSp>
+      <p:sp>
+        <p:nvSpPr>
+          <p:cNvPr id="8" name="文本框 7"/>
+          <p:cNvSpPr txBox="1"/>
+          <p:nvPr/>
+        </p:nvSpPr>
+        <p:spPr>
+          <a:xfrm>
+            <a:off x="437814" y="69852"/>
+            <a:ext cx="2773112" cy="523220"/>
+          </a:xfrm>
+          <a:prstGeom prst="rect">
+            <a:avLst/>
+          </a:prstGeom>
+          <a:noFill/>
+        </p:spPr>
+        <p:txBody>
+          <a:bodyPr wrap="square" rtlCol="0">
+            <a:spAutoFit/>
+          </a:bodyPr>
+          <a:lstStyle/>
+          <a:p>
+            <a:r>
+              <a:rPr kumimoji="1" lang="zh-CN" altLang="en-US" sz="2800" dirty="0" smtClean="0">
+                <a:solidFill>
+                  <a:srgbClr val="BFBFBF"/>
+                </a:solidFill>
+              </a:rPr>
+              <a:t>数据清理</a:t>
+            </a:r>
+            <a:endParaRPr kumimoji="1" lang="en-US" altLang="zh-CN" sz="2800" dirty="0" smtClean="0">
+              <a:solidFill>
+                <a:srgbClr val="BFBFBF"/>
+              </a:solidFill>
+            </a:endParaRPr>
+          </a:p>
+        </p:txBody>
+      </p:sp>
+      <p:sp>
+        <p:nvSpPr>
+          <p:cNvPr id="56" name="TextBox 39"/>
+          <p:cNvSpPr txBox="1"/>
+          <p:nvPr/>
+        </p:nvSpPr>
+        <p:spPr>
+          <a:xfrm>
+            <a:off x="550177" y="5333733"/>
+            <a:ext cx="2059204" cy="921791"/>
+          </a:xfrm>
+          <a:prstGeom prst="rect">
+            <a:avLst/>
+          </a:prstGeom>
+          <a:noFill/>
+        </p:spPr>
+        <p:txBody>
+          <a:bodyPr wrap="square" rtlCol="0">
+            <a:spAutoFit/>
+          </a:bodyPr>
+          <a:lstStyle/>
+          <a:p>
+            <a:pPr>
+              <a:lnSpc>
+                <a:spcPct val="130000"/>
+              </a:lnSpc>
+            </a:pPr>
+            <a:r>
+              <a:rPr lang="en-US" altLang="zh-CN" sz="1400" dirty="0" smtClean="0">
+                <a:solidFill>
+                  <a:schemeClr val="accent6">
+                    <a:lumMod val="60000"/>
+                    <a:lumOff val="40000"/>
+                  </a:schemeClr>
+                </a:solidFill>
+                <a:latin typeface="微软雅黑" pitchFamily="34" charset="-122"/>
+                <a:ea typeface="微软雅黑" pitchFamily="34" charset="-122"/>
+              </a:rPr>
+              <a:t>     </a:t>
+            </a:r>
+            <a:r>
+              <a:rPr lang="zh-CN" altLang="en-US" sz="1400" dirty="0" smtClean="0">
+                <a:solidFill>
+                  <a:schemeClr val="accent6">
+                    <a:lumMod val="60000"/>
+                    <a:lumOff val="40000"/>
+                  </a:schemeClr>
+                </a:solidFill>
+                <a:latin typeface="微软雅黑" pitchFamily="34" charset="-122"/>
+                <a:ea typeface="微软雅黑" pitchFamily="34" charset="-122"/>
+              </a:rPr>
+              <a:t>接入协议</a:t>
+            </a:r>
+            <a:r>
+              <a:rPr lang="zh-CN" altLang="zh-CN" sz="1400" dirty="0">
+                <a:solidFill>
+                  <a:schemeClr val="accent6">
+                    <a:lumMod val="60000"/>
+                    <a:lumOff val="40000"/>
+                  </a:schemeClr>
+                </a:solidFill>
+                <a:latin typeface="微软雅黑" pitchFamily="34" charset="-122"/>
+                <a:ea typeface="微软雅黑" pitchFamily="34" charset="-122"/>
+              </a:rPr>
+              <a:t>／</a:t>
+            </a:r>
+            <a:r>
+              <a:rPr lang="zh-CN" altLang="en-US" sz="1400" dirty="0" smtClean="0">
+                <a:solidFill>
+                  <a:schemeClr val="accent6">
+                    <a:lumMod val="60000"/>
+                    <a:lumOff val="40000"/>
+                  </a:schemeClr>
+                </a:solidFill>
+                <a:latin typeface="微软雅黑" pitchFamily="34" charset="-122"/>
+                <a:ea typeface="微软雅黑" pitchFamily="34" charset="-122"/>
+              </a:rPr>
+              <a:t>报文方式</a:t>
+            </a:r>
+            <a:endParaRPr lang="en-US" altLang="zh-CN" sz="1400" dirty="0" smtClean="0">
+              <a:solidFill>
+                <a:schemeClr val="accent6">
+                  <a:lumMod val="60000"/>
+                  <a:lumOff val="40000"/>
+                </a:schemeClr>
+              </a:solidFill>
+              <a:latin typeface="微软雅黑" pitchFamily="34" charset="-122"/>
+              <a:ea typeface="微软雅黑" pitchFamily="34" charset="-122"/>
+            </a:endParaRPr>
+          </a:p>
+          <a:p>
+            <a:pPr>
+              <a:lnSpc>
+                <a:spcPct val="130000"/>
+              </a:lnSpc>
+            </a:pPr>
+            <a:r>
+              <a:rPr lang="en-US" altLang="zh-CN" sz="1400" dirty="0" smtClean="0">
+                <a:solidFill>
+                  <a:schemeClr val="accent6">
+                    <a:lumMod val="60000"/>
+                    <a:lumOff val="40000"/>
+                  </a:schemeClr>
+                </a:solidFill>
+                <a:latin typeface="微软雅黑" pitchFamily="34" charset="-122"/>
+                <a:ea typeface="微软雅黑" pitchFamily="34" charset="-122"/>
+              </a:rPr>
+              <a:t>     </a:t>
+            </a:r>
+            <a:r>
+              <a:rPr lang="zh-CN" altLang="en-US" sz="1400" dirty="0" smtClean="0">
+                <a:solidFill>
+                  <a:schemeClr val="accent6">
+                    <a:lumMod val="60000"/>
+                    <a:lumOff val="40000"/>
+                  </a:schemeClr>
+                </a:solidFill>
+                <a:latin typeface="微软雅黑" pitchFamily="34" charset="-122"/>
+                <a:ea typeface="微软雅黑" pitchFamily="34" charset="-122"/>
+              </a:rPr>
+              <a:t>设备类型</a:t>
+            </a:r>
+            <a:endParaRPr lang="en-US" altLang="zh-CN" sz="1400" dirty="0" smtClean="0">
+              <a:solidFill>
+                <a:schemeClr val="accent6">
+                  <a:lumMod val="60000"/>
+                  <a:lumOff val="40000"/>
+                </a:schemeClr>
+              </a:solidFill>
+              <a:latin typeface="微软雅黑" pitchFamily="34" charset="-122"/>
+              <a:ea typeface="微软雅黑" pitchFamily="34" charset="-122"/>
+            </a:endParaRPr>
+          </a:p>
+          <a:p>
+            <a:pPr>
+              <a:lnSpc>
+                <a:spcPct val="130000"/>
+              </a:lnSpc>
+            </a:pPr>
+            <a:endParaRPr lang="en-US" altLang="zh-CN" sz="1400" dirty="0">
+              <a:solidFill>
+                <a:schemeClr val="accent6">
+                  <a:lumMod val="60000"/>
+                  <a:lumOff val="40000"/>
+                </a:schemeClr>
+              </a:solidFill>
+              <a:latin typeface="微软雅黑" pitchFamily="34" charset="-122"/>
+              <a:ea typeface="微软雅黑" pitchFamily="34" charset="-122"/>
+            </a:endParaRPr>
+          </a:p>
+        </p:txBody>
+      </p:sp>
+      <p:grpSp>
+        <p:nvGrpSpPr>
+          <p:cNvPr id="5" name="组 4"/>
+          <p:cNvGrpSpPr/>
+          <p:nvPr/>
+        </p:nvGrpSpPr>
+        <p:grpSpPr>
+          <a:xfrm>
+            <a:off x="437814" y="979268"/>
+            <a:ext cx="8553786" cy="4753988"/>
+            <a:chOff x="437814" y="979268"/>
+            <a:chExt cx="8553786" cy="4753988"/>
+          </a:xfrm>
+        </p:grpSpPr>
+        <p:grpSp>
+          <p:nvGrpSpPr>
+            <p:cNvPr id="17" name="组合 24"/>
+            <p:cNvGrpSpPr/>
+            <p:nvPr/>
+          </p:nvGrpSpPr>
+          <p:grpSpPr>
+            <a:xfrm>
+              <a:off x="2396207" y="1966205"/>
+              <a:ext cx="3921821" cy="3767051"/>
+              <a:chOff x="2684239" y="1541363"/>
+              <a:chExt cx="4264025" cy="4095750"/>
+            </a:xfrm>
+          </p:grpSpPr>
+          <p:sp>
+            <p:nvSpPr>
+              <p:cNvPr id="18" name="AutoShape 40"/>
+              <p:cNvSpPr>
+                <a:spLocks noChangeArrowheads="1"/>
+              </p:cNvSpPr>
+              <p:nvPr/>
+            </p:nvSpPr>
+            <p:spPr bwMode="auto">
+              <a:xfrm>
+                <a:off x="2684239" y="1541363"/>
+                <a:ext cx="4095750" cy="4095750"/>
+              </a:xfrm>
+              <a:custGeom>
+                <a:avLst/>
+                <a:gdLst>
+                  <a:gd name="G0" fmla="+- -551869 0 0"/>
+                  <a:gd name="G1" fmla="+- 5334542 0 0"/>
+                  <a:gd name="G2" fmla="+- -551869 0 5334542"/>
+                  <a:gd name="G3" fmla="+- 10800 0 0"/>
+                  <a:gd name="G4" fmla="+- 0 0 -551869"/>
+                  <a:gd name="T0" fmla="*/ 360 256 1"/>
+                  <a:gd name="T1" fmla="*/ 0 256 1"/>
+                  <a:gd name="G5" fmla="+- G2 T0 T1"/>
+                  <a:gd name="G6" fmla="?: G2 G2 G5"/>
+                  <a:gd name="G7" fmla="+- 0 0 G6"/>
+                  <a:gd name="G8" fmla="+- 3427 0 0"/>
+                  <a:gd name="G9" fmla="+- 0 0 5334542"/>
+                  <a:gd name="G10" fmla="+- 3427 0 2700"/>
+                  <a:gd name="G11" fmla="cos G10 -551869"/>
+                  <a:gd name="G12" fmla="sin G10 -551869"/>
+                  <a:gd name="G13" fmla="cos 13500 -551869"/>
+                  <a:gd name="G14" fmla="sin 13500 -551869"/>
+                  <a:gd name="G15" fmla="+- G11 10800 0"/>
+                  <a:gd name="G16" fmla="+- G12 10800 0"/>
+                  <a:gd name="G17" fmla="+- G13 10800 0"/>
+                  <a:gd name="G18" fmla="+- G14 10800 0"/>
+                  <a:gd name="G19" fmla="*/ 3427 1 2"/>
+                  <a:gd name="G20" fmla="+- G19 5400 0"/>
+                  <a:gd name="G21" fmla="cos G20 -551869"/>
+                  <a:gd name="G22" fmla="sin G20 -551869"/>
+                  <a:gd name="G23" fmla="+- G21 10800 0"/>
+                  <a:gd name="G24" fmla="+- G12 G23 G22"/>
+                  <a:gd name="G25" fmla="+- G22 G23 G11"/>
+                  <a:gd name="G26" fmla="cos 10800 -551869"/>
+                  <a:gd name="G27" fmla="sin 10800 -551869"/>
+                  <a:gd name="G28" fmla="cos 3427 -551869"/>
+                  <a:gd name="G29" fmla="sin 3427 -551869"/>
+                  <a:gd name="G30" fmla="+- G26 10800 0"/>
+                  <a:gd name="G31" fmla="+- G27 10800 0"/>
+                  <a:gd name="G32" fmla="+- G28 10800 0"/>
+                  <a:gd name="G33" fmla="+- G29 10800 0"/>
+                  <a:gd name="G34" fmla="+- G19 5400 0"/>
+                  <a:gd name="G35" fmla="cos G34 5334542"/>
+                  <a:gd name="G36" fmla="sin G34 5334542"/>
+                  <a:gd name="G37" fmla="+/ 5334542 -551869 2"/>
+                  <a:gd name="T2" fmla="*/ 180 256 1"/>
+                  <a:gd name="T3" fmla="*/ 0 256 1"/>
+                  <a:gd name="G38" fmla="+- G37 T2 T3"/>
+                  <a:gd name="G39" fmla="?: G2 G37 G38"/>
+                  <a:gd name="G40" fmla="cos 10800 G39"/>
+                  <a:gd name="G41" fmla="sin 10800 G39"/>
+                  <a:gd name="G42" fmla="cos 3427 G39"/>
+                  <a:gd name="G43" fmla="sin 3427 G39"/>
+                  <a:gd name="G44" fmla="+- G40 10800 0"/>
+                  <a:gd name="G45" fmla="+- G41 10800 0"/>
+                  <a:gd name="G46" fmla="+- G42 10800 0"/>
+                  <a:gd name="G47" fmla="+- G43 10800 0"/>
+                  <a:gd name="G48" fmla="+- G35 10800 0"/>
+                  <a:gd name="G49" fmla="+- G36 10800 0"/>
+                  <a:gd name="T4" fmla="*/ 2117 w 21600"/>
+                  <a:gd name="T5" fmla="*/ 4377 h 21600"/>
+                  <a:gd name="T6" fmla="*/ 11863 w 21600"/>
+                  <a:gd name="T7" fmla="*/ 17833 h 21600"/>
+                  <a:gd name="T8" fmla="*/ 8044 w 21600"/>
+                  <a:gd name="T9" fmla="*/ 8762 h 21600"/>
+                  <a:gd name="T10" fmla="*/ 24154 w 21600"/>
+                  <a:gd name="T11" fmla="*/ 8823 h 21600"/>
+                  <a:gd name="T12" fmla="*/ 18772 w 21600"/>
+                  <a:gd name="T13" fmla="*/ 16076 h 21600"/>
+                  <a:gd name="T14" fmla="*/ 11519 w 21600"/>
+                  <a:gd name="T15" fmla="*/ 10693 h 21600"/>
+                  <a:gd name="T16" fmla="*/ 3163 w 21600"/>
+                  <a:gd name="T17" fmla="*/ 3163 h 21600"/>
+                  <a:gd name="T18" fmla="*/ 18437 w 21600"/>
+                  <a:gd name="T19" fmla="*/ 18437 h 21600"/>
+                </a:gdLst>
+                <a:ahLst/>
+                <a:cxnLst>
+                  <a:cxn ang="0">
+                    <a:pos x="T4" y="T5"/>
+                  </a:cxn>
+                  <a:cxn ang="0">
+                    <a:pos x="T6" y="T7"/>
+                  </a:cxn>
+                  <a:cxn ang="0">
+                    <a:pos x="T8" y="T9"/>
+                  </a:cxn>
+                  <a:cxn ang="0">
+                    <a:pos x="T10" y="T11"/>
+                  </a:cxn>
+                  <a:cxn ang="0">
+                    <a:pos x="T12" y="T13"/>
+                  </a:cxn>
+                  <a:cxn ang="0">
+                    <a:pos x="T14" y="T15"/>
+                  </a:cxn>
+                </a:cxnLst>
+                <a:rect l="T16" t="T17" r="T18" b="T19"/>
+                <a:pathLst>
+                  <a:path w="21600" h="21600">
+                    <a:moveTo>
+                      <a:pt x="14190" y="10298"/>
+                    </a:moveTo>
+                    <a:cubicBezTo>
+                      <a:pt x="13941" y="8617"/>
+                      <a:pt x="12498" y="7373"/>
+                      <a:pt x="10800" y="7373"/>
+                    </a:cubicBezTo>
+                    <a:cubicBezTo>
+                      <a:pt x="8907" y="7373"/>
+                      <a:pt x="7373" y="8907"/>
+                      <a:pt x="7373" y="10800"/>
+                    </a:cubicBezTo>
+                    <a:cubicBezTo>
+                      <a:pt x="7373" y="12692"/>
+                      <a:pt x="8907" y="14227"/>
+                      <a:pt x="10800" y="14227"/>
+                    </a:cubicBezTo>
+                    <a:cubicBezTo>
+                      <a:pt x="10971" y="14227"/>
+                      <a:pt x="11142" y="14214"/>
+                      <a:pt x="11312" y="14188"/>
+                    </a:cubicBezTo>
+                    <a:lnTo>
+                      <a:pt x="12415" y="21478"/>
+                    </a:lnTo>
+                    <a:cubicBezTo>
+                      <a:pt x="11880" y="21559"/>
+                      <a:pt x="11340" y="21599"/>
+                      <a:pt x="10800" y="21600"/>
+                    </a:cubicBezTo>
+                    <a:cubicBezTo>
+                      <a:pt x="4835" y="21600"/>
+                      <a:pt x="0" y="16764"/>
+                      <a:pt x="0" y="10800"/>
+                    </a:cubicBezTo>
+                    <a:cubicBezTo>
+                      <a:pt x="0" y="4835"/>
+                      <a:pt x="4835" y="0"/>
+                      <a:pt x="10800" y="0"/>
+                    </a:cubicBezTo>
+                    <a:cubicBezTo>
+                      <a:pt x="16153" y="-1"/>
+                      <a:pt x="20699" y="3922"/>
+                      <a:pt x="21483" y="9218"/>
+                    </a:cubicBezTo>
+                    <a:lnTo>
+                      <a:pt x="24154" y="8823"/>
+                    </a:lnTo>
+                    <a:lnTo>
+                      <a:pt x="18772" y="16076"/>
+                    </a:lnTo>
+                    <a:lnTo>
+                      <a:pt x="11519" y="10693"/>
+                    </a:lnTo>
+                    <a:lnTo>
+                      <a:pt x="14190" y="10298"/>
+                    </a:lnTo>
+                    <a:close/>
+                  </a:path>
+                </a:pathLst>
+              </a:custGeom>
+              <a:solidFill>
+                <a:schemeClr val="accent6">
+                  <a:lumMod val="40000"/>
+                  <a:lumOff val="60000"/>
+                  <a:alpha val="22000"/>
+                </a:schemeClr>
+              </a:solidFill>
+              <a:ln w="9525" algn="ctr">
+                <a:miter lim="800000"/>
+                <a:headEnd/>
+                <a:tailEnd/>
+              </a:ln>
+              <a:effectLst>
+                <a:outerShdw blurRad="76200" dist="12700" dir="2700000" sy="-23000" kx="-800400" algn="bl" rotWithShape="0">
+                  <a:prstClr val="black">
+                    <a:alpha val="64000"/>
+                  </a:prstClr>
+                </a:outerShdw>
+              </a:effectLst>
+              <a:scene3d>
+                <a:camera prst="legacyObliqueTopRight"/>
+                <a:lightRig rig="legacyFlat3" dir="b"/>
+              </a:scene3d>
+              <a:sp3d extrusionH="163500" prstMaterial="legacyMatte">
+                <a:bevelT w="13500" h="13500" prst="coolSlant"/>
+                <a:bevelB w="13500" h="13500" prst="angle"/>
+                <a:extrusionClr>
+                  <a:srgbClr val="66FFFF"/>
+                </a:extrusionClr>
+              </a:sp3d>
+            </p:spPr>
+            <p:txBody>
+              <a:bodyPr wrap="none" anchor="ctr">
+                <a:flatTx/>
+              </a:bodyPr>
+              <a:lstStyle/>
+              <a:p>
+                <a:endParaRPr lang="zh-CN" altLang="en-US"/>
+              </a:p>
+            </p:txBody>
+          </p:sp>
+          <p:grpSp>
+            <p:nvGrpSpPr>
+              <p:cNvPr id="19" name="Group 52"/>
+              <p:cNvGrpSpPr>
+                <a:grpSpLocks/>
+              </p:cNvGrpSpPr>
+              <p:nvPr/>
+            </p:nvGrpSpPr>
+            <p:grpSpPr bwMode="auto">
+              <a:xfrm>
+                <a:off x="3693889" y="1660426"/>
+                <a:ext cx="1447800" cy="1520825"/>
+                <a:chOff x="1969" y="1904"/>
+                <a:chExt cx="829" cy="871"/>
+              </a:xfrm>
+            </p:grpSpPr>
+            <p:sp>
+              <p:nvSpPr>
+                <p:cNvPr id="44" name="Oval 53"/>
+                <p:cNvSpPr>
+                  <a:spLocks noChangeArrowheads="1"/>
+                </p:cNvSpPr>
+                <p:nvPr/>
+              </p:nvSpPr>
+              <p:spPr bwMode="auto">
+                <a:xfrm>
+                  <a:off x="2022" y="2448"/>
+                  <a:ext cx="776" cy="327"/>
+                </a:xfrm>
+                <a:prstGeom prst="ellipse">
+                  <a:avLst/>
+                </a:prstGeom>
+                <a:gradFill rotWithShape="1">
+                  <a:gsLst>
+                    <a:gs pos="0">
+                      <a:srgbClr val="000000">
+                        <a:alpha val="60001"/>
+                      </a:srgbClr>
+                    </a:gs>
+                    <a:gs pos="100000">
+                      <a:srgbClr val="000000">
+                        <a:gamma/>
+                        <a:tint val="0"/>
+                        <a:invGamma/>
+                        <a:alpha val="0"/>
+                      </a:srgbClr>
+                    </a:gs>
+                  </a:gsLst>
+                  <a:path path="shape">
+                    <a:fillToRect l="50000" t="50000" r="50000" b="50000"/>
+                  </a:path>
+                </a:gradFill>
+                <a:ln>
+                  <a:noFill/>
+                </a:ln>
+                <a:effectLst/>
+                <a:scene3d>
+                  <a:camera prst="orthographicFront"/>
+                  <a:lightRig rig="threePt" dir="t"/>
+                </a:scene3d>
+                <a:sp3d>
+                  <a:bevelT w="152400" h="50800" prst="softRound"/>
+                </a:sp3d>
+                <a:extLst>
+                  <a:ext uri="{91240B29-F687-4f45-9708-019B960494DF}">
+                    <a14:hiddenLine xmlns:a14="http://schemas.microsoft.com/office/drawing/2010/main" w="9525" algn="ctr">
+                      <a:solidFill>
+                        <a:srgbClr val="000000"/>
+                      </a:solidFill>
+                      <a:round/>
+                      <a:headEnd/>
+                      <a:tailEnd/>
+                    </a14:hiddenLine>
+                  </a:ext>
+                  <a:ext uri="{AF507438-7753-43e0-B8FC-AC1667EBCBE1}">
+                    <a14:hiddenEffects xmlns:a14="http://schemas.microsoft.com/office/drawing/2010/main">
+                      <a:effectLst>
+                        <a:outerShdw dist="35921" dir="2700000" algn="ctr" rotWithShape="0">
+                          <a:schemeClr val="bg2"/>
+                        </a:outerShdw>
+                      </a:effectLst>
+                    </a14:hiddenEffects>
+                  </a:ext>
+                </a:extLst>
+              </p:spPr>
+              <p:txBody>
+                <a:bodyPr wrap="none" anchor="ctr"/>
+                <a:lstStyle/>
+                <a:p>
+                  <a:endParaRPr lang="zh-CN" altLang="en-US"/>
+                </a:p>
+              </p:txBody>
+            </p:sp>
+            <p:sp>
+              <p:nvSpPr>
+                <p:cNvPr id="45" name="Oval 54"/>
+                <p:cNvSpPr>
+                  <a:spLocks noChangeArrowheads="1"/>
+                </p:cNvSpPr>
+                <p:nvPr/>
+              </p:nvSpPr>
+              <p:spPr bwMode="auto">
+                <a:xfrm>
+                  <a:off x="1969" y="1904"/>
+                  <a:ext cx="709" cy="708"/>
+                </a:xfrm>
+                <a:prstGeom prst="ellipse">
+                  <a:avLst/>
+                </a:prstGeom>
+                <a:solidFill>
+                  <a:schemeClr val="accent3">
+                    <a:lumMod val="60000"/>
+                    <a:lumOff val="40000"/>
+                  </a:schemeClr>
+                </a:solidFill>
+                <a:ln>
+                  <a:noFill/>
+                </a:ln>
+                <a:effectLst/>
+                <a:scene3d>
+                  <a:camera prst="orthographicFront"/>
+                  <a:lightRig rig="threePt" dir="t"/>
+                </a:scene3d>
+                <a:sp3d>
+                  <a:bevelT w="152400" h="50800" prst="softRound"/>
+                </a:sp3d>
+                <a:extLst>
+                  <a:ext uri="{91240B29-F687-4f45-9708-019B960494DF}">
+                    <a14:hiddenLine xmlns:a14="http://schemas.microsoft.com/office/drawing/2010/main" w="19050">
+                      <a:solidFill>
+                        <a:srgbClr val="FFFFFF"/>
+                      </a:solidFill>
+                      <a:round/>
+                      <a:headEnd/>
+                      <a:tailEnd/>
+                    </a14:hiddenLine>
+                  </a:ext>
+                  <a:ext uri="{AF507438-7753-43e0-B8FC-AC1667EBCBE1}">
+                    <a14:hiddenEffects xmlns:a14="http://schemas.microsoft.com/office/drawing/2010/main">
+                      <a:effectLst>
+                        <a:outerShdw dist="68392" dir="4091915" algn="ctr" rotWithShape="0">
+                          <a:srgbClr val="636395">
+                            <a:alpha val="50000"/>
+                          </a:srgbClr>
+                        </a:outerShdw>
+                      </a:effectLst>
+                    </a14:hiddenEffects>
+                  </a:ext>
+                </a:extLst>
+              </p:spPr>
+              <p:txBody>
+                <a:bodyPr wrap="none" anchor="ctr"/>
+                <a:lstStyle/>
+                <a:p>
+                  <a:pPr algn="ctr"/>
+                  <a:r>
+                    <a:rPr lang="zh-CN" altLang="en-US" sz="2000" dirty="0" smtClean="0">
+                      <a:solidFill>
+                        <a:srgbClr val="FFFFFF"/>
+                      </a:solidFill>
+                      <a:latin typeface="微软雅黑" pitchFamily="34" charset="-122"/>
+                      <a:ea typeface="微软雅黑" pitchFamily="34" charset="-122"/>
+                    </a:rPr>
+                    <a:t>时间</a:t>
+                  </a:r>
+                  <a:endParaRPr lang="en-US" altLang="ko-KR" sz="2000" dirty="0">
+                    <a:solidFill>
+                      <a:srgbClr val="FFFFFF"/>
+                    </a:solidFill>
+                    <a:latin typeface="微软雅黑" pitchFamily="34" charset="-122"/>
+                    <a:ea typeface="微软雅黑" pitchFamily="34" charset="-122"/>
+                  </a:endParaRPr>
+                </a:p>
+              </p:txBody>
+            </p:sp>
+            <p:sp>
+              <p:nvSpPr>
+                <p:cNvPr id="46" name="Oval 55"/>
+                <p:cNvSpPr>
+                  <a:spLocks noChangeArrowheads="1"/>
+                </p:cNvSpPr>
+                <p:nvPr/>
+              </p:nvSpPr>
+              <p:spPr bwMode="auto">
+                <a:xfrm>
+                  <a:off x="2046" y="2000"/>
+                  <a:ext cx="163" cy="170"/>
+                </a:xfrm>
+                <a:prstGeom prst="ellipse">
+                  <a:avLst/>
+                </a:prstGeom>
+                <a:gradFill rotWithShape="1">
+                  <a:gsLst>
+                    <a:gs pos="0">
+                      <a:srgbClr val="FFFFFF">
+                        <a:alpha val="70000"/>
+                      </a:srgbClr>
+                    </a:gs>
+                    <a:gs pos="100000">
+                      <a:srgbClr val="FFFFFF">
+                        <a:gamma/>
+                        <a:tint val="0"/>
+                        <a:invGamma/>
+                        <a:alpha val="0"/>
+                      </a:srgbClr>
+                    </a:gs>
+                  </a:gsLst>
+                  <a:path path="shape">
+                    <a:fillToRect l="50000" t="50000" r="50000" b="50000"/>
+                  </a:path>
+                </a:gradFill>
+                <a:ln>
+                  <a:noFill/>
+                </a:ln>
+                <a:effectLst/>
+                <a:scene3d>
+                  <a:camera prst="orthographicFront"/>
+                  <a:lightRig rig="threePt" dir="t"/>
+                </a:scene3d>
+                <a:sp3d>
+                  <a:bevelT w="152400" h="50800" prst="softRound"/>
+                </a:sp3d>
+                <a:extLst>
+                  <a:ext uri="{91240B29-F687-4f45-9708-019B960494DF}">
+                    <a14:hiddenLine xmlns:a14="http://schemas.microsoft.com/office/drawing/2010/main" w="9525" algn="ctr">
+                      <a:solidFill>
+                        <a:srgbClr val="000000"/>
+                      </a:solidFill>
+                      <a:round/>
+                      <a:headEnd/>
+                      <a:tailEnd/>
+                    </a14:hiddenLine>
+                  </a:ext>
+                  <a:ext uri="{AF507438-7753-43e0-B8FC-AC1667EBCBE1}">
+                    <a14:hiddenEffects xmlns:a14="http://schemas.microsoft.com/office/drawing/2010/main">
+                      <a:effectLst>
+                        <a:outerShdw dist="35921" dir="2700000" algn="ctr" rotWithShape="0">
+                          <a:schemeClr val="bg2"/>
+                        </a:outerShdw>
+                      </a:effectLst>
+                    </a14:hiddenEffects>
+                  </a:ext>
+                </a:extLst>
+              </p:spPr>
+              <p:txBody>
+                <a:bodyPr wrap="none" anchor="ctr"/>
+                <a:lstStyle/>
+                <a:p>
+                  <a:endParaRPr lang="zh-CN" altLang="en-US"/>
+                </a:p>
+              </p:txBody>
+            </p:sp>
+          </p:grpSp>
+          <p:grpSp>
+            <p:nvGrpSpPr>
+              <p:cNvPr id="28" name="Group 56"/>
+              <p:cNvGrpSpPr>
+                <a:grpSpLocks/>
+              </p:cNvGrpSpPr>
+              <p:nvPr/>
+            </p:nvGrpSpPr>
+            <p:grpSpPr bwMode="auto">
+              <a:xfrm>
+                <a:off x="4860701" y="1747738"/>
+                <a:ext cx="1447800" cy="1520825"/>
+                <a:chOff x="1969" y="1904"/>
+                <a:chExt cx="829" cy="871"/>
+              </a:xfrm>
+            </p:grpSpPr>
+            <p:sp>
+              <p:nvSpPr>
+                <p:cNvPr id="41" name="Oval 57"/>
+                <p:cNvSpPr>
+                  <a:spLocks noChangeArrowheads="1"/>
+                </p:cNvSpPr>
+                <p:nvPr/>
+              </p:nvSpPr>
+              <p:spPr bwMode="auto">
+                <a:xfrm>
+                  <a:off x="2022" y="2448"/>
+                  <a:ext cx="776" cy="327"/>
+                </a:xfrm>
+                <a:prstGeom prst="ellipse">
+                  <a:avLst/>
+                </a:prstGeom>
+                <a:gradFill rotWithShape="1">
+                  <a:gsLst>
+                    <a:gs pos="0">
+                      <a:srgbClr val="000000">
+                        <a:alpha val="60001"/>
+                      </a:srgbClr>
+                    </a:gs>
+                    <a:gs pos="100000">
+                      <a:srgbClr val="000000">
+                        <a:gamma/>
+                        <a:tint val="0"/>
+                        <a:invGamma/>
+                        <a:alpha val="0"/>
+                      </a:srgbClr>
+                    </a:gs>
+                  </a:gsLst>
+                  <a:path path="shape">
+                    <a:fillToRect l="50000" t="50000" r="50000" b="50000"/>
+                  </a:path>
+                </a:gradFill>
+                <a:ln>
+                  <a:noFill/>
+                </a:ln>
+                <a:effectLst/>
+                <a:scene3d>
+                  <a:camera prst="orthographicFront"/>
+                  <a:lightRig rig="threePt" dir="t"/>
+                </a:scene3d>
+                <a:sp3d>
+                  <a:bevelT w="152400" h="50800" prst="softRound"/>
+                </a:sp3d>
+                <a:extLst>
+                  <a:ext uri="{91240B29-F687-4f45-9708-019B960494DF}">
+                    <a14:hiddenLine xmlns:a14="http://schemas.microsoft.com/office/drawing/2010/main" w="9525" algn="ctr">
+                      <a:solidFill>
+                        <a:srgbClr val="000000"/>
+                      </a:solidFill>
+                      <a:round/>
+                      <a:headEnd/>
+                      <a:tailEnd/>
+                    </a14:hiddenLine>
+                  </a:ext>
+                  <a:ext uri="{AF507438-7753-43e0-B8FC-AC1667EBCBE1}">
+                    <a14:hiddenEffects xmlns:a14="http://schemas.microsoft.com/office/drawing/2010/main">
+                      <a:effectLst>
+                        <a:outerShdw dist="35921" dir="2700000" algn="ctr" rotWithShape="0">
+                          <a:schemeClr val="bg2"/>
+                        </a:outerShdw>
+                      </a:effectLst>
+                    </a14:hiddenEffects>
+                  </a:ext>
+                </a:extLst>
+              </p:spPr>
+              <p:txBody>
+                <a:bodyPr wrap="none" anchor="ctr"/>
+                <a:lstStyle/>
+                <a:p>
+                  <a:endParaRPr lang="zh-CN" altLang="en-US"/>
+                </a:p>
+              </p:txBody>
+            </p:sp>
+            <p:sp>
+              <p:nvSpPr>
+                <p:cNvPr id="42" name="Oval 58"/>
+                <p:cNvSpPr>
+                  <a:spLocks noChangeArrowheads="1"/>
+                </p:cNvSpPr>
+                <p:nvPr/>
+              </p:nvSpPr>
+              <p:spPr bwMode="auto">
+                <a:xfrm>
+                  <a:off x="1969" y="1904"/>
+                  <a:ext cx="709" cy="708"/>
+                </a:xfrm>
+                <a:prstGeom prst="ellipse">
+                  <a:avLst/>
+                </a:prstGeom>
+                <a:solidFill>
+                  <a:schemeClr val="accent1">
+                    <a:lumMod val="75000"/>
+                  </a:schemeClr>
+                </a:solidFill>
+                <a:ln>
+                  <a:noFill/>
+                </a:ln>
+                <a:effectLst/>
+                <a:scene3d>
+                  <a:camera prst="orthographicFront"/>
+                  <a:lightRig rig="threePt" dir="t"/>
+                </a:scene3d>
+                <a:sp3d>
+                  <a:bevelT w="152400" h="50800" prst="softRound"/>
+                </a:sp3d>
+                <a:extLst>
+                  <a:ext uri="{91240B29-F687-4f45-9708-019B960494DF}">
+                    <a14:hiddenLine xmlns:a14="http://schemas.microsoft.com/office/drawing/2010/main" w="19050">
+                      <a:solidFill>
+                        <a:srgbClr val="FFFFFF"/>
+                      </a:solidFill>
+                      <a:round/>
+                      <a:headEnd/>
+                      <a:tailEnd/>
+                    </a14:hiddenLine>
+                  </a:ext>
+                  <a:ext uri="{AF507438-7753-43e0-B8FC-AC1667EBCBE1}">
+                    <a14:hiddenEffects xmlns:a14="http://schemas.microsoft.com/office/drawing/2010/main">
+                      <a:effectLst>
+                        <a:outerShdw dist="68392" dir="4091915" algn="ctr" rotWithShape="0">
+                          <a:srgbClr val="636395">
+                            <a:alpha val="50000"/>
+                          </a:srgbClr>
+                        </a:outerShdw>
+                      </a:effectLst>
+                    </a14:hiddenEffects>
+                  </a:ext>
+                </a:extLst>
+              </p:spPr>
+              <p:txBody>
+                <a:bodyPr wrap="none" anchor="ctr"/>
+                <a:lstStyle/>
+                <a:p>
+                  <a:pPr algn="ctr"/>
+                  <a:r>
+                    <a:rPr lang="zh-CN" altLang="en-US" sz="2000" dirty="0" smtClean="0">
+                      <a:solidFill>
+                        <a:srgbClr val="FFFFFF"/>
+                      </a:solidFill>
+                      <a:latin typeface="微软雅黑" pitchFamily="34" charset="-122"/>
+                      <a:ea typeface="微软雅黑" pitchFamily="34" charset="-122"/>
+                    </a:rPr>
+                    <a:t>分类</a:t>
+                  </a:r>
+                  <a:endParaRPr lang="en-US" altLang="ko-KR" sz="2000" dirty="0">
+                    <a:solidFill>
+                      <a:srgbClr val="FFFFFF"/>
+                    </a:solidFill>
+                    <a:latin typeface="微软雅黑" pitchFamily="34" charset="-122"/>
+                    <a:ea typeface="微软雅黑" pitchFamily="34" charset="-122"/>
+                  </a:endParaRPr>
+                </a:p>
+              </p:txBody>
+            </p:sp>
+            <p:sp>
+              <p:nvSpPr>
+                <p:cNvPr id="43" name="Oval 59"/>
+                <p:cNvSpPr>
+                  <a:spLocks noChangeArrowheads="1"/>
+                </p:cNvSpPr>
+                <p:nvPr/>
+              </p:nvSpPr>
+              <p:spPr bwMode="auto">
+                <a:xfrm>
+                  <a:off x="2046" y="2000"/>
+                  <a:ext cx="163" cy="170"/>
+                </a:xfrm>
+                <a:prstGeom prst="ellipse">
+                  <a:avLst/>
+                </a:prstGeom>
+                <a:gradFill rotWithShape="1">
+                  <a:gsLst>
+                    <a:gs pos="0">
+                      <a:srgbClr val="FFFFFF">
+                        <a:alpha val="70000"/>
+                      </a:srgbClr>
+                    </a:gs>
+                    <a:gs pos="100000">
+                      <a:srgbClr val="FFFFFF">
+                        <a:gamma/>
+                        <a:tint val="0"/>
+                        <a:invGamma/>
+                        <a:alpha val="0"/>
+                      </a:srgbClr>
+                    </a:gs>
+                  </a:gsLst>
+                  <a:path path="shape">
+                    <a:fillToRect l="50000" t="50000" r="50000" b="50000"/>
+                  </a:path>
+                </a:gradFill>
+                <a:ln>
+                  <a:noFill/>
+                </a:ln>
+                <a:effectLst/>
+                <a:scene3d>
+                  <a:camera prst="orthographicFront"/>
+                  <a:lightRig rig="threePt" dir="t"/>
+                </a:scene3d>
+                <a:sp3d>
+                  <a:bevelT w="152400" h="50800" prst="softRound"/>
+                </a:sp3d>
+                <a:extLst>
+                  <a:ext uri="{91240B29-F687-4f45-9708-019B960494DF}">
+                    <a14:hiddenLine xmlns:a14="http://schemas.microsoft.com/office/drawing/2010/main" w="9525" algn="ctr">
+                      <a:solidFill>
+                        <a:srgbClr val="000000"/>
+                      </a:solidFill>
+                      <a:round/>
+                      <a:headEnd/>
+                      <a:tailEnd/>
+                    </a14:hiddenLine>
+                  </a:ext>
+                  <a:ext uri="{AF507438-7753-43e0-B8FC-AC1667EBCBE1}">
+                    <a14:hiddenEffects xmlns:a14="http://schemas.microsoft.com/office/drawing/2010/main">
+                      <a:effectLst>
+                        <a:outerShdw dist="35921" dir="2700000" algn="ctr" rotWithShape="0">
+                          <a:schemeClr val="bg2"/>
+                        </a:outerShdw>
+                      </a:effectLst>
+                    </a14:hiddenEffects>
+                  </a:ext>
+                </a:extLst>
+              </p:spPr>
+              <p:txBody>
+                <a:bodyPr wrap="none" anchor="ctr"/>
+                <a:lstStyle/>
+                <a:p>
+                  <a:endParaRPr lang="zh-CN" altLang="en-US"/>
+                </a:p>
+              </p:txBody>
+            </p:sp>
+          </p:grpSp>
+          <p:grpSp>
+            <p:nvGrpSpPr>
+              <p:cNvPr id="29" name="Group 60"/>
+              <p:cNvGrpSpPr>
+                <a:grpSpLocks/>
+              </p:cNvGrpSpPr>
+              <p:nvPr/>
+            </p:nvGrpSpPr>
+            <p:grpSpPr bwMode="auto">
+              <a:xfrm>
+                <a:off x="5500464" y="2600226"/>
+                <a:ext cx="1447800" cy="1520825"/>
+                <a:chOff x="1969" y="1904"/>
+                <a:chExt cx="829" cy="871"/>
+              </a:xfrm>
+            </p:grpSpPr>
+            <p:sp>
+              <p:nvSpPr>
+                <p:cNvPr id="38" name="Oval 61"/>
+                <p:cNvSpPr>
+                  <a:spLocks noChangeArrowheads="1"/>
+                </p:cNvSpPr>
+                <p:nvPr/>
+              </p:nvSpPr>
+              <p:spPr bwMode="auto">
+                <a:xfrm>
+                  <a:off x="2022" y="2448"/>
+                  <a:ext cx="776" cy="327"/>
+                </a:xfrm>
+                <a:prstGeom prst="ellipse">
+                  <a:avLst/>
+                </a:prstGeom>
+                <a:gradFill rotWithShape="1">
+                  <a:gsLst>
+                    <a:gs pos="0">
+                      <a:srgbClr val="000000">
+                        <a:alpha val="60001"/>
+                      </a:srgbClr>
+                    </a:gs>
+                    <a:gs pos="100000">
+                      <a:srgbClr val="000000">
+                        <a:gamma/>
+                        <a:tint val="0"/>
+                        <a:invGamma/>
+                        <a:alpha val="0"/>
+                      </a:srgbClr>
+                    </a:gs>
+                  </a:gsLst>
+                  <a:path path="shape">
+                    <a:fillToRect l="50000" t="50000" r="50000" b="50000"/>
+                  </a:path>
+                </a:gradFill>
+                <a:ln>
+                  <a:noFill/>
+                </a:ln>
+                <a:effectLst/>
+                <a:scene3d>
+                  <a:camera prst="orthographicFront"/>
+                  <a:lightRig rig="threePt" dir="t"/>
+                </a:scene3d>
+                <a:sp3d>
+                  <a:bevelT w="152400" h="50800" prst="softRound"/>
+                </a:sp3d>
+                <a:extLst>
+                  <a:ext uri="{91240B29-F687-4f45-9708-019B960494DF}">
+                    <a14:hiddenLine xmlns:a14="http://schemas.microsoft.com/office/drawing/2010/main" w="9525" algn="ctr">
+                      <a:solidFill>
+                        <a:srgbClr val="000000"/>
+                      </a:solidFill>
+                      <a:round/>
+                      <a:headEnd/>
+                      <a:tailEnd/>
+                    </a14:hiddenLine>
+                  </a:ext>
+                  <a:ext uri="{AF507438-7753-43e0-B8FC-AC1667EBCBE1}">
+                    <a14:hiddenEffects xmlns:a14="http://schemas.microsoft.com/office/drawing/2010/main">
+                      <a:effectLst>
+                        <a:outerShdw dist="35921" dir="2700000" algn="ctr" rotWithShape="0">
+                          <a:schemeClr val="bg2"/>
+                        </a:outerShdw>
+                      </a:effectLst>
+                    </a14:hiddenEffects>
+                  </a:ext>
+                </a:extLst>
+              </p:spPr>
+              <p:txBody>
+                <a:bodyPr wrap="none" anchor="ctr"/>
+                <a:lstStyle/>
+                <a:p>
+                  <a:endParaRPr lang="zh-CN" altLang="en-US"/>
+                </a:p>
+              </p:txBody>
+            </p:sp>
+            <p:sp>
+              <p:nvSpPr>
+                <p:cNvPr id="39" name="Oval 62"/>
+                <p:cNvSpPr>
+                  <a:spLocks noChangeArrowheads="1"/>
+                </p:cNvSpPr>
+                <p:nvPr/>
+              </p:nvSpPr>
+              <p:spPr bwMode="auto">
+                <a:xfrm>
+                  <a:off x="1969" y="1904"/>
+                  <a:ext cx="709" cy="708"/>
+                </a:xfrm>
+                <a:prstGeom prst="ellipse">
+                  <a:avLst/>
+                </a:prstGeom>
+                <a:solidFill>
+                  <a:schemeClr val="accent5">
+                    <a:lumMod val="75000"/>
+                  </a:schemeClr>
+                </a:solidFill>
+                <a:ln>
+                  <a:noFill/>
+                </a:ln>
+                <a:effectLst/>
+                <a:scene3d>
+                  <a:camera prst="orthographicFront"/>
+                  <a:lightRig rig="threePt" dir="t"/>
+                </a:scene3d>
+                <a:sp3d>
+                  <a:bevelT w="152400" h="50800" prst="softRound"/>
+                </a:sp3d>
+                <a:extLst>
+                  <a:ext uri="{91240B29-F687-4f45-9708-019B960494DF}">
+                    <a14:hiddenLine xmlns:a14="http://schemas.microsoft.com/office/drawing/2010/main" w="19050">
+                      <a:solidFill>
+                        <a:srgbClr val="FFFFFF"/>
+                      </a:solidFill>
+                      <a:round/>
+                      <a:headEnd/>
+                      <a:tailEnd/>
+                    </a14:hiddenLine>
+                  </a:ext>
+                  <a:ext uri="{AF507438-7753-43e0-B8FC-AC1667EBCBE1}">
+                    <a14:hiddenEffects xmlns:a14="http://schemas.microsoft.com/office/drawing/2010/main">
+                      <a:effectLst>
+                        <a:outerShdw dist="68392" dir="4091915" algn="ctr" rotWithShape="0">
+                          <a:srgbClr val="636395">
+                            <a:alpha val="50000"/>
+                          </a:srgbClr>
+                        </a:outerShdw>
+                      </a:effectLst>
+                    </a14:hiddenEffects>
+                  </a:ext>
+                </a:extLst>
+              </p:spPr>
+              <p:txBody>
+                <a:bodyPr wrap="none" anchor="ctr"/>
+                <a:lstStyle/>
+                <a:p>
+                  <a:pPr algn="ctr"/>
+                  <a:r>
+                    <a:rPr lang="zh-CN" altLang="en-US" sz="2000" dirty="0" smtClean="0">
+                      <a:solidFill>
+                        <a:srgbClr val="FFFFFF"/>
+                      </a:solidFill>
+                      <a:latin typeface="微软雅黑" pitchFamily="34" charset="-122"/>
+                      <a:ea typeface="微软雅黑" pitchFamily="34" charset="-122"/>
+                    </a:rPr>
+                    <a:t>处理</a:t>
+                  </a:r>
+                  <a:endParaRPr lang="en-US" altLang="ko-KR" sz="2000" dirty="0">
+                    <a:solidFill>
+                      <a:srgbClr val="FFFFFF"/>
+                    </a:solidFill>
+                    <a:latin typeface="微软雅黑" pitchFamily="34" charset="-122"/>
+                    <a:ea typeface="微软雅黑" pitchFamily="34" charset="-122"/>
+                  </a:endParaRPr>
+                </a:p>
+              </p:txBody>
+            </p:sp>
+            <p:sp>
+              <p:nvSpPr>
+                <p:cNvPr id="40" name="Oval 63"/>
+                <p:cNvSpPr>
+                  <a:spLocks noChangeArrowheads="1"/>
+                </p:cNvSpPr>
+                <p:nvPr/>
+              </p:nvSpPr>
+              <p:spPr bwMode="auto">
+                <a:xfrm>
+                  <a:off x="2046" y="2000"/>
+                  <a:ext cx="163" cy="170"/>
+                </a:xfrm>
+                <a:prstGeom prst="ellipse">
+                  <a:avLst/>
+                </a:prstGeom>
+                <a:gradFill rotWithShape="1">
+                  <a:gsLst>
+                    <a:gs pos="0">
+                      <a:srgbClr val="FFFFFF">
+                        <a:alpha val="70000"/>
+                      </a:srgbClr>
+                    </a:gs>
+                    <a:gs pos="100000">
+                      <a:srgbClr val="FFFFFF">
+                        <a:gamma/>
+                        <a:tint val="0"/>
+                        <a:invGamma/>
+                        <a:alpha val="0"/>
+                      </a:srgbClr>
+                    </a:gs>
+                  </a:gsLst>
+                  <a:path path="shape">
+                    <a:fillToRect l="50000" t="50000" r="50000" b="50000"/>
+                  </a:path>
+                </a:gradFill>
+                <a:ln>
+                  <a:noFill/>
+                </a:ln>
+                <a:effectLst/>
+                <a:scene3d>
+                  <a:camera prst="orthographicFront"/>
+                  <a:lightRig rig="threePt" dir="t"/>
+                </a:scene3d>
+                <a:sp3d>
+                  <a:bevelT w="152400" h="50800" prst="softRound"/>
+                </a:sp3d>
+                <a:extLst>
+                  <a:ext uri="{91240B29-F687-4f45-9708-019B960494DF}">
+                    <a14:hiddenLine xmlns:a14="http://schemas.microsoft.com/office/drawing/2010/main" w="9525" algn="ctr">
+                      <a:solidFill>
+                        <a:srgbClr val="000000"/>
+                      </a:solidFill>
+                      <a:round/>
+                      <a:headEnd/>
+                      <a:tailEnd/>
+                    </a14:hiddenLine>
+                  </a:ext>
+                  <a:ext uri="{AF507438-7753-43e0-B8FC-AC1667EBCBE1}">
+                    <a14:hiddenEffects xmlns:a14="http://schemas.microsoft.com/office/drawing/2010/main">
+                      <a:effectLst>
+                        <a:outerShdw dist="35921" dir="2700000" algn="ctr" rotWithShape="0">
+                          <a:schemeClr val="bg2"/>
+                        </a:outerShdw>
+                      </a:effectLst>
+                    </a14:hiddenEffects>
+                  </a:ext>
+                </a:extLst>
+              </p:spPr>
+              <p:txBody>
+                <a:bodyPr wrap="none" anchor="ctr"/>
+                <a:lstStyle/>
+                <a:p>
+                  <a:endParaRPr lang="zh-CN" altLang="en-US"/>
+                </a:p>
+              </p:txBody>
+            </p:sp>
+          </p:grpSp>
+          <p:grpSp>
+            <p:nvGrpSpPr>
+              <p:cNvPr id="30" name="Group 64"/>
+              <p:cNvGrpSpPr>
+                <a:grpSpLocks/>
+              </p:cNvGrpSpPr>
+              <p:nvPr/>
+            </p:nvGrpSpPr>
+            <p:grpSpPr bwMode="auto">
+              <a:xfrm>
+                <a:off x="2916014" y="2508151"/>
+                <a:ext cx="1447800" cy="1520825"/>
+                <a:chOff x="1969" y="1904"/>
+                <a:chExt cx="829" cy="871"/>
+              </a:xfrm>
+            </p:grpSpPr>
+            <p:sp>
+              <p:nvSpPr>
+                <p:cNvPr id="35" name="Oval 65"/>
+                <p:cNvSpPr>
+                  <a:spLocks noChangeArrowheads="1"/>
+                </p:cNvSpPr>
+                <p:nvPr/>
+              </p:nvSpPr>
+              <p:spPr bwMode="auto">
+                <a:xfrm>
+                  <a:off x="2022" y="2448"/>
+                  <a:ext cx="776" cy="327"/>
+                </a:xfrm>
+                <a:prstGeom prst="ellipse">
+                  <a:avLst/>
+                </a:prstGeom>
+                <a:gradFill rotWithShape="1">
+                  <a:gsLst>
+                    <a:gs pos="0">
+                      <a:srgbClr val="000000">
+                        <a:alpha val="60001"/>
+                      </a:srgbClr>
+                    </a:gs>
+                    <a:gs pos="100000">
+                      <a:srgbClr val="000000">
+                        <a:gamma/>
+                        <a:tint val="0"/>
+                        <a:invGamma/>
+                        <a:alpha val="0"/>
+                      </a:srgbClr>
+                    </a:gs>
+                  </a:gsLst>
+                  <a:path path="shape">
+                    <a:fillToRect l="50000" t="50000" r="50000" b="50000"/>
+                  </a:path>
+                </a:gradFill>
+                <a:ln>
+                  <a:noFill/>
+                </a:ln>
+                <a:effectLst/>
+                <a:scene3d>
+                  <a:camera prst="orthographicFront"/>
+                  <a:lightRig rig="threePt" dir="t"/>
+                </a:scene3d>
+                <a:sp3d>
+                  <a:bevelT w="152400" h="50800" prst="softRound"/>
+                </a:sp3d>
+                <a:extLst>
+                  <a:ext uri="{91240B29-F687-4f45-9708-019B960494DF}">
+                    <a14:hiddenLine xmlns:a14="http://schemas.microsoft.com/office/drawing/2010/main" w="9525" algn="ctr">
+                      <a:solidFill>
+                        <a:srgbClr val="000000"/>
+                      </a:solidFill>
+                      <a:round/>
+                      <a:headEnd/>
+                      <a:tailEnd/>
+                    </a14:hiddenLine>
+                  </a:ext>
+                  <a:ext uri="{AF507438-7753-43e0-B8FC-AC1667EBCBE1}">
+                    <a14:hiddenEffects xmlns:a14="http://schemas.microsoft.com/office/drawing/2010/main">
+                      <a:effectLst>
+                        <a:outerShdw dist="35921" dir="2700000" algn="ctr" rotWithShape="0">
+                          <a:schemeClr val="bg2"/>
+                        </a:outerShdw>
+                      </a:effectLst>
+                    </a14:hiddenEffects>
+                  </a:ext>
+                </a:extLst>
+              </p:spPr>
+              <p:txBody>
+                <a:bodyPr wrap="none" anchor="ctr"/>
+                <a:lstStyle/>
+                <a:p>
+                  <a:endParaRPr lang="zh-CN" altLang="en-US"/>
+                </a:p>
+              </p:txBody>
+            </p:sp>
+            <p:sp>
+              <p:nvSpPr>
+                <p:cNvPr id="36" name="Oval 66"/>
+                <p:cNvSpPr>
+                  <a:spLocks noChangeArrowheads="1"/>
+                </p:cNvSpPr>
+                <p:nvPr/>
+              </p:nvSpPr>
+              <p:spPr bwMode="auto">
+                <a:xfrm>
+                  <a:off x="1969" y="1904"/>
+                  <a:ext cx="709" cy="708"/>
+                </a:xfrm>
+                <a:prstGeom prst="ellipse">
+                  <a:avLst/>
+                </a:prstGeom>
+                <a:solidFill>
+                  <a:schemeClr val="accent2">
+                    <a:lumMod val="75000"/>
+                  </a:schemeClr>
+                </a:solidFill>
+                <a:ln>
+                  <a:noFill/>
+                </a:ln>
+                <a:effectLst/>
+                <a:scene3d>
+                  <a:camera prst="orthographicFront"/>
+                  <a:lightRig rig="threePt" dir="t"/>
+                </a:scene3d>
+                <a:sp3d>
+                  <a:bevelT w="152400" h="50800" prst="softRound"/>
+                </a:sp3d>
+                <a:extLst>
+                  <a:ext uri="{91240B29-F687-4f45-9708-019B960494DF}">
+                    <a14:hiddenLine xmlns:a14="http://schemas.microsoft.com/office/drawing/2010/main" w="19050">
+                      <a:solidFill>
+                        <a:srgbClr val="FFFFFF"/>
+                      </a:solidFill>
+                      <a:round/>
+                      <a:headEnd/>
+                      <a:tailEnd/>
+                    </a14:hiddenLine>
+                  </a:ext>
+                  <a:ext uri="{AF507438-7753-43e0-B8FC-AC1667EBCBE1}">
+                    <a14:hiddenEffects xmlns:a14="http://schemas.microsoft.com/office/drawing/2010/main">
+                      <a:effectLst>
+                        <a:outerShdw dist="68392" dir="4091915" algn="ctr" rotWithShape="0">
+                          <a:srgbClr val="636395">
+                            <a:alpha val="50000"/>
+                          </a:srgbClr>
+                        </a:outerShdw>
+                      </a:effectLst>
+                    </a14:hiddenEffects>
+                  </a:ext>
+                </a:extLst>
+              </p:spPr>
+              <p:txBody>
+                <a:bodyPr wrap="none" anchor="ctr"/>
+                <a:lstStyle/>
+                <a:p>
+                  <a:pPr algn="ctr"/>
+                  <a:r>
+                    <a:rPr lang="zh-CN" altLang="en-US" sz="2000" dirty="0" smtClean="0">
+                      <a:solidFill>
+                        <a:srgbClr val="FFFFFF"/>
+                      </a:solidFill>
+                      <a:latin typeface="微软雅黑" pitchFamily="34" charset="-122"/>
+                      <a:ea typeface="微软雅黑" pitchFamily="34" charset="-122"/>
+                    </a:rPr>
+                    <a:t>用户</a:t>
+                  </a:r>
+                  <a:endParaRPr lang="en-US" altLang="ko-KR" sz="2000" dirty="0">
+                    <a:solidFill>
+                      <a:srgbClr val="FFFFFF"/>
+                    </a:solidFill>
+                    <a:latin typeface="微软雅黑" pitchFamily="34" charset="-122"/>
+                    <a:ea typeface="微软雅黑" pitchFamily="34" charset="-122"/>
+                  </a:endParaRPr>
+                </a:p>
+              </p:txBody>
+            </p:sp>
+            <p:sp>
+              <p:nvSpPr>
+                <p:cNvPr id="37" name="Oval 67"/>
+                <p:cNvSpPr>
+                  <a:spLocks noChangeArrowheads="1"/>
+                </p:cNvSpPr>
+                <p:nvPr/>
+              </p:nvSpPr>
+              <p:spPr bwMode="auto">
+                <a:xfrm>
+                  <a:off x="2046" y="2000"/>
+                  <a:ext cx="163" cy="170"/>
+                </a:xfrm>
+                <a:prstGeom prst="ellipse">
+                  <a:avLst/>
+                </a:prstGeom>
+                <a:gradFill rotWithShape="1">
+                  <a:gsLst>
+                    <a:gs pos="0">
+                      <a:srgbClr val="FFFFFF">
+                        <a:alpha val="70000"/>
+                      </a:srgbClr>
+                    </a:gs>
+                    <a:gs pos="100000">
+                      <a:srgbClr val="FFFFFF">
+                        <a:gamma/>
+                        <a:tint val="0"/>
+                        <a:invGamma/>
+                        <a:alpha val="0"/>
+                      </a:srgbClr>
+                    </a:gs>
+                  </a:gsLst>
+                  <a:path path="shape">
+                    <a:fillToRect l="50000" t="50000" r="50000" b="50000"/>
+                  </a:path>
+                </a:gradFill>
+                <a:ln>
+                  <a:noFill/>
+                </a:ln>
+                <a:effectLst/>
+                <a:scene3d>
+                  <a:camera prst="orthographicFront"/>
+                  <a:lightRig rig="threePt" dir="t"/>
+                </a:scene3d>
+                <a:sp3d>
+                  <a:bevelT w="152400" h="50800" prst="softRound"/>
+                </a:sp3d>
+                <a:extLst>
+                  <a:ext uri="{91240B29-F687-4f45-9708-019B960494DF}">
+                    <a14:hiddenLine xmlns:a14="http://schemas.microsoft.com/office/drawing/2010/main" w="9525" algn="ctr">
+                      <a:solidFill>
+                        <a:srgbClr val="000000"/>
+                      </a:solidFill>
+                      <a:round/>
+                      <a:headEnd/>
+                      <a:tailEnd/>
+                    </a14:hiddenLine>
+                  </a:ext>
+                  <a:ext uri="{AF507438-7753-43e0-B8FC-AC1667EBCBE1}">
+                    <a14:hiddenEffects xmlns:a14="http://schemas.microsoft.com/office/drawing/2010/main">
+                      <a:effectLst>
+                        <a:outerShdw dist="35921" dir="2700000" algn="ctr" rotWithShape="0">
+                          <a:schemeClr val="bg2"/>
+                        </a:outerShdw>
+                      </a:effectLst>
+                    </a14:hiddenEffects>
+                  </a:ext>
+                </a:extLst>
+              </p:spPr>
+              <p:txBody>
+                <a:bodyPr wrap="none" anchor="ctr"/>
+                <a:lstStyle/>
+                <a:p>
+                  <a:endParaRPr lang="zh-CN" altLang="en-US"/>
+                </a:p>
+              </p:txBody>
+            </p:sp>
+          </p:grpSp>
+          <p:grpSp>
+            <p:nvGrpSpPr>
+              <p:cNvPr id="31" name="Group 68"/>
+              <p:cNvGrpSpPr>
+                <a:grpSpLocks/>
+              </p:cNvGrpSpPr>
+              <p:nvPr/>
+            </p:nvGrpSpPr>
+            <p:grpSpPr bwMode="auto">
+              <a:xfrm>
+                <a:off x="3008089" y="3563838"/>
+                <a:ext cx="1447800" cy="1520825"/>
+                <a:chOff x="1969" y="1904"/>
+                <a:chExt cx="829" cy="871"/>
+              </a:xfrm>
+            </p:grpSpPr>
+            <p:sp>
+              <p:nvSpPr>
+                <p:cNvPr id="32" name="Oval 69"/>
+                <p:cNvSpPr>
+                  <a:spLocks noChangeArrowheads="1"/>
+                </p:cNvSpPr>
+                <p:nvPr/>
+              </p:nvSpPr>
+              <p:spPr bwMode="auto">
+                <a:xfrm>
+                  <a:off x="2022" y="2448"/>
+                  <a:ext cx="776" cy="327"/>
+                </a:xfrm>
+                <a:prstGeom prst="ellipse">
+                  <a:avLst/>
+                </a:prstGeom>
+                <a:gradFill rotWithShape="1">
+                  <a:gsLst>
+                    <a:gs pos="0">
+                      <a:srgbClr val="000000">
+                        <a:alpha val="60001"/>
+                      </a:srgbClr>
+                    </a:gs>
+                    <a:gs pos="100000">
+                      <a:srgbClr val="000000">
+                        <a:gamma/>
+                        <a:tint val="0"/>
+                        <a:invGamma/>
+                        <a:alpha val="0"/>
+                      </a:srgbClr>
+                    </a:gs>
+                  </a:gsLst>
+                  <a:path path="shape">
+                    <a:fillToRect l="50000" t="50000" r="50000" b="50000"/>
+                  </a:path>
+                </a:gradFill>
+                <a:ln>
+                  <a:noFill/>
+                </a:ln>
+                <a:effectLst/>
+                <a:scene3d>
+                  <a:camera prst="orthographicFront"/>
+                  <a:lightRig rig="threePt" dir="t"/>
+                </a:scene3d>
+                <a:sp3d>
+                  <a:bevelT w="152400" h="50800" prst="softRound"/>
+                </a:sp3d>
+                <a:extLst>
+                  <a:ext uri="{91240B29-F687-4f45-9708-019B960494DF}">
+                    <a14:hiddenLine xmlns:a14="http://schemas.microsoft.com/office/drawing/2010/main" w="9525" algn="ctr">
+                      <a:solidFill>
+                        <a:srgbClr val="000000"/>
+                      </a:solidFill>
+                      <a:round/>
+                      <a:headEnd/>
+                      <a:tailEnd/>
+                    </a14:hiddenLine>
+                  </a:ext>
+                  <a:ext uri="{AF507438-7753-43e0-B8FC-AC1667EBCBE1}">
+                    <a14:hiddenEffects xmlns:a14="http://schemas.microsoft.com/office/drawing/2010/main">
+                      <a:effectLst>
+                        <a:outerShdw dist="35921" dir="2700000" algn="ctr" rotWithShape="0">
+                          <a:schemeClr val="bg2"/>
+                        </a:outerShdw>
+                      </a:effectLst>
+                    </a14:hiddenEffects>
+                  </a:ext>
+                </a:extLst>
+              </p:spPr>
+              <p:txBody>
+                <a:bodyPr wrap="none" anchor="ctr"/>
+                <a:lstStyle/>
+                <a:p>
+                  <a:endParaRPr lang="zh-CN" altLang="en-US"/>
+                </a:p>
+              </p:txBody>
+            </p:sp>
+            <p:sp>
+              <p:nvSpPr>
+                <p:cNvPr id="33" name="Oval 70"/>
+                <p:cNvSpPr>
+                  <a:spLocks noChangeArrowheads="1"/>
+                </p:cNvSpPr>
+                <p:nvPr/>
+              </p:nvSpPr>
+              <p:spPr bwMode="auto">
+                <a:xfrm>
+                  <a:off x="1969" y="1904"/>
+                  <a:ext cx="709" cy="708"/>
+                </a:xfrm>
+                <a:prstGeom prst="ellipse">
+                  <a:avLst/>
+                </a:prstGeom>
+                <a:gradFill rotWithShape="1">
+                  <a:gsLst>
+                    <a:gs pos="0">
+                      <a:srgbClr val="778DED"/>
+                    </a:gs>
+                    <a:gs pos="100000">
+                      <a:srgbClr val="778DED">
+                        <a:gamma/>
+                        <a:shade val="45882"/>
+                        <a:invGamma/>
+                      </a:srgbClr>
+                    </a:gs>
+                  </a:gsLst>
+                  <a:path path="rect">
+                    <a:fillToRect r="100000" b="100000"/>
+                  </a:path>
+                </a:gradFill>
+                <a:ln>
+                  <a:noFill/>
+                </a:ln>
+                <a:effectLst/>
+                <a:scene3d>
+                  <a:camera prst="orthographicFront"/>
+                  <a:lightRig rig="threePt" dir="t"/>
+                </a:scene3d>
+                <a:sp3d>
+                  <a:bevelT w="152400" h="50800" prst="softRound"/>
+                </a:sp3d>
+                <a:extLst>
+                  <a:ext uri="{91240B29-F687-4f45-9708-019B960494DF}">
+                    <a14:hiddenLine xmlns:a14="http://schemas.microsoft.com/office/drawing/2010/main" w="19050">
+                      <a:solidFill>
+                        <a:srgbClr val="FFFFFF"/>
+                      </a:solidFill>
+                      <a:round/>
+                      <a:headEnd/>
+                      <a:tailEnd/>
+                    </a14:hiddenLine>
+                  </a:ext>
+                  <a:ext uri="{AF507438-7753-43e0-B8FC-AC1667EBCBE1}">
+                    <a14:hiddenEffects xmlns:a14="http://schemas.microsoft.com/office/drawing/2010/main">
+                      <a:effectLst>
+                        <a:outerShdw dist="68392" dir="4091915" algn="ctr" rotWithShape="0">
+                          <a:srgbClr val="636395">
+                            <a:alpha val="50000"/>
+                          </a:srgbClr>
+                        </a:outerShdw>
+                      </a:effectLst>
+                    </a14:hiddenEffects>
+                  </a:ext>
+                </a:extLst>
+              </p:spPr>
+              <p:txBody>
+                <a:bodyPr wrap="none" anchor="ctr"/>
+                <a:lstStyle/>
+                <a:p>
+                  <a:pPr algn="ctr"/>
+                  <a:r>
+                    <a:rPr lang="zh-CN" altLang="en-US" sz="2000" dirty="0" smtClean="0">
+                      <a:solidFill>
+                        <a:srgbClr val="FFFFFF"/>
+                      </a:solidFill>
+                      <a:latin typeface="微软雅黑" pitchFamily="34" charset="-122"/>
+                      <a:ea typeface="微软雅黑" pitchFamily="34" charset="-122"/>
+                    </a:rPr>
+                    <a:t>渠道</a:t>
+                  </a:r>
+                  <a:endParaRPr lang="en-US" altLang="ko-KR" sz="2000" dirty="0">
+                    <a:solidFill>
+                      <a:srgbClr val="FFFFFF"/>
+                    </a:solidFill>
+                    <a:latin typeface="微软雅黑" pitchFamily="34" charset="-122"/>
+                    <a:ea typeface="微软雅黑" pitchFamily="34" charset="-122"/>
+                  </a:endParaRPr>
+                </a:p>
+              </p:txBody>
+            </p:sp>
+            <p:sp>
+              <p:nvSpPr>
+                <p:cNvPr id="34" name="Oval 71"/>
+                <p:cNvSpPr>
+                  <a:spLocks noChangeArrowheads="1"/>
+                </p:cNvSpPr>
+                <p:nvPr/>
+              </p:nvSpPr>
+              <p:spPr bwMode="auto">
+                <a:xfrm>
+                  <a:off x="2046" y="2000"/>
+                  <a:ext cx="163" cy="170"/>
+                </a:xfrm>
+                <a:prstGeom prst="ellipse">
+                  <a:avLst/>
+                </a:prstGeom>
+                <a:gradFill rotWithShape="1">
+                  <a:gsLst>
+                    <a:gs pos="0">
+                      <a:srgbClr val="FFFFFF">
+                        <a:alpha val="70000"/>
+                      </a:srgbClr>
+                    </a:gs>
+                    <a:gs pos="100000">
+                      <a:srgbClr val="FFFFFF">
+                        <a:gamma/>
+                        <a:tint val="0"/>
+                        <a:invGamma/>
+                        <a:alpha val="0"/>
+                      </a:srgbClr>
+                    </a:gs>
+                  </a:gsLst>
+                  <a:path path="shape">
+                    <a:fillToRect l="50000" t="50000" r="50000" b="50000"/>
+                  </a:path>
+                </a:gradFill>
+                <a:ln>
+                  <a:noFill/>
+                </a:ln>
+                <a:effectLst/>
+                <a:scene3d>
+                  <a:camera prst="orthographicFront"/>
+                  <a:lightRig rig="threePt" dir="t"/>
+                </a:scene3d>
+                <a:sp3d>
+                  <a:bevelT w="152400" h="50800" prst="softRound"/>
+                </a:sp3d>
+                <a:extLst>
+                  <a:ext uri="{91240B29-F687-4f45-9708-019B960494DF}">
+                    <a14:hiddenLine xmlns:a14="http://schemas.microsoft.com/office/drawing/2010/main" w="9525" algn="ctr">
+                      <a:solidFill>
+                        <a:srgbClr val="000000"/>
+                      </a:solidFill>
+                      <a:round/>
+                      <a:headEnd/>
+                      <a:tailEnd/>
+                    </a14:hiddenLine>
+                  </a:ext>
+                  <a:ext uri="{AF507438-7753-43e0-B8FC-AC1667EBCBE1}">
+                    <a14:hiddenEffects xmlns:a14="http://schemas.microsoft.com/office/drawing/2010/main">
+                      <a:effectLst>
+                        <a:outerShdw dist="35921" dir="2700000" algn="ctr" rotWithShape="0">
+                          <a:schemeClr val="bg2"/>
+                        </a:outerShdw>
+                      </a:effectLst>
+                    </a14:hiddenEffects>
+                  </a:ext>
+                </a:extLst>
+              </p:spPr>
+              <p:txBody>
+                <a:bodyPr wrap="none" anchor="ctr"/>
+                <a:lstStyle/>
+                <a:p>
+                  <a:endParaRPr lang="zh-CN" altLang="en-US"/>
+                </a:p>
+              </p:txBody>
+            </p:sp>
+          </p:grpSp>
+        </p:grpSp>
+        <p:cxnSp>
+          <p:nvCxnSpPr>
+            <p:cNvPr id="48" name="直接箭头连接符 25"/>
+            <p:cNvCxnSpPr/>
+            <p:nvPr/>
+          </p:nvCxnSpPr>
+          <p:spPr>
+            <a:xfrm>
+              <a:off x="5780119" y="3795974"/>
+              <a:ext cx="1240153" cy="457575"/>
+            </a:xfrm>
+            <a:prstGeom prst="straightConnector1">
+              <a:avLst/>
+            </a:prstGeom>
+            <a:ln w="19050">
+              <a:solidFill>
+                <a:schemeClr val="tx2">
+                  <a:lumMod val="60000"/>
+                  <a:lumOff val="40000"/>
+                </a:schemeClr>
+              </a:solidFill>
+              <a:prstDash val="dash"/>
+              <a:headEnd type="diamond" w="med" len="med"/>
+              <a:tailEnd type="triangle" w="med" len="med"/>
+            </a:ln>
+          </p:spPr>
+          <p:style>
+            <a:lnRef idx="1">
+              <a:schemeClr val="accent1"/>
+            </a:lnRef>
+            <a:fillRef idx="0">
+              <a:schemeClr val="accent1"/>
+            </a:fillRef>
+            <a:effectRef idx="0">
+              <a:schemeClr val="accent1"/>
+            </a:effectRef>
+            <a:fontRef idx="minor">
+              <a:schemeClr val="tx1"/>
+            </a:fontRef>
+          </p:style>
+        </p:cxnSp>
+        <p:cxnSp>
+          <p:nvCxnSpPr>
+            <p:cNvPr id="49" name="直接箭头连接符 27"/>
+            <p:cNvCxnSpPr/>
+            <p:nvPr/>
+          </p:nvCxnSpPr>
+          <p:spPr>
+            <a:xfrm flipV="1">
+              <a:off x="5276152" y="2156018"/>
+              <a:ext cx="849122" cy="263231"/>
+            </a:xfrm>
+            <a:prstGeom prst="straightConnector1">
+              <a:avLst/>
+            </a:prstGeom>
+            <a:ln w="19050">
+              <a:solidFill>
+                <a:schemeClr val="tx2">
+                  <a:lumMod val="60000"/>
+                  <a:lumOff val="40000"/>
+                </a:schemeClr>
+              </a:solidFill>
+              <a:prstDash val="dash"/>
+              <a:headEnd type="diamond" w="med" len="med"/>
+              <a:tailEnd type="triangle" w="med" len="med"/>
+            </a:ln>
+          </p:spPr>
+          <p:style>
+            <a:lnRef idx="1">
+              <a:schemeClr val="accent1"/>
+            </a:lnRef>
+            <a:fillRef idx="0">
+              <a:schemeClr val="accent1"/>
+            </a:fillRef>
+            <a:effectRef idx="0">
+              <a:schemeClr val="accent1"/>
+            </a:effectRef>
+            <a:fontRef idx="minor">
+              <a:schemeClr val="tx1"/>
+            </a:fontRef>
+          </p:style>
+        </p:cxnSp>
+        <p:cxnSp>
+          <p:nvCxnSpPr>
+            <p:cNvPr id="50" name="直接箭头连接符 29"/>
+            <p:cNvCxnSpPr/>
+            <p:nvPr/>
+          </p:nvCxnSpPr>
+          <p:spPr>
+            <a:xfrm flipH="1" flipV="1">
+              <a:off x="3178808" y="1628800"/>
+              <a:ext cx="613851" cy="527220"/>
+            </a:xfrm>
+            <a:prstGeom prst="straightConnector1">
+              <a:avLst/>
+            </a:prstGeom>
+            <a:ln w="19050">
+              <a:solidFill>
+                <a:schemeClr val="tx2">
+                  <a:lumMod val="60000"/>
+                  <a:lumOff val="40000"/>
+                </a:schemeClr>
+              </a:solidFill>
+              <a:prstDash val="dash"/>
+              <a:headEnd type="diamond" w="med" len="med"/>
+              <a:tailEnd type="triangle" w="med" len="med"/>
+            </a:ln>
+          </p:spPr>
+          <p:style>
+            <a:lnRef idx="1">
+              <a:schemeClr val="accent1"/>
+            </a:lnRef>
+            <a:fillRef idx="0">
+              <a:schemeClr val="accent1"/>
+            </a:fillRef>
+            <a:effectRef idx="0">
+              <a:schemeClr val="accent1"/>
+            </a:effectRef>
+            <a:fontRef idx="minor">
+              <a:schemeClr val="tx1"/>
+            </a:fontRef>
+          </p:style>
+        </p:cxnSp>
+        <p:cxnSp>
+          <p:nvCxnSpPr>
+            <p:cNvPr id="51" name="直接箭头连接符 31"/>
+            <p:cNvCxnSpPr/>
+            <p:nvPr/>
+          </p:nvCxnSpPr>
+          <p:spPr>
+            <a:xfrm flipH="1" flipV="1">
+              <a:off x="1897028" y="3301340"/>
+              <a:ext cx="882173" cy="56530"/>
+            </a:xfrm>
+            <a:prstGeom prst="straightConnector1">
+              <a:avLst/>
+            </a:prstGeom>
+            <a:ln w="19050">
+              <a:solidFill>
+                <a:schemeClr val="tx2">
+                  <a:lumMod val="60000"/>
+                  <a:lumOff val="40000"/>
+                </a:schemeClr>
+              </a:solidFill>
+              <a:prstDash val="dash"/>
+              <a:headEnd type="diamond" w="med" len="med"/>
+              <a:tailEnd type="triangle" w="med" len="med"/>
+            </a:ln>
+          </p:spPr>
+          <p:style>
+            <a:lnRef idx="1">
+              <a:schemeClr val="accent1"/>
+            </a:lnRef>
+            <a:fillRef idx="0">
+              <a:schemeClr val="accent1"/>
+            </a:fillRef>
+            <a:effectRef idx="0">
+              <a:schemeClr val="accent1"/>
+            </a:effectRef>
+            <a:fontRef idx="minor">
+              <a:schemeClr val="tx1"/>
+            </a:fontRef>
+          </p:style>
+        </p:cxnSp>
+        <p:cxnSp>
+          <p:nvCxnSpPr>
+            <p:cNvPr id="52" name="直接箭头连接符 33"/>
+            <p:cNvCxnSpPr/>
+            <p:nvPr/>
+          </p:nvCxnSpPr>
+          <p:spPr>
+            <a:xfrm flipH="1">
+              <a:off x="2051720" y="4700000"/>
+              <a:ext cx="1028925" cy="472579"/>
+            </a:xfrm>
+            <a:prstGeom prst="straightConnector1">
+              <a:avLst/>
+            </a:prstGeom>
+            <a:ln w="19050">
+              <a:solidFill>
+                <a:schemeClr val="tx2">
+                  <a:lumMod val="60000"/>
+                  <a:lumOff val="40000"/>
+                </a:schemeClr>
+              </a:solidFill>
+              <a:prstDash val="dash"/>
+              <a:headEnd type="diamond" w="med" len="med"/>
+              <a:tailEnd type="triangle" w="med" len="med"/>
+            </a:ln>
+          </p:spPr>
+          <p:style>
+            <a:lnRef idx="1">
+              <a:schemeClr val="accent1"/>
+            </a:lnRef>
+            <a:fillRef idx="0">
+              <a:schemeClr val="accent1"/>
+            </a:fillRef>
+            <a:effectRef idx="0">
+              <a:schemeClr val="accent1"/>
+            </a:effectRef>
+            <a:fontRef idx="minor">
+              <a:schemeClr val="tx1"/>
+            </a:fontRef>
+          </p:style>
+        </p:cxnSp>
+        <p:sp>
+          <p:nvSpPr>
+            <p:cNvPr id="53" name="TextBox 36"/>
+            <p:cNvSpPr txBox="1"/>
+            <p:nvPr/>
+          </p:nvSpPr>
+          <p:spPr>
+            <a:xfrm>
+              <a:off x="437814" y="2874164"/>
+              <a:ext cx="1280580" cy="338554"/>
+            </a:xfrm>
+            <a:prstGeom prst="rect">
+              <a:avLst/>
+            </a:prstGeom>
+            <a:noFill/>
+          </p:spPr>
+          <p:txBody>
+            <a:bodyPr wrap="square" rtlCol="0">
+              <a:spAutoFit/>
+            </a:bodyPr>
+            <a:lstStyle/>
+            <a:p>
+              <a:r>
+                <a:rPr lang="zh-CN" altLang="en-US" sz="1600" b="1" dirty="0" smtClean="0">
+                  <a:solidFill>
+                    <a:schemeClr val="accent2">
+                      <a:lumMod val="75000"/>
+                    </a:schemeClr>
+                  </a:solidFill>
+                  <a:latin typeface="微软雅黑" pitchFamily="34" charset="-122"/>
+                  <a:ea typeface="微软雅黑" pitchFamily="34" charset="-122"/>
+                </a:rPr>
+                <a:t>用户差异</a:t>
+              </a:r>
+              <a:endParaRPr lang="zh-CN" altLang="en-US" sz="1600" b="1" dirty="0">
+                <a:solidFill>
+                  <a:schemeClr val="accent2">
+                    <a:lumMod val="75000"/>
+                  </a:schemeClr>
+                </a:solidFill>
+                <a:latin typeface="微软雅黑" pitchFamily="34" charset="-122"/>
+                <a:ea typeface="微软雅黑" pitchFamily="34" charset="-122"/>
+              </a:endParaRPr>
+            </a:p>
+          </p:txBody>
+        </p:sp>
+        <p:sp>
+          <p:nvSpPr>
+            <p:cNvPr id="54" name="TextBox 37"/>
+            <p:cNvSpPr txBox="1"/>
+            <p:nvPr/>
+          </p:nvSpPr>
+          <p:spPr>
+            <a:xfrm>
+              <a:off x="439397" y="3216318"/>
+              <a:ext cx="1781446" cy="361637"/>
+            </a:xfrm>
+            <a:prstGeom prst="rect">
+              <a:avLst/>
+            </a:prstGeom>
+            <a:noFill/>
+          </p:spPr>
+          <p:txBody>
+            <a:bodyPr wrap="square" rtlCol="0">
+              <a:spAutoFit/>
+            </a:bodyPr>
+            <a:lstStyle/>
+            <a:p>
+              <a:pPr>
+                <a:lnSpc>
+                  <a:spcPct val="130000"/>
+                </a:lnSpc>
+              </a:pPr>
+              <a:r>
+                <a:rPr lang="en-US" altLang="zh-CN" sz="1400" dirty="0" smtClean="0">
+                  <a:solidFill>
+                    <a:srgbClr val="77AF13"/>
+                  </a:solidFill>
+                  <a:latin typeface="微软雅黑" pitchFamily="34" charset="-122"/>
+                  <a:ea typeface="微软雅黑" pitchFamily="34" charset="-122"/>
+                </a:rPr>
+                <a:t>    </a:t>
+              </a:r>
+              <a:r>
+                <a:rPr lang="zh-CN" altLang="en-US" sz="1400" dirty="0" smtClean="0">
+                  <a:solidFill>
+                    <a:srgbClr val="77AF13"/>
+                  </a:solidFill>
+                  <a:latin typeface="微软雅黑" pitchFamily="34" charset="-122"/>
+                  <a:ea typeface="微软雅黑" pitchFamily="34" charset="-122"/>
+                </a:rPr>
+                <a:t>身份</a:t>
+              </a:r>
+              <a:r>
+                <a:rPr lang="en-US" altLang="zh-CN" sz="1400" dirty="0" smtClean="0">
+                  <a:solidFill>
+                    <a:srgbClr val="77AF13"/>
+                  </a:solidFill>
+                  <a:latin typeface="微软雅黑" pitchFamily="34" charset="-122"/>
+                  <a:ea typeface="微软雅黑" pitchFamily="34" charset="-122"/>
+                </a:rPr>
+                <a:t> </a:t>
+              </a:r>
+              <a:r>
+                <a:rPr lang="zh-CN" altLang="en-US" sz="1400" dirty="0" smtClean="0">
+                  <a:solidFill>
+                    <a:srgbClr val="77AF13"/>
+                  </a:solidFill>
+                  <a:latin typeface="微软雅黑" pitchFamily="34" charset="-122"/>
+                  <a:ea typeface="微软雅黑" pitchFamily="34" charset="-122"/>
+                </a:rPr>
+                <a:t>游客／会员</a:t>
+              </a:r>
+              <a:endParaRPr lang="en-US" altLang="zh-CN" sz="1400" dirty="0" smtClean="0">
+                <a:solidFill>
+                  <a:srgbClr val="77AF13"/>
+                </a:solidFill>
+                <a:latin typeface="微软雅黑" pitchFamily="34" charset="-122"/>
+                <a:ea typeface="微软雅黑" pitchFamily="34" charset="-122"/>
+              </a:endParaRPr>
+            </a:p>
+          </p:txBody>
+        </p:sp>
+        <p:sp>
+          <p:nvSpPr>
+            <p:cNvPr id="55" name="TextBox 38"/>
+            <p:cNvSpPr txBox="1"/>
+            <p:nvPr/>
+          </p:nvSpPr>
+          <p:spPr>
+            <a:xfrm>
+              <a:off x="553697" y="5003302"/>
+              <a:ext cx="1280580" cy="338554"/>
+            </a:xfrm>
+            <a:prstGeom prst="rect">
+              <a:avLst/>
+            </a:prstGeom>
+            <a:noFill/>
+          </p:spPr>
+          <p:txBody>
+            <a:bodyPr wrap="square" rtlCol="0">
+              <a:spAutoFit/>
+            </a:bodyPr>
+            <a:lstStyle/>
+            <a:p>
+              <a:r>
+                <a:rPr lang="zh-CN" altLang="en-US" sz="1600" b="1" dirty="0" smtClean="0">
+                  <a:solidFill>
+                    <a:schemeClr val="accent6">
+                      <a:lumMod val="60000"/>
+                      <a:lumOff val="40000"/>
+                    </a:schemeClr>
+                  </a:solidFill>
+                  <a:latin typeface="微软雅黑" pitchFamily="34" charset="-122"/>
+                  <a:ea typeface="微软雅黑" pitchFamily="34" charset="-122"/>
+                </a:rPr>
+                <a:t>渠道差异</a:t>
+              </a:r>
+              <a:endParaRPr lang="zh-CN" altLang="en-US" sz="1600" b="1" dirty="0">
+                <a:solidFill>
+                  <a:schemeClr val="accent6">
+                    <a:lumMod val="60000"/>
+                    <a:lumOff val="40000"/>
+                  </a:schemeClr>
+                </a:solidFill>
+                <a:latin typeface="微软雅黑" pitchFamily="34" charset="-122"/>
+                <a:ea typeface="微软雅黑" pitchFamily="34" charset="-122"/>
+              </a:endParaRPr>
+            </a:p>
+          </p:txBody>
+        </p:sp>
+        <p:sp>
+          <p:nvSpPr>
+            <p:cNvPr id="57" name="TextBox 40"/>
+            <p:cNvSpPr txBox="1"/>
+            <p:nvPr/>
+          </p:nvSpPr>
+          <p:spPr>
+            <a:xfrm>
+              <a:off x="1656932" y="979268"/>
+              <a:ext cx="1280580" cy="338554"/>
+            </a:xfrm>
+            <a:prstGeom prst="rect">
+              <a:avLst/>
+            </a:prstGeom>
+            <a:noFill/>
+          </p:spPr>
+          <p:txBody>
+            <a:bodyPr wrap="square" rtlCol="0">
+              <a:spAutoFit/>
+            </a:bodyPr>
+            <a:lstStyle/>
+            <a:p>
+              <a:r>
+                <a:rPr lang="zh-CN" altLang="en-US" sz="1600" b="1" dirty="0" smtClean="0">
+                  <a:solidFill>
+                    <a:schemeClr val="accent3">
+                      <a:lumMod val="40000"/>
+                      <a:lumOff val="60000"/>
+                    </a:schemeClr>
+                  </a:solidFill>
+                  <a:latin typeface="微软雅黑" pitchFamily="34" charset="-122"/>
+                  <a:ea typeface="微软雅黑" pitchFamily="34" charset="-122"/>
+                </a:rPr>
+                <a:t>时间线</a:t>
+              </a:r>
+              <a:endParaRPr lang="zh-CN" altLang="en-US" sz="1600" b="1" dirty="0">
+                <a:solidFill>
+                  <a:schemeClr val="accent3">
+                    <a:lumMod val="40000"/>
+                    <a:lumOff val="60000"/>
+                  </a:schemeClr>
+                </a:solidFill>
+                <a:latin typeface="微软雅黑" pitchFamily="34" charset="-122"/>
+                <a:ea typeface="微软雅黑" pitchFamily="34" charset="-122"/>
+              </a:endParaRPr>
+            </a:p>
+          </p:txBody>
+        </p:sp>
+        <p:sp>
+          <p:nvSpPr>
+            <p:cNvPr id="58" name="TextBox 41"/>
+            <p:cNvSpPr txBox="1"/>
+            <p:nvPr/>
+          </p:nvSpPr>
+          <p:spPr>
+            <a:xfrm>
+              <a:off x="1656932" y="1340244"/>
+              <a:ext cx="1781446" cy="361637"/>
+            </a:xfrm>
+            <a:prstGeom prst="rect">
+              <a:avLst/>
+            </a:prstGeom>
+            <a:noFill/>
+          </p:spPr>
+          <p:txBody>
+            <a:bodyPr wrap="square" rtlCol="0">
+              <a:spAutoFit/>
+            </a:bodyPr>
+            <a:lstStyle/>
+            <a:p>
+              <a:pPr>
+                <a:lnSpc>
+                  <a:spcPct val="130000"/>
+                </a:lnSpc>
+              </a:pPr>
+              <a:r>
+                <a:rPr lang="en-US" altLang="zh-CN" sz="1400" dirty="0" smtClean="0">
+                  <a:solidFill>
+                    <a:srgbClr val="9AD1F9"/>
+                  </a:solidFill>
+                  <a:latin typeface="微软雅黑" pitchFamily="34" charset="-122"/>
+                  <a:ea typeface="微软雅黑" pitchFamily="34" charset="-122"/>
+                </a:rPr>
+                <a:t>    </a:t>
+              </a:r>
+              <a:r>
+                <a:rPr lang="zh-CN" altLang="en-US" sz="1400" dirty="0" smtClean="0">
+                  <a:solidFill>
+                    <a:srgbClr val="9AD1F9"/>
+                  </a:solidFill>
+                  <a:latin typeface="微软雅黑" pitchFamily="34" charset="-122"/>
+                  <a:ea typeface="微软雅黑" pitchFamily="34" charset="-122"/>
+                </a:rPr>
+                <a:t>数据时间标记</a:t>
+              </a:r>
+              <a:endParaRPr lang="en-US" altLang="zh-CN" sz="1400" dirty="0" smtClean="0">
+                <a:solidFill>
+                  <a:srgbClr val="9AD1F9"/>
+                </a:solidFill>
+                <a:latin typeface="微软雅黑" pitchFamily="34" charset="-122"/>
+                <a:ea typeface="微软雅黑" pitchFamily="34" charset="-122"/>
+              </a:endParaRPr>
+            </a:p>
+          </p:txBody>
+        </p:sp>
+        <p:sp>
+          <p:nvSpPr>
+            <p:cNvPr id="59" name="TextBox 43"/>
+            <p:cNvSpPr txBox="1"/>
+            <p:nvPr/>
+          </p:nvSpPr>
+          <p:spPr>
+            <a:xfrm>
+              <a:off x="6292628" y="1752856"/>
+              <a:ext cx="1280580" cy="338554"/>
+            </a:xfrm>
+            <a:prstGeom prst="rect">
+              <a:avLst/>
+            </a:prstGeom>
+            <a:noFill/>
+          </p:spPr>
+          <p:txBody>
+            <a:bodyPr wrap="square" rtlCol="0">
+              <a:spAutoFit/>
+            </a:bodyPr>
+            <a:lstStyle/>
+            <a:p>
+              <a:r>
+                <a:rPr lang="zh-CN" altLang="en-US" sz="1600" b="1" dirty="0" smtClean="0">
+                  <a:solidFill>
+                    <a:schemeClr val="accent1">
+                      <a:lumMod val="75000"/>
+                    </a:schemeClr>
+                  </a:solidFill>
+                  <a:latin typeface="微软雅黑" pitchFamily="34" charset="-122"/>
+                  <a:ea typeface="微软雅黑" pitchFamily="34" charset="-122"/>
+                </a:rPr>
+                <a:t>分拣</a:t>
+              </a:r>
+              <a:endParaRPr lang="zh-CN" altLang="en-US" sz="1600" b="1" dirty="0">
+                <a:solidFill>
+                  <a:schemeClr val="accent1">
+                    <a:lumMod val="75000"/>
+                  </a:schemeClr>
+                </a:solidFill>
+                <a:latin typeface="微软雅黑" pitchFamily="34" charset="-122"/>
+                <a:ea typeface="微软雅黑" pitchFamily="34" charset="-122"/>
+              </a:endParaRPr>
+            </a:p>
+          </p:txBody>
+        </p:sp>
+        <p:sp>
+          <p:nvSpPr>
+            <p:cNvPr id="60" name="TextBox 44"/>
+            <p:cNvSpPr txBox="1"/>
+            <p:nvPr/>
+          </p:nvSpPr>
+          <p:spPr>
+            <a:xfrm>
+              <a:off x="6314508" y="2083287"/>
+              <a:ext cx="1908074" cy="641714"/>
+            </a:xfrm>
+            <a:prstGeom prst="rect">
+              <a:avLst/>
+            </a:prstGeom>
+            <a:noFill/>
+          </p:spPr>
+          <p:txBody>
+            <a:bodyPr wrap="square" rtlCol="0">
+              <a:spAutoFit/>
+            </a:bodyPr>
+            <a:lstStyle/>
+            <a:p>
+              <a:pPr>
+                <a:lnSpc>
+                  <a:spcPct val="130000"/>
+                </a:lnSpc>
+              </a:pPr>
+              <a:r>
+                <a:rPr lang="en-US" altLang="zh-CN" sz="1400" dirty="0" smtClean="0">
+                  <a:solidFill>
+                    <a:srgbClr val="B5A306"/>
+                  </a:solidFill>
+                  <a:latin typeface="微软雅黑" pitchFamily="34" charset="-122"/>
+                  <a:ea typeface="微软雅黑" pitchFamily="34" charset="-122"/>
+                </a:rPr>
+                <a:t>    </a:t>
+              </a:r>
+              <a:r>
+                <a:rPr lang="zh-CN" altLang="en-US" sz="1400" dirty="0" smtClean="0">
+                  <a:solidFill>
+                    <a:srgbClr val="B5A306"/>
+                  </a:solidFill>
+                  <a:latin typeface="微软雅黑" pitchFamily="34" charset="-122"/>
+                  <a:ea typeface="微软雅黑" pitchFamily="34" charset="-122"/>
+                </a:rPr>
+                <a:t>用户操作分类</a:t>
+              </a:r>
+              <a:r>
+                <a:rPr lang="en-US" altLang="zh-CN" sz="1400" dirty="0" smtClean="0">
+                  <a:solidFill>
+                    <a:srgbClr val="B5A306"/>
+                  </a:solidFill>
+                  <a:latin typeface="微软雅黑" pitchFamily="34" charset="-122"/>
+                  <a:ea typeface="微软雅黑" pitchFamily="34" charset="-122"/>
+                </a:rPr>
+                <a:t> </a:t>
+              </a:r>
+            </a:p>
+            <a:p>
+              <a:pPr>
+                <a:lnSpc>
+                  <a:spcPct val="130000"/>
+                </a:lnSpc>
+              </a:pPr>
+              <a:r>
+                <a:rPr lang="en-US" altLang="zh-CN" sz="1400" dirty="0">
+                  <a:solidFill>
+                    <a:srgbClr val="B5A306"/>
+                  </a:solidFill>
+                  <a:latin typeface="微软雅黑" pitchFamily="34" charset="-122"/>
+                  <a:ea typeface="微软雅黑" pitchFamily="34" charset="-122"/>
+                </a:rPr>
+                <a:t> </a:t>
+              </a:r>
+              <a:r>
+                <a:rPr lang="en-US" altLang="zh-CN" sz="1400" dirty="0" smtClean="0">
+                  <a:solidFill>
+                    <a:srgbClr val="B5A306"/>
+                  </a:solidFill>
+                  <a:latin typeface="微软雅黑" pitchFamily="34" charset="-122"/>
+                  <a:ea typeface="微软雅黑" pitchFamily="34" charset="-122"/>
+                </a:rPr>
+                <a:t>   </a:t>
+              </a:r>
+              <a:r>
+                <a:rPr lang="zh-CN" altLang="en-US" sz="1400" dirty="0" smtClean="0">
+                  <a:solidFill>
+                    <a:srgbClr val="B5A306"/>
+                  </a:solidFill>
+                  <a:latin typeface="微软雅黑" pitchFamily="34" charset="-122"/>
+                  <a:ea typeface="微软雅黑" pitchFamily="34" charset="-122"/>
+                </a:rPr>
+                <a:t>交易／轨迹／反馈</a:t>
+              </a:r>
+              <a:endParaRPr lang="en-US" altLang="zh-CN" sz="1400" dirty="0">
+                <a:solidFill>
+                  <a:srgbClr val="B5A306"/>
+                </a:solidFill>
+                <a:latin typeface="微软雅黑" pitchFamily="34" charset="-122"/>
+                <a:ea typeface="微软雅黑" pitchFamily="34" charset="-122"/>
+              </a:endParaRPr>
+            </a:p>
+          </p:txBody>
+        </p:sp>
+        <p:sp>
+          <p:nvSpPr>
+            <p:cNvPr id="61" name="TextBox 45"/>
+            <p:cNvSpPr txBox="1"/>
+            <p:nvPr/>
+          </p:nvSpPr>
+          <p:spPr>
+            <a:xfrm>
+              <a:off x="6942002" y="3933056"/>
+              <a:ext cx="1280580" cy="338554"/>
+            </a:xfrm>
+            <a:prstGeom prst="rect">
+              <a:avLst/>
+            </a:prstGeom>
+            <a:noFill/>
+          </p:spPr>
+          <p:txBody>
+            <a:bodyPr wrap="square" rtlCol="0">
+              <a:spAutoFit/>
+            </a:bodyPr>
+            <a:lstStyle/>
+            <a:p>
+              <a:r>
+                <a:rPr lang="zh-CN" altLang="en-US" sz="1600" b="1" dirty="0" smtClean="0">
+                  <a:solidFill>
+                    <a:schemeClr val="accent5">
+                      <a:lumMod val="75000"/>
+                    </a:schemeClr>
+                  </a:solidFill>
+                  <a:latin typeface="微软雅黑" pitchFamily="34" charset="-122"/>
+                  <a:ea typeface="微软雅黑" pitchFamily="34" charset="-122"/>
+                </a:rPr>
+                <a:t>分析挖掘</a:t>
+              </a:r>
+              <a:endParaRPr lang="zh-CN" altLang="en-US" sz="1600" b="1" dirty="0">
+                <a:solidFill>
+                  <a:schemeClr val="accent5">
+                    <a:lumMod val="75000"/>
+                  </a:schemeClr>
+                </a:solidFill>
+                <a:latin typeface="微软雅黑" pitchFamily="34" charset="-122"/>
+                <a:ea typeface="微软雅黑" pitchFamily="34" charset="-122"/>
+              </a:endParaRPr>
+            </a:p>
+          </p:txBody>
+        </p:sp>
+        <p:sp>
+          <p:nvSpPr>
+            <p:cNvPr id="62" name="TextBox 46"/>
+            <p:cNvSpPr txBox="1"/>
+            <p:nvPr/>
+          </p:nvSpPr>
+          <p:spPr>
+            <a:xfrm>
+              <a:off x="6900382" y="4263487"/>
+              <a:ext cx="2091218" cy="641714"/>
+            </a:xfrm>
+            <a:prstGeom prst="rect">
+              <a:avLst/>
+            </a:prstGeom>
+            <a:noFill/>
+          </p:spPr>
+          <p:txBody>
+            <a:bodyPr wrap="square" rtlCol="0">
+              <a:spAutoFit/>
+            </a:bodyPr>
+            <a:lstStyle/>
+            <a:p>
+              <a:pPr>
+                <a:lnSpc>
+                  <a:spcPct val="130000"/>
+                </a:lnSpc>
+              </a:pPr>
+              <a:r>
+                <a:rPr lang="en-US" altLang="zh-CN" sz="1400" dirty="0" smtClean="0">
+                  <a:solidFill>
+                    <a:srgbClr val="A95306"/>
+                  </a:solidFill>
+                  <a:latin typeface="微软雅黑" pitchFamily="34" charset="-122"/>
+                  <a:ea typeface="微软雅黑" pitchFamily="34" charset="-122"/>
+                </a:rPr>
+                <a:t>     </a:t>
+              </a:r>
+              <a:r>
+                <a:rPr lang="zh-CN" altLang="en-US" sz="1400" dirty="0" smtClean="0">
+                  <a:solidFill>
+                    <a:srgbClr val="A95306"/>
+                  </a:solidFill>
+                  <a:latin typeface="微软雅黑" pitchFamily="34" charset="-122"/>
+                  <a:ea typeface="微软雅黑" pitchFamily="34" charset="-122"/>
+                </a:rPr>
+                <a:t>分析数据间直接关系</a:t>
+              </a:r>
+              <a:endParaRPr lang="en-US" altLang="zh-CN" sz="1400" dirty="0" smtClean="0">
+                <a:solidFill>
+                  <a:srgbClr val="A95306"/>
+                </a:solidFill>
+                <a:latin typeface="微软雅黑" pitchFamily="34" charset="-122"/>
+                <a:ea typeface="微软雅黑" pitchFamily="34" charset="-122"/>
+              </a:endParaRPr>
+            </a:p>
+            <a:p>
+              <a:pPr>
+                <a:lnSpc>
+                  <a:spcPct val="130000"/>
+                </a:lnSpc>
+              </a:pPr>
+              <a:r>
+                <a:rPr lang="en-US" altLang="zh-CN" sz="1400" dirty="0" smtClean="0">
+                  <a:solidFill>
+                    <a:srgbClr val="A95306"/>
+                  </a:solidFill>
+                  <a:latin typeface="微软雅黑" pitchFamily="34" charset="-122"/>
+                  <a:ea typeface="微软雅黑" pitchFamily="34" charset="-122"/>
+                </a:rPr>
+                <a:t>     </a:t>
+              </a:r>
+              <a:r>
+                <a:rPr lang="zh-CN" altLang="en-US" sz="1400" dirty="0" smtClean="0">
+                  <a:solidFill>
+                    <a:srgbClr val="A95306"/>
+                  </a:solidFill>
+                  <a:latin typeface="微软雅黑" pitchFamily="34" charset="-122"/>
+                  <a:ea typeface="微软雅黑" pitchFamily="34" charset="-122"/>
+                </a:rPr>
+                <a:t>挖掘数据间关联关系</a:t>
+              </a:r>
+              <a:endParaRPr lang="en-US" altLang="zh-CN" sz="1400" dirty="0">
+                <a:solidFill>
+                  <a:srgbClr val="A95306"/>
+                </a:solidFill>
+                <a:latin typeface="微软雅黑" pitchFamily="34" charset="-122"/>
+                <a:ea typeface="微软雅黑" pitchFamily="34" charset="-122"/>
+              </a:endParaRPr>
+            </a:p>
+          </p:txBody>
+        </p:sp>
+      </p:grpSp>
+    </p:spTree>
+    <p:extLst>
+      <p:ext uri="{BB962C8B-B14F-4D97-AF65-F5344CB8AC3E}">
+        <p14:creationId xmlns:p14="http://schemas.microsoft.com/office/powerpoint/2010/main" val="3442433045"/>
+      </p:ext>
+    </p:extLst>
+  </p:cSld>
+  <p:clrMapOvr>
+    <a:masterClrMapping/>
+  </p:clrMapOvr>
+  <p:timing>
+    <p:tnLst>
+      <p:par>
+        <p:cTn xmlns:p14="http://schemas.microsoft.com/office/powerpoint/2010/main" id="1" dur="indefinite" restart="never" nodeType="tmRoot"/>
+      </p:par>
+    </p:tnLst>
+  </p:timing>
+</p:sld>
+</file>
+
+<file path=ppt/slides/slide6.xml><?xml version="1.0" encoding="utf-8"?>
+<p:sld xmlns:a="http://schemas.openxmlformats.org/drawingml/2006/main" xmlns:r="http://schemas.openxmlformats.org/officeDocument/2006/relationships" xmlns:p="http://schemas.openxmlformats.org/presentationml/2006/main">
+  <p:cSld>
+    <p:spTree>
+      <p:nvGrpSpPr>
+        <p:cNvPr id="1" name=""/>
+        <p:cNvGrpSpPr/>
+        <p:nvPr/>
+      </p:nvGrpSpPr>
+      <p:grpSpPr>
+        <a:xfrm>
+          <a:off x="0" y="0"/>
+          <a:ext cx="0" cy="0"/>
+          <a:chOff x="0" y="0"/>
+          <a:chExt cx="0" cy="0"/>
+        </a:xfrm>
+      </p:grpSpPr>
       <p:sp>
         <p:nvSpPr>
           <p:cNvPr id="6" name="文本框 5"/>
@@ -18529,21 +21363,35 @@
             </a:pPr>
             <a:r>
               <a:rPr lang="zh-CN" altLang="en-US" dirty="0" smtClean="0">
+                <a:solidFill>
+                  <a:srgbClr val="FFFFFF"/>
+                </a:solidFill>
                 <a:sym typeface="Zapf Dingbats"/>
               </a:rPr>
               <a:t>✓</a:t>
             </a:r>
             <a:r>
               <a:rPr lang="en-US" altLang="zh-CN" dirty="0" smtClean="0">
+                <a:solidFill>
+                  <a:srgbClr val="FFFFFF"/>
+                </a:solidFill>
                 <a:sym typeface="Zapf Dingbats"/>
               </a:rPr>
               <a:t> </a:t>
             </a:r>
             <a:r>
-              <a:rPr lang="zh-CN" altLang="en-US" dirty="0"/>
+              <a:rPr lang="zh-CN" altLang="en-US" dirty="0">
+                <a:solidFill>
+                  <a:srgbClr val="FFFFFF"/>
+                </a:solidFill>
+              </a:rPr>
               <a:t>系统建立了丰富的行为、业务数据模型，例如资产、圈子</a:t>
             </a:r>
-            <a:endParaRPr lang="en-US" altLang="zh-CN" dirty="0"/>
+            <a:endParaRPr lang="en-US" altLang="zh-CN" dirty="0">
+              <a:solidFill>
+                <a:srgbClr val="FFFFFF"/>
+              </a:solidFill>
+            </a:endParaRPr>
           </a:p>
           <a:p>
             <a:pPr>
@@ -18553,21 +21401,35 @@
             </a:pPr>
             <a:r>
               <a:rPr lang="zh-CN" altLang="en-US" dirty="0">
+                <a:solidFill>
+                  <a:srgbClr val="FFFFFF"/>
+                </a:solidFill>
                 <a:sym typeface="Zapf Dingbats"/>
               </a:rPr>
               <a:t>✓</a:t>
             </a:r>
             <a:r>
               <a:rPr lang="en-US" altLang="zh-CN" dirty="0">
+                <a:solidFill>
+                  <a:srgbClr val="FFFFFF"/>
+                </a:solidFill>
                 <a:sym typeface="Zapf Dingbats"/>
               </a:rPr>
               <a:t> </a:t>
             </a:r>
             <a:r>
-              <a:rPr lang="zh-CN" altLang="en-US" dirty="0"/>
+              <a:rPr lang="zh-CN" altLang="en-US" dirty="0">
+                <a:solidFill>
+                  <a:srgbClr val="FFFFFF"/>
+                </a:solidFill>
+              </a:rPr>
               <a:t>随着数据积累，用户画像逐渐清晰</a:t>
             </a:r>
-            <a:endParaRPr lang="en-US" altLang="zh-CN" dirty="0"/>
+            <a:endParaRPr lang="en-US" altLang="zh-CN" dirty="0">
+              <a:solidFill>
+                <a:srgbClr val="FFFFFF"/>
+              </a:solidFill>
+            </a:endParaRPr>
           </a:p>
         </p:txBody>
       </p:sp>
@@ -18652,8 +21514,8 @@
         </p:nvGrpSpPr>
         <p:grpSpPr>
           <a:xfrm>
-            <a:off x="1066119" y="507599"/>
-            <a:ext cx="7037709" cy="5348831"/>
+            <a:off x="1066120" y="507599"/>
+            <a:ext cx="6704238" cy="5131201"/>
             <a:chOff x="901700" y="664796"/>
             <a:chExt cx="6968668" cy="5348831"/>
           </a:xfrm>
@@ -19605,7 +22467,7 @@
     </p:spTree>
     <p:extLst>
       <p:ext uri="{BB962C8B-B14F-4D97-AF65-F5344CB8AC3E}">
-        <p14:creationId xmlns:p14="http://schemas.microsoft.com/office/powerpoint/2010/main" val="4195006285"/>
+        <p14:creationId xmlns:p14="http://schemas.microsoft.com/office/powerpoint/2010/main" val="4134981965"/>
       </p:ext>
     </p:extLst>
   </p:cSld>
@@ -19622,7 +22484,7 @@
 </p:sld>
 </file>
 
-<file path=ppt/slides/slide6.xml><?xml version="1.0" encoding="utf-8"?>
+<file path=ppt/slides/slide7.xml><?xml version="1.0" encoding="utf-8"?>
 <p:sld xmlns:a="http://schemas.openxmlformats.org/drawingml/2006/main" xmlns:r="http://schemas.openxmlformats.org/officeDocument/2006/relationships" xmlns:p="http://schemas.openxmlformats.org/presentationml/2006/main">
   <p:cSld>
     <p:spTree>
@@ -19669,7 +22531,7 @@
             <a:r>
               <a:rPr kumimoji="1" lang="zh-CN" altLang="en-US" sz="1600" dirty="0" smtClean="0">
                 <a:solidFill>
-                  <a:srgbClr val="BFBFBF"/>
+                  <a:srgbClr val="FFFFFF"/>
                 </a:solidFill>
                 <a:latin typeface="Zapf Dingbats"/>
                 <a:ea typeface="Zapf Dingbats"/>
@@ -19681,7 +22543,7 @@
             <a:r>
               <a:rPr kumimoji="1" lang="en-US" altLang="zh-CN" sz="1600" dirty="0" smtClean="0">
                 <a:solidFill>
-                  <a:srgbClr val="BFBFBF"/>
+                  <a:srgbClr val="FFFFFF"/>
                 </a:solidFill>
                 <a:latin typeface="Zapf Dingbats"/>
                 <a:ea typeface="Zapf Dingbats"/>
@@ -19693,7 +22555,7 @@
             <a:r>
               <a:rPr kumimoji="1" lang="zh-CN" altLang="en-US" sz="1600" dirty="0" smtClean="0">
                 <a:solidFill>
-                  <a:srgbClr val="BFBFBF"/>
+                  <a:srgbClr val="FFFFFF"/>
                 </a:solidFill>
                 <a:latin typeface="Zapf Dingbats"/>
                 <a:ea typeface="Zapf Dingbats"/>
@@ -19704,7 +22566,7 @@
             </a:r>
             <a:endParaRPr kumimoji="1" lang="en-US" altLang="zh-CN" sz="1600" dirty="0" smtClean="0">
               <a:solidFill>
-                <a:srgbClr val="BFBFBF"/>
+                <a:srgbClr val="FFFFFF"/>
               </a:solidFill>
             </a:endParaRPr>
           </a:p>
@@ -19719,7 +22581,7 @@
             <a:r>
               <a:rPr kumimoji="1" lang="zh-CN" altLang="en-US" sz="1600" dirty="0" smtClean="0">
                 <a:solidFill>
-                  <a:srgbClr val="BFBFBF"/>
+                  <a:srgbClr val="FFFFFF"/>
                 </a:solidFill>
                 <a:latin typeface="Zapf Dingbats"/>
                 <a:ea typeface="Zapf Dingbats"/>
@@ -19730,7 +22592,7 @@
             </a:r>
             <a:endParaRPr kumimoji="1" lang="en-US" altLang="zh-CN" sz="1600" dirty="0" smtClean="0">
               <a:solidFill>
-                <a:srgbClr val="BFBFBF"/>
+                <a:srgbClr val="FFFFFF"/>
               </a:solidFill>
               <a:latin typeface="Zapf Dingbats"/>
               <a:ea typeface="Zapf Dingbats"/>
@@ -19749,14 +22611,14 @@
             <a:r>
               <a:rPr kumimoji="1" lang="zh-CN" altLang="en-US" sz="1600" dirty="0" smtClean="0">
                 <a:solidFill>
-                  <a:srgbClr val="BFBFBF"/>
+                  <a:srgbClr val="FFFFFF"/>
                 </a:solidFill>
               </a:rPr>
               <a:t>灵活的营销活动模版</a:t>
             </a:r>
             <a:endParaRPr kumimoji="1" lang="en-US" altLang="zh-CN" sz="1600" dirty="0" smtClean="0">
               <a:solidFill>
-                <a:srgbClr val="BFBFBF"/>
+                <a:srgbClr val="FFFFFF"/>
               </a:solidFill>
             </a:endParaRPr>
           </a:p>
@@ -19771,7 +22633,7 @@
             <a:r>
               <a:rPr kumimoji="1" lang="zh-CN" altLang="en-US" sz="1600" dirty="0">
                 <a:solidFill>
-                  <a:srgbClr val="BFBFBF"/>
+                  <a:srgbClr val="FFFFFF"/>
                 </a:solidFill>
               </a:rPr>
               <a:t>图</a:t>
@@ -19779,7 +22641,7 @@
             <a:r>
               <a:rPr kumimoji="1" lang="zh-CN" altLang="en-US" sz="1600" dirty="0" smtClean="0">
                 <a:solidFill>
-                  <a:srgbClr val="BFBFBF"/>
+                  <a:srgbClr val="FFFFFF"/>
                 </a:solidFill>
               </a:rPr>
               <a:t>文</a:t>
@@ -19787,14 +22649,14 @@
             <a:r>
               <a:rPr kumimoji="1" lang="zh-CN" altLang="en-US" sz="1600" dirty="0">
                 <a:solidFill>
-                  <a:srgbClr val="BFBFBF"/>
+                  <a:srgbClr val="FFFFFF"/>
                 </a:solidFill>
               </a:rPr>
               <a:t>或消息</a:t>
             </a:r>
             <a:endParaRPr kumimoji="1" lang="en-US" altLang="zh-CN" sz="1600" dirty="0" smtClean="0">
               <a:solidFill>
-                <a:srgbClr val="BFBFBF"/>
+                <a:srgbClr val="FFFFFF"/>
               </a:solidFill>
             </a:endParaRPr>
           </a:p>
@@ -22860,7 +25722,7 @@
 </p:sld>
 </file>
 
-<file path=ppt/slides/slide7.xml><?xml version="1.0" encoding="utf-8"?>
+<file path=ppt/slides/slide8.xml><?xml version="1.0" encoding="utf-8"?>
 <p:sld xmlns:a="http://schemas.openxmlformats.org/drawingml/2006/main" xmlns:r="http://schemas.openxmlformats.org/officeDocument/2006/relationships" xmlns:p="http://schemas.openxmlformats.org/presentationml/2006/main">
   <p:cSld>
     <p:spTree>
@@ -23150,204 +26012,6 @@
       </p:sp>
       <p:sp>
         <p:nvSpPr>
-          <p:cNvPr id="6" name="文本框 5"/>
-          <p:cNvSpPr txBox="1"/>
-          <p:nvPr/>
-        </p:nvSpPr>
-        <p:spPr>
-          <a:xfrm>
-            <a:off x="5548534" y="5390382"/>
-            <a:ext cx="3258047" cy="970522"/>
-          </a:xfrm>
-          <a:prstGeom prst="rect">
-            <a:avLst/>
-          </a:prstGeom>
-          <a:noFill/>
-          <a:ln>
-            <a:noFill/>
-          </a:ln>
-        </p:spPr>
-        <p:txBody>
-          <a:bodyPr wrap="square" rtlCol="0">
-            <a:spAutoFit/>
-          </a:bodyPr>
-          <a:lstStyle/>
-          <a:p>
-            <a:pPr>
-              <a:lnSpc>
-                <a:spcPct val="120000"/>
-              </a:lnSpc>
-            </a:pPr>
-            <a:r>
-              <a:rPr kumimoji="1" lang="zh-CN" altLang="en-US" sz="1600" dirty="0" smtClean="0">
-                <a:solidFill>
-                  <a:srgbClr val="BFBFBF"/>
-                </a:solidFill>
-                <a:latin typeface="Zapf Dingbats"/>
-                <a:ea typeface="Zapf Dingbats"/>
-                <a:cs typeface="Zapf Dingbats"/>
-                <a:sym typeface="Zapf Dingbats"/>
-              </a:rPr>
-              <a:t>✓</a:t>
-            </a:r>
-            <a:r>
-              <a:rPr kumimoji="1" lang="en-US" altLang="zh-CN" sz="1600" dirty="0" smtClean="0">
-                <a:solidFill>
-                  <a:srgbClr val="BFBFBF"/>
-                </a:solidFill>
-                <a:latin typeface="Zapf Dingbats"/>
-                <a:ea typeface="Zapf Dingbats"/>
-                <a:cs typeface="Zapf Dingbats"/>
-                <a:sym typeface="Zapf Dingbats"/>
-              </a:rPr>
-              <a:t> </a:t>
-            </a:r>
-            <a:r>
-              <a:rPr kumimoji="1" lang="zh-CN" altLang="en-US" sz="1600" dirty="0" smtClean="0">
-                <a:solidFill>
-                  <a:srgbClr val="BFBFBF"/>
-                </a:solidFill>
-              </a:rPr>
-              <a:t>底层技术平台</a:t>
-            </a:r>
-            <a:r>
-              <a:rPr kumimoji="1" lang="en-US" altLang="zh-CN" sz="1600" dirty="0" smtClean="0">
-                <a:solidFill>
-                  <a:srgbClr val="BFBFBF"/>
-                </a:solidFill>
-              </a:rPr>
-              <a:t>EMP </a:t>
-            </a:r>
-            <a:r>
-              <a:rPr kumimoji="1" lang="zh-CN" altLang="en-US" sz="1600" dirty="0" smtClean="0">
-                <a:solidFill>
-                  <a:srgbClr val="BFBFBF"/>
-                </a:solidFill>
-              </a:rPr>
-              <a:t>实施</a:t>
-            </a:r>
-            <a:r>
-              <a:rPr kumimoji="1" lang="en-US" altLang="zh-CN" sz="1600" dirty="0" smtClean="0">
-                <a:solidFill>
-                  <a:srgbClr val="BFBFBF"/>
-                </a:solidFill>
-              </a:rPr>
-              <a:t>IDE</a:t>
-            </a:r>
-            <a:r>
-              <a:rPr kumimoji="1" lang="zh-CN" altLang="en-US" sz="1600" dirty="0" smtClean="0">
-                <a:solidFill>
-                  <a:srgbClr val="BFBFBF"/>
-                </a:solidFill>
-              </a:rPr>
-              <a:t>方式</a:t>
-            </a:r>
-            <a:endParaRPr kumimoji="1" lang="en-US" altLang="zh-CN" sz="1600" dirty="0" smtClean="0">
-              <a:solidFill>
-                <a:srgbClr val="BFBFBF"/>
-              </a:solidFill>
-            </a:endParaRPr>
-          </a:p>
-          <a:p>
-            <a:pPr>
-              <a:lnSpc>
-                <a:spcPct val="120000"/>
-              </a:lnSpc>
-            </a:pPr>
-            <a:r>
-              <a:rPr kumimoji="1" lang="zh-CN" altLang="en-US" sz="1600" dirty="0" smtClean="0">
-                <a:solidFill>
-                  <a:srgbClr val="BFBFBF"/>
-                </a:solidFill>
-                <a:latin typeface="Zapf Dingbats"/>
-                <a:ea typeface="Zapf Dingbats"/>
-                <a:cs typeface="Zapf Dingbats"/>
-                <a:sym typeface="Zapf Dingbats"/>
-              </a:rPr>
-              <a:t>✓</a:t>
-            </a:r>
-            <a:r>
-              <a:rPr kumimoji="1" lang="en-US" altLang="zh-CN" sz="1600" dirty="0" smtClean="0">
-                <a:solidFill>
-                  <a:srgbClr val="BFBFBF"/>
-                </a:solidFill>
-                <a:latin typeface="Zapf Dingbats"/>
-                <a:ea typeface="Zapf Dingbats"/>
-                <a:cs typeface="Zapf Dingbats"/>
-                <a:sym typeface="Zapf Dingbats"/>
-              </a:rPr>
-              <a:t> </a:t>
-            </a:r>
-            <a:r>
-              <a:rPr kumimoji="1" lang="zh-CN" altLang="en-US" sz="1600" dirty="0" smtClean="0">
-                <a:solidFill>
-                  <a:srgbClr val="BFBFBF"/>
-                </a:solidFill>
-              </a:rPr>
-              <a:t>支持多种协议用</a:t>
-            </a:r>
-            <a:endParaRPr kumimoji="1" lang="en-US" altLang="zh-CN" sz="1600" dirty="0" smtClean="0">
-              <a:solidFill>
-                <a:srgbClr val="BFBFBF"/>
-              </a:solidFill>
-            </a:endParaRPr>
-          </a:p>
-          <a:p>
-            <a:pPr>
-              <a:lnSpc>
-                <a:spcPct val="120000"/>
-              </a:lnSpc>
-            </a:pPr>
-            <a:r>
-              <a:rPr kumimoji="1" lang="zh-CN" altLang="en-US" sz="1600" dirty="0" smtClean="0">
-                <a:solidFill>
-                  <a:srgbClr val="BFBFBF"/>
-                </a:solidFill>
-                <a:latin typeface="Zapf Dingbats"/>
-                <a:ea typeface="Zapf Dingbats"/>
-                <a:cs typeface="Zapf Dingbats"/>
-                <a:sym typeface="Zapf Dingbats"/>
-              </a:rPr>
-              <a:t>✓</a:t>
-            </a:r>
-            <a:r>
-              <a:rPr kumimoji="1" lang="en-US" altLang="zh-CN" sz="1600" dirty="0" smtClean="0">
-                <a:solidFill>
-                  <a:srgbClr val="BFBFBF"/>
-                </a:solidFill>
-                <a:latin typeface="Zapf Dingbats"/>
-                <a:ea typeface="Zapf Dingbats"/>
-                <a:cs typeface="Zapf Dingbats"/>
-                <a:sym typeface="Zapf Dingbats"/>
-              </a:rPr>
-              <a:t> </a:t>
-            </a:r>
-            <a:r>
-              <a:rPr kumimoji="1" lang="en-US" altLang="zh-CN" sz="1600" dirty="0" err="1" smtClean="0">
-                <a:solidFill>
-                  <a:srgbClr val="BFBFBF"/>
-                </a:solidFill>
-              </a:rPr>
-              <a:t>MongoDB</a:t>
-            </a:r>
-            <a:r>
-              <a:rPr kumimoji="1" lang="zh-CN" altLang="en-US" sz="1600" dirty="0" smtClean="0">
-                <a:solidFill>
-                  <a:srgbClr val="BFBFBF"/>
-                </a:solidFill>
-              </a:rPr>
-              <a:t>，读取性能提升</a:t>
-            </a:r>
-            <a:endParaRPr kumimoji="1" lang="en-US" altLang="zh-CN" sz="1600" dirty="0" smtClean="0">
-              <a:solidFill>
-                <a:srgbClr val="BFBFBF"/>
-              </a:solidFill>
-            </a:endParaRPr>
-          </a:p>
-        </p:txBody>
-      </p:sp>
-      <p:sp>
-        <p:nvSpPr>
           <p:cNvPr id="7" name="文本框 6"/>
           <p:cNvSpPr txBox="1"/>
           <p:nvPr/>
@@ -23427,7 +26091,7 @@
         </p:nvGrpSpPr>
         <p:grpSpPr>
           <a:xfrm>
-            <a:off x="642124" y="419100"/>
+            <a:off x="642124" y="266700"/>
             <a:ext cx="6901676" cy="5378374"/>
             <a:chOff x="755576" y="-27383"/>
             <a:chExt cx="7376199" cy="6315482"/>
@@ -27970,13 +30634,26 @@
           <p:spPr>
             <a:xfrm>
               <a:off x="1907704" y="5601434"/>
-              <a:ext cx="5150492" cy="686665"/>
+              <a:ext cx="5150491" cy="686665"/>
             </a:xfrm>
             <a:prstGeom prst="rect">
               <a:avLst/>
             </a:prstGeom>
-            <a:noFill/>
           </p:spPr>
+          <p:style>
+            <a:lnRef idx="1">
+              <a:schemeClr val="accent5"/>
+            </a:lnRef>
+            <a:fillRef idx="3">
+              <a:schemeClr val="accent5"/>
+            </a:fillRef>
+            <a:effectRef idx="2">
+              <a:schemeClr val="accent5"/>
+            </a:effectRef>
+            <a:fontRef idx="minor">
+              <a:schemeClr val="lt1"/>
+            </a:fontRef>
+          </p:style>
           <p:txBody>
             <a:bodyPr wrap="square" rtlCol="0">
               <a:spAutoFit/>
@@ -28026,7 +30703,7 @@
                     <a:noFill/>
                   </a:ln>
                   <a:solidFill>
-                    <a:srgbClr val="CCFFCC"/>
+                    <a:schemeClr val="tx1"/>
                   </a:solidFill>
                   <a:effectLst/>
                   <a:uLnTx/>
@@ -28042,7 +30719,7 @@
                   <a:noFill/>
                 </a:ln>
                 <a:solidFill>
-                  <a:srgbClr val="CCFFCC"/>
+                  <a:schemeClr val="tx1"/>
                 </a:solidFill>
                 <a:effectLst/>
                 <a:uLnTx/>
@@ -28118,6 +30795,204 @@
               <a:latin typeface="Arial" pitchFamily="34" charset="0"/>
               <a:ea typeface="微软雅黑" pitchFamily="34" charset="-122"/>
               <a:cs typeface="Arial" pitchFamily="34" charset="0"/>
+            </a:endParaRPr>
+          </a:p>
+        </p:txBody>
+      </p:sp>
+      <p:sp>
+        <p:nvSpPr>
+          <p:cNvPr id="6" name="文本框 5"/>
+          <p:cNvSpPr txBox="1"/>
+          <p:nvPr/>
+        </p:nvSpPr>
+        <p:spPr>
+          <a:xfrm>
+            <a:off x="5599334" y="5734405"/>
+            <a:ext cx="3258047" cy="970522"/>
+          </a:xfrm>
+          <a:prstGeom prst="rect">
+            <a:avLst/>
+          </a:prstGeom>
+          <a:noFill/>
+          <a:ln>
+            <a:noFill/>
+          </a:ln>
+        </p:spPr>
+        <p:txBody>
+          <a:bodyPr wrap="square" rtlCol="0">
+            <a:spAutoFit/>
+          </a:bodyPr>
+          <a:lstStyle/>
+          <a:p>
+            <a:pPr>
+              <a:lnSpc>
+                <a:spcPct val="120000"/>
+              </a:lnSpc>
+            </a:pPr>
+            <a:r>
+              <a:rPr kumimoji="1" lang="zh-CN" altLang="en-US" sz="1600" dirty="0" smtClean="0">
+                <a:solidFill>
+                  <a:srgbClr val="BFBFBF"/>
+                </a:solidFill>
+                <a:latin typeface="Zapf Dingbats"/>
+                <a:ea typeface="Zapf Dingbats"/>
+                <a:cs typeface="Zapf Dingbats"/>
+                <a:sym typeface="Zapf Dingbats"/>
+              </a:rPr>
+              <a:t>✓</a:t>
+            </a:r>
+            <a:r>
+              <a:rPr kumimoji="1" lang="en-US" altLang="zh-CN" sz="1600" dirty="0" smtClean="0">
+                <a:solidFill>
+                  <a:srgbClr val="BFBFBF"/>
+                </a:solidFill>
+                <a:latin typeface="Zapf Dingbats"/>
+                <a:ea typeface="Zapf Dingbats"/>
+                <a:cs typeface="Zapf Dingbats"/>
+                <a:sym typeface="Zapf Dingbats"/>
+              </a:rPr>
+              <a:t> </a:t>
+            </a:r>
+            <a:r>
+              <a:rPr kumimoji="1" lang="zh-CN" altLang="en-US" sz="1600" dirty="0" smtClean="0">
+                <a:solidFill>
+                  <a:srgbClr val="BFBFBF"/>
+                </a:solidFill>
+              </a:rPr>
+              <a:t>底层技术平台</a:t>
+            </a:r>
+            <a:r>
+              <a:rPr kumimoji="1" lang="en-US" altLang="zh-CN" sz="1600" dirty="0" smtClean="0">
+                <a:solidFill>
+                  <a:srgbClr val="BFBFBF"/>
+                </a:solidFill>
+              </a:rPr>
+              <a:t>EMP </a:t>
+            </a:r>
+            <a:r>
+              <a:rPr kumimoji="1" lang="zh-CN" altLang="en-US" sz="1600" dirty="0" smtClean="0">
+                <a:solidFill>
+                  <a:srgbClr val="BFBFBF"/>
+                </a:solidFill>
+              </a:rPr>
+              <a:t>实施</a:t>
+            </a:r>
+            <a:r>
+              <a:rPr kumimoji="1" lang="en-US" altLang="zh-CN" sz="1600" dirty="0" smtClean="0">
+                <a:solidFill>
+                  <a:srgbClr val="BFBFBF"/>
+                </a:solidFill>
+              </a:rPr>
+              <a:t>IDE</a:t>
+            </a:r>
+            <a:r>
+              <a:rPr kumimoji="1" lang="zh-CN" altLang="en-US" sz="1600" dirty="0" smtClean="0">
+                <a:solidFill>
+                  <a:srgbClr val="BFBFBF"/>
+                </a:solidFill>
+              </a:rPr>
+              <a:t>方式</a:t>
+            </a:r>
+            <a:endParaRPr kumimoji="1" lang="en-US" altLang="zh-CN" sz="1600" dirty="0" smtClean="0">
+              <a:solidFill>
+                <a:srgbClr val="BFBFBF"/>
+              </a:solidFill>
+            </a:endParaRPr>
+          </a:p>
+          <a:p>
+            <a:pPr>
+              <a:lnSpc>
+                <a:spcPct val="120000"/>
+              </a:lnSpc>
+            </a:pPr>
+            <a:r>
+              <a:rPr kumimoji="1" lang="zh-CN" altLang="en-US" sz="1600" dirty="0" smtClean="0">
+                <a:solidFill>
+                  <a:srgbClr val="BFBFBF"/>
+                </a:solidFill>
+                <a:latin typeface="Zapf Dingbats"/>
+                <a:ea typeface="Zapf Dingbats"/>
+                <a:cs typeface="Zapf Dingbats"/>
+                <a:sym typeface="Zapf Dingbats"/>
+              </a:rPr>
+              <a:t>✓</a:t>
+            </a:r>
+            <a:r>
+              <a:rPr kumimoji="1" lang="en-US" altLang="zh-CN" sz="1600" dirty="0" smtClean="0">
+                <a:solidFill>
+                  <a:srgbClr val="BFBFBF"/>
+                </a:solidFill>
+                <a:latin typeface="Zapf Dingbats"/>
+                <a:ea typeface="Zapf Dingbats"/>
+                <a:cs typeface="Zapf Dingbats"/>
+                <a:sym typeface="Zapf Dingbats"/>
+              </a:rPr>
+              <a:t> </a:t>
+            </a:r>
+            <a:r>
+              <a:rPr kumimoji="1" lang="zh-CN" altLang="en-US" sz="1600" dirty="0" smtClean="0">
+                <a:solidFill>
+                  <a:srgbClr val="BFBFBF"/>
+                </a:solidFill>
+              </a:rPr>
+              <a:t>支持多种协议用</a:t>
+            </a:r>
+            <a:endParaRPr kumimoji="1" lang="en-US" altLang="zh-CN" sz="1600" dirty="0" smtClean="0">
+              <a:solidFill>
+                <a:srgbClr val="BFBFBF"/>
+              </a:solidFill>
+            </a:endParaRPr>
+          </a:p>
+          <a:p>
+            <a:pPr>
+              <a:lnSpc>
+                <a:spcPct val="120000"/>
+              </a:lnSpc>
+            </a:pPr>
+            <a:r>
+              <a:rPr kumimoji="1" lang="zh-CN" altLang="en-US" sz="1600" dirty="0" smtClean="0">
+                <a:solidFill>
+                  <a:srgbClr val="BFBFBF"/>
+                </a:solidFill>
+                <a:latin typeface="Zapf Dingbats"/>
+                <a:ea typeface="Zapf Dingbats"/>
+                <a:cs typeface="Zapf Dingbats"/>
+                <a:sym typeface="Zapf Dingbats"/>
+              </a:rPr>
+              <a:t>✓</a:t>
+            </a:r>
+            <a:r>
+              <a:rPr kumimoji="1" lang="en-US" altLang="zh-CN" sz="1600" dirty="0" smtClean="0">
+                <a:solidFill>
+                  <a:srgbClr val="BFBFBF"/>
+                </a:solidFill>
+                <a:latin typeface="Zapf Dingbats"/>
+                <a:ea typeface="Zapf Dingbats"/>
+                <a:cs typeface="Zapf Dingbats"/>
+                <a:sym typeface="Zapf Dingbats"/>
+              </a:rPr>
+              <a:t> </a:t>
+            </a:r>
+            <a:r>
+              <a:rPr kumimoji="1" lang="en-US" altLang="zh-CN" sz="1600" dirty="0" err="1" smtClean="0">
+                <a:solidFill>
+                  <a:srgbClr val="BFBFBF"/>
+                </a:solidFill>
+              </a:rPr>
+              <a:t>MongoDB</a:t>
+            </a:r>
+            <a:r>
+              <a:rPr kumimoji="1" lang="zh-CN" altLang="en-US" sz="1600" dirty="0" smtClean="0">
+                <a:solidFill>
+                  <a:srgbClr val="BFBFBF"/>
+                </a:solidFill>
+              </a:rPr>
+              <a:t>，读取性能提升</a:t>
+            </a:r>
+            <a:endParaRPr kumimoji="1" lang="en-US" altLang="zh-CN" sz="1600" dirty="0" smtClean="0">
+              <a:solidFill>
+                <a:srgbClr val="BFBFBF"/>
+              </a:solidFill>
             </a:endParaRPr>
           </a:p>
         </p:txBody>

--- a/营销.pptx
+++ b/营销.pptx
@@ -5,20 +5,21 @@
     <p:sldMasterId id="2147483660" r:id="rId1"/>
   </p:sldMasterIdLst>
   <p:notesMasterIdLst>
-    <p:notesMasterId r:id="rId10"/>
+    <p:notesMasterId r:id="rId11"/>
   </p:notesMasterIdLst>
   <p:handoutMasterIdLst>
-    <p:handoutMasterId r:id="rId11"/>
+    <p:handoutMasterId r:id="rId12"/>
   </p:handoutMasterIdLst>
   <p:sldIdLst>
     <p:sldId id="256" r:id="rId2"/>
     <p:sldId id="267" r:id="rId3"/>
-    <p:sldId id="265" r:id="rId4"/>
-    <p:sldId id="259" r:id="rId5"/>
-    <p:sldId id="269" r:id="rId6"/>
-    <p:sldId id="268" r:id="rId7"/>
-    <p:sldId id="262" r:id="rId8"/>
-    <p:sldId id="261" r:id="rId9"/>
+    <p:sldId id="270" r:id="rId4"/>
+    <p:sldId id="265" r:id="rId5"/>
+    <p:sldId id="259" r:id="rId6"/>
+    <p:sldId id="269" r:id="rId7"/>
+    <p:sldId id="268" r:id="rId8"/>
+    <p:sldId id="262" r:id="rId9"/>
+    <p:sldId id="261" r:id="rId10"/>
   </p:sldIdLst>
   <p:sldSz cx="9144000" cy="6858000" type="screen4x3"/>
   <p:notesSz cx="6858000" cy="9144000"/>
@@ -1667,18 +1668,18 @@
   </dgm:ptLst>
   <dgm:cxnLst>
     <dgm:cxn modelId="{DF2D115C-FE4D-EB4F-9E49-37A27E7C3FA0}" srcId="{1A090B2B-03DC-A247-BDCC-02CD65A6A6BA}" destId="{780A7E83-F87B-CD4C-8EBD-35965B6CEB23}" srcOrd="4" destOrd="0" parTransId="{C27446FB-085B-2B43-A1D5-8EF003A444A0}" sibTransId="{45EFAF5A-D104-874B-B9E5-BBF75C1BA969}"/>
+    <dgm:cxn modelId="{1CDF1975-69D3-4543-BE5A-C029610B4423}" srcId="{06A37BC9-258B-2A4F-A5DE-04B586A9BD76}" destId="{1A090B2B-03DC-A247-BDCC-02CD65A6A6BA}" srcOrd="0" destOrd="0" parTransId="{36212B44-0221-B74A-AD62-AA71DC986AF4}" sibTransId="{3FDD121A-D62A-E745-8189-4470458B085E}"/>
+    <dgm:cxn modelId="{6CDEDD50-D8DB-AF44-8EDE-CD7C7FAC5ECD}" type="presOf" srcId="{780A7E83-F87B-CD4C-8EBD-35965B6CEB23}" destId="{EE9C1521-002E-4D49-A2A1-16551053B7C9}" srcOrd="0" destOrd="0" presId="urn:microsoft.com/office/officeart/2009/3/layout/CircleRelationship"/>
+    <dgm:cxn modelId="{67A8E4BD-3C89-5D48-995C-BDDE1D917A03}" type="presOf" srcId="{630DE4C5-A4E2-7241-AB94-6023AD7215D4}" destId="{6EC5D382-DB5E-104B-B914-B8AADDCF5178}" srcOrd="0" destOrd="0" presId="urn:microsoft.com/office/officeart/2009/3/layout/CircleRelationship"/>
+    <dgm:cxn modelId="{62324EC6-316B-5240-85F9-FB9BF0624798}" srcId="{1A090B2B-03DC-A247-BDCC-02CD65A6A6BA}" destId="{630DE4C5-A4E2-7241-AB94-6023AD7215D4}" srcOrd="3" destOrd="0" parTransId="{83FD199E-4201-B44B-9E1A-788C0052CAB2}" sibTransId="{DD742EA8-FC75-224D-B149-BBBD772A018D}"/>
+    <dgm:cxn modelId="{B5B1E1DE-6D66-C948-939D-0906D0B57C26}" type="presOf" srcId="{1F05560E-C2AD-EE43-AB5A-471C8FFEDE8A}" destId="{98322E75-AFA8-314D-B71B-30BCA37D905F}" srcOrd="0" destOrd="0" presId="urn:microsoft.com/office/officeart/2009/3/layout/CircleRelationship"/>
     <dgm:cxn modelId="{1BDDC4B0-5E02-4747-B6C3-70989E99AB32}" type="presOf" srcId="{826D8FA6-9242-0C42-9936-382AF922E449}" destId="{7B418E68-134A-4647-8CCE-185FD86A7C54}" srcOrd="0" destOrd="0" presId="urn:microsoft.com/office/officeart/2009/3/layout/CircleRelationship"/>
+    <dgm:cxn modelId="{6EB99579-505D-8545-A959-F6EE8816D677}" type="presOf" srcId="{1A090B2B-03DC-A247-BDCC-02CD65A6A6BA}" destId="{4C6BDB4D-E2DD-9746-8A9C-5833A4F5DC65}" srcOrd="0" destOrd="0" presId="urn:microsoft.com/office/officeart/2009/3/layout/CircleRelationship"/>
+    <dgm:cxn modelId="{5EC6C0CC-6729-FB4E-BC15-DDFA0C25C215}" srcId="{1A090B2B-03DC-A247-BDCC-02CD65A6A6BA}" destId="{1F05560E-C2AD-EE43-AB5A-471C8FFEDE8A}" srcOrd="0" destOrd="0" parTransId="{63C1E977-0961-294D-8C67-F351884AFD0B}" sibTransId="{FDE3B361-D703-1649-B068-DB2A449D95D0}"/>
+    <dgm:cxn modelId="{D0E2D512-D827-174F-ABBA-38663541D8B9}" srcId="{1A090B2B-03DC-A247-BDCC-02CD65A6A6BA}" destId="{826D8FA6-9242-0C42-9936-382AF922E449}" srcOrd="2" destOrd="0" parTransId="{8BB306E5-326C-FA46-BDB7-706B4F7EA20E}" sibTransId="{D7662991-4692-0D4A-A08B-E4A0A5B393E9}"/>
     <dgm:cxn modelId="{C9D01FBD-FA48-574E-9464-C515E95C8842}" type="presOf" srcId="{06A37BC9-258B-2A4F-A5DE-04B586A9BD76}" destId="{08432F1D-0784-3343-9665-C8A977C32CC6}" srcOrd="0" destOrd="0" presId="urn:microsoft.com/office/officeart/2009/3/layout/CircleRelationship"/>
     <dgm:cxn modelId="{C94EF696-3CA5-144E-94CF-57999B8F179D}" srcId="{1A090B2B-03DC-A247-BDCC-02CD65A6A6BA}" destId="{8D21E41D-58EA-FB4E-BDFF-5586DE54A237}" srcOrd="1" destOrd="0" parTransId="{2D5B93D5-0188-6749-843E-8F71C50ABF86}" sibTransId="{B060CC8D-36A8-7447-84B1-578486679740}"/>
-    <dgm:cxn modelId="{D0E2D512-D827-174F-ABBA-38663541D8B9}" srcId="{1A090B2B-03DC-A247-BDCC-02CD65A6A6BA}" destId="{826D8FA6-9242-0C42-9936-382AF922E449}" srcOrd="2" destOrd="0" parTransId="{8BB306E5-326C-FA46-BDB7-706B4F7EA20E}" sibTransId="{D7662991-4692-0D4A-A08B-E4A0A5B393E9}"/>
-    <dgm:cxn modelId="{1CDF1975-69D3-4543-BE5A-C029610B4423}" srcId="{06A37BC9-258B-2A4F-A5DE-04B586A9BD76}" destId="{1A090B2B-03DC-A247-BDCC-02CD65A6A6BA}" srcOrd="0" destOrd="0" parTransId="{36212B44-0221-B74A-AD62-AA71DC986AF4}" sibTransId="{3FDD121A-D62A-E745-8189-4470458B085E}"/>
-    <dgm:cxn modelId="{6EB99579-505D-8545-A959-F6EE8816D677}" type="presOf" srcId="{1A090B2B-03DC-A247-BDCC-02CD65A6A6BA}" destId="{4C6BDB4D-E2DD-9746-8A9C-5833A4F5DC65}" srcOrd="0" destOrd="0" presId="urn:microsoft.com/office/officeart/2009/3/layout/CircleRelationship"/>
     <dgm:cxn modelId="{0617353B-BA70-384C-910C-C7DE24DDDE37}" type="presOf" srcId="{8D21E41D-58EA-FB4E-BDFF-5586DE54A237}" destId="{460FDE84-4031-EF4B-9100-AA601B73F93B}" srcOrd="0" destOrd="0" presId="urn:microsoft.com/office/officeart/2009/3/layout/CircleRelationship"/>
-    <dgm:cxn modelId="{6CDEDD50-D8DB-AF44-8EDE-CD7C7FAC5ECD}" type="presOf" srcId="{780A7E83-F87B-CD4C-8EBD-35965B6CEB23}" destId="{EE9C1521-002E-4D49-A2A1-16551053B7C9}" srcOrd="0" destOrd="0" presId="urn:microsoft.com/office/officeart/2009/3/layout/CircleRelationship"/>
-    <dgm:cxn modelId="{67A8E4BD-3C89-5D48-995C-BDDE1D917A03}" type="presOf" srcId="{630DE4C5-A4E2-7241-AB94-6023AD7215D4}" destId="{6EC5D382-DB5E-104B-B914-B8AADDCF5178}" srcOrd="0" destOrd="0" presId="urn:microsoft.com/office/officeart/2009/3/layout/CircleRelationship"/>
-    <dgm:cxn modelId="{B5B1E1DE-6D66-C948-939D-0906D0B57C26}" type="presOf" srcId="{1F05560E-C2AD-EE43-AB5A-471C8FFEDE8A}" destId="{98322E75-AFA8-314D-B71B-30BCA37D905F}" srcOrd="0" destOrd="0" presId="urn:microsoft.com/office/officeart/2009/3/layout/CircleRelationship"/>
-    <dgm:cxn modelId="{5EC6C0CC-6729-FB4E-BC15-DDFA0C25C215}" srcId="{1A090B2B-03DC-A247-BDCC-02CD65A6A6BA}" destId="{1F05560E-C2AD-EE43-AB5A-471C8FFEDE8A}" srcOrd="0" destOrd="0" parTransId="{63C1E977-0961-294D-8C67-F351884AFD0B}" sibTransId="{FDE3B361-D703-1649-B068-DB2A449D95D0}"/>
-    <dgm:cxn modelId="{62324EC6-316B-5240-85F9-FB9BF0624798}" srcId="{1A090B2B-03DC-A247-BDCC-02CD65A6A6BA}" destId="{630DE4C5-A4E2-7241-AB94-6023AD7215D4}" srcOrd="3" destOrd="0" parTransId="{83FD199E-4201-B44B-9E1A-788C0052CAB2}" sibTransId="{DD742EA8-FC75-224D-B149-BBBD772A018D}"/>
     <dgm:cxn modelId="{EF65092C-19B5-6447-816E-D6044B10D48C}" type="presParOf" srcId="{08432F1D-0784-3343-9665-C8A977C32CC6}" destId="{4C6BDB4D-E2DD-9746-8A9C-5833A4F5DC65}" srcOrd="0" destOrd="0" presId="urn:microsoft.com/office/officeart/2009/3/layout/CircleRelationship"/>
     <dgm:cxn modelId="{66295179-E90B-844F-8622-FE599EADC293}" type="presParOf" srcId="{08432F1D-0784-3343-9665-C8A977C32CC6}" destId="{5548BAEC-CCA2-7043-AF9B-91B0714D408B}" srcOrd="1" destOrd="0" presId="urn:microsoft.com/office/officeart/2009/3/layout/CircleRelationship"/>
     <dgm:cxn modelId="{7786B02A-5D0B-A143-BE4E-843D7D042515}" type="presParOf" srcId="{08432F1D-0784-3343-9665-C8A977C32CC6}" destId="{2492C22C-B967-CB44-B86B-4AEFE6B35B3F}" srcOrd="2" destOrd="0" presId="urn:microsoft.com/office/officeart/2009/3/layout/CircleRelationship"/>
@@ -4642,7 +4643,7 @@
           <a:p>
             <a:fld id="{141971DB-7766-C44B-930B-2F09E959C349}" type="datetimeFigureOut">
               <a:rPr kumimoji="1" lang="zh-CN" altLang="en-US" smtClean="0"/>
-              <a:t>15/4/7</a:t>
+              <a:t>15/4/10</a:t>
             </a:fld>
             <a:endParaRPr kumimoji="1" lang="zh-CN" altLang="en-US"/>
           </a:p>
@@ -4808,7 +4809,7 @@
           <a:p>
             <a:fld id="{59E3B538-975B-4249-AA39-E35F58C578B3}" type="datetimeFigureOut">
               <a:rPr kumimoji="1" lang="zh-CN" altLang="en-US" smtClean="0"/>
-              <a:t>15/4/7</a:t>
+              <a:t>15/4/10</a:t>
             </a:fld>
             <a:endParaRPr kumimoji="1" lang="zh-CN" altLang="en-US"/>
           </a:p>
@@ -5205,6 +5206,90 @@
           <a:bodyPr/>
           <a:lstStyle/>
           <a:p>
+            <a:endParaRPr kumimoji="1" lang="zh-CN" altLang="en-US"/>
+          </a:p>
+        </p:txBody>
+      </p:sp>
+      <p:sp>
+        <p:nvSpPr>
+          <p:cNvPr id="4" name="幻灯片编号占位符 3"/>
+          <p:cNvSpPr>
+            <a:spLocks noGrp="1"/>
+          </p:cNvSpPr>
+          <p:nvPr>
+            <p:ph type="sldNum" sz="quarter" idx="10"/>
+          </p:nvPr>
+        </p:nvSpPr>
+        <p:spPr/>
+        <p:txBody>
+          <a:bodyPr/>
+          <a:lstStyle/>
+          <a:p>
+            <a:fld id="{2DEB783D-0A18-E242-958B-0B4697ECA700}" type="slidenum">
+              <a:rPr kumimoji="1" lang="zh-CN" altLang="en-US" smtClean="0"/>
+              <a:t>3</a:t>
+            </a:fld>
+            <a:endParaRPr kumimoji="1" lang="zh-CN" altLang="en-US"/>
+          </a:p>
+        </p:txBody>
+      </p:sp>
+    </p:spTree>
+    <p:extLst>
+      <p:ext uri="{BB962C8B-B14F-4D97-AF65-F5344CB8AC3E}">
+        <p14:creationId xmlns:p14="http://schemas.microsoft.com/office/powerpoint/2010/main" val="2543122142"/>
+      </p:ext>
+    </p:extLst>
+  </p:cSld>
+  <p:clrMapOvr>
+    <a:masterClrMapping/>
+  </p:clrMapOvr>
+</p:notes>
+</file>
+
+<file path=ppt/notesSlides/notesSlide3.xml><?xml version="1.0" encoding="utf-8"?>
+<p:notes xmlns:a="http://schemas.openxmlformats.org/drawingml/2006/main" xmlns:r="http://schemas.openxmlformats.org/officeDocument/2006/relationships" xmlns:p="http://schemas.openxmlformats.org/presentationml/2006/main">
+  <p:cSld>
+    <p:spTree>
+      <p:nvGrpSpPr>
+        <p:cNvPr id="1" name=""/>
+        <p:cNvGrpSpPr/>
+        <p:nvPr/>
+      </p:nvGrpSpPr>
+      <p:grpSpPr>
+        <a:xfrm>
+          <a:off x="0" y="0"/>
+          <a:ext cx="0" cy="0"/>
+          <a:chOff x="0" y="0"/>
+          <a:chExt cx="0" cy="0"/>
+        </a:xfrm>
+      </p:grpSpPr>
+      <p:sp>
+        <p:nvSpPr>
+          <p:cNvPr id="2" name="幻灯片图像占位符 1"/>
+          <p:cNvSpPr>
+            <a:spLocks noGrp="1" noRot="1" noChangeAspect="1"/>
+          </p:cNvSpPr>
+          <p:nvPr>
+            <p:ph type="sldImg"/>
+          </p:nvPr>
+        </p:nvSpPr>
+        <p:spPr/>
+      </p:sp>
+      <p:sp>
+        <p:nvSpPr>
+          <p:cNvPr id="3" name="备注占位符 2"/>
+          <p:cNvSpPr>
+            <a:spLocks noGrp="1"/>
+          </p:cNvSpPr>
+          <p:nvPr>
+            <p:ph type="body" idx="1"/>
+          </p:nvPr>
+        </p:nvSpPr>
+        <p:spPr/>
+        <p:txBody>
+          <a:bodyPr/>
+          <a:lstStyle/>
+          <a:p>
             <a:r>
               <a:rPr lang="zh-CN" altLang="en-US" smtClean="0"/>
               <a:t>使用方法：</a:t>
@@ -5401,7 +5486,7 @@
           <a:p>
             <a:fld id="{4AE1D939-3E60-4063-B05E-56844F97CE60}" type="slidenum">
               <a:rPr lang="zh-CN" altLang="en-US" smtClean="0"/>
-              <a:t>3</a:t>
+              <a:t>4</a:t>
             </a:fld>
             <a:endParaRPr lang="zh-CN" altLang="en-US"/>
           </a:p>
@@ -5411,90 +5496,6 @@
     <p:extLst>
       <p:ext uri="{BB962C8B-B14F-4D97-AF65-F5344CB8AC3E}">
         <p14:creationId xmlns:p14="http://schemas.microsoft.com/office/powerpoint/2010/main" val="3256142037"/>
-      </p:ext>
-    </p:extLst>
-  </p:cSld>
-  <p:clrMapOvr>
-    <a:masterClrMapping/>
-  </p:clrMapOvr>
-</p:notes>
-</file>
-
-<file path=ppt/notesSlides/notesSlide3.xml><?xml version="1.0" encoding="utf-8"?>
-<p:notes xmlns:a="http://schemas.openxmlformats.org/drawingml/2006/main" xmlns:r="http://schemas.openxmlformats.org/officeDocument/2006/relationships" xmlns:p="http://schemas.openxmlformats.org/presentationml/2006/main">
-  <p:cSld>
-    <p:spTree>
-      <p:nvGrpSpPr>
-        <p:cNvPr id="1" name=""/>
-        <p:cNvGrpSpPr/>
-        <p:nvPr/>
-      </p:nvGrpSpPr>
-      <p:grpSpPr>
-        <a:xfrm>
-          <a:off x="0" y="0"/>
-          <a:ext cx="0" cy="0"/>
-          <a:chOff x="0" y="0"/>
-          <a:chExt cx="0" cy="0"/>
-        </a:xfrm>
-      </p:grpSpPr>
-      <p:sp>
-        <p:nvSpPr>
-          <p:cNvPr id="2" name="幻灯片图像占位符 1"/>
-          <p:cNvSpPr>
-            <a:spLocks noGrp="1" noRot="1" noChangeAspect="1"/>
-          </p:cNvSpPr>
-          <p:nvPr>
-            <p:ph type="sldImg"/>
-          </p:nvPr>
-        </p:nvSpPr>
-        <p:spPr/>
-      </p:sp>
-      <p:sp>
-        <p:nvSpPr>
-          <p:cNvPr id="3" name="备注占位符 2"/>
-          <p:cNvSpPr>
-            <a:spLocks noGrp="1"/>
-          </p:cNvSpPr>
-          <p:nvPr>
-            <p:ph type="body" idx="1"/>
-          </p:nvPr>
-        </p:nvSpPr>
-        <p:spPr/>
-        <p:txBody>
-          <a:bodyPr/>
-          <a:lstStyle/>
-          <a:p>
-            <a:endParaRPr kumimoji="1" lang="zh-CN" altLang="en-US"/>
-          </a:p>
-        </p:txBody>
-      </p:sp>
-      <p:sp>
-        <p:nvSpPr>
-          <p:cNvPr id="4" name="幻灯片编号占位符 3"/>
-          <p:cNvSpPr>
-            <a:spLocks noGrp="1"/>
-          </p:cNvSpPr>
-          <p:nvPr>
-            <p:ph type="sldNum" sz="quarter" idx="10"/>
-          </p:nvPr>
-        </p:nvSpPr>
-        <p:spPr/>
-        <p:txBody>
-          <a:bodyPr/>
-          <a:lstStyle/>
-          <a:p>
-            <a:fld id="{2DEB783D-0A18-E242-958B-0B4697ECA700}" type="slidenum">
-              <a:rPr kumimoji="1" lang="zh-CN" altLang="en-US" smtClean="0"/>
-              <a:t>4</a:t>
-            </a:fld>
-            <a:endParaRPr kumimoji="1" lang="zh-CN" altLang="en-US"/>
-          </a:p>
-        </p:txBody>
-      </p:sp>
-    </p:spTree>
-    <p:extLst>
-      <p:ext uri="{BB962C8B-B14F-4D97-AF65-F5344CB8AC3E}">
-        <p14:creationId xmlns:p14="http://schemas.microsoft.com/office/powerpoint/2010/main" val="2543122142"/>
       </p:ext>
     </p:extLst>
   </p:cSld>
@@ -5840,6 +5841,90 @@
 </p:notes>
 </file>
 
+<file path=ppt/notesSlides/notesSlide8.xml><?xml version="1.0" encoding="utf-8"?>
+<p:notes xmlns:a="http://schemas.openxmlformats.org/drawingml/2006/main" xmlns:r="http://schemas.openxmlformats.org/officeDocument/2006/relationships" xmlns:p="http://schemas.openxmlformats.org/presentationml/2006/main">
+  <p:cSld>
+    <p:spTree>
+      <p:nvGrpSpPr>
+        <p:cNvPr id="1" name=""/>
+        <p:cNvGrpSpPr/>
+        <p:nvPr/>
+      </p:nvGrpSpPr>
+      <p:grpSpPr>
+        <a:xfrm>
+          <a:off x="0" y="0"/>
+          <a:ext cx="0" cy="0"/>
+          <a:chOff x="0" y="0"/>
+          <a:chExt cx="0" cy="0"/>
+        </a:xfrm>
+      </p:grpSpPr>
+      <p:sp>
+        <p:nvSpPr>
+          <p:cNvPr id="2" name="幻灯片图像占位符 1"/>
+          <p:cNvSpPr>
+            <a:spLocks noGrp="1" noRot="1" noChangeAspect="1"/>
+          </p:cNvSpPr>
+          <p:nvPr>
+            <p:ph type="sldImg"/>
+          </p:nvPr>
+        </p:nvSpPr>
+        <p:spPr/>
+      </p:sp>
+      <p:sp>
+        <p:nvSpPr>
+          <p:cNvPr id="3" name="备注占位符 2"/>
+          <p:cNvSpPr>
+            <a:spLocks noGrp="1"/>
+          </p:cNvSpPr>
+          <p:nvPr>
+            <p:ph type="body" idx="1"/>
+          </p:nvPr>
+        </p:nvSpPr>
+        <p:spPr/>
+        <p:txBody>
+          <a:bodyPr/>
+          <a:lstStyle/>
+          <a:p>
+            <a:endParaRPr kumimoji="1" lang="zh-CN" altLang="en-US"/>
+          </a:p>
+        </p:txBody>
+      </p:sp>
+      <p:sp>
+        <p:nvSpPr>
+          <p:cNvPr id="4" name="幻灯片编号占位符 3"/>
+          <p:cNvSpPr>
+            <a:spLocks noGrp="1"/>
+          </p:cNvSpPr>
+          <p:nvPr>
+            <p:ph type="sldNum" sz="quarter" idx="10"/>
+          </p:nvPr>
+        </p:nvSpPr>
+        <p:spPr/>
+        <p:txBody>
+          <a:bodyPr/>
+          <a:lstStyle/>
+          <a:p>
+            <a:fld id="{2DEB783D-0A18-E242-958B-0B4697ECA700}" type="slidenum">
+              <a:rPr kumimoji="1" lang="zh-CN" altLang="en-US" smtClean="0"/>
+              <a:t>9</a:t>
+            </a:fld>
+            <a:endParaRPr kumimoji="1" lang="zh-CN" altLang="en-US"/>
+          </a:p>
+        </p:txBody>
+      </p:sp>
+    </p:spTree>
+    <p:extLst>
+      <p:ext uri="{BB962C8B-B14F-4D97-AF65-F5344CB8AC3E}">
+        <p14:creationId xmlns:p14="http://schemas.microsoft.com/office/powerpoint/2010/main" val="2543122142"/>
+      </p:ext>
+    </p:extLst>
+  </p:cSld>
+  <p:clrMapOvr>
+    <a:masterClrMapping/>
+  </p:clrMapOvr>
+</p:notes>
+</file>
+
 <file path=ppt/slideLayouts/slideLayout1.xml><?xml version="1.0" encoding="utf-8"?>
 <p:sldLayout xmlns:a="http://schemas.openxmlformats.org/drawingml/2006/main" xmlns:r="http://schemas.openxmlformats.org/officeDocument/2006/relationships" xmlns:p="http://schemas.openxmlformats.org/presentationml/2006/main" type="title" preserve="1">
   <p:cSld name="标题幻灯片">
@@ -6026,7 +6111,7 @@
           <a:p>
             <a:fld id="{7D4D5215-B83D-0F4A-9F6C-CFA7FB93B836}" type="datetime1">
               <a:rPr lang="zh-CN" altLang="en-US" smtClean="0"/>
-              <a:t>15/4/7</a:t>
+              <a:t>15/4/10</a:t>
             </a:fld>
             <a:endParaRPr lang="en-US"/>
           </a:p>
@@ -6383,7 +6468,7 @@
           <a:p>
             <a:fld id="{1FF577A3-261E-D34A-8D0F-9CF5899AC53E}" type="datetime1">
               <a:rPr lang="zh-CN" altLang="en-US" smtClean="0"/>
-              <a:t>15/4/7</a:t>
+              <a:t>15/4/10</a:t>
             </a:fld>
             <a:endParaRPr lang="en-US"/>
           </a:p>
@@ -6552,7 +6637,7 @@
           <a:p>
             <a:fld id="{F6261A2D-25E1-1349-A36F-EBC82F29A52C}" type="datetime1">
               <a:rPr lang="zh-CN" altLang="en-US" smtClean="0"/>
-              <a:t>15/4/7</a:t>
+              <a:t>15/4/10</a:t>
             </a:fld>
             <a:endParaRPr lang="en-US"/>
           </a:p>
@@ -6731,7 +6816,7 @@
           <a:p>
             <a:fld id="{B5087D83-E822-724C-8B3A-0150CD76E6F9}" type="datetime1">
               <a:rPr lang="zh-CN" altLang="en-US" smtClean="0"/>
-              <a:t>15/4/7</a:t>
+              <a:t>15/4/10</a:t>
             </a:fld>
             <a:endParaRPr lang="en-US"/>
           </a:p>
@@ -6900,7 +6985,7 @@
           <a:p>
             <a:fld id="{1E86C3BC-5F89-2F49-8F2B-3916B25A12D0}" type="datetime1">
               <a:rPr lang="zh-CN" altLang="en-US" smtClean="0"/>
-              <a:t>15/4/7</a:t>
+              <a:t>15/4/10</a:t>
             </a:fld>
             <a:endParaRPr lang="en-US"/>
           </a:p>
@@ -7177,7 +7262,7 @@
           <a:p>
             <a:fld id="{3C06AE13-05D3-C74C-A664-508DB1536078}" type="datetime1">
               <a:rPr lang="zh-CN" altLang="en-US" smtClean="0"/>
-              <a:t>15/4/7</a:t>
+              <a:t>15/4/10</a:t>
             </a:fld>
             <a:endParaRPr lang="en-US"/>
           </a:p>
@@ -7469,7 +7554,7 @@
           <a:p>
             <a:fld id="{737F11DA-40E2-6544-99E9-86C5EB9A7F46}" type="datetime1">
               <a:rPr lang="zh-CN" altLang="en-US" smtClean="0"/>
-              <a:t>15/4/7</a:t>
+              <a:t>15/4/10</a:t>
             </a:fld>
             <a:endParaRPr lang="en-US"/>
           </a:p>
@@ -7905,7 +7990,7 @@
           <a:p>
             <a:fld id="{B8A522D3-0C6D-2845-8738-67EDDA71C39A}" type="datetime1">
               <a:rPr lang="zh-CN" altLang="en-US" smtClean="0"/>
-              <a:t>15/4/7</a:t>
+              <a:t>15/4/10</a:t>
             </a:fld>
             <a:endParaRPr lang="en-US"/>
           </a:p>
@@ -8018,7 +8103,7 @@
           <a:p>
             <a:fld id="{F50657D1-CBB5-B44E-B989-83AB587ECBDE}" type="datetime1">
               <a:rPr lang="zh-CN" altLang="en-US" smtClean="0"/>
-              <a:t>15/4/7</a:t>
+              <a:t>15/4/10</a:t>
             </a:fld>
             <a:endParaRPr lang="en-US"/>
           </a:p>
@@ -8108,7 +8193,7 @@
           <a:p>
             <a:fld id="{66690611-31BF-C640-A836-04E19E216A6B}" type="datetime1">
               <a:rPr lang="zh-CN" altLang="en-US" smtClean="0"/>
-              <a:t>15/4/7</a:t>
+              <a:t>15/4/10</a:t>
             </a:fld>
             <a:endParaRPr lang="en-US"/>
           </a:p>
@@ -8445,7 +8530,7 @@
           <a:p>
             <a:fld id="{6BE92493-A156-C947-8894-F1EA4760435F}" type="datetime1">
               <a:rPr lang="zh-CN" altLang="en-US" smtClean="0"/>
-              <a:t>15/4/7</a:t>
+              <a:t>15/4/10</a:t>
             </a:fld>
             <a:endParaRPr lang="en-US"/>
           </a:p>
@@ -8760,7 +8845,7 @@
           <a:p>
             <a:fld id="{40E2AC34-94C9-3944-B48E-200F1B80D608}" type="datetime1">
               <a:rPr lang="zh-CN" altLang="en-US" smtClean="0"/>
-              <a:t>15/4/7</a:t>
+              <a:t>15/4/10</a:t>
             </a:fld>
             <a:endParaRPr lang="en-US"/>
           </a:p>
@@ -9006,7 +9091,7 @@
           <a:p>
             <a:fld id="{EDF516EF-5C45-534C-A800-220451E25F43}" type="datetime1">
               <a:rPr lang="zh-CN" altLang="en-US" smtClean="0"/>
-              <a:t>15/4/7</a:t>
+              <a:t>15/4/10</a:t>
             </a:fld>
             <a:endParaRPr lang="en-US"/>
           </a:p>
@@ -11944,11 +12029,7 @@
             </a:pPr>
             <a:r>
               <a:rPr lang="zh-CN" altLang="en-US" sz="1400" dirty="0" smtClean="0"/>
-              <a:t>采集各种</a:t>
-            </a:r>
-            <a:r>
-              <a:rPr lang="zh-CN" altLang="en-US" sz="1400" dirty="0" smtClean="0"/>
-              <a:t>金</a:t>
+              <a:t>采集各种金</a:t>
             </a:r>
             <a:r>
               <a:rPr lang="zh-CN" altLang="en-US" sz="1400" dirty="0"/>
@@ -11956,11 +12037,7 @@
             </a:r>
             <a:r>
               <a:rPr lang="zh-CN" altLang="en-US" sz="1400" dirty="0" smtClean="0"/>
-              <a:t>非金融系统用户行为</a:t>
-            </a:r>
-            <a:r>
-              <a:rPr lang="zh-CN" altLang="en-US" sz="1400" dirty="0" smtClean="0"/>
-              <a:t>数据</a:t>
+              <a:t>非金融系统用户行为数据</a:t>
             </a:r>
             <a:endParaRPr lang="en-US" altLang="zh-CN" sz="1400" dirty="0" smtClean="0"/>
           </a:p>
@@ -12956,6 +13033,3170 @@
           <a:chExt cx="0" cy="0"/>
         </a:xfrm>
       </p:grpSpPr>
+      <p:sp>
+        <p:nvSpPr>
+          <p:cNvPr id="7" name="文本框 6"/>
+          <p:cNvSpPr txBox="1"/>
+          <p:nvPr/>
+        </p:nvSpPr>
+        <p:spPr>
+          <a:xfrm>
+            <a:off x="437814" y="69852"/>
+            <a:ext cx="2773112" cy="523220"/>
+          </a:xfrm>
+          <a:prstGeom prst="rect">
+            <a:avLst/>
+          </a:prstGeom>
+          <a:noFill/>
+        </p:spPr>
+        <p:txBody>
+          <a:bodyPr wrap="square" rtlCol="0">
+            <a:spAutoFit/>
+          </a:bodyPr>
+          <a:lstStyle/>
+          <a:p>
+            <a:r>
+              <a:rPr kumimoji="1" lang="zh-CN" altLang="en-US" sz="2800" dirty="0" smtClean="0">
+                <a:solidFill>
+                  <a:srgbClr val="BFBFBF"/>
+                </a:solidFill>
+              </a:rPr>
+              <a:t>系统生态</a:t>
+            </a:r>
+            <a:endParaRPr kumimoji="1" lang="en-US" altLang="zh-CN" sz="2800" dirty="0" smtClean="0">
+              <a:solidFill>
+                <a:srgbClr val="BFBFBF"/>
+              </a:solidFill>
+            </a:endParaRPr>
+          </a:p>
+        </p:txBody>
+      </p:sp>
+      <p:cxnSp>
+        <p:nvCxnSpPr>
+          <p:cNvPr id="9" name="直线连接符 8"/>
+          <p:cNvCxnSpPr/>
+          <p:nvPr/>
+        </p:nvCxnSpPr>
+        <p:spPr>
+          <a:xfrm>
+            <a:off x="437814" y="587681"/>
+            <a:ext cx="2573320" cy="5391"/>
+          </a:xfrm>
+          <a:prstGeom prst="line">
+            <a:avLst/>
+          </a:prstGeom>
+          <a:ln>
+            <a:solidFill>
+              <a:schemeClr val="tx2"/>
+            </a:solidFill>
+          </a:ln>
+        </p:spPr>
+        <p:style>
+          <a:lnRef idx="2">
+            <a:schemeClr val="accent1"/>
+          </a:lnRef>
+          <a:fillRef idx="0">
+            <a:schemeClr val="accent1"/>
+          </a:fillRef>
+          <a:effectRef idx="1">
+            <a:schemeClr val="accent1"/>
+          </a:effectRef>
+          <a:fontRef idx="minor">
+            <a:schemeClr val="tx1"/>
+          </a:fontRef>
+        </p:style>
+      </p:cxnSp>
+      <p:grpSp>
+        <p:nvGrpSpPr>
+          <p:cNvPr id="3" name="组 2"/>
+          <p:cNvGrpSpPr/>
+          <p:nvPr/>
+        </p:nvGrpSpPr>
+        <p:grpSpPr>
+          <a:xfrm>
+            <a:off x="926088" y="1101726"/>
+            <a:ext cx="7815725" cy="5756274"/>
+            <a:chOff x="837524" y="1570038"/>
+            <a:chExt cx="7815725" cy="5756274"/>
+          </a:xfrm>
+        </p:grpSpPr>
+        <p:sp>
+          <p:nvSpPr>
+            <p:cNvPr id="64" name="AutoShape 11"/>
+            <p:cNvSpPr>
+              <a:spLocks noChangeArrowheads="1"/>
+            </p:cNvSpPr>
+            <p:nvPr/>
+          </p:nvSpPr>
+          <p:spPr bwMode="auto">
+            <a:xfrm rot="14400000">
+              <a:off x="4252119" y="1697832"/>
+              <a:ext cx="3028950" cy="2773362"/>
+            </a:xfrm>
+            <a:prstGeom prst="triangle">
+              <a:avLst>
+                <a:gd name="adj" fmla="val 50000"/>
+              </a:avLst>
+            </a:prstGeom>
+            <a:gradFill rotWithShape="1">
+              <a:gsLst>
+                <a:gs pos="0">
+                  <a:srgbClr val="347AF8"/>
+                </a:gs>
+                <a:gs pos="100000">
+                  <a:srgbClr val="CCECFF">
+                    <a:alpha val="0"/>
+                  </a:srgbClr>
+                </a:gs>
+              </a:gsLst>
+              <a:lin ang="5400000" scaled="1"/>
+            </a:gradFill>
+            <a:ln>
+              <a:noFill/>
+            </a:ln>
+            <a:effectLst/>
+            <a:extLst>
+              <a:ext uri="{91240B29-F687-4f45-9708-019B960494DF}">
+                <a14:hiddenLine xmlns:a14="http://schemas.microsoft.com/office/drawing/2010/main" w="9525">
+                  <a:solidFill>
+                    <a:schemeClr val="tx1"/>
+                  </a:solidFill>
+                  <a:miter lim="800000"/>
+                  <a:headEnd/>
+                  <a:tailEnd/>
+                </a14:hiddenLine>
+              </a:ext>
+              <a:ext uri="{AF507438-7753-43e0-B8FC-AC1667EBCBE1}">
+                <a14:hiddenEffects xmlns:a14="http://schemas.microsoft.com/office/drawing/2010/main">
+                  <a:effectLst>
+                    <a:outerShdw dist="35921" dir="2700000" algn="ctr" rotWithShape="0">
+                      <a:schemeClr val="bg2"/>
+                    </a:outerShdw>
+                  </a:effectLst>
+                </a14:hiddenEffects>
+              </a:ext>
+            </a:extLst>
+          </p:spPr>
+          <p:txBody>
+            <a:bodyPr wrap="none" anchor="ctr"/>
+            <a:lstStyle/>
+            <a:p>
+              <a:pPr fontAlgn="base">
+                <a:spcBef>
+                  <a:spcPct val="0"/>
+                </a:spcBef>
+                <a:spcAft>
+                  <a:spcPct val="0"/>
+                </a:spcAft>
+              </a:pPr>
+              <a:endParaRPr lang="zh-CN" altLang="en-US" smtClean="0">
+                <a:solidFill>
+                  <a:srgbClr val="000000"/>
+                </a:solidFill>
+              </a:endParaRPr>
+            </a:p>
+          </p:txBody>
+        </p:sp>
+        <p:sp>
+          <p:nvSpPr>
+            <p:cNvPr id="65" name="AutoShape 12"/>
+            <p:cNvSpPr>
+              <a:spLocks noChangeArrowheads="1"/>
+            </p:cNvSpPr>
+            <p:nvPr/>
+          </p:nvSpPr>
+          <p:spPr bwMode="auto">
+            <a:xfrm rot="7200000" flipH="1">
+              <a:off x="1839119" y="1697832"/>
+              <a:ext cx="3028950" cy="2773362"/>
+            </a:xfrm>
+            <a:prstGeom prst="triangle">
+              <a:avLst>
+                <a:gd name="adj" fmla="val 50000"/>
+              </a:avLst>
+            </a:prstGeom>
+            <a:gradFill rotWithShape="1">
+              <a:gsLst>
+                <a:gs pos="0">
+                  <a:srgbClr val="3FEDB7"/>
+                </a:gs>
+                <a:gs pos="100000">
+                  <a:srgbClr val="CCECFF">
+                    <a:alpha val="0"/>
+                  </a:srgbClr>
+                </a:gs>
+              </a:gsLst>
+              <a:lin ang="5400000" scaled="1"/>
+            </a:gradFill>
+            <a:ln>
+              <a:noFill/>
+            </a:ln>
+            <a:effectLst/>
+            <a:extLst>
+              <a:ext uri="{91240B29-F687-4f45-9708-019B960494DF}">
+                <a14:hiddenLine xmlns:a14="http://schemas.microsoft.com/office/drawing/2010/main" w="9525">
+                  <a:solidFill>
+                    <a:schemeClr val="tx1"/>
+                  </a:solidFill>
+                  <a:miter lim="800000"/>
+                  <a:headEnd/>
+                  <a:tailEnd/>
+                </a14:hiddenLine>
+              </a:ext>
+              <a:ext uri="{AF507438-7753-43e0-B8FC-AC1667EBCBE1}">
+                <a14:hiddenEffects xmlns:a14="http://schemas.microsoft.com/office/drawing/2010/main">
+                  <a:effectLst>
+                    <a:outerShdw dist="35921" dir="2700000" algn="ctr" rotWithShape="0">
+                      <a:schemeClr val="bg2"/>
+                    </a:outerShdw>
+                  </a:effectLst>
+                </a14:hiddenEffects>
+              </a:ext>
+            </a:extLst>
+          </p:spPr>
+          <p:txBody>
+            <a:bodyPr wrap="none" anchor="ctr"/>
+            <a:lstStyle/>
+            <a:p>
+              <a:pPr fontAlgn="base">
+                <a:spcBef>
+                  <a:spcPct val="0"/>
+                </a:spcBef>
+                <a:spcAft>
+                  <a:spcPct val="0"/>
+                </a:spcAft>
+              </a:pPr>
+              <a:endParaRPr lang="zh-CN" altLang="en-US" smtClean="0">
+                <a:solidFill>
+                  <a:srgbClr val="000000"/>
+                </a:solidFill>
+              </a:endParaRPr>
+            </a:p>
+          </p:txBody>
+        </p:sp>
+        <p:sp>
+          <p:nvSpPr>
+            <p:cNvPr id="66" name="AutoShape 13"/>
+            <p:cNvSpPr>
+              <a:spLocks noChangeArrowheads="1"/>
+            </p:cNvSpPr>
+            <p:nvPr/>
+          </p:nvSpPr>
+          <p:spPr bwMode="auto">
+            <a:xfrm rot="7200000" flipV="1">
+              <a:off x="4252119" y="3075782"/>
+              <a:ext cx="3028950" cy="2773362"/>
+            </a:xfrm>
+            <a:prstGeom prst="triangle">
+              <a:avLst>
+                <a:gd name="adj" fmla="val 50000"/>
+              </a:avLst>
+            </a:prstGeom>
+            <a:gradFill rotWithShape="1">
+              <a:gsLst>
+                <a:gs pos="0">
+                  <a:srgbClr val="4628FC"/>
+                </a:gs>
+                <a:gs pos="100000">
+                  <a:srgbClr val="CCECFF">
+                    <a:alpha val="0"/>
+                  </a:srgbClr>
+                </a:gs>
+              </a:gsLst>
+              <a:lin ang="5400000" scaled="1"/>
+            </a:gradFill>
+            <a:ln>
+              <a:noFill/>
+            </a:ln>
+            <a:effectLst/>
+            <a:extLst>
+              <a:ext uri="{91240B29-F687-4f45-9708-019B960494DF}">
+                <a14:hiddenLine xmlns:a14="http://schemas.microsoft.com/office/drawing/2010/main" w="9525">
+                  <a:solidFill>
+                    <a:schemeClr val="tx1"/>
+                  </a:solidFill>
+                  <a:miter lim="800000"/>
+                  <a:headEnd/>
+                  <a:tailEnd/>
+                </a14:hiddenLine>
+              </a:ext>
+              <a:ext uri="{AF507438-7753-43e0-B8FC-AC1667EBCBE1}">
+                <a14:hiddenEffects xmlns:a14="http://schemas.microsoft.com/office/drawing/2010/main">
+                  <a:effectLst>
+                    <a:outerShdw dist="35921" dir="2700000" algn="ctr" rotWithShape="0">
+                      <a:schemeClr val="bg2"/>
+                    </a:outerShdw>
+                  </a:effectLst>
+                </a14:hiddenEffects>
+              </a:ext>
+            </a:extLst>
+          </p:spPr>
+          <p:txBody>
+            <a:bodyPr wrap="none" anchor="ctr"/>
+            <a:lstStyle/>
+            <a:p>
+              <a:pPr fontAlgn="base">
+                <a:spcBef>
+                  <a:spcPct val="0"/>
+                </a:spcBef>
+                <a:spcAft>
+                  <a:spcPct val="0"/>
+                </a:spcAft>
+              </a:pPr>
+              <a:endParaRPr lang="zh-CN" altLang="en-US" smtClean="0">
+                <a:solidFill>
+                  <a:srgbClr val="000000"/>
+                </a:solidFill>
+              </a:endParaRPr>
+            </a:p>
+          </p:txBody>
+        </p:sp>
+        <p:sp>
+          <p:nvSpPr>
+            <p:cNvPr id="67" name="AutoShape 14"/>
+            <p:cNvSpPr>
+              <a:spLocks noChangeArrowheads="1"/>
+            </p:cNvSpPr>
+            <p:nvPr/>
+          </p:nvSpPr>
+          <p:spPr bwMode="auto">
+            <a:xfrm rot="14400000" flipH="1" flipV="1">
+              <a:off x="1839119" y="3075782"/>
+              <a:ext cx="3028950" cy="2773362"/>
+            </a:xfrm>
+            <a:prstGeom prst="triangle">
+              <a:avLst>
+                <a:gd name="adj" fmla="val 50000"/>
+              </a:avLst>
+            </a:prstGeom>
+            <a:gradFill rotWithShape="1">
+              <a:gsLst>
+                <a:gs pos="0">
+                  <a:srgbClr val="72E41C"/>
+                </a:gs>
+                <a:gs pos="100000">
+                  <a:srgbClr val="CCECFF">
+                    <a:alpha val="0"/>
+                  </a:srgbClr>
+                </a:gs>
+              </a:gsLst>
+              <a:lin ang="5400000" scaled="1"/>
+            </a:gradFill>
+            <a:ln>
+              <a:noFill/>
+            </a:ln>
+            <a:effectLst/>
+            <a:extLst>
+              <a:ext uri="{91240B29-F687-4f45-9708-019B960494DF}">
+                <a14:hiddenLine xmlns:a14="http://schemas.microsoft.com/office/drawing/2010/main" w="9525">
+                  <a:solidFill>
+                    <a:schemeClr val="tx1"/>
+                  </a:solidFill>
+                  <a:miter lim="800000"/>
+                  <a:headEnd/>
+                  <a:tailEnd/>
+                </a14:hiddenLine>
+              </a:ext>
+              <a:ext uri="{AF507438-7753-43e0-B8FC-AC1667EBCBE1}">
+                <a14:hiddenEffects xmlns:a14="http://schemas.microsoft.com/office/drawing/2010/main">
+                  <a:effectLst>
+                    <a:outerShdw dist="35921" dir="2700000" algn="ctr" rotWithShape="0">
+                      <a:schemeClr val="bg2"/>
+                    </a:outerShdw>
+                  </a:effectLst>
+                </a14:hiddenEffects>
+              </a:ext>
+            </a:extLst>
+          </p:spPr>
+          <p:txBody>
+            <a:bodyPr wrap="none" anchor="ctr"/>
+            <a:lstStyle/>
+            <a:p>
+              <a:pPr fontAlgn="base">
+                <a:spcBef>
+                  <a:spcPct val="0"/>
+                </a:spcBef>
+                <a:spcAft>
+                  <a:spcPct val="0"/>
+                </a:spcAft>
+              </a:pPr>
+              <a:endParaRPr lang="zh-CN" altLang="en-US" smtClean="0">
+                <a:solidFill>
+                  <a:srgbClr val="000000"/>
+                </a:solidFill>
+              </a:endParaRPr>
+            </a:p>
+          </p:txBody>
+        </p:sp>
+        <p:sp>
+          <p:nvSpPr>
+            <p:cNvPr id="68" name="AutoShape 15"/>
+            <p:cNvSpPr>
+              <a:spLocks noChangeArrowheads="1"/>
+            </p:cNvSpPr>
+            <p:nvPr/>
+          </p:nvSpPr>
+          <p:spPr bwMode="auto">
+            <a:xfrm rot="10800000" flipH="1" flipV="1">
+              <a:off x="2725830" y="4257675"/>
+              <a:ext cx="3667125" cy="3068637"/>
+            </a:xfrm>
+            <a:prstGeom prst="triangle">
+              <a:avLst>
+                <a:gd name="adj" fmla="val 50000"/>
+              </a:avLst>
+            </a:prstGeom>
+            <a:gradFill rotWithShape="1">
+              <a:gsLst>
+                <a:gs pos="0">
+                  <a:schemeClr val="bg1"/>
+                </a:gs>
+                <a:gs pos="100000">
+                  <a:schemeClr val="bg1">
+                    <a:alpha val="0"/>
+                  </a:schemeClr>
+                </a:gs>
+              </a:gsLst>
+              <a:lin ang="5400000" scaled="1"/>
+            </a:gradFill>
+            <a:ln>
+              <a:noFill/>
+            </a:ln>
+            <a:effectLst/>
+            <a:extLst>
+              <a:ext uri="{91240B29-F687-4f45-9708-019B960494DF}">
+                <a14:hiddenLine xmlns:a14="http://schemas.microsoft.com/office/drawing/2010/main" w="9525">
+                  <a:solidFill>
+                    <a:schemeClr val="tx1"/>
+                  </a:solidFill>
+                  <a:miter lim="800000"/>
+                  <a:headEnd/>
+                  <a:tailEnd/>
+                </a14:hiddenLine>
+              </a:ext>
+              <a:ext uri="{AF507438-7753-43e0-B8FC-AC1667EBCBE1}">
+                <a14:hiddenEffects xmlns:a14="http://schemas.microsoft.com/office/drawing/2010/main">
+                  <a:effectLst>
+                    <a:outerShdw dist="35921" dir="2700000" algn="ctr" rotWithShape="0">
+                      <a:schemeClr val="bg2"/>
+                    </a:outerShdw>
+                  </a:effectLst>
+                </a14:hiddenEffects>
+              </a:ext>
+            </a:extLst>
+          </p:spPr>
+          <p:txBody>
+            <a:bodyPr wrap="none" anchor="ctr"/>
+            <a:lstStyle/>
+            <a:p>
+              <a:pPr fontAlgn="base">
+                <a:spcBef>
+                  <a:spcPct val="0"/>
+                </a:spcBef>
+                <a:spcAft>
+                  <a:spcPct val="0"/>
+                </a:spcAft>
+              </a:pPr>
+              <a:endParaRPr lang="zh-CN" altLang="en-US" smtClean="0">
+                <a:solidFill>
+                  <a:srgbClr val="000000"/>
+                </a:solidFill>
+              </a:endParaRPr>
+            </a:p>
+          </p:txBody>
+        </p:sp>
+        <p:sp>
+          <p:nvSpPr>
+            <p:cNvPr id="69" name="Oval 19"/>
+            <p:cNvSpPr>
+              <a:spLocks noChangeArrowheads="1"/>
+            </p:cNvSpPr>
+            <p:nvPr/>
+          </p:nvSpPr>
+          <p:spPr bwMode="auto">
+            <a:xfrm>
+              <a:off x="3008313" y="2230438"/>
+              <a:ext cx="3095625" cy="3095625"/>
+            </a:xfrm>
+            <a:prstGeom prst="ellipse">
+              <a:avLst/>
+            </a:prstGeom>
+            <a:solidFill>
+              <a:schemeClr val="bg1">
+                <a:alpha val="25000"/>
+              </a:schemeClr>
+            </a:solidFill>
+            <a:ln w="12700">
+              <a:noFill/>
+              <a:round/>
+              <a:headEnd/>
+              <a:tailEnd/>
+            </a:ln>
+            <a:effectLst/>
+            <a:extLst>
+              <a:ext uri="{AF507438-7753-43e0-B8FC-AC1667EBCBE1}">
+                <a14:hiddenEffects xmlns:a14="http://schemas.microsoft.com/office/drawing/2010/main">
+                  <a:effectLst>
+                    <a:outerShdw dist="35921" dir="2700000" algn="ctr" rotWithShape="0">
+                      <a:schemeClr val="bg2"/>
+                    </a:outerShdw>
+                  </a:effectLst>
+                </a14:hiddenEffects>
+              </a:ext>
+            </a:extLst>
+          </p:spPr>
+          <p:txBody>
+            <a:bodyPr wrap="none" anchor="ctr"/>
+            <a:lstStyle/>
+            <a:p>
+              <a:pPr fontAlgn="base">
+                <a:spcBef>
+                  <a:spcPct val="0"/>
+                </a:spcBef>
+                <a:spcAft>
+                  <a:spcPct val="0"/>
+                </a:spcAft>
+              </a:pPr>
+              <a:endParaRPr lang="zh-CN" altLang="en-US" smtClean="0">
+                <a:solidFill>
+                  <a:srgbClr val="000000"/>
+                </a:solidFill>
+              </a:endParaRPr>
+            </a:p>
+          </p:txBody>
+        </p:sp>
+        <p:sp>
+          <p:nvSpPr>
+            <p:cNvPr id="70" name="Oval 20"/>
+            <p:cNvSpPr>
+              <a:spLocks noChangeArrowheads="1"/>
+            </p:cNvSpPr>
+            <p:nvPr/>
+          </p:nvSpPr>
+          <p:spPr bwMode="auto">
+            <a:xfrm>
+              <a:off x="3135313" y="2357438"/>
+              <a:ext cx="2843212" cy="2843212"/>
+            </a:xfrm>
+            <a:prstGeom prst="ellipse">
+              <a:avLst/>
+            </a:prstGeom>
+            <a:solidFill>
+              <a:srgbClr val="99CCFF">
+                <a:alpha val="50000"/>
+              </a:srgbClr>
+            </a:solidFill>
+            <a:ln w="57150">
+              <a:solidFill>
+                <a:srgbClr val="00B0F0"/>
+              </a:solidFill>
+              <a:round/>
+              <a:headEnd/>
+              <a:tailEnd/>
+            </a:ln>
+            <a:effectLst/>
+            <a:extLst>
+              <a:ext uri="{AF507438-7753-43e0-B8FC-AC1667EBCBE1}">
+                <a14:hiddenEffects xmlns:a14="http://schemas.microsoft.com/office/drawing/2010/main">
+                  <a:effectLst>
+                    <a:outerShdw dist="35921" dir="2700000" algn="ctr" rotWithShape="0">
+                      <a:schemeClr val="bg2"/>
+                    </a:outerShdw>
+                  </a:effectLst>
+                </a14:hiddenEffects>
+              </a:ext>
+            </a:extLst>
+          </p:spPr>
+          <p:txBody>
+            <a:bodyPr wrap="none" anchor="ctr"/>
+            <a:lstStyle/>
+            <a:p>
+              <a:pPr fontAlgn="base">
+                <a:spcBef>
+                  <a:spcPct val="0"/>
+                </a:spcBef>
+                <a:spcAft>
+                  <a:spcPct val="0"/>
+                </a:spcAft>
+              </a:pPr>
+              <a:endParaRPr lang="zh-CN" altLang="en-US" smtClean="0">
+                <a:solidFill>
+                  <a:srgbClr val="000000"/>
+                </a:solidFill>
+              </a:endParaRPr>
+            </a:p>
+          </p:txBody>
+        </p:sp>
+        <p:sp>
+          <p:nvSpPr>
+            <p:cNvPr id="71" name="Arc 39"/>
+            <p:cNvSpPr>
+              <a:spLocks/>
+            </p:cNvSpPr>
+            <p:nvPr/>
+          </p:nvSpPr>
+          <p:spPr bwMode="auto">
+            <a:xfrm rot="884024">
+              <a:off x="4687888" y="2762250"/>
+              <a:ext cx="1200150" cy="1196975"/>
+            </a:xfrm>
+            <a:custGeom>
+              <a:avLst/>
+              <a:gdLst>
+                <a:gd name="G0" fmla="+- 0 0 0"/>
+                <a:gd name="G1" fmla="+- 20637 0 0"/>
+                <a:gd name="G2" fmla="+- 21600 0 0"/>
+                <a:gd name="T0" fmla="*/ 6379 w 20646"/>
+                <a:gd name="T1" fmla="*/ 0 h 20637"/>
+                <a:gd name="T2" fmla="*/ 20646 w 20646"/>
+                <a:gd name="T3" fmla="*/ 14290 h 20637"/>
+                <a:gd name="T4" fmla="*/ 0 w 20646"/>
+                <a:gd name="T5" fmla="*/ 20637 h 20637"/>
+              </a:gdLst>
+              <a:ahLst/>
+              <a:cxnLst>
+                <a:cxn ang="0">
+                  <a:pos x="T0" y="T1"/>
+                </a:cxn>
+                <a:cxn ang="0">
+                  <a:pos x="T2" y="T3"/>
+                </a:cxn>
+                <a:cxn ang="0">
+                  <a:pos x="T4" y="T5"/>
+                </a:cxn>
+              </a:cxnLst>
+              <a:rect l="0" t="0" r="r" b="b"/>
+              <a:pathLst>
+                <a:path w="20646" h="20637" fill="none" extrusionOk="0">
+                  <a:moveTo>
+                    <a:pt x="6378" y="0"/>
+                  </a:moveTo>
+                  <a:cubicBezTo>
+                    <a:pt x="13205" y="2110"/>
+                    <a:pt x="18546" y="7460"/>
+                    <a:pt x="20646" y="14289"/>
+                  </a:cubicBezTo>
+                </a:path>
+                <a:path w="20646" h="20637" stroke="0" extrusionOk="0">
+                  <a:moveTo>
+                    <a:pt x="6378" y="0"/>
+                  </a:moveTo>
+                  <a:cubicBezTo>
+                    <a:pt x="13205" y="2110"/>
+                    <a:pt x="18546" y="7460"/>
+                    <a:pt x="20646" y="14289"/>
+                  </a:cubicBezTo>
+                  <a:lnTo>
+                    <a:pt x="0" y="20637"/>
+                  </a:lnTo>
+                  <a:close/>
+                </a:path>
+              </a:pathLst>
+            </a:custGeom>
+            <a:gradFill rotWithShape="1">
+              <a:gsLst>
+                <a:gs pos="0">
+                  <a:srgbClr val="2648A6"/>
+                </a:gs>
+                <a:gs pos="100000">
+                  <a:srgbClr val="446AD4"/>
+                </a:gs>
+              </a:gsLst>
+              <a:lin ang="5400000" scaled="1"/>
+            </a:gradFill>
+            <a:ln>
+              <a:noFill/>
+            </a:ln>
+            <a:effectLst/>
+            <a:extLst>
+              <a:ext uri="{91240B29-F687-4f45-9708-019B960494DF}">
+                <a14:hiddenLine xmlns:a14="http://schemas.microsoft.com/office/drawing/2010/main" w="9525">
+                  <a:solidFill>
+                    <a:schemeClr val="tx1"/>
+                  </a:solidFill>
+                  <a:round/>
+                  <a:headEnd/>
+                  <a:tailEnd/>
+                </a14:hiddenLine>
+              </a:ext>
+              <a:ext uri="{AF507438-7753-43e0-B8FC-AC1667EBCBE1}">
+                <a14:hiddenEffects xmlns:a14="http://schemas.microsoft.com/office/drawing/2010/main">
+                  <a:effectLst>
+                    <a:outerShdw dist="35921" dir="2700000" algn="ctr" rotWithShape="0">
+                      <a:schemeClr val="bg2"/>
+                    </a:outerShdw>
+                  </a:effectLst>
+                </a14:hiddenEffects>
+              </a:ext>
+            </a:extLst>
+          </p:spPr>
+          <p:txBody>
+            <a:bodyPr wrap="none" anchor="ctr"/>
+            <a:lstStyle/>
+            <a:p>
+              <a:pPr fontAlgn="base">
+                <a:spcBef>
+                  <a:spcPct val="0"/>
+                </a:spcBef>
+                <a:spcAft>
+                  <a:spcPct val="0"/>
+                </a:spcAft>
+              </a:pPr>
+              <a:endParaRPr lang="zh-CN" altLang="en-US" smtClean="0">
+                <a:solidFill>
+                  <a:srgbClr val="000000"/>
+                </a:solidFill>
+              </a:endParaRPr>
+            </a:p>
+          </p:txBody>
+        </p:sp>
+        <p:sp>
+          <p:nvSpPr>
+            <p:cNvPr id="72" name="Arc 40"/>
+            <p:cNvSpPr>
+              <a:spLocks/>
+            </p:cNvSpPr>
+            <p:nvPr/>
+          </p:nvSpPr>
+          <p:spPr bwMode="auto">
+            <a:xfrm rot="4500000">
+              <a:off x="4710113" y="3603625"/>
+              <a:ext cx="1200150" cy="1216025"/>
+            </a:xfrm>
+            <a:custGeom>
+              <a:avLst/>
+              <a:gdLst>
+                <a:gd name="G0" fmla="+- 0 0 0"/>
+                <a:gd name="G1" fmla="+- 20919 0 0"/>
+                <a:gd name="G2" fmla="+- 21600 0 0"/>
+                <a:gd name="T0" fmla="*/ 5380 w 20690"/>
+                <a:gd name="T1" fmla="*/ 0 h 20919"/>
+                <a:gd name="T2" fmla="*/ 20690 w 20690"/>
+                <a:gd name="T3" fmla="*/ 14717 h 20919"/>
+                <a:gd name="T4" fmla="*/ 0 w 20690"/>
+                <a:gd name="T5" fmla="*/ 20919 h 20919"/>
+              </a:gdLst>
+              <a:ahLst/>
+              <a:cxnLst>
+                <a:cxn ang="0">
+                  <a:pos x="T0" y="T1"/>
+                </a:cxn>
+                <a:cxn ang="0">
+                  <a:pos x="T2" y="T3"/>
+                </a:cxn>
+                <a:cxn ang="0">
+                  <a:pos x="T4" y="T5"/>
+                </a:cxn>
+              </a:cxnLst>
+              <a:rect l="0" t="0" r="r" b="b"/>
+              <a:pathLst>
+                <a:path w="20690" h="20919" fill="none" extrusionOk="0">
+                  <a:moveTo>
+                    <a:pt x="5380" y="-1"/>
+                  </a:moveTo>
+                  <a:cubicBezTo>
+                    <a:pt x="12709" y="1884"/>
+                    <a:pt x="18517" y="7467"/>
+                    <a:pt x="20690" y="14716"/>
+                  </a:cubicBezTo>
+                </a:path>
+                <a:path w="20690" h="20919" stroke="0" extrusionOk="0">
+                  <a:moveTo>
+                    <a:pt x="5380" y="-1"/>
+                  </a:moveTo>
+                  <a:cubicBezTo>
+                    <a:pt x="12709" y="1884"/>
+                    <a:pt x="18517" y="7467"/>
+                    <a:pt x="20690" y="14716"/>
+                  </a:cubicBezTo>
+                  <a:lnTo>
+                    <a:pt x="0" y="20919"/>
+                  </a:lnTo>
+                  <a:close/>
+                </a:path>
+              </a:pathLst>
+            </a:custGeom>
+            <a:gradFill rotWithShape="1">
+              <a:gsLst>
+                <a:gs pos="0">
+                  <a:srgbClr val="3C3C90"/>
+                </a:gs>
+                <a:gs pos="100000">
+                  <a:srgbClr val="336699"/>
+                </a:gs>
+              </a:gsLst>
+              <a:lin ang="5400000" scaled="1"/>
+            </a:gradFill>
+            <a:ln>
+              <a:noFill/>
+            </a:ln>
+            <a:effectLst/>
+            <a:extLst>
+              <a:ext uri="{91240B29-F687-4f45-9708-019B960494DF}">
+                <a14:hiddenLine xmlns:a14="http://schemas.microsoft.com/office/drawing/2010/main" w="9525">
+                  <a:solidFill>
+                    <a:schemeClr val="tx1"/>
+                  </a:solidFill>
+                  <a:round/>
+                  <a:headEnd/>
+                  <a:tailEnd/>
+                </a14:hiddenLine>
+              </a:ext>
+              <a:ext uri="{AF507438-7753-43e0-B8FC-AC1667EBCBE1}">
+                <a14:hiddenEffects xmlns:a14="http://schemas.microsoft.com/office/drawing/2010/main">
+                  <a:effectLst>
+                    <a:outerShdw dist="35921" dir="2700000" algn="ctr" rotWithShape="0">
+                      <a:schemeClr val="bg2"/>
+                    </a:outerShdw>
+                  </a:effectLst>
+                </a14:hiddenEffects>
+              </a:ext>
+            </a:extLst>
+          </p:spPr>
+          <p:txBody>
+            <a:bodyPr wrap="none" anchor="ctr"/>
+            <a:lstStyle/>
+            <a:p>
+              <a:pPr fontAlgn="base">
+                <a:spcBef>
+                  <a:spcPct val="0"/>
+                </a:spcBef>
+                <a:spcAft>
+                  <a:spcPct val="0"/>
+                </a:spcAft>
+              </a:pPr>
+              <a:endParaRPr lang="zh-CN" altLang="en-US" smtClean="0">
+                <a:solidFill>
+                  <a:srgbClr val="000000"/>
+                </a:solidFill>
+              </a:endParaRPr>
+            </a:p>
+          </p:txBody>
+        </p:sp>
+        <p:sp>
+          <p:nvSpPr>
+            <p:cNvPr id="73" name="Arc 41"/>
+            <p:cNvSpPr>
+              <a:spLocks/>
+            </p:cNvSpPr>
+            <p:nvPr/>
+          </p:nvSpPr>
+          <p:spPr bwMode="auto">
+            <a:xfrm rot="20724172" flipH="1">
+              <a:off x="3217863" y="2755900"/>
+              <a:ext cx="1203325" cy="1203325"/>
+            </a:xfrm>
+            <a:custGeom>
+              <a:avLst/>
+              <a:gdLst>
+                <a:gd name="G0" fmla="+- 0 0 0"/>
+                <a:gd name="G1" fmla="+- 20739 0 0"/>
+                <a:gd name="G2" fmla="+- 21600 0 0"/>
+                <a:gd name="T0" fmla="*/ 6038 w 20704"/>
+                <a:gd name="T1" fmla="*/ 0 h 20739"/>
+                <a:gd name="T2" fmla="*/ 20704 w 20704"/>
+                <a:gd name="T3" fmla="*/ 14583 h 20739"/>
+                <a:gd name="T4" fmla="*/ 0 w 20704"/>
+                <a:gd name="T5" fmla="*/ 20739 h 20739"/>
+              </a:gdLst>
+              <a:ahLst/>
+              <a:cxnLst>
+                <a:cxn ang="0">
+                  <a:pos x="T0" y="T1"/>
+                </a:cxn>
+                <a:cxn ang="0">
+                  <a:pos x="T2" y="T3"/>
+                </a:cxn>
+                <a:cxn ang="0">
+                  <a:pos x="T4" y="T5"/>
+                </a:cxn>
+              </a:cxnLst>
+              <a:rect l="0" t="0" r="r" b="b"/>
+              <a:pathLst>
+                <a:path w="20704" h="20739" fill="none" extrusionOk="0">
+                  <a:moveTo>
+                    <a:pt x="6037" y="0"/>
+                  </a:moveTo>
+                  <a:cubicBezTo>
+                    <a:pt x="13087" y="2052"/>
+                    <a:pt x="18611" y="7545"/>
+                    <a:pt x="20704" y="14582"/>
+                  </a:cubicBezTo>
+                </a:path>
+                <a:path w="20704" h="20739" stroke="0" extrusionOk="0">
+                  <a:moveTo>
+                    <a:pt x="6037" y="0"/>
+                  </a:moveTo>
+                  <a:cubicBezTo>
+                    <a:pt x="13087" y="2052"/>
+                    <a:pt x="18611" y="7545"/>
+                    <a:pt x="20704" y="14582"/>
+                  </a:cubicBezTo>
+                  <a:lnTo>
+                    <a:pt x="0" y="20739"/>
+                  </a:lnTo>
+                  <a:close/>
+                </a:path>
+              </a:pathLst>
+            </a:custGeom>
+            <a:gradFill rotWithShape="1">
+              <a:gsLst>
+                <a:gs pos="0">
+                  <a:srgbClr val="296540"/>
+                </a:gs>
+                <a:gs pos="100000">
+                  <a:srgbClr val="3D9983"/>
+                </a:gs>
+              </a:gsLst>
+              <a:lin ang="5400000" scaled="1"/>
+            </a:gradFill>
+            <a:ln>
+              <a:noFill/>
+            </a:ln>
+            <a:effectLst/>
+            <a:extLst>
+              <a:ext uri="{91240B29-F687-4f45-9708-019B960494DF}">
+                <a14:hiddenLine xmlns:a14="http://schemas.microsoft.com/office/drawing/2010/main" w="9525">
+                  <a:solidFill>
+                    <a:schemeClr val="tx1"/>
+                  </a:solidFill>
+                  <a:round/>
+                  <a:headEnd/>
+                  <a:tailEnd/>
+                </a14:hiddenLine>
+              </a:ext>
+              <a:ext uri="{AF507438-7753-43e0-B8FC-AC1667EBCBE1}">
+                <a14:hiddenEffects xmlns:a14="http://schemas.microsoft.com/office/drawing/2010/main">
+                  <a:effectLst>
+                    <a:outerShdw dist="35921" dir="2700000" algn="ctr" rotWithShape="0">
+                      <a:schemeClr val="bg2"/>
+                    </a:outerShdw>
+                  </a:effectLst>
+                </a14:hiddenEffects>
+              </a:ext>
+            </a:extLst>
+          </p:spPr>
+          <p:txBody>
+            <a:bodyPr wrap="none" anchor="ctr"/>
+            <a:lstStyle/>
+            <a:p>
+              <a:pPr fontAlgn="base">
+                <a:spcBef>
+                  <a:spcPct val="0"/>
+                </a:spcBef>
+                <a:spcAft>
+                  <a:spcPct val="0"/>
+                </a:spcAft>
+              </a:pPr>
+              <a:endParaRPr lang="zh-CN" altLang="en-US" smtClean="0">
+                <a:solidFill>
+                  <a:srgbClr val="000000"/>
+                </a:solidFill>
+              </a:endParaRPr>
+            </a:p>
+          </p:txBody>
+        </p:sp>
+        <p:sp>
+          <p:nvSpPr>
+            <p:cNvPr id="74" name="Arc 42"/>
+            <p:cNvSpPr>
+              <a:spLocks/>
+            </p:cNvSpPr>
+            <p:nvPr/>
+          </p:nvSpPr>
+          <p:spPr bwMode="auto">
+            <a:xfrm rot="17100000" flipH="1">
+              <a:off x="3229769" y="3604419"/>
+              <a:ext cx="1193800" cy="1211262"/>
+            </a:xfrm>
+            <a:custGeom>
+              <a:avLst/>
+              <a:gdLst>
+                <a:gd name="G0" fmla="+- 0 0 0"/>
+                <a:gd name="G1" fmla="+- 20851 0 0"/>
+                <a:gd name="G2" fmla="+- 21600 0 0"/>
+                <a:gd name="T0" fmla="*/ 5637 w 20584"/>
+                <a:gd name="T1" fmla="*/ 0 h 20851"/>
+                <a:gd name="T2" fmla="*/ 20584 w 20584"/>
+                <a:gd name="T3" fmla="*/ 14306 h 20851"/>
+                <a:gd name="T4" fmla="*/ 0 w 20584"/>
+                <a:gd name="T5" fmla="*/ 20851 h 20851"/>
+              </a:gdLst>
+              <a:ahLst/>
+              <a:cxnLst>
+                <a:cxn ang="0">
+                  <a:pos x="T0" y="T1"/>
+                </a:cxn>
+                <a:cxn ang="0">
+                  <a:pos x="T2" y="T3"/>
+                </a:cxn>
+                <a:cxn ang="0">
+                  <a:pos x="T4" y="T5"/>
+                </a:cxn>
+              </a:cxnLst>
+              <a:rect l="0" t="0" r="r" b="b"/>
+              <a:pathLst>
+                <a:path w="20584" h="20851" fill="none" extrusionOk="0">
+                  <a:moveTo>
+                    <a:pt x="5637" y="-1"/>
+                  </a:moveTo>
+                  <a:cubicBezTo>
+                    <a:pt x="12728" y="1916"/>
+                    <a:pt x="18358" y="7305"/>
+                    <a:pt x="20584" y="14305"/>
+                  </a:cubicBezTo>
+                </a:path>
+                <a:path w="20584" h="20851" stroke="0" extrusionOk="0">
+                  <a:moveTo>
+                    <a:pt x="5637" y="-1"/>
+                  </a:moveTo>
+                  <a:cubicBezTo>
+                    <a:pt x="12728" y="1916"/>
+                    <a:pt x="18358" y="7305"/>
+                    <a:pt x="20584" y="14305"/>
+                  </a:cubicBezTo>
+                  <a:lnTo>
+                    <a:pt x="0" y="20851"/>
+                  </a:lnTo>
+                  <a:close/>
+                </a:path>
+              </a:pathLst>
+            </a:custGeom>
+            <a:gradFill rotWithShape="1">
+              <a:gsLst>
+                <a:gs pos="0">
+                  <a:srgbClr val="57902C"/>
+                </a:gs>
+                <a:gs pos="100000">
+                  <a:srgbClr val="90C94B"/>
+                </a:gs>
+              </a:gsLst>
+              <a:lin ang="5400000" scaled="1"/>
+            </a:gradFill>
+            <a:ln>
+              <a:noFill/>
+            </a:ln>
+            <a:effectLst/>
+            <a:extLst>
+              <a:ext uri="{91240B29-F687-4f45-9708-019B960494DF}">
+                <a14:hiddenLine xmlns:a14="http://schemas.microsoft.com/office/drawing/2010/main" w="9525">
+                  <a:solidFill>
+                    <a:schemeClr val="tx1"/>
+                  </a:solidFill>
+                  <a:round/>
+                  <a:headEnd/>
+                  <a:tailEnd/>
+                </a14:hiddenLine>
+              </a:ext>
+              <a:ext uri="{AF507438-7753-43e0-B8FC-AC1667EBCBE1}">
+                <a14:hiddenEffects xmlns:a14="http://schemas.microsoft.com/office/drawing/2010/main">
+                  <a:effectLst>
+                    <a:outerShdw dist="35921" dir="2700000" algn="ctr" rotWithShape="0">
+                      <a:schemeClr val="bg2"/>
+                    </a:outerShdw>
+                  </a:effectLst>
+                </a14:hiddenEffects>
+              </a:ext>
+            </a:extLst>
+          </p:spPr>
+          <p:txBody>
+            <a:bodyPr wrap="none" anchor="ctr"/>
+            <a:lstStyle/>
+            <a:p>
+              <a:pPr fontAlgn="base">
+                <a:spcBef>
+                  <a:spcPct val="0"/>
+                </a:spcBef>
+                <a:spcAft>
+                  <a:spcPct val="0"/>
+                </a:spcAft>
+              </a:pPr>
+              <a:endParaRPr lang="zh-CN" altLang="en-US" smtClean="0">
+                <a:solidFill>
+                  <a:srgbClr val="000000"/>
+                </a:solidFill>
+              </a:endParaRPr>
+            </a:p>
+          </p:txBody>
+        </p:sp>
+        <p:sp>
+          <p:nvSpPr>
+            <p:cNvPr id="75" name="Arc 44"/>
+            <p:cNvSpPr>
+              <a:spLocks/>
+            </p:cNvSpPr>
+            <p:nvPr/>
+          </p:nvSpPr>
+          <p:spPr bwMode="auto">
+            <a:xfrm rot="884024">
+              <a:off x="4651375" y="3074988"/>
+              <a:ext cx="827088" cy="830262"/>
+            </a:xfrm>
+            <a:custGeom>
+              <a:avLst/>
+              <a:gdLst>
+                <a:gd name="G0" fmla="+- 0 0 0"/>
+                <a:gd name="G1" fmla="+- 20754 0 0"/>
+                <a:gd name="G2" fmla="+- 21600 0 0"/>
+                <a:gd name="T0" fmla="*/ 5986 w 20590"/>
+                <a:gd name="T1" fmla="*/ 0 h 20754"/>
+                <a:gd name="T2" fmla="*/ 20590 w 20590"/>
+                <a:gd name="T3" fmla="*/ 14225 h 20754"/>
+                <a:gd name="T4" fmla="*/ 0 w 20590"/>
+                <a:gd name="T5" fmla="*/ 20754 h 20754"/>
+              </a:gdLst>
+              <a:ahLst/>
+              <a:cxnLst>
+                <a:cxn ang="0">
+                  <a:pos x="T0" y="T1"/>
+                </a:cxn>
+                <a:cxn ang="0">
+                  <a:pos x="T2" y="T3"/>
+                </a:cxn>
+                <a:cxn ang="0">
+                  <a:pos x="T4" y="T5"/>
+                </a:cxn>
+              </a:cxnLst>
+              <a:rect l="0" t="0" r="r" b="b"/>
+              <a:pathLst>
+                <a:path w="20590" h="20754" fill="none" extrusionOk="0">
+                  <a:moveTo>
+                    <a:pt x="5985" y="0"/>
+                  </a:moveTo>
+                  <a:cubicBezTo>
+                    <a:pt x="12926" y="2001"/>
+                    <a:pt x="18406" y="7339"/>
+                    <a:pt x="20589" y="14225"/>
+                  </a:cubicBezTo>
+                </a:path>
+                <a:path w="20590" h="20754" stroke="0" extrusionOk="0">
+                  <a:moveTo>
+                    <a:pt x="5985" y="0"/>
+                  </a:moveTo>
+                  <a:cubicBezTo>
+                    <a:pt x="12926" y="2001"/>
+                    <a:pt x="18406" y="7339"/>
+                    <a:pt x="20589" y="14225"/>
+                  </a:cubicBezTo>
+                  <a:lnTo>
+                    <a:pt x="0" y="20754"/>
+                  </a:lnTo>
+                  <a:close/>
+                </a:path>
+              </a:pathLst>
+            </a:custGeom>
+            <a:gradFill rotWithShape="1">
+              <a:gsLst>
+                <a:gs pos="0">
+                  <a:srgbClr val="1C357A"/>
+                </a:gs>
+                <a:gs pos="100000">
+                  <a:srgbClr val="446AD4"/>
+                </a:gs>
+              </a:gsLst>
+              <a:lin ang="5400000" scaled="1"/>
+            </a:gradFill>
+            <a:ln w="3175">
+              <a:solidFill>
+                <a:srgbClr val="C0C0C0"/>
+              </a:solidFill>
+              <a:round/>
+              <a:headEnd/>
+              <a:tailEnd/>
+            </a:ln>
+            <a:effectLst/>
+            <a:extLst>
+              <a:ext uri="{AF507438-7753-43e0-B8FC-AC1667EBCBE1}">
+                <a14:hiddenEffects xmlns:a14="http://schemas.microsoft.com/office/drawing/2010/main">
+                  <a:effectLst>
+                    <a:outerShdw dist="35921" dir="2700000" algn="ctr" rotWithShape="0">
+                      <a:schemeClr val="bg2"/>
+                    </a:outerShdw>
+                  </a:effectLst>
+                </a14:hiddenEffects>
+              </a:ext>
+            </a:extLst>
+          </p:spPr>
+          <p:txBody>
+            <a:bodyPr wrap="none" anchor="ctr"/>
+            <a:lstStyle/>
+            <a:p>
+              <a:pPr fontAlgn="base">
+                <a:spcBef>
+                  <a:spcPct val="0"/>
+                </a:spcBef>
+                <a:spcAft>
+                  <a:spcPct val="0"/>
+                </a:spcAft>
+              </a:pPr>
+              <a:endParaRPr lang="zh-CN" altLang="en-US" smtClean="0">
+                <a:solidFill>
+                  <a:srgbClr val="000000"/>
+                </a:solidFill>
+              </a:endParaRPr>
+            </a:p>
+          </p:txBody>
+        </p:sp>
+        <p:sp>
+          <p:nvSpPr>
+            <p:cNvPr id="76" name="Arc 45"/>
+            <p:cNvSpPr>
+              <a:spLocks/>
+            </p:cNvSpPr>
+            <p:nvPr/>
+          </p:nvSpPr>
+          <p:spPr bwMode="auto">
+            <a:xfrm rot="4500000">
+              <a:off x="4663281" y="3661570"/>
+              <a:ext cx="828675" cy="836612"/>
+            </a:xfrm>
+            <a:custGeom>
+              <a:avLst/>
+              <a:gdLst>
+                <a:gd name="G0" fmla="+- 0 0 0"/>
+                <a:gd name="G1" fmla="+- 20863 0 0"/>
+                <a:gd name="G2" fmla="+- 21600 0 0"/>
+                <a:gd name="T0" fmla="*/ 5593 w 20718"/>
+                <a:gd name="T1" fmla="*/ 0 h 20863"/>
+                <a:gd name="T2" fmla="*/ 20718 w 20718"/>
+                <a:gd name="T3" fmla="*/ 14753 h 20863"/>
+                <a:gd name="T4" fmla="*/ 0 w 20718"/>
+                <a:gd name="T5" fmla="*/ 20863 h 20863"/>
+              </a:gdLst>
+              <a:ahLst/>
+              <a:cxnLst>
+                <a:cxn ang="0">
+                  <a:pos x="T0" y="T1"/>
+                </a:cxn>
+                <a:cxn ang="0">
+                  <a:pos x="T2" y="T3"/>
+                </a:cxn>
+                <a:cxn ang="0">
+                  <a:pos x="T4" y="T5"/>
+                </a:cxn>
+              </a:cxnLst>
+              <a:rect l="0" t="0" r="r" b="b"/>
+              <a:pathLst>
+                <a:path w="20718" h="20863" fill="none" extrusionOk="0">
+                  <a:moveTo>
+                    <a:pt x="5593" y="-1"/>
+                  </a:moveTo>
+                  <a:cubicBezTo>
+                    <a:pt x="12859" y="1947"/>
+                    <a:pt x="18589" y="7536"/>
+                    <a:pt x="20717" y="14753"/>
+                  </a:cubicBezTo>
+                </a:path>
+                <a:path w="20718" h="20863" stroke="0" extrusionOk="0">
+                  <a:moveTo>
+                    <a:pt x="5593" y="-1"/>
+                  </a:moveTo>
+                  <a:cubicBezTo>
+                    <a:pt x="12859" y="1947"/>
+                    <a:pt x="18589" y="7536"/>
+                    <a:pt x="20717" y="14753"/>
+                  </a:cubicBezTo>
+                  <a:lnTo>
+                    <a:pt x="0" y="20863"/>
+                  </a:lnTo>
+                  <a:close/>
+                </a:path>
+              </a:pathLst>
+            </a:custGeom>
+            <a:gradFill rotWithShape="1">
+              <a:gsLst>
+                <a:gs pos="0">
+                  <a:srgbClr val="2E2E70"/>
+                </a:gs>
+                <a:gs pos="100000">
+                  <a:srgbClr val="336699"/>
+                </a:gs>
+              </a:gsLst>
+              <a:lin ang="5400000" scaled="1"/>
+            </a:gradFill>
+            <a:ln w="3175">
+              <a:solidFill>
+                <a:srgbClr val="C0C0C0"/>
+              </a:solidFill>
+              <a:round/>
+              <a:headEnd/>
+              <a:tailEnd/>
+            </a:ln>
+            <a:effectLst/>
+            <a:extLst>
+              <a:ext uri="{AF507438-7753-43e0-B8FC-AC1667EBCBE1}">
+                <a14:hiddenEffects xmlns:a14="http://schemas.microsoft.com/office/drawing/2010/main">
+                  <a:effectLst>
+                    <a:outerShdw dist="35921" dir="2700000" algn="ctr" rotWithShape="0">
+                      <a:schemeClr val="bg2"/>
+                    </a:outerShdw>
+                  </a:effectLst>
+                </a14:hiddenEffects>
+              </a:ext>
+            </a:extLst>
+          </p:spPr>
+          <p:txBody>
+            <a:bodyPr wrap="none" anchor="ctr"/>
+            <a:lstStyle/>
+            <a:p>
+              <a:pPr fontAlgn="base">
+                <a:spcBef>
+                  <a:spcPct val="0"/>
+                </a:spcBef>
+                <a:spcAft>
+                  <a:spcPct val="0"/>
+                </a:spcAft>
+              </a:pPr>
+              <a:endParaRPr lang="zh-CN" altLang="en-US" smtClean="0">
+                <a:solidFill>
+                  <a:srgbClr val="000000"/>
+                </a:solidFill>
+              </a:endParaRPr>
+            </a:p>
+          </p:txBody>
+        </p:sp>
+        <p:sp>
+          <p:nvSpPr>
+            <p:cNvPr id="77" name="Arc 46"/>
+            <p:cNvSpPr>
+              <a:spLocks/>
+            </p:cNvSpPr>
+            <p:nvPr/>
+          </p:nvSpPr>
+          <p:spPr bwMode="auto">
+            <a:xfrm rot="20724172" flipH="1">
+              <a:off x="3640138" y="3081338"/>
+              <a:ext cx="827087" cy="825500"/>
+            </a:xfrm>
+            <a:custGeom>
+              <a:avLst/>
+              <a:gdLst>
+                <a:gd name="G0" fmla="+- 0 0 0"/>
+                <a:gd name="G1" fmla="+- 20650 0 0"/>
+                <a:gd name="G2" fmla="+- 21600 0 0"/>
+                <a:gd name="T0" fmla="*/ 6335 w 20600"/>
+                <a:gd name="T1" fmla="*/ 0 h 20650"/>
+                <a:gd name="T2" fmla="*/ 20600 w 20600"/>
+                <a:gd name="T3" fmla="*/ 14154 h 20650"/>
+                <a:gd name="T4" fmla="*/ 0 w 20600"/>
+                <a:gd name="T5" fmla="*/ 20650 h 20650"/>
+              </a:gdLst>
+              <a:ahLst/>
+              <a:cxnLst>
+                <a:cxn ang="0">
+                  <a:pos x="T0" y="T1"/>
+                </a:cxn>
+                <a:cxn ang="0">
+                  <a:pos x="T2" y="T3"/>
+                </a:cxn>
+                <a:cxn ang="0">
+                  <a:pos x="T4" y="T5"/>
+                </a:cxn>
+              </a:cxnLst>
+              <a:rect l="0" t="0" r="r" b="b"/>
+              <a:pathLst>
+                <a:path w="20600" h="20650" fill="none" extrusionOk="0">
+                  <a:moveTo>
+                    <a:pt x="6335" y="-1"/>
+                  </a:moveTo>
+                  <a:cubicBezTo>
+                    <a:pt x="13128" y="2084"/>
+                    <a:pt x="18462" y="7376"/>
+                    <a:pt x="20600" y="14153"/>
+                  </a:cubicBezTo>
+                </a:path>
+                <a:path w="20600" h="20650" stroke="0" extrusionOk="0">
+                  <a:moveTo>
+                    <a:pt x="6335" y="-1"/>
+                  </a:moveTo>
+                  <a:cubicBezTo>
+                    <a:pt x="13128" y="2084"/>
+                    <a:pt x="18462" y="7376"/>
+                    <a:pt x="20600" y="14153"/>
+                  </a:cubicBezTo>
+                  <a:lnTo>
+                    <a:pt x="0" y="20650"/>
+                  </a:lnTo>
+                  <a:close/>
+                </a:path>
+              </a:pathLst>
+            </a:custGeom>
+            <a:gradFill rotWithShape="1">
+              <a:gsLst>
+                <a:gs pos="0">
+                  <a:srgbClr val="163622"/>
+                </a:gs>
+                <a:gs pos="100000">
+                  <a:srgbClr val="3D9983"/>
+                </a:gs>
+              </a:gsLst>
+              <a:lin ang="5400000" scaled="1"/>
+            </a:gradFill>
+            <a:ln w="3175">
+              <a:solidFill>
+                <a:srgbClr val="C0C0C0"/>
+              </a:solidFill>
+              <a:round/>
+              <a:headEnd/>
+              <a:tailEnd/>
+            </a:ln>
+            <a:effectLst/>
+            <a:extLst>
+              <a:ext uri="{AF507438-7753-43e0-B8FC-AC1667EBCBE1}">
+                <a14:hiddenEffects xmlns:a14="http://schemas.microsoft.com/office/drawing/2010/main">
+                  <a:effectLst>
+                    <a:outerShdw dist="35921" dir="2700000" algn="ctr" rotWithShape="0">
+                      <a:schemeClr val="bg2"/>
+                    </a:outerShdw>
+                  </a:effectLst>
+                </a14:hiddenEffects>
+              </a:ext>
+            </a:extLst>
+          </p:spPr>
+          <p:txBody>
+            <a:bodyPr wrap="none" anchor="ctr"/>
+            <a:lstStyle/>
+            <a:p>
+              <a:pPr fontAlgn="base">
+                <a:spcBef>
+                  <a:spcPct val="0"/>
+                </a:spcBef>
+                <a:spcAft>
+                  <a:spcPct val="0"/>
+                </a:spcAft>
+              </a:pPr>
+              <a:endParaRPr lang="zh-CN" altLang="en-US" smtClean="0">
+                <a:solidFill>
+                  <a:srgbClr val="000000"/>
+                </a:solidFill>
+              </a:endParaRPr>
+            </a:p>
+          </p:txBody>
+        </p:sp>
+        <p:sp>
+          <p:nvSpPr>
+            <p:cNvPr id="78" name="Arc 47"/>
+            <p:cNvSpPr>
+              <a:spLocks/>
+            </p:cNvSpPr>
+            <p:nvPr/>
+          </p:nvSpPr>
+          <p:spPr bwMode="auto">
+            <a:xfrm rot="17100000" flipH="1">
+              <a:off x="3639344" y="3661569"/>
+              <a:ext cx="825500" cy="833438"/>
+            </a:xfrm>
+            <a:custGeom>
+              <a:avLst/>
+              <a:gdLst>
+                <a:gd name="G0" fmla="+- 0 0 0"/>
+                <a:gd name="G1" fmla="+- 20821 0 0"/>
+                <a:gd name="G2" fmla="+- 21600 0 0"/>
+                <a:gd name="T0" fmla="*/ 5747 w 20653"/>
+                <a:gd name="T1" fmla="*/ 0 h 20821"/>
+                <a:gd name="T2" fmla="*/ 20653 w 20653"/>
+                <a:gd name="T3" fmla="*/ 14496 h 20821"/>
+                <a:gd name="T4" fmla="*/ 0 w 20653"/>
+                <a:gd name="T5" fmla="*/ 20821 h 20821"/>
+              </a:gdLst>
+              <a:ahLst/>
+              <a:cxnLst>
+                <a:cxn ang="0">
+                  <a:pos x="T0" y="T1"/>
+                </a:cxn>
+                <a:cxn ang="0">
+                  <a:pos x="T2" y="T3"/>
+                </a:cxn>
+                <a:cxn ang="0">
+                  <a:pos x="T4" y="T5"/>
+                </a:cxn>
+              </a:cxnLst>
+              <a:rect l="0" t="0" r="r" b="b"/>
+              <a:pathLst>
+                <a:path w="20653" h="20821" fill="none" extrusionOk="0">
+                  <a:moveTo>
+                    <a:pt x="5747" y="-1"/>
+                  </a:moveTo>
+                  <a:cubicBezTo>
+                    <a:pt x="12867" y="1965"/>
+                    <a:pt x="18490" y="7432"/>
+                    <a:pt x="20653" y="14495"/>
+                  </a:cubicBezTo>
+                </a:path>
+                <a:path w="20653" h="20821" stroke="0" extrusionOk="0">
+                  <a:moveTo>
+                    <a:pt x="5747" y="-1"/>
+                  </a:moveTo>
+                  <a:cubicBezTo>
+                    <a:pt x="12867" y="1965"/>
+                    <a:pt x="18490" y="7432"/>
+                    <a:pt x="20653" y="14495"/>
+                  </a:cubicBezTo>
+                  <a:lnTo>
+                    <a:pt x="0" y="20821"/>
+                  </a:lnTo>
+                  <a:close/>
+                </a:path>
+              </a:pathLst>
+            </a:custGeom>
+            <a:gradFill rotWithShape="1">
+              <a:gsLst>
+                <a:gs pos="0">
+                  <a:srgbClr val="426D21"/>
+                </a:gs>
+                <a:gs pos="100000">
+                  <a:srgbClr val="90C94B"/>
+                </a:gs>
+              </a:gsLst>
+              <a:lin ang="5400000" scaled="1"/>
+            </a:gradFill>
+            <a:ln w="3175">
+              <a:solidFill>
+                <a:srgbClr val="C0C0C0"/>
+              </a:solidFill>
+              <a:round/>
+              <a:headEnd/>
+              <a:tailEnd/>
+            </a:ln>
+            <a:effectLst/>
+            <a:extLst>
+              <a:ext uri="{AF507438-7753-43e0-B8FC-AC1667EBCBE1}">
+                <a14:hiddenEffects xmlns:a14="http://schemas.microsoft.com/office/drawing/2010/main">
+                  <a:effectLst>
+                    <a:outerShdw dist="35921" dir="2700000" algn="ctr" rotWithShape="0">
+                      <a:schemeClr val="bg2"/>
+                    </a:outerShdw>
+                  </a:effectLst>
+                </a14:hiddenEffects>
+              </a:ext>
+            </a:extLst>
+          </p:spPr>
+          <p:txBody>
+            <a:bodyPr wrap="none" anchor="ctr"/>
+            <a:lstStyle/>
+            <a:p>
+              <a:pPr fontAlgn="base">
+                <a:spcBef>
+                  <a:spcPct val="0"/>
+                </a:spcBef>
+                <a:spcAft>
+                  <a:spcPct val="0"/>
+                </a:spcAft>
+              </a:pPr>
+              <a:endParaRPr lang="zh-CN" altLang="en-US" smtClean="0">
+                <a:solidFill>
+                  <a:srgbClr val="000000"/>
+                </a:solidFill>
+              </a:endParaRPr>
+            </a:p>
+          </p:txBody>
+        </p:sp>
+        <p:sp>
+          <p:nvSpPr>
+            <p:cNvPr id="79" name="Oval 48"/>
+            <p:cNvSpPr>
+              <a:spLocks noChangeArrowheads="1"/>
+            </p:cNvSpPr>
+            <p:nvPr/>
+          </p:nvSpPr>
+          <p:spPr bwMode="auto">
+            <a:xfrm>
+              <a:off x="3887788" y="3092450"/>
+              <a:ext cx="1368425" cy="1368425"/>
+            </a:xfrm>
+            <a:prstGeom prst="ellipse">
+              <a:avLst/>
+            </a:prstGeom>
+            <a:gradFill rotWithShape="1">
+              <a:gsLst>
+                <a:gs pos="0">
+                  <a:srgbClr val="BDE6FF"/>
+                </a:gs>
+                <a:gs pos="100000">
+                  <a:srgbClr val="CCECFF"/>
+                </a:gs>
+              </a:gsLst>
+              <a:lin ang="5400000" scaled="1"/>
+            </a:gradFill>
+            <a:ln>
+              <a:noFill/>
+            </a:ln>
+            <a:effectLst/>
+            <a:extLst>
+              <a:ext uri="{91240B29-F687-4f45-9708-019B960494DF}">
+                <a14:hiddenLine xmlns:a14="http://schemas.microsoft.com/office/drawing/2010/main" w="9525">
+                  <a:solidFill>
+                    <a:schemeClr val="tx1"/>
+                  </a:solidFill>
+                  <a:round/>
+                  <a:headEnd/>
+                  <a:tailEnd/>
+                </a14:hiddenLine>
+              </a:ext>
+              <a:ext uri="{AF507438-7753-43e0-B8FC-AC1667EBCBE1}">
+                <a14:hiddenEffects xmlns:a14="http://schemas.microsoft.com/office/drawing/2010/main">
+                  <a:effectLst>
+                    <a:outerShdw dist="35921" dir="2700000" algn="ctr" rotWithShape="0">
+                      <a:schemeClr val="bg2"/>
+                    </a:outerShdw>
+                  </a:effectLst>
+                </a14:hiddenEffects>
+              </a:ext>
+            </a:extLst>
+          </p:spPr>
+          <p:txBody>
+            <a:bodyPr wrap="none" anchor="ctr"/>
+            <a:lstStyle/>
+            <a:p>
+              <a:pPr fontAlgn="base">
+                <a:spcBef>
+                  <a:spcPct val="0"/>
+                </a:spcBef>
+                <a:spcAft>
+                  <a:spcPct val="0"/>
+                </a:spcAft>
+              </a:pPr>
+              <a:endParaRPr lang="zh-CN" altLang="en-US" smtClean="0">
+                <a:solidFill>
+                  <a:srgbClr val="000000"/>
+                </a:solidFill>
+              </a:endParaRPr>
+            </a:p>
+          </p:txBody>
+        </p:sp>
+        <p:sp>
+          <p:nvSpPr>
+            <p:cNvPr id="80" name="Oval 49"/>
+            <p:cNvSpPr>
+              <a:spLocks noChangeArrowheads="1"/>
+            </p:cNvSpPr>
+            <p:nvPr/>
+          </p:nvSpPr>
+          <p:spPr bwMode="auto">
+            <a:xfrm>
+              <a:off x="3959225" y="3176588"/>
+              <a:ext cx="1223963" cy="1220787"/>
+            </a:xfrm>
+            <a:prstGeom prst="ellipse">
+              <a:avLst/>
+            </a:prstGeom>
+            <a:gradFill rotWithShape="0">
+              <a:gsLst>
+                <a:gs pos="0">
+                  <a:srgbClr val="A1BAD3">
+                    <a:alpha val="64999"/>
+                  </a:srgbClr>
+                </a:gs>
+                <a:gs pos="43000">
+                  <a:srgbClr val="A1BAD3">
+                    <a:gamma/>
+                    <a:tint val="28627"/>
+                    <a:invGamma/>
+                    <a:alpha val="63000"/>
+                  </a:srgbClr>
+                </a:gs>
+              </a:gsLst>
+              <a:lin ang="5400000" scaled="1"/>
+            </a:gradFill>
+            <a:ln w="9525">
+              <a:solidFill>
+                <a:srgbClr val="000000"/>
+              </a:solidFill>
+              <a:round/>
+              <a:headEnd/>
+              <a:tailEnd/>
+            </a:ln>
+            <a:effectLst/>
+            <a:extLst/>
+          </p:spPr>
+          <p:txBody>
+            <a:bodyPr wrap="none" anchor="ctr"/>
+            <a:lstStyle/>
+            <a:p>
+              <a:pPr algn="ctr" fontAlgn="base" latinLnBrk="1">
+                <a:spcBef>
+                  <a:spcPct val="0"/>
+                </a:spcBef>
+                <a:spcAft>
+                  <a:spcPct val="0"/>
+                </a:spcAft>
+              </a:pPr>
+              <a:endParaRPr kumimoji="1" lang="zh-CN" altLang="zh-CN" sz="1600" smtClean="0">
+                <a:solidFill>
+                  <a:srgbClr val="000000"/>
+                </a:solidFill>
+                <a:ea typeface="HY견고딕" pitchFamily="18" charset="-127"/>
+              </a:endParaRPr>
+            </a:p>
+          </p:txBody>
+        </p:sp>
+        <p:sp>
+          <p:nvSpPr>
+            <p:cNvPr id="81" name="AutoShape 52"/>
+            <p:cNvSpPr>
+              <a:spLocks noChangeAspect="1" noChangeArrowheads="1"/>
+            </p:cNvSpPr>
+            <p:nvPr/>
+          </p:nvSpPr>
+          <p:spPr bwMode="auto">
+            <a:xfrm>
+              <a:off x="3960813" y="3178175"/>
+              <a:ext cx="1220787" cy="1220788"/>
+            </a:xfrm>
+            <a:custGeom>
+              <a:avLst/>
+              <a:gdLst>
+                <a:gd name="G0" fmla="+- 451 0 0"/>
+                <a:gd name="G1" fmla="+- 21600 0 451"/>
+                <a:gd name="G2" fmla="+- 21600 0 451"/>
+                <a:gd name="G3" fmla="*/ G0 2929 10000"/>
+                <a:gd name="G4" fmla="+- 21600 0 G3"/>
+                <a:gd name="G5" fmla="+- 21600 0 G3"/>
+                <a:gd name="T0" fmla="*/ 10800 w 21600"/>
+                <a:gd name="T1" fmla="*/ 0 h 21600"/>
+                <a:gd name="T2" fmla="*/ 3163 w 21600"/>
+                <a:gd name="T3" fmla="*/ 3163 h 21600"/>
+                <a:gd name="T4" fmla="*/ 0 w 21600"/>
+                <a:gd name="T5" fmla="*/ 10800 h 21600"/>
+                <a:gd name="T6" fmla="*/ 3163 w 21600"/>
+                <a:gd name="T7" fmla="*/ 18437 h 21600"/>
+                <a:gd name="T8" fmla="*/ 10800 w 21600"/>
+                <a:gd name="T9" fmla="*/ 21600 h 21600"/>
+                <a:gd name="T10" fmla="*/ 18437 w 21600"/>
+                <a:gd name="T11" fmla="*/ 18437 h 21600"/>
+                <a:gd name="T12" fmla="*/ 21600 w 21600"/>
+                <a:gd name="T13" fmla="*/ 10800 h 21600"/>
+                <a:gd name="T14" fmla="*/ 18437 w 21600"/>
+                <a:gd name="T15" fmla="*/ 3163 h 21600"/>
+                <a:gd name="T16" fmla="*/ 3163 w 21600"/>
+                <a:gd name="T17" fmla="*/ 3163 h 21600"/>
+                <a:gd name="T18" fmla="*/ 18437 w 21600"/>
+                <a:gd name="T19" fmla="*/ 18437 h 21600"/>
+              </a:gdLst>
+              <a:ahLst/>
+              <a:cxnLst>
+                <a:cxn ang="0">
+                  <a:pos x="T0" y="T1"/>
+                </a:cxn>
+                <a:cxn ang="0">
+                  <a:pos x="T2" y="T3"/>
+                </a:cxn>
+                <a:cxn ang="0">
+                  <a:pos x="T4" y="T5"/>
+                </a:cxn>
+                <a:cxn ang="0">
+                  <a:pos x="T6" y="T7"/>
+                </a:cxn>
+                <a:cxn ang="0">
+                  <a:pos x="T8" y="T9"/>
+                </a:cxn>
+                <a:cxn ang="0">
+                  <a:pos x="T10" y="T11"/>
+                </a:cxn>
+                <a:cxn ang="0">
+                  <a:pos x="T12" y="T13"/>
+                </a:cxn>
+                <a:cxn ang="0">
+                  <a:pos x="T14" y="T15"/>
+                </a:cxn>
+              </a:cxnLst>
+              <a:rect l="T16" t="T17" r="T18" b="T19"/>
+              <a:pathLst>
+                <a:path w="21600" h="21600">
+                  <a:moveTo>
+                    <a:pt x="0" y="10800"/>
+                  </a:moveTo>
+                  <a:cubicBezTo>
+                    <a:pt x="0" y="4835"/>
+                    <a:pt x="4835" y="0"/>
+                    <a:pt x="10800" y="0"/>
+                  </a:cubicBezTo>
+                  <a:cubicBezTo>
+                    <a:pt x="16765" y="0"/>
+                    <a:pt x="21600" y="4835"/>
+                    <a:pt x="21600" y="10800"/>
+                  </a:cubicBezTo>
+                  <a:cubicBezTo>
+                    <a:pt x="21600" y="16765"/>
+                    <a:pt x="16765" y="21600"/>
+                    <a:pt x="10800" y="21600"/>
+                  </a:cubicBezTo>
+                  <a:cubicBezTo>
+                    <a:pt x="4835" y="21600"/>
+                    <a:pt x="0" y="16765"/>
+                    <a:pt x="0" y="10800"/>
+                  </a:cubicBezTo>
+                  <a:close/>
+                  <a:moveTo>
+                    <a:pt x="451" y="10800"/>
+                  </a:moveTo>
+                  <a:cubicBezTo>
+                    <a:pt x="451" y="16516"/>
+                    <a:pt x="5084" y="21149"/>
+                    <a:pt x="10800" y="21149"/>
+                  </a:cubicBezTo>
+                  <a:cubicBezTo>
+                    <a:pt x="16516" y="21149"/>
+                    <a:pt x="21149" y="16516"/>
+                    <a:pt x="21149" y="10800"/>
+                  </a:cubicBezTo>
+                  <a:cubicBezTo>
+                    <a:pt x="21149" y="5084"/>
+                    <a:pt x="16516" y="451"/>
+                    <a:pt x="10800" y="451"/>
+                  </a:cubicBezTo>
+                  <a:cubicBezTo>
+                    <a:pt x="5084" y="451"/>
+                    <a:pt x="451" y="5084"/>
+                    <a:pt x="451" y="10800"/>
+                  </a:cubicBezTo>
+                  <a:close/>
+                </a:path>
+              </a:pathLst>
+            </a:custGeom>
+            <a:gradFill rotWithShape="1">
+              <a:gsLst>
+                <a:gs pos="0">
+                  <a:srgbClr val="CCECFF">
+                    <a:alpha val="0"/>
+                  </a:srgbClr>
+                </a:gs>
+                <a:gs pos="100000">
+                  <a:srgbClr val="068ECC"/>
+                </a:gs>
+              </a:gsLst>
+              <a:lin ang="5400000" scaled="1"/>
+            </a:gradFill>
+            <a:ln>
+              <a:noFill/>
+            </a:ln>
+            <a:effectLst/>
+            <a:extLst>
+              <a:ext uri="{91240B29-F687-4f45-9708-019B960494DF}">
+                <a14:hiddenLine xmlns:a14="http://schemas.microsoft.com/office/drawing/2010/main" w="9525">
+                  <a:solidFill>
+                    <a:schemeClr val="tx1"/>
+                  </a:solidFill>
+                  <a:round/>
+                  <a:headEnd/>
+                  <a:tailEnd/>
+                </a14:hiddenLine>
+              </a:ext>
+              <a:ext uri="{AF507438-7753-43e0-B8FC-AC1667EBCBE1}">
+                <a14:hiddenEffects xmlns:a14="http://schemas.microsoft.com/office/drawing/2010/main">
+                  <a:effectLst>
+                    <a:outerShdw dist="35921" dir="2700000" algn="ctr" rotWithShape="0">
+                      <a:schemeClr val="bg2"/>
+                    </a:outerShdw>
+                  </a:effectLst>
+                </a14:hiddenEffects>
+              </a:ext>
+            </a:extLst>
+          </p:spPr>
+          <p:txBody>
+            <a:bodyPr wrap="none" anchor="ctr"/>
+            <a:lstStyle/>
+            <a:p>
+              <a:pPr fontAlgn="base">
+                <a:spcBef>
+                  <a:spcPct val="0"/>
+                </a:spcBef>
+                <a:spcAft>
+                  <a:spcPct val="0"/>
+                </a:spcAft>
+              </a:pPr>
+              <a:endParaRPr lang="zh-CN" altLang="en-US" smtClean="0">
+                <a:solidFill>
+                  <a:srgbClr val="000000"/>
+                </a:solidFill>
+              </a:endParaRPr>
+            </a:p>
+          </p:txBody>
+        </p:sp>
+        <p:pic>
+          <p:nvPicPr>
+            <p:cNvPr id="82" name="Picture 105" descr="02章_05-1"/>
+            <p:cNvPicPr>
+              <a:picLocks noChangeAspect="1" noChangeArrowheads="1"/>
+            </p:cNvPicPr>
+            <p:nvPr/>
+          </p:nvPicPr>
+          <p:blipFill>
+            <a:blip r:embed="rId3">
+              <a:duotone>
+                <a:prstClr val="black"/>
+                <a:schemeClr val="accent5">
+                  <a:tint val="45000"/>
+                  <a:satMod val="400000"/>
+                </a:schemeClr>
+              </a:duotone>
+              <a:extLst>
+                <a:ext uri="{28A0092B-C50C-407E-A947-70E740481C1C}">
+                  <a14:useLocalDpi xmlns:a14="http://schemas.microsoft.com/office/drawing/2010/main" val="0"/>
+                </a:ext>
+              </a:extLst>
+            </a:blip>
+            <a:srcRect/>
+            <a:stretch>
+              <a:fillRect/>
+            </a:stretch>
+          </p:blipFill>
+          <p:spPr bwMode="auto">
+            <a:xfrm>
+              <a:off x="3708400" y="4076700"/>
+              <a:ext cx="188913" cy="182563"/>
+            </a:xfrm>
+            <a:prstGeom prst="rect">
+              <a:avLst/>
+            </a:prstGeom>
+            <a:noFill/>
+            <a:extLst>
+              <a:ext uri="{909E8E84-426E-40dd-AFC4-6F175D3DCCD1}">
+                <a14:hiddenFill xmlns:a14="http://schemas.microsoft.com/office/drawing/2010/main">
+                  <a:solidFill>
+                    <a:srgbClr val="FFFFFF"/>
+                  </a:solidFill>
+                </a14:hiddenFill>
+              </a:ext>
+            </a:extLst>
+          </p:spPr>
+        </p:pic>
+        <p:pic>
+          <p:nvPicPr>
+            <p:cNvPr id="83" name="Picture 106" descr="02章_05-1"/>
+            <p:cNvPicPr>
+              <a:picLocks noChangeAspect="1" noChangeArrowheads="1"/>
+            </p:cNvPicPr>
+            <p:nvPr/>
+          </p:nvPicPr>
+          <p:blipFill>
+            <a:blip r:embed="rId3">
+              <a:duotone>
+                <a:prstClr val="black"/>
+                <a:schemeClr val="accent5">
+                  <a:tint val="45000"/>
+                  <a:satMod val="400000"/>
+                </a:schemeClr>
+              </a:duotone>
+              <a:extLst>
+                <a:ext uri="{28A0092B-C50C-407E-A947-70E740481C1C}">
+                  <a14:useLocalDpi xmlns:a14="http://schemas.microsoft.com/office/drawing/2010/main" val="0"/>
+                </a:ext>
+              </a:extLst>
+            </a:blip>
+            <a:srcRect/>
+            <a:stretch>
+              <a:fillRect/>
+            </a:stretch>
+          </p:blipFill>
+          <p:spPr bwMode="auto">
+            <a:xfrm>
+              <a:off x="3735388" y="3213100"/>
+              <a:ext cx="188912" cy="182563"/>
+            </a:xfrm>
+            <a:prstGeom prst="rect">
+              <a:avLst/>
+            </a:prstGeom>
+            <a:noFill/>
+            <a:extLst>
+              <a:ext uri="{909E8E84-426E-40dd-AFC4-6F175D3DCCD1}">
+                <a14:hiddenFill xmlns:a14="http://schemas.microsoft.com/office/drawing/2010/main">
+                  <a:solidFill>
+                    <a:srgbClr val="FFFFFF"/>
+                  </a:solidFill>
+                </a14:hiddenFill>
+              </a:ext>
+            </a:extLst>
+          </p:spPr>
+        </p:pic>
+        <p:pic>
+          <p:nvPicPr>
+            <p:cNvPr id="84" name="Picture 108" descr="02章_05-1"/>
+            <p:cNvPicPr>
+              <a:picLocks noChangeAspect="1" noChangeArrowheads="1"/>
+            </p:cNvPicPr>
+            <p:nvPr/>
+          </p:nvPicPr>
+          <p:blipFill>
+            <a:blip r:embed="rId3">
+              <a:duotone>
+                <a:prstClr val="black"/>
+                <a:schemeClr val="accent5">
+                  <a:tint val="45000"/>
+                  <a:satMod val="400000"/>
+                </a:schemeClr>
+              </a:duotone>
+              <a:extLst>
+                <a:ext uri="{28A0092B-C50C-407E-A947-70E740481C1C}">
+                  <a14:useLocalDpi xmlns:a14="http://schemas.microsoft.com/office/drawing/2010/main" val="0"/>
+                </a:ext>
+              </a:extLst>
+            </a:blip>
+            <a:srcRect/>
+            <a:stretch>
+              <a:fillRect/>
+            </a:stretch>
+          </p:blipFill>
+          <p:spPr bwMode="auto">
+            <a:xfrm>
+              <a:off x="5219700" y="3284538"/>
+              <a:ext cx="188913" cy="182562"/>
+            </a:xfrm>
+            <a:prstGeom prst="rect">
+              <a:avLst/>
+            </a:prstGeom>
+            <a:noFill/>
+            <a:extLst>
+              <a:ext uri="{909E8E84-426E-40dd-AFC4-6F175D3DCCD1}">
+                <a14:hiddenFill xmlns:a14="http://schemas.microsoft.com/office/drawing/2010/main">
+                  <a:solidFill>
+                    <a:srgbClr val="FFFFFF"/>
+                  </a:solidFill>
+                </a14:hiddenFill>
+              </a:ext>
+            </a:extLst>
+          </p:spPr>
+        </p:pic>
+        <p:pic>
+          <p:nvPicPr>
+            <p:cNvPr id="85" name="Picture 109" descr="02章_05-1"/>
+            <p:cNvPicPr>
+              <a:picLocks noChangeAspect="1" noChangeArrowheads="1"/>
+            </p:cNvPicPr>
+            <p:nvPr/>
+          </p:nvPicPr>
+          <p:blipFill>
+            <a:blip r:embed="rId3">
+              <a:duotone>
+                <a:prstClr val="black"/>
+                <a:schemeClr val="accent5">
+                  <a:tint val="45000"/>
+                  <a:satMod val="400000"/>
+                </a:schemeClr>
+              </a:duotone>
+              <a:extLst>
+                <a:ext uri="{28A0092B-C50C-407E-A947-70E740481C1C}">
+                  <a14:useLocalDpi xmlns:a14="http://schemas.microsoft.com/office/drawing/2010/main" val="0"/>
+                </a:ext>
+              </a:extLst>
+            </a:blip>
+            <a:srcRect/>
+            <a:stretch>
+              <a:fillRect/>
+            </a:stretch>
+          </p:blipFill>
+          <p:spPr bwMode="auto">
+            <a:xfrm>
+              <a:off x="5219700" y="4076700"/>
+              <a:ext cx="188913" cy="182563"/>
+            </a:xfrm>
+            <a:prstGeom prst="rect">
+              <a:avLst/>
+            </a:prstGeom>
+            <a:noFill/>
+            <a:extLst>
+              <a:ext uri="{909E8E84-426E-40dd-AFC4-6F175D3DCCD1}">
+                <a14:hiddenFill xmlns:a14="http://schemas.microsoft.com/office/drawing/2010/main">
+                  <a:solidFill>
+                    <a:srgbClr val="FFFFFF"/>
+                  </a:solidFill>
+                </a14:hiddenFill>
+              </a:ext>
+            </a:extLst>
+          </p:spPr>
+        </p:pic>
+        <p:sp>
+          <p:nvSpPr>
+            <p:cNvPr id="86" name="AutoShape 121"/>
+            <p:cNvSpPr>
+              <a:spLocks noChangeArrowheads="1"/>
+            </p:cNvSpPr>
+            <p:nvPr/>
+          </p:nvSpPr>
+          <p:spPr bwMode="auto">
+            <a:xfrm>
+              <a:off x="3311525" y="4113213"/>
+              <a:ext cx="604838" cy="307975"/>
+            </a:xfrm>
+            <a:prstGeom prst="roundRect">
+              <a:avLst>
+                <a:gd name="adj" fmla="val 50000"/>
+              </a:avLst>
+            </a:prstGeom>
+            <a:noFill/>
+            <a:ln>
+              <a:noFill/>
+            </a:ln>
+            <a:effectLst/>
+            <a:extLst>
+              <a:ext uri="{909E8E84-426E-40dd-AFC4-6F175D3DCCD1}">
+                <a14:hiddenFill xmlns:a14="http://schemas.microsoft.com/office/drawing/2010/main">
+                  <a:gradFill rotWithShape="0">
+                    <a:gsLst>
+                      <a:gs pos="0">
+                        <a:srgbClr val="0099CC">
+                          <a:gamma/>
+                          <a:tint val="31765"/>
+                          <a:invGamma/>
+                        </a:srgbClr>
+                      </a:gs>
+                      <a:gs pos="100000">
+                        <a:srgbClr val="0099CC"/>
+                      </a:gs>
+                    </a:gsLst>
+                    <a:lin ang="2700000" scaled="1"/>
+                  </a:gradFill>
+                </a14:hiddenFill>
+              </a:ext>
+              <a:ext uri="{91240B29-F687-4f45-9708-019B960494DF}">
+                <a14:hiddenLine xmlns:a14="http://schemas.microsoft.com/office/drawing/2010/main" w="12700">
+                  <a:solidFill>
+                    <a:srgbClr val="003399"/>
+                  </a:solidFill>
+                  <a:round/>
+                  <a:headEnd/>
+                  <a:tailEnd/>
+                </a14:hiddenLine>
+              </a:ext>
+              <a:ext uri="{AF507438-7753-43e0-B8FC-AC1667EBCBE1}">
+                <a14:hiddenEffects xmlns:a14="http://schemas.microsoft.com/office/drawing/2010/main">
+                  <a:effectLst>
+                    <a:outerShdw dist="35921" dir="2700000" algn="ctr" rotWithShape="0">
+                      <a:srgbClr val="5890C8"/>
+                    </a:outerShdw>
+                  </a:effectLst>
+                </a14:hiddenEffects>
+              </a:ext>
+            </a:extLst>
+          </p:spPr>
+          <p:txBody>
+            <a:bodyPr wrap="none" anchor="ctr"/>
+            <a:lstStyle/>
+            <a:p>
+              <a:pPr algn="ctr" fontAlgn="base">
+                <a:spcBef>
+                  <a:spcPct val="0"/>
+                </a:spcBef>
+                <a:spcAft>
+                  <a:spcPct val="0"/>
+                </a:spcAft>
+              </a:pPr>
+              <a:r>
+                <a:rPr lang="en-US" altLang="ko-KR" sz="2400" b="1" smtClean="0">
+                  <a:solidFill>
+                    <a:srgbClr val="FFFFFF"/>
+                  </a:solidFill>
+                  <a:latin typeface="Century Gothic" pitchFamily="34" charset="0"/>
+                  <a:ea typeface="굴림" pitchFamily="34" charset="-127"/>
+                </a:rPr>
+                <a:t>1</a:t>
+              </a:r>
+            </a:p>
+          </p:txBody>
+        </p:sp>
+        <p:sp>
+          <p:nvSpPr>
+            <p:cNvPr id="87" name="AutoShape 122"/>
+            <p:cNvSpPr>
+              <a:spLocks noChangeArrowheads="1"/>
+            </p:cNvSpPr>
+            <p:nvPr/>
+          </p:nvSpPr>
+          <p:spPr bwMode="auto">
+            <a:xfrm>
+              <a:off x="5256213" y="4113213"/>
+              <a:ext cx="604837" cy="306387"/>
+            </a:xfrm>
+            <a:prstGeom prst="roundRect">
+              <a:avLst>
+                <a:gd name="adj" fmla="val 50000"/>
+              </a:avLst>
+            </a:prstGeom>
+            <a:noFill/>
+            <a:ln>
+              <a:noFill/>
+            </a:ln>
+            <a:effectLst/>
+            <a:extLst>
+              <a:ext uri="{909E8E84-426E-40dd-AFC4-6F175D3DCCD1}">
+                <a14:hiddenFill xmlns:a14="http://schemas.microsoft.com/office/drawing/2010/main">
+                  <a:gradFill rotWithShape="0">
+                    <a:gsLst>
+                      <a:gs pos="0">
+                        <a:srgbClr val="0099CC">
+                          <a:gamma/>
+                          <a:tint val="31765"/>
+                          <a:invGamma/>
+                        </a:srgbClr>
+                      </a:gs>
+                      <a:gs pos="100000">
+                        <a:srgbClr val="0099CC"/>
+                      </a:gs>
+                    </a:gsLst>
+                    <a:lin ang="2700000" scaled="1"/>
+                  </a:gradFill>
+                </a14:hiddenFill>
+              </a:ext>
+              <a:ext uri="{91240B29-F687-4f45-9708-019B960494DF}">
+                <a14:hiddenLine xmlns:a14="http://schemas.microsoft.com/office/drawing/2010/main" w="12700">
+                  <a:solidFill>
+                    <a:srgbClr val="003399"/>
+                  </a:solidFill>
+                  <a:round/>
+                  <a:headEnd/>
+                  <a:tailEnd/>
+                </a14:hiddenLine>
+              </a:ext>
+              <a:ext uri="{AF507438-7753-43e0-B8FC-AC1667EBCBE1}">
+                <a14:hiddenEffects xmlns:a14="http://schemas.microsoft.com/office/drawing/2010/main">
+                  <a:effectLst>
+                    <a:outerShdw dist="35921" dir="2700000" algn="ctr" rotWithShape="0">
+                      <a:srgbClr val="5890C8"/>
+                    </a:outerShdw>
+                  </a:effectLst>
+                </a14:hiddenEffects>
+              </a:ext>
+            </a:extLst>
+          </p:spPr>
+          <p:txBody>
+            <a:bodyPr wrap="none" anchor="ctr"/>
+            <a:lstStyle/>
+            <a:p>
+              <a:pPr algn="ctr" fontAlgn="base">
+                <a:spcBef>
+                  <a:spcPct val="0"/>
+                </a:spcBef>
+                <a:spcAft>
+                  <a:spcPct val="0"/>
+                </a:spcAft>
+              </a:pPr>
+              <a:r>
+                <a:rPr lang="en-US" altLang="ko-KR" sz="2400" b="1" dirty="0" smtClean="0">
+                  <a:solidFill>
+                    <a:srgbClr val="FFFFFF"/>
+                  </a:solidFill>
+                  <a:latin typeface="Century Gothic" pitchFamily="34" charset="0"/>
+                  <a:ea typeface="굴림" pitchFamily="34" charset="-127"/>
+                </a:rPr>
+                <a:t>4</a:t>
+              </a:r>
+            </a:p>
+          </p:txBody>
+        </p:sp>
+        <p:sp>
+          <p:nvSpPr>
+            <p:cNvPr id="88" name="AutoShape 123"/>
+            <p:cNvSpPr>
+              <a:spLocks noChangeArrowheads="1"/>
+            </p:cNvSpPr>
+            <p:nvPr/>
+          </p:nvSpPr>
+          <p:spPr bwMode="auto">
+            <a:xfrm>
+              <a:off x="5256213" y="3176588"/>
+              <a:ext cx="604837" cy="306387"/>
+            </a:xfrm>
+            <a:prstGeom prst="roundRect">
+              <a:avLst>
+                <a:gd name="adj" fmla="val 50000"/>
+              </a:avLst>
+            </a:prstGeom>
+            <a:noFill/>
+            <a:ln>
+              <a:noFill/>
+            </a:ln>
+            <a:effectLst/>
+            <a:extLst>
+              <a:ext uri="{909E8E84-426E-40dd-AFC4-6F175D3DCCD1}">
+                <a14:hiddenFill xmlns:a14="http://schemas.microsoft.com/office/drawing/2010/main">
+                  <a:gradFill rotWithShape="0">
+                    <a:gsLst>
+                      <a:gs pos="0">
+                        <a:srgbClr val="0099CC">
+                          <a:gamma/>
+                          <a:tint val="31765"/>
+                          <a:invGamma/>
+                        </a:srgbClr>
+                      </a:gs>
+                      <a:gs pos="100000">
+                        <a:srgbClr val="0099CC"/>
+                      </a:gs>
+                    </a:gsLst>
+                    <a:lin ang="2700000" scaled="1"/>
+                  </a:gradFill>
+                </a14:hiddenFill>
+              </a:ext>
+              <a:ext uri="{91240B29-F687-4f45-9708-019B960494DF}">
+                <a14:hiddenLine xmlns:a14="http://schemas.microsoft.com/office/drawing/2010/main" w="12700">
+                  <a:solidFill>
+                    <a:srgbClr val="003399"/>
+                  </a:solidFill>
+                  <a:round/>
+                  <a:headEnd/>
+                  <a:tailEnd/>
+                </a14:hiddenLine>
+              </a:ext>
+              <a:ext uri="{AF507438-7753-43e0-B8FC-AC1667EBCBE1}">
+                <a14:hiddenEffects xmlns:a14="http://schemas.microsoft.com/office/drawing/2010/main">
+                  <a:effectLst>
+                    <a:outerShdw dist="35921" dir="2700000" algn="ctr" rotWithShape="0">
+                      <a:srgbClr val="5890C8"/>
+                    </a:outerShdw>
+                  </a:effectLst>
+                </a14:hiddenEffects>
+              </a:ext>
+            </a:extLst>
+          </p:spPr>
+          <p:txBody>
+            <a:bodyPr wrap="none" anchor="ctr"/>
+            <a:lstStyle/>
+            <a:p>
+              <a:pPr algn="ctr" fontAlgn="base">
+                <a:spcBef>
+                  <a:spcPct val="0"/>
+                </a:spcBef>
+                <a:spcAft>
+                  <a:spcPct val="0"/>
+                </a:spcAft>
+              </a:pPr>
+              <a:r>
+                <a:rPr lang="en-US" altLang="ko-KR" sz="2400" b="1" dirty="0" smtClean="0">
+                  <a:solidFill>
+                    <a:srgbClr val="FFFFFF"/>
+                  </a:solidFill>
+                  <a:latin typeface="Century Gothic" pitchFamily="34" charset="0"/>
+                  <a:ea typeface="굴림" pitchFamily="34" charset="-127"/>
+                </a:rPr>
+                <a:t>3</a:t>
+              </a:r>
+            </a:p>
+          </p:txBody>
+        </p:sp>
+        <p:sp>
+          <p:nvSpPr>
+            <p:cNvPr id="89" name="AutoShape 124"/>
+            <p:cNvSpPr>
+              <a:spLocks noChangeArrowheads="1"/>
+            </p:cNvSpPr>
+            <p:nvPr/>
+          </p:nvSpPr>
+          <p:spPr bwMode="auto">
+            <a:xfrm>
+              <a:off x="3282950" y="3176588"/>
+              <a:ext cx="604838" cy="306387"/>
+            </a:xfrm>
+            <a:prstGeom prst="roundRect">
+              <a:avLst>
+                <a:gd name="adj" fmla="val 50000"/>
+              </a:avLst>
+            </a:prstGeom>
+            <a:noFill/>
+            <a:ln>
+              <a:noFill/>
+            </a:ln>
+            <a:effectLst/>
+            <a:extLst>
+              <a:ext uri="{909E8E84-426E-40dd-AFC4-6F175D3DCCD1}">
+                <a14:hiddenFill xmlns:a14="http://schemas.microsoft.com/office/drawing/2010/main">
+                  <a:gradFill rotWithShape="0">
+                    <a:gsLst>
+                      <a:gs pos="0">
+                        <a:srgbClr val="0099CC">
+                          <a:gamma/>
+                          <a:tint val="31765"/>
+                          <a:invGamma/>
+                        </a:srgbClr>
+                      </a:gs>
+                      <a:gs pos="100000">
+                        <a:srgbClr val="0099CC"/>
+                      </a:gs>
+                    </a:gsLst>
+                    <a:lin ang="2700000" scaled="1"/>
+                  </a:gradFill>
+                </a14:hiddenFill>
+              </a:ext>
+              <a:ext uri="{91240B29-F687-4f45-9708-019B960494DF}">
+                <a14:hiddenLine xmlns:a14="http://schemas.microsoft.com/office/drawing/2010/main" w="12700">
+                  <a:solidFill>
+                    <a:srgbClr val="003399"/>
+                  </a:solidFill>
+                  <a:round/>
+                  <a:headEnd/>
+                  <a:tailEnd/>
+                </a14:hiddenLine>
+              </a:ext>
+              <a:ext uri="{AF507438-7753-43e0-B8FC-AC1667EBCBE1}">
+                <a14:hiddenEffects xmlns:a14="http://schemas.microsoft.com/office/drawing/2010/main">
+                  <a:effectLst>
+                    <a:outerShdw dist="35921" dir="2700000" algn="ctr" rotWithShape="0">
+                      <a:srgbClr val="5890C8"/>
+                    </a:outerShdw>
+                  </a:effectLst>
+                </a14:hiddenEffects>
+              </a:ext>
+            </a:extLst>
+          </p:spPr>
+          <p:txBody>
+            <a:bodyPr wrap="none" anchor="ctr"/>
+            <a:lstStyle/>
+            <a:p>
+              <a:pPr algn="ctr" fontAlgn="base">
+                <a:spcBef>
+                  <a:spcPct val="0"/>
+                </a:spcBef>
+                <a:spcAft>
+                  <a:spcPct val="0"/>
+                </a:spcAft>
+              </a:pPr>
+              <a:r>
+                <a:rPr lang="en-US" altLang="ko-KR" sz="2400" b="1" smtClean="0">
+                  <a:solidFill>
+                    <a:srgbClr val="FFFFFF"/>
+                  </a:solidFill>
+                  <a:latin typeface="Century Gothic" pitchFamily="34" charset="0"/>
+                  <a:ea typeface="굴림" pitchFamily="34" charset="-127"/>
+                </a:rPr>
+                <a:t>2</a:t>
+              </a:r>
+            </a:p>
+          </p:txBody>
+        </p:sp>
+        <p:sp>
+          <p:nvSpPr>
+            <p:cNvPr id="90" name="TextBox 44"/>
+            <p:cNvSpPr txBox="1"/>
+            <p:nvPr/>
+          </p:nvSpPr>
+          <p:spPr>
+            <a:xfrm>
+              <a:off x="4039232" y="3445907"/>
+              <a:ext cx="1065535" cy="629916"/>
+            </a:xfrm>
+            <a:prstGeom prst="rect">
+              <a:avLst/>
+            </a:prstGeom>
+            <a:noFill/>
+          </p:spPr>
+          <p:txBody>
+            <a:bodyPr wrap="square" rtlCol="0">
+              <a:spAutoFit/>
+            </a:bodyPr>
+            <a:lstStyle/>
+            <a:p>
+              <a:pPr algn="ctr">
+                <a:lnSpc>
+                  <a:spcPct val="110000"/>
+                </a:lnSpc>
+              </a:pPr>
+              <a:r>
+                <a:rPr lang="en-US" altLang="zh-CN" sz="1600" b="1" dirty="0" smtClean="0">
+                  <a:solidFill>
+                    <a:schemeClr val="accent1">
+                      <a:lumMod val="50000"/>
+                    </a:schemeClr>
+                  </a:solidFill>
+                  <a:latin typeface="微软雅黑" pitchFamily="34" charset="-122"/>
+                  <a:ea typeface="微软雅黑" pitchFamily="34" charset="-122"/>
+                </a:rPr>
+                <a:t>UBP</a:t>
+              </a:r>
+            </a:p>
+            <a:p>
+              <a:pPr algn="ctr">
+                <a:lnSpc>
+                  <a:spcPct val="110000"/>
+                </a:lnSpc>
+              </a:pPr>
+              <a:r>
+                <a:rPr lang="zh-CN" altLang="en-US" sz="1600" b="1" dirty="0" smtClean="0">
+                  <a:solidFill>
+                    <a:schemeClr val="accent1">
+                      <a:lumMod val="50000"/>
+                    </a:schemeClr>
+                  </a:solidFill>
+                  <a:latin typeface="微软雅黑" pitchFamily="34" charset="-122"/>
+                  <a:ea typeface="微软雅黑" pitchFamily="34" charset="-122"/>
+                </a:rPr>
+                <a:t>平台</a:t>
+              </a:r>
+              <a:endParaRPr lang="zh-CN" altLang="en-US" sz="1600" b="1" dirty="0">
+                <a:solidFill>
+                  <a:schemeClr val="accent1">
+                    <a:lumMod val="50000"/>
+                  </a:schemeClr>
+                </a:solidFill>
+                <a:latin typeface="微软雅黑" pitchFamily="34" charset="-122"/>
+                <a:ea typeface="微软雅黑" pitchFamily="34" charset="-122"/>
+              </a:endParaRPr>
+            </a:p>
+          </p:txBody>
+        </p:sp>
+        <p:sp>
+          <p:nvSpPr>
+            <p:cNvPr id="91" name="TextBox 45"/>
+            <p:cNvSpPr txBox="1"/>
+            <p:nvPr/>
+          </p:nvSpPr>
+          <p:spPr>
+            <a:xfrm>
+              <a:off x="6422790" y="2560168"/>
+              <a:ext cx="2230459" cy="921791"/>
+            </a:xfrm>
+            <a:prstGeom prst="rect">
+              <a:avLst/>
+            </a:prstGeom>
+            <a:noFill/>
+          </p:spPr>
+          <p:txBody>
+            <a:bodyPr wrap="square" rtlCol="0">
+              <a:spAutoFit/>
+            </a:bodyPr>
+            <a:lstStyle/>
+            <a:p>
+              <a:pPr>
+                <a:lnSpc>
+                  <a:spcPct val="130000"/>
+                </a:lnSpc>
+              </a:pPr>
+              <a:r>
+                <a:rPr lang="zh-CN" altLang="en-US" sz="1400" dirty="0" smtClean="0">
+                  <a:solidFill>
+                    <a:srgbClr val="67BAF6"/>
+                  </a:solidFill>
+                  <a:latin typeface="微软雅黑" pitchFamily="34" charset="-122"/>
+                  <a:ea typeface="微软雅黑" pitchFamily="34" charset="-122"/>
+                </a:rPr>
+                <a:t>网银、手机、微信全渠道</a:t>
+              </a:r>
+              <a:endParaRPr lang="en-US" altLang="zh-CN" sz="1400" dirty="0">
+                <a:solidFill>
+                  <a:srgbClr val="67BAF6"/>
+                </a:solidFill>
+                <a:latin typeface="微软雅黑" pitchFamily="34" charset="-122"/>
+                <a:ea typeface="微软雅黑" pitchFamily="34" charset="-122"/>
+              </a:endParaRPr>
+            </a:p>
+            <a:p>
+              <a:pPr>
+                <a:lnSpc>
+                  <a:spcPct val="130000"/>
+                </a:lnSpc>
+              </a:pPr>
+              <a:r>
+                <a:rPr lang="zh-CN" altLang="en-US" sz="1400" dirty="0" smtClean="0">
+                  <a:solidFill>
+                    <a:srgbClr val="67BAF6"/>
+                  </a:solidFill>
+                  <a:latin typeface="微软雅黑" pitchFamily="34" charset="-122"/>
+                  <a:ea typeface="微软雅黑" pitchFamily="34" charset="-122"/>
+                </a:rPr>
+                <a:t>营销模版</a:t>
+              </a:r>
+              <a:endParaRPr lang="en-US" altLang="zh-CN" sz="1400" dirty="0">
+                <a:solidFill>
+                  <a:srgbClr val="67BAF6"/>
+                </a:solidFill>
+                <a:latin typeface="微软雅黑" pitchFamily="34" charset="-122"/>
+                <a:ea typeface="微软雅黑" pitchFamily="34" charset="-122"/>
+              </a:endParaRPr>
+            </a:p>
+            <a:p>
+              <a:pPr>
+                <a:lnSpc>
+                  <a:spcPct val="130000"/>
+                </a:lnSpc>
+              </a:pPr>
+              <a:r>
+                <a:rPr lang="zh-CN" altLang="en-US" sz="1400" dirty="0" smtClean="0">
+                  <a:solidFill>
+                    <a:srgbClr val="67BAF6"/>
+                  </a:solidFill>
+                  <a:latin typeface="微软雅黑" pitchFamily="34" charset="-122"/>
+                  <a:ea typeface="微软雅黑" pitchFamily="34" charset="-122"/>
+                </a:rPr>
+                <a:t>营销</a:t>
+              </a:r>
+              <a:r>
+                <a:rPr lang="zh-CN" altLang="en-US" sz="1400" dirty="0" smtClean="0">
+                  <a:solidFill>
+                    <a:srgbClr val="67BAF6"/>
+                  </a:solidFill>
+                  <a:latin typeface="微软雅黑" pitchFamily="34" charset="-122"/>
+                  <a:ea typeface="微软雅黑" pitchFamily="34" charset="-122"/>
+                </a:rPr>
+                <a:t>目标</a:t>
+              </a:r>
+              <a:r>
+                <a:rPr lang="zh-CN" altLang="en-US" sz="1400" dirty="0" smtClean="0">
+                  <a:solidFill>
+                    <a:srgbClr val="67BAF6"/>
+                  </a:solidFill>
+                  <a:latin typeface="微软雅黑" pitchFamily="34" charset="-122"/>
+                  <a:ea typeface="微软雅黑" pitchFamily="34" charset="-122"/>
+                </a:rPr>
+                <a:t>、发布</a:t>
+              </a:r>
+              <a:r>
+                <a:rPr lang="zh-CN" altLang="en-US" sz="1400" dirty="0">
+                  <a:solidFill>
+                    <a:srgbClr val="67BAF6"/>
+                  </a:solidFill>
+                  <a:latin typeface="微软雅黑" pitchFamily="34" charset="-122"/>
+                  <a:ea typeface="微软雅黑" pitchFamily="34" charset="-122"/>
+                </a:rPr>
+                <a:t>、</a:t>
+              </a:r>
+              <a:r>
+                <a:rPr lang="zh-CN" altLang="en-US" sz="1400" dirty="0" smtClean="0">
+                  <a:solidFill>
+                    <a:srgbClr val="67BAF6"/>
+                  </a:solidFill>
+                  <a:latin typeface="微软雅黑" pitchFamily="34" charset="-122"/>
+                  <a:ea typeface="微软雅黑" pitchFamily="34" charset="-122"/>
+                </a:rPr>
+                <a:t>反馈</a:t>
+              </a:r>
+              <a:endParaRPr lang="en-US" altLang="zh-CN" sz="1400" dirty="0">
+                <a:solidFill>
+                  <a:srgbClr val="67BAF6"/>
+                </a:solidFill>
+                <a:latin typeface="微软雅黑" pitchFamily="34" charset="-122"/>
+                <a:ea typeface="微软雅黑" pitchFamily="34" charset="-122"/>
+              </a:endParaRPr>
+            </a:p>
+          </p:txBody>
+        </p:sp>
+        <p:sp>
+          <p:nvSpPr>
+            <p:cNvPr id="92" name="TextBox 46"/>
+            <p:cNvSpPr txBox="1"/>
+            <p:nvPr/>
+          </p:nvSpPr>
+          <p:spPr>
+            <a:xfrm>
+              <a:off x="6201037" y="2204671"/>
+              <a:ext cx="1280580" cy="400110"/>
+            </a:xfrm>
+            <a:prstGeom prst="rect">
+              <a:avLst/>
+            </a:prstGeom>
+            <a:noFill/>
+          </p:spPr>
+          <p:txBody>
+            <a:bodyPr wrap="square" rtlCol="0">
+              <a:spAutoFit/>
+            </a:bodyPr>
+            <a:lstStyle/>
+            <a:p>
+              <a:r>
+                <a:rPr lang="zh-CN" altLang="en-US" sz="2000" b="1" dirty="0" smtClean="0">
+                  <a:solidFill>
+                    <a:schemeClr val="accent3">
+                      <a:lumMod val="60000"/>
+                      <a:lumOff val="40000"/>
+                    </a:schemeClr>
+                  </a:solidFill>
+                  <a:latin typeface="微软雅黑" pitchFamily="34" charset="-122"/>
+                  <a:ea typeface="微软雅黑" pitchFamily="34" charset="-122"/>
+                </a:rPr>
+                <a:t>营销中心</a:t>
+              </a:r>
+              <a:endParaRPr lang="zh-CN" altLang="en-US" sz="2000" b="1" dirty="0">
+                <a:solidFill>
+                  <a:schemeClr val="accent3">
+                    <a:lumMod val="60000"/>
+                    <a:lumOff val="40000"/>
+                  </a:schemeClr>
+                </a:solidFill>
+                <a:latin typeface="微软雅黑" pitchFamily="34" charset="-122"/>
+                <a:ea typeface="微软雅黑" pitchFamily="34" charset="-122"/>
+              </a:endParaRPr>
+            </a:p>
+          </p:txBody>
+        </p:sp>
+        <p:sp>
+          <p:nvSpPr>
+            <p:cNvPr id="93" name="TextBox 47"/>
+            <p:cNvSpPr txBox="1"/>
+            <p:nvPr/>
+          </p:nvSpPr>
+          <p:spPr>
+            <a:xfrm>
+              <a:off x="6482460" y="4671079"/>
+              <a:ext cx="2170789" cy="1201867"/>
+            </a:xfrm>
+            <a:prstGeom prst="rect">
+              <a:avLst/>
+            </a:prstGeom>
+            <a:noFill/>
+          </p:spPr>
+          <p:txBody>
+            <a:bodyPr wrap="square" rtlCol="0">
+              <a:spAutoFit/>
+            </a:bodyPr>
+            <a:lstStyle/>
+            <a:p>
+              <a:pPr>
+                <a:lnSpc>
+                  <a:spcPct val="130000"/>
+                </a:lnSpc>
+              </a:pPr>
+              <a:r>
+                <a:rPr lang="zh-CN" altLang="en-US" sz="1400" dirty="0" smtClean="0">
+                  <a:solidFill>
+                    <a:srgbClr val="BB86E3"/>
+                  </a:solidFill>
+                  <a:latin typeface="微软雅黑" pitchFamily="34" charset="-122"/>
+                  <a:ea typeface="微软雅黑" pitchFamily="34" charset="-122"/>
+                </a:rPr>
+                <a:t>接入／差异化</a:t>
+              </a:r>
+              <a:endParaRPr lang="en-US" altLang="zh-CN" sz="1400" dirty="0" smtClean="0">
+                <a:solidFill>
+                  <a:srgbClr val="BB86E3"/>
+                </a:solidFill>
+                <a:latin typeface="微软雅黑" pitchFamily="34" charset="-122"/>
+                <a:ea typeface="微软雅黑" pitchFamily="34" charset="-122"/>
+              </a:endParaRPr>
+            </a:p>
+            <a:p>
+              <a:pPr>
+                <a:lnSpc>
+                  <a:spcPct val="130000"/>
+                </a:lnSpc>
+              </a:pPr>
+              <a:r>
+                <a:rPr lang="zh-CN" altLang="en-US" sz="1400" dirty="0" smtClean="0">
+                  <a:solidFill>
+                    <a:srgbClr val="BB86E3"/>
+                  </a:solidFill>
+                  <a:latin typeface="微软雅黑" pitchFamily="34" charset="-122"/>
+                  <a:ea typeface="微软雅黑" pitchFamily="34" charset="-122"/>
+                </a:rPr>
+                <a:t>服务调度</a:t>
+              </a:r>
+              <a:endParaRPr lang="en-US" altLang="zh-CN" sz="1400" dirty="0" smtClean="0">
+                <a:solidFill>
+                  <a:srgbClr val="BB86E3"/>
+                </a:solidFill>
+                <a:latin typeface="微软雅黑" pitchFamily="34" charset="-122"/>
+                <a:ea typeface="微软雅黑" pitchFamily="34" charset="-122"/>
+              </a:endParaRPr>
+            </a:p>
+            <a:p>
+              <a:pPr>
+                <a:lnSpc>
+                  <a:spcPct val="130000"/>
+                </a:lnSpc>
+              </a:pPr>
+              <a:r>
+                <a:rPr lang="zh-CN" altLang="en-US" sz="1400" dirty="0" smtClean="0">
+                  <a:solidFill>
+                    <a:srgbClr val="BB86E3"/>
+                  </a:solidFill>
+                  <a:latin typeface="微软雅黑" pitchFamily="34" charset="-122"/>
+                  <a:ea typeface="微软雅黑" pitchFamily="34" charset="-122"/>
+                </a:rPr>
+                <a:t>服务管理</a:t>
+              </a:r>
+              <a:endParaRPr lang="en-US" altLang="zh-CN" sz="1400" dirty="0" smtClean="0">
+                <a:solidFill>
+                  <a:srgbClr val="BB86E3"/>
+                </a:solidFill>
+                <a:latin typeface="微软雅黑" pitchFamily="34" charset="-122"/>
+                <a:ea typeface="微软雅黑" pitchFamily="34" charset="-122"/>
+              </a:endParaRPr>
+            </a:p>
+            <a:p>
+              <a:pPr>
+                <a:lnSpc>
+                  <a:spcPct val="130000"/>
+                </a:lnSpc>
+              </a:pPr>
+              <a:r>
+                <a:rPr lang="zh-CN" altLang="en-US" sz="1400" dirty="0" smtClean="0">
+                  <a:solidFill>
+                    <a:srgbClr val="BB86E3"/>
+                  </a:solidFill>
+                  <a:latin typeface="微软雅黑" pitchFamily="34" charset="-122"/>
+                  <a:ea typeface="微软雅黑" pitchFamily="34" charset="-122"/>
+                </a:rPr>
+                <a:t>服务发布</a:t>
+              </a:r>
+              <a:endParaRPr lang="en-US" altLang="zh-CN" sz="1400" dirty="0" smtClean="0">
+                <a:solidFill>
+                  <a:srgbClr val="BB86E3"/>
+                </a:solidFill>
+                <a:latin typeface="微软雅黑" pitchFamily="34" charset="-122"/>
+                <a:ea typeface="微软雅黑" pitchFamily="34" charset="-122"/>
+              </a:endParaRPr>
+            </a:p>
+          </p:txBody>
+        </p:sp>
+        <p:sp>
+          <p:nvSpPr>
+            <p:cNvPr id="94" name="TextBox 48"/>
+            <p:cNvSpPr txBox="1"/>
+            <p:nvPr/>
+          </p:nvSpPr>
+          <p:spPr>
+            <a:xfrm>
+              <a:off x="6257440" y="4291598"/>
+              <a:ext cx="1280580" cy="400110"/>
+            </a:xfrm>
+            <a:prstGeom prst="rect">
+              <a:avLst/>
+            </a:prstGeom>
+            <a:noFill/>
+          </p:spPr>
+          <p:txBody>
+            <a:bodyPr wrap="square" rtlCol="0">
+              <a:spAutoFit/>
+            </a:bodyPr>
+            <a:lstStyle/>
+            <a:p>
+              <a:r>
+                <a:rPr lang="zh-CN" altLang="en-US" sz="2000" b="1" dirty="0" smtClean="0">
+                  <a:solidFill>
+                    <a:schemeClr val="accent6">
+                      <a:lumMod val="60000"/>
+                      <a:lumOff val="40000"/>
+                    </a:schemeClr>
+                  </a:solidFill>
+                  <a:latin typeface="微软雅黑" pitchFamily="34" charset="-122"/>
+                  <a:ea typeface="微软雅黑" pitchFamily="34" charset="-122"/>
+                </a:rPr>
+                <a:t>渠道终端</a:t>
+              </a:r>
+              <a:endParaRPr lang="en-US" altLang="zh-CN" sz="2000" b="1" dirty="0" smtClean="0">
+                <a:solidFill>
+                  <a:schemeClr val="accent6">
+                    <a:lumMod val="60000"/>
+                    <a:lumOff val="40000"/>
+                  </a:schemeClr>
+                </a:solidFill>
+                <a:latin typeface="微软雅黑" pitchFamily="34" charset="-122"/>
+                <a:ea typeface="微软雅黑" pitchFamily="34" charset="-122"/>
+              </a:endParaRPr>
+            </a:p>
+          </p:txBody>
+        </p:sp>
+        <p:sp>
+          <p:nvSpPr>
+            <p:cNvPr id="95" name="TextBox 49"/>
+            <p:cNvSpPr txBox="1"/>
+            <p:nvPr/>
+          </p:nvSpPr>
+          <p:spPr>
+            <a:xfrm>
+              <a:off x="1089112" y="2563758"/>
+              <a:ext cx="2170789" cy="921791"/>
+            </a:xfrm>
+            <a:prstGeom prst="rect">
+              <a:avLst/>
+            </a:prstGeom>
+            <a:noFill/>
+          </p:spPr>
+          <p:txBody>
+            <a:bodyPr wrap="square" rtlCol="0">
+              <a:spAutoFit/>
+            </a:bodyPr>
+            <a:lstStyle/>
+            <a:p>
+              <a:pPr>
+                <a:lnSpc>
+                  <a:spcPct val="130000"/>
+                </a:lnSpc>
+              </a:pPr>
+              <a:r>
+                <a:rPr lang="zh-CN" altLang="en-US" sz="1400" dirty="0" smtClean="0">
+                  <a:solidFill>
+                    <a:srgbClr val="33D1AB"/>
+                  </a:solidFill>
+                  <a:latin typeface="微软雅黑" pitchFamily="34" charset="-122"/>
+                  <a:ea typeface="微软雅黑" pitchFamily="34" charset="-122"/>
+                </a:rPr>
+                <a:t>主动／被动服务</a:t>
+              </a:r>
+              <a:endParaRPr lang="en-US" altLang="zh-CN" sz="1400" dirty="0" smtClean="0">
+                <a:solidFill>
+                  <a:srgbClr val="33D1AB"/>
+                </a:solidFill>
+                <a:latin typeface="微软雅黑" pitchFamily="34" charset="-122"/>
+                <a:ea typeface="微软雅黑" pitchFamily="34" charset="-122"/>
+              </a:endParaRPr>
+            </a:p>
+            <a:p>
+              <a:pPr>
+                <a:lnSpc>
+                  <a:spcPct val="130000"/>
+                </a:lnSpc>
+              </a:pPr>
+              <a:r>
+                <a:rPr lang="zh-CN" altLang="en-US" sz="1400" dirty="0" smtClean="0">
+                  <a:solidFill>
+                    <a:srgbClr val="33D1AB"/>
+                  </a:solidFill>
+                  <a:latin typeface="微软雅黑" pitchFamily="34" charset="-122"/>
+                  <a:ea typeface="微软雅黑" pitchFamily="34" charset="-122"/>
+                </a:rPr>
+                <a:t>触发规则</a:t>
+              </a:r>
+              <a:endParaRPr lang="en-US" altLang="zh-CN" sz="1400" dirty="0" smtClean="0">
+                <a:solidFill>
+                  <a:srgbClr val="33D1AB"/>
+                </a:solidFill>
+                <a:latin typeface="微软雅黑" pitchFamily="34" charset="-122"/>
+                <a:ea typeface="微软雅黑" pitchFamily="34" charset="-122"/>
+              </a:endParaRPr>
+            </a:p>
+            <a:p>
+              <a:pPr>
+                <a:lnSpc>
+                  <a:spcPct val="130000"/>
+                </a:lnSpc>
+              </a:pPr>
+              <a:r>
+                <a:rPr lang="zh-CN" altLang="en-US" sz="1400" dirty="0" smtClean="0">
+                  <a:solidFill>
+                    <a:srgbClr val="33D1AB"/>
+                  </a:solidFill>
+                  <a:latin typeface="微软雅黑" pitchFamily="34" charset="-122"/>
+                  <a:ea typeface="微软雅黑" pitchFamily="34" charset="-122"/>
+                </a:rPr>
+                <a:t>信息发布</a:t>
+              </a:r>
+              <a:endParaRPr lang="en-US" altLang="zh-CN" sz="1400" dirty="0" smtClean="0">
+                <a:solidFill>
+                  <a:srgbClr val="33D1AB"/>
+                </a:solidFill>
+                <a:latin typeface="微软雅黑" pitchFamily="34" charset="-122"/>
+                <a:ea typeface="微软雅黑" pitchFamily="34" charset="-122"/>
+              </a:endParaRPr>
+            </a:p>
+          </p:txBody>
+        </p:sp>
+        <p:sp>
+          <p:nvSpPr>
+            <p:cNvPr id="96" name="TextBox 50"/>
+            <p:cNvSpPr txBox="1"/>
+            <p:nvPr/>
+          </p:nvSpPr>
+          <p:spPr>
+            <a:xfrm>
+              <a:off x="837524" y="2204864"/>
+              <a:ext cx="1280580" cy="400110"/>
+            </a:xfrm>
+            <a:prstGeom prst="rect">
+              <a:avLst/>
+            </a:prstGeom>
+            <a:noFill/>
+          </p:spPr>
+          <p:txBody>
+            <a:bodyPr wrap="square" rtlCol="0">
+              <a:spAutoFit/>
+            </a:bodyPr>
+            <a:lstStyle/>
+            <a:p>
+              <a:r>
+                <a:rPr lang="zh-CN" altLang="en-US" sz="2000" b="1" dirty="0" smtClean="0">
+                  <a:solidFill>
+                    <a:srgbClr val="33D1AB"/>
+                  </a:solidFill>
+                  <a:latin typeface="微软雅黑" pitchFamily="34" charset="-122"/>
+                  <a:ea typeface="微软雅黑" pitchFamily="34" charset="-122"/>
+                </a:rPr>
+                <a:t>消息中心</a:t>
+              </a:r>
+              <a:endParaRPr lang="en-US" altLang="zh-CN" sz="2000" b="1" dirty="0" smtClean="0">
+                <a:solidFill>
+                  <a:srgbClr val="33D1AB"/>
+                </a:solidFill>
+                <a:latin typeface="微软雅黑" pitchFamily="34" charset="-122"/>
+                <a:ea typeface="微软雅黑" pitchFamily="34" charset="-122"/>
+              </a:endParaRPr>
+            </a:p>
+          </p:txBody>
+        </p:sp>
+        <p:sp>
+          <p:nvSpPr>
+            <p:cNvPr id="97" name="TextBox 51"/>
+            <p:cNvSpPr txBox="1"/>
+            <p:nvPr/>
+          </p:nvSpPr>
+          <p:spPr>
+            <a:xfrm>
+              <a:off x="1188404" y="4687779"/>
+              <a:ext cx="2170789" cy="921791"/>
+            </a:xfrm>
+            <a:prstGeom prst="rect">
+              <a:avLst/>
+            </a:prstGeom>
+            <a:noFill/>
+          </p:spPr>
+          <p:txBody>
+            <a:bodyPr wrap="square" rtlCol="0">
+              <a:spAutoFit/>
+            </a:bodyPr>
+            <a:lstStyle/>
+            <a:p>
+              <a:pPr>
+                <a:lnSpc>
+                  <a:spcPct val="130000"/>
+                </a:lnSpc>
+              </a:pPr>
+              <a:r>
+                <a:rPr lang="zh-CN" altLang="en-US" sz="1400" dirty="0" smtClean="0">
+                  <a:solidFill>
+                    <a:srgbClr val="77AF13"/>
+                  </a:solidFill>
+                  <a:latin typeface="微软雅黑" pitchFamily="34" charset="-122"/>
+                  <a:ea typeface="微软雅黑" pitchFamily="34" charset="-122"/>
+                </a:rPr>
+                <a:t>海量数据处理</a:t>
+              </a:r>
+              <a:endParaRPr lang="en-US" altLang="zh-CN" sz="1400" dirty="0">
+                <a:solidFill>
+                  <a:srgbClr val="77AF13"/>
+                </a:solidFill>
+                <a:latin typeface="微软雅黑" pitchFamily="34" charset="-122"/>
+                <a:ea typeface="微软雅黑" pitchFamily="34" charset="-122"/>
+              </a:endParaRPr>
+            </a:p>
+            <a:p>
+              <a:pPr>
+                <a:lnSpc>
+                  <a:spcPct val="130000"/>
+                </a:lnSpc>
+              </a:pPr>
+              <a:r>
+                <a:rPr lang="zh-CN" altLang="en-US" sz="1400" dirty="0" smtClean="0">
+                  <a:solidFill>
+                    <a:srgbClr val="77AF13"/>
+                  </a:solidFill>
+                  <a:latin typeface="微软雅黑" pitchFamily="34" charset="-122"/>
+                  <a:ea typeface="微软雅黑" pitchFamily="34" charset="-122"/>
+                </a:rPr>
+                <a:t>成熟数据模型</a:t>
+              </a:r>
+              <a:endParaRPr lang="en-US" altLang="zh-CN" sz="1400" dirty="0">
+                <a:solidFill>
+                  <a:srgbClr val="77AF13"/>
+                </a:solidFill>
+                <a:latin typeface="微软雅黑" pitchFamily="34" charset="-122"/>
+                <a:ea typeface="微软雅黑" pitchFamily="34" charset="-122"/>
+              </a:endParaRPr>
+            </a:p>
+            <a:p>
+              <a:pPr>
+                <a:lnSpc>
+                  <a:spcPct val="130000"/>
+                </a:lnSpc>
+              </a:pPr>
+              <a:r>
+                <a:rPr lang="zh-CN" altLang="en-US" sz="1400" dirty="0" smtClean="0">
+                  <a:solidFill>
+                    <a:srgbClr val="77AF13"/>
+                  </a:solidFill>
+                  <a:latin typeface="微软雅黑" pitchFamily="34" charset="-122"/>
+                  <a:ea typeface="微软雅黑" pitchFamily="34" charset="-122"/>
+                </a:rPr>
+                <a:t>深度数据挖掘</a:t>
+              </a:r>
+              <a:endParaRPr lang="en-US" altLang="zh-CN" sz="1400" dirty="0">
+                <a:solidFill>
+                  <a:srgbClr val="77AF13"/>
+                </a:solidFill>
+                <a:latin typeface="微软雅黑" pitchFamily="34" charset="-122"/>
+                <a:ea typeface="微软雅黑" pitchFamily="34" charset="-122"/>
+              </a:endParaRPr>
+            </a:p>
+          </p:txBody>
+        </p:sp>
+        <p:sp>
+          <p:nvSpPr>
+            <p:cNvPr id="98" name="TextBox 52"/>
+            <p:cNvSpPr txBox="1"/>
+            <p:nvPr/>
+          </p:nvSpPr>
+          <p:spPr>
+            <a:xfrm>
+              <a:off x="893927" y="4291791"/>
+              <a:ext cx="1280580" cy="400110"/>
+            </a:xfrm>
+            <a:prstGeom prst="rect">
+              <a:avLst/>
+            </a:prstGeom>
+            <a:noFill/>
+          </p:spPr>
+          <p:txBody>
+            <a:bodyPr wrap="square" rtlCol="0">
+              <a:spAutoFit/>
+            </a:bodyPr>
+            <a:lstStyle/>
+            <a:p>
+              <a:r>
+                <a:rPr lang="zh-CN" altLang="en-US" sz="2000" b="1" dirty="0" smtClean="0">
+                  <a:solidFill>
+                    <a:schemeClr val="accent2">
+                      <a:lumMod val="75000"/>
+                    </a:schemeClr>
+                  </a:solidFill>
+                  <a:latin typeface="微软雅黑" pitchFamily="34" charset="-122"/>
+                  <a:ea typeface="微软雅黑" pitchFamily="34" charset="-122"/>
+                </a:rPr>
+                <a:t>数据中心</a:t>
+              </a:r>
+              <a:endParaRPr lang="zh-CN" altLang="en-US" sz="2000" b="1" dirty="0">
+                <a:solidFill>
+                  <a:schemeClr val="accent2">
+                    <a:lumMod val="75000"/>
+                  </a:schemeClr>
+                </a:solidFill>
+                <a:latin typeface="微软雅黑" pitchFamily="34" charset="-122"/>
+                <a:ea typeface="微软雅黑" pitchFamily="34" charset="-122"/>
+              </a:endParaRPr>
+            </a:p>
+          </p:txBody>
+        </p:sp>
+      </p:grpSp>
+    </p:spTree>
+    <p:extLst>
+      <p:ext uri="{BB962C8B-B14F-4D97-AF65-F5344CB8AC3E}">
+        <p14:creationId xmlns:p14="http://schemas.microsoft.com/office/powerpoint/2010/main" val="4128512077"/>
+      </p:ext>
+    </p:extLst>
+  </p:cSld>
+  <p:clrMapOvr>
+    <a:masterClrMapping/>
+  </p:clrMapOvr>
+  <p:timing>
+    <p:tnLst>
+      <p:par>
+        <p:cTn xmlns:p14="http://schemas.microsoft.com/office/powerpoint/2010/main" id="1" dur="indefinite" restart="never" nodeType="tmRoot"/>
+      </p:par>
+    </p:tnLst>
+  </p:timing>
+</p:sld>
+</file>
+
+<file path=ppt/slides/slide4.xml><?xml version="1.0" encoding="utf-8"?>
+<p:sld xmlns:a="http://schemas.openxmlformats.org/drawingml/2006/main" xmlns:r="http://schemas.openxmlformats.org/officeDocument/2006/relationships" xmlns:p="http://schemas.openxmlformats.org/presentationml/2006/main">
+  <p:cSld>
+    <p:spTree>
+      <p:nvGrpSpPr>
+        <p:cNvPr id="1" name=""/>
+        <p:cNvGrpSpPr/>
+        <p:nvPr/>
+      </p:nvGrpSpPr>
+      <p:grpSpPr>
+        <a:xfrm>
+          <a:off x="0" y="0"/>
+          <a:ext cx="0" cy="0"/>
+          <a:chOff x="0" y="0"/>
+          <a:chExt cx="0" cy="0"/>
+        </a:xfrm>
+      </p:grpSpPr>
       <p:grpSp>
         <p:nvGrpSpPr>
           <p:cNvPr id="13" name="组合 12"/>
@@ -15687,20 +18928,7 @@
                   <a:latin typeface="微软雅黑" pitchFamily="34" charset="-122"/>
                   <a:ea typeface="微软雅黑" pitchFamily="34" charset="-122"/>
                 </a:rPr>
-                <a:t>用户渠道行为，如设备</a:t>
-              </a:r>
-              <a:r>
-                <a:rPr lang="zh-CN" altLang="en-US" sz="1100" dirty="0" smtClean="0">
-                  <a:solidFill>
-                    <a:schemeClr val="tx1">
-                      <a:lumMod val="65000"/>
-                      <a:lumOff val="35000"/>
-                    </a:schemeClr>
-                  </a:solidFill>
-                  <a:latin typeface="微软雅黑" pitchFamily="34" charset="-122"/>
-                  <a:ea typeface="微软雅黑" pitchFamily="34" charset="-122"/>
-                </a:rPr>
-                <a:t>、</a:t>
+                <a:t>用户渠道行为，如设备、</a:t>
               </a:r>
               <a:endParaRPr lang="en-US" altLang="zh-CN" sz="1100" dirty="0" smtClean="0">
                 <a:solidFill>
@@ -15730,20 +18958,7 @@
                   <a:latin typeface="微软雅黑" pitchFamily="34" charset="-122"/>
                   <a:ea typeface="微软雅黑" pitchFamily="34" charset="-122"/>
                 </a:rPr>
-                <a:t>状态</a:t>
-              </a:r>
-              <a:r>
-                <a:rPr lang="zh-CN" altLang="en-US" sz="1100" dirty="0" smtClean="0">
-                  <a:solidFill>
-                    <a:schemeClr val="tx1">
-                      <a:lumMod val="65000"/>
-                      <a:lumOff val="35000"/>
-                    </a:schemeClr>
-                  </a:solidFill>
-                  <a:latin typeface="微软雅黑" pitchFamily="34" charset="-122"/>
-                  <a:ea typeface="微软雅黑" pitchFamily="34" charset="-122"/>
-                </a:rPr>
-                <a:t>、点击、浏览、交易等</a:t>
+                <a:t>状态、点击、浏览、交易等</a:t>
               </a:r>
               <a:endParaRPr lang="en-US" altLang="zh-CN" sz="1100" dirty="0" smtClean="0">
                 <a:solidFill>
@@ -16724,7 +19939,7 @@
         </p:nvCxnSpPr>
         <p:spPr>
           <a:xfrm flipH="1">
-            <a:off x="1133080" y="1537569"/>
+            <a:off x="1196580" y="1537569"/>
             <a:ext cx="6776462" cy="4539341"/>
           </a:xfrm>
           <a:prstGeom prst="line">
@@ -16797,7 +20012,7 @@
 </p:sld>
 </file>
 
-<file path=ppt/slides/slide4.xml><?xml version="1.0" encoding="utf-8"?>
+<file path=ppt/slides/slide5.xml><?xml version="1.0" encoding="utf-8"?>
 <p:sld xmlns:a="http://schemas.openxmlformats.org/drawingml/2006/main" xmlns:r="http://schemas.openxmlformats.org/officeDocument/2006/relationships" xmlns:p="http://schemas.openxmlformats.org/presentationml/2006/main">
   <p:cSld>
     <p:spTree>
@@ -16822,8 +20037,8 @@
         </p:nvSpPr>
         <p:spPr>
           <a:xfrm>
-            <a:off x="917178" y="2214453"/>
-            <a:ext cx="2667019" cy="1856919"/>
+            <a:off x="806293" y="3094081"/>
+            <a:ext cx="2840799" cy="860748"/>
           </a:xfrm>
           <a:prstGeom prst="rect">
             <a:avLst/>
@@ -16858,7 +20073,7 @@
               </a:lnSpc>
             </a:pPr>
             <a:r>
-              <a:rPr lang="zh-CN" altLang="en-US" dirty="0">
+              <a:rPr lang="zh-CN" altLang="en-US" sz="1400" dirty="0">
                 <a:solidFill>
                   <a:srgbClr val="FFFFFF"/>
                 </a:solidFill>
@@ -16867,7 +20082,7 @@
               <a:t>✓</a:t>
             </a:r>
             <a:r>
-              <a:rPr lang="en-US" altLang="zh-CN" dirty="0">
+              <a:rPr lang="en-US" altLang="zh-CN" sz="1400" dirty="0">
                 <a:solidFill>
                   <a:srgbClr val="FFFFFF"/>
                 </a:solidFill>
@@ -16876,14 +20091,14 @@
               <a:t> </a:t>
             </a:r>
             <a:r>
-              <a:rPr lang="zh-CN" altLang="en-US" dirty="0">
+              <a:rPr lang="zh-CN" altLang="en-US" sz="1400" dirty="0">
                 <a:solidFill>
                   <a:srgbClr val="FFFFFF"/>
                 </a:solidFill>
               </a:rPr>
               <a:t>用户金融行为，产生大量数据</a:t>
             </a:r>
-            <a:endParaRPr lang="en-US" altLang="zh-CN" dirty="0">
+            <a:endParaRPr lang="en-US" altLang="zh-CN" sz="1400" dirty="0">
               <a:solidFill>
                 <a:srgbClr val="FFFFFF"/>
               </a:solidFill>
@@ -16896,7 +20111,7 @@
               </a:lnSpc>
             </a:pPr>
             <a:r>
-              <a:rPr lang="zh-CN" altLang="en-US" dirty="0">
+              <a:rPr lang="zh-CN" altLang="en-US" sz="1400" dirty="0">
                 <a:solidFill>
                   <a:srgbClr val="FFFFFF"/>
                 </a:solidFill>
@@ -16905,7 +20120,7 @@
               <a:t>✓</a:t>
             </a:r>
             <a:r>
-              <a:rPr lang="en-US" altLang="zh-CN" dirty="0">
+              <a:rPr lang="en-US" altLang="zh-CN" sz="1400" dirty="0">
                 <a:solidFill>
                   <a:srgbClr val="FFFFFF"/>
                 </a:solidFill>
@@ -16914,14 +20129,14 @@
               <a:t> </a:t>
             </a:r>
             <a:r>
-              <a:rPr lang="zh-CN" altLang="en-US" dirty="0">
+              <a:rPr lang="zh-CN" altLang="en-US" sz="1400" dirty="0">
                 <a:solidFill>
                   <a:srgbClr val="FFFFFF"/>
                 </a:solidFill>
               </a:rPr>
               <a:t>数据金矿长眠，需要挖掘分析</a:t>
             </a:r>
-            <a:endParaRPr lang="en-US" altLang="zh-CN" dirty="0">
+            <a:endParaRPr lang="en-US" altLang="zh-CN" sz="1400" dirty="0">
               <a:solidFill>
                 <a:srgbClr val="FFFFFF"/>
               </a:solidFill>
@@ -16934,7 +20149,7 @@
               </a:lnSpc>
             </a:pPr>
             <a:r>
-              <a:rPr lang="zh-CN" altLang="en-US" dirty="0">
+              <a:rPr lang="zh-CN" altLang="en-US" sz="1400" dirty="0">
                 <a:solidFill>
                   <a:srgbClr val="FFFFFF"/>
                 </a:solidFill>
@@ -16943,7 +20158,7 @@
               <a:t>✓</a:t>
             </a:r>
             <a:r>
-              <a:rPr lang="en-US" altLang="zh-CN" dirty="0">
+              <a:rPr lang="en-US" altLang="zh-CN" sz="1400" dirty="0">
                 <a:solidFill>
                   <a:srgbClr val="FFFFFF"/>
                 </a:solidFill>
@@ -16952,14 +20167,14 @@
               <a:t> </a:t>
             </a:r>
             <a:r>
-              <a:rPr lang="zh-CN" altLang="en-US" dirty="0">
+              <a:rPr lang="zh-CN" altLang="en-US" sz="1400" dirty="0">
                 <a:solidFill>
                   <a:srgbClr val="FFFFFF"/>
                 </a:solidFill>
               </a:rPr>
               <a:t>改善服务，了解用户精准营销</a:t>
             </a:r>
-            <a:endParaRPr lang="en-US" altLang="zh-CN" dirty="0">
+            <a:endParaRPr lang="en-US" altLang="zh-CN" sz="1400" dirty="0">
               <a:solidFill>
                 <a:srgbClr val="FFFFFF"/>
               </a:solidFill>
@@ -18754,7 +21969,7 @@
 </p:sld>
 </file>
 
-<file path=ppt/slides/slide5.xml><?xml version="1.0" encoding="utf-8"?>
+<file path=ppt/slides/slide6.xml><?xml version="1.0" encoding="utf-8"?>
 <p:sld xmlns:a="http://schemas.openxmlformats.org/drawingml/2006/main" xmlns:r="http://schemas.openxmlformats.org/officeDocument/2006/relationships" xmlns:p="http://schemas.openxmlformats.org/presentationml/2006/main">
   <p:cSld>
     <p:spTree>
@@ -21301,7 +24516,7 @@
 </p:sld>
 </file>
 
-<file path=ppt/slides/slide6.xml><?xml version="1.0" encoding="utf-8"?>
+<file path=ppt/slides/slide7.xml><?xml version="1.0" encoding="utf-8"?>
 <p:sld xmlns:a="http://schemas.openxmlformats.org/drawingml/2006/main" xmlns:r="http://schemas.openxmlformats.org/officeDocument/2006/relationships" xmlns:p="http://schemas.openxmlformats.org/presentationml/2006/main">
   <p:cSld>
     <p:spTree>
@@ -21514,8 +24729,8 @@
         </p:nvGrpSpPr>
         <p:grpSpPr>
           <a:xfrm>
-            <a:off x="1066120" y="507599"/>
-            <a:ext cx="6704238" cy="5131201"/>
+            <a:off x="1396320" y="651532"/>
+            <a:ext cx="6172880" cy="4953400"/>
             <a:chOff x="901700" y="664796"/>
             <a:chExt cx="6968668" cy="5348831"/>
           </a:xfrm>
@@ -22484,7 +25699,7 @@
 </p:sld>
 </file>
 
-<file path=ppt/slides/slide7.xml><?xml version="1.0" encoding="utf-8"?>
+<file path=ppt/slides/slide8.xml><?xml version="1.0" encoding="utf-8"?>
 <p:sld xmlns:a="http://schemas.openxmlformats.org/drawingml/2006/main" xmlns:r="http://schemas.openxmlformats.org/officeDocument/2006/relationships" xmlns:p="http://schemas.openxmlformats.org/presentationml/2006/main">
   <p:cSld>
     <p:spTree>
@@ -22744,7 +25959,7 @@
         <p:grpSpPr>
           <a:xfrm>
             <a:off x="889000" y="1310476"/>
-            <a:ext cx="7772400" cy="3464724"/>
+            <a:ext cx="7620000" cy="3553624"/>
             <a:chOff x="208656" y="965958"/>
             <a:chExt cx="9029373" cy="3365782"/>
           </a:xfrm>
@@ -25722,7 +28937,7 @@
 </p:sld>
 </file>
 
-<file path=ppt/slides/slide8.xml><?xml version="1.0" encoding="utf-8"?>
+<file path=ppt/slides/slide9.xml><?xml version="1.0" encoding="utf-8"?>
 <p:sld xmlns:a="http://schemas.openxmlformats.org/drawingml/2006/main" xmlns:r="http://schemas.openxmlformats.org/officeDocument/2006/relationships" xmlns:p="http://schemas.openxmlformats.org/presentationml/2006/main">
   <p:cSld>
     <p:spTree>
@@ -25747,7 +28962,7 @@
         </p:nvSpPr>
         <p:spPr>
           <a:xfrm flipH="1">
-            <a:off x="1997545" y="3927918"/>
+            <a:off x="2213445" y="3927918"/>
             <a:ext cx="2169924" cy="1386205"/>
           </a:xfrm>
           <a:custGeom>
@@ -26091,7 +29306,7 @@
         </p:nvGrpSpPr>
         <p:grpSpPr>
           <a:xfrm>
-            <a:off x="642124" y="266700"/>
+            <a:off x="896124" y="266700"/>
             <a:ext cx="6901676" cy="5378374"/>
             <a:chOff x="755576" y="-27383"/>
             <a:chExt cx="7376199" cy="6315482"/>
@@ -27273,7 +30488,7 @@
           </p:nvSpPr>
           <p:spPr>
             <a:xfrm>
-              <a:off x="4523305" y="3993483"/>
+              <a:off x="4509732" y="3993483"/>
               <a:ext cx="3028406" cy="1589688"/>
             </a:xfrm>
             <a:custGeom>
@@ -27545,7 +30760,7 @@
           </p:nvSpPr>
           <p:spPr>
             <a:xfrm>
-              <a:off x="4518821" y="3903697"/>
+              <a:off x="4478101" y="3903697"/>
               <a:ext cx="3032890" cy="1685543"/>
             </a:xfrm>
             <a:custGeom>

--- a/营销.pptx
+++ b/营销.pptx
@@ -1668,18 +1668,18 @@
   </dgm:ptLst>
   <dgm:cxnLst>
     <dgm:cxn modelId="{DF2D115C-FE4D-EB4F-9E49-37A27E7C3FA0}" srcId="{1A090B2B-03DC-A247-BDCC-02CD65A6A6BA}" destId="{780A7E83-F87B-CD4C-8EBD-35965B6CEB23}" srcOrd="4" destOrd="0" parTransId="{C27446FB-085B-2B43-A1D5-8EF003A444A0}" sibTransId="{45EFAF5A-D104-874B-B9E5-BBF75C1BA969}"/>
+    <dgm:cxn modelId="{1BDDC4B0-5E02-4747-B6C3-70989E99AB32}" type="presOf" srcId="{826D8FA6-9242-0C42-9936-382AF922E449}" destId="{7B418E68-134A-4647-8CCE-185FD86A7C54}" srcOrd="0" destOrd="0" presId="urn:microsoft.com/office/officeart/2009/3/layout/CircleRelationship"/>
+    <dgm:cxn modelId="{C9D01FBD-FA48-574E-9464-C515E95C8842}" type="presOf" srcId="{06A37BC9-258B-2A4F-A5DE-04B586A9BD76}" destId="{08432F1D-0784-3343-9665-C8A977C32CC6}" srcOrd="0" destOrd="0" presId="urn:microsoft.com/office/officeart/2009/3/layout/CircleRelationship"/>
+    <dgm:cxn modelId="{C94EF696-3CA5-144E-94CF-57999B8F179D}" srcId="{1A090B2B-03DC-A247-BDCC-02CD65A6A6BA}" destId="{8D21E41D-58EA-FB4E-BDFF-5586DE54A237}" srcOrd="1" destOrd="0" parTransId="{2D5B93D5-0188-6749-843E-8F71C50ABF86}" sibTransId="{B060CC8D-36A8-7447-84B1-578486679740}"/>
+    <dgm:cxn modelId="{D0E2D512-D827-174F-ABBA-38663541D8B9}" srcId="{1A090B2B-03DC-A247-BDCC-02CD65A6A6BA}" destId="{826D8FA6-9242-0C42-9936-382AF922E449}" srcOrd="2" destOrd="0" parTransId="{8BB306E5-326C-FA46-BDB7-706B4F7EA20E}" sibTransId="{D7662991-4692-0D4A-A08B-E4A0A5B393E9}"/>
     <dgm:cxn modelId="{1CDF1975-69D3-4543-BE5A-C029610B4423}" srcId="{06A37BC9-258B-2A4F-A5DE-04B586A9BD76}" destId="{1A090B2B-03DC-A247-BDCC-02CD65A6A6BA}" srcOrd="0" destOrd="0" parTransId="{36212B44-0221-B74A-AD62-AA71DC986AF4}" sibTransId="{3FDD121A-D62A-E745-8189-4470458B085E}"/>
+    <dgm:cxn modelId="{6EB99579-505D-8545-A959-F6EE8816D677}" type="presOf" srcId="{1A090B2B-03DC-A247-BDCC-02CD65A6A6BA}" destId="{4C6BDB4D-E2DD-9746-8A9C-5833A4F5DC65}" srcOrd="0" destOrd="0" presId="urn:microsoft.com/office/officeart/2009/3/layout/CircleRelationship"/>
+    <dgm:cxn modelId="{0617353B-BA70-384C-910C-C7DE24DDDE37}" type="presOf" srcId="{8D21E41D-58EA-FB4E-BDFF-5586DE54A237}" destId="{460FDE84-4031-EF4B-9100-AA601B73F93B}" srcOrd="0" destOrd="0" presId="urn:microsoft.com/office/officeart/2009/3/layout/CircleRelationship"/>
     <dgm:cxn modelId="{6CDEDD50-D8DB-AF44-8EDE-CD7C7FAC5ECD}" type="presOf" srcId="{780A7E83-F87B-CD4C-8EBD-35965B6CEB23}" destId="{EE9C1521-002E-4D49-A2A1-16551053B7C9}" srcOrd="0" destOrd="0" presId="urn:microsoft.com/office/officeart/2009/3/layout/CircleRelationship"/>
     <dgm:cxn modelId="{67A8E4BD-3C89-5D48-995C-BDDE1D917A03}" type="presOf" srcId="{630DE4C5-A4E2-7241-AB94-6023AD7215D4}" destId="{6EC5D382-DB5E-104B-B914-B8AADDCF5178}" srcOrd="0" destOrd="0" presId="urn:microsoft.com/office/officeart/2009/3/layout/CircleRelationship"/>
+    <dgm:cxn modelId="{B5B1E1DE-6D66-C948-939D-0906D0B57C26}" type="presOf" srcId="{1F05560E-C2AD-EE43-AB5A-471C8FFEDE8A}" destId="{98322E75-AFA8-314D-B71B-30BCA37D905F}" srcOrd="0" destOrd="0" presId="urn:microsoft.com/office/officeart/2009/3/layout/CircleRelationship"/>
+    <dgm:cxn modelId="{5EC6C0CC-6729-FB4E-BC15-DDFA0C25C215}" srcId="{1A090B2B-03DC-A247-BDCC-02CD65A6A6BA}" destId="{1F05560E-C2AD-EE43-AB5A-471C8FFEDE8A}" srcOrd="0" destOrd="0" parTransId="{63C1E977-0961-294D-8C67-F351884AFD0B}" sibTransId="{FDE3B361-D703-1649-B068-DB2A449D95D0}"/>
     <dgm:cxn modelId="{62324EC6-316B-5240-85F9-FB9BF0624798}" srcId="{1A090B2B-03DC-A247-BDCC-02CD65A6A6BA}" destId="{630DE4C5-A4E2-7241-AB94-6023AD7215D4}" srcOrd="3" destOrd="0" parTransId="{83FD199E-4201-B44B-9E1A-788C0052CAB2}" sibTransId="{DD742EA8-FC75-224D-B149-BBBD772A018D}"/>
-    <dgm:cxn modelId="{B5B1E1DE-6D66-C948-939D-0906D0B57C26}" type="presOf" srcId="{1F05560E-C2AD-EE43-AB5A-471C8FFEDE8A}" destId="{98322E75-AFA8-314D-B71B-30BCA37D905F}" srcOrd="0" destOrd="0" presId="urn:microsoft.com/office/officeart/2009/3/layout/CircleRelationship"/>
-    <dgm:cxn modelId="{1BDDC4B0-5E02-4747-B6C3-70989E99AB32}" type="presOf" srcId="{826D8FA6-9242-0C42-9936-382AF922E449}" destId="{7B418E68-134A-4647-8CCE-185FD86A7C54}" srcOrd="0" destOrd="0" presId="urn:microsoft.com/office/officeart/2009/3/layout/CircleRelationship"/>
-    <dgm:cxn modelId="{6EB99579-505D-8545-A959-F6EE8816D677}" type="presOf" srcId="{1A090B2B-03DC-A247-BDCC-02CD65A6A6BA}" destId="{4C6BDB4D-E2DD-9746-8A9C-5833A4F5DC65}" srcOrd="0" destOrd="0" presId="urn:microsoft.com/office/officeart/2009/3/layout/CircleRelationship"/>
-    <dgm:cxn modelId="{5EC6C0CC-6729-FB4E-BC15-DDFA0C25C215}" srcId="{1A090B2B-03DC-A247-BDCC-02CD65A6A6BA}" destId="{1F05560E-C2AD-EE43-AB5A-471C8FFEDE8A}" srcOrd="0" destOrd="0" parTransId="{63C1E977-0961-294D-8C67-F351884AFD0B}" sibTransId="{FDE3B361-D703-1649-B068-DB2A449D95D0}"/>
-    <dgm:cxn modelId="{D0E2D512-D827-174F-ABBA-38663541D8B9}" srcId="{1A090B2B-03DC-A247-BDCC-02CD65A6A6BA}" destId="{826D8FA6-9242-0C42-9936-382AF922E449}" srcOrd="2" destOrd="0" parTransId="{8BB306E5-326C-FA46-BDB7-706B4F7EA20E}" sibTransId="{D7662991-4692-0D4A-A08B-E4A0A5B393E9}"/>
-    <dgm:cxn modelId="{C9D01FBD-FA48-574E-9464-C515E95C8842}" type="presOf" srcId="{06A37BC9-258B-2A4F-A5DE-04B586A9BD76}" destId="{08432F1D-0784-3343-9665-C8A977C32CC6}" srcOrd="0" destOrd="0" presId="urn:microsoft.com/office/officeart/2009/3/layout/CircleRelationship"/>
-    <dgm:cxn modelId="{C94EF696-3CA5-144E-94CF-57999B8F179D}" srcId="{1A090B2B-03DC-A247-BDCC-02CD65A6A6BA}" destId="{8D21E41D-58EA-FB4E-BDFF-5586DE54A237}" srcOrd="1" destOrd="0" parTransId="{2D5B93D5-0188-6749-843E-8F71C50ABF86}" sibTransId="{B060CC8D-36A8-7447-84B1-578486679740}"/>
-    <dgm:cxn modelId="{0617353B-BA70-384C-910C-C7DE24DDDE37}" type="presOf" srcId="{8D21E41D-58EA-FB4E-BDFF-5586DE54A237}" destId="{460FDE84-4031-EF4B-9100-AA601B73F93B}" srcOrd="0" destOrd="0" presId="urn:microsoft.com/office/officeart/2009/3/layout/CircleRelationship"/>
     <dgm:cxn modelId="{EF65092C-19B5-6447-816E-D6044B10D48C}" type="presParOf" srcId="{08432F1D-0784-3343-9665-C8A977C32CC6}" destId="{4C6BDB4D-E2DD-9746-8A9C-5833A4F5DC65}" srcOrd="0" destOrd="0" presId="urn:microsoft.com/office/officeart/2009/3/layout/CircleRelationship"/>
     <dgm:cxn modelId="{66295179-E90B-844F-8622-FE599EADC293}" type="presParOf" srcId="{08432F1D-0784-3343-9665-C8A977C32CC6}" destId="{5548BAEC-CCA2-7043-AF9B-91B0714D408B}" srcOrd="1" destOrd="0" presId="urn:microsoft.com/office/officeart/2009/3/layout/CircleRelationship"/>
     <dgm:cxn modelId="{7786B02A-5D0B-A143-BE4E-843D7D042515}" type="presParOf" srcId="{08432F1D-0784-3343-9665-C8A977C32CC6}" destId="{2492C22C-B967-CB44-B86B-4AEFE6B35B3F}" srcOrd="2" destOrd="0" presId="urn:microsoft.com/office/officeart/2009/3/layout/CircleRelationship"/>
@@ -4643,7 +4643,7 @@
           <a:p>
             <a:fld id="{141971DB-7766-C44B-930B-2F09E959C349}" type="datetimeFigureOut">
               <a:rPr kumimoji="1" lang="zh-CN" altLang="en-US" smtClean="0"/>
-              <a:t>15/4/10</a:t>
+              <a:t>15/4/13</a:t>
             </a:fld>
             <a:endParaRPr kumimoji="1" lang="zh-CN" altLang="en-US"/>
           </a:p>
@@ -4809,7 +4809,7 @@
           <a:p>
             <a:fld id="{59E3B538-975B-4249-AA39-E35F58C578B3}" type="datetimeFigureOut">
               <a:rPr kumimoji="1" lang="zh-CN" altLang="en-US" smtClean="0"/>
-              <a:t>15/4/10</a:t>
+              <a:t>15/4/13</a:t>
             </a:fld>
             <a:endParaRPr kumimoji="1" lang="zh-CN" altLang="en-US"/>
           </a:p>
@@ -6111,7 +6111,7 @@
           <a:p>
             <a:fld id="{7D4D5215-B83D-0F4A-9F6C-CFA7FB93B836}" type="datetime1">
               <a:rPr lang="zh-CN" altLang="en-US" smtClean="0"/>
-              <a:t>15/4/10</a:t>
+              <a:t>15/4/13</a:t>
             </a:fld>
             <a:endParaRPr lang="en-US"/>
           </a:p>
@@ -6468,7 +6468,7 @@
           <a:p>
             <a:fld id="{1FF577A3-261E-D34A-8D0F-9CF5899AC53E}" type="datetime1">
               <a:rPr lang="zh-CN" altLang="en-US" smtClean="0"/>
-              <a:t>15/4/10</a:t>
+              <a:t>15/4/13</a:t>
             </a:fld>
             <a:endParaRPr lang="en-US"/>
           </a:p>
@@ -6637,7 +6637,7 @@
           <a:p>
             <a:fld id="{F6261A2D-25E1-1349-A36F-EBC82F29A52C}" type="datetime1">
               <a:rPr lang="zh-CN" altLang="en-US" smtClean="0"/>
-              <a:t>15/4/10</a:t>
+              <a:t>15/4/13</a:t>
             </a:fld>
             <a:endParaRPr lang="en-US"/>
           </a:p>
@@ -6816,7 +6816,7 @@
           <a:p>
             <a:fld id="{B5087D83-E822-724C-8B3A-0150CD76E6F9}" type="datetime1">
               <a:rPr lang="zh-CN" altLang="en-US" smtClean="0"/>
-              <a:t>15/4/10</a:t>
+              <a:t>15/4/13</a:t>
             </a:fld>
             <a:endParaRPr lang="en-US"/>
           </a:p>
@@ -6985,7 +6985,7 @@
           <a:p>
             <a:fld id="{1E86C3BC-5F89-2F49-8F2B-3916B25A12D0}" type="datetime1">
               <a:rPr lang="zh-CN" altLang="en-US" smtClean="0"/>
-              <a:t>15/4/10</a:t>
+              <a:t>15/4/13</a:t>
             </a:fld>
             <a:endParaRPr lang="en-US"/>
           </a:p>
@@ -7262,7 +7262,7 @@
           <a:p>
             <a:fld id="{3C06AE13-05D3-C74C-A664-508DB1536078}" type="datetime1">
               <a:rPr lang="zh-CN" altLang="en-US" smtClean="0"/>
-              <a:t>15/4/10</a:t>
+              <a:t>15/4/13</a:t>
             </a:fld>
             <a:endParaRPr lang="en-US"/>
           </a:p>
@@ -7554,7 +7554,7 @@
           <a:p>
             <a:fld id="{737F11DA-40E2-6544-99E9-86C5EB9A7F46}" type="datetime1">
               <a:rPr lang="zh-CN" altLang="en-US" smtClean="0"/>
-              <a:t>15/4/10</a:t>
+              <a:t>15/4/13</a:t>
             </a:fld>
             <a:endParaRPr lang="en-US"/>
           </a:p>
@@ -7990,7 +7990,7 @@
           <a:p>
             <a:fld id="{B8A522D3-0C6D-2845-8738-67EDDA71C39A}" type="datetime1">
               <a:rPr lang="zh-CN" altLang="en-US" smtClean="0"/>
-              <a:t>15/4/10</a:t>
+              <a:t>15/4/13</a:t>
             </a:fld>
             <a:endParaRPr lang="en-US"/>
           </a:p>
@@ -8103,7 +8103,7 @@
           <a:p>
             <a:fld id="{F50657D1-CBB5-B44E-B989-83AB587ECBDE}" type="datetime1">
               <a:rPr lang="zh-CN" altLang="en-US" smtClean="0"/>
-              <a:t>15/4/10</a:t>
+              <a:t>15/4/13</a:t>
             </a:fld>
             <a:endParaRPr lang="en-US"/>
           </a:p>
@@ -8193,7 +8193,7 @@
           <a:p>
             <a:fld id="{66690611-31BF-C640-A836-04E19E216A6B}" type="datetime1">
               <a:rPr lang="zh-CN" altLang="en-US" smtClean="0"/>
-              <a:t>15/4/10</a:t>
+              <a:t>15/4/13</a:t>
             </a:fld>
             <a:endParaRPr lang="en-US"/>
           </a:p>
@@ -8530,7 +8530,7 @@
           <a:p>
             <a:fld id="{6BE92493-A156-C947-8894-F1EA4760435F}" type="datetime1">
               <a:rPr lang="zh-CN" altLang="en-US" smtClean="0"/>
-              <a:t>15/4/10</a:t>
+              <a:t>15/4/13</a:t>
             </a:fld>
             <a:endParaRPr lang="en-US"/>
           </a:p>
@@ -8845,7 +8845,7 @@
           <a:p>
             <a:fld id="{40E2AC34-94C9-3944-B48E-200F1B80D608}" type="datetime1">
               <a:rPr lang="zh-CN" altLang="en-US" smtClean="0"/>
-              <a:t>15/4/10</a:t>
+              <a:t>15/4/13</a:t>
             </a:fld>
             <a:endParaRPr lang="en-US"/>
           </a:p>
@@ -9091,7 +9091,7 @@
           <a:p>
             <a:fld id="{EDF516EF-5C45-534C-A800-220451E25F43}" type="datetime1">
               <a:rPr lang="zh-CN" altLang="en-US" smtClean="0"/>
-              <a:t>15/4/10</a:t>
+              <a:t>15/4/13</a:t>
             </a:fld>
             <a:endParaRPr lang="en-US"/>
           </a:p>
@@ -13115,9 +13115,9 @@
         <p:grpSpPr>
           <a:xfrm>
             <a:off x="926088" y="1101726"/>
-            <a:ext cx="7815725" cy="5756274"/>
+            <a:ext cx="7764925" cy="5756274"/>
             <a:chOff x="837524" y="1570038"/>
-            <a:chExt cx="7815725" cy="5756274"/>
+            <a:chExt cx="7764925" cy="5756274"/>
           </a:xfrm>
         </p:grpSpPr>
         <p:sp>
@@ -15539,7 +15539,7 @@
           </p:nvSpPr>
           <p:spPr>
             <a:xfrm>
-              <a:off x="6422790" y="2560168"/>
+              <a:off x="6371990" y="2560168"/>
               <a:ext cx="2230459" cy="921791"/>
             </a:xfrm>
             <a:prstGeom prst="rect">
@@ -15614,27 +15614,7 @@
                   <a:latin typeface="微软雅黑" pitchFamily="34" charset="-122"/>
                   <a:ea typeface="微软雅黑" pitchFamily="34" charset="-122"/>
                 </a:rPr>
-                <a:t>营销</a:t>
-              </a:r>
-              <a:r>
-                <a:rPr lang="zh-CN" altLang="en-US" sz="1400" dirty="0" smtClean="0">
-                  <a:solidFill>
-                    <a:srgbClr val="67BAF6"/>
-                  </a:solidFill>
-                  <a:latin typeface="微软雅黑" pitchFamily="34" charset="-122"/>
-                  <a:ea typeface="微软雅黑" pitchFamily="34" charset="-122"/>
-                </a:rPr>
-                <a:t>目标</a:t>
-              </a:r>
-              <a:r>
-                <a:rPr lang="zh-CN" altLang="en-US" sz="1400" dirty="0" smtClean="0">
-                  <a:solidFill>
-                    <a:srgbClr val="67BAF6"/>
-                  </a:solidFill>
-                  <a:latin typeface="微软雅黑" pitchFamily="34" charset="-122"/>
-                  <a:ea typeface="微软雅黑" pitchFamily="34" charset="-122"/>
-                </a:rPr>
-                <a:t>、发布</a:t>
+                <a:t>营销目标、发布</a:t>
               </a:r>
               <a:r>
                 <a:rPr lang="zh-CN" altLang="en-US" sz="1400" dirty="0">
@@ -15722,7 +15702,7 @@
           </p:nvSpPr>
           <p:spPr>
             <a:xfrm>
-              <a:off x="6482460" y="4671079"/>
+              <a:off x="6372865" y="4645679"/>
               <a:ext cx="2170789" cy="1201867"/>
             </a:xfrm>
             <a:prstGeom prst="rect">
@@ -16026,7 +16006,7 @@
           </p:nvSpPr>
           <p:spPr>
             <a:xfrm>
-              <a:off x="1188404" y="4687779"/>
+              <a:off x="1112204" y="4662379"/>
               <a:ext cx="2170789" cy="921791"/>
             </a:xfrm>
             <a:prstGeom prst="rect">
@@ -24950,7 +24930,7 @@
           <p:spPr>
             <a:xfrm>
               <a:off x="3800185" y="1033096"/>
-              <a:ext cx="1438985" cy="954107"/>
+              <a:ext cx="1438985" cy="897336"/>
             </a:xfrm>
             <a:prstGeom prst="rect">
               <a:avLst/>
@@ -25004,14 +24984,14 @@
                 <a:defRPr/>
               </a:pPr>
               <a:r>
-                <a:rPr lang="zh-CN" altLang="en-US" noProof="0" dirty="0" smtClean="0">
+                <a:rPr lang="zh-CN" altLang="en-US" sz="1200" noProof="0" dirty="0" smtClean="0">
                   <a:solidFill>
                     <a:sysClr val="window" lastClr="FFFFFF"/>
                   </a:solidFill>
                 </a:rPr>
                 <a:t>通过分析</a:t>
               </a:r>
-              <a:endParaRPr lang="en-US" altLang="zh-CN" noProof="0" dirty="0" smtClean="0">
+              <a:endParaRPr lang="en-US" altLang="zh-CN" sz="1200" noProof="0" dirty="0" smtClean="0">
                 <a:solidFill>
                   <a:sysClr val="window" lastClr="FFFFFF"/>
                 </a:solidFill>
@@ -25036,14 +25016,14 @@
                 <a:defRPr/>
               </a:pPr>
               <a:r>
-                <a:rPr lang="zh-CN" altLang="en-US" noProof="0" dirty="0" smtClean="0">
+                <a:rPr lang="zh-CN" altLang="en-US" sz="1200" noProof="0" dirty="0" smtClean="0">
                   <a:solidFill>
                     <a:sysClr val="window" lastClr="FFFFFF"/>
                   </a:solidFill>
                 </a:rPr>
                 <a:t>资产、负债，</a:t>
               </a:r>
-              <a:endParaRPr lang="en-US" altLang="zh-CN" noProof="0" dirty="0" smtClean="0">
+              <a:endParaRPr lang="en-US" altLang="zh-CN" sz="1200" noProof="0" dirty="0" smtClean="0">
                 <a:solidFill>
                   <a:sysClr val="window" lastClr="FFFFFF"/>
                 </a:solidFill>
@@ -25068,7 +25048,7 @@
                 <a:defRPr/>
               </a:pPr>
               <a:r>
-                <a:rPr lang="zh-CN" altLang="en-US" noProof="0" dirty="0" smtClean="0">
+                <a:rPr lang="zh-CN" altLang="en-US" sz="1200" noProof="0" dirty="0" smtClean="0">
                   <a:solidFill>
                     <a:sysClr val="window" lastClr="FFFFFF"/>
                   </a:solidFill>
@@ -25076,7 +25056,7 @@
                 <a:t>推送合适的理财、金融产品</a:t>
               </a:r>
               <a:r>
-                <a:rPr kumimoji="0" lang="en-US" altLang="zh-CN" sz="1400" b="0" i="0" u="none" strike="noStrike" kern="0" cap="none" spc="0" normalizeH="0" baseline="0" noProof="0" dirty="0" smtClean="0">
+                <a:rPr kumimoji="0" lang="en-US" altLang="zh-CN" sz="1200" b="0" i="0" u="none" strike="noStrike" kern="0" cap="none" spc="0" normalizeH="0" baseline="0" noProof="0" dirty="0" smtClean="0">
                   <a:ln>
                     <a:noFill/>
                   </a:ln>
@@ -25086,13 +25066,10 @@
                   <a:effectLst/>
                   <a:uLnTx/>
                   <a:uFillTx/>
-                  <a:latin typeface="Arial" pitchFamily="34" charset="0"/>
-                  <a:ea typeface="微软雅黑" pitchFamily="34" charset="-122"/>
-                  <a:cs typeface="Arial" pitchFamily="34" charset="0"/>
                 </a:rPr>
                 <a:t> </a:t>
               </a:r>
-              <a:endParaRPr kumimoji="0" lang="en-US" altLang="zh-CN" sz="1400" b="0" i="0" u="none" strike="noStrike" kern="0" cap="none" spc="0" normalizeH="0" baseline="0" noProof="0" dirty="0">
+              <a:endParaRPr kumimoji="0" lang="en-US" altLang="zh-CN" sz="1200" b="0" i="0" u="none" strike="noStrike" kern="0" cap="none" spc="0" normalizeH="0" baseline="0" noProof="0" dirty="0">
                 <a:ln>
                   <a:noFill/>
                 </a:ln>
@@ -25102,9 +25079,6 @@
                 <a:effectLst/>
                 <a:uLnTx/>
                 <a:uFillTx/>
-                <a:latin typeface="Arial" pitchFamily="34" charset="0"/>
-                <a:ea typeface="微软雅黑" pitchFamily="34" charset="-122"/>
-                <a:cs typeface="Arial" pitchFamily="34" charset="0"/>
               </a:endParaRPr>
             </a:p>
           </p:txBody>
@@ -25497,7 +25471,7 @@
           <p:spPr>
             <a:xfrm>
               <a:off x="3718055" y="4785835"/>
-              <a:ext cx="1438985" cy="738664"/>
+              <a:ext cx="1438985" cy="697928"/>
             </a:xfrm>
             <a:prstGeom prst="rect">
               <a:avLst/>
@@ -25551,7 +25525,7 @@
                 <a:defRPr/>
               </a:pPr>
               <a:r>
-                <a:rPr lang="zh-CN" altLang="en-US" noProof="0" dirty="0" smtClean="0">
+                <a:rPr lang="zh-CN" altLang="en-US" sz="1200" noProof="0" dirty="0" smtClean="0">
                   <a:solidFill>
                     <a:sysClr val="window" lastClr="FFFFFF"/>
                   </a:solidFill>
@@ -25559,7 +25533,7 @@
                 <a:t>根据用户活动地域，进行</a:t>
               </a:r>
               <a:r>
-                <a:rPr lang="en-US" altLang="zh-CN" noProof="0" dirty="0" smtClean="0">
+                <a:rPr lang="en-US" altLang="zh-CN" sz="1200" noProof="0" dirty="0" smtClean="0">
                   <a:solidFill>
                     <a:sysClr val="window" lastClr="FFFFFF"/>
                   </a:solidFill>
@@ -25567,14 +25541,14 @@
                 <a:t>o2o</a:t>
               </a:r>
               <a:r>
-                <a:rPr lang="zh-CN" altLang="en-US" noProof="0" dirty="0" smtClean="0">
+                <a:rPr lang="zh-CN" altLang="en-US" sz="1200" noProof="0" dirty="0" smtClean="0">
                   <a:solidFill>
                     <a:sysClr val="window" lastClr="FFFFFF"/>
                   </a:solidFill>
                 </a:rPr>
                 <a:t>相关活动营销</a:t>
               </a:r>
-              <a:endParaRPr kumimoji="0" lang="en-US" altLang="zh-CN" sz="1400" b="0" i="0" u="none" strike="noStrike" kern="0" cap="none" spc="0" normalizeH="0" baseline="0" noProof="0" dirty="0">
+              <a:endParaRPr kumimoji="0" lang="en-US" altLang="zh-CN" sz="1200" b="0" i="0" u="none" strike="noStrike" kern="0" cap="none" spc="0" normalizeH="0" baseline="0" noProof="0" dirty="0">
                 <a:ln>
                   <a:noFill/>
                 </a:ln>
@@ -25584,9 +25558,6 @@
                 <a:effectLst/>
                 <a:uLnTx/>
                 <a:uFillTx/>
-                <a:latin typeface="Arial" pitchFamily="34" charset="0"/>
-                <a:ea typeface="微软雅黑" pitchFamily="34" charset="-122"/>
-                <a:cs typeface="Arial" pitchFamily="34" charset="0"/>
               </a:endParaRPr>
             </a:p>
           </p:txBody>
@@ -30488,7 +30459,7 @@
           </p:nvSpPr>
           <p:spPr>
             <a:xfrm>
-              <a:off x="4509732" y="3993483"/>
+              <a:off x="4469012" y="4008396"/>
               <a:ext cx="3028406" cy="1589688"/>
             </a:xfrm>
             <a:custGeom>

--- a/营销.pptx
+++ b/营销.pptx
@@ -5,10 +5,10 @@
     <p:sldMasterId id="2147483660" r:id="rId1"/>
   </p:sldMasterIdLst>
   <p:notesMasterIdLst>
-    <p:notesMasterId r:id="rId12"/>
+    <p:notesMasterId r:id="rId13"/>
   </p:notesMasterIdLst>
   <p:handoutMasterIdLst>
-    <p:handoutMasterId r:id="rId13"/>
+    <p:handoutMasterId r:id="rId14"/>
   </p:handoutMasterIdLst>
   <p:sldIdLst>
     <p:sldId id="256" r:id="rId2"/>
@@ -20,7 +20,8 @@
     <p:sldId id="268" r:id="rId8"/>
     <p:sldId id="271" r:id="rId9"/>
     <p:sldId id="262" r:id="rId10"/>
-    <p:sldId id="261" r:id="rId11"/>
+    <p:sldId id="272" r:id="rId11"/>
+    <p:sldId id="261" r:id="rId12"/>
   </p:sldIdLst>
   <p:sldSz cx="9144000" cy="6858000" type="screen4x3"/>
   <p:notesSz cx="6858000" cy="9144000"/>
@@ -1669,18 +1670,18 @@
   </dgm:ptLst>
   <dgm:cxnLst>
     <dgm:cxn modelId="{DF2D115C-FE4D-EB4F-9E49-37A27E7C3FA0}" srcId="{1A090B2B-03DC-A247-BDCC-02CD65A6A6BA}" destId="{780A7E83-F87B-CD4C-8EBD-35965B6CEB23}" srcOrd="4" destOrd="0" parTransId="{C27446FB-085B-2B43-A1D5-8EF003A444A0}" sibTransId="{45EFAF5A-D104-874B-B9E5-BBF75C1BA969}"/>
+    <dgm:cxn modelId="{1CDF1975-69D3-4543-BE5A-C029610B4423}" srcId="{06A37BC9-258B-2A4F-A5DE-04B586A9BD76}" destId="{1A090B2B-03DC-A247-BDCC-02CD65A6A6BA}" srcOrd="0" destOrd="0" parTransId="{36212B44-0221-B74A-AD62-AA71DC986AF4}" sibTransId="{3FDD121A-D62A-E745-8189-4470458B085E}"/>
+    <dgm:cxn modelId="{6CDEDD50-D8DB-AF44-8EDE-CD7C7FAC5ECD}" type="presOf" srcId="{780A7E83-F87B-CD4C-8EBD-35965B6CEB23}" destId="{EE9C1521-002E-4D49-A2A1-16551053B7C9}" srcOrd="0" destOrd="0" presId="urn:microsoft.com/office/officeart/2009/3/layout/CircleRelationship"/>
+    <dgm:cxn modelId="{67A8E4BD-3C89-5D48-995C-BDDE1D917A03}" type="presOf" srcId="{630DE4C5-A4E2-7241-AB94-6023AD7215D4}" destId="{6EC5D382-DB5E-104B-B914-B8AADDCF5178}" srcOrd="0" destOrd="0" presId="urn:microsoft.com/office/officeart/2009/3/layout/CircleRelationship"/>
+    <dgm:cxn modelId="{62324EC6-316B-5240-85F9-FB9BF0624798}" srcId="{1A090B2B-03DC-A247-BDCC-02CD65A6A6BA}" destId="{630DE4C5-A4E2-7241-AB94-6023AD7215D4}" srcOrd="3" destOrd="0" parTransId="{83FD199E-4201-B44B-9E1A-788C0052CAB2}" sibTransId="{DD742EA8-FC75-224D-B149-BBBD772A018D}"/>
+    <dgm:cxn modelId="{B5B1E1DE-6D66-C948-939D-0906D0B57C26}" type="presOf" srcId="{1F05560E-C2AD-EE43-AB5A-471C8FFEDE8A}" destId="{98322E75-AFA8-314D-B71B-30BCA37D905F}" srcOrd="0" destOrd="0" presId="urn:microsoft.com/office/officeart/2009/3/layout/CircleRelationship"/>
     <dgm:cxn modelId="{1BDDC4B0-5E02-4747-B6C3-70989E99AB32}" type="presOf" srcId="{826D8FA6-9242-0C42-9936-382AF922E449}" destId="{7B418E68-134A-4647-8CCE-185FD86A7C54}" srcOrd="0" destOrd="0" presId="urn:microsoft.com/office/officeart/2009/3/layout/CircleRelationship"/>
+    <dgm:cxn modelId="{6EB99579-505D-8545-A959-F6EE8816D677}" type="presOf" srcId="{1A090B2B-03DC-A247-BDCC-02CD65A6A6BA}" destId="{4C6BDB4D-E2DD-9746-8A9C-5833A4F5DC65}" srcOrd="0" destOrd="0" presId="urn:microsoft.com/office/officeart/2009/3/layout/CircleRelationship"/>
+    <dgm:cxn modelId="{5EC6C0CC-6729-FB4E-BC15-DDFA0C25C215}" srcId="{1A090B2B-03DC-A247-BDCC-02CD65A6A6BA}" destId="{1F05560E-C2AD-EE43-AB5A-471C8FFEDE8A}" srcOrd="0" destOrd="0" parTransId="{63C1E977-0961-294D-8C67-F351884AFD0B}" sibTransId="{FDE3B361-D703-1649-B068-DB2A449D95D0}"/>
+    <dgm:cxn modelId="{D0E2D512-D827-174F-ABBA-38663541D8B9}" srcId="{1A090B2B-03DC-A247-BDCC-02CD65A6A6BA}" destId="{826D8FA6-9242-0C42-9936-382AF922E449}" srcOrd="2" destOrd="0" parTransId="{8BB306E5-326C-FA46-BDB7-706B4F7EA20E}" sibTransId="{D7662991-4692-0D4A-A08B-E4A0A5B393E9}"/>
     <dgm:cxn modelId="{C9D01FBD-FA48-574E-9464-C515E95C8842}" type="presOf" srcId="{06A37BC9-258B-2A4F-A5DE-04B586A9BD76}" destId="{08432F1D-0784-3343-9665-C8A977C32CC6}" srcOrd="0" destOrd="0" presId="urn:microsoft.com/office/officeart/2009/3/layout/CircleRelationship"/>
     <dgm:cxn modelId="{C94EF696-3CA5-144E-94CF-57999B8F179D}" srcId="{1A090B2B-03DC-A247-BDCC-02CD65A6A6BA}" destId="{8D21E41D-58EA-FB4E-BDFF-5586DE54A237}" srcOrd="1" destOrd="0" parTransId="{2D5B93D5-0188-6749-843E-8F71C50ABF86}" sibTransId="{B060CC8D-36A8-7447-84B1-578486679740}"/>
-    <dgm:cxn modelId="{D0E2D512-D827-174F-ABBA-38663541D8B9}" srcId="{1A090B2B-03DC-A247-BDCC-02CD65A6A6BA}" destId="{826D8FA6-9242-0C42-9936-382AF922E449}" srcOrd="2" destOrd="0" parTransId="{8BB306E5-326C-FA46-BDB7-706B4F7EA20E}" sibTransId="{D7662991-4692-0D4A-A08B-E4A0A5B393E9}"/>
-    <dgm:cxn modelId="{1CDF1975-69D3-4543-BE5A-C029610B4423}" srcId="{06A37BC9-258B-2A4F-A5DE-04B586A9BD76}" destId="{1A090B2B-03DC-A247-BDCC-02CD65A6A6BA}" srcOrd="0" destOrd="0" parTransId="{36212B44-0221-B74A-AD62-AA71DC986AF4}" sibTransId="{3FDD121A-D62A-E745-8189-4470458B085E}"/>
-    <dgm:cxn modelId="{6EB99579-505D-8545-A959-F6EE8816D677}" type="presOf" srcId="{1A090B2B-03DC-A247-BDCC-02CD65A6A6BA}" destId="{4C6BDB4D-E2DD-9746-8A9C-5833A4F5DC65}" srcOrd="0" destOrd="0" presId="urn:microsoft.com/office/officeart/2009/3/layout/CircleRelationship"/>
     <dgm:cxn modelId="{0617353B-BA70-384C-910C-C7DE24DDDE37}" type="presOf" srcId="{8D21E41D-58EA-FB4E-BDFF-5586DE54A237}" destId="{460FDE84-4031-EF4B-9100-AA601B73F93B}" srcOrd="0" destOrd="0" presId="urn:microsoft.com/office/officeart/2009/3/layout/CircleRelationship"/>
-    <dgm:cxn modelId="{6CDEDD50-D8DB-AF44-8EDE-CD7C7FAC5ECD}" type="presOf" srcId="{780A7E83-F87B-CD4C-8EBD-35965B6CEB23}" destId="{EE9C1521-002E-4D49-A2A1-16551053B7C9}" srcOrd="0" destOrd="0" presId="urn:microsoft.com/office/officeart/2009/3/layout/CircleRelationship"/>
-    <dgm:cxn modelId="{67A8E4BD-3C89-5D48-995C-BDDE1D917A03}" type="presOf" srcId="{630DE4C5-A4E2-7241-AB94-6023AD7215D4}" destId="{6EC5D382-DB5E-104B-B914-B8AADDCF5178}" srcOrd="0" destOrd="0" presId="urn:microsoft.com/office/officeart/2009/3/layout/CircleRelationship"/>
-    <dgm:cxn modelId="{B5B1E1DE-6D66-C948-939D-0906D0B57C26}" type="presOf" srcId="{1F05560E-C2AD-EE43-AB5A-471C8FFEDE8A}" destId="{98322E75-AFA8-314D-B71B-30BCA37D905F}" srcOrd="0" destOrd="0" presId="urn:microsoft.com/office/officeart/2009/3/layout/CircleRelationship"/>
-    <dgm:cxn modelId="{5EC6C0CC-6729-FB4E-BC15-DDFA0C25C215}" srcId="{1A090B2B-03DC-A247-BDCC-02CD65A6A6BA}" destId="{1F05560E-C2AD-EE43-AB5A-471C8FFEDE8A}" srcOrd="0" destOrd="0" parTransId="{63C1E977-0961-294D-8C67-F351884AFD0B}" sibTransId="{FDE3B361-D703-1649-B068-DB2A449D95D0}"/>
-    <dgm:cxn modelId="{62324EC6-316B-5240-85F9-FB9BF0624798}" srcId="{1A090B2B-03DC-A247-BDCC-02CD65A6A6BA}" destId="{630DE4C5-A4E2-7241-AB94-6023AD7215D4}" srcOrd="3" destOrd="0" parTransId="{83FD199E-4201-B44B-9E1A-788C0052CAB2}" sibTransId="{DD742EA8-FC75-224D-B149-BBBD772A018D}"/>
     <dgm:cxn modelId="{EF65092C-19B5-6447-816E-D6044B10D48C}" type="presParOf" srcId="{08432F1D-0784-3343-9665-C8A977C32CC6}" destId="{4C6BDB4D-E2DD-9746-8A9C-5833A4F5DC65}" srcOrd="0" destOrd="0" presId="urn:microsoft.com/office/officeart/2009/3/layout/CircleRelationship"/>
     <dgm:cxn modelId="{66295179-E90B-844F-8622-FE599EADC293}" type="presParOf" srcId="{08432F1D-0784-3343-9665-C8A977C32CC6}" destId="{5548BAEC-CCA2-7043-AF9B-91B0714D408B}" srcOrd="1" destOrd="0" presId="urn:microsoft.com/office/officeart/2009/3/layout/CircleRelationship"/>
     <dgm:cxn modelId="{7786B02A-5D0B-A143-BE4E-843D7D042515}" type="presParOf" srcId="{08432F1D-0784-3343-9665-C8A977C32CC6}" destId="{2492C22C-B967-CB44-B86B-4AEFE6B35B3F}" srcOrd="2" destOrd="0" presId="urn:microsoft.com/office/officeart/2009/3/layout/CircleRelationship"/>
@@ -4644,7 +4645,7 @@
           <a:p>
             <a:fld id="{141971DB-7766-C44B-930B-2F09E959C349}" type="datetimeFigureOut">
               <a:rPr kumimoji="1" lang="zh-CN" altLang="en-US" smtClean="0"/>
-              <a:t>15/4/15</a:t>
+              <a:t>15/4/20</a:t>
             </a:fld>
             <a:endParaRPr kumimoji="1" lang="zh-CN" altLang="en-US"/>
           </a:p>
@@ -4810,7 +4811,7 @@
           <a:p>
             <a:fld id="{59E3B538-975B-4249-AA39-E35F58C578B3}" type="datetimeFigureOut">
               <a:rPr kumimoji="1" lang="zh-CN" altLang="en-US" smtClean="0"/>
-              <a:t>15/4/15</a:t>
+              <a:t>15/4/20</a:t>
             </a:fld>
             <a:endParaRPr kumimoji="1" lang="zh-CN" altLang="en-US"/>
           </a:p>
@@ -5145,6 +5146,90 @@
             <a:fld id="{2DEB783D-0A18-E242-958B-0B4697ECA700}" type="slidenum">
               <a:rPr kumimoji="1" lang="zh-CN" altLang="en-US" smtClean="0"/>
               <a:t>2</a:t>
+            </a:fld>
+            <a:endParaRPr kumimoji="1" lang="zh-CN" altLang="en-US"/>
+          </a:p>
+        </p:txBody>
+      </p:sp>
+    </p:spTree>
+    <p:extLst>
+      <p:ext uri="{BB962C8B-B14F-4D97-AF65-F5344CB8AC3E}">
+        <p14:creationId xmlns:p14="http://schemas.microsoft.com/office/powerpoint/2010/main" val="2543122142"/>
+      </p:ext>
+    </p:extLst>
+  </p:cSld>
+  <p:clrMapOvr>
+    <a:masterClrMapping/>
+  </p:clrMapOvr>
+</p:notes>
+</file>
+
+<file path=ppt/notesSlides/notesSlide10.xml><?xml version="1.0" encoding="utf-8"?>
+<p:notes xmlns:a="http://schemas.openxmlformats.org/drawingml/2006/main" xmlns:r="http://schemas.openxmlformats.org/officeDocument/2006/relationships" xmlns:p="http://schemas.openxmlformats.org/presentationml/2006/main">
+  <p:cSld>
+    <p:spTree>
+      <p:nvGrpSpPr>
+        <p:cNvPr id="1" name=""/>
+        <p:cNvGrpSpPr/>
+        <p:nvPr/>
+      </p:nvGrpSpPr>
+      <p:grpSpPr>
+        <a:xfrm>
+          <a:off x="0" y="0"/>
+          <a:ext cx="0" cy="0"/>
+          <a:chOff x="0" y="0"/>
+          <a:chExt cx="0" cy="0"/>
+        </a:xfrm>
+      </p:grpSpPr>
+      <p:sp>
+        <p:nvSpPr>
+          <p:cNvPr id="2" name="幻灯片图像占位符 1"/>
+          <p:cNvSpPr>
+            <a:spLocks noGrp="1" noRot="1" noChangeAspect="1"/>
+          </p:cNvSpPr>
+          <p:nvPr>
+            <p:ph type="sldImg"/>
+          </p:nvPr>
+        </p:nvSpPr>
+        <p:spPr/>
+      </p:sp>
+      <p:sp>
+        <p:nvSpPr>
+          <p:cNvPr id="3" name="备注占位符 2"/>
+          <p:cNvSpPr>
+            <a:spLocks noGrp="1"/>
+          </p:cNvSpPr>
+          <p:nvPr>
+            <p:ph type="body" idx="1"/>
+          </p:nvPr>
+        </p:nvSpPr>
+        <p:spPr/>
+        <p:txBody>
+          <a:bodyPr/>
+          <a:lstStyle/>
+          <a:p>
+            <a:endParaRPr kumimoji="1" lang="zh-CN" altLang="en-US"/>
+          </a:p>
+        </p:txBody>
+      </p:sp>
+      <p:sp>
+        <p:nvSpPr>
+          <p:cNvPr id="4" name="幻灯片编号占位符 3"/>
+          <p:cNvSpPr>
+            <a:spLocks noGrp="1"/>
+          </p:cNvSpPr>
+          <p:nvPr>
+            <p:ph type="sldNum" sz="quarter" idx="10"/>
+          </p:nvPr>
+        </p:nvSpPr>
+        <p:spPr/>
+        <p:txBody>
+          <a:bodyPr/>
+          <a:lstStyle/>
+          <a:p>
+            <a:fld id="{2DEB783D-0A18-E242-958B-0B4697ECA700}" type="slidenum">
+              <a:rPr kumimoji="1" lang="zh-CN" altLang="en-US" smtClean="0"/>
+              <a:t>11</a:t>
             </a:fld>
             <a:endParaRPr kumimoji="1" lang="zh-CN" altLang="en-US"/>
           </a:p>
@@ -5970,7 +6055,7 @@
           <a:bodyPr/>
           <a:lstStyle/>
           <a:p>
-            <a:endParaRPr kumimoji="1" lang="zh-CN" altLang="en-US"/>
+            <a:endParaRPr kumimoji="1" lang="zh-CN" altLang="en-US" dirty="0"/>
           </a:p>
         </p:txBody>
       </p:sp>
@@ -6196,7 +6281,7 @@
           <a:p>
             <a:fld id="{7D4D5215-B83D-0F4A-9F6C-CFA7FB93B836}" type="datetime1">
               <a:rPr lang="zh-CN" altLang="en-US" smtClean="0"/>
-              <a:t>15/4/15</a:t>
+              <a:t>15/4/20</a:t>
             </a:fld>
             <a:endParaRPr lang="en-US"/>
           </a:p>
@@ -6553,7 +6638,7 @@
           <a:p>
             <a:fld id="{1FF577A3-261E-D34A-8D0F-9CF5899AC53E}" type="datetime1">
               <a:rPr lang="zh-CN" altLang="en-US" smtClean="0"/>
-              <a:t>15/4/15</a:t>
+              <a:t>15/4/20</a:t>
             </a:fld>
             <a:endParaRPr lang="en-US"/>
           </a:p>
@@ -6722,7 +6807,7 @@
           <a:p>
             <a:fld id="{F6261A2D-25E1-1349-A36F-EBC82F29A52C}" type="datetime1">
               <a:rPr lang="zh-CN" altLang="en-US" smtClean="0"/>
-              <a:t>15/4/15</a:t>
+              <a:t>15/4/20</a:t>
             </a:fld>
             <a:endParaRPr lang="en-US"/>
           </a:p>
@@ -6901,7 +6986,7 @@
           <a:p>
             <a:fld id="{B5087D83-E822-724C-8B3A-0150CD76E6F9}" type="datetime1">
               <a:rPr lang="zh-CN" altLang="en-US" smtClean="0"/>
-              <a:t>15/4/15</a:t>
+              <a:t>15/4/20</a:t>
             </a:fld>
             <a:endParaRPr lang="en-US"/>
           </a:p>
@@ -7070,7 +7155,7 @@
           <a:p>
             <a:fld id="{1E86C3BC-5F89-2F49-8F2B-3916B25A12D0}" type="datetime1">
               <a:rPr lang="zh-CN" altLang="en-US" smtClean="0"/>
-              <a:t>15/4/15</a:t>
+              <a:t>15/4/20</a:t>
             </a:fld>
             <a:endParaRPr lang="en-US"/>
           </a:p>
@@ -7347,7 +7432,7 @@
           <a:p>
             <a:fld id="{3C06AE13-05D3-C74C-A664-508DB1536078}" type="datetime1">
               <a:rPr lang="zh-CN" altLang="en-US" smtClean="0"/>
-              <a:t>15/4/15</a:t>
+              <a:t>15/4/20</a:t>
             </a:fld>
             <a:endParaRPr lang="en-US"/>
           </a:p>
@@ -7639,7 +7724,7 @@
           <a:p>
             <a:fld id="{737F11DA-40E2-6544-99E9-86C5EB9A7F46}" type="datetime1">
               <a:rPr lang="zh-CN" altLang="en-US" smtClean="0"/>
-              <a:t>15/4/15</a:t>
+              <a:t>15/4/20</a:t>
             </a:fld>
             <a:endParaRPr lang="en-US"/>
           </a:p>
@@ -8075,7 +8160,7 @@
           <a:p>
             <a:fld id="{B8A522D3-0C6D-2845-8738-67EDDA71C39A}" type="datetime1">
               <a:rPr lang="zh-CN" altLang="en-US" smtClean="0"/>
-              <a:t>15/4/15</a:t>
+              <a:t>15/4/20</a:t>
             </a:fld>
             <a:endParaRPr lang="en-US"/>
           </a:p>
@@ -8188,7 +8273,7 @@
           <a:p>
             <a:fld id="{F50657D1-CBB5-B44E-B989-83AB587ECBDE}" type="datetime1">
               <a:rPr lang="zh-CN" altLang="en-US" smtClean="0"/>
-              <a:t>15/4/15</a:t>
+              <a:t>15/4/20</a:t>
             </a:fld>
             <a:endParaRPr lang="en-US"/>
           </a:p>
@@ -8278,7 +8363,7 @@
           <a:p>
             <a:fld id="{66690611-31BF-C640-A836-04E19E216A6B}" type="datetime1">
               <a:rPr lang="zh-CN" altLang="en-US" smtClean="0"/>
-              <a:t>15/4/15</a:t>
+              <a:t>15/4/20</a:t>
             </a:fld>
             <a:endParaRPr lang="en-US"/>
           </a:p>
@@ -8615,7 +8700,7 @@
           <a:p>
             <a:fld id="{6BE92493-A156-C947-8894-F1EA4760435F}" type="datetime1">
               <a:rPr lang="zh-CN" altLang="en-US" smtClean="0"/>
-              <a:t>15/4/15</a:t>
+              <a:t>15/4/20</a:t>
             </a:fld>
             <a:endParaRPr lang="en-US"/>
           </a:p>
@@ -8930,7 +9015,7 @@
           <a:p>
             <a:fld id="{40E2AC34-94C9-3944-B48E-200F1B80D608}" type="datetime1">
               <a:rPr lang="zh-CN" altLang="en-US" smtClean="0"/>
-              <a:t>15/4/15</a:t>
+              <a:t>15/4/20</a:t>
             </a:fld>
             <a:endParaRPr lang="en-US"/>
           </a:p>
@@ -9176,7 +9261,7 @@
           <a:p>
             <a:fld id="{EDF516EF-5C45-534C-A800-220451E25F43}" type="datetime1">
               <a:rPr lang="zh-CN" altLang="en-US" smtClean="0"/>
-              <a:t>15/4/15</a:t>
+              <a:t>15/4/20</a:t>
             </a:fld>
             <a:endParaRPr lang="en-US"/>
           </a:p>
@@ -9728,6 +9813,3529 @@
 </file>
 
 <file path=ppt/slides/slide10.xml><?xml version="1.0" encoding="utf-8"?>
+<p:sld xmlns:a="http://schemas.openxmlformats.org/drawingml/2006/main" xmlns:r="http://schemas.openxmlformats.org/officeDocument/2006/relationships" xmlns:p="http://schemas.openxmlformats.org/presentationml/2006/main">
+  <p:cSld>
+    <p:spTree>
+      <p:nvGrpSpPr>
+        <p:cNvPr id="1" name=""/>
+        <p:cNvGrpSpPr/>
+        <p:nvPr/>
+      </p:nvGrpSpPr>
+      <p:grpSpPr>
+        <a:xfrm>
+          <a:off x="0" y="0"/>
+          <a:ext cx="0" cy="0"/>
+          <a:chOff x="0" y="0"/>
+          <a:chExt cx="0" cy="0"/>
+        </a:xfrm>
+      </p:grpSpPr>
+      <p:sp>
+        <p:nvSpPr>
+          <p:cNvPr id="7" name="文本框 6"/>
+          <p:cNvSpPr txBox="1"/>
+          <p:nvPr/>
+        </p:nvSpPr>
+        <p:spPr>
+          <a:xfrm>
+            <a:off x="437814" y="69852"/>
+            <a:ext cx="2773112" cy="523220"/>
+          </a:xfrm>
+          <a:prstGeom prst="rect">
+            <a:avLst/>
+          </a:prstGeom>
+          <a:noFill/>
+        </p:spPr>
+        <p:txBody>
+          <a:bodyPr wrap="square" rtlCol="0">
+            <a:spAutoFit/>
+          </a:bodyPr>
+          <a:lstStyle/>
+          <a:p>
+            <a:r>
+              <a:rPr kumimoji="1" lang="zh-CN" altLang="en-US" sz="2800" dirty="0" smtClean="0">
+                <a:solidFill>
+                  <a:srgbClr val="BFBFBF"/>
+                </a:solidFill>
+              </a:rPr>
+              <a:t>营销</a:t>
+            </a:r>
+            <a:r>
+              <a:rPr kumimoji="1" lang="zh-CN" altLang="en-US" sz="2800" dirty="0" smtClean="0">
+                <a:solidFill>
+                  <a:srgbClr val="BFBFBF"/>
+                </a:solidFill>
+              </a:rPr>
+              <a:t>机制</a:t>
+            </a:r>
+            <a:endParaRPr kumimoji="1" lang="en-US" altLang="zh-CN" sz="2800" dirty="0" smtClean="0">
+              <a:solidFill>
+                <a:srgbClr val="BFBFBF"/>
+              </a:solidFill>
+            </a:endParaRPr>
+          </a:p>
+        </p:txBody>
+      </p:sp>
+      <p:cxnSp>
+        <p:nvCxnSpPr>
+          <p:cNvPr id="9" name="直线连接符 8"/>
+          <p:cNvCxnSpPr/>
+          <p:nvPr/>
+        </p:nvCxnSpPr>
+        <p:spPr>
+          <a:xfrm>
+            <a:off x="437814" y="587681"/>
+            <a:ext cx="2573320" cy="5391"/>
+          </a:xfrm>
+          <a:prstGeom prst="line">
+            <a:avLst/>
+          </a:prstGeom>
+          <a:ln>
+            <a:solidFill>
+              <a:schemeClr val="tx2"/>
+            </a:solidFill>
+          </a:ln>
+        </p:spPr>
+        <p:style>
+          <a:lnRef idx="2">
+            <a:schemeClr val="accent1"/>
+          </a:lnRef>
+          <a:fillRef idx="0">
+            <a:schemeClr val="accent1"/>
+          </a:fillRef>
+          <a:effectRef idx="1">
+            <a:schemeClr val="accent1"/>
+          </a:effectRef>
+          <a:fontRef idx="minor">
+            <a:schemeClr val="tx1"/>
+          </a:fontRef>
+        </p:style>
+      </p:cxnSp>
+      <p:grpSp>
+        <p:nvGrpSpPr>
+          <p:cNvPr id="2" name="组合 1"/>
+          <p:cNvGrpSpPr/>
+          <p:nvPr/>
+        </p:nvGrpSpPr>
+        <p:grpSpPr>
+          <a:xfrm>
+            <a:off x="2203374" y="4769619"/>
+            <a:ext cx="6292925" cy="1753987"/>
+            <a:chOff x="-1788550" y="2399636"/>
+            <a:chExt cx="12444382" cy="3084100"/>
+          </a:xfrm>
+        </p:grpSpPr>
+        <p:sp>
+          <p:nvSpPr>
+            <p:cNvPr id="15" name="矩形 14"/>
+            <p:cNvSpPr/>
+            <p:nvPr/>
+          </p:nvSpPr>
+          <p:spPr>
+            <a:xfrm>
+              <a:off x="-1788550" y="4805301"/>
+              <a:ext cx="12444382" cy="678435"/>
+            </a:xfrm>
+            <a:prstGeom prst="rect">
+              <a:avLst/>
+            </a:prstGeom>
+            <a:solidFill>
+              <a:srgbClr val="F79646"/>
+            </a:solidFill>
+            <a:ln w="25400" cap="flat" cmpd="sng" algn="ctr">
+              <a:noFill/>
+              <a:prstDash val="solid"/>
+            </a:ln>
+            <a:effectLst/>
+          </p:spPr>
+          <p:txBody>
+            <a:bodyPr rot="0" spcFirstLastPara="0" vertOverflow="overflow" horzOverflow="overflow" vert="horz" wrap="square" lIns="91440" tIns="45720" rIns="91440" bIns="45720" numCol="1" spcCol="0" rtlCol="0" fromWordArt="0" anchor="ctr" anchorCtr="0" forceAA="0" compatLnSpc="1">
+              <a:prstTxWarp prst="textNoShape">
+                <a:avLst/>
+              </a:prstTxWarp>
+              <a:noAutofit/>
+            </a:bodyPr>
+            <a:lstStyle/>
+            <a:p>
+              <a:pPr marL="0" marR="0" lvl="0" indent="0" algn="ctr" defTabSz="914400" eaLnBrk="1" fontAlgn="auto" latinLnBrk="0" hangingPunct="1">
+                <a:lnSpc>
+                  <a:spcPct val="100000"/>
+                </a:lnSpc>
+                <a:spcBef>
+                  <a:spcPts val="0"/>
+                </a:spcBef>
+                <a:spcAft>
+                  <a:spcPts val="0"/>
+                </a:spcAft>
+                <a:buClrTx/>
+                <a:buSzTx/>
+                <a:buFontTx/>
+                <a:buNone/>
+                <a:tabLst/>
+                <a:defRPr/>
+              </a:pPr>
+              <a:endParaRPr kumimoji="0" lang="en-US" sz="1800" b="0" i="0" u="none" strike="noStrike" kern="0" cap="none" spc="0" normalizeH="0" baseline="0" noProof="0">
+                <a:ln>
+                  <a:noFill/>
+                </a:ln>
+                <a:solidFill>
+                  <a:sysClr val="window" lastClr="FFFFFF"/>
+                </a:solidFill>
+                <a:effectLst/>
+                <a:uLnTx/>
+                <a:uFillTx/>
+                <a:latin typeface="Calibri"/>
+                <a:ea typeface="+mn-ea"/>
+                <a:cs typeface="+mn-cs"/>
+              </a:endParaRPr>
+            </a:p>
+          </p:txBody>
+        </p:sp>
+        <p:pic>
+          <p:nvPicPr>
+            <p:cNvPr id="19" name="图片 18"/>
+            <p:cNvPicPr>
+              <a:picLocks noChangeAspect="1"/>
+            </p:cNvPicPr>
+            <p:nvPr/>
+          </p:nvPicPr>
+          <p:blipFill>
+            <a:blip r:embed="rId3" cstate="email">
+              <a:extLst>
+                <a:ext uri="{28A0092B-C50C-407E-A947-70E740481C1C}">
+                  <a14:useLocalDpi xmlns:a14="http://schemas.microsoft.com/office/drawing/2010/main" val="0"/>
+                </a:ext>
+              </a:extLst>
+            </a:blip>
+            <a:stretch>
+              <a:fillRect/>
+            </a:stretch>
+          </p:blipFill>
+          <p:spPr>
+            <a:xfrm rot="20955940">
+              <a:off x="212649" y="2399636"/>
+              <a:ext cx="2108941" cy="2063359"/>
+            </a:xfrm>
+            <a:prstGeom prst="rect">
+              <a:avLst/>
+            </a:prstGeom>
+          </p:spPr>
+        </p:pic>
+        <p:sp>
+          <p:nvSpPr>
+            <p:cNvPr id="22" name="TextBox 21"/>
+            <p:cNvSpPr txBox="1"/>
+            <p:nvPr/>
+          </p:nvSpPr>
+          <p:spPr>
+            <a:xfrm>
+              <a:off x="1154268" y="4799315"/>
+              <a:ext cx="5150493" cy="649410"/>
+            </a:xfrm>
+            <a:prstGeom prst="rect">
+              <a:avLst/>
+            </a:prstGeom>
+            <a:noFill/>
+          </p:spPr>
+          <p:txBody>
+            <a:bodyPr wrap="square" rtlCol="0">
+              <a:spAutoFit/>
+            </a:bodyPr>
+            <a:lstStyle>
+              <a:defPPr>
+                <a:defRPr lang="en-US"/>
+              </a:defPPr>
+              <a:lvl1pPr>
+                <a:lnSpc>
+                  <a:spcPct val="130000"/>
+                </a:lnSpc>
+                <a:defRPr sz="5400" b="1">
+                  <a:solidFill>
+                    <a:schemeClr val="tx1">
+                      <a:lumMod val="65000"/>
+                      <a:lumOff val="35000"/>
+                    </a:schemeClr>
+                  </a:solidFill>
+                  <a:latin typeface="Agency FB" pitchFamily="34" charset="0"/>
+                  <a:ea typeface="微软雅黑" pitchFamily="34" charset="-122"/>
+                  <a:cs typeface="Calibri" pitchFamily="34" charset="0"/>
+                </a:defRPr>
+              </a:lvl1pPr>
+            </a:lstStyle>
+            <a:p>
+              <a:pPr marL="0" marR="0" lvl="0" indent="0" algn="ctr" defTabSz="914400" eaLnBrk="1" fontAlgn="auto" latinLnBrk="0" hangingPunct="1">
+                <a:lnSpc>
+                  <a:spcPct val="100000"/>
+                </a:lnSpc>
+                <a:spcBef>
+                  <a:spcPts val="0"/>
+                </a:spcBef>
+                <a:spcAft>
+                  <a:spcPts val="0"/>
+                </a:spcAft>
+                <a:buClrTx/>
+                <a:buSzTx/>
+                <a:buFontTx/>
+                <a:buNone/>
+                <a:tabLst/>
+                <a:defRPr/>
+              </a:pPr>
+              <a:r>
+                <a:rPr kumimoji="0" lang="en-US" altLang="zh-CN" sz="1800" b="1" i="0" u="none" strike="noStrike" kern="0" cap="none" spc="0" normalizeH="0" baseline="0" noProof="0" dirty="0" smtClean="0">
+                  <a:ln>
+                    <a:noFill/>
+                  </a:ln>
+                  <a:solidFill>
+                    <a:sysClr val="window" lastClr="FFFFFF"/>
+                  </a:solidFill>
+                  <a:effectLst/>
+                  <a:uLnTx/>
+                  <a:uFillTx/>
+                </a:rPr>
+                <a:t>Task</a:t>
+              </a:r>
+              <a:r>
+                <a:rPr lang="zh-CN" altLang="en-US" sz="1800" kern="0" dirty="0">
+                  <a:solidFill>
+                    <a:sysClr val="window" lastClr="FFFFFF"/>
+                  </a:solidFill>
+                </a:rPr>
+                <a:t>自动任务</a:t>
+              </a:r>
+              <a:endParaRPr kumimoji="0" lang="zh-CN" altLang="en-US" sz="1800" b="1" i="0" u="none" strike="noStrike" kern="0" cap="none" spc="0" normalizeH="0" baseline="0" noProof="0" dirty="0">
+                <a:ln>
+                  <a:noFill/>
+                </a:ln>
+                <a:solidFill>
+                  <a:sysClr val="window" lastClr="FFFFFF"/>
+                </a:solidFill>
+                <a:effectLst/>
+                <a:uLnTx/>
+                <a:uFillTx/>
+              </a:endParaRPr>
+            </a:p>
+          </p:txBody>
+        </p:sp>
+        <p:sp>
+          <p:nvSpPr>
+            <p:cNvPr id="23" name="TextBox 22"/>
+            <p:cNvSpPr txBox="1"/>
+            <p:nvPr/>
+          </p:nvSpPr>
+          <p:spPr>
+            <a:xfrm rot="19755385">
+              <a:off x="544959" y="3164623"/>
+              <a:ext cx="1595008" cy="422117"/>
+            </a:xfrm>
+            <a:prstGeom prst="rect">
+              <a:avLst/>
+            </a:prstGeom>
+            <a:noFill/>
+          </p:spPr>
+          <p:txBody>
+            <a:bodyPr wrap="square" rtlCol="0">
+              <a:spAutoFit/>
+            </a:bodyPr>
+            <a:lstStyle>
+              <a:defPPr>
+                <a:defRPr lang="en-US"/>
+              </a:defPPr>
+              <a:lvl1pPr lvl="0">
+                <a:lnSpc>
+                  <a:spcPct val="80000"/>
+                </a:lnSpc>
+                <a:defRPr sz="4400" b="1" kern="0">
+                  <a:ln w="18415" cmpd="sng">
+                    <a:noFill/>
+                    <a:prstDash val="solid"/>
+                  </a:ln>
+                  <a:solidFill>
+                    <a:srgbClr val="FFC000"/>
+                  </a:solidFill>
+                  <a:latin typeface="Agency FB" pitchFamily="34" charset="0"/>
+                  <a:ea typeface="微软雅黑" pitchFamily="34" charset="-122"/>
+                </a:defRPr>
+              </a:lvl1pPr>
+            </a:lstStyle>
+            <a:p>
+              <a:pPr marL="0" marR="0" lvl="0" indent="0" algn="ctr" defTabSz="914400" eaLnBrk="1" fontAlgn="auto" latinLnBrk="0" hangingPunct="1">
+                <a:lnSpc>
+                  <a:spcPct val="80000"/>
+                </a:lnSpc>
+                <a:spcBef>
+                  <a:spcPts val="0"/>
+                </a:spcBef>
+                <a:spcAft>
+                  <a:spcPts val="0"/>
+                </a:spcAft>
+                <a:buClrTx/>
+                <a:buSzTx/>
+                <a:buFontTx/>
+                <a:buNone/>
+                <a:tabLst/>
+                <a:defRPr/>
+              </a:pPr>
+              <a:r>
+                <a:rPr lang="zh-CN" altLang="en-US" sz="1200" dirty="0">
+                  <a:solidFill>
+                    <a:sysClr val="windowText" lastClr="000000">
+                      <a:lumMod val="65000"/>
+                      <a:lumOff val="35000"/>
+                    </a:sysClr>
+                  </a:solidFill>
+                </a:rPr>
+                <a:t>折扣</a:t>
+              </a:r>
+              <a:endParaRPr kumimoji="0" lang="zh-CN" altLang="en-US" sz="1200" b="1" i="0" u="none" strike="noStrike" kern="0" cap="none" spc="0" normalizeH="0" baseline="0" noProof="0" dirty="0">
+                <a:ln w="18415" cmpd="sng">
+                  <a:noFill/>
+                  <a:prstDash val="solid"/>
+                </a:ln>
+                <a:solidFill>
+                  <a:sysClr val="windowText" lastClr="000000">
+                    <a:lumMod val="65000"/>
+                    <a:lumOff val="35000"/>
+                  </a:sysClr>
+                </a:solidFill>
+                <a:effectLst/>
+                <a:uLnTx/>
+                <a:uFillTx/>
+                <a:latin typeface="Agency FB" pitchFamily="34" charset="0"/>
+                <a:ea typeface="微软雅黑" pitchFamily="34" charset="-122"/>
+              </a:endParaRPr>
+            </a:p>
+          </p:txBody>
+        </p:sp>
+      </p:grpSp>
+      <p:pic>
+        <p:nvPicPr>
+          <p:cNvPr id="108" name="图片 107"/>
+          <p:cNvPicPr>
+            <a:picLocks noChangeAspect="1"/>
+          </p:cNvPicPr>
+          <p:nvPr/>
+        </p:nvPicPr>
+        <p:blipFill>
+          <a:blip r:embed="rId3" cstate="email">
+            <a:extLst>
+              <a:ext uri="{28A0092B-C50C-407E-A947-70E740481C1C}">
+                <a14:useLocalDpi xmlns:a14="http://schemas.microsoft.com/office/drawing/2010/main" val="0"/>
+              </a:ext>
+            </a:extLst>
+          </a:blip>
+          <a:stretch>
+            <a:fillRect/>
+          </a:stretch>
+        </p:blipFill>
+        <p:spPr>
+          <a:xfrm rot="2204850">
+            <a:off x="4885891" y="4515848"/>
+            <a:ext cx="1066458" cy="1173472"/>
+          </a:xfrm>
+          <a:prstGeom prst="rect">
+            <a:avLst/>
+          </a:prstGeom>
+        </p:spPr>
+      </p:pic>
+      <p:pic>
+        <p:nvPicPr>
+          <p:cNvPr id="109" name="图片 108"/>
+          <p:cNvPicPr>
+            <a:picLocks noChangeAspect="1"/>
+          </p:cNvPicPr>
+          <p:nvPr/>
+        </p:nvPicPr>
+        <p:blipFill>
+          <a:blip r:embed="rId3" cstate="email">
+            <a:extLst>
+              <a:ext uri="{28A0092B-C50C-407E-A947-70E740481C1C}">
+                <a14:useLocalDpi xmlns:a14="http://schemas.microsoft.com/office/drawing/2010/main" val="0"/>
+              </a:ext>
+            </a:extLst>
+          </a:blip>
+          <a:stretch>
+            <a:fillRect/>
+          </a:stretch>
+        </p:blipFill>
+        <p:spPr>
+          <a:xfrm rot="2758831">
+            <a:off x="6517167" y="4778909"/>
+            <a:ext cx="1066458" cy="1173472"/>
+          </a:xfrm>
+          <a:prstGeom prst="rect">
+            <a:avLst/>
+          </a:prstGeom>
+        </p:spPr>
+      </p:pic>
+      <p:sp>
+        <p:nvSpPr>
+          <p:cNvPr id="110" name="TextBox 109"/>
+          <p:cNvSpPr txBox="1"/>
+          <p:nvPr/>
+        </p:nvSpPr>
+        <p:spPr>
+          <a:xfrm rot="977133">
+            <a:off x="4997137" y="5017304"/>
+            <a:ext cx="806570" cy="240066"/>
+          </a:xfrm>
+          <a:prstGeom prst="rect">
+            <a:avLst/>
+          </a:prstGeom>
+          <a:noFill/>
+        </p:spPr>
+        <p:txBody>
+          <a:bodyPr wrap="square" rtlCol="0">
+            <a:spAutoFit/>
+          </a:bodyPr>
+          <a:lstStyle>
+            <a:defPPr>
+              <a:defRPr lang="en-US"/>
+            </a:defPPr>
+            <a:lvl1pPr lvl="0">
+              <a:lnSpc>
+                <a:spcPct val="80000"/>
+              </a:lnSpc>
+              <a:defRPr sz="4400" b="1" kern="0">
+                <a:ln w="18415" cmpd="sng">
+                  <a:noFill/>
+                  <a:prstDash val="solid"/>
+                </a:ln>
+                <a:solidFill>
+                  <a:srgbClr val="FFC000"/>
+                </a:solidFill>
+                <a:latin typeface="Agency FB" pitchFamily="34" charset="0"/>
+                <a:ea typeface="微软雅黑" pitchFamily="34" charset="-122"/>
+              </a:defRPr>
+            </a:lvl1pPr>
+          </a:lstStyle>
+          <a:p>
+            <a:pPr marL="0" marR="0" lvl="0" indent="0" algn="ctr" defTabSz="914400" eaLnBrk="1" fontAlgn="auto" latinLnBrk="0" hangingPunct="1">
+              <a:lnSpc>
+                <a:spcPct val="80000"/>
+              </a:lnSpc>
+              <a:spcBef>
+                <a:spcPts val="0"/>
+              </a:spcBef>
+              <a:spcAft>
+                <a:spcPts val="0"/>
+              </a:spcAft>
+              <a:buClrTx/>
+              <a:buSzTx/>
+              <a:buFontTx/>
+              <a:buNone/>
+              <a:tabLst/>
+              <a:defRPr/>
+            </a:pPr>
+            <a:r>
+              <a:rPr lang="zh-CN" altLang="en-US" sz="1200" dirty="0">
+                <a:solidFill>
+                  <a:sysClr val="windowText" lastClr="000000">
+                    <a:lumMod val="65000"/>
+                    <a:lumOff val="35000"/>
+                  </a:sysClr>
+                </a:solidFill>
+              </a:rPr>
+              <a:t>优惠</a:t>
+            </a:r>
+            <a:endParaRPr kumimoji="0" lang="zh-CN" altLang="en-US" sz="1200" b="1" i="0" u="none" strike="noStrike" kern="0" cap="none" spc="0" normalizeH="0" baseline="0" noProof="0" dirty="0">
+              <a:ln w="18415" cmpd="sng">
+                <a:noFill/>
+                <a:prstDash val="solid"/>
+              </a:ln>
+              <a:solidFill>
+                <a:sysClr val="windowText" lastClr="000000">
+                  <a:lumMod val="65000"/>
+                  <a:lumOff val="35000"/>
+                </a:sysClr>
+              </a:solidFill>
+              <a:effectLst/>
+              <a:uLnTx/>
+              <a:uFillTx/>
+              <a:latin typeface="Agency FB" pitchFamily="34" charset="0"/>
+              <a:ea typeface="微软雅黑" pitchFamily="34" charset="-122"/>
+            </a:endParaRPr>
+          </a:p>
+        </p:txBody>
+      </p:sp>
+      <p:sp>
+        <p:nvSpPr>
+          <p:cNvPr id="111" name="TextBox 110"/>
+          <p:cNvSpPr txBox="1"/>
+          <p:nvPr/>
+        </p:nvSpPr>
+        <p:spPr>
+          <a:xfrm rot="1399187">
+            <a:off x="6663654" y="5243818"/>
+            <a:ext cx="806570" cy="240066"/>
+          </a:xfrm>
+          <a:prstGeom prst="rect">
+            <a:avLst/>
+          </a:prstGeom>
+          <a:noFill/>
+        </p:spPr>
+        <p:txBody>
+          <a:bodyPr wrap="square" rtlCol="0">
+            <a:spAutoFit/>
+          </a:bodyPr>
+          <a:lstStyle>
+            <a:defPPr>
+              <a:defRPr lang="en-US"/>
+            </a:defPPr>
+            <a:lvl1pPr lvl="0">
+              <a:lnSpc>
+                <a:spcPct val="80000"/>
+              </a:lnSpc>
+              <a:defRPr sz="4400" b="1" kern="0">
+                <a:ln w="18415" cmpd="sng">
+                  <a:noFill/>
+                  <a:prstDash val="solid"/>
+                </a:ln>
+                <a:solidFill>
+                  <a:srgbClr val="FFC000"/>
+                </a:solidFill>
+                <a:latin typeface="Agency FB" pitchFamily="34" charset="0"/>
+                <a:ea typeface="微软雅黑" pitchFamily="34" charset="-122"/>
+              </a:defRPr>
+            </a:lvl1pPr>
+          </a:lstStyle>
+          <a:p>
+            <a:pPr marL="0" marR="0" lvl="0" indent="0" algn="ctr" defTabSz="914400" eaLnBrk="1" fontAlgn="auto" latinLnBrk="0" hangingPunct="1">
+              <a:lnSpc>
+                <a:spcPct val="80000"/>
+              </a:lnSpc>
+              <a:spcBef>
+                <a:spcPts val="0"/>
+              </a:spcBef>
+              <a:spcAft>
+                <a:spcPts val="0"/>
+              </a:spcAft>
+              <a:buClrTx/>
+              <a:buSzTx/>
+              <a:buFontTx/>
+              <a:buNone/>
+              <a:tabLst/>
+              <a:defRPr/>
+            </a:pPr>
+            <a:r>
+              <a:rPr lang="zh-CN" altLang="en-US" sz="1200" dirty="0">
+                <a:solidFill>
+                  <a:sysClr val="windowText" lastClr="000000">
+                    <a:lumMod val="65000"/>
+                    <a:lumOff val="35000"/>
+                  </a:sysClr>
+                </a:solidFill>
+              </a:rPr>
+              <a:t>促销</a:t>
+            </a:r>
+            <a:endParaRPr kumimoji="0" lang="zh-CN" altLang="en-US" sz="1200" b="1" i="0" u="none" strike="noStrike" kern="0" cap="none" spc="0" normalizeH="0" baseline="0" noProof="0" dirty="0">
+              <a:ln w="18415" cmpd="sng">
+                <a:noFill/>
+                <a:prstDash val="solid"/>
+              </a:ln>
+              <a:solidFill>
+                <a:sysClr val="windowText" lastClr="000000">
+                  <a:lumMod val="65000"/>
+                  <a:lumOff val="35000"/>
+                </a:sysClr>
+              </a:solidFill>
+              <a:effectLst/>
+              <a:uLnTx/>
+              <a:uFillTx/>
+              <a:latin typeface="Agency FB" pitchFamily="34" charset="0"/>
+              <a:ea typeface="微软雅黑" pitchFamily="34" charset="-122"/>
+            </a:endParaRPr>
+          </a:p>
+        </p:txBody>
+      </p:sp>
+      <p:grpSp>
+        <p:nvGrpSpPr>
+          <p:cNvPr id="3" name="组合 2"/>
+          <p:cNvGrpSpPr/>
+          <p:nvPr/>
+        </p:nvGrpSpPr>
+        <p:grpSpPr>
+          <a:xfrm>
+            <a:off x="2699785" y="1448229"/>
+            <a:ext cx="3369712" cy="2921414"/>
+            <a:chOff x="1902657" y="368086"/>
+            <a:chExt cx="5735471" cy="5237514"/>
+          </a:xfrm>
+        </p:grpSpPr>
+        <p:grpSp>
+          <p:nvGrpSpPr>
+            <p:cNvPr id="112" name="组合 111"/>
+            <p:cNvGrpSpPr/>
+            <p:nvPr/>
+          </p:nvGrpSpPr>
+          <p:grpSpPr>
+            <a:xfrm rot="15804414">
+              <a:off x="2923265" y="418885"/>
+              <a:ext cx="1215386" cy="1113788"/>
+              <a:chOff x="4629871" y="1716569"/>
+              <a:chExt cx="2968442" cy="2720307"/>
+            </a:xfrm>
+          </p:grpSpPr>
+          <p:sp>
+            <p:nvSpPr>
+              <p:cNvPr id="113" name="椭圆 112"/>
+              <p:cNvSpPr/>
+              <p:nvPr/>
+            </p:nvSpPr>
+            <p:spPr>
+              <a:xfrm rot="197558">
+                <a:off x="4629871" y="1830047"/>
+                <a:ext cx="2968442" cy="2523901"/>
+              </a:xfrm>
+              <a:prstGeom prst="ellipse">
+                <a:avLst/>
+              </a:prstGeom>
+              <a:gradFill flip="none" rotWithShape="1">
+                <a:gsLst>
+                  <a:gs pos="52000">
+                    <a:srgbClr val="705500"/>
+                  </a:gs>
+                  <a:gs pos="100000">
+                    <a:sysClr val="windowText" lastClr="000000">
+                      <a:lumMod val="50000"/>
+                      <a:lumOff val="50000"/>
+                      <a:shade val="67500"/>
+                      <a:satMod val="115000"/>
+                      <a:alpha val="0"/>
+                    </a:sysClr>
+                  </a:gs>
+                  <a:gs pos="68000">
+                    <a:sysClr val="windowText" lastClr="000000">
+                      <a:lumMod val="50000"/>
+                      <a:lumOff val="50000"/>
+                      <a:shade val="100000"/>
+                      <a:satMod val="115000"/>
+                      <a:alpha val="0"/>
+                    </a:sysClr>
+                  </a:gs>
+                </a:gsLst>
+                <a:path path="circle">
+                  <a:fillToRect l="50000" t="50000" r="50000" b="50000"/>
+                </a:path>
+                <a:tileRect/>
+              </a:gradFill>
+              <a:ln w="25400" cap="flat" cmpd="sng" algn="ctr">
+                <a:noFill/>
+                <a:prstDash val="solid"/>
+              </a:ln>
+              <a:effectLst/>
+            </p:spPr>
+            <p:txBody>
+              <a:bodyPr rtlCol="0" anchor="ctr"/>
+              <a:lstStyle/>
+              <a:p>
+                <a:pPr marL="0" marR="0" lvl="0" indent="0" algn="ctr" defTabSz="914400" eaLnBrk="1" fontAlgn="auto" latinLnBrk="0" hangingPunct="1">
+                  <a:lnSpc>
+                    <a:spcPct val="100000"/>
+                  </a:lnSpc>
+                  <a:spcBef>
+                    <a:spcPts val="0"/>
+                  </a:spcBef>
+                  <a:spcAft>
+                    <a:spcPts val="0"/>
+                  </a:spcAft>
+                  <a:buClrTx/>
+                  <a:buSzTx/>
+                  <a:buFontTx/>
+                  <a:buNone/>
+                  <a:tabLst/>
+                  <a:defRPr/>
+                </a:pPr>
+                <a:endParaRPr kumimoji="0" lang="en-US" sz="1800" b="0" i="0" u="none" strike="noStrike" kern="0" cap="none" spc="0" normalizeH="0" baseline="0" noProof="0">
+                  <a:ln>
+                    <a:noFill/>
+                  </a:ln>
+                  <a:solidFill>
+                    <a:sysClr val="window" lastClr="FFFFFF"/>
+                  </a:solidFill>
+                  <a:effectLst/>
+                  <a:uLnTx/>
+                  <a:uFillTx/>
+                  <a:latin typeface="Calibri"/>
+                  <a:ea typeface="+mn-ea"/>
+                  <a:cs typeface="+mn-cs"/>
+                </a:endParaRPr>
+              </a:p>
+            </p:txBody>
+          </p:sp>
+          <p:sp>
+            <p:nvSpPr>
+              <p:cNvPr id="114" name="椭圆 113"/>
+              <p:cNvSpPr/>
+              <p:nvPr/>
+            </p:nvSpPr>
+            <p:spPr>
+              <a:xfrm rot="197558">
+                <a:off x="5001859" y="1716569"/>
+                <a:ext cx="2453112" cy="2453101"/>
+              </a:xfrm>
+              <a:prstGeom prst="ellipse">
+                <a:avLst/>
+              </a:prstGeom>
+              <a:ln>
+                <a:solidFill>
+                  <a:schemeClr val="accent5"/>
+                </a:solidFill>
+              </a:ln>
+            </p:spPr>
+            <p:style>
+              <a:lnRef idx="2">
+                <a:schemeClr val="accent4"/>
+              </a:lnRef>
+              <a:fillRef idx="1">
+                <a:schemeClr val="lt1"/>
+              </a:fillRef>
+              <a:effectRef idx="0">
+                <a:schemeClr val="accent4"/>
+              </a:effectRef>
+              <a:fontRef idx="minor">
+                <a:schemeClr val="dk1"/>
+              </a:fontRef>
+            </p:style>
+            <p:txBody>
+              <a:bodyPr rtlCol="0" anchor="ctr"/>
+              <a:lstStyle/>
+              <a:p>
+                <a:pPr marL="0" marR="0" lvl="0" indent="0" algn="ctr" defTabSz="914400" eaLnBrk="1" fontAlgn="auto" latinLnBrk="0" hangingPunct="1">
+                  <a:lnSpc>
+                    <a:spcPct val="100000"/>
+                  </a:lnSpc>
+                  <a:spcBef>
+                    <a:spcPts val="0"/>
+                  </a:spcBef>
+                  <a:spcAft>
+                    <a:spcPts val="0"/>
+                  </a:spcAft>
+                  <a:buClrTx/>
+                  <a:buSzTx/>
+                  <a:buFontTx/>
+                  <a:buNone/>
+                  <a:tabLst/>
+                  <a:defRPr/>
+                </a:pPr>
+                <a:endParaRPr kumimoji="0" lang="en-US" sz="1800" b="0" i="0" u="none" strike="noStrike" kern="0" cap="none" spc="0" normalizeH="0" baseline="0" noProof="0" dirty="0">
+                  <a:ln>
+                    <a:noFill/>
+                  </a:ln>
+                  <a:solidFill>
+                    <a:sysClr val="window" lastClr="FFFFFF"/>
+                  </a:solidFill>
+                  <a:effectLst/>
+                  <a:uLnTx/>
+                  <a:uFillTx/>
+                  <a:latin typeface="Calibri"/>
+                  <a:ea typeface="+mn-ea"/>
+                  <a:cs typeface="+mn-cs"/>
+                </a:endParaRPr>
+              </a:p>
+            </p:txBody>
+          </p:sp>
+          <p:sp>
+            <p:nvSpPr>
+              <p:cNvPr id="115" name="椭圆 20"/>
+              <p:cNvSpPr/>
+              <p:nvPr/>
+            </p:nvSpPr>
+            <p:spPr>
+              <a:xfrm rot="3681412">
+                <a:off x="4500236" y="2568117"/>
+                <a:ext cx="2440603" cy="1296915"/>
+              </a:xfrm>
+              <a:custGeom>
+                <a:avLst/>
+                <a:gdLst/>
+                <a:ahLst/>
+                <a:cxnLst/>
+                <a:rect l="l" t="t" r="r" b="b"/>
+                <a:pathLst>
+                  <a:path w="2440603" h="1296915">
+                    <a:moveTo>
+                      <a:pt x="0" y="227448"/>
+                    </a:moveTo>
+                    <a:cubicBezTo>
+                      <a:pt x="25678" y="293739"/>
+                      <a:pt x="58916" y="357865"/>
+                      <a:pt x="98728" y="419543"/>
+                    </a:cubicBezTo>
+                    <a:cubicBezTo>
+                      <a:pt x="465376" y="987560"/>
+                      <a:pt x="1250831" y="1132882"/>
+                      <a:pt x="1853093" y="744130"/>
+                    </a:cubicBezTo>
+                    <a:cubicBezTo>
+                      <a:pt x="2136008" y="561511"/>
+                      <a:pt x="2328171" y="293524"/>
+                      <a:pt x="2413029" y="1382"/>
+                    </a:cubicBezTo>
+                    <a:lnTo>
+                      <a:pt x="2437050" y="0"/>
+                    </a:lnTo>
+                    <a:cubicBezTo>
+                      <a:pt x="2439934" y="23226"/>
+                      <a:pt x="2440603" y="46715"/>
+                      <a:pt x="2440603" y="70360"/>
+                    </a:cubicBezTo>
+                    <a:cubicBezTo>
+                      <a:pt x="2440603" y="747768"/>
+                      <a:pt x="1891456" y="1296915"/>
+                      <a:pt x="1214048" y="1296915"/>
+                    </a:cubicBezTo>
+                    <a:cubicBezTo>
+                      <a:pt x="589939" y="1296915"/>
+                      <a:pt x="74701" y="830783"/>
+                      <a:pt x="0" y="227448"/>
+                    </a:cubicBezTo>
+                    <a:close/>
+                  </a:path>
+                </a:pathLst>
+              </a:custGeom>
+              <a:solidFill>
+                <a:srgbClr val="FFFFFF">
+                  <a:alpha val="9020"/>
+                </a:srgbClr>
+              </a:solidFill>
+              <a:ln w="25400" cap="flat" cmpd="sng" algn="ctr">
+                <a:noFill/>
+                <a:prstDash val="solid"/>
+              </a:ln>
+              <a:effectLst/>
+            </p:spPr>
+            <p:txBody>
+              <a:bodyPr rtlCol="0" anchor="ctr"/>
+              <a:lstStyle/>
+              <a:p>
+                <a:pPr marL="0" marR="0" lvl="0" indent="0" algn="ctr" defTabSz="914400" eaLnBrk="1" fontAlgn="auto" latinLnBrk="0" hangingPunct="1">
+                  <a:lnSpc>
+                    <a:spcPct val="100000"/>
+                  </a:lnSpc>
+                  <a:spcBef>
+                    <a:spcPts val="0"/>
+                  </a:spcBef>
+                  <a:spcAft>
+                    <a:spcPts val="0"/>
+                  </a:spcAft>
+                  <a:buClrTx/>
+                  <a:buSzTx/>
+                  <a:buFontTx/>
+                  <a:buNone/>
+                  <a:tabLst/>
+                  <a:defRPr/>
+                </a:pPr>
+                <a:endParaRPr kumimoji="0" lang="en-US" sz="1800" b="0" i="0" u="none" strike="noStrike" kern="0" cap="none" spc="0" normalizeH="0" baseline="0" noProof="0">
+                  <a:ln>
+                    <a:noFill/>
+                  </a:ln>
+                  <a:solidFill>
+                    <a:sysClr val="window" lastClr="FFFFFF"/>
+                  </a:solidFill>
+                  <a:effectLst/>
+                  <a:uLnTx/>
+                  <a:uFillTx/>
+                  <a:latin typeface="Calibri"/>
+                  <a:ea typeface="+mn-ea"/>
+                  <a:cs typeface="+mn-cs"/>
+                </a:endParaRPr>
+              </a:p>
+            </p:txBody>
+          </p:sp>
+        </p:grpSp>
+        <p:cxnSp>
+          <p:nvCxnSpPr>
+            <p:cNvPr id="118" name="直接连接符 117"/>
+            <p:cNvCxnSpPr/>
+            <p:nvPr/>
+          </p:nvCxnSpPr>
+          <p:spPr>
+            <a:xfrm>
+              <a:off x="3923928" y="1258098"/>
+              <a:ext cx="1408625" cy="1030849"/>
+            </a:xfrm>
+            <a:prstGeom prst="line">
+              <a:avLst/>
+            </a:prstGeom>
+            <a:noFill/>
+            <a:ln w="12700" cap="flat" cmpd="sng" algn="ctr">
+              <a:solidFill>
+                <a:srgbClr val="966F00"/>
+              </a:solidFill>
+              <a:prstDash val="sysDash"/>
+            </a:ln>
+            <a:effectLst>
+              <a:outerShdw dist="12700" dir="5400000" algn="t" rotWithShape="0">
+                <a:sysClr val="window" lastClr="FFFFFF">
+                  <a:alpha val="83000"/>
+                </a:sysClr>
+              </a:outerShdw>
+            </a:effectLst>
+          </p:spPr>
+        </p:cxnSp>
+        <p:cxnSp>
+          <p:nvCxnSpPr>
+            <p:cNvPr id="119" name="直接连接符 118"/>
+            <p:cNvCxnSpPr>
+              <a:endCxn id="126" idx="1"/>
+            </p:cNvCxnSpPr>
+            <p:nvPr/>
+          </p:nvCxnSpPr>
+          <p:spPr>
+            <a:xfrm flipV="1">
+              <a:off x="2638103" y="2791579"/>
+              <a:ext cx="2549543" cy="115663"/>
+            </a:xfrm>
+            <a:prstGeom prst="line">
+              <a:avLst/>
+            </a:prstGeom>
+            <a:noFill/>
+            <a:ln w="12700" cap="flat" cmpd="sng" algn="ctr">
+              <a:solidFill>
+                <a:srgbClr val="966F00"/>
+              </a:solidFill>
+              <a:prstDash val="sysDash"/>
+            </a:ln>
+            <a:effectLst>
+              <a:outerShdw dist="12700" dir="5400000" algn="t" rotWithShape="0">
+                <a:sysClr val="window" lastClr="FFFFFF">
+                  <a:alpha val="83000"/>
+                </a:sysClr>
+              </a:outerShdw>
+            </a:effectLst>
+          </p:spPr>
+        </p:cxnSp>
+        <p:cxnSp>
+          <p:nvCxnSpPr>
+            <p:cNvPr id="120" name="直接连接符 119"/>
+            <p:cNvCxnSpPr/>
+            <p:nvPr/>
+          </p:nvCxnSpPr>
+          <p:spPr>
+            <a:xfrm flipV="1">
+              <a:off x="3275025" y="3549570"/>
+              <a:ext cx="2353649" cy="1224137"/>
+            </a:xfrm>
+            <a:prstGeom prst="line">
+              <a:avLst/>
+            </a:prstGeom>
+            <a:noFill/>
+            <a:ln w="12700" cap="flat" cmpd="sng" algn="ctr">
+              <a:solidFill>
+                <a:srgbClr val="966F00"/>
+              </a:solidFill>
+              <a:prstDash val="sysDash"/>
+            </a:ln>
+            <a:effectLst>
+              <a:outerShdw dist="12700" dir="5400000" algn="t" rotWithShape="0">
+                <a:sysClr val="window" lastClr="FFFFFF">
+                  <a:alpha val="83000"/>
+                </a:sysClr>
+              </a:outerShdw>
+            </a:effectLst>
+          </p:spPr>
+        </p:cxnSp>
+        <p:grpSp>
+          <p:nvGrpSpPr>
+            <p:cNvPr id="122" name="组合 121"/>
+            <p:cNvGrpSpPr/>
+            <p:nvPr/>
+          </p:nvGrpSpPr>
+          <p:grpSpPr>
+            <a:xfrm>
+              <a:off x="5001848" y="1646232"/>
+              <a:ext cx="2453110" cy="2583693"/>
+              <a:chOff x="5001848" y="1716570"/>
+              <a:chExt cx="2453110" cy="2583693"/>
+            </a:xfrm>
+          </p:grpSpPr>
+          <p:sp>
+            <p:nvSpPr>
+              <p:cNvPr id="124" name="椭圆 123"/>
+              <p:cNvSpPr/>
+              <p:nvPr/>
+            </p:nvSpPr>
+            <p:spPr>
+              <a:xfrm rot="197558">
+                <a:off x="5001848" y="1716570"/>
+                <a:ext cx="2453110" cy="2453110"/>
+              </a:xfrm>
+              <a:prstGeom prst="ellipse">
+                <a:avLst/>
+              </a:prstGeom>
+              <a:solidFill>
+                <a:srgbClr val="00B050"/>
+              </a:solidFill>
+              <a:ln w="25400" cap="flat" cmpd="sng" algn="ctr">
+                <a:noFill/>
+                <a:prstDash val="solid"/>
+              </a:ln>
+              <a:effectLst/>
+            </p:spPr>
+            <p:txBody>
+              <a:bodyPr rtlCol="0" anchor="ctr"/>
+              <a:lstStyle/>
+              <a:p>
+                <a:pPr marL="0" marR="0" lvl="0" indent="0" algn="ctr" defTabSz="914400" eaLnBrk="1" fontAlgn="auto" latinLnBrk="0" hangingPunct="1">
+                  <a:lnSpc>
+                    <a:spcPct val="100000"/>
+                  </a:lnSpc>
+                  <a:spcBef>
+                    <a:spcPts val="0"/>
+                  </a:spcBef>
+                  <a:spcAft>
+                    <a:spcPts val="0"/>
+                  </a:spcAft>
+                  <a:buClrTx/>
+                  <a:buSzTx/>
+                  <a:buFontTx/>
+                  <a:buNone/>
+                  <a:tabLst/>
+                  <a:defRPr/>
+                </a:pPr>
+                <a:endParaRPr kumimoji="0" lang="en-US" sz="1800" b="0" i="0" u="none" strike="noStrike" kern="0" cap="none" spc="0" normalizeH="0" baseline="0" noProof="0">
+                  <a:ln>
+                    <a:noFill/>
+                  </a:ln>
+                  <a:solidFill>
+                    <a:sysClr val="window" lastClr="FFFFFF"/>
+                  </a:solidFill>
+                  <a:effectLst/>
+                  <a:uLnTx/>
+                  <a:uFillTx/>
+                  <a:latin typeface="Calibri"/>
+                  <a:ea typeface="+mn-ea"/>
+                  <a:cs typeface="+mn-cs"/>
+                </a:endParaRPr>
+              </a:p>
+            </p:txBody>
+          </p:sp>
+          <p:sp>
+            <p:nvSpPr>
+              <p:cNvPr id="125" name="椭圆 20"/>
+              <p:cNvSpPr/>
+              <p:nvPr/>
+            </p:nvSpPr>
+            <p:spPr>
+              <a:xfrm rot="3681412">
+                <a:off x="4613722" y="2431503"/>
+                <a:ext cx="2440604" cy="1296915"/>
+              </a:xfrm>
+              <a:custGeom>
+                <a:avLst/>
+                <a:gdLst/>
+                <a:ahLst/>
+                <a:cxnLst/>
+                <a:rect l="l" t="t" r="r" b="b"/>
+                <a:pathLst>
+                  <a:path w="2440603" h="1296915">
+                    <a:moveTo>
+                      <a:pt x="0" y="227448"/>
+                    </a:moveTo>
+                    <a:cubicBezTo>
+                      <a:pt x="25678" y="293739"/>
+                      <a:pt x="58916" y="357865"/>
+                      <a:pt x="98728" y="419543"/>
+                    </a:cubicBezTo>
+                    <a:cubicBezTo>
+                      <a:pt x="465376" y="987560"/>
+                      <a:pt x="1250831" y="1132882"/>
+                      <a:pt x="1853093" y="744130"/>
+                    </a:cubicBezTo>
+                    <a:cubicBezTo>
+                      <a:pt x="2136008" y="561511"/>
+                      <a:pt x="2328171" y="293524"/>
+                      <a:pt x="2413029" y="1382"/>
+                    </a:cubicBezTo>
+                    <a:lnTo>
+                      <a:pt x="2437050" y="0"/>
+                    </a:lnTo>
+                    <a:cubicBezTo>
+                      <a:pt x="2439934" y="23226"/>
+                      <a:pt x="2440603" y="46715"/>
+                      <a:pt x="2440603" y="70360"/>
+                    </a:cubicBezTo>
+                    <a:cubicBezTo>
+                      <a:pt x="2440603" y="747768"/>
+                      <a:pt x="1891456" y="1296915"/>
+                      <a:pt x="1214048" y="1296915"/>
+                    </a:cubicBezTo>
+                    <a:cubicBezTo>
+                      <a:pt x="589939" y="1296915"/>
+                      <a:pt x="74701" y="830783"/>
+                      <a:pt x="0" y="227448"/>
+                    </a:cubicBezTo>
+                    <a:close/>
+                  </a:path>
+                </a:pathLst>
+              </a:custGeom>
+              <a:solidFill>
+                <a:srgbClr val="FFFFFF">
+                  <a:alpha val="9020"/>
+                </a:srgbClr>
+              </a:solidFill>
+              <a:ln w="25400" cap="flat" cmpd="sng" algn="ctr">
+                <a:noFill/>
+                <a:prstDash val="solid"/>
+              </a:ln>
+              <a:effectLst/>
+            </p:spPr>
+            <p:txBody>
+              <a:bodyPr rtlCol="0" anchor="ctr"/>
+              <a:lstStyle/>
+              <a:p>
+                <a:pPr marL="0" marR="0" lvl="0" indent="0" algn="ctr" defTabSz="914400" eaLnBrk="1" fontAlgn="auto" latinLnBrk="0" hangingPunct="1">
+                  <a:lnSpc>
+                    <a:spcPct val="100000"/>
+                  </a:lnSpc>
+                  <a:spcBef>
+                    <a:spcPts val="0"/>
+                  </a:spcBef>
+                  <a:spcAft>
+                    <a:spcPts val="0"/>
+                  </a:spcAft>
+                  <a:buClrTx/>
+                  <a:buSzTx/>
+                  <a:buFontTx/>
+                  <a:buNone/>
+                  <a:tabLst/>
+                  <a:defRPr/>
+                </a:pPr>
+                <a:endParaRPr kumimoji="0" lang="en-US" sz="1800" b="0" i="0" u="none" strike="noStrike" kern="0" cap="none" spc="0" normalizeH="0" baseline="0" noProof="0">
+                  <a:ln>
+                    <a:noFill/>
+                  </a:ln>
+                  <a:solidFill>
+                    <a:sysClr val="window" lastClr="FFFFFF"/>
+                  </a:solidFill>
+                  <a:effectLst/>
+                  <a:uLnTx/>
+                  <a:uFillTx/>
+                  <a:latin typeface="Calibri"/>
+                  <a:ea typeface="+mn-ea"/>
+                  <a:cs typeface="+mn-cs"/>
+                </a:endParaRPr>
+              </a:p>
+            </p:txBody>
+          </p:sp>
+        </p:grpSp>
+        <p:sp>
+          <p:nvSpPr>
+            <p:cNvPr id="126" name="TextBox 125"/>
+            <p:cNvSpPr txBox="1"/>
+            <p:nvPr/>
+          </p:nvSpPr>
+          <p:spPr>
+            <a:xfrm>
+              <a:off x="5187647" y="2432920"/>
+              <a:ext cx="2232249" cy="717318"/>
+            </a:xfrm>
+            <a:prstGeom prst="rect">
+              <a:avLst/>
+            </a:prstGeom>
+            <a:noFill/>
+          </p:spPr>
+          <p:txBody>
+            <a:bodyPr wrap="square" rtlCol="0">
+              <a:spAutoFit/>
+            </a:bodyPr>
+            <a:lstStyle>
+              <a:defPPr>
+                <a:defRPr lang="en-US"/>
+              </a:defPPr>
+              <a:lvl1pPr>
+                <a:lnSpc>
+                  <a:spcPct val="130000"/>
+                </a:lnSpc>
+                <a:defRPr sz="5400" b="1">
+                  <a:solidFill>
+                    <a:schemeClr val="tx1">
+                      <a:lumMod val="65000"/>
+                      <a:lumOff val="35000"/>
+                    </a:schemeClr>
+                  </a:solidFill>
+                  <a:latin typeface="Agency FB" pitchFamily="34" charset="0"/>
+                  <a:ea typeface="微软雅黑" pitchFamily="34" charset="-122"/>
+                  <a:cs typeface="Calibri" pitchFamily="34" charset="0"/>
+                </a:defRPr>
+              </a:lvl1pPr>
+            </a:lstStyle>
+            <a:p>
+              <a:pPr marL="0" marR="0" lvl="0" indent="0" algn="ctr" defTabSz="914400" eaLnBrk="1" fontAlgn="auto" latinLnBrk="0" hangingPunct="1">
+                <a:lnSpc>
+                  <a:spcPct val="100000"/>
+                </a:lnSpc>
+                <a:spcBef>
+                  <a:spcPts val="0"/>
+                </a:spcBef>
+                <a:spcAft>
+                  <a:spcPts val="0"/>
+                </a:spcAft>
+                <a:buClrTx/>
+                <a:buSzTx/>
+                <a:buFontTx/>
+                <a:buNone/>
+                <a:tabLst/>
+                <a:defRPr/>
+              </a:pPr>
+              <a:r>
+                <a:rPr kumimoji="0" lang="zh-CN" altLang="en-US" sz="2000" b="1" i="0" u="none" strike="noStrike" kern="0" cap="none" spc="0" normalizeH="0" baseline="0" noProof="0" dirty="0" smtClean="0">
+                  <a:ln>
+                    <a:solidFill>
+                      <a:srgbClr val="FFC000"/>
+                    </a:solidFill>
+                  </a:ln>
+                  <a:solidFill>
+                    <a:sysClr val="window" lastClr="FFFFFF"/>
+                  </a:solidFill>
+                  <a:effectLst>
+                    <a:innerShdw blurRad="114300" dist="50800" dir="16200000">
+                      <a:srgbClr val="604900"/>
+                    </a:innerShdw>
+                  </a:effectLst>
+                  <a:uLnTx/>
+                  <a:uFillTx/>
+                  <a:latin typeface="Adidas Unity" pitchFamily="2" charset="0"/>
+                  <a:ea typeface="微软雅黑" pitchFamily="34" charset="-122"/>
+                  <a:cs typeface="Calibri" pitchFamily="34" charset="0"/>
+                </a:rPr>
+                <a:t>消息中心</a:t>
+              </a:r>
+              <a:endParaRPr kumimoji="0" lang="zh-CN" altLang="en-US" sz="2000" b="1" i="0" u="none" strike="noStrike" kern="0" cap="none" spc="0" normalizeH="0" baseline="0" noProof="0" dirty="0">
+                <a:ln>
+                  <a:solidFill>
+                    <a:srgbClr val="FFC000"/>
+                  </a:solidFill>
+                </a:ln>
+                <a:solidFill>
+                  <a:sysClr val="window" lastClr="FFFFFF"/>
+                </a:solidFill>
+                <a:effectLst>
+                  <a:innerShdw blurRad="114300" dist="50800" dir="16200000">
+                    <a:srgbClr val="604900"/>
+                  </a:innerShdw>
+                </a:effectLst>
+                <a:uLnTx/>
+                <a:uFillTx/>
+                <a:latin typeface="Adidas Unity" pitchFamily="2" charset="0"/>
+                <a:ea typeface="微软雅黑" pitchFamily="34" charset="-122"/>
+                <a:cs typeface="Calibri" pitchFamily="34" charset="0"/>
+              </a:endParaRPr>
+            </a:p>
+          </p:txBody>
+        </p:sp>
+        <p:grpSp>
+          <p:nvGrpSpPr>
+            <p:cNvPr id="127" name="组合 126"/>
+            <p:cNvGrpSpPr/>
+            <p:nvPr/>
+          </p:nvGrpSpPr>
+          <p:grpSpPr>
+            <a:xfrm rot="15139589">
+              <a:off x="1902221" y="2341227"/>
+              <a:ext cx="1215386" cy="1214514"/>
+              <a:chOff x="4031640" y="1996273"/>
+              <a:chExt cx="2968435" cy="2966307"/>
+            </a:xfrm>
+          </p:grpSpPr>
+          <p:sp>
+            <p:nvSpPr>
+              <p:cNvPr id="128" name="椭圆 127"/>
+              <p:cNvSpPr/>
+              <p:nvPr/>
+            </p:nvSpPr>
+            <p:spPr>
+              <a:xfrm rot="197558">
+                <a:off x="4031640" y="2438679"/>
+                <a:ext cx="2968435" cy="2523901"/>
+              </a:xfrm>
+              <a:prstGeom prst="ellipse">
+                <a:avLst/>
+              </a:prstGeom>
+              <a:gradFill flip="none" rotWithShape="1">
+                <a:gsLst>
+                  <a:gs pos="52000">
+                    <a:srgbClr val="705500"/>
+                  </a:gs>
+                  <a:gs pos="100000">
+                    <a:sysClr val="windowText" lastClr="000000">
+                      <a:lumMod val="50000"/>
+                      <a:lumOff val="50000"/>
+                      <a:shade val="67500"/>
+                      <a:satMod val="115000"/>
+                      <a:alpha val="0"/>
+                    </a:sysClr>
+                  </a:gs>
+                  <a:gs pos="68000">
+                    <a:sysClr val="windowText" lastClr="000000">
+                      <a:lumMod val="50000"/>
+                      <a:lumOff val="50000"/>
+                      <a:shade val="100000"/>
+                      <a:satMod val="115000"/>
+                      <a:alpha val="0"/>
+                    </a:sysClr>
+                  </a:gs>
+                </a:gsLst>
+                <a:path path="circle">
+                  <a:fillToRect l="50000" t="50000" r="50000" b="50000"/>
+                </a:path>
+                <a:tileRect/>
+              </a:gradFill>
+              <a:ln w="25400" cap="flat" cmpd="sng" algn="ctr">
+                <a:noFill/>
+                <a:prstDash val="solid"/>
+              </a:ln>
+              <a:effectLst/>
+            </p:spPr>
+            <p:txBody>
+              <a:bodyPr rtlCol="0" anchor="ctr"/>
+              <a:lstStyle/>
+              <a:p>
+                <a:pPr marL="0" marR="0" lvl="0" indent="0" algn="ctr" defTabSz="914400" eaLnBrk="1" fontAlgn="auto" latinLnBrk="0" hangingPunct="1">
+                  <a:lnSpc>
+                    <a:spcPct val="100000"/>
+                  </a:lnSpc>
+                  <a:spcBef>
+                    <a:spcPts val="0"/>
+                  </a:spcBef>
+                  <a:spcAft>
+                    <a:spcPts val="0"/>
+                  </a:spcAft>
+                  <a:buClrTx/>
+                  <a:buSzTx/>
+                  <a:buFontTx/>
+                  <a:buNone/>
+                  <a:tabLst/>
+                  <a:defRPr/>
+                </a:pPr>
+                <a:endParaRPr kumimoji="0" lang="en-US" sz="1800" b="0" i="0" u="none" strike="noStrike" kern="0" cap="none" spc="0" normalizeH="0" baseline="0" noProof="0">
+                  <a:ln>
+                    <a:noFill/>
+                  </a:ln>
+                  <a:solidFill>
+                    <a:sysClr val="window" lastClr="FFFFFF"/>
+                  </a:solidFill>
+                  <a:effectLst/>
+                  <a:uLnTx/>
+                  <a:uFillTx/>
+                  <a:latin typeface="Calibri"/>
+                  <a:ea typeface="+mn-ea"/>
+                  <a:cs typeface="+mn-cs"/>
+                </a:endParaRPr>
+              </a:p>
+            </p:txBody>
+          </p:sp>
+          <p:sp>
+            <p:nvSpPr>
+              <p:cNvPr id="129" name="椭圆 128"/>
+              <p:cNvSpPr/>
+              <p:nvPr/>
+            </p:nvSpPr>
+            <p:spPr>
+              <a:xfrm rot="197558">
+                <a:off x="4528317" y="2357216"/>
+                <a:ext cx="2453121" cy="2453105"/>
+              </a:xfrm>
+              <a:prstGeom prst="ellipse">
+                <a:avLst/>
+              </a:prstGeom>
+              <a:ln/>
+            </p:spPr>
+            <p:style>
+              <a:lnRef idx="2">
+                <a:schemeClr val="accent2"/>
+              </a:lnRef>
+              <a:fillRef idx="1">
+                <a:schemeClr val="lt1"/>
+              </a:fillRef>
+              <a:effectRef idx="0">
+                <a:schemeClr val="accent2"/>
+              </a:effectRef>
+              <a:fontRef idx="minor">
+                <a:schemeClr val="dk1"/>
+              </a:fontRef>
+            </p:style>
+            <p:txBody>
+              <a:bodyPr rtlCol="0" anchor="ctr"/>
+              <a:lstStyle/>
+              <a:p>
+                <a:pPr marL="0" marR="0" lvl="0" indent="0" algn="ctr" defTabSz="914400" eaLnBrk="1" fontAlgn="auto" latinLnBrk="0" hangingPunct="1">
+                  <a:lnSpc>
+                    <a:spcPct val="100000"/>
+                  </a:lnSpc>
+                  <a:spcBef>
+                    <a:spcPts val="0"/>
+                  </a:spcBef>
+                  <a:spcAft>
+                    <a:spcPts val="0"/>
+                  </a:spcAft>
+                  <a:buClrTx/>
+                  <a:buSzTx/>
+                  <a:buFontTx/>
+                  <a:buNone/>
+                  <a:tabLst/>
+                  <a:defRPr/>
+                </a:pPr>
+                <a:endParaRPr kumimoji="0" lang="en-US" sz="1800" b="0" i="0" u="none" strike="noStrike" kern="0" cap="none" spc="0" normalizeH="0" baseline="0" noProof="0">
+                  <a:ln>
+                    <a:noFill/>
+                  </a:ln>
+                  <a:solidFill>
+                    <a:schemeClr val="bg1"/>
+                  </a:solidFill>
+                  <a:effectLst/>
+                  <a:uLnTx/>
+                  <a:uFillTx/>
+                  <a:latin typeface="Calibri"/>
+                  <a:ea typeface="+mn-ea"/>
+                  <a:cs typeface="+mn-cs"/>
+                </a:endParaRPr>
+              </a:p>
+            </p:txBody>
+          </p:sp>
+          <p:sp>
+            <p:nvSpPr>
+              <p:cNvPr id="130" name="椭圆 20"/>
+              <p:cNvSpPr/>
+              <p:nvPr/>
+            </p:nvSpPr>
+            <p:spPr>
+              <a:xfrm rot="3681412">
+                <a:off x="4500236" y="2568117"/>
+                <a:ext cx="2440603" cy="1296915"/>
+              </a:xfrm>
+              <a:custGeom>
+                <a:avLst/>
+                <a:gdLst/>
+                <a:ahLst/>
+                <a:cxnLst/>
+                <a:rect l="l" t="t" r="r" b="b"/>
+                <a:pathLst>
+                  <a:path w="2440603" h="1296915">
+                    <a:moveTo>
+                      <a:pt x="0" y="227448"/>
+                    </a:moveTo>
+                    <a:cubicBezTo>
+                      <a:pt x="25678" y="293739"/>
+                      <a:pt x="58916" y="357865"/>
+                      <a:pt x="98728" y="419543"/>
+                    </a:cubicBezTo>
+                    <a:cubicBezTo>
+                      <a:pt x="465376" y="987560"/>
+                      <a:pt x="1250831" y="1132882"/>
+                      <a:pt x="1853093" y="744130"/>
+                    </a:cubicBezTo>
+                    <a:cubicBezTo>
+                      <a:pt x="2136008" y="561511"/>
+                      <a:pt x="2328171" y="293524"/>
+                      <a:pt x="2413029" y="1382"/>
+                    </a:cubicBezTo>
+                    <a:lnTo>
+                      <a:pt x="2437050" y="0"/>
+                    </a:lnTo>
+                    <a:cubicBezTo>
+                      <a:pt x="2439934" y="23226"/>
+                      <a:pt x="2440603" y="46715"/>
+                      <a:pt x="2440603" y="70360"/>
+                    </a:cubicBezTo>
+                    <a:cubicBezTo>
+                      <a:pt x="2440603" y="747768"/>
+                      <a:pt x="1891456" y="1296915"/>
+                      <a:pt x="1214048" y="1296915"/>
+                    </a:cubicBezTo>
+                    <a:cubicBezTo>
+                      <a:pt x="589939" y="1296915"/>
+                      <a:pt x="74701" y="830783"/>
+                      <a:pt x="0" y="227448"/>
+                    </a:cubicBezTo>
+                    <a:close/>
+                  </a:path>
+                </a:pathLst>
+              </a:custGeom>
+              <a:solidFill>
+                <a:srgbClr val="FFFFFF">
+                  <a:alpha val="9020"/>
+                </a:srgbClr>
+              </a:solidFill>
+              <a:ln w="25400" cap="flat" cmpd="sng" algn="ctr">
+                <a:noFill/>
+                <a:prstDash val="solid"/>
+              </a:ln>
+              <a:effectLst/>
+            </p:spPr>
+            <p:txBody>
+              <a:bodyPr rtlCol="0" anchor="ctr"/>
+              <a:lstStyle/>
+              <a:p>
+                <a:pPr marL="0" marR="0" lvl="0" indent="0" algn="ctr" defTabSz="914400" eaLnBrk="1" fontAlgn="auto" latinLnBrk="0" hangingPunct="1">
+                  <a:lnSpc>
+                    <a:spcPct val="100000"/>
+                  </a:lnSpc>
+                  <a:spcBef>
+                    <a:spcPts val="0"/>
+                  </a:spcBef>
+                  <a:spcAft>
+                    <a:spcPts val="0"/>
+                  </a:spcAft>
+                  <a:buClrTx/>
+                  <a:buSzTx/>
+                  <a:buFontTx/>
+                  <a:buNone/>
+                  <a:tabLst/>
+                  <a:defRPr/>
+                </a:pPr>
+                <a:endParaRPr kumimoji="0" lang="en-US" sz="1600" b="0" i="0" u="none" strike="noStrike" kern="0" cap="none" spc="0" normalizeH="0" baseline="0" noProof="0" dirty="0">
+                  <a:ln>
+                    <a:noFill/>
+                  </a:ln>
+                  <a:solidFill>
+                    <a:sysClr val="window" lastClr="FFFFFF"/>
+                  </a:solidFill>
+                  <a:effectLst/>
+                  <a:uLnTx/>
+                  <a:uFillTx/>
+                  <a:latin typeface="Calibri"/>
+                  <a:ea typeface="+mn-ea"/>
+                  <a:cs typeface="+mn-cs"/>
+                </a:endParaRPr>
+              </a:p>
+            </p:txBody>
+          </p:sp>
+        </p:grpSp>
+        <p:grpSp>
+          <p:nvGrpSpPr>
+            <p:cNvPr id="139" name="组合 138"/>
+            <p:cNvGrpSpPr/>
+            <p:nvPr/>
+          </p:nvGrpSpPr>
+          <p:grpSpPr>
+            <a:xfrm rot="14149206">
+              <a:off x="2391821" y="4441012"/>
+              <a:ext cx="1215386" cy="1113790"/>
+              <a:chOff x="4629871" y="1716570"/>
+              <a:chExt cx="2968442" cy="2720306"/>
+            </a:xfrm>
+          </p:grpSpPr>
+          <p:sp>
+            <p:nvSpPr>
+              <p:cNvPr id="140" name="椭圆 139"/>
+              <p:cNvSpPr/>
+              <p:nvPr/>
+            </p:nvSpPr>
+            <p:spPr>
+              <a:xfrm rot="197558">
+                <a:off x="4629871" y="1830047"/>
+                <a:ext cx="2968442" cy="2523901"/>
+              </a:xfrm>
+              <a:prstGeom prst="ellipse">
+                <a:avLst/>
+              </a:prstGeom>
+              <a:gradFill flip="none" rotWithShape="1">
+                <a:gsLst>
+                  <a:gs pos="52000">
+                    <a:srgbClr val="705500"/>
+                  </a:gs>
+                  <a:gs pos="100000">
+                    <a:sysClr val="windowText" lastClr="000000">
+                      <a:lumMod val="50000"/>
+                      <a:lumOff val="50000"/>
+                      <a:shade val="67500"/>
+                      <a:satMod val="115000"/>
+                      <a:alpha val="0"/>
+                    </a:sysClr>
+                  </a:gs>
+                  <a:gs pos="68000">
+                    <a:sysClr val="windowText" lastClr="000000">
+                      <a:lumMod val="50000"/>
+                      <a:lumOff val="50000"/>
+                      <a:shade val="100000"/>
+                      <a:satMod val="115000"/>
+                      <a:alpha val="0"/>
+                    </a:sysClr>
+                  </a:gs>
+                </a:gsLst>
+                <a:path path="circle">
+                  <a:fillToRect l="50000" t="50000" r="50000" b="50000"/>
+                </a:path>
+                <a:tileRect/>
+              </a:gradFill>
+              <a:ln w="25400" cap="flat" cmpd="sng" algn="ctr">
+                <a:noFill/>
+                <a:prstDash val="solid"/>
+              </a:ln>
+              <a:effectLst/>
+            </p:spPr>
+            <p:txBody>
+              <a:bodyPr rtlCol="0" anchor="ctr"/>
+              <a:lstStyle/>
+              <a:p>
+                <a:pPr marL="0" marR="0" lvl="0" indent="0" algn="ctr" defTabSz="914400" eaLnBrk="1" fontAlgn="auto" latinLnBrk="0" hangingPunct="1">
+                  <a:lnSpc>
+                    <a:spcPct val="100000"/>
+                  </a:lnSpc>
+                  <a:spcBef>
+                    <a:spcPts val="0"/>
+                  </a:spcBef>
+                  <a:spcAft>
+                    <a:spcPts val="0"/>
+                  </a:spcAft>
+                  <a:buClrTx/>
+                  <a:buSzTx/>
+                  <a:buFontTx/>
+                  <a:buNone/>
+                  <a:tabLst/>
+                  <a:defRPr/>
+                </a:pPr>
+                <a:endParaRPr kumimoji="0" lang="en-US" sz="1800" b="0" i="0" u="none" strike="noStrike" kern="0" cap="none" spc="0" normalizeH="0" baseline="0" noProof="0">
+                  <a:ln>
+                    <a:noFill/>
+                  </a:ln>
+                  <a:solidFill>
+                    <a:sysClr val="window" lastClr="FFFFFF"/>
+                  </a:solidFill>
+                  <a:effectLst/>
+                  <a:uLnTx/>
+                  <a:uFillTx/>
+                  <a:latin typeface="Calibri"/>
+                  <a:ea typeface="+mn-ea"/>
+                  <a:cs typeface="+mn-cs"/>
+                </a:endParaRPr>
+              </a:p>
+            </p:txBody>
+          </p:sp>
+          <p:sp>
+            <p:nvSpPr>
+              <p:cNvPr id="141" name="椭圆 140"/>
+              <p:cNvSpPr/>
+              <p:nvPr/>
+            </p:nvSpPr>
+            <p:spPr>
+              <a:xfrm rot="197558">
+                <a:off x="5001848" y="1716570"/>
+                <a:ext cx="2453110" cy="2453110"/>
+              </a:xfrm>
+              <a:prstGeom prst="ellipse">
+                <a:avLst/>
+              </a:prstGeom>
+              <a:ln/>
+            </p:spPr>
+            <p:style>
+              <a:lnRef idx="2">
+                <a:schemeClr val="accent4"/>
+              </a:lnRef>
+              <a:fillRef idx="1">
+                <a:schemeClr val="lt1"/>
+              </a:fillRef>
+              <a:effectRef idx="0">
+                <a:schemeClr val="accent4"/>
+              </a:effectRef>
+              <a:fontRef idx="minor">
+                <a:schemeClr val="dk1"/>
+              </a:fontRef>
+            </p:style>
+            <p:txBody>
+              <a:bodyPr rtlCol="0" anchor="ctr"/>
+              <a:lstStyle/>
+              <a:p>
+                <a:pPr marL="0" marR="0" lvl="0" indent="0" algn="ctr" defTabSz="914400" eaLnBrk="1" fontAlgn="auto" latinLnBrk="0" hangingPunct="1">
+                  <a:lnSpc>
+                    <a:spcPct val="100000"/>
+                  </a:lnSpc>
+                  <a:spcBef>
+                    <a:spcPts val="0"/>
+                  </a:spcBef>
+                  <a:spcAft>
+                    <a:spcPts val="0"/>
+                  </a:spcAft>
+                  <a:buClrTx/>
+                  <a:buSzTx/>
+                  <a:buFontTx/>
+                  <a:buNone/>
+                  <a:tabLst/>
+                  <a:defRPr/>
+                </a:pPr>
+                <a:endParaRPr kumimoji="0" lang="en-US" sz="1400" b="0" i="0" u="none" strike="noStrike" kern="0" cap="none" spc="0" normalizeH="0" baseline="0" noProof="0" dirty="0">
+                  <a:ln>
+                    <a:noFill/>
+                  </a:ln>
+                  <a:solidFill>
+                    <a:sysClr val="window" lastClr="FFFFFF"/>
+                  </a:solidFill>
+                  <a:effectLst/>
+                  <a:uLnTx/>
+                  <a:uFillTx/>
+                  <a:latin typeface="Calibri"/>
+                  <a:ea typeface="+mn-ea"/>
+                  <a:cs typeface="+mn-cs"/>
+                </a:endParaRPr>
+              </a:p>
+            </p:txBody>
+          </p:sp>
+          <p:sp>
+            <p:nvSpPr>
+              <p:cNvPr id="142" name="椭圆 20"/>
+              <p:cNvSpPr/>
+              <p:nvPr/>
+            </p:nvSpPr>
+            <p:spPr>
+              <a:xfrm rot="3681412">
+                <a:off x="4500236" y="2568117"/>
+                <a:ext cx="2440603" cy="1296915"/>
+              </a:xfrm>
+              <a:custGeom>
+                <a:avLst/>
+                <a:gdLst/>
+                <a:ahLst/>
+                <a:cxnLst/>
+                <a:rect l="l" t="t" r="r" b="b"/>
+                <a:pathLst>
+                  <a:path w="2440603" h="1296915">
+                    <a:moveTo>
+                      <a:pt x="0" y="227448"/>
+                    </a:moveTo>
+                    <a:cubicBezTo>
+                      <a:pt x="25678" y="293739"/>
+                      <a:pt x="58916" y="357865"/>
+                      <a:pt x="98728" y="419543"/>
+                    </a:cubicBezTo>
+                    <a:cubicBezTo>
+                      <a:pt x="465376" y="987560"/>
+                      <a:pt x="1250831" y="1132882"/>
+                      <a:pt x="1853093" y="744130"/>
+                    </a:cubicBezTo>
+                    <a:cubicBezTo>
+                      <a:pt x="2136008" y="561511"/>
+                      <a:pt x="2328171" y="293524"/>
+                      <a:pt x="2413029" y="1382"/>
+                    </a:cubicBezTo>
+                    <a:lnTo>
+                      <a:pt x="2437050" y="0"/>
+                    </a:lnTo>
+                    <a:cubicBezTo>
+                      <a:pt x="2439934" y="23226"/>
+                      <a:pt x="2440603" y="46715"/>
+                      <a:pt x="2440603" y="70360"/>
+                    </a:cubicBezTo>
+                    <a:cubicBezTo>
+                      <a:pt x="2440603" y="747768"/>
+                      <a:pt x="1891456" y="1296915"/>
+                      <a:pt x="1214048" y="1296915"/>
+                    </a:cubicBezTo>
+                    <a:cubicBezTo>
+                      <a:pt x="589939" y="1296915"/>
+                      <a:pt x="74701" y="830783"/>
+                      <a:pt x="0" y="227448"/>
+                    </a:cubicBezTo>
+                    <a:close/>
+                  </a:path>
+                </a:pathLst>
+              </a:custGeom>
+              <a:solidFill>
+                <a:srgbClr val="FFFFFF">
+                  <a:alpha val="9020"/>
+                </a:srgbClr>
+              </a:solidFill>
+              <a:ln w="25400" cap="flat" cmpd="sng" algn="ctr">
+                <a:noFill/>
+                <a:prstDash val="solid"/>
+              </a:ln>
+              <a:effectLst/>
+            </p:spPr>
+            <p:txBody>
+              <a:bodyPr rtlCol="0" anchor="ctr"/>
+              <a:lstStyle/>
+              <a:p>
+                <a:pPr marL="0" marR="0" lvl="0" indent="0" algn="ctr" defTabSz="914400" eaLnBrk="1" fontAlgn="auto" latinLnBrk="0" hangingPunct="1">
+                  <a:lnSpc>
+                    <a:spcPct val="100000"/>
+                  </a:lnSpc>
+                  <a:spcBef>
+                    <a:spcPts val="0"/>
+                  </a:spcBef>
+                  <a:spcAft>
+                    <a:spcPts val="0"/>
+                  </a:spcAft>
+                  <a:buClrTx/>
+                  <a:buSzTx/>
+                  <a:buFontTx/>
+                  <a:buNone/>
+                  <a:tabLst/>
+                  <a:defRPr/>
+                </a:pPr>
+                <a:endParaRPr kumimoji="0" lang="en-US" sz="1800" b="0" i="0" u="none" strike="noStrike" kern="0" cap="none" spc="0" normalizeH="0" baseline="0" noProof="0">
+                  <a:ln>
+                    <a:noFill/>
+                  </a:ln>
+                  <a:solidFill>
+                    <a:sysClr val="window" lastClr="FFFFFF"/>
+                  </a:solidFill>
+                  <a:effectLst/>
+                  <a:uLnTx/>
+                  <a:uFillTx/>
+                  <a:latin typeface="Calibri"/>
+                  <a:ea typeface="+mn-ea"/>
+                  <a:cs typeface="+mn-cs"/>
+                </a:endParaRPr>
+              </a:p>
+            </p:txBody>
+          </p:sp>
+        </p:grpSp>
+        <p:sp>
+          <p:nvSpPr>
+            <p:cNvPr id="145" name="椭圆 144"/>
+            <p:cNvSpPr/>
+            <p:nvPr/>
+          </p:nvSpPr>
+          <p:spPr>
+            <a:xfrm>
+              <a:off x="4795049" y="1456600"/>
+              <a:ext cx="2843079" cy="2843079"/>
+            </a:xfrm>
+            <a:prstGeom prst="ellipse">
+              <a:avLst/>
+            </a:prstGeom>
+            <a:noFill/>
+            <a:ln w="12700" cap="flat" cmpd="sng" algn="ctr">
+              <a:solidFill>
+                <a:srgbClr val="966F00"/>
+              </a:solidFill>
+              <a:prstDash val="sysDash"/>
+            </a:ln>
+            <a:effectLst>
+              <a:outerShdw dist="12700" dir="5400000" algn="t" rotWithShape="0">
+                <a:sysClr val="window" lastClr="FFFFFF">
+                  <a:alpha val="83000"/>
+                </a:sysClr>
+              </a:outerShdw>
+            </a:effectLst>
+          </p:spPr>
+          <p:txBody>
+            <a:bodyPr rot="0" spcFirstLastPara="0" vertOverflow="overflow" horzOverflow="overflow" vert="horz" wrap="square" lIns="91440" tIns="45720" rIns="91440" bIns="45720" numCol="1" spcCol="0" rtlCol="0" fromWordArt="0" anchor="ctr" anchorCtr="0" forceAA="0" compatLnSpc="1">
+              <a:prstTxWarp prst="textNoShape">
+                <a:avLst/>
+              </a:prstTxWarp>
+              <a:noAutofit/>
+            </a:bodyPr>
+            <a:lstStyle/>
+            <a:p>
+              <a:pPr marL="0" marR="0" lvl="0" indent="0" algn="ctr" defTabSz="914400" eaLnBrk="1" fontAlgn="auto" latinLnBrk="0" hangingPunct="1">
+                <a:lnSpc>
+                  <a:spcPct val="100000"/>
+                </a:lnSpc>
+                <a:spcBef>
+                  <a:spcPts val="0"/>
+                </a:spcBef>
+                <a:spcAft>
+                  <a:spcPts val="0"/>
+                </a:spcAft>
+                <a:buClrTx/>
+                <a:buSzTx/>
+                <a:buFontTx/>
+                <a:buNone/>
+                <a:tabLst/>
+                <a:defRPr/>
+              </a:pPr>
+              <a:endParaRPr kumimoji="0" lang="en-US" sz="1800" b="0" i="0" u="none" strike="noStrike" kern="0" cap="none" spc="0" normalizeH="0" baseline="0" noProof="0">
+                <a:ln>
+                  <a:noFill/>
+                </a:ln>
+                <a:solidFill>
+                  <a:sysClr val="windowText" lastClr="000000"/>
+                </a:solidFill>
+                <a:effectLst/>
+                <a:uLnTx/>
+                <a:uFillTx/>
+                <a:latin typeface="Calibri"/>
+                <a:ea typeface="+mn-ea"/>
+                <a:cs typeface="+mn-cs"/>
+              </a:endParaRPr>
+            </a:p>
+          </p:txBody>
+        </p:sp>
+      </p:grpSp>
+      <p:grpSp>
+        <p:nvGrpSpPr>
+          <p:cNvPr id="58" name="组合 57"/>
+          <p:cNvGrpSpPr/>
+          <p:nvPr/>
+        </p:nvGrpSpPr>
+        <p:grpSpPr>
+          <a:xfrm>
+            <a:off x="2645278" y="1236615"/>
+            <a:ext cx="970791" cy="958826"/>
+            <a:chOff x="2674167" y="3530330"/>
+            <a:chExt cx="1961247" cy="1893098"/>
+          </a:xfrm>
+          <a:noFill/>
+        </p:grpSpPr>
+        <p:grpSp>
+          <p:nvGrpSpPr>
+            <p:cNvPr id="60" name="组合 59"/>
+            <p:cNvGrpSpPr/>
+            <p:nvPr/>
+          </p:nvGrpSpPr>
+          <p:grpSpPr>
+            <a:xfrm>
+              <a:off x="2674167" y="4489156"/>
+              <a:ext cx="1961247" cy="934272"/>
+              <a:chOff x="2674167" y="4489156"/>
+              <a:chExt cx="1961247" cy="934272"/>
+            </a:xfrm>
+            <a:grpFill/>
+          </p:grpSpPr>
+          <p:sp>
+            <p:nvSpPr>
+              <p:cNvPr id="68" name="椭圆 27"/>
+              <p:cNvSpPr/>
+              <p:nvPr/>
+            </p:nvSpPr>
+            <p:spPr>
+              <a:xfrm>
+                <a:off x="2674167" y="4489156"/>
+                <a:ext cx="1961247" cy="923571"/>
+              </a:xfrm>
+              <a:custGeom>
+                <a:avLst/>
+                <a:gdLst/>
+                <a:ahLst/>
+                <a:cxnLst/>
+                <a:rect l="l" t="t" r="r" b="b"/>
+                <a:pathLst>
+                  <a:path w="2279984" h="1073667">
+                    <a:moveTo>
+                      <a:pt x="1139992" y="0"/>
+                    </a:moveTo>
+                    <a:cubicBezTo>
+                      <a:pt x="1748056" y="0"/>
+                      <a:pt x="2245270" y="474603"/>
+                      <a:pt x="2279984" y="1073667"/>
+                    </a:cubicBezTo>
+                    <a:lnTo>
+                      <a:pt x="0" y="1073667"/>
+                    </a:lnTo>
+                    <a:cubicBezTo>
+                      <a:pt x="34715" y="474603"/>
+                      <a:pt x="531929" y="0"/>
+                      <a:pt x="1139992" y="0"/>
+                    </a:cubicBezTo>
+                    <a:close/>
+                  </a:path>
+                </a:pathLst>
+              </a:custGeom>
+              <a:grpFill/>
+              <a:ln>
+                <a:solidFill>
+                  <a:schemeClr val="accent5">
+                    <a:lumMod val="75000"/>
+                  </a:schemeClr>
+                </a:solidFill>
+              </a:ln>
+              <a:effectLst>
+                <a:innerShdw blurRad="63500" dist="76200" dir="18900000">
+                  <a:schemeClr val="bg1">
+                    <a:alpha val="73000"/>
+                  </a:schemeClr>
+                </a:innerShdw>
+              </a:effectLst>
+            </p:spPr>
+            <p:style>
+              <a:lnRef idx="2">
+                <a:schemeClr val="accent1">
+                  <a:shade val="50000"/>
+                </a:schemeClr>
+              </a:lnRef>
+              <a:fillRef idx="1">
+                <a:schemeClr val="accent1"/>
+              </a:fillRef>
+              <a:effectRef idx="0">
+                <a:schemeClr val="accent1"/>
+              </a:effectRef>
+              <a:fontRef idx="minor">
+                <a:schemeClr val="lt1"/>
+              </a:fontRef>
+            </p:style>
+            <p:txBody>
+              <a:bodyPr rtlCol="0" anchor="ctr"/>
+              <a:lstStyle/>
+              <a:p>
+                <a:pPr algn="ctr"/>
+                <a:endParaRPr lang="zh-CN" altLang="en-US"/>
+              </a:p>
+            </p:txBody>
+          </p:sp>
+          <p:sp>
+            <p:nvSpPr>
+              <p:cNvPr id="69" name="椭圆 27"/>
+              <p:cNvSpPr/>
+              <p:nvPr/>
+            </p:nvSpPr>
+            <p:spPr>
+              <a:xfrm>
+                <a:off x="2771451" y="4585436"/>
+                <a:ext cx="1789602" cy="837992"/>
+              </a:xfrm>
+              <a:custGeom>
+                <a:avLst/>
+                <a:gdLst>
+                  <a:gd name="connsiteX0" fmla="*/ 2279984 w 2405951"/>
+                  <a:gd name="connsiteY0" fmla="*/ 1073667 h 1199634"/>
+                  <a:gd name="connsiteX1" fmla="*/ 0 w 2405951"/>
+                  <a:gd name="connsiteY1" fmla="*/ 1073667 h 1199634"/>
+                  <a:gd name="connsiteX2" fmla="*/ 1139992 w 2405951"/>
+                  <a:gd name="connsiteY2" fmla="*/ 0 h 1199634"/>
+                  <a:gd name="connsiteX3" fmla="*/ 2405951 w 2405951"/>
+                  <a:gd name="connsiteY3" fmla="*/ 1199634 h 1199634"/>
+                  <a:gd name="connsiteX0" fmla="*/ 0 w 2405951"/>
+                  <a:gd name="connsiteY0" fmla="*/ 1073667 h 1199634"/>
+                  <a:gd name="connsiteX1" fmla="*/ 1139992 w 2405951"/>
+                  <a:gd name="connsiteY1" fmla="*/ 0 h 1199634"/>
+                  <a:gd name="connsiteX2" fmla="*/ 2405951 w 2405951"/>
+                  <a:gd name="connsiteY2" fmla="*/ 1199634 h 1199634"/>
+                  <a:gd name="connsiteX0" fmla="*/ 0 w 2292904"/>
+                  <a:gd name="connsiteY0" fmla="*/ 1073667 h 1073667"/>
+                  <a:gd name="connsiteX1" fmla="*/ 1139992 w 2292904"/>
+                  <a:gd name="connsiteY1" fmla="*/ 0 h 1073667"/>
+                  <a:gd name="connsiteX2" fmla="*/ 2292904 w 2292904"/>
+                  <a:gd name="connsiteY2" fmla="*/ 1070436 h 1073667"/>
+                </a:gdLst>
+                <a:ahLst/>
+                <a:cxnLst>
+                  <a:cxn ang="0">
+                    <a:pos x="connsiteX0" y="connsiteY0"/>
+                  </a:cxn>
+                  <a:cxn ang="0">
+                    <a:pos x="connsiteX1" y="connsiteY1"/>
+                  </a:cxn>
+                  <a:cxn ang="0">
+                    <a:pos x="connsiteX2" y="connsiteY2"/>
+                  </a:cxn>
+                </a:cxnLst>
+                <a:rect l="l" t="t" r="r" b="b"/>
+                <a:pathLst>
+                  <a:path w="2292904" h="1073667">
+                    <a:moveTo>
+                      <a:pt x="0" y="1073667"/>
+                    </a:moveTo>
+                    <a:cubicBezTo>
+                      <a:pt x="34715" y="474603"/>
+                      <a:pt x="757841" y="539"/>
+                      <a:pt x="1139992" y="0"/>
+                    </a:cubicBezTo>
+                    <a:cubicBezTo>
+                      <a:pt x="1522143" y="-539"/>
+                      <a:pt x="2132223" y="345405"/>
+                      <a:pt x="2292904" y="1070436"/>
+                    </a:cubicBezTo>
+                  </a:path>
+                </a:pathLst>
+              </a:custGeom>
+              <a:grpFill/>
+              <a:ln>
+                <a:solidFill>
+                  <a:schemeClr val="accent5">
+                    <a:lumMod val="75000"/>
+                  </a:schemeClr>
+                </a:solidFill>
+              </a:ln>
+            </p:spPr>
+            <p:style>
+              <a:lnRef idx="2">
+                <a:schemeClr val="accent1">
+                  <a:shade val="50000"/>
+                </a:schemeClr>
+              </a:lnRef>
+              <a:fillRef idx="1">
+                <a:schemeClr val="accent1"/>
+              </a:fillRef>
+              <a:effectRef idx="0">
+                <a:schemeClr val="accent1"/>
+              </a:effectRef>
+              <a:fontRef idx="minor">
+                <a:schemeClr val="lt1"/>
+              </a:fontRef>
+            </p:style>
+            <p:txBody>
+              <a:bodyPr rtlCol="0" anchor="ctr"/>
+              <a:lstStyle/>
+              <a:p>
+                <a:pPr algn="ctr"/>
+                <a:endParaRPr lang="zh-CN" altLang="en-US"/>
+              </a:p>
+            </p:txBody>
+          </p:sp>
+        </p:grpSp>
+        <p:grpSp>
+          <p:nvGrpSpPr>
+            <p:cNvPr id="61" name="组合 60"/>
+            <p:cNvGrpSpPr/>
+            <p:nvPr/>
+          </p:nvGrpSpPr>
+          <p:grpSpPr>
+            <a:xfrm>
+              <a:off x="3004406" y="3530330"/>
+              <a:ext cx="1176887" cy="1176888"/>
+              <a:chOff x="3004406" y="3530330"/>
+              <a:chExt cx="1176887" cy="1176888"/>
+            </a:xfrm>
+            <a:grpFill/>
+          </p:grpSpPr>
+          <p:sp>
+            <p:nvSpPr>
+              <p:cNvPr id="66" name="椭圆 65"/>
+              <p:cNvSpPr/>
+              <p:nvPr/>
+            </p:nvSpPr>
+            <p:spPr>
+              <a:xfrm>
+                <a:off x="3004406" y="3530330"/>
+                <a:ext cx="1176887" cy="1176888"/>
+              </a:xfrm>
+              <a:prstGeom prst="ellipse">
+                <a:avLst/>
+              </a:prstGeom>
+              <a:grpFill/>
+              <a:ln>
+                <a:solidFill>
+                  <a:schemeClr val="accent5">
+                    <a:lumMod val="75000"/>
+                  </a:schemeClr>
+                </a:solidFill>
+              </a:ln>
+              <a:effectLst>
+                <a:innerShdw blurRad="63500" dist="76200" dir="18900000">
+                  <a:schemeClr val="bg1">
+                    <a:alpha val="73000"/>
+                  </a:schemeClr>
+                </a:innerShdw>
+              </a:effectLst>
+            </p:spPr>
+            <p:style>
+              <a:lnRef idx="2">
+                <a:schemeClr val="accent1">
+                  <a:shade val="50000"/>
+                </a:schemeClr>
+              </a:lnRef>
+              <a:fillRef idx="1">
+                <a:schemeClr val="accent1"/>
+              </a:fillRef>
+              <a:effectRef idx="0">
+                <a:schemeClr val="accent1"/>
+              </a:effectRef>
+              <a:fontRef idx="minor">
+                <a:schemeClr val="lt1"/>
+              </a:fontRef>
+            </p:style>
+            <p:txBody>
+              <a:bodyPr rtlCol="0" anchor="ctr"/>
+              <a:lstStyle/>
+              <a:p>
+                <a:pPr algn="ctr"/>
+                <a:endParaRPr lang="zh-CN" altLang="en-US"/>
+              </a:p>
+            </p:txBody>
+          </p:sp>
+          <p:sp>
+            <p:nvSpPr>
+              <p:cNvPr id="67" name="椭圆 66"/>
+              <p:cNvSpPr/>
+              <p:nvPr/>
+            </p:nvSpPr>
+            <p:spPr>
+              <a:xfrm>
+                <a:off x="3098035" y="3644128"/>
+                <a:ext cx="991063" cy="991063"/>
+              </a:xfrm>
+              <a:prstGeom prst="ellipse">
+                <a:avLst/>
+              </a:prstGeom>
+              <a:grpFill/>
+              <a:ln>
+                <a:solidFill>
+                  <a:schemeClr val="accent5">
+                    <a:lumMod val="75000"/>
+                  </a:schemeClr>
+                </a:solidFill>
+              </a:ln>
+            </p:spPr>
+            <p:style>
+              <a:lnRef idx="2">
+                <a:schemeClr val="accent1">
+                  <a:shade val="50000"/>
+                </a:schemeClr>
+              </a:lnRef>
+              <a:fillRef idx="1">
+                <a:schemeClr val="accent1"/>
+              </a:fillRef>
+              <a:effectRef idx="0">
+                <a:schemeClr val="accent1"/>
+              </a:effectRef>
+              <a:fontRef idx="minor">
+                <a:schemeClr val="lt1"/>
+              </a:fontRef>
+            </p:style>
+            <p:txBody>
+              <a:bodyPr rtlCol="0" anchor="ctr"/>
+              <a:lstStyle/>
+              <a:p>
+                <a:pPr algn="ctr"/>
+                <a:endParaRPr lang="zh-CN" altLang="en-US"/>
+              </a:p>
+            </p:txBody>
+          </p:sp>
+        </p:grpSp>
+        <p:sp>
+          <p:nvSpPr>
+            <p:cNvPr id="64" name="TextBox 63"/>
+            <p:cNvSpPr txBox="1"/>
+            <p:nvPr/>
+          </p:nvSpPr>
+          <p:spPr>
+            <a:xfrm>
+              <a:off x="3230459" y="3763802"/>
+              <a:ext cx="793997" cy="789974"/>
+            </a:xfrm>
+            <a:prstGeom prst="rect">
+              <a:avLst/>
+            </a:prstGeom>
+            <a:grpFill/>
+            <a:ln>
+              <a:noFill/>
+            </a:ln>
+          </p:spPr>
+          <p:txBody>
+            <a:bodyPr wrap="square" rtlCol="0">
+              <a:spAutoFit/>
+            </a:bodyPr>
+            <a:lstStyle/>
+            <a:p>
+              <a:r>
+                <a:rPr lang="en-US" altLang="zh-CN" sz="2000" b="1" dirty="0" smtClean="0">
+                  <a:solidFill>
+                    <a:schemeClr val="tx1">
+                      <a:lumMod val="75000"/>
+                      <a:lumOff val="25000"/>
+                    </a:schemeClr>
+                  </a:solidFill>
+                  <a:latin typeface="微软雅黑" pitchFamily="34" charset="-122"/>
+                  <a:ea typeface="微软雅黑" pitchFamily="34" charset="-122"/>
+                </a:rPr>
+                <a:t>A</a:t>
+              </a:r>
+              <a:endParaRPr lang="zh-CN" altLang="en-US" sz="2000" b="1" dirty="0">
+                <a:solidFill>
+                  <a:schemeClr val="tx1">
+                    <a:lumMod val="75000"/>
+                    <a:lumOff val="25000"/>
+                  </a:schemeClr>
+                </a:solidFill>
+                <a:latin typeface="微软雅黑" pitchFamily="34" charset="-122"/>
+                <a:ea typeface="微软雅黑" pitchFamily="34" charset="-122"/>
+              </a:endParaRPr>
+            </a:p>
+          </p:txBody>
+        </p:sp>
+      </p:grpSp>
+      <p:grpSp>
+        <p:nvGrpSpPr>
+          <p:cNvPr id="81" name="组合 80"/>
+          <p:cNvGrpSpPr/>
+          <p:nvPr/>
+        </p:nvGrpSpPr>
+        <p:grpSpPr>
+          <a:xfrm>
+            <a:off x="2116110" y="2322391"/>
+            <a:ext cx="970791" cy="958826"/>
+            <a:chOff x="2674167" y="3530330"/>
+            <a:chExt cx="1961247" cy="1893098"/>
+          </a:xfrm>
+          <a:noFill/>
+        </p:grpSpPr>
+        <p:grpSp>
+          <p:nvGrpSpPr>
+            <p:cNvPr id="82" name="组合 81"/>
+            <p:cNvGrpSpPr/>
+            <p:nvPr/>
+          </p:nvGrpSpPr>
+          <p:grpSpPr>
+            <a:xfrm>
+              <a:off x="2674167" y="4489156"/>
+              <a:ext cx="1961247" cy="934272"/>
+              <a:chOff x="2674167" y="4489156"/>
+              <a:chExt cx="1961247" cy="934272"/>
+            </a:xfrm>
+            <a:grpFill/>
+          </p:grpSpPr>
+          <p:sp>
+            <p:nvSpPr>
+              <p:cNvPr id="87" name="椭圆 27"/>
+              <p:cNvSpPr/>
+              <p:nvPr/>
+            </p:nvSpPr>
+            <p:spPr>
+              <a:xfrm>
+                <a:off x="2674167" y="4489156"/>
+                <a:ext cx="1961247" cy="923571"/>
+              </a:xfrm>
+              <a:custGeom>
+                <a:avLst/>
+                <a:gdLst/>
+                <a:ahLst/>
+                <a:cxnLst/>
+                <a:rect l="l" t="t" r="r" b="b"/>
+                <a:pathLst>
+                  <a:path w="2279984" h="1073667">
+                    <a:moveTo>
+                      <a:pt x="1139992" y="0"/>
+                    </a:moveTo>
+                    <a:cubicBezTo>
+                      <a:pt x="1748056" y="0"/>
+                      <a:pt x="2245270" y="474603"/>
+                      <a:pt x="2279984" y="1073667"/>
+                    </a:cubicBezTo>
+                    <a:lnTo>
+                      <a:pt x="0" y="1073667"/>
+                    </a:lnTo>
+                    <a:cubicBezTo>
+                      <a:pt x="34715" y="474603"/>
+                      <a:pt x="531929" y="0"/>
+                      <a:pt x="1139992" y="0"/>
+                    </a:cubicBezTo>
+                    <a:close/>
+                  </a:path>
+                </a:pathLst>
+              </a:custGeom>
+              <a:grpFill/>
+              <a:ln>
+                <a:solidFill>
+                  <a:schemeClr val="accent2">
+                    <a:lumMod val="50000"/>
+                  </a:schemeClr>
+                </a:solidFill>
+              </a:ln>
+              <a:effectLst>
+                <a:innerShdw blurRad="63500" dist="76200" dir="18900000">
+                  <a:schemeClr val="bg1">
+                    <a:alpha val="73000"/>
+                  </a:schemeClr>
+                </a:innerShdw>
+              </a:effectLst>
+            </p:spPr>
+            <p:style>
+              <a:lnRef idx="2">
+                <a:schemeClr val="accent1">
+                  <a:shade val="50000"/>
+                </a:schemeClr>
+              </a:lnRef>
+              <a:fillRef idx="1">
+                <a:schemeClr val="accent1"/>
+              </a:fillRef>
+              <a:effectRef idx="0">
+                <a:schemeClr val="accent1"/>
+              </a:effectRef>
+              <a:fontRef idx="minor">
+                <a:schemeClr val="lt1"/>
+              </a:fontRef>
+            </p:style>
+            <p:txBody>
+              <a:bodyPr rtlCol="0" anchor="ctr"/>
+              <a:lstStyle/>
+              <a:p>
+                <a:pPr algn="ctr"/>
+                <a:endParaRPr lang="zh-CN" altLang="en-US"/>
+              </a:p>
+            </p:txBody>
+          </p:sp>
+          <p:sp>
+            <p:nvSpPr>
+              <p:cNvPr id="88" name="椭圆 27"/>
+              <p:cNvSpPr/>
+              <p:nvPr/>
+            </p:nvSpPr>
+            <p:spPr>
+              <a:xfrm>
+                <a:off x="2771451" y="4585436"/>
+                <a:ext cx="1789602" cy="837992"/>
+              </a:xfrm>
+              <a:custGeom>
+                <a:avLst/>
+                <a:gdLst>
+                  <a:gd name="connsiteX0" fmla="*/ 2279984 w 2405951"/>
+                  <a:gd name="connsiteY0" fmla="*/ 1073667 h 1199634"/>
+                  <a:gd name="connsiteX1" fmla="*/ 0 w 2405951"/>
+                  <a:gd name="connsiteY1" fmla="*/ 1073667 h 1199634"/>
+                  <a:gd name="connsiteX2" fmla="*/ 1139992 w 2405951"/>
+                  <a:gd name="connsiteY2" fmla="*/ 0 h 1199634"/>
+                  <a:gd name="connsiteX3" fmla="*/ 2405951 w 2405951"/>
+                  <a:gd name="connsiteY3" fmla="*/ 1199634 h 1199634"/>
+                  <a:gd name="connsiteX0" fmla="*/ 0 w 2405951"/>
+                  <a:gd name="connsiteY0" fmla="*/ 1073667 h 1199634"/>
+                  <a:gd name="connsiteX1" fmla="*/ 1139992 w 2405951"/>
+                  <a:gd name="connsiteY1" fmla="*/ 0 h 1199634"/>
+                  <a:gd name="connsiteX2" fmla="*/ 2405951 w 2405951"/>
+                  <a:gd name="connsiteY2" fmla="*/ 1199634 h 1199634"/>
+                  <a:gd name="connsiteX0" fmla="*/ 0 w 2292904"/>
+                  <a:gd name="connsiteY0" fmla="*/ 1073667 h 1073667"/>
+                  <a:gd name="connsiteX1" fmla="*/ 1139992 w 2292904"/>
+                  <a:gd name="connsiteY1" fmla="*/ 0 h 1073667"/>
+                  <a:gd name="connsiteX2" fmla="*/ 2292904 w 2292904"/>
+                  <a:gd name="connsiteY2" fmla="*/ 1070436 h 1073667"/>
+                </a:gdLst>
+                <a:ahLst/>
+                <a:cxnLst>
+                  <a:cxn ang="0">
+                    <a:pos x="connsiteX0" y="connsiteY0"/>
+                  </a:cxn>
+                  <a:cxn ang="0">
+                    <a:pos x="connsiteX1" y="connsiteY1"/>
+                  </a:cxn>
+                  <a:cxn ang="0">
+                    <a:pos x="connsiteX2" y="connsiteY2"/>
+                  </a:cxn>
+                </a:cxnLst>
+                <a:rect l="l" t="t" r="r" b="b"/>
+                <a:pathLst>
+                  <a:path w="2292904" h="1073667">
+                    <a:moveTo>
+                      <a:pt x="0" y="1073667"/>
+                    </a:moveTo>
+                    <a:cubicBezTo>
+                      <a:pt x="34715" y="474603"/>
+                      <a:pt x="757841" y="539"/>
+                      <a:pt x="1139992" y="0"/>
+                    </a:cubicBezTo>
+                    <a:cubicBezTo>
+                      <a:pt x="1522143" y="-539"/>
+                      <a:pt x="2132223" y="345405"/>
+                      <a:pt x="2292904" y="1070436"/>
+                    </a:cubicBezTo>
+                  </a:path>
+                </a:pathLst>
+              </a:custGeom>
+              <a:grpFill/>
+              <a:ln>
+                <a:solidFill>
+                  <a:schemeClr val="accent2">
+                    <a:lumMod val="50000"/>
+                  </a:schemeClr>
+                </a:solidFill>
+              </a:ln>
+            </p:spPr>
+            <p:style>
+              <a:lnRef idx="2">
+                <a:schemeClr val="accent1">
+                  <a:shade val="50000"/>
+                </a:schemeClr>
+              </a:lnRef>
+              <a:fillRef idx="1">
+                <a:schemeClr val="accent1"/>
+              </a:fillRef>
+              <a:effectRef idx="0">
+                <a:schemeClr val="accent1"/>
+              </a:effectRef>
+              <a:fontRef idx="minor">
+                <a:schemeClr val="lt1"/>
+              </a:fontRef>
+            </p:style>
+            <p:txBody>
+              <a:bodyPr rtlCol="0" anchor="ctr"/>
+              <a:lstStyle/>
+              <a:p>
+                <a:pPr algn="ctr"/>
+                <a:endParaRPr lang="zh-CN" altLang="en-US"/>
+              </a:p>
+            </p:txBody>
+          </p:sp>
+        </p:grpSp>
+        <p:grpSp>
+          <p:nvGrpSpPr>
+            <p:cNvPr id="83" name="组合 82"/>
+            <p:cNvGrpSpPr/>
+            <p:nvPr/>
+          </p:nvGrpSpPr>
+          <p:grpSpPr>
+            <a:xfrm>
+              <a:off x="3004406" y="3530330"/>
+              <a:ext cx="1176887" cy="1176888"/>
+              <a:chOff x="3004406" y="3530330"/>
+              <a:chExt cx="1176887" cy="1176888"/>
+            </a:xfrm>
+            <a:grpFill/>
+          </p:grpSpPr>
+          <p:sp>
+            <p:nvSpPr>
+              <p:cNvPr id="85" name="椭圆 84"/>
+              <p:cNvSpPr/>
+              <p:nvPr/>
+            </p:nvSpPr>
+            <p:spPr>
+              <a:xfrm>
+                <a:off x="3004406" y="3530330"/>
+                <a:ext cx="1176887" cy="1176888"/>
+              </a:xfrm>
+              <a:prstGeom prst="ellipse">
+                <a:avLst/>
+              </a:prstGeom>
+              <a:grpFill/>
+              <a:ln>
+                <a:solidFill>
+                  <a:schemeClr val="accent2">
+                    <a:lumMod val="50000"/>
+                  </a:schemeClr>
+                </a:solidFill>
+              </a:ln>
+              <a:effectLst>
+                <a:innerShdw blurRad="63500" dist="76200" dir="18900000">
+                  <a:schemeClr val="bg1">
+                    <a:alpha val="73000"/>
+                  </a:schemeClr>
+                </a:innerShdw>
+              </a:effectLst>
+            </p:spPr>
+            <p:style>
+              <a:lnRef idx="2">
+                <a:schemeClr val="accent1">
+                  <a:shade val="50000"/>
+                </a:schemeClr>
+              </a:lnRef>
+              <a:fillRef idx="1">
+                <a:schemeClr val="accent1"/>
+              </a:fillRef>
+              <a:effectRef idx="0">
+                <a:schemeClr val="accent1"/>
+              </a:effectRef>
+              <a:fontRef idx="minor">
+                <a:schemeClr val="lt1"/>
+              </a:fontRef>
+            </p:style>
+            <p:txBody>
+              <a:bodyPr rtlCol="0" anchor="ctr"/>
+              <a:lstStyle/>
+              <a:p>
+                <a:pPr algn="ctr"/>
+                <a:endParaRPr lang="zh-CN" altLang="en-US"/>
+              </a:p>
+            </p:txBody>
+          </p:sp>
+          <p:sp>
+            <p:nvSpPr>
+              <p:cNvPr id="86" name="椭圆 85"/>
+              <p:cNvSpPr/>
+              <p:nvPr/>
+            </p:nvSpPr>
+            <p:spPr>
+              <a:xfrm>
+                <a:off x="3098035" y="3644128"/>
+                <a:ext cx="991063" cy="991063"/>
+              </a:xfrm>
+              <a:prstGeom prst="ellipse">
+                <a:avLst/>
+              </a:prstGeom>
+              <a:grpFill/>
+              <a:ln>
+                <a:solidFill>
+                  <a:schemeClr val="accent2">
+                    <a:lumMod val="50000"/>
+                  </a:schemeClr>
+                </a:solidFill>
+              </a:ln>
+            </p:spPr>
+            <p:style>
+              <a:lnRef idx="2">
+                <a:schemeClr val="accent1">
+                  <a:shade val="50000"/>
+                </a:schemeClr>
+              </a:lnRef>
+              <a:fillRef idx="1">
+                <a:schemeClr val="accent1"/>
+              </a:fillRef>
+              <a:effectRef idx="0">
+                <a:schemeClr val="accent1"/>
+              </a:effectRef>
+              <a:fontRef idx="minor">
+                <a:schemeClr val="lt1"/>
+              </a:fontRef>
+            </p:style>
+            <p:txBody>
+              <a:bodyPr rtlCol="0" anchor="ctr"/>
+              <a:lstStyle/>
+              <a:p>
+                <a:pPr algn="ctr"/>
+                <a:endParaRPr lang="zh-CN" altLang="en-US"/>
+              </a:p>
+            </p:txBody>
+          </p:sp>
+        </p:grpSp>
+        <p:sp>
+          <p:nvSpPr>
+            <p:cNvPr id="84" name="TextBox 83"/>
+            <p:cNvSpPr txBox="1"/>
+            <p:nvPr/>
+          </p:nvSpPr>
+          <p:spPr>
+            <a:xfrm>
+              <a:off x="3230459" y="3763802"/>
+              <a:ext cx="793997" cy="789974"/>
+            </a:xfrm>
+            <a:prstGeom prst="rect">
+              <a:avLst/>
+            </a:prstGeom>
+            <a:grpFill/>
+            <a:ln>
+              <a:noFill/>
+            </a:ln>
+          </p:spPr>
+          <p:txBody>
+            <a:bodyPr wrap="square" rtlCol="0">
+              <a:spAutoFit/>
+            </a:bodyPr>
+            <a:lstStyle/>
+            <a:p>
+              <a:r>
+                <a:rPr lang="en-US" altLang="zh-CN" sz="2000" b="1" dirty="0">
+                  <a:solidFill>
+                    <a:schemeClr val="tx1">
+                      <a:lumMod val="75000"/>
+                      <a:lumOff val="25000"/>
+                    </a:schemeClr>
+                  </a:solidFill>
+                  <a:latin typeface="微软雅黑" pitchFamily="34" charset="-122"/>
+                  <a:ea typeface="微软雅黑" pitchFamily="34" charset="-122"/>
+                </a:rPr>
+                <a:t>B</a:t>
+              </a:r>
+              <a:endParaRPr lang="zh-CN" altLang="en-US" sz="2000" b="1" dirty="0">
+                <a:solidFill>
+                  <a:schemeClr val="tx1">
+                    <a:lumMod val="75000"/>
+                    <a:lumOff val="25000"/>
+                  </a:schemeClr>
+                </a:solidFill>
+                <a:latin typeface="微软雅黑" pitchFamily="34" charset="-122"/>
+                <a:ea typeface="微软雅黑" pitchFamily="34" charset="-122"/>
+              </a:endParaRPr>
+            </a:p>
+          </p:txBody>
+        </p:sp>
+      </p:grpSp>
+      <p:grpSp>
+        <p:nvGrpSpPr>
+          <p:cNvPr id="73" name="组合 72"/>
+          <p:cNvGrpSpPr/>
+          <p:nvPr/>
+        </p:nvGrpSpPr>
+        <p:grpSpPr>
+          <a:xfrm>
+            <a:off x="2353765" y="3538239"/>
+            <a:ext cx="970791" cy="958826"/>
+            <a:chOff x="2674167" y="3530330"/>
+            <a:chExt cx="1961247" cy="1893098"/>
+          </a:xfrm>
+          <a:noFill/>
+        </p:grpSpPr>
+        <p:grpSp>
+          <p:nvGrpSpPr>
+            <p:cNvPr id="74" name="组合 73"/>
+            <p:cNvGrpSpPr/>
+            <p:nvPr/>
+          </p:nvGrpSpPr>
+          <p:grpSpPr>
+            <a:xfrm>
+              <a:off x="2674167" y="4489156"/>
+              <a:ext cx="1961247" cy="934272"/>
+              <a:chOff x="2674167" y="4489156"/>
+              <a:chExt cx="1961247" cy="934272"/>
+            </a:xfrm>
+            <a:grpFill/>
+          </p:grpSpPr>
+          <p:sp>
+            <p:nvSpPr>
+              <p:cNvPr id="79" name="椭圆 27"/>
+              <p:cNvSpPr/>
+              <p:nvPr/>
+            </p:nvSpPr>
+            <p:spPr>
+              <a:xfrm>
+                <a:off x="2674167" y="4489156"/>
+                <a:ext cx="1961247" cy="923571"/>
+              </a:xfrm>
+              <a:custGeom>
+                <a:avLst/>
+                <a:gdLst/>
+                <a:ahLst/>
+                <a:cxnLst/>
+                <a:rect l="l" t="t" r="r" b="b"/>
+                <a:pathLst>
+                  <a:path w="2279984" h="1073667">
+                    <a:moveTo>
+                      <a:pt x="1139992" y="0"/>
+                    </a:moveTo>
+                    <a:cubicBezTo>
+                      <a:pt x="1748056" y="0"/>
+                      <a:pt x="2245270" y="474603"/>
+                      <a:pt x="2279984" y="1073667"/>
+                    </a:cubicBezTo>
+                    <a:lnTo>
+                      <a:pt x="0" y="1073667"/>
+                    </a:lnTo>
+                    <a:cubicBezTo>
+                      <a:pt x="34715" y="474603"/>
+                      <a:pt x="531929" y="0"/>
+                      <a:pt x="1139992" y="0"/>
+                    </a:cubicBezTo>
+                    <a:close/>
+                  </a:path>
+                </a:pathLst>
+              </a:custGeom>
+              <a:grpFill/>
+              <a:ln>
+                <a:solidFill>
+                  <a:srgbClr val="FF0000"/>
+                </a:solidFill>
+              </a:ln>
+              <a:effectLst>
+                <a:innerShdw blurRad="63500" dist="76200" dir="18900000">
+                  <a:schemeClr val="bg1">
+                    <a:alpha val="73000"/>
+                  </a:schemeClr>
+                </a:innerShdw>
+              </a:effectLst>
+            </p:spPr>
+            <p:style>
+              <a:lnRef idx="2">
+                <a:schemeClr val="accent1">
+                  <a:shade val="50000"/>
+                </a:schemeClr>
+              </a:lnRef>
+              <a:fillRef idx="1">
+                <a:schemeClr val="accent1"/>
+              </a:fillRef>
+              <a:effectRef idx="0">
+                <a:schemeClr val="accent1"/>
+              </a:effectRef>
+              <a:fontRef idx="minor">
+                <a:schemeClr val="lt1"/>
+              </a:fontRef>
+            </p:style>
+            <p:txBody>
+              <a:bodyPr rtlCol="0" anchor="ctr"/>
+              <a:lstStyle/>
+              <a:p>
+                <a:pPr algn="ctr"/>
+                <a:endParaRPr lang="zh-CN" altLang="en-US"/>
+              </a:p>
+            </p:txBody>
+          </p:sp>
+          <p:sp>
+            <p:nvSpPr>
+              <p:cNvPr id="80" name="椭圆 27"/>
+              <p:cNvSpPr/>
+              <p:nvPr/>
+            </p:nvSpPr>
+            <p:spPr>
+              <a:xfrm>
+                <a:off x="2771451" y="4585436"/>
+                <a:ext cx="1789602" cy="837992"/>
+              </a:xfrm>
+              <a:custGeom>
+                <a:avLst/>
+                <a:gdLst>
+                  <a:gd name="connsiteX0" fmla="*/ 2279984 w 2405951"/>
+                  <a:gd name="connsiteY0" fmla="*/ 1073667 h 1199634"/>
+                  <a:gd name="connsiteX1" fmla="*/ 0 w 2405951"/>
+                  <a:gd name="connsiteY1" fmla="*/ 1073667 h 1199634"/>
+                  <a:gd name="connsiteX2" fmla="*/ 1139992 w 2405951"/>
+                  <a:gd name="connsiteY2" fmla="*/ 0 h 1199634"/>
+                  <a:gd name="connsiteX3" fmla="*/ 2405951 w 2405951"/>
+                  <a:gd name="connsiteY3" fmla="*/ 1199634 h 1199634"/>
+                  <a:gd name="connsiteX0" fmla="*/ 0 w 2405951"/>
+                  <a:gd name="connsiteY0" fmla="*/ 1073667 h 1199634"/>
+                  <a:gd name="connsiteX1" fmla="*/ 1139992 w 2405951"/>
+                  <a:gd name="connsiteY1" fmla="*/ 0 h 1199634"/>
+                  <a:gd name="connsiteX2" fmla="*/ 2405951 w 2405951"/>
+                  <a:gd name="connsiteY2" fmla="*/ 1199634 h 1199634"/>
+                  <a:gd name="connsiteX0" fmla="*/ 0 w 2292904"/>
+                  <a:gd name="connsiteY0" fmla="*/ 1073667 h 1073667"/>
+                  <a:gd name="connsiteX1" fmla="*/ 1139992 w 2292904"/>
+                  <a:gd name="connsiteY1" fmla="*/ 0 h 1073667"/>
+                  <a:gd name="connsiteX2" fmla="*/ 2292904 w 2292904"/>
+                  <a:gd name="connsiteY2" fmla="*/ 1070436 h 1073667"/>
+                </a:gdLst>
+                <a:ahLst/>
+                <a:cxnLst>
+                  <a:cxn ang="0">
+                    <a:pos x="connsiteX0" y="connsiteY0"/>
+                  </a:cxn>
+                  <a:cxn ang="0">
+                    <a:pos x="connsiteX1" y="connsiteY1"/>
+                  </a:cxn>
+                  <a:cxn ang="0">
+                    <a:pos x="connsiteX2" y="connsiteY2"/>
+                  </a:cxn>
+                </a:cxnLst>
+                <a:rect l="l" t="t" r="r" b="b"/>
+                <a:pathLst>
+                  <a:path w="2292904" h="1073667">
+                    <a:moveTo>
+                      <a:pt x="0" y="1073667"/>
+                    </a:moveTo>
+                    <a:cubicBezTo>
+                      <a:pt x="34715" y="474603"/>
+                      <a:pt x="757841" y="539"/>
+                      <a:pt x="1139992" y="0"/>
+                    </a:cubicBezTo>
+                    <a:cubicBezTo>
+                      <a:pt x="1522143" y="-539"/>
+                      <a:pt x="2132223" y="345405"/>
+                      <a:pt x="2292904" y="1070436"/>
+                    </a:cubicBezTo>
+                  </a:path>
+                </a:pathLst>
+              </a:custGeom>
+              <a:grpFill/>
+              <a:ln>
+                <a:solidFill>
+                  <a:srgbClr val="FF0000"/>
+                </a:solidFill>
+              </a:ln>
+            </p:spPr>
+            <p:style>
+              <a:lnRef idx="2">
+                <a:schemeClr val="accent1">
+                  <a:shade val="50000"/>
+                </a:schemeClr>
+              </a:lnRef>
+              <a:fillRef idx="1">
+                <a:schemeClr val="accent1"/>
+              </a:fillRef>
+              <a:effectRef idx="0">
+                <a:schemeClr val="accent1"/>
+              </a:effectRef>
+              <a:fontRef idx="minor">
+                <a:schemeClr val="lt1"/>
+              </a:fontRef>
+            </p:style>
+            <p:txBody>
+              <a:bodyPr rtlCol="0" anchor="ctr"/>
+              <a:lstStyle/>
+              <a:p>
+                <a:pPr algn="ctr"/>
+                <a:endParaRPr lang="zh-CN" altLang="en-US"/>
+              </a:p>
+            </p:txBody>
+          </p:sp>
+        </p:grpSp>
+        <p:grpSp>
+          <p:nvGrpSpPr>
+            <p:cNvPr id="75" name="组合 74"/>
+            <p:cNvGrpSpPr/>
+            <p:nvPr/>
+          </p:nvGrpSpPr>
+          <p:grpSpPr>
+            <a:xfrm>
+              <a:off x="3004406" y="3530330"/>
+              <a:ext cx="1176887" cy="1176888"/>
+              <a:chOff x="3004406" y="3530330"/>
+              <a:chExt cx="1176887" cy="1176888"/>
+            </a:xfrm>
+            <a:grpFill/>
+          </p:grpSpPr>
+          <p:sp>
+            <p:nvSpPr>
+              <p:cNvPr id="77" name="椭圆 76"/>
+              <p:cNvSpPr/>
+              <p:nvPr/>
+            </p:nvSpPr>
+            <p:spPr>
+              <a:xfrm>
+                <a:off x="3004406" y="3530330"/>
+                <a:ext cx="1176887" cy="1176888"/>
+              </a:xfrm>
+              <a:prstGeom prst="ellipse">
+                <a:avLst/>
+              </a:prstGeom>
+              <a:grpFill/>
+              <a:ln>
+                <a:solidFill>
+                  <a:srgbClr val="FF0000"/>
+                </a:solidFill>
+              </a:ln>
+              <a:effectLst>
+                <a:innerShdw blurRad="63500" dist="76200" dir="18900000">
+                  <a:schemeClr val="bg1">
+                    <a:alpha val="73000"/>
+                  </a:schemeClr>
+                </a:innerShdw>
+              </a:effectLst>
+            </p:spPr>
+            <p:style>
+              <a:lnRef idx="2">
+                <a:schemeClr val="accent1">
+                  <a:shade val="50000"/>
+                </a:schemeClr>
+              </a:lnRef>
+              <a:fillRef idx="1">
+                <a:schemeClr val="accent1"/>
+              </a:fillRef>
+              <a:effectRef idx="0">
+                <a:schemeClr val="accent1"/>
+              </a:effectRef>
+              <a:fontRef idx="minor">
+                <a:schemeClr val="lt1"/>
+              </a:fontRef>
+            </p:style>
+            <p:txBody>
+              <a:bodyPr rtlCol="0" anchor="ctr"/>
+              <a:lstStyle/>
+              <a:p>
+                <a:pPr algn="ctr"/>
+                <a:endParaRPr lang="zh-CN" altLang="en-US"/>
+              </a:p>
+            </p:txBody>
+          </p:sp>
+          <p:sp>
+            <p:nvSpPr>
+              <p:cNvPr id="78" name="椭圆 77"/>
+              <p:cNvSpPr/>
+              <p:nvPr/>
+            </p:nvSpPr>
+            <p:spPr>
+              <a:xfrm>
+                <a:off x="3098035" y="3644128"/>
+                <a:ext cx="991063" cy="991063"/>
+              </a:xfrm>
+              <a:prstGeom prst="ellipse">
+                <a:avLst/>
+              </a:prstGeom>
+              <a:grpFill/>
+              <a:ln>
+                <a:solidFill>
+                  <a:srgbClr val="FF0000"/>
+                </a:solidFill>
+              </a:ln>
+            </p:spPr>
+            <p:style>
+              <a:lnRef idx="2">
+                <a:schemeClr val="accent1">
+                  <a:shade val="50000"/>
+                </a:schemeClr>
+              </a:lnRef>
+              <a:fillRef idx="1">
+                <a:schemeClr val="accent1"/>
+              </a:fillRef>
+              <a:effectRef idx="0">
+                <a:schemeClr val="accent1"/>
+              </a:effectRef>
+              <a:fontRef idx="minor">
+                <a:schemeClr val="lt1"/>
+              </a:fontRef>
+            </p:style>
+            <p:txBody>
+              <a:bodyPr rtlCol="0" anchor="ctr"/>
+              <a:lstStyle/>
+              <a:p>
+                <a:pPr algn="ctr"/>
+                <a:endParaRPr lang="zh-CN" altLang="en-US"/>
+              </a:p>
+            </p:txBody>
+          </p:sp>
+        </p:grpSp>
+        <p:sp>
+          <p:nvSpPr>
+            <p:cNvPr id="76" name="TextBox 75"/>
+            <p:cNvSpPr txBox="1"/>
+            <p:nvPr/>
+          </p:nvSpPr>
+          <p:spPr>
+            <a:xfrm>
+              <a:off x="3230459" y="3763802"/>
+              <a:ext cx="793997" cy="789974"/>
+            </a:xfrm>
+            <a:prstGeom prst="rect">
+              <a:avLst/>
+            </a:prstGeom>
+            <a:grpFill/>
+            <a:ln>
+              <a:noFill/>
+            </a:ln>
+          </p:spPr>
+          <p:txBody>
+            <a:bodyPr wrap="square" rtlCol="0">
+              <a:spAutoFit/>
+            </a:bodyPr>
+            <a:lstStyle/>
+            <a:p>
+              <a:r>
+                <a:rPr lang="en-US" altLang="zh-CN" sz="2000" b="1" dirty="0">
+                  <a:solidFill>
+                    <a:schemeClr val="tx1">
+                      <a:lumMod val="75000"/>
+                      <a:lumOff val="25000"/>
+                    </a:schemeClr>
+                  </a:solidFill>
+                  <a:latin typeface="微软雅黑" pitchFamily="34" charset="-122"/>
+                  <a:ea typeface="微软雅黑" pitchFamily="34" charset="-122"/>
+                </a:rPr>
+                <a:t>C</a:t>
+              </a:r>
+              <a:endParaRPr lang="zh-CN" altLang="en-US" sz="2000" b="1" dirty="0">
+                <a:solidFill>
+                  <a:schemeClr val="tx1">
+                    <a:lumMod val="75000"/>
+                    <a:lumOff val="25000"/>
+                  </a:schemeClr>
+                </a:solidFill>
+                <a:latin typeface="微软雅黑" pitchFamily="34" charset="-122"/>
+                <a:ea typeface="微软雅黑" pitchFamily="34" charset="-122"/>
+              </a:endParaRPr>
+            </a:p>
+          </p:txBody>
+        </p:sp>
+      </p:grpSp>
+      <p:cxnSp>
+        <p:nvCxnSpPr>
+          <p:cNvPr id="161" name="肘形连接符 160"/>
+          <p:cNvCxnSpPr/>
+          <p:nvPr/>
+        </p:nvCxnSpPr>
+        <p:spPr>
+          <a:xfrm rot="16200000" flipV="1">
+            <a:off x="5685918" y="3430892"/>
+            <a:ext cx="3103177" cy="2080165"/>
+          </a:xfrm>
+          <a:prstGeom prst="bentConnector2">
+            <a:avLst/>
+          </a:prstGeom>
+          <a:ln>
+            <a:solidFill>
+              <a:schemeClr val="tx2"/>
+            </a:solidFill>
+            <a:tailEnd type="arrow"/>
+          </a:ln>
+        </p:spPr>
+        <p:style>
+          <a:lnRef idx="2">
+            <a:schemeClr val="accent1"/>
+          </a:lnRef>
+          <a:fillRef idx="0">
+            <a:schemeClr val="accent1"/>
+          </a:fillRef>
+          <a:effectRef idx="1">
+            <a:schemeClr val="accent1"/>
+          </a:effectRef>
+          <a:fontRef idx="minor">
+            <a:schemeClr val="tx1"/>
+          </a:fontRef>
+        </p:style>
+      </p:cxnSp>
+      <p:sp>
+        <p:nvSpPr>
+          <p:cNvPr id="167" name="文本框 5"/>
+          <p:cNvSpPr txBox="1"/>
+          <p:nvPr/>
+        </p:nvSpPr>
+        <p:spPr>
+          <a:xfrm>
+            <a:off x="6020348" y="1434606"/>
+            <a:ext cx="2485116" cy="675057"/>
+          </a:xfrm>
+          <a:prstGeom prst="rect">
+            <a:avLst/>
+          </a:prstGeom>
+          <a:noFill/>
+        </p:spPr>
+        <p:txBody>
+          <a:bodyPr wrap="square" rtlCol="0">
+            <a:spAutoFit/>
+          </a:bodyPr>
+          <a:lstStyle/>
+          <a:p>
+            <a:pPr>
+              <a:lnSpc>
+                <a:spcPct val="120000"/>
+              </a:lnSpc>
+            </a:pPr>
+            <a:r>
+              <a:rPr kumimoji="1" lang="zh-CN" altLang="en-US" sz="1600" dirty="0" smtClean="0">
+                <a:solidFill>
+                  <a:srgbClr val="BFBFBF"/>
+                </a:solidFill>
+                <a:latin typeface="Zapf Dingbats"/>
+                <a:ea typeface="Zapf Dingbats"/>
+                <a:cs typeface="Zapf Dingbats"/>
+                <a:sym typeface="Zapf Dingbats"/>
+              </a:rPr>
+              <a:t>✓</a:t>
+            </a:r>
+            <a:r>
+              <a:rPr kumimoji="1" lang="en-US" altLang="zh-CN" sz="1600" dirty="0" smtClean="0">
+                <a:solidFill>
+                  <a:srgbClr val="BFBFBF"/>
+                </a:solidFill>
+                <a:latin typeface="Zapf Dingbats"/>
+                <a:ea typeface="Zapf Dingbats"/>
+                <a:cs typeface="Zapf Dingbats"/>
+                <a:sym typeface="Zapf Dingbats"/>
+              </a:rPr>
+              <a:t>  </a:t>
+            </a:r>
+            <a:r>
+              <a:rPr kumimoji="1" lang="zh-CN" altLang="en-US" sz="1600" dirty="0" smtClean="0">
+                <a:solidFill>
+                  <a:srgbClr val="BFBFBF"/>
+                </a:solidFill>
+                <a:latin typeface="Zapf Dingbats"/>
+                <a:ea typeface="Zapf Dingbats"/>
+                <a:cs typeface="Zapf Dingbats"/>
+                <a:sym typeface="Zapf Dingbats"/>
+              </a:rPr>
+              <a:t>消息中心全渠道推送</a:t>
+            </a:r>
+            <a:endParaRPr kumimoji="1" lang="en-US" altLang="zh-CN" sz="1600" dirty="0" smtClean="0">
+              <a:solidFill>
+                <a:srgbClr val="BFBFBF"/>
+              </a:solidFill>
+            </a:endParaRPr>
+          </a:p>
+          <a:p>
+            <a:pPr marL="285750" indent="-285750">
+              <a:lnSpc>
+                <a:spcPct val="120000"/>
+              </a:lnSpc>
+              <a:buFont typeface="Zapf Dingbats" charset="0"/>
+              <a:buChar char="✓"/>
+            </a:pPr>
+            <a:r>
+              <a:rPr kumimoji="1" lang="zh-CN" altLang="en-US" sz="1600" dirty="0" smtClean="0">
+                <a:solidFill>
+                  <a:srgbClr val="BFBFBF"/>
+                </a:solidFill>
+                <a:latin typeface="Zapf Dingbats"/>
+                <a:ea typeface="Zapf Dingbats"/>
+                <a:cs typeface="Zapf Dingbats"/>
+                <a:sym typeface="Zapf Dingbats"/>
+              </a:rPr>
+              <a:t>渠道端反馈营销效果</a:t>
+            </a:r>
+            <a:endParaRPr kumimoji="1" lang="en-US" altLang="zh-CN" sz="1600" dirty="0" smtClean="0">
+              <a:solidFill>
+                <a:srgbClr val="BFBFBF"/>
+              </a:solidFill>
+              <a:latin typeface="Zapf Dingbats"/>
+              <a:ea typeface="Zapf Dingbats"/>
+              <a:cs typeface="Zapf Dingbats"/>
+              <a:sym typeface="Zapf Dingbats"/>
+            </a:endParaRPr>
+          </a:p>
+        </p:txBody>
+      </p:sp>
+      <p:sp>
+        <p:nvSpPr>
+          <p:cNvPr id="168" name="文本框 5"/>
+          <p:cNvSpPr txBox="1"/>
+          <p:nvPr/>
+        </p:nvSpPr>
+        <p:spPr>
+          <a:xfrm>
+            <a:off x="352429" y="4915519"/>
+            <a:ext cx="2485116" cy="970522"/>
+          </a:xfrm>
+          <a:prstGeom prst="rect">
+            <a:avLst/>
+          </a:prstGeom>
+          <a:noFill/>
+        </p:spPr>
+        <p:txBody>
+          <a:bodyPr wrap="square" rtlCol="0">
+            <a:spAutoFit/>
+          </a:bodyPr>
+          <a:lstStyle/>
+          <a:p>
+            <a:pPr>
+              <a:lnSpc>
+                <a:spcPct val="120000"/>
+              </a:lnSpc>
+            </a:pPr>
+            <a:r>
+              <a:rPr kumimoji="1" lang="zh-CN" altLang="en-US" sz="1600" dirty="0" smtClean="0">
+                <a:solidFill>
+                  <a:srgbClr val="BFBFBF"/>
+                </a:solidFill>
+                <a:latin typeface="Zapf Dingbats"/>
+                <a:ea typeface="Zapf Dingbats"/>
+                <a:cs typeface="Zapf Dingbats"/>
+                <a:sym typeface="Zapf Dingbats"/>
+              </a:rPr>
+              <a:t>✓</a:t>
+            </a:r>
+            <a:r>
+              <a:rPr kumimoji="1" lang="en-US" altLang="zh-CN" sz="1600" dirty="0" smtClean="0">
+                <a:solidFill>
+                  <a:srgbClr val="BFBFBF"/>
+                </a:solidFill>
+                <a:latin typeface="Zapf Dingbats"/>
+                <a:ea typeface="Zapf Dingbats"/>
+                <a:cs typeface="Zapf Dingbats"/>
+                <a:sym typeface="Zapf Dingbats"/>
+              </a:rPr>
+              <a:t> </a:t>
+            </a:r>
+            <a:r>
+              <a:rPr kumimoji="1" lang="en-US" altLang="zh-CN" sz="1600" dirty="0" smtClean="0">
+                <a:solidFill>
+                  <a:srgbClr val="BFBFBF"/>
+                </a:solidFill>
+                <a:latin typeface="Zapf Dingbats"/>
+                <a:ea typeface="Zapf Dingbats"/>
+                <a:cs typeface="Zapf Dingbats"/>
+                <a:sym typeface="Zapf Dingbats"/>
+              </a:rPr>
+              <a:t> </a:t>
+            </a:r>
+            <a:r>
+              <a:rPr kumimoji="1" lang="zh-CN" altLang="en-US" sz="1600" dirty="0" smtClean="0">
+                <a:solidFill>
+                  <a:srgbClr val="BFBFBF"/>
+                </a:solidFill>
+                <a:latin typeface="Zapf Dingbats"/>
+                <a:ea typeface="Zapf Dingbats"/>
+                <a:cs typeface="Zapf Dingbats"/>
+                <a:sym typeface="Zapf Dingbats"/>
+              </a:rPr>
+              <a:t>自动任务扫描</a:t>
+            </a:r>
+            <a:endParaRPr kumimoji="1" lang="en-US" altLang="zh-CN" sz="1600" dirty="0" smtClean="0">
+              <a:solidFill>
+                <a:srgbClr val="BFBFBF"/>
+              </a:solidFill>
+            </a:endParaRPr>
+          </a:p>
+          <a:p>
+            <a:pPr marL="285750" indent="-285750">
+              <a:lnSpc>
+                <a:spcPct val="120000"/>
+              </a:lnSpc>
+              <a:buFont typeface="Zapf Dingbats" charset="0"/>
+              <a:buChar char="✓"/>
+            </a:pPr>
+            <a:r>
+              <a:rPr kumimoji="1" lang="zh-CN" altLang="en-US" sz="1600" dirty="0" smtClean="0">
+                <a:solidFill>
+                  <a:srgbClr val="BFBFBF"/>
+                </a:solidFill>
+                <a:latin typeface="Zapf Dingbats"/>
+                <a:ea typeface="Zapf Dingbats"/>
+                <a:cs typeface="Zapf Dingbats"/>
+                <a:sym typeface="Zapf Dingbats"/>
+              </a:rPr>
+              <a:t>用户活动匹配</a:t>
+            </a:r>
+            <a:endParaRPr kumimoji="1" lang="en-US" altLang="zh-CN" sz="1600" dirty="0" smtClean="0">
+              <a:solidFill>
+                <a:srgbClr val="BFBFBF"/>
+              </a:solidFill>
+              <a:latin typeface="Zapf Dingbats"/>
+              <a:ea typeface="Zapf Dingbats"/>
+              <a:cs typeface="Zapf Dingbats"/>
+              <a:sym typeface="Zapf Dingbats"/>
+            </a:endParaRPr>
+          </a:p>
+          <a:p>
+            <a:pPr marL="285750" indent="-285750">
+              <a:lnSpc>
+                <a:spcPct val="120000"/>
+              </a:lnSpc>
+              <a:buFont typeface="Zapf Dingbats" charset="0"/>
+              <a:buChar char="✓"/>
+            </a:pPr>
+            <a:r>
+              <a:rPr kumimoji="1" lang="zh-CN" altLang="en-US" sz="1600" dirty="0" smtClean="0">
+                <a:solidFill>
+                  <a:srgbClr val="BFBFBF"/>
+                </a:solidFill>
+                <a:latin typeface="Zapf Dingbats"/>
+                <a:ea typeface="Zapf Dingbats"/>
+                <a:cs typeface="Zapf Dingbats"/>
+                <a:sym typeface="Zapf Dingbats"/>
+              </a:rPr>
+              <a:t>活动通知</a:t>
+            </a:r>
+            <a:endParaRPr kumimoji="1" lang="en-US" altLang="zh-CN" sz="1600" dirty="0" smtClean="0">
+              <a:solidFill>
+                <a:srgbClr val="BFBFBF"/>
+              </a:solidFill>
+              <a:latin typeface="Zapf Dingbats"/>
+              <a:ea typeface="Zapf Dingbats"/>
+              <a:cs typeface="Zapf Dingbats"/>
+              <a:sym typeface="Zapf Dingbats"/>
+            </a:endParaRPr>
+          </a:p>
+        </p:txBody>
+      </p:sp>
+      <p:sp>
+        <p:nvSpPr>
+          <p:cNvPr id="65" name="文本框 5"/>
+          <p:cNvSpPr txBox="1"/>
+          <p:nvPr/>
+        </p:nvSpPr>
+        <p:spPr>
+          <a:xfrm>
+            <a:off x="3369796" y="1541663"/>
+            <a:ext cx="697576" cy="343684"/>
+          </a:xfrm>
+          <a:prstGeom prst="rect">
+            <a:avLst/>
+          </a:prstGeom>
+          <a:noFill/>
+        </p:spPr>
+        <p:txBody>
+          <a:bodyPr wrap="square" rtlCol="0">
+            <a:spAutoFit/>
+          </a:bodyPr>
+          <a:lstStyle/>
+          <a:p>
+            <a:pPr>
+              <a:lnSpc>
+                <a:spcPct val="120000"/>
+              </a:lnSpc>
+            </a:pPr>
+            <a:r>
+              <a:rPr kumimoji="1" lang="zh-CN" altLang="en-US" sz="1400" dirty="0" smtClean="0">
+                <a:solidFill>
+                  <a:schemeClr val="accent1">
+                    <a:lumMod val="50000"/>
+                  </a:schemeClr>
+                </a:solidFill>
+                <a:latin typeface="Zapf Dingbats"/>
+                <a:ea typeface="Zapf Dingbats"/>
+                <a:cs typeface="Zapf Dingbats"/>
+                <a:sym typeface="Zapf Dingbats"/>
+              </a:rPr>
+              <a:t>网银</a:t>
+            </a:r>
+            <a:endParaRPr kumimoji="1" lang="en-US" altLang="zh-CN" sz="1400" dirty="0" smtClean="0">
+              <a:solidFill>
+                <a:schemeClr val="accent1">
+                  <a:lumMod val="50000"/>
+                </a:schemeClr>
+              </a:solidFill>
+            </a:endParaRPr>
+          </a:p>
+        </p:txBody>
+      </p:sp>
+      <p:sp>
+        <p:nvSpPr>
+          <p:cNvPr id="70" name="文本框 5"/>
+          <p:cNvSpPr txBox="1"/>
+          <p:nvPr/>
+        </p:nvSpPr>
+        <p:spPr>
+          <a:xfrm>
+            <a:off x="2809779" y="2621117"/>
+            <a:ext cx="697576" cy="343684"/>
+          </a:xfrm>
+          <a:prstGeom prst="rect">
+            <a:avLst/>
+          </a:prstGeom>
+          <a:noFill/>
+        </p:spPr>
+        <p:txBody>
+          <a:bodyPr wrap="square" rtlCol="0">
+            <a:spAutoFit/>
+          </a:bodyPr>
+          <a:lstStyle/>
+          <a:p>
+            <a:pPr>
+              <a:lnSpc>
+                <a:spcPct val="120000"/>
+              </a:lnSpc>
+            </a:pPr>
+            <a:r>
+              <a:rPr kumimoji="1" lang="zh-CN" altLang="en-US" sz="1400" dirty="0" smtClean="0">
+                <a:solidFill>
+                  <a:srgbClr val="796D04"/>
+                </a:solidFill>
+                <a:latin typeface="Zapf Dingbats"/>
+                <a:ea typeface="Zapf Dingbats"/>
+                <a:cs typeface="Zapf Dingbats"/>
+                <a:sym typeface="Zapf Dingbats"/>
+              </a:rPr>
+              <a:t>微信</a:t>
+            </a:r>
+            <a:endParaRPr kumimoji="1" lang="en-US" altLang="zh-CN" sz="1400" dirty="0" smtClean="0">
+              <a:solidFill>
+                <a:srgbClr val="796D04"/>
+              </a:solidFill>
+            </a:endParaRPr>
+          </a:p>
+        </p:txBody>
+      </p:sp>
+      <p:sp>
+        <p:nvSpPr>
+          <p:cNvPr id="71" name="文本框 5"/>
+          <p:cNvSpPr txBox="1"/>
+          <p:nvPr/>
+        </p:nvSpPr>
+        <p:spPr>
+          <a:xfrm>
+            <a:off x="3044791" y="3816754"/>
+            <a:ext cx="697576" cy="343684"/>
+          </a:xfrm>
+          <a:prstGeom prst="rect">
+            <a:avLst/>
+          </a:prstGeom>
+          <a:noFill/>
+        </p:spPr>
+        <p:txBody>
+          <a:bodyPr wrap="square" rtlCol="0">
+            <a:spAutoFit/>
+          </a:bodyPr>
+          <a:lstStyle/>
+          <a:p>
+            <a:pPr>
+              <a:lnSpc>
+                <a:spcPct val="120000"/>
+              </a:lnSpc>
+            </a:pPr>
+            <a:r>
+              <a:rPr kumimoji="1" lang="zh-CN" altLang="en-US" sz="1400" dirty="0" smtClean="0">
+                <a:solidFill>
+                  <a:srgbClr val="796D04"/>
+                </a:solidFill>
+                <a:latin typeface="Zapf Dingbats"/>
+                <a:ea typeface="Zapf Dingbats"/>
+                <a:cs typeface="Zapf Dingbats"/>
+                <a:sym typeface="Zapf Dingbats"/>
+              </a:rPr>
+              <a:t>直销</a:t>
+            </a:r>
+            <a:endParaRPr kumimoji="1" lang="en-US" altLang="zh-CN" sz="1400" dirty="0" smtClean="0">
+              <a:solidFill>
+                <a:srgbClr val="796D04"/>
+              </a:solidFill>
+            </a:endParaRPr>
+          </a:p>
+        </p:txBody>
+      </p:sp>
+    </p:spTree>
+    <p:extLst>
+      <p:ext uri="{BB962C8B-B14F-4D97-AF65-F5344CB8AC3E}">
+        <p14:creationId xmlns:p14="http://schemas.microsoft.com/office/powerpoint/2010/main" val="2476742246"/>
+      </p:ext>
+    </p:extLst>
+  </p:cSld>
+  <p:clrMapOvr>
+    <a:masterClrMapping/>
+  </p:clrMapOvr>
+  <p:timing>
+    <p:tnLst>
+      <p:par>
+        <p:cTn xmlns:p14="http://schemas.microsoft.com/office/powerpoint/2010/main" id="1" dur="indefinite" restart="never" nodeType="tmRoot"/>
+      </p:par>
+    </p:tnLst>
+  </p:timing>
+</p:sld>
+</file>
+
+<file path=ppt/slides/slide11.xml><?xml version="1.0" encoding="utf-8"?>
 <p:sld xmlns:a="http://schemas.openxmlformats.org/drawingml/2006/main" xmlns:r="http://schemas.openxmlformats.org/officeDocument/2006/relationships" xmlns:p="http://schemas.openxmlformats.org/presentationml/2006/main">
   <p:cSld>
     <p:spTree>
@@ -30080,7 +33688,7 @@
                   <a:srgbClr val="BFBFBF"/>
                 </a:solidFill>
               </a:rPr>
-              <a:t>大数据金融</a:t>
+              <a:t>金融大数据</a:t>
             </a:r>
             <a:endParaRPr kumimoji="1" lang="en-US" altLang="zh-CN" sz="2800" dirty="0" smtClean="0">
               <a:solidFill>
@@ -30566,8 +34174,8 @@
           </p:nvSpPr>
           <p:spPr>
             <a:xfrm rot="18882267">
-              <a:off x="5330075" y="4482351"/>
-              <a:ext cx="936104" cy="486287"/>
+              <a:off x="5330076" y="4565780"/>
+              <a:ext cx="936104" cy="319431"/>
             </a:xfrm>
             <a:prstGeom prst="rect">
               <a:avLst/>
@@ -30582,11 +34190,11 @@
               <a:defPPr>
                 <a:defRPr lang="en-US"/>
               </a:defPPr>
-              <a:lvl1pPr lvl="0">
+              <a:lvl1pPr lvl="0" algn="ctr">
                 <a:lnSpc>
                   <a:spcPct val="80000"/>
                 </a:lnSpc>
-                <a:defRPr sz="4400" b="1" kern="0">
+                <a:defRPr sz="1400" b="1" kern="0">
                   <a:ln w="18415" cmpd="sng">
                     <a:noFill/>
                     <a:prstDash val="solid"/>
@@ -30600,54 +34208,15 @@
               </a:lvl1pPr>
             </a:lstStyle>
             <a:p>
-              <a:pPr marL="0" marR="0" lvl="0" indent="0" algn="ctr" defTabSz="914400" eaLnBrk="1" fontAlgn="auto" latinLnBrk="0" hangingPunct="1">
-                <a:lnSpc>
-                  <a:spcPct val="80000"/>
-                </a:lnSpc>
-                <a:spcBef>
-                  <a:spcPts val="0"/>
-                </a:spcBef>
-                <a:spcAft>
-                  <a:spcPts val="0"/>
-                </a:spcAft>
-                <a:buClrTx/>
-                <a:buSzTx/>
-                <a:buFontTx/>
-                <a:buNone/>
-                <a:tabLst/>
-                <a:defRPr/>
-              </a:pPr>
               <a:r>
-                <a:rPr kumimoji="0" lang="en-US" altLang="zh-CN" sz="3200" b="1" i="0" u="none" strike="noStrike" kern="0" cap="none" spc="0" normalizeH="0" baseline="0" noProof="0" dirty="0" smtClean="0">
-                  <a:ln w="18415" cmpd="sng">
-                    <a:noFill/>
-                    <a:prstDash val="solid"/>
-                  </a:ln>
-                  <a:solidFill>
-                    <a:sysClr val="window" lastClr="FFFFFF"/>
-                  </a:solidFill>
-                  <a:effectLst/>
-                  <a:uLnTx/>
-                  <a:uFillTx/>
-                  <a:latin typeface="Agency FB" pitchFamily="34" charset="0"/>
-                  <a:ea typeface="微软雅黑" pitchFamily="34" charset="-122"/>
-                </a:rPr>
-                <a:t>Text</a:t>
+                <a:rPr lang="en-US" altLang="zh-CN" dirty="0" smtClean="0"/>
+                <a:t>V</a:t>
               </a:r>
-              <a:endParaRPr kumimoji="0" lang="zh-CN" altLang="en-US" sz="3200" b="1" i="0" u="none" strike="noStrike" kern="0" cap="none" spc="0" normalizeH="0" baseline="0" noProof="0" dirty="0">
-                <a:ln w="18415" cmpd="sng">
-                  <a:noFill/>
-                  <a:prstDash val="solid"/>
-                </a:ln>
-                <a:solidFill>
-                  <a:sysClr val="window" lastClr="FFFFFF"/>
-                </a:solidFill>
-                <a:effectLst/>
-                <a:uLnTx/>
-                <a:uFillTx/>
-                <a:latin typeface="Agency FB" pitchFamily="34" charset="0"/>
-                <a:ea typeface="微软雅黑" pitchFamily="34" charset="-122"/>
-              </a:endParaRPr>
+              <a:r>
+                <a:rPr lang="en-US" altLang="zh-CN" dirty="0" smtClean="0"/>
+                <a:t>alue</a:t>
+              </a:r>
+              <a:endParaRPr lang="zh-CN" altLang="en-US" dirty="0"/>
             </a:p>
           </p:txBody>
         </p:sp>
@@ -30659,8 +34228,8 @@
           </p:nvSpPr>
           <p:spPr>
             <a:xfrm rot="18827788">
-              <a:off x="5713271" y="4641274"/>
-              <a:ext cx="1371739" cy="954107"/>
+              <a:off x="5713271" y="4684383"/>
+              <a:ext cx="1371739" cy="867889"/>
             </a:xfrm>
             <a:prstGeom prst="rect">
               <a:avLst/>
@@ -30691,7 +34260,7 @@
                 <a:defRPr/>
               </a:pPr>
               <a:r>
-                <a:rPr kumimoji="0" lang="en-US" altLang="zh-CN" sz="1400" b="0" i="0" u="none" strike="noStrike" kern="0" cap="none" spc="0" normalizeH="0" baseline="0" noProof="0" dirty="0">
+                <a:rPr kumimoji="0" lang="zh-CN" altLang="en-US" sz="1400" b="0" i="0" u="none" strike="noStrike" kern="0" cap="none" spc="0" normalizeH="0" baseline="0" noProof="0" dirty="0" smtClean="0">
                   <a:ln>
                     <a:noFill/>
                   </a:ln>
@@ -30705,7 +34274,7 @@
                   <a:ea typeface="微软雅黑" pitchFamily="34" charset="-122"/>
                   <a:cs typeface="Arial" pitchFamily="34" charset="0"/>
                 </a:rPr>
-                <a:t>Click </a:t>
+                <a:t>挖掘数据金库</a:t>
               </a:r>
               <a:r>
                 <a:rPr kumimoji="0" lang="en-US" altLang="zh-CN" sz="1400" b="0" i="0" u="none" strike="noStrike" kern="0" cap="none" spc="0" normalizeH="0" baseline="0" noProof="0" dirty="0" smtClean="0">
@@ -30722,10 +34291,10 @@
                   <a:ea typeface="微软雅黑" pitchFamily="34" charset="-122"/>
                   <a:cs typeface="Arial" pitchFamily="34" charset="0"/>
                 </a:rPr>
-                <a:t>here to </a:t>
+                <a:t> </a:t>
               </a:r>
               <a:r>
-                <a:rPr kumimoji="0" lang="en-US" altLang="zh-CN" sz="1400" b="0" i="0" u="none" strike="noStrike" kern="0" cap="none" spc="0" normalizeH="0" baseline="0" noProof="0" dirty="0">
+                <a:rPr kumimoji="0" lang="zh-CN" altLang="en-US" sz="1400" b="0" i="0" u="none" strike="noStrike" kern="0" cap="none" spc="0" normalizeH="0" baseline="0" noProof="0" dirty="0" smtClean="0">
                   <a:ln>
                     <a:noFill/>
                   </a:ln>
@@ -30739,15 +34308,15 @@
                   <a:ea typeface="微软雅黑" pitchFamily="34" charset="-122"/>
                   <a:cs typeface="Arial" pitchFamily="34" charset="0"/>
                 </a:rPr>
-                <a:t>add your </a:t>
+                <a:t>发现潜在</a:t>
               </a:r>
               <a:r>
-                <a:rPr kumimoji="0" lang="en-US" altLang="zh-CN" sz="1400" b="0" i="0" u="none" strike="noStrike" kern="0" cap="none" spc="0" normalizeH="0" baseline="0" noProof="0" dirty="0" smtClean="0">
+                <a:rPr kumimoji="0" lang="zh-CN" altLang="en-US" sz="1400" b="0" i="0" u="none" strike="noStrike" kern="0" cap="none" spc="0" normalizeH="0" baseline="0" noProof="0" dirty="0" smtClean="0">
                   <a:ln>
                     <a:noFill/>
                   </a:ln>
                   <a:solidFill>
-                    <a:sysClr val="window" lastClr="FFFFFF"/>
+                    <a:schemeClr val="bg1"/>
                   </a:solidFill>
                   <a:effectLst/>
                   <a:uLnTx/>
@@ -30756,8 +34325,22 @@
                   <a:ea typeface="微软雅黑" pitchFamily="34" charset="-122"/>
                   <a:cs typeface="Arial" pitchFamily="34" charset="0"/>
                 </a:rPr>
-                <a:t>text. Click here to add your text. </a:t>
+                <a:t>价值</a:t>
               </a:r>
+              <a:endParaRPr kumimoji="0" lang="en-US" altLang="zh-CN" sz="1400" b="0" i="0" u="none" strike="noStrike" kern="0" cap="none" spc="0" normalizeH="0" baseline="0" noProof="0" dirty="0" smtClean="0">
+                <a:ln>
+                  <a:noFill/>
+                </a:ln>
+                <a:solidFill>
+                  <a:schemeClr val="bg1"/>
+                </a:solidFill>
+                <a:effectLst/>
+                <a:uLnTx/>
+                <a:uFillTx/>
+                <a:latin typeface="Arial" pitchFamily="34" charset="0"/>
+                <a:ea typeface="微软雅黑" pitchFamily="34" charset="-122"/>
+                <a:cs typeface="Arial" pitchFamily="34" charset="0"/>
+              </a:endParaRPr>
             </a:p>
           </p:txBody>
         </p:sp>

--- a/营销.pptx
+++ b/营销.pptx
@@ -5,10 +5,10 @@
     <p:sldMasterId id="2147483660" r:id="rId1"/>
   </p:sldMasterIdLst>
   <p:notesMasterIdLst>
-    <p:notesMasterId r:id="rId13"/>
+    <p:notesMasterId r:id="rId14"/>
   </p:notesMasterIdLst>
   <p:handoutMasterIdLst>
-    <p:handoutMasterId r:id="rId14"/>
+    <p:handoutMasterId r:id="rId15"/>
   </p:handoutMasterIdLst>
   <p:sldIdLst>
     <p:sldId id="256" r:id="rId2"/>
@@ -22,6 +22,7 @@
     <p:sldId id="262" r:id="rId10"/>
     <p:sldId id="272" r:id="rId11"/>
     <p:sldId id="261" r:id="rId12"/>
+    <p:sldId id="273" r:id="rId13"/>
   </p:sldIdLst>
   <p:sldSz cx="9144000" cy="6858000" type="screen4x3"/>
   <p:notesSz cx="6858000" cy="9144000"/>
@@ -5248,6 +5249,90 @@
 </p:notes>
 </file>
 
+<file path=ppt/notesSlides/notesSlide11.xml><?xml version="1.0" encoding="utf-8"?>
+<p:notes xmlns:a="http://schemas.openxmlformats.org/drawingml/2006/main" xmlns:r="http://schemas.openxmlformats.org/officeDocument/2006/relationships" xmlns:p="http://schemas.openxmlformats.org/presentationml/2006/main">
+  <p:cSld>
+    <p:spTree>
+      <p:nvGrpSpPr>
+        <p:cNvPr id="1" name=""/>
+        <p:cNvGrpSpPr/>
+        <p:nvPr/>
+      </p:nvGrpSpPr>
+      <p:grpSpPr>
+        <a:xfrm>
+          <a:off x="0" y="0"/>
+          <a:ext cx="0" cy="0"/>
+          <a:chOff x="0" y="0"/>
+          <a:chExt cx="0" cy="0"/>
+        </a:xfrm>
+      </p:grpSpPr>
+      <p:sp>
+        <p:nvSpPr>
+          <p:cNvPr id="2" name="幻灯片图像占位符 1"/>
+          <p:cNvSpPr>
+            <a:spLocks noGrp="1" noRot="1" noChangeAspect="1"/>
+          </p:cNvSpPr>
+          <p:nvPr>
+            <p:ph type="sldImg"/>
+          </p:nvPr>
+        </p:nvSpPr>
+        <p:spPr/>
+      </p:sp>
+      <p:sp>
+        <p:nvSpPr>
+          <p:cNvPr id="3" name="备注占位符 2"/>
+          <p:cNvSpPr>
+            <a:spLocks noGrp="1"/>
+          </p:cNvSpPr>
+          <p:nvPr>
+            <p:ph type="body" idx="1"/>
+          </p:nvPr>
+        </p:nvSpPr>
+        <p:spPr/>
+        <p:txBody>
+          <a:bodyPr/>
+          <a:lstStyle/>
+          <a:p>
+            <a:endParaRPr kumimoji="1" lang="zh-CN" altLang="en-US"/>
+          </a:p>
+        </p:txBody>
+      </p:sp>
+      <p:sp>
+        <p:nvSpPr>
+          <p:cNvPr id="4" name="幻灯片编号占位符 3"/>
+          <p:cNvSpPr>
+            <a:spLocks noGrp="1"/>
+          </p:cNvSpPr>
+          <p:nvPr>
+            <p:ph type="sldNum" sz="quarter" idx="10"/>
+          </p:nvPr>
+        </p:nvSpPr>
+        <p:spPr/>
+        <p:txBody>
+          <a:bodyPr/>
+          <a:lstStyle/>
+          <a:p>
+            <a:fld id="{2DEB783D-0A18-E242-958B-0B4697ECA700}" type="slidenum">
+              <a:rPr kumimoji="1" lang="zh-CN" altLang="en-US" smtClean="0"/>
+              <a:t>12</a:t>
+            </a:fld>
+            <a:endParaRPr kumimoji="1" lang="zh-CN" altLang="en-US"/>
+          </a:p>
+        </p:txBody>
+      </p:sp>
+    </p:spTree>
+    <p:extLst>
+      <p:ext uri="{BB962C8B-B14F-4D97-AF65-F5344CB8AC3E}">
+        <p14:creationId xmlns:p14="http://schemas.microsoft.com/office/powerpoint/2010/main" val="2543122142"/>
+      </p:ext>
+    </p:extLst>
+  </p:cSld>
+  <p:clrMapOvr>
+    <a:masterClrMapping/>
+  </p:clrMapOvr>
+</p:notes>
+</file>
+
 <file path=ppt/notesSlides/notesSlide2.xml><?xml version="1.0" encoding="utf-8"?>
 <p:notes xmlns:a="http://schemas.openxmlformats.org/drawingml/2006/main" xmlns:r="http://schemas.openxmlformats.org/officeDocument/2006/relationships" xmlns:p="http://schemas.openxmlformats.org/presentationml/2006/main">
   <p:cSld>
@@ -9912,87 +9997,317 @@
       </p:cxnSp>
       <p:grpSp>
         <p:nvGrpSpPr>
-          <p:cNvPr id="2" name="组合 1"/>
+          <p:cNvPr id="4" name="组 3"/>
           <p:cNvGrpSpPr/>
           <p:nvPr/>
         </p:nvGrpSpPr>
         <p:grpSpPr>
           <a:xfrm>
-            <a:off x="2203374" y="4769619"/>
-            <a:ext cx="6292925" cy="1753987"/>
-            <a:chOff x="-1788550" y="2399636"/>
-            <a:chExt cx="12444382" cy="3084100"/>
+            <a:off x="352429" y="969956"/>
+            <a:ext cx="8153035" cy="5345781"/>
+            <a:chOff x="352429" y="1177825"/>
+            <a:chExt cx="8153035" cy="5345781"/>
           </a:xfrm>
         </p:grpSpPr>
-        <p:sp>
-          <p:nvSpPr>
-            <p:cNvPr id="15" name="矩形 14"/>
-            <p:cNvSpPr/>
+        <p:grpSp>
+          <p:nvGrpSpPr>
+            <p:cNvPr id="2" name="组合 1"/>
+            <p:cNvGrpSpPr/>
             <p:nvPr/>
-          </p:nvSpPr>
-          <p:spPr>
+          </p:nvGrpSpPr>
+          <p:grpSpPr>
             <a:xfrm>
-              <a:off x="-1788550" y="4805301"/>
-              <a:ext cx="12444382" cy="678435"/>
+              <a:off x="2203374" y="4769619"/>
+              <a:ext cx="6292925" cy="1753987"/>
+              <a:chOff x="-1788550" y="2399636"/>
+              <a:chExt cx="12444382" cy="3084100"/>
             </a:xfrm>
-            <a:prstGeom prst="rect">
-              <a:avLst/>
-            </a:prstGeom>
-            <a:solidFill>
-              <a:srgbClr val="F79646"/>
-            </a:solidFill>
-            <a:ln w="25400" cap="flat" cmpd="sng" algn="ctr">
+          </p:grpSpPr>
+          <p:sp>
+            <p:nvSpPr>
+              <p:cNvPr id="15" name="矩形 14"/>
+              <p:cNvSpPr/>
+              <p:nvPr/>
+            </p:nvSpPr>
+            <p:spPr>
+              <a:xfrm>
+                <a:off x="-1788550" y="4805301"/>
+                <a:ext cx="12444382" cy="678435"/>
+              </a:xfrm>
+              <a:prstGeom prst="rect">
+                <a:avLst/>
+              </a:prstGeom>
+              <a:solidFill>
+                <a:srgbClr val="F79646"/>
+              </a:solidFill>
+              <a:ln w="25400" cap="flat" cmpd="sng" algn="ctr">
+                <a:noFill/>
+                <a:prstDash val="solid"/>
+              </a:ln>
+              <a:effectLst/>
+            </p:spPr>
+            <p:txBody>
+              <a:bodyPr rot="0" spcFirstLastPara="0" vertOverflow="overflow" horzOverflow="overflow" vert="horz" wrap="square" lIns="91440" tIns="45720" rIns="91440" bIns="45720" numCol="1" spcCol="0" rtlCol="0" fromWordArt="0" anchor="ctr" anchorCtr="0" forceAA="0" compatLnSpc="1">
+                <a:prstTxWarp prst="textNoShape">
+                  <a:avLst/>
+                </a:prstTxWarp>
+                <a:noAutofit/>
+              </a:bodyPr>
+              <a:lstStyle/>
+              <a:p>
+                <a:pPr marL="0" marR="0" lvl="0" indent="0" algn="ctr" defTabSz="914400" eaLnBrk="1" fontAlgn="auto" latinLnBrk="0" hangingPunct="1">
+                  <a:lnSpc>
+                    <a:spcPct val="100000"/>
+                  </a:lnSpc>
+                  <a:spcBef>
+                    <a:spcPts val="0"/>
+                  </a:spcBef>
+                  <a:spcAft>
+                    <a:spcPts val="0"/>
+                  </a:spcAft>
+                  <a:buClrTx/>
+                  <a:buSzTx/>
+                  <a:buFontTx/>
+                  <a:buNone/>
+                  <a:tabLst/>
+                  <a:defRPr/>
+                </a:pPr>
+                <a:endParaRPr kumimoji="0" lang="en-US" sz="1800" b="0" i="0" u="none" strike="noStrike" kern="0" cap="none" spc="0" normalizeH="0" baseline="0" noProof="0">
+                  <a:ln>
+                    <a:noFill/>
+                  </a:ln>
+                  <a:solidFill>
+                    <a:sysClr val="window" lastClr="FFFFFF"/>
+                  </a:solidFill>
+                  <a:effectLst/>
+                  <a:uLnTx/>
+                  <a:uFillTx/>
+                  <a:latin typeface="Calibri"/>
+                  <a:ea typeface="+mn-ea"/>
+                  <a:cs typeface="+mn-cs"/>
+                </a:endParaRPr>
+              </a:p>
+            </p:txBody>
+          </p:sp>
+          <p:pic>
+            <p:nvPicPr>
+              <p:cNvPr id="19" name="图片 18"/>
+              <p:cNvPicPr>
+                <a:picLocks noChangeAspect="1"/>
+              </p:cNvPicPr>
+              <p:nvPr/>
+            </p:nvPicPr>
+            <p:blipFill>
+              <a:blip r:embed="rId3" cstate="email">
+                <a:extLst>
+                  <a:ext uri="{28A0092B-C50C-407E-A947-70E740481C1C}">
+                    <a14:useLocalDpi xmlns:a14="http://schemas.microsoft.com/office/drawing/2010/main" val="0"/>
+                  </a:ext>
+                </a:extLst>
+              </a:blip>
+              <a:stretch>
+                <a:fillRect/>
+              </a:stretch>
+            </p:blipFill>
+            <p:spPr>
+              <a:xfrm rot="20955940">
+                <a:off x="212649" y="2399636"/>
+                <a:ext cx="2108941" cy="2063359"/>
+              </a:xfrm>
+              <a:prstGeom prst="rect">
+                <a:avLst/>
+              </a:prstGeom>
+            </p:spPr>
+          </p:pic>
+          <p:sp>
+            <p:nvSpPr>
+              <p:cNvPr id="22" name="TextBox 21"/>
+              <p:cNvSpPr txBox="1"/>
+              <p:nvPr/>
+            </p:nvSpPr>
+            <p:spPr>
+              <a:xfrm>
+                <a:off x="1154268" y="4799315"/>
+                <a:ext cx="5150493" cy="649410"/>
+              </a:xfrm>
+              <a:prstGeom prst="rect">
+                <a:avLst/>
+              </a:prstGeom>
               <a:noFill/>
-              <a:prstDash val="solid"/>
-            </a:ln>
-            <a:effectLst/>
-          </p:spPr>
-          <p:txBody>
-            <a:bodyPr rot="0" spcFirstLastPara="0" vertOverflow="overflow" horzOverflow="overflow" vert="horz" wrap="square" lIns="91440" tIns="45720" rIns="91440" bIns="45720" numCol="1" spcCol="0" rtlCol="0" fromWordArt="0" anchor="ctr" anchorCtr="0" forceAA="0" compatLnSpc="1">
-              <a:prstTxWarp prst="textNoShape">
+            </p:spPr>
+            <p:txBody>
+              <a:bodyPr wrap="square" rtlCol="0">
+                <a:spAutoFit/>
+              </a:bodyPr>
+              <a:lstStyle>
+                <a:defPPr>
+                  <a:defRPr lang="en-US"/>
+                </a:defPPr>
+                <a:lvl1pPr>
+                  <a:lnSpc>
+                    <a:spcPct val="130000"/>
+                  </a:lnSpc>
+                  <a:defRPr sz="5400" b="1">
+                    <a:solidFill>
+                      <a:schemeClr val="tx1">
+                        <a:lumMod val="65000"/>
+                        <a:lumOff val="35000"/>
+                      </a:schemeClr>
+                    </a:solidFill>
+                    <a:latin typeface="Agency FB" pitchFamily="34" charset="0"/>
+                    <a:ea typeface="微软雅黑" pitchFamily="34" charset="-122"/>
+                    <a:cs typeface="Calibri" pitchFamily="34" charset="0"/>
+                  </a:defRPr>
+                </a:lvl1pPr>
+              </a:lstStyle>
+              <a:p>
+                <a:pPr marL="0" marR="0" lvl="0" indent="0" algn="ctr" defTabSz="914400" eaLnBrk="1" fontAlgn="auto" latinLnBrk="0" hangingPunct="1">
+                  <a:lnSpc>
+                    <a:spcPct val="100000"/>
+                  </a:lnSpc>
+                  <a:spcBef>
+                    <a:spcPts val="0"/>
+                  </a:spcBef>
+                  <a:spcAft>
+                    <a:spcPts val="0"/>
+                  </a:spcAft>
+                  <a:buClrTx/>
+                  <a:buSzTx/>
+                  <a:buFontTx/>
+                  <a:buNone/>
+                  <a:tabLst/>
+                  <a:defRPr/>
+                </a:pPr>
+                <a:r>
+                  <a:rPr kumimoji="0" lang="en-US" altLang="zh-CN" sz="1800" b="1" i="0" u="none" strike="noStrike" kern="0" cap="none" spc="0" normalizeH="0" baseline="0" noProof="0" dirty="0" smtClean="0">
+                    <a:ln>
+                      <a:noFill/>
+                    </a:ln>
+                    <a:solidFill>
+                      <a:sysClr val="window" lastClr="FFFFFF"/>
+                    </a:solidFill>
+                    <a:effectLst/>
+                    <a:uLnTx/>
+                    <a:uFillTx/>
+                  </a:rPr>
+                  <a:t>Task</a:t>
+                </a:r>
+                <a:r>
+                  <a:rPr lang="zh-CN" altLang="en-US" sz="1800" kern="0" dirty="0">
+                    <a:solidFill>
+                      <a:sysClr val="window" lastClr="FFFFFF"/>
+                    </a:solidFill>
+                  </a:rPr>
+                  <a:t>自动任务</a:t>
+                </a:r>
+                <a:endParaRPr kumimoji="0" lang="zh-CN" altLang="en-US" sz="1800" b="1" i="0" u="none" strike="noStrike" kern="0" cap="none" spc="0" normalizeH="0" baseline="0" noProof="0" dirty="0">
+                  <a:ln>
+                    <a:noFill/>
+                  </a:ln>
+                  <a:solidFill>
+                    <a:sysClr val="window" lastClr="FFFFFF"/>
+                  </a:solidFill>
+                  <a:effectLst/>
+                  <a:uLnTx/>
+                  <a:uFillTx/>
+                </a:endParaRPr>
+              </a:p>
+            </p:txBody>
+          </p:sp>
+          <p:sp>
+            <p:nvSpPr>
+              <p:cNvPr id="23" name="TextBox 22"/>
+              <p:cNvSpPr txBox="1"/>
+              <p:nvPr/>
+            </p:nvSpPr>
+            <p:spPr>
+              <a:xfrm rot="19755385">
+                <a:off x="544959" y="3164623"/>
+                <a:ext cx="1595008" cy="422117"/>
+              </a:xfrm>
+              <a:prstGeom prst="rect">
                 <a:avLst/>
-              </a:prstTxWarp>
-              <a:noAutofit/>
-            </a:bodyPr>
-            <a:lstStyle/>
-            <a:p>
-              <a:pPr marL="0" marR="0" lvl="0" indent="0" algn="ctr" defTabSz="914400" eaLnBrk="1" fontAlgn="auto" latinLnBrk="0" hangingPunct="1">
-                <a:lnSpc>
-                  <a:spcPct val="100000"/>
-                </a:lnSpc>
-                <a:spcBef>
-                  <a:spcPts val="0"/>
-                </a:spcBef>
-                <a:spcAft>
-                  <a:spcPts val="0"/>
-                </a:spcAft>
-                <a:buClrTx/>
-                <a:buSzTx/>
-                <a:buFontTx/>
-                <a:buNone/>
-                <a:tabLst/>
-                <a:defRPr/>
-              </a:pPr>
-              <a:endParaRPr kumimoji="0" lang="en-US" sz="1800" b="0" i="0" u="none" strike="noStrike" kern="0" cap="none" spc="0" normalizeH="0" baseline="0" noProof="0">
-                <a:ln>
-                  <a:noFill/>
-                </a:ln>
-                <a:solidFill>
-                  <a:sysClr val="window" lastClr="FFFFFF"/>
-                </a:solidFill>
-                <a:effectLst/>
-                <a:uLnTx/>
-                <a:uFillTx/>
-                <a:latin typeface="Calibri"/>
-                <a:ea typeface="+mn-ea"/>
-                <a:cs typeface="+mn-cs"/>
-              </a:endParaRPr>
-            </a:p>
-          </p:txBody>
-        </p:sp>
+              </a:prstGeom>
+              <a:noFill/>
+            </p:spPr>
+            <p:txBody>
+              <a:bodyPr wrap="square" rtlCol="0">
+                <a:spAutoFit/>
+              </a:bodyPr>
+              <a:lstStyle>
+                <a:defPPr>
+                  <a:defRPr lang="en-US"/>
+                </a:defPPr>
+                <a:lvl1pPr lvl="0">
+                  <a:lnSpc>
+                    <a:spcPct val="80000"/>
+                  </a:lnSpc>
+                  <a:defRPr sz="4400" b="1" kern="0">
+                    <a:ln w="18415" cmpd="sng">
+                      <a:noFill/>
+                      <a:prstDash val="solid"/>
+                    </a:ln>
+                    <a:solidFill>
+                      <a:srgbClr val="FFC000"/>
+                    </a:solidFill>
+                    <a:latin typeface="Agency FB" pitchFamily="34" charset="0"/>
+                    <a:ea typeface="微软雅黑" pitchFamily="34" charset="-122"/>
+                  </a:defRPr>
+                </a:lvl1pPr>
+              </a:lstStyle>
+              <a:p>
+                <a:pPr marL="0" marR="0" lvl="0" indent="0" algn="ctr" defTabSz="914400" eaLnBrk="1" fontAlgn="auto" latinLnBrk="0" hangingPunct="1">
+                  <a:lnSpc>
+                    <a:spcPct val="80000"/>
+                  </a:lnSpc>
+                  <a:spcBef>
+                    <a:spcPts val="0"/>
+                  </a:spcBef>
+                  <a:spcAft>
+                    <a:spcPts val="0"/>
+                  </a:spcAft>
+                  <a:buClrTx/>
+                  <a:buSzTx/>
+                  <a:buFontTx/>
+                  <a:buNone/>
+                  <a:tabLst/>
+                  <a:defRPr/>
+                </a:pPr>
+                <a:r>
+                  <a:rPr lang="zh-CN" altLang="en-US" sz="1200" dirty="0">
+                    <a:solidFill>
+                      <a:sysClr val="windowText" lastClr="000000">
+                        <a:lumMod val="65000"/>
+                        <a:lumOff val="35000"/>
+                      </a:sysClr>
+                    </a:solidFill>
+                  </a:rPr>
+                  <a:t>折扣</a:t>
+                </a:r>
+                <a:endParaRPr kumimoji="0" lang="zh-CN" altLang="en-US" sz="1200" b="1" i="0" u="none" strike="noStrike" kern="0" cap="none" spc="0" normalizeH="0" baseline="0" noProof="0" dirty="0">
+                  <a:ln w="18415" cmpd="sng">
+                    <a:noFill/>
+                    <a:prstDash val="solid"/>
+                  </a:ln>
+                  <a:solidFill>
+                    <a:sysClr val="windowText" lastClr="000000">
+                      <a:lumMod val="65000"/>
+                      <a:lumOff val="35000"/>
+                    </a:sysClr>
+                  </a:solidFill>
+                  <a:effectLst/>
+                  <a:uLnTx/>
+                  <a:uFillTx/>
+                  <a:latin typeface="Agency FB" pitchFamily="34" charset="0"/>
+                  <a:ea typeface="微软雅黑" pitchFamily="34" charset="-122"/>
+                </a:endParaRPr>
+              </a:p>
+            </p:txBody>
+          </p:sp>
+        </p:grpSp>
         <p:pic>
           <p:nvPicPr>
-            <p:cNvPr id="19" name="图片 18"/>
+            <p:cNvPr id="108" name="图片 107"/>
             <p:cNvPicPr>
               <a:picLocks noChangeAspect="1"/>
             </p:cNvPicPr>
@@ -10011,9 +10326,39 @@
             </a:stretch>
           </p:blipFill>
           <p:spPr>
-            <a:xfrm rot="20955940">
-              <a:off x="212649" y="2399636"/>
-              <a:ext cx="2108941" cy="2063359"/>
+            <a:xfrm rot="2204850">
+              <a:off x="4885891" y="4457058"/>
+              <a:ext cx="1066458" cy="1173472"/>
+            </a:xfrm>
+            <a:prstGeom prst="rect">
+              <a:avLst/>
+            </a:prstGeom>
+          </p:spPr>
+        </p:pic>
+        <p:pic>
+          <p:nvPicPr>
+            <p:cNvPr id="109" name="图片 108"/>
+            <p:cNvPicPr>
+              <a:picLocks noChangeAspect="1"/>
+            </p:cNvPicPr>
+            <p:nvPr/>
+          </p:nvPicPr>
+          <p:blipFill>
+            <a:blip r:embed="rId3" cstate="email">
+              <a:extLst>
+                <a:ext uri="{28A0092B-C50C-407E-A947-70E740481C1C}">
+                  <a14:useLocalDpi xmlns:a14="http://schemas.microsoft.com/office/drawing/2010/main" val="0"/>
+                </a:ext>
+              </a:extLst>
+            </a:blip>
+            <a:stretch>
+              <a:fillRect/>
+            </a:stretch>
+          </p:blipFill>
+          <p:spPr>
+            <a:xfrm rot="2758831">
+              <a:off x="6517167" y="4720119"/>
+              <a:ext cx="1066458" cy="1173472"/>
             </a:xfrm>
             <a:prstGeom prst="rect">
               <a:avLst/>
@@ -10022,109 +10367,14 @@
         </p:pic>
         <p:sp>
           <p:nvSpPr>
-            <p:cNvPr id="22" name="TextBox 21"/>
+            <p:cNvPr id="110" name="TextBox 109"/>
             <p:cNvSpPr txBox="1"/>
             <p:nvPr/>
           </p:nvSpPr>
           <p:spPr>
-            <a:xfrm>
-              <a:off x="1154268" y="4799315"/>
-              <a:ext cx="5150493" cy="649410"/>
-            </a:xfrm>
-            <a:prstGeom prst="rect">
-              <a:avLst/>
-            </a:prstGeom>
-            <a:noFill/>
-          </p:spPr>
-          <p:txBody>
-            <a:bodyPr wrap="square" rtlCol="0">
-              <a:spAutoFit/>
-            </a:bodyPr>
-            <a:lstStyle>
-              <a:defPPr>
-                <a:defRPr lang="en-US"/>
-              </a:defPPr>
-              <a:lvl1pPr>
-                <a:lnSpc>
-                  <a:spcPct val="130000"/>
-                </a:lnSpc>
-                <a:defRPr sz="5400" b="1">
-                  <a:solidFill>
-                    <a:schemeClr val="tx1">
-                      <a:lumMod val="65000"/>
-                      <a:lumOff val="35000"/>
-                    </a:schemeClr>
-                  </a:solidFill>
-                  <a:latin typeface="Agency FB" pitchFamily="34" charset="0"/>
-                  <a:ea typeface="微软雅黑" pitchFamily="34" charset="-122"/>
-                  <a:cs typeface="Calibri" pitchFamily="34" charset="0"/>
-                </a:defRPr>
-              </a:lvl1pPr>
-            </a:lstStyle>
-            <a:p>
-              <a:pPr marL="0" marR="0" lvl="0" indent="0" algn="ctr" defTabSz="914400" eaLnBrk="1" fontAlgn="auto" latinLnBrk="0" hangingPunct="1">
-                <a:lnSpc>
-                  <a:spcPct val="100000"/>
-                </a:lnSpc>
-                <a:spcBef>
-                  <a:spcPts val="0"/>
-                </a:spcBef>
-                <a:spcAft>
-                  <a:spcPts val="0"/>
-                </a:spcAft>
-                <a:buClrTx/>
-                <a:buSzTx/>
-                <a:buFontTx/>
-                <a:buNone/>
-                <a:tabLst/>
-                <a:defRPr/>
-              </a:pPr>
-              <a:r>
-                <a:rPr kumimoji="0" lang="en-US" altLang="zh-CN" sz="1800" b="1" i="0" u="none" strike="noStrike" kern="0" cap="none" spc="0" normalizeH="0" baseline="0" noProof="0" dirty="0" smtClean="0">
-                  <a:ln>
-                    <a:noFill/>
-                  </a:ln>
-                  <a:solidFill>
-                    <a:sysClr val="window" lastClr="FFFFFF"/>
-                  </a:solidFill>
-                  <a:effectLst/>
-                  <a:uLnTx/>
-                  <a:uFillTx/>
-                </a:rPr>
-                <a:t>Task</a:t>
-              </a:r>
-              <a:r>
-                <a:rPr lang="zh-CN" altLang="en-US" sz="1800" kern="0" dirty="0">
-                  <a:solidFill>
-                    <a:sysClr val="window" lastClr="FFFFFF"/>
-                  </a:solidFill>
-                </a:rPr>
-                <a:t>自动任务</a:t>
-              </a:r>
-              <a:endParaRPr kumimoji="0" lang="zh-CN" altLang="en-US" sz="1800" b="1" i="0" u="none" strike="noStrike" kern="0" cap="none" spc="0" normalizeH="0" baseline="0" noProof="0" dirty="0">
-                <a:ln>
-                  <a:noFill/>
-                </a:ln>
-                <a:solidFill>
-                  <a:sysClr val="window" lastClr="FFFFFF"/>
-                </a:solidFill>
-                <a:effectLst/>
-                <a:uLnTx/>
-                <a:uFillTx/>
-              </a:endParaRPr>
-            </a:p>
-          </p:txBody>
-        </p:sp>
-        <p:sp>
-          <p:nvSpPr>
-            <p:cNvPr id="23" name="TextBox 22"/>
-            <p:cNvSpPr txBox="1"/>
-            <p:nvPr/>
-          </p:nvSpPr>
-          <p:spPr>
-            <a:xfrm rot="19755385">
-              <a:off x="544959" y="3164623"/>
-              <a:ext cx="1595008" cy="422117"/>
+            <a:xfrm rot="977133">
+              <a:off x="4997137" y="4958514"/>
+              <a:ext cx="806570" cy="240066"/>
             </a:xfrm>
             <a:prstGeom prst="rect">
               <a:avLst/>
@@ -10183,7 +10433,7 @@
                     </a:sysClr>
                   </a:solidFill>
                 </a:rPr>
-                <a:t>折扣</a:t>
+                <a:t>优惠</a:t>
               </a:r>
               <a:endParaRPr kumimoji="0" lang="zh-CN" altLang="en-US" sz="1200" b="1" i="0" u="none" strike="noStrike" kern="0" cap="none" spc="0" normalizeH="0" baseline="0" noProof="0" dirty="0">
                 <a:ln w="18415" cmpd="sng">
@@ -10205,326 +10455,1365 @@
             </a:p>
           </p:txBody>
         </p:sp>
-      </p:grpSp>
-      <p:pic>
-        <p:nvPicPr>
-          <p:cNvPr id="108" name="图片 107"/>
-          <p:cNvPicPr>
-            <a:picLocks noChangeAspect="1"/>
-          </p:cNvPicPr>
-          <p:nvPr/>
-        </p:nvPicPr>
-        <p:blipFill>
-          <a:blip r:embed="rId3" cstate="email">
-            <a:extLst>
-              <a:ext uri="{28A0092B-C50C-407E-A947-70E740481C1C}">
-                <a14:useLocalDpi xmlns:a14="http://schemas.microsoft.com/office/drawing/2010/main" val="0"/>
-              </a:ext>
-            </a:extLst>
-          </a:blip>
-          <a:stretch>
-            <a:fillRect/>
-          </a:stretch>
-        </p:blipFill>
-        <p:spPr>
-          <a:xfrm rot="2204850">
-            <a:off x="4885891" y="4515848"/>
-            <a:ext cx="1066458" cy="1173472"/>
-          </a:xfrm>
-          <a:prstGeom prst="rect">
-            <a:avLst/>
-          </a:prstGeom>
-        </p:spPr>
-      </p:pic>
-      <p:pic>
-        <p:nvPicPr>
-          <p:cNvPr id="109" name="图片 108"/>
-          <p:cNvPicPr>
-            <a:picLocks noChangeAspect="1"/>
-          </p:cNvPicPr>
-          <p:nvPr/>
-        </p:nvPicPr>
-        <p:blipFill>
-          <a:blip r:embed="rId3" cstate="email">
-            <a:extLst>
-              <a:ext uri="{28A0092B-C50C-407E-A947-70E740481C1C}">
-                <a14:useLocalDpi xmlns:a14="http://schemas.microsoft.com/office/drawing/2010/main" val="0"/>
-              </a:ext>
-            </a:extLst>
-          </a:blip>
-          <a:stretch>
-            <a:fillRect/>
-          </a:stretch>
-        </p:blipFill>
-        <p:spPr>
-          <a:xfrm rot="2758831">
-            <a:off x="6517167" y="4778909"/>
-            <a:ext cx="1066458" cy="1173472"/>
-          </a:xfrm>
-          <a:prstGeom prst="rect">
-            <a:avLst/>
-          </a:prstGeom>
-        </p:spPr>
-      </p:pic>
-      <p:sp>
-        <p:nvSpPr>
-          <p:cNvPr id="110" name="TextBox 109"/>
-          <p:cNvSpPr txBox="1"/>
-          <p:nvPr/>
-        </p:nvSpPr>
-        <p:spPr>
-          <a:xfrm rot="977133">
-            <a:off x="4997137" y="5017304"/>
-            <a:ext cx="806570" cy="240066"/>
-          </a:xfrm>
-          <a:prstGeom prst="rect">
-            <a:avLst/>
-          </a:prstGeom>
-          <a:noFill/>
-        </p:spPr>
-        <p:txBody>
-          <a:bodyPr wrap="square" rtlCol="0">
-            <a:spAutoFit/>
-          </a:bodyPr>
-          <a:lstStyle>
-            <a:defPPr>
-              <a:defRPr lang="en-US"/>
-            </a:defPPr>
-            <a:lvl1pPr lvl="0">
-              <a:lnSpc>
-                <a:spcPct val="80000"/>
-              </a:lnSpc>
-              <a:defRPr sz="4400" b="1" kern="0">
+        <p:sp>
+          <p:nvSpPr>
+            <p:cNvPr id="111" name="TextBox 110"/>
+            <p:cNvSpPr txBox="1"/>
+            <p:nvPr/>
+          </p:nvSpPr>
+          <p:spPr>
+            <a:xfrm rot="1399187">
+              <a:off x="6663654" y="5185028"/>
+              <a:ext cx="806570" cy="240066"/>
+            </a:xfrm>
+            <a:prstGeom prst="rect">
+              <a:avLst/>
+            </a:prstGeom>
+            <a:noFill/>
+          </p:spPr>
+          <p:txBody>
+            <a:bodyPr wrap="square" rtlCol="0">
+              <a:spAutoFit/>
+            </a:bodyPr>
+            <a:lstStyle>
+              <a:defPPr>
+                <a:defRPr lang="en-US"/>
+              </a:defPPr>
+              <a:lvl1pPr lvl="0">
+                <a:lnSpc>
+                  <a:spcPct val="80000"/>
+                </a:lnSpc>
+                <a:defRPr sz="4400" b="1" kern="0">
+                  <a:ln w="18415" cmpd="sng">
+                    <a:noFill/>
+                    <a:prstDash val="solid"/>
+                  </a:ln>
+                  <a:solidFill>
+                    <a:srgbClr val="FFC000"/>
+                  </a:solidFill>
+                  <a:latin typeface="Agency FB" pitchFamily="34" charset="0"/>
+                  <a:ea typeface="微软雅黑" pitchFamily="34" charset="-122"/>
+                </a:defRPr>
+              </a:lvl1pPr>
+            </a:lstStyle>
+            <a:p>
+              <a:pPr marL="0" marR="0" lvl="0" indent="0" algn="ctr" defTabSz="914400" eaLnBrk="1" fontAlgn="auto" latinLnBrk="0" hangingPunct="1">
+                <a:lnSpc>
+                  <a:spcPct val="80000"/>
+                </a:lnSpc>
+                <a:spcBef>
+                  <a:spcPts val="0"/>
+                </a:spcBef>
+                <a:spcAft>
+                  <a:spcPts val="0"/>
+                </a:spcAft>
+                <a:buClrTx/>
+                <a:buSzTx/>
+                <a:buFontTx/>
+                <a:buNone/>
+                <a:tabLst/>
+                <a:defRPr/>
+              </a:pPr>
+              <a:r>
+                <a:rPr lang="zh-CN" altLang="en-US" sz="1200" dirty="0">
+                  <a:solidFill>
+                    <a:sysClr val="windowText" lastClr="000000">
+                      <a:lumMod val="65000"/>
+                      <a:lumOff val="35000"/>
+                    </a:sysClr>
+                  </a:solidFill>
+                </a:rPr>
+                <a:t>促销</a:t>
+              </a:r>
+              <a:endParaRPr kumimoji="0" lang="zh-CN" altLang="en-US" sz="1200" b="1" i="0" u="none" strike="noStrike" kern="0" cap="none" spc="0" normalizeH="0" baseline="0" noProof="0" dirty="0">
                 <a:ln w="18415" cmpd="sng">
                   <a:noFill/>
                   <a:prstDash val="solid"/>
                 </a:ln>
-                <a:solidFill>
-                  <a:srgbClr val="FFC000"/>
-                </a:solidFill>
-                <a:latin typeface="Agency FB" pitchFamily="34" charset="0"/>
-                <a:ea typeface="微软雅黑" pitchFamily="34" charset="-122"/>
-              </a:defRPr>
-            </a:lvl1pPr>
-          </a:lstStyle>
-          <a:p>
-            <a:pPr marL="0" marR="0" lvl="0" indent="0" algn="ctr" defTabSz="914400" eaLnBrk="1" fontAlgn="auto" latinLnBrk="0" hangingPunct="1">
-              <a:lnSpc>
-                <a:spcPct val="80000"/>
-              </a:lnSpc>
-              <a:spcBef>
-                <a:spcPts val="0"/>
-              </a:spcBef>
-              <a:spcAft>
-                <a:spcPts val="0"/>
-              </a:spcAft>
-              <a:buClrTx/>
-              <a:buSzTx/>
-              <a:buFontTx/>
-              <a:buNone/>
-              <a:tabLst/>
-              <a:defRPr/>
-            </a:pPr>
-            <a:r>
-              <a:rPr lang="zh-CN" altLang="en-US" sz="1200" dirty="0">
                 <a:solidFill>
                   <a:sysClr val="windowText" lastClr="000000">
                     <a:lumMod val="65000"/>
                     <a:lumOff val="35000"/>
                   </a:sysClr>
                 </a:solidFill>
-              </a:rPr>
-              <a:t>优惠</a:t>
-            </a:r>
-            <a:endParaRPr kumimoji="0" lang="zh-CN" altLang="en-US" sz="1200" b="1" i="0" u="none" strike="noStrike" kern="0" cap="none" spc="0" normalizeH="0" baseline="0" noProof="0" dirty="0">
-              <a:ln w="18415" cmpd="sng">
-                <a:noFill/>
-                <a:prstDash val="solid"/>
-              </a:ln>
-              <a:solidFill>
-                <a:sysClr val="windowText" lastClr="000000">
-                  <a:lumMod val="65000"/>
-                  <a:lumOff val="35000"/>
-                </a:sysClr>
-              </a:solidFill>
-              <a:effectLst/>
-              <a:uLnTx/>
-              <a:uFillTx/>
-              <a:latin typeface="Agency FB" pitchFamily="34" charset="0"/>
-              <a:ea typeface="微软雅黑" pitchFamily="34" charset="-122"/>
-            </a:endParaRPr>
-          </a:p>
-        </p:txBody>
-      </p:sp>
-      <p:sp>
-        <p:nvSpPr>
-          <p:cNvPr id="111" name="TextBox 110"/>
-          <p:cNvSpPr txBox="1"/>
-          <p:nvPr/>
-        </p:nvSpPr>
-        <p:spPr>
-          <a:xfrm rot="1399187">
-            <a:off x="6663654" y="5243818"/>
-            <a:ext cx="806570" cy="240066"/>
-          </a:xfrm>
-          <a:prstGeom prst="rect">
-            <a:avLst/>
-          </a:prstGeom>
-          <a:noFill/>
-        </p:spPr>
-        <p:txBody>
-          <a:bodyPr wrap="square" rtlCol="0">
-            <a:spAutoFit/>
-          </a:bodyPr>
-          <a:lstStyle>
-            <a:defPPr>
-              <a:defRPr lang="en-US"/>
-            </a:defPPr>
-            <a:lvl1pPr lvl="0">
-              <a:lnSpc>
-                <a:spcPct val="80000"/>
-              </a:lnSpc>
-              <a:defRPr sz="4400" b="1" kern="0">
-                <a:ln w="18415" cmpd="sng">
-                  <a:noFill/>
-                  <a:prstDash val="solid"/>
-                </a:ln>
-                <a:solidFill>
-                  <a:srgbClr val="FFC000"/>
-                </a:solidFill>
+                <a:effectLst/>
+                <a:uLnTx/>
+                <a:uFillTx/>
                 <a:latin typeface="Agency FB" pitchFamily="34" charset="0"/>
                 <a:ea typeface="微软雅黑" pitchFamily="34" charset="-122"/>
-              </a:defRPr>
-            </a:lvl1pPr>
-          </a:lstStyle>
-          <a:p>
-            <a:pPr marL="0" marR="0" lvl="0" indent="0" algn="ctr" defTabSz="914400" eaLnBrk="1" fontAlgn="auto" latinLnBrk="0" hangingPunct="1">
-              <a:lnSpc>
-                <a:spcPct val="80000"/>
-              </a:lnSpc>
-              <a:spcBef>
-                <a:spcPts val="0"/>
-              </a:spcBef>
-              <a:spcAft>
-                <a:spcPts val="0"/>
-              </a:spcAft>
-              <a:buClrTx/>
-              <a:buSzTx/>
-              <a:buFontTx/>
-              <a:buNone/>
-              <a:tabLst/>
-              <a:defRPr/>
-            </a:pPr>
-            <a:r>
-              <a:rPr lang="zh-CN" altLang="en-US" sz="1200" dirty="0">
-                <a:solidFill>
-                  <a:sysClr val="windowText" lastClr="000000">
-                    <a:lumMod val="65000"/>
-                    <a:lumOff val="35000"/>
-                  </a:sysClr>
-                </a:solidFill>
-              </a:rPr>
-              <a:t>促销</a:t>
-            </a:r>
-            <a:endParaRPr kumimoji="0" lang="zh-CN" altLang="en-US" sz="1200" b="1" i="0" u="none" strike="noStrike" kern="0" cap="none" spc="0" normalizeH="0" baseline="0" noProof="0" dirty="0">
-              <a:ln w="18415" cmpd="sng">
-                <a:noFill/>
-                <a:prstDash val="solid"/>
-              </a:ln>
-              <a:solidFill>
-                <a:sysClr val="windowText" lastClr="000000">
-                  <a:lumMod val="65000"/>
-                  <a:lumOff val="35000"/>
-                </a:sysClr>
-              </a:solidFill>
-              <a:effectLst/>
-              <a:uLnTx/>
-              <a:uFillTx/>
-              <a:latin typeface="Agency FB" pitchFamily="34" charset="0"/>
-              <a:ea typeface="微软雅黑" pitchFamily="34" charset="-122"/>
-            </a:endParaRPr>
-          </a:p>
-        </p:txBody>
-      </p:sp>
-      <p:grpSp>
-        <p:nvGrpSpPr>
-          <p:cNvPr id="3" name="组合 2"/>
-          <p:cNvGrpSpPr/>
-          <p:nvPr/>
-        </p:nvGrpSpPr>
-        <p:grpSpPr>
-          <a:xfrm>
-            <a:off x="2699785" y="1448229"/>
-            <a:ext cx="3369712" cy="2921414"/>
-            <a:chOff x="1902657" y="368086"/>
-            <a:chExt cx="5735471" cy="5237514"/>
-          </a:xfrm>
-        </p:grpSpPr>
+              </a:endParaRPr>
+            </a:p>
+          </p:txBody>
+        </p:sp>
         <p:grpSp>
           <p:nvGrpSpPr>
-            <p:cNvPr id="112" name="组合 111"/>
+            <p:cNvPr id="3" name="组合 2"/>
             <p:cNvGrpSpPr/>
             <p:nvPr/>
           </p:nvGrpSpPr>
           <p:grpSpPr>
-            <a:xfrm rot="15804414">
-              <a:off x="2923265" y="418885"/>
-              <a:ext cx="1215386" cy="1113788"/>
-              <a:chOff x="4629871" y="1716569"/>
-              <a:chExt cx="2968442" cy="2720307"/>
+            <a:xfrm>
+              <a:off x="2699785" y="1389439"/>
+              <a:ext cx="3369712" cy="2921414"/>
+              <a:chOff x="1902657" y="368086"/>
+              <a:chExt cx="5735471" cy="5237514"/>
             </a:xfrm>
           </p:grpSpPr>
+          <p:grpSp>
+            <p:nvGrpSpPr>
+              <p:cNvPr id="112" name="组合 111"/>
+              <p:cNvGrpSpPr/>
+              <p:nvPr/>
+            </p:nvGrpSpPr>
+            <p:grpSpPr>
+              <a:xfrm rot="15804414">
+                <a:off x="2923265" y="418885"/>
+                <a:ext cx="1215386" cy="1113788"/>
+                <a:chOff x="4629871" y="1716569"/>
+                <a:chExt cx="2968442" cy="2720307"/>
+              </a:xfrm>
+            </p:grpSpPr>
+            <p:sp>
+              <p:nvSpPr>
+                <p:cNvPr id="113" name="椭圆 112"/>
+                <p:cNvSpPr/>
+                <p:nvPr/>
+              </p:nvSpPr>
+              <p:spPr>
+                <a:xfrm rot="197558">
+                  <a:off x="4629871" y="1830047"/>
+                  <a:ext cx="2968442" cy="2523901"/>
+                </a:xfrm>
+                <a:prstGeom prst="ellipse">
+                  <a:avLst/>
+                </a:prstGeom>
+                <a:gradFill flip="none" rotWithShape="1">
+                  <a:gsLst>
+                    <a:gs pos="52000">
+                      <a:srgbClr val="705500"/>
+                    </a:gs>
+                    <a:gs pos="100000">
+                      <a:sysClr val="windowText" lastClr="000000">
+                        <a:lumMod val="50000"/>
+                        <a:lumOff val="50000"/>
+                        <a:shade val="67500"/>
+                        <a:satMod val="115000"/>
+                        <a:alpha val="0"/>
+                      </a:sysClr>
+                    </a:gs>
+                    <a:gs pos="68000">
+                      <a:sysClr val="windowText" lastClr="000000">
+                        <a:lumMod val="50000"/>
+                        <a:lumOff val="50000"/>
+                        <a:shade val="100000"/>
+                        <a:satMod val="115000"/>
+                        <a:alpha val="0"/>
+                      </a:sysClr>
+                    </a:gs>
+                  </a:gsLst>
+                  <a:path path="circle">
+                    <a:fillToRect l="50000" t="50000" r="50000" b="50000"/>
+                  </a:path>
+                  <a:tileRect/>
+                </a:gradFill>
+                <a:ln w="25400" cap="flat" cmpd="sng" algn="ctr">
+                  <a:noFill/>
+                  <a:prstDash val="solid"/>
+                </a:ln>
+                <a:effectLst/>
+              </p:spPr>
+              <p:txBody>
+                <a:bodyPr rtlCol="0" anchor="ctr"/>
+                <a:lstStyle/>
+                <a:p>
+                  <a:pPr marL="0" marR="0" lvl="0" indent="0" algn="ctr" defTabSz="914400" eaLnBrk="1" fontAlgn="auto" latinLnBrk="0" hangingPunct="1">
+                    <a:lnSpc>
+                      <a:spcPct val="100000"/>
+                    </a:lnSpc>
+                    <a:spcBef>
+                      <a:spcPts val="0"/>
+                    </a:spcBef>
+                    <a:spcAft>
+                      <a:spcPts val="0"/>
+                    </a:spcAft>
+                    <a:buClrTx/>
+                    <a:buSzTx/>
+                    <a:buFontTx/>
+                    <a:buNone/>
+                    <a:tabLst/>
+                    <a:defRPr/>
+                  </a:pPr>
+                  <a:endParaRPr kumimoji="0" lang="en-US" sz="1800" b="0" i="0" u="none" strike="noStrike" kern="0" cap="none" spc="0" normalizeH="0" baseline="0" noProof="0">
+                    <a:ln>
+                      <a:noFill/>
+                    </a:ln>
+                    <a:solidFill>
+                      <a:sysClr val="window" lastClr="FFFFFF"/>
+                    </a:solidFill>
+                    <a:effectLst/>
+                    <a:uLnTx/>
+                    <a:uFillTx/>
+                    <a:latin typeface="Calibri"/>
+                    <a:ea typeface="+mn-ea"/>
+                    <a:cs typeface="+mn-cs"/>
+                  </a:endParaRPr>
+                </a:p>
+              </p:txBody>
+            </p:sp>
+            <p:sp>
+              <p:nvSpPr>
+                <p:cNvPr id="114" name="椭圆 113"/>
+                <p:cNvSpPr/>
+                <p:nvPr/>
+              </p:nvSpPr>
+              <p:spPr>
+                <a:xfrm rot="197558">
+                  <a:off x="5001859" y="1716569"/>
+                  <a:ext cx="2453112" cy="2453101"/>
+                </a:xfrm>
+                <a:prstGeom prst="ellipse">
+                  <a:avLst/>
+                </a:prstGeom>
+                <a:ln>
+                  <a:solidFill>
+                    <a:schemeClr val="accent5"/>
+                  </a:solidFill>
+                </a:ln>
+              </p:spPr>
+              <p:style>
+                <a:lnRef idx="2">
+                  <a:schemeClr val="accent4"/>
+                </a:lnRef>
+                <a:fillRef idx="1">
+                  <a:schemeClr val="lt1"/>
+                </a:fillRef>
+                <a:effectRef idx="0">
+                  <a:schemeClr val="accent4"/>
+                </a:effectRef>
+                <a:fontRef idx="minor">
+                  <a:schemeClr val="dk1"/>
+                </a:fontRef>
+              </p:style>
+              <p:txBody>
+                <a:bodyPr rtlCol="0" anchor="ctr"/>
+                <a:lstStyle/>
+                <a:p>
+                  <a:pPr marL="0" marR="0" lvl="0" indent="0" algn="ctr" defTabSz="914400" eaLnBrk="1" fontAlgn="auto" latinLnBrk="0" hangingPunct="1">
+                    <a:lnSpc>
+                      <a:spcPct val="100000"/>
+                    </a:lnSpc>
+                    <a:spcBef>
+                      <a:spcPts val="0"/>
+                    </a:spcBef>
+                    <a:spcAft>
+                      <a:spcPts val="0"/>
+                    </a:spcAft>
+                    <a:buClrTx/>
+                    <a:buSzTx/>
+                    <a:buFontTx/>
+                    <a:buNone/>
+                    <a:tabLst/>
+                    <a:defRPr/>
+                  </a:pPr>
+                  <a:endParaRPr kumimoji="0" lang="en-US" sz="1800" b="0" i="0" u="none" strike="noStrike" kern="0" cap="none" spc="0" normalizeH="0" baseline="0" noProof="0" dirty="0">
+                    <a:ln>
+                      <a:noFill/>
+                    </a:ln>
+                    <a:solidFill>
+                      <a:sysClr val="window" lastClr="FFFFFF"/>
+                    </a:solidFill>
+                    <a:effectLst/>
+                    <a:uLnTx/>
+                    <a:uFillTx/>
+                    <a:latin typeface="Calibri"/>
+                    <a:ea typeface="+mn-ea"/>
+                    <a:cs typeface="+mn-cs"/>
+                  </a:endParaRPr>
+                </a:p>
+              </p:txBody>
+            </p:sp>
+            <p:sp>
+              <p:nvSpPr>
+                <p:cNvPr id="115" name="椭圆 20"/>
+                <p:cNvSpPr/>
+                <p:nvPr/>
+              </p:nvSpPr>
+              <p:spPr>
+                <a:xfrm rot="3681412">
+                  <a:off x="4500236" y="2568117"/>
+                  <a:ext cx="2440603" cy="1296915"/>
+                </a:xfrm>
+                <a:custGeom>
+                  <a:avLst/>
+                  <a:gdLst/>
+                  <a:ahLst/>
+                  <a:cxnLst/>
+                  <a:rect l="l" t="t" r="r" b="b"/>
+                  <a:pathLst>
+                    <a:path w="2440603" h="1296915">
+                      <a:moveTo>
+                        <a:pt x="0" y="227448"/>
+                      </a:moveTo>
+                      <a:cubicBezTo>
+                        <a:pt x="25678" y="293739"/>
+                        <a:pt x="58916" y="357865"/>
+                        <a:pt x="98728" y="419543"/>
+                      </a:cubicBezTo>
+                      <a:cubicBezTo>
+                        <a:pt x="465376" y="987560"/>
+                        <a:pt x="1250831" y="1132882"/>
+                        <a:pt x="1853093" y="744130"/>
+                      </a:cubicBezTo>
+                      <a:cubicBezTo>
+                        <a:pt x="2136008" y="561511"/>
+                        <a:pt x="2328171" y="293524"/>
+                        <a:pt x="2413029" y="1382"/>
+                      </a:cubicBezTo>
+                      <a:lnTo>
+                        <a:pt x="2437050" y="0"/>
+                      </a:lnTo>
+                      <a:cubicBezTo>
+                        <a:pt x="2439934" y="23226"/>
+                        <a:pt x="2440603" y="46715"/>
+                        <a:pt x="2440603" y="70360"/>
+                      </a:cubicBezTo>
+                      <a:cubicBezTo>
+                        <a:pt x="2440603" y="747768"/>
+                        <a:pt x="1891456" y="1296915"/>
+                        <a:pt x="1214048" y="1296915"/>
+                      </a:cubicBezTo>
+                      <a:cubicBezTo>
+                        <a:pt x="589939" y="1296915"/>
+                        <a:pt x="74701" y="830783"/>
+                        <a:pt x="0" y="227448"/>
+                      </a:cubicBezTo>
+                      <a:close/>
+                    </a:path>
+                  </a:pathLst>
+                </a:custGeom>
+                <a:solidFill>
+                  <a:srgbClr val="FFFFFF">
+                    <a:alpha val="9020"/>
+                  </a:srgbClr>
+                </a:solidFill>
+                <a:ln w="25400" cap="flat" cmpd="sng" algn="ctr">
+                  <a:noFill/>
+                  <a:prstDash val="solid"/>
+                </a:ln>
+                <a:effectLst/>
+              </p:spPr>
+              <p:txBody>
+                <a:bodyPr rtlCol="0" anchor="ctr"/>
+                <a:lstStyle/>
+                <a:p>
+                  <a:pPr marL="0" marR="0" lvl="0" indent="0" algn="ctr" defTabSz="914400" eaLnBrk="1" fontAlgn="auto" latinLnBrk="0" hangingPunct="1">
+                    <a:lnSpc>
+                      <a:spcPct val="100000"/>
+                    </a:lnSpc>
+                    <a:spcBef>
+                      <a:spcPts val="0"/>
+                    </a:spcBef>
+                    <a:spcAft>
+                      <a:spcPts val="0"/>
+                    </a:spcAft>
+                    <a:buClrTx/>
+                    <a:buSzTx/>
+                    <a:buFontTx/>
+                    <a:buNone/>
+                    <a:tabLst/>
+                    <a:defRPr/>
+                  </a:pPr>
+                  <a:endParaRPr kumimoji="0" lang="en-US" sz="1800" b="0" i="0" u="none" strike="noStrike" kern="0" cap="none" spc="0" normalizeH="0" baseline="0" noProof="0">
+                    <a:ln>
+                      <a:noFill/>
+                    </a:ln>
+                    <a:solidFill>
+                      <a:sysClr val="window" lastClr="FFFFFF"/>
+                    </a:solidFill>
+                    <a:effectLst/>
+                    <a:uLnTx/>
+                    <a:uFillTx/>
+                    <a:latin typeface="Calibri"/>
+                    <a:ea typeface="+mn-ea"/>
+                    <a:cs typeface="+mn-cs"/>
+                  </a:endParaRPr>
+                </a:p>
+              </p:txBody>
+            </p:sp>
+          </p:grpSp>
+          <p:cxnSp>
+            <p:nvCxnSpPr>
+              <p:cNvPr id="118" name="直接连接符 117"/>
+              <p:cNvCxnSpPr/>
+              <p:nvPr/>
+            </p:nvCxnSpPr>
+            <p:spPr>
+              <a:xfrm>
+                <a:off x="3923928" y="1258098"/>
+                <a:ext cx="1408625" cy="1030849"/>
+              </a:xfrm>
+              <a:prstGeom prst="line">
+                <a:avLst/>
+              </a:prstGeom>
+              <a:noFill/>
+              <a:ln w="12700" cap="flat" cmpd="sng" algn="ctr">
+                <a:solidFill>
+                  <a:srgbClr val="966F00"/>
+                </a:solidFill>
+                <a:prstDash val="sysDash"/>
+              </a:ln>
+              <a:effectLst>
+                <a:outerShdw dist="12700" dir="5400000" algn="t" rotWithShape="0">
+                  <a:sysClr val="window" lastClr="FFFFFF">
+                    <a:alpha val="83000"/>
+                  </a:sysClr>
+                </a:outerShdw>
+              </a:effectLst>
+            </p:spPr>
+          </p:cxnSp>
+          <p:cxnSp>
+            <p:nvCxnSpPr>
+              <p:cNvPr id="119" name="直接连接符 118"/>
+              <p:cNvCxnSpPr>
+                <a:endCxn id="126" idx="1"/>
+              </p:cNvCxnSpPr>
+              <p:nvPr/>
+            </p:nvCxnSpPr>
+            <p:spPr>
+              <a:xfrm flipV="1">
+                <a:off x="2638103" y="2791579"/>
+                <a:ext cx="2549543" cy="115663"/>
+              </a:xfrm>
+              <a:prstGeom prst="line">
+                <a:avLst/>
+              </a:prstGeom>
+              <a:noFill/>
+              <a:ln w="12700" cap="flat" cmpd="sng" algn="ctr">
+                <a:solidFill>
+                  <a:srgbClr val="966F00"/>
+                </a:solidFill>
+                <a:prstDash val="sysDash"/>
+              </a:ln>
+              <a:effectLst>
+                <a:outerShdw dist="12700" dir="5400000" algn="t" rotWithShape="0">
+                  <a:sysClr val="window" lastClr="FFFFFF">
+                    <a:alpha val="83000"/>
+                  </a:sysClr>
+                </a:outerShdw>
+              </a:effectLst>
+            </p:spPr>
+          </p:cxnSp>
+          <p:cxnSp>
+            <p:nvCxnSpPr>
+              <p:cNvPr id="120" name="直接连接符 119"/>
+              <p:cNvCxnSpPr/>
+              <p:nvPr/>
+            </p:nvCxnSpPr>
+            <p:spPr>
+              <a:xfrm flipV="1">
+                <a:off x="3275025" y="3549570"/>
+                <a:ext cx="2353649" cy="1224137"/>
+              </a:xfrm>
+              <a:prstGeom prst="line">
+                <a:avLst/>
+              </a:prstGeom>
+              <a:noFill/>
+              <a:ln w="12700" cap="flat" cmpd="sng" algn="ctr">
+                <a:solidFill>
+                  <a:srgbClr val="966F00"/>
+                </a:solidFill>
+                <a:prstDash val="sysDash"/>
+              </a:ln>
+              <a:effectLst>
+                <a:outerShdw dist="12700" dir="5400000" algn="t" rotWithShape="0">
+                  <a:sysClr val="window" lastClr="FFFFFF">
+                    <a:alpha val="83000"/>
+                  </a:sysClr>
+                </a:outerShdw>
+              </a:effectLst>
+            </p:spPr>
+          </p:cxnSp>
+          <p:grpSp>
+            <p:nvGrpSpPr>
+              <p:cNvPr id="122" name="组合 121"/>
+              <p:cNvGrpSpPr/>
+              <p:nvPr/>
+            </p:nvGrpSpPr>
+            <p:grpSpPr>
+              <a:xfrm>
+                <a:off x="5001848" y="1646232"/>
+                <a:ext cx="2453110" cy="2583693"/>
+                <a:chOff x="5001848" y="1716570"/>
+                <a:chExt cx="2453110" cy="2583693"/>
+              </a:xfrm>
+            </p:grpSpPr>
+            <p:sp>
+              <p:nvSpPr>
+                <p:cNvPr id="124" name="椭圆 123"/>
+                <p:cNvSpPr/>
+                <p:nvPr/>
+              </p:nvSpPr>
+              <p:spPr>
+                <a:xfrm rot="197558">
+                  <a:off x="5001848" y="1716570"/>
+                  <a:ext cx="2453110" cy="2453110"/>
+                </a:xfrm>
+                <a:prstGeom prst="ellipse">
+                  <a:avLst/>
+                </a:prstGeom>
+                <a:solidFill>
+                  <a:srgbClr val="00B050"/>
+                </a:solidFill>
+                <a:ln w="25400" cap="flat" cmpd="sng" algn="ctr">
+                  <a:noFill/>
+                  <a:prstDash val="solid"/>
+                </a:ln>
+                <a:effectLst/>
+              </p:spPr>
+              <p:txBody>
+                <a:bodyPr rtlCol="0" anchor="ctr"/>
+                <a:lstStyle/>
+                <a:p>
+                  <a:pPr marL="0" marR="0" lvl="0" indent="0" algn="ctr" defTabSz="914400" eaLnBrk="1" fontAlgn="auto" latinLnBrk="0" hangingPunct="1">
+                    <a:lnSpc>
+                      <a:spcPct val="100000"/>
+                    </a:lnSpc>
+                    <a:spcBef>
+                      <a:spcPts val="0"/>
+                    </a:spcBef>
+                    <a:spcAft>
+                      <a:spcPts val="0"/>
+                    </a:spcAft>
+                    <a:buClrTx/>
+                    <a:buSzTx/>
+                    <a:buFontTx/>
+                    <a:buNone/>
+                    <a:tabLst/>
+                    <a:defRPr/>
+                  </a:pPr>
+                  <a:endParaRPr kumimoji="0" lang="en-US" sz="1800" b="0" i="0" u="none" strike="noStrike" kern="0" cap="none" spc="0" normalizeH="0" baseline="0" noProof="0">
+                    <a:ln>
+                      <a:noFill/>
+                    </a:ln>
+                    <a:solidFill>
+                      <a:sysClr val="window" lastClr="FFFFFF"/>
+                    </a:solidFill>
+                    <a:effectLst/>
+                    <a:uLnTx/>
+                    <a:uFillTx/>
+                    <a:latin typeface="Calibri"/>
+                    <a:ea typeface="+mn-ea"/>
+                    <a:cs typeface="+mn-cs"/>
+                  </a:endParaRPr>
+                </a:p>
+              </p:txBody>
+            </p:sp>
+            <p:sp>
+              <p:nvSpPr>
+                <p:cNvPr id="125" name="椭圆 20"/>
+                <p:cNvSpPr/>
+                <p:nvPr/>
+              </p:nvSpPr>
+              <p:spPr>
+                <a:xfrm rot="3681412">
+                  <a:off x="4613722" y="2431503"/>
+                  <a:ext cx="2440604" cy="1296915"/>
+                </a:xfrm>
+                <a:custGeom>
+                  <a:avLst/>
+                  <a:gdLst/>
+                  <a:ahLst/>
+                  <a:cxnLst/>
+                  <a:rect l="l" t="t" r="r" b="b"/>
+                  <a:pathLst>
+                    <a:path w="2440603" h="1296915">
+                      <a:moveTo>
+                        <a:pt x="0" y="227448"/>
+                      </a:moveTo>
+                      <a:cubicBezTo>
+                        <a:pt x="25678" y="293739"/>
+                        <a:pt x="58916" y="357865"/>
+                        <a:pt x="98728" y="419543"/>
+                      </a:cubicBezTo>
+                      <a:cubicBezTo>
+                        <a:pt x="465376" y="987560"/>
+                        <a:pt x="1250831" y="1132882"/>
+                        <a:pt x="1853093" y="744130"/>
+                      </a:cubicBezTo>
+                      <a:cubicBezTo>
+                        <a:pt x="2136008" y="561511"/>
+                        <a:pt x="2328171" y="293524"/>
+                        <a:pt x="2413029" y="1382"/>
+                      </a:cubicBezTo>
+                      <a:lnTo>
+                        <a:pt x="2437050" y="0"/>
+                      </a:lnTo>
+                      <a:cubicBezTo>
+                        <a:pt x="2439934" y="23226"/>
+                        <a:pt x="2440603" y="46715"/>
+                        <a:pt x="2440603" y="70360"/>
+                      </a:cubicBezTo>
+                      <a:cubicBezTo>
+                        <a:pt x="2440603" y="747768"/>
+                        <a:pt x="1891456" y="1296915"/>
+                        <a:pt x="1214048" y="1296915"/>
+                      </a:cubicBezTo>
+                      <a:cubicBezTo>
+                        <a:pt x="589939" y="1296915"/>
+                        <a:pt x="74701" y="830783"/>
+                        <a:pt x="0" y="227448"/>
+                      </a:cubicBezTo>
+                      <a:close/>
+                    </a:path>
+                  </a:pathLst>
+                </a:custGeom>
+                <a:solidFill>
+                  <a:srgbClr val="FFFFFF">
+                    <a:alpha val="9020"/>
+                  </a:srgbClr>
+                </a:solidFill>
+                <a:ln w="25400" cap="flat" cmpd="sng" algn="ctr">
+                  <a:noFill/>
+                  <a:prstDash val="solid"/>
+                </a:ln>
+                <a:effectLst/>
+              </p:spPr>
+              <p:txBody>
+                <a:bodyPr rtlCol="0" anchor="ctr"/>
+                <a:lstStyle/>
+                <a:p>
+                  <a:pPr marL="0" marR="0" lvl="0" indent="0" algn="ctr" defTabSz="914400" eaLnBrk="1" fontAlgn="auto" latinLnBrk="0" hangingPunct="1">
+                    <a:lnSpc>
+                      <a:spcPct val="100000"/>
+                    </a:lnSpc>
+                    <a:spcBef>
+                      <a:spcPts val="0"/>
+                    </a:spcBef>
+                    <a:spcAft>
+                      <a:spcPts val="0"/>
+                    </a:spcAft>
+                    <a:buClrTx/>
+                    <a:buSzTx/>
+                    <a:buFontTx/>
+                    <a:buNone/>
+                    <a:tabLst/>
+                    <a:defRPr/>
+                  </a:pPr>
+                  <a:endParaRPr kumimoji="0" lang="en-US" sz="1800" b="0" i="0" u="none" strike="noStrike" kern="0" cap="none" spc="0" normalizeH="0" baseline="0" noProof="0">
+                    <a:ln>
+                      <a:noFill/>
+                    </a:ln>
+                    <a:solidFill>
+                      <a:sysClr val="window" lastClr="FFFFFF"/>
+                    </a:solidFill>
+                    <a:effectLst/>
+                    <a:uLnTx/>
+                    <a:uFillTx/>
+                    <a:latin typeface="Calibri"/>
+                    <a:ea typeface="+mn-ea"/>
+                    <a:cs typeface="+mn-cs"/>
+                  </a:endParaRPr>
+                </a:p>
+              </p:txBody>
+            </p:sp>
+          </p:grpSp>
           <p:sp>
             <p:nvSpPr>
-              <p:cNvPr id="113" name="椭圆 112"/>
+              <p:cNvPr id="126" name="TextBox 125"/>
+              <p:cNvSpPr txBox="1"/>
+              <p:nvPr/>
+            </p:nvSpPr>
+            <p:spPr>
+              <a:xfrm>
+                <a:off x="5187647" y="2432920"/>
+                <a:ext cx="2232249" cy="717318"/>
+              </a:xfrm>
+              <a:prstGeom prst="rect">
+                <a:avLst/>
+              </a:prstGeom>
+              <a:noFill/>
+            </p:spPr>
+            <p:txBody>
+              <a:bodyPr wrap="square" rtlCol="0">
+                <a:spAutoFit/>
+              </a:bodyPr>
+              <a:lstStyle>
+                <a:defPPr>
+                  <a:defRPr lang="en-US"/>
+                </a:defPPr>
+                <a:lvl1pPr>
+                  <a:lnSpc>
+                    <a:spcPct val="130000"/>
+                  </a:lnSpc>
+                  <a:defRPr sz="5400" b="1">
+                    <a:solidFill>
+                      <a:schemeClr val="tx1">
+                        <a:lumMod val="65000"/>
+                        <a:lumOff val="35000"/>
+                      </a:schemeClr>
+                    </a:solidFill>
+                    <a:latin typeface="Agency FB" pitchFamily="34" charset="0"/>
+                    <a:ea typeface="微软雅黑" pitchFamily="34" charset="-122"/>
+                    <a:cs typeface="Calibri" pitchFamily="34" charset="0"/>
+                  </a:defRPr>
+                </a:lvl1pPr>
+              </a:lstStyle>
+              <a:p>
+                <a:pPr marL="0" marR="0" lvl="0" indent="0" algn="ctr" defTabSz="914400" eaLnBrk="1" fontAlgn="auto" latinLnBrk="0" hangingPunct="1">
+                  <a:lnSpc>
+                    <a:spcPct val="100000"/>
+                  </a:lnSpc>
+                  <a:spcBef>
+                    <a:spcPts val="0"/>
+                  </a:spcBef>
+                  <a:spcAft>
+                    <a:spcPts val="0"/>
+                  </a:spcAft>
+                  <a:buClrTx/>
+                  <a:buSzTx/>
+                  <a:buFontTx/>
+                  <a:buNone/>
+                  <a:tabLst/>
+                  <a:defRPr/>
+                </a:pPr>
+                <a:r>
+                  <a:rPr kumimoji="0" lang="zh-CN" altLang="en-US" sz="2000" b="1" i="0" u="none" strike="noStrike" kern="0" cap="none" spc="0" normalizeH="0" baseline="0" noProof="0" dirty="0" smtClean="0">
+                    <a:ln>
+                      <a:solidFill>
+                        <a:srgbClr val="FFC000"/>
+                      </a:solidFill>
+                    </a:ln>
+                    <a:solidFill>
+                      <a:sysClr val="window" lastClr="FFFFFF"/>
+                    </a:solidFill>
+                    <a:effectLst>
+                      <a:innerShdw blurRad="114300" dist="50800" dir="16200000">
+                        <a:srgbClr val="604900"/>
+                      </a:innerShdw>
+                    </a:effectLst>
+                    <a:uLnTx/>
+                    <a:uFillTx/>
+                    <a:latin typeface="Adidas Unity" pitchFamily="2" charset="0"/>
+                    <a:ea typeface="微软雅黑" pitchFamily="34" charset="-122"/>
+                    <a:cs typeface="Calibri" pitchFamily="34" charset="0"/>
+                  </a:rPr>
+                  <a:t>消息中心</a:t>
+                </a:r>
+                <a:endParaRPr kumimoji="0" lang="zh-CN" altLang="en-US" sz="2000" b="1" i="0" u="none" strike="noStrike" kern="0" cap="none" spc="0" normalizeH="0" baseline="0" noProof="0" dirty="0">
+                  <a:ln>
+                    <a:solidFill>
+                      <a:srgbClr val="FFC000"/>
+                    </a:solidFill>
+                  </a:ln>
+                  <a:solidFill>
+                    <a:sysClr val="window" lastClr="FFFFFF"/>
+                  </a:solidFill>
+                  <a:effectLst>
+                    <a:innerShdw blurRad="114300" dist="50800" dir="16200000">
+                      <a:srgbClr val="604900"/>
+                    </a:innerShdw>
+                  </a:effectLst>
+                  <a:uLnTx/>
+                  <a:uFillTx/>
+                  <a:latin typeface="Adidas Unity" pitchFamily="2" charset="0"/>
+                  <a:ea typeface="微软雅黑" pitchFamily="34" charset="-122"/>
+                  <a:cs typeface="Calibri" pitchFamily="34" charset="0"/>
+                </a:endParaRPr>
+              </a:p>
+            </p:txBody>
+          </p:sp>
+          <p:grpSp>
+            <p:nvGrpSpPr>
+              <p:cNvPr id="127" name="组合 126"/>
+              <p:cNvGrpSpPr/>
+              <p:nvPr/>
+            </p:nvGrpSpPr>
+            <p:grpSpPr>
+              <a:xfrm rot="15139589">
+                <a:off x="1902221" y="2341227"/>
+                <a:ext cx="1215386" cy="1214514"/>
+                <a:chOff x="4031640" y="1996273"/>
+                <a:chExt cx="2968435" cy="2966307"/>
+              </a:xfrm>
+            </p:grpSpPr>
+            <p:sp>
+              <p:nvSpPr>
+                <p:cNvPr id="128" name="椭圆 127"/>
+                <p:cNvSpPr/>
+                <p:nvPr/>
+              </p:nvSpPr>
+              <p:spPr>
+                <a:xfrm rot="197558">
+                  <a:off x="4031640" y="2438679"/>
+                  <a:ext cx="2968435" cy="2523901"/>
+                </a:xfrm>
+                <a:prstGeom prst="ellipse">
+                  <a:avLst/>
+                </a:prstGeom>
+                <a:gradFill flip="none" rotWithShape="1">
+                  <a:gsLst>
+                    <a:gs pos="52000">
+                      <a:srgbClr val="705500"/>
+                    </a:gs>
+                    <a:gs pos="100000">
+                      <a:sysClr val="windowText" lastClr="000000">
+                        <a:lumMod val="50000"/>
+                        <a:lumOff val="50000"/>
+                        <a:shade val="67500"/>
+                        <a:satMod val="115000"/>
+                        <a:alpha val="0"/>
+                      </a:sysClr>
+                    </a:gs>
+                    <a:gs pos="68000">
+                      <a:sysClr val="windowText" lastClr="000000">
+                        <a:lumMod val="50000"/>
+                        <a:lumOff val="50000"/>
+                        <a:shade val="100000"/>
+                        <a:satMod val="115000"/>
+                        <a:alpha val="0"/>
+                      </a:sysClr>
+                    </a:gs>
+                  </a:gsLst>
+                  <a:path path="circle">
+                    <a:fillToRect l="50000" t="50000" r="50000" b="50000"/>
+                  </a:path>
+                  <a:tileRect/>
+                </a:gradFill>
+                <a:ln w="25400" cap="flat" cmpd="sng" algn="ctr">
+                  <a:noFill/>
+                  <a:prstDash val="solid"/>
+                </a:ln>
+                <a:effectLst/>
+              </p:spPr>
+              <p:txBody>
+                <a:bodyPr rtlCol="0" anchor="ctr"/>
+                <a:lstStyle/>
+                <a:p>
+                  <a:pPr marL="0" marR="0" lvl="0" indent="0" algn="ctr" defTabSz="914400" eaLnBrk="1" fontAlgn="auto" latinLnBrk="0" hangingPunct="1">
+                    <a:lnSpc>
+                      <a:spcPct val="100000"/>
+                    </a:lnSpc>
+                    <a:spcBef>
+                      <a:spcPts val="0"/>
+                    </a:spcBef>
+                    <a:spcAft>
+                      <a:spcPts val="0"/>
+                    </a:spcAft>
+                    <a:buClrTx/>
+                    <a:buSzTx/>
+                    <a:buFontTx/>
+                    <a:buNone/>
+                    <a:tabLst/>
+                    <a:defRPr/>
+                  </a:pPr>
+                  <a:endParaRPr kumimoji="0" lang="en-US" sz="1800" b="0" i="0" u="none" strike="noStrike" kern="0" cap="none" spc="0" normalizeH="0" baseline="0" noProof="0">
+                    <a:ln>
+                      <a:noFill/>
+                    </a:ln>
+                    <a:solidFill>
+                      <a:sysClr val="window" lastClr="FFFFFF"/>
+                    </a:solidFill>
+                    <a:effectLst/>
+                    <a:uLnTx/>
+                    <a:uFillTx/>
+                    <a:latin typeface="Calibri"/>
+                    <a:ea typeface="+mn-ea"/>
+                    <a:cs typeface="+mn-cs"/>
+                  </a:endParaRPr>
+                </a:p>
+              </p:txBody>
+            </p:sp>
+            <p:sp>
+              <p:nvSpPr>
+                <p:cNvPr id="129" name="椭圆 128"/>
+                <p:cNvSpPr/>
+                <p:nvPr/>
+              </p:nvSpPr>
+              <p:spPr>
+                <a:xfrm rot="197558">
+                  <a:off x="4528317" y="2357216"/>
+                  <a:ext cx="2453121" cy="2453105"/>
+                </a:xfrm>
+                <a:prstGeom prst="ellipse">
+                  <a:avLst/>
+                </a:prstGeom>
+                <a:ln/>
+              </p:spPr>
+              <p:style>
+                <a:lnRef idx="2">
+                  <a:schemeClr val="accent2"/>
+                </a:lnRef>
+                <a:fillRef idx="1">
+                  <a:schemeClr val="lt1"/>
+                </a:fillRef>
+                <a:effectRef idx="0">
+                  <a:schemeClr val="accent2"/>
+                </a:effectRef>
+                <a:fontRef idx="minor">
+                  <a:schemeClr val="dk1"/>
+                </a:fontRef>
+              </p:style>
+              <p:txBody>
+                <a:bodyPr rtlCol="0" anchor="ctr"/>
+                <a:lstStyle/>
+                <a:p>
+                  <a:pPr marL="0" marR="0" lvl="0" indent="0" algn="ctr" defTabSz="914400" eaLnBrk="1" fontAlgn="auto" latinLnBrk="0" hangingPunct="1">
+                    <a:lnSpc>
+                      <a:spcPct val="100000"/>
+                    </a:lnSpc>
+                    <a:spcBef>
+                      <a:spcPts val="0"/>
+                    </a:spcBef>
+                    <a:spcAft>
+                      <a:spcPts val="0"/>
+                    </a:spcAft>
+                    <a:buClrTx/>
+                    <a:buSzTx/>
+                    <a:buFontTx/>
+                    <a:buNone/>
+                    <a:tabLst/>
+                    <a:defRPr/>
+                  </a:pPr>
+                  <a:endParaRPr kumimoji="0" lang="en-US" sz="1800" b="0" i="0" u="none" strike="noStrike" kern="0" cap="none" spc="0" normalizeH="0" baseline="0" noProof="0">
+                    <a:ln>
+                      <a:noFill/>
+                    </a:ln>
+                    <a:solidFill>
+                      <a:schemeClr val="bg1"/>
+                    </a:solidFill>
+                    <a:effectLst/>
+                    <a:uLnTx/>
+                    <a:uFillTx/>
+                    <a:latin typeface="Calibri"/>
+                    <a:ea typeface="+mn-ea"/>
+                    <a:cs typeface="+mn-cs"/>
+                  </a:endParaRPr>
+                </a:p>
+              </p:txBody>
+            </p:sp>
+            <p:sp>
+              <p:nvSpPr>
+                <p:cNvPr id="130" name="椭圆 20"/>
+                <p:cNvSpPr/>
+                <p:nvPr/>
+              </p:nvSpPr>
+              <p:spPr>
+                <a:xfrm rot="3681412">
+                  <a:off x="4500236" y="2568117"/>
+                  <a:ext cx="2440603" cy="1296915"/>
+                </a:xfrm>
+                <a:custGeom>
+                  <a:avLst/>
+                  <a:gdLst/>
+                  <a:ahLst/>
+                  <a:cxnLst/>
+                  <a:rect l="l" t="t" r="r" b="b"/>
+                  <a:pathLst>
+                    <a:path w="2440603" h="1296915">
+                      <a:moveTo>
+                        <a:pt x="0" y="227448"/>
+                      </a:moveTo>
+                      <a:cubicBezTo>
+                        <a:pt x="25678" y="293739"/>
+                        <a:pt x="58916" y="357865"/>
+                        <a:pt x="98728" y="419543"/>
+                      </a:cubicBezTo>
+                      <a:cubicBezTo>
+                        <a:pt x="465376" y="987560"/>
+                        <a:pt x="1250831" y="1132882"/>
+                        <a:pt x="1853093" y="744130"/>
+                      </a:cubicBezTo>
+                      <a:cubicBezTo>
+                        <a:pt x="2136008" y="561511"/>
+                        <a:pt x="2328171" y="293524"/>
+                        <a:pt x="2413029" y="1382"/>
+                      </a:cubicBezTo>
+                      <a:lnTo>
+                        <a:pt x="2437050" y="0"/>
+                      </a:lnTo>
+                      <a:cubicBezTo>
+                        <a:pt x="2439934" y="23226"/>
+                        <a:pt x="2440603" y="46715"/>
+                        <a:pt x="2440603" y="70360"/>
+                      </a:cubicBezTo>
+                      <a:cubicBezTo>
+                        <a:pt x="2440603" y="747768"/>
+                        <a:pt x="1891456" y="1296915"/>
+                        <a:pt x="1214048" y="1296915"/>
+                      </a:cubicBezTo>
+                      <a:cubicBezTo>
+                        <a:pt x="589939" y="1296915"/>
+                        <a:pt x="74701" y="830783"/>
+                        <a:pt x="0" y="227448"/>
+                      </a:cubicBezTo>
+                      <a:close/>
+                    </a:path>
+                  </a:pathLst>
+                </a:custGeom>
+                <a:solidFill>
+                  <a:srgbClr val="FFFFFF">
+                    <a:alpha val="9020"/>
+                  </a:srgbClr>
+                </a:solidFill>
+                <a:ln w="25400" cap="flat" cmpd="sng" algn="ctr">
+                  <a:noFill/>
+                  <a:prstDash val="solid"/>
+                </a:ln>
+                <a:effectLst/>
+              </p:spPr>
+              <p:txBody>
+                <a:bodyPr rtlCol="0" anchor="ctr"/>
+                <a:lstStyle/>
+                <a:p>
+                  <a:pPr marL="0" marR="0" lvl="0" indent="0" algn="ctr" defTabSz="914400" eaLnBrk="1" fontAlgn="auto" latinLnBrk="0" hangingPunct="1">
+                    <a:lnSpc>
+                      <a:spcPct val="100000"/>
+                    </a:lnSpc>
+                    <a:spcBef>
+                      <a:spcPts val="0"/>
+                    </a:spcBef>
+                    <a:spcAft>
+                      <a:spcPts val="0"/>
+                    </a:spcAft>
+                    <a:buClrTx/>
+                    <a:buSzTx/>
+                    <a:buFontTx/>
+                    <a:buNone/>
+                    <a:tabLst/>
+                    <a:defRPr/>
+                  </a:pPr>
+                  <a:endParaRPr kumimoji="0" lang="en-US" sz="1600" b="0" i="0" u="none" strike="noStrike" kern="0" cap="none" spc="0" normalizeH="0" baseline="0" noProof="0" dirty="0">
+                    <a:ln>
+                      <a:noFill/>
+                    </a:ln>
+                    <a:solidFill>
+                      <a:sysClr val="window" lastClr="FFFFFF"/>
+                    </a:solidFill>
+                    <a:effectLst/>
+                    <a:uLnTx/>
+                    <a:uFillTx/>
+                    <a:latin typeface="Calibri"/>
+                    <a:ea typeface="+mn-ea"/>
+                    <a:cs typeface="+mn-cs"/>
+                  </a:endParaRPr>
+                </a:p>
+              </p:txBody>
+            </p:sp>
+          </p:grpSp>
+          <p:grpSp>
+            <p:nvGrpSpPr>
+              <p:cNvPr id="139" name="组合 138"/>
+              <p:cNvGrpSpPr/>
+              <p:nvPr/>
+            </p:nvGrpSpPr>
+            <p:grpSpPr>
+              <a:xfrm rot="14149206">
+                <a:off x="2391821" y="4441012"/>
+                <a:ext cx="1215386" cy="1113790"/>
+                <a:chOff x="4629871" y="1716570"/>
+                <a:chExt cx="2968442" cy="2720306"/>
+              </a:xfrm>
+            </p:grpSpPr>
+            <p:sp>
+              <p:nvSpPr>
+                <p:cNvPr id="140" name="椭圆 139"/>
+                <p:cNvSpPr/>
+                <p:nvPr/>
+              </p:nvSpPr>
+              <p:spPr>
+                <a:xfrm rot="197558">
+                  <a:off x="4629871" y="1830047"/>
+                  <a:ext cx="2968442" cy="2523901"/>
+                </a:xfrm>
+                <a:prstGeom prst="ellipse">
+                  <a:avLst/>
+                </a:prstGeom>
+                <a:gradFill flip="none" rotWithShape="1">
+                  <a:gsLst>
+                    <a:gs pos="52000">
+                      <a:srgbClr val="705500"/>
+                    </a:gs>
+                    <a:gs pos="100000">
+                      <a:sysClr val="windowText" lastClr="000000">
+                        <a:lumMod val="50000"/>
+                        <a:lumOff val="50000"/>
+                        <a:shade val="67500"/>
+                        <a:satMod val="115000"/>
+                        <a:alpha val="0"/>
+                      </a:sysClr>
+                    </a:gs>
+                    <a:gs pos="68000">
+                      <a:sysClr val="windowText" lastClr="000000">
+                        <a:lumMod val="50000"/>
+                        <a:lumOff val="50000"/>
+                        <a:shade val="100000"/>
+                        <a:satMod val="115000"/>
+                        <a:alpha val="0"/>
+                      </a:sysClr>
+                    </a:gs>
+                  </a:gsLst>
+                  <a:path path="circle">
+                    <a:fillToRect l="50000" t="50000" r="50000" b="50000"/>
+                  </a:path>
+                  <a:tileRect/>
+                </a:gradFill>
+                <a:ln w="25400" cap="flat" cmpd="sng" algn="ctr">
+                  <a:noFill/>
+                  <a:prstDash val="solid"/>
+                </a:ln>
+                <a:effectLst/>
+              </p:spPr>
+              <p:txBody>
+                <a:bodyPr rtlCol="0" anchor="ctr"/>
+                <a:lstStyle/>
+                <a:p>
+                  <a:pPr marL="0" marR="0" lvl="0" indent="0" algn="ctr" defTabSz="914400" eaLnBrk="1" fontAlgn="auto" latinLnBrk="0" hangingPunct="1">
+                    <a:lnSpc>
+                      <a:spcPct val="100000"/>
+                    </a:lnSpc>
+                    <a:spcBef>
+                      <a:spcPts val="0"/>
+                    </a:spcBef>
+                    <a:spcAft>
+                      <a:spcPts val="0"/>
+                    </a:spcAft>
+                    <a:buClrTx/>
+                    <a:buSzTx/>
+                    <a:buFontTx/>
+                    <a:buNone/>
+                    <a:tabLst/>
+                    <a:defRPr/>
+                  </a:pPr>
+                  <a:endParaRPr kumimoji="0" lang="en-US" sz="1800" b="0" i="0" u="none" strike="noStrike" kern="0" cap="none" spc="0" normalizeH="0" baseline="0" noProof="0">
+                    <a:ln>
+                      <a:noFill/>
+                    </a:ln>
+                    <a:solidFill>
+                      <a:sysClr val="window" lastClr="FFFFFF"/>
+                    </a:solidFill>
+                    <a:effectLst/>
+                    <a:uLnTx/>
+                    <a:uFillTx/>
+                    <a:latin typeface="Calibri"/>
+                    <a:ea typeface="+mn-ea"/>
+                    <a:cs typeface="+mn-cs"/>
+                  </a:endParaRPr>
+                </a:p>
+              </p:txBody>
+            </p:sp>
+            <p:sp>
+              <p:nvSpPr>
+                <p:cNvPr id="141" name="椭圆 140"/>
+                <p:cNvSpPr/>
+                <p:nvPr/>
+              </p:nvSpPr>
+              <p:spPr>
+                <a:xfrm rot="197558">
+                  <a:off x="5001848" y="1716570"/>
+                  <a:ext cx="2453110" cy="2453110"/>
+                </a:xfrm>
+                <a:prstGeom prst="ellipse">
+                  <a:avLst/>
+                </a:prstGeom>
+                <a:ln/>
+              </p:spPr>
+              <p:style>
+                <a:lnRef idx="2">
+                  <a:schemeClr val="accent4"/>
+                </a:lnRef>
+                <a:fillRef idx="1">
+                  <a:schemeClr val="lt1"/>
+                </a:fillRef>
+                <a:effectRef idx="0">
+                  <a:schemeClr val="accent4"/>
+                </a:effectRef>
+                <a:fontRef idx="minor">
+                  <a:schemeClr val="dk1"/>
+                </a:fontRef>
+              </p:style>
+              <p:txBody>
+                <a:bodyPr rtlCol="0" anchor="ctr"/>
+                <a:lstStyle/>
+                <a:p>
+                  <a:pPr marL="0" marR="0" lvl="0" indent="0" algn="ctr" defTabSz="914400" eaLnBrk="1" fontAlgn="auto" latinLnBrk="0" hangingPunct="1">
+                    <a:lnSpc>
+                      <a:spcPct val="100000"/>
+                    </a:lnSpc>
+                    <a:spcBef>
+                      <a:spcPts val="0"/>
+                    </a:spcBef>
+                    <a:spcAft>
+                      <a:spcPts val="0"/>
+                    </a:spcAft>
+                    <a:buClrTx/>
+                    <a:buSzTx/>
+                    <a:buFontTx/>
+                    <a:buNone/>
+                    <a:tabLst/>
+                    <a:defRPr/>
+                  </a:pPr>
+                  <a:endParaRPr kumimoji="0" lang="en-US" sz="1400" b="0" i="0" u="none" strike="noStrike" kern="0" cap="none" spc="0" normalizeH="0" baseline="0" noProof="0" dirty="0">
+                    <a:ln>
+                      <a:noFill/>
+                    </a:ln>
+                    <a:solidFill>
+                      <a:sysClr val="window" lastClr="FFFFFF"/>
+                    </a:solidFill>
+                    <a:effectLst/>
+                    <a:uLnTx/>
+                    <a:uFillTx/>
+                    <a:latin typeface="Calibri"/>
+                    <a:ea typeface="+mn-ea"/>
+                    <a:cs typeface="+mn-cs"/>
+                  </a:endParaRPr>
+                </a:p>
+              </p:txBody>
+            </p:sp>
+            <p:sp>
+              <p:nvSpPr>
+                <p:cNvPr id="142" name="椭圆 20"/>
+                <p:cNvSpPr/>
+                <p:nvPr/>
+              </p:nvSpPr>
+              <p:spPr>
+                <a:xfrm rot="3681412">
+                  <a:off x="4500236" y="2568117"/>
+                  <a:ext cx="2440603" cy="1296915"/>
+                </a:xfrm>
+                <a:custGeom>
+                  <a:avLst/>
+                  <a:gdLst/>
+                  <a:ahLst/>
+                  <a:cxnLst/>
+                  <a:rect l="l" t="t" r="r" b="b"/>
+                  <a:pathLst>
+                    <a:path w="2440603" h="1296915">
+                      <a:moveTo>
+                        <a:pt x="0" y="227448"/>
+                      </a:moveTo>
+                      <a:cubicBezTo>
+                        <a:pt x="25678" y="293739"/>
+                        <a:pt x="58916" y="357865"/>
+                        <a:pt x="98728" y="419543"/>
+                      </a:cubicBezTo>
+                      <a:cubicBezTo>
+                        <a:pt x="465376" y="987560"/>
+                        <a:pt x="1250831" y="1132882"/>
+                        <a:pt x="1853093" y="744130"/>
+                      </a:cubicBezTo>
+                      <a:cubicBezTo>
+                        <a:pt x="2136008" y="561511"/>
+                        <a:pt x="2328171" y="293524"/>
+                        <a:pt x="2413029" y="1382"/>
+                      </a:cubicBezTo>
+                      <a:lnTo>
+                        <a:pt x="2437050" y="0"/>
+                      </a:lnTo>
+                      <a:cubicBezTo>
+                        <a:pt x="2439934" y="23226"/>
+                        <a:pt x="2440603" y="46715"/>
+                        <a:pt x="2440603" y="70360"/>
+                      </a:cubicBezTo>
+                      <a:cubicBezTo>
+                        <a:pt x="2440603" y="747768"/>
+                        <a:pt x="1891456" y="1296915"/>
+                        <a:pt x="1214048" y="1296915"/>
+                      </a:cubicBezTo>
+                      <a:cubicBezTo>
+                        <a:pt x="589939" y="1296915"/>
+                        <a:pt x="74701" y="830783"/>
+                        <a:pt x="0" y="227448"/>
+                      </a:cubicBezTo>
+                      <a:close/>
+                    </a:path>
+                  </a:pathLst>
+                </a:custGeom>
+                <a:solidFill>
+                  <a:srgbClr val="FFFFFF">
+                    <a:alpha val="9020"/>
+                  </a:srgbClr>
+                </a:solidFill>
+                <a:ln w="25400" cap="flat" cmpd="sng" algn="ctr">
+                  <a:noFill/>
+                  <a:prstDash val="solid"/>
+                </a:ln>
+                <a:effectLst/>
+              </p:spPr>
+              <p:txBody>
+                <a:bodyPr rtlCol="0" anchor="ctr"/>
+                <a:lstStyle/>
+                <a:p>
+                  <a:pPr marL="0" marR="0" lvl="0" indent="0" algn="ctr" defTabSz="914400" eaLnBrk="1" fontAlgn="auto" latinLnBrk="0" hangingPunct="1">
+                    <a:lnSpc>
+                      <a:spcPct val="100000"/>
+                    </a:lnSpc>
+                    <a:spcBef>
+                      <a:spcPts val="0"/>
+                    </a:spcBef>
+                    <a:spcAft>
+                      <a:spcPts val="0"/>
+                    </a:spcAft>
+                    <a:buClrTx/>
+                    <a:buSzTx/>
+                    <a:buFontTx/>
+                    <a:buNone/>
+                    <a:tabLst/>
+                    <a:defRPr/>
+                  </a:pPr>
+                  <a:endParaRPr kumimoji="0" lang="en-US" sz="1800" b="0" i="0" u="none" strike="noStrike" kern="0" cap="none" spc="0" normalizeH="0" baseline="0" noProof="0">
+                    <a:ln>
+                      <a:noFill/>
+                    </a:ln>
+                    <a:solidFill>
+                      <a:sysClr val="window" lastClr="FFFFFF"/>
+                    </a:solidFill>
+                    <a:effectLst/>
+                    <a:uLnTx/>
+                    <a:uFillTx/>
+                    <a:latin typeface="Calibri"/>
+                    <a:ea typeface="+mn-ea"/>
+                    <a:cs typeface="+mn-cs"/>
+                  </a:endParaRPr>
+                </a:p>
+              </p:txBody>
+            </p:sp>
+          </p:grpSp>
+          <p:sp>
+            <p:nvSpPr>
+              <p:cNvPr id="145" name="椭圆 144"/>
               <p:cNvSpPr/>
               <p:nvPr/>
             </p:nvSpPr>
             <p:spPr>
-              <a:xfrm rot="197558">
-                <a:off x="4629871" y="1830047"/>
-                <a:ext cx="2968442" cy="2523901"/>
+              <a:xfrm>
+                <a:off x="4795049" y="1456600"/>
+                <a:ext cx="2843079" cy="2843079"/>
               </a:xfrm>
               <a:prstGeom prst="ellipse">
                 <a:avLst/>
               </a:prstGeom>
-              <a:gradFill flip="none" rotWithShape="1">
-                <a:gsLst>
-                  <a:gs pos="52000">
-                    <a:srgbClr val="705500"/>
-                  </a:gs>
-                  <a:gs pos="100000">
-                    <a:sysClr val="windowText" lastClr="000000">
-                      <a:lumMod val="50000"/>
-                      <a:lumOff val="50000"/>
-                      <a:shade val="67500"/>
-                      <a:satMod val="115000"/>
-                      <a:alpha val="0"/>
-                    </a:sysClr>
-                  </a:gs>
-                  <a:gs pos="68000">
-                    <a:sysClr val="windowText" lastClr="000000">
-                      <a:lumMod val="50000"/>
-                      <a:lumOff val="50000"/>
-                      <a:shade val="100000"/>
-                      <a:satMod val="115000"/>
-                      <a:alpha val="0"/>
-                    </a:sysClr>
-                  </a:gs>
-                </a:gsLst>
-                <a:path path="circle">
-                  <a:fillToRect l="50000" t="50000" r="50000" b="50000"/>
-                </a:path>
-                <a:tileRect/>
-              </a:gradFill>
-              <a:ln w="25400" cap="flat" cmpd="sng" algn="ctr">
-                <a:noFill/>
-                <a:prstDash val="solid"/>
+              <a:noFill/>
+              <a:ln w="12700" cap="flat" cmpd="sng" algn="ctr">
+                <a:solidFill>
+                  <a:srgbClr val="966F00"/>
+                </a:solidFill>
+                <a:prstDash val="sysDash"/>
               </a:ln>
-              <a:effectLst/>
+              <a:effectLst>
+                <a:outerShdw dist="12700" dir="5400000" algn="t" rotWithShape="0">
+                  <a:sysClr val="window" lastClr="FFFFFF">
+                    <a:alpha val="83000"/>
+                  </a:sysClr>
+                </a:outerShdw>
+              </a:effectLst>
             </p:spPr>
             <p:txBody>
-              <a:bodyPr rtlCol="0" anchor="ctr"/>
+              <a:bodyPr rot="0" spcFirstLastPara="0" vertOverflow="overflow" horzOverflow="overflow" vert="horz" wrap="square" lIns="91440" tIns="45720" rIns="91440" bIns="45720" numCol="1" spcCol="0" rtlCol="0" fromWordArt="0" anchor="ctr" anchorCtr="0" forceAA="0" compatLnSpc="1">
+                <a:prstTxWarp prst="textNoShape">
+                  <a:avLst/>
+                </a:prstTxWarp>
+                <a:noAutofit/>
+              </a:bodyPr>
               <a:lstStyle/>
               <a:p>
                 <a:pPr marL="0" marR="0" lvl="0" indent="0" algn="ctr" defTabSz="914400" eaLnBrk="1" fontAlgn="auto" latinLnBrk="0" hangingPunct="1">
@@ -10549,846 +11838,7 @@
                     <a:noFill/>
                   </a:ln>
                   <a:solidFill>
-                    <a:sysClr val="window" lastClr="FFFFFF"/>
-                  </a:solidFill>
-                  <a:effectLst/>
-                  <a:uLnTx/>
-                  <a:uFillTx/>
-                  <a:latin typeface="Calibri"/>
-                  <a:ea typeface="+mn-ea"/>
-                  <a:cs typeface="+mn-cs"/>
-                </a:endParaRPr>
-              </a:p>
-            </p:txBody>
-          </p:sp>
-          <p:sp>
-            <p:nvSpPr>
-              <p:cNvPr id="114" name="椭圆 113"/>
-              <p:cNvSpPr/>
-              <p:nvPr/>
-            </p:nvSpPr>
-            <p:spPr>
-              <a:xfrm rot="197558">
-                <a:off x="5001859" y="1716569"/>
-                <a:ext cx="2453112" cy="2453101"/>
-              </a:xfrm>
-              <a:prstGeom prst="ellipse">
-                <a:avLst/>
-              </a:prstGeom>
-              <a:ln>
-                <a:solidFill>
-                  <a:schemeClr val="accent5"/>
-                </a:solidFill>
-              </a:ln>
-            </p:spPr>
-            <p:style>
-              <a:lnRef idx="2">
-                <a:schemeClr val="accent4"/>
-              </a:lnRef>
-              <a:fillRef idx="1">
-                <a:schemeClr val="lt1"/>
-              </a:fillRef>
-              <a:effectRef idx="0">
-                <a:schemeClr val="accent4"/>
-              </a:effectRef>
-              <a:fontRef idx="minor">
-                <a:schemeClr val="dk1"/>
-              </a:fontRef>
-            </p:style>
-            <p:txBody>
-              <a:bodyPr rtlCol="0" anchor="ctr"/>
-              <a:lstStyle/>
-              <a:p>
-                <a:pPr marL="0" marR="0" lvl="0" indent="0" algn="ctr" defTabSz="914400" eaLnBrk="1" fontAlgn="auto" latinLnBrk="0" hangingPunct="1">
-                  <a:lnSpc>
-                    <a:spcPct val="100000"/>
-                  </a:lnSpc>
-                  <a:spcBef>
-                    <a:spcPts val="0"/>
-                  </a:spcBef>
-                  <a:spcAft>
-                    <a:spcPts val="0"/>
-                  </a:spcAft>
-                  <a:buClrTx/>
-                  <a:buSzTx/>
-                  <a:buFontTx/>
-                  <a:buNone/>
-                  <a:tabLst/>
-                  <a:defRPr/>
-                </a:pPr>
-                <a:endParaRPr kumimoji="0" lang="en-US" sz="1800" b="0" i="0" u="none" strike="noStrike" kern="0" cap="none" spc="0" normalizeH="0" baseline="0" noProof="0" dirty="0">
-                  <a:ln>
-                    <a:noFill/>
-                  </a:ln>
-                  <a:solidFill>
-                    <a:sysClr val="window" lastClr="FFFFFF"/>
-                  </a:solidFill>
-                  <a:effectLst/>
-                  <a:uLnTx/>
-                  <a:uFillTx/>
-                  <a:latin typeface="Calibri"/>
-                  <a:ea typeface="+mn-ea"/>
-                  <a:cs typeface="+mn-cs"/>
-                </a:endParaRPr>
-              </a:p>
-            </p:txBody>
-          </p:sp>
-          <p:sp>
-            <p:nvSpPr>
-              <p:cNvPr id="115" name="椭圆 20"/>
-              <p:cNvSpPr/>
-              <p:nvPr/>
-            </p:nvSpPr>
-            <p:spPr>
-              <a:xfrm rot="3681412">
-                <a:off x="4500236" y="2568117"/>
-                <a:ext cx="2440603" cy="1296915"/>
-              </a:xfrm>
-              <a:custGeom>
-                <a:avLst/>
-                <a:gdLst/>
-                <a:ahLst/>
-                <a:cxnLst/>
-                <a:rect l="l" t="t" r="r" b="b"/>
-                <a:pathLst>
-                  <a:path w="2440603" h="1296915">
-                    <a:moveTo>
-                      <a:pt x="0" y="227448"/>
-                    </a:moveTo>
-                    <a:cubicBezTo>
-                      <a:pt x="25678" y="293739"/>
-                      <a:pt x="58916" y="357865"/>
-                      <a:pt x="98728" y="419543"/>
-                    </a:cubicBezTo>
-                    <a:cubicBezTo>
-                      <a:pt x="465376" y="987560"/>
-                      <a:pt x="1250831" y="1132882"/>
-                      <a:pt x="1853093" y="744130"/>
-                    </a:cubicBezTo>
-                    <a:cubicBezTo>
-                      <a:pt x="2136008" y="561511"/>
-                      <a:pt x="2328171" y="293524"/>
-                      <a:pt x="2413029" y="1382"/>
-                    </a:cubicBezTo>
-                    <a:lnTo>
-                      <a:pt x="2437050" y="0"/>
-                    </a:lnTo>
-                    <a:cubicBezTo>
-                      <a:pt x="2439934" y="23226"/>
-                      <a:pt x="2440603" y="46715"/>
-                      <a:pt x="2440603" y="70360"/>
-                    </a:cubicBezTo>
-                    <a:cubicBezTo>
-                      <a:pt x="2440603" y="747768"/>
-                      <a:pt x="1891456" y="1296915"/>
-                      <a:pt x="1214048" y="1296915"/>
-                    </a:cubicBezTo>
-                    <a:cubicBezTo>
-                      <a:pt x="589939" y="1296915"/>
-                      <a:pt x="74701" y="830783"/>
-                      <a:pt x="0" y="227448"/>
-                    </a:cubicBezTo>
-                    <a:close/>
-                  </a:path>
-                </a:pathLst>
-              </a:custGeom>
-              <a:solidFill>
-                <a:srgbClr val="FFFFFF">
-                  <a:alpha val="9020"/>
-                </a:srgbClr>
-              </a:solidFill>
-              <a:ln w="25400" cap="flat" cmpd="sng" algn="ctr">
-                <a:noFill/>
-                <a:prstDash val="solid"/>
-              </a:ln>
-              <a:effectLst/>
-            </p:spPr>
-            <p:txBody>
-              <a:bodyPr rtlCol="0" anchor="ctr"/>
-              <a:lstStyle/>
-              <a:p>
-                <a:pPr marL="0" marR="0" lvl="0" indent="0" algn="ctr" defTabSz="914400" eaLnBrk="1" fontAlgn="auto" latinLnBrk="0" hangingPunct="1">
-                  <a:lnSpc>
-                    <a:spcPct val="100000"/>
-                  </a:lnSpc>
-                  <a:spcBef>
-                    <a:spcPts val="0"/>
-                  </a:spcBef>
-                  <a:spcAft>
-                    <a:spcPts val="0"/>
-                  </a:spcAft>
-                  <a:buClrTx/>
-                  <a:buSzTx/>
-                  <a:buFontTx/>
-                  <a:buNone/>
-                  <a:tabLst/>
-                  <a:defRPr/>
-                </a:pPr>
-                <a:endParaRPr kumimoji="0" lang="en-US" sz="1800" b="0" i="0" u="none" strike="noStrike" kern="0" cap="none" spc="0" normalizeH="0" baseline="0" noProof="0">
-                  <a:ln>
-                    <a:noFill/>
-                  </a:ln>
-                  <a:solidFill>
-                    <a:sysClr val="window" lastClr="FFFFFF"/>
-                  </a:solidFill>
-                  <a:effectLst/>
-                  <a:uLnTx/>
-                  <a:uFillTx/>
-                  <a:latin typeface="Calibri"/>
-                  <a:ea typeface="+mn-ea"/>
-                  <a:cs typeface="+mn-cs"/>
-                </a:endParaRPr>
-              </a:p>
-            </p:txBody>
-          </p:sp>
-        </p:grpSp>
-        <p:cxnSp>
-          <p:nvCxnSpPr>
-            <p:cNvPr id="118" name="直接连接符 117"/>
-            <p:cNvCxnSpPr/>
-            <p:nvPr/>
-          </p:nvCxnSpPr>
-          <p:spPr>
-            <a:xfrm>
-              <a:off x="3923928" y="1258098"/>
-              <a:ext cx="1408625" cy="1030849"/>
-            </a:xfrm>
-            <a:prstGeom prst="line">
-              <a:avLst/>
-            </a:prstGeom>
-            <a:noFill/>
-            <a:ln w="12700" cap="flat" cmpd="sng" algn="ctr">
-              <a:solidFill>
-                <a:srgbClr val="966F00"/>
-              </a:solidFill>
-              <a:prstDash val="sysDash"/>
-            </a:ln>
-            <a:effectLst>
-              <a:outerShdw dist="12700" dir="5400000" algn="t" rotWithShape="0">
-                <a:sysClr val="window" lastClr="FFFFFF">
-                  <a:alpha val="83000"/>
-                </a:sysClr>
-              </a:outerShdw>
-            </a:effectLst>
-          </p:spPr>
-        </p:cxnSp>
-        <p:cxnSp>
-          <p:nvCxnSpPr>
-            <p:cNvPr id="119" name="直接连接符 118"/>
-            <p:cNvCxnSpPr>
-              <a:endCxn id="126" idx="1"/>
-            </p:cNvCxnSpPr>
-            <p:nvPr/>
-          </p:nvCxnSpPr>
-          <p:spPr>
-            <a:xfrm flipV="1">
-              <a:off x="2638103" y="2791579"/>
-              <a:ext cx="2549543" cy="115663"/>
-            </a:xfrm>
-            <a:prstGeom prst="line">
-              <a:avLst/>
-            </a:prstGeom>
-            <a:noFill/>
-            <a:ln w="12700" cap="flat" cmpd="sng" algn="ctr">
-              <a:solidFill>
-                <a:srgbClr val="966F00"/>
-              </a:solidFill>
-              <a:prstDash val="sysDash"/>
-            </a:ln>
-            <a:effectLst>
-              <a:outerShdw dist="12700" dir="5400000" algn="t" rotWithShape="0">
-                <a:sysClr val="window" lastClr="FFFFFF">
-                  <a:alpha val="83000"/>
-                </a:sysClr>
-              </a:outerShdw>
-            </a:effectLst>
-          </p:spPr>
-        </p:cxnSp>
-        <p:cxnSp>
-          <p:nvCxnSpPr>
-            <p:cNvPr id="120" name="直接连接符 119"/>
-            <p:cNvCxnSpPr/>
-            <p:nvPr/>
-          </p:nvCxnSpPr>
-          <p:spPr>
-            <a:xfrm flipV="1">
-              <a:off x="3275025" y="3549570"/>
-              <a:ext cx="2353649" cy="1224137"/>
-            </a:xfrm>
-            <a:prstGeom prst="line">
-              <a:avLst/>
-            </a:prstGeom>
-            <a:noFill/>
-            <a:ln w="12700" cap="flat" cmpd="sng" algn="ctr">
-              <a:solidFill>
-                <a:srgbClr val="966F00"/>
-              </a:solidFill>
-              <a:prstDash val="sysDash"/>
-            </a:ln>
-            <a:effectLst>
-              <a:outerShdw dist="12700" dir="5400000" algn="t" rotWithShape="0">
-                <a:sysClr val="window" lastClr="FFFFFF">
-                  <a:alpha val="83000"/>
-                </a:sysClr>
-              </a:outerShdw>
-            </a:effectLst>
-          </p:spPr>
-        </p:cxnSp>
-        <p:grpSp>
-          <p:nvGrpSpPr>
-            <p:cNvPr id="122" name="组合 121"/>
-            <p:cNvGrpSpPr/>
-            <p:nvPr/>
-          </p:nvGrpSpPr>
-          <p:grpSpPr>
-            <a:xfrm>
-              <a:off x="5001848" y="1646232"/>
-              <a:ext cx="2453110" cy="2583693"/>
-              <a:chOff x="5001848" y="1716570"/>
-              <a:chExt cx="2453110" cy="2583693"/>
-            </a:xfrm>
-          </p:grpSpPr>
-          <p:sp>
-            <p:nvSpPr>
-              <p:cNvPr id="124" name="椭圆 123"/>
-              <p:cNvSpPr/>
-              <p:nvPr/>
-            </p:nvSpPr>
-            <p:spPr>
-              <a:xfrm rot="197558">
-                <a:off x="5001848" y="1716570"/>
-                <a:ext cx="2453110" cy="2453110"/>
-              </a:xfrm>
-              <a:prstGeom prst="ellipse">
-                <a:avLst/>
-              </a:prstGeom>
-              <a:solidFill>
-                <a:srgbClr val="00B050"/>
-              </a:solidFill>
-              <a:ln w="25400" cap="flat" cmpd="sng" algn="ctr">
-                <a:noFill/>
-                <a:prstDash val="solid"/>
-              </a:ln>
-              <a:effectLst/>
-            </p:spPr>
-            <p:txBody>
-              <a:bodyPr rtlCol="0" anchor="ctr"/>
-              <a:lstStyle/>
-              <a:p>
-                <a:pPr marL="0" marR="0" lvl="0" indent="0" algn="ctr" defTabSz="914400" eaLnBrk="1" fontAlgn="auto" latinLnBrk="0" hangingPunct="1">
-                  <a:lnSpc>
-                    <a:spcPct val="100000"/>
-                  </a:lnSpc>
-                  <a:spcBef>
-                    <a:spcPts val="0"/>
-                  </a:spcBef>
-                  <a:spcAft>
-                    <a:spcPts val="0"/>
-                  </a:spcAft>
-                  <a:buClrTx/>
-                  <a:buSzTx/>
-                  <a:buFontTx/>
-                  <a:buNone/>
-                  <a:tabLst/>
-                  <a:defRPr/>
-                </a:pPr>
-                <a:endParaRPr kumimoji="0" lang="en-US" sz="1800" b="0" i="0" u="none" strike="noStrike" kern="0" cap="none" spc="0" normalizeH="0" baseline="0" noProof="0">
-                  <a:ln>
-                    <a:noFill/>
-                  </a:ln>
-                  <a:solidFill>
-                    <a:sysClr val="window" lastClr="FFFFFF"/>
-                  </a:solidFill>
-                  <a:effectLst/>
-                  <a:uLnTx/>
-                  <a:uFillTx/>
-                  <a:latin typeface="Calibri"/>
-                  <a:ea typeface="+mn-ea"/>
-                  <a:cs typeface="+mn-cs"/>
-                </a:endParaRPr>
-              </a:p>
-            </p:txBody>
-          </p:sp>
-          <p:sp>
-            <p:nvSpPr>
-              <p:cNvPr id="125" name="椭圆 20"/>
-              <p:cNvSpPr/>
-              <p:nvPr/>
-            </p:nvSpPr>
-            <p:spPr>
-              <a:xfrm rot="3681412">
-                <a:off x="4613722" y="2431503"/>
-                <a:ext cx="2440604" cy="1296915"/>
-              </a:xfrm>
-              <a:custGeom>
-                <a:avLst/>
-                <a:gdLst/>
-                <a:ahLst/>
-                <a:cxnLst/>
-                <a:rect l="l" t="t" r="r" b="b"/>
-                <a:pathLst>
-                  <a:path w="2440603" h="1296915">
-                    <a:moveTo>
-                      <a:pt x="0" y="227448"/>
-                    </a:moveTo>
-                    <a:cubicBezTo>
-                      <a:pt x="25678" y="293739"/>
-                      <a:pt x="58916" y="357865"/>
-                      <a:pt x="98728" y="419543"/>
-                    </a:cubicBezTo>
-                    <a:cubicBezTo>
-                      <a:pt x="465376" y="987560"/>
-                      <a:pt x="1250831" y="1132882"/>
-                      <a:pt x="1853093" y="744130"/>
-                    </a:cubicBezTo>
-                    <a:cubicBezTo>
-                      <a:pt x="2136008" y="561511"/>
-                      <a:pt x="2328171" y="293524"/>
-                      <a:pt x="2413029" y="1382"/>
-                    </a:cubicBezTo>
-                    <a:lnTo>
-                      <a:pt x="2437050" y="0"/>
-                    </a:lnTo>
-                    <a:cubicBezTo>
-                      <a:pt x="2439934" y="23226"/>
-                      <a:pt x="2440603" y="46715"/>
-                      <a:pt x="2440603" y="70360"/>
-                    </a:cubicBezTo>
-                    <a:cubicBezTo>
-                      <a:pt x="2440603" y="747768"/>
-                      <a:pt x="1891456" y="1296915"/>
-                      <a:pt x="1214048" y="1296915"/>
-                    </a:cubicBezTo>
-                    <a:cubicBezTo>
-                      <a:pt x="589939" y="1296915"/>
-                      <a:pt x="74701" y="830783"/>
-                      <a:pt x="0" y="227448"/>
-                    </a:cubicBezTo>
-                    <a:close/>
-                  </a:path>
-                </a:pathLst>
-              </a:custGeom>
-              <a:solidFill>
-                <a:srgbClr val="FFFFFF">
-                  <a:alpha val="9020"/>
-                </a:srgbClr>
-              </a:solidFill>
-              <a:ln w="25400" cap="flat" cmpd="sng" algn="ctr">
-                <a:noFill/>
-                <a:prstDash val="solid"/>
-              </a:ln>
-              <a:effectLst/>
-            </p:spPr>
-            <p:txBody>
-              <a:bodyPr rtlCol="0" anchor="ctr"/>
-              <a:lstStyle/>
-              <a:p>
-                <a:pPr marL="0" marR="0" lvl="0" indent="0" algn="ctr" defTabSz="914400" eaLnBrk="1" fontAlgn="auto" latinLnBrk="0" hangingPunct="1">
-                  <a:lnSpc>
-                    <a:spcPct val="100000"/>
-                  </a:lnSpc>
-                  <a:spcBef>
-                    <a:spcPts val="0"/>
-                  </a:spcBef>
-                  <a:spcAft>
-                    <a:spcPts val="0"/>
-                  </a:spcAft>
-                  <a:buClrTx/>
-                  <a:buSzTx/>
-                  <a:buFontTx/>
-                  <a:buNone/>
-                  <a:tabLst/>
-                  <a:defRPr/>
-                </a:pPr>
-                <a:endParaRPr kumimoji="0" lang="en-US" sz="1800" b="0" i="0" u="none" strike="noStrike" kern="0" cap="none" spc="0" normalizeH="0" baseline="0" noProof="0">
-                  <a:ln>
-                    <a:noFill/>
-                  </a:ln>
-                  <a:solidFill>
-                    <a:sysClr val="window" lastClr="FFFFFF"/>
-                  </a:solidFill>
-                  <a:effectLst/>
-                  <a:uLnTx/>
-                  <a:uFillTx/>
-                  <a:latin typeface="Calibri"/>
-                  <a:ea typeface="+mn-ea"/>
-                  <a:cs typeface="+mn-cs"/>
-                </a:endParaRPr>
-              </a:p>
-            </p:txBody>
-          </p:sp>
-        </p:grpSp>
-        <p:sp>
-          <p:nvSpPr>
-            <p:cNvPr id="126" name="TextBox 125"/>
-            <p:cNvSpPr txBox="1"/>
-            <p:nvPr/>
-          </p:nvSpPr>
-          <p:spPr>
-            <a:xfrm>
-              <a:off x="5187647" y="2432920"/>
-              <a:ext cx="2232249" cy="717318"/>
-            </a:xfrm>
-            <a:prstGeom prst="rect">
-              <a:avLst/>
-            </a:prstGeom>
-            <a:noFill/>
-          </p:spPr>
-          <p:txBody>
-            <a:bodyPr wrap="square" rtlCol="0">
-              <a:spAutoFit/>
-            </a:bodyPr>
-            <a:lstStyle>
-              <a:defPPr>
-                <a:defRPr lang="en-US"/>
-              </a:defPPr>
-              <a:lvl1pPr>
-                <a:lnSpc>
-                  <a:spcPct val="130000"/>
-                </a:lnSpc>
-                <a:defRPr sz="5400" b="1">
-                  <a:solidFill>
-                    <a:schemeClr val="tx1">
-                      <a:lumMod val="65000"/>
-                      <a:lumOff val="35000"/>
-                    </a:schemeClr>
-                  </a:solidFill>
-                  <a:latin typeface="Agency FB" pitchFamily="34" charset="0"/>
-                  <a:ea typeface="微软雅黑" pitchFamily="34" charset="-122"/>
-                  <a:cs typeface="Calibri" pitchFamily="34" charset="0"/>
-                </a:defRPr>
-              </a:lvl1pPr>
-            </a:lstStyle>
-            <a:p>
-              <a:pPr marL="0" marR="0" lvl="0" indent="0" algn="ctr" defTabSz="914400" eaLnBrk="1" fontAlgn="auto" latinLnBrk="0" hangingPunct="1">
-                <a:lnSpc>
-                  <a:spcPct val="100000"/>
-                </a:lnSpc>
-                <a:spcBef>
-                  <a:spcPts val="0"/>
-                </a:spcBef>
-                <a:spcAft>
-                  <a:spcPts val="0"/>
-                </a:spcAft>
-                <a:buClrTx/>
-                <a:buSzTx/>
-                <a:buFontTx/>
-                <a:buNone/>
-                <a:tabLst/>
-                <a:defRPr/>
-              </a:pPr>
-              <a:r>
-                <a:rPr kumimoji="0" lang="zh-CN" altLang="en-US" sz="2000" b="1" i="0" u="none" strike="noStrike" kern="0" cap="none" spc="0" normalizeH="0" baseline="0" noProof="0" dirty="0" smtClean="0">
-                  <a:ln>
-                    <a:solidFill>
-                      <a:srgbClr val="FFC000"/>
-                    </a:solidFill>
-                  </a:ln>
-                  <a:solidFill>
-                    <a:sysClr val="window" lastClr="FFFFFF"/>
-                  </a:solidFill>
-                  <a:effectLst>
-                    <a:innerShdw blurRad="114300" dist="50800" dir="16200000">
-                      <a:srgbClr val="604900"/>
-                    </a:innerShdw>
-                  </a:effectLst>
-                  <a:uLnTx/>
-                  <a:uFillTx/>
-                  <a:latin typeface="Adidas Unity" pitchFamily="2" charset="0"/>
-                  <a:ea typeface="微软雅黑" pitchFamily="34" charset="-122"/>
-                  <a:cs typeface="Calibri" pitchFamily="34" charset="0"/>
-                </a:rPr>
-                <a:t>消息中心</a:t>
-              </a:r>
-              <a:endParaRPr kumimoji="0" lang="zh-CN" altLang="en-US" sz="2000" b="1" i="0" u="none" strike="noStrike" kern="0" cap="none" spc="0" normalizeH="0" baseline="0" noProof="0" dirty="0">
-                <a:ln>
-                  <a:solidFill>
-                    <a:srgbClr val="FFC000"/>
-                  </a:solidFill>
-                </a:ln>
-                <a:solidFill>
-                  <a:sysClr val="window" lastClr="FFFFFF"/>
-                </a:solidFill>
-                <a:effectLst>
-                  <a:innerShdw blurRad="114300" dist="50800" dir="16200000">
-                    <a:srgbClr val="604900"/>
-                  </a:innerShdw>
-                </a:effectLst>
-                <a:uLnTx/>
-                <a:uFillTx/>
-                <a:latin typeface="Adidas Unity" pitchFamily="2" charset="0"/>
-                <a:ea typeface="微软雅黑" pitchFamily="34" charset="-122"/>
-                <a:cs typeface="Calibri" pitchFamily="34" charset="0"/>
-              </a:endParaRPr>
-            </a:p>
-          </p:txBody>
-        </p:sp>
-        <p:grpSp>
-          <p:nvGrpSpPr>
-            <p:cNvPr id="127" name="组合 126"/>
-            <p:cNvGrpSpPr/>
-            <p:nvPr/>
-          </p:nvGrpSpPr>
-          <p:grpSpPr>
-            <a:xfrm rot="15139589">
-              <a:off x="1902221" y="2341227"/>
-              <a:ext cx="1215386" cy="1214514"/>
-              <a:chOff x="4031640" y="1996273"/>
-              <a:chExt cx="2968435" cy="2966307"/>
-            </a:xfrm>
-          </p:grpSpPr>
-          <p:sp>
-            <p:nvSpPr>
-              <p:cNvPr id="128" name="椭圆 127"/>
-              <p:cNvSpPr/>
-              <p:nvPr/>
-            </p:nvSpPr>
-            <p:spPr>
-              <a:xfrm rot="197558">
-                <a:off x="4031640" y="2438679"/>
-                <a:ext cx="2968435" cy="2523901"/>
-              </a:xfrm>
-              <a:prstGeom prst="ellipse">
-                <a:avLst/>
-              </a:prstGeom>
-              <a:gradFill flip="none" rotWithShape="1">
-                <a:gsLst>
-                  <a:gs pos="52000">
-                    <a:srgbClr val="705500"/>
-                  </a:gs>
-                  <a:gs pos="100000">
-                    <a:sysClr val="windowText" lastClr="000000">
-                      <a:lumMod val="50000"/>
-                      <a:lumOff val="50000"/>
-                      <a:shade val="67500"/>
-                      <a:satMod val="115000"/>
-                      <a:alpha val="0"/>
-                    </a:sysClr>
-                  </a:gs>
-                  <a:gs pos="68000">
-                    <a:sysClr val="windowText" lastClr="000000">
-                      <a:lumMod val="50000"/>
-                      <a:lumOff val="50000"/>
-                      <a:shade val="100000"/>
-                      <a:satMod val="115000"/>
-                      <a:alpha val="0"/>
-                    </a:sysClr>
-                  </a:gs>
-                </a:gsLst>
-                <a:path path="circle">
-                  <a:fillToRect l="50000" t="50000" r="50000" b="50000"/>
-                </a:path>
-                <a:tileRect/>
-              </a:gradFill>
-              <a:ln w="25400" cap="flat" cmpd="sng" algn="ctr">
-                <a:noFill/>
-                <a:prstDash val="solid"/>
-              </a:ln>
-              <a:effectLst/>
-            </p:spPr>
-            <p:txBody>
-              <a:bodyPr rtlCol="0" anchor="ctr"/>
-              <a:lstStyle/>
-              <a:p>
-                <a:pPr marL="0" marR="0" lvl="0" indent="0" algn="ctr" defTabSz="914400" eaLnBrk="1" fontAlgn="auto" latinLnBrk="0" hangingPunct="1">
-                  <a:lnSpc>
-                    <a:spcPct val="100000"/>
-                  </a:lnSpc>
-                  <a:spcBef>
-                    <a:spcPts val="0"/>
-                  </a:spcBef>
-                  <a:spcAft>
-                    <a:spcPts val="0"/>
-                  </a:spcAft>
-                  <a:buClrTx/>
-                  <a:buSzTx/>
-                  <a:buFontTx/>
-                  <a:buNone/>
-                  <a:tabLst/>
-                  <a:defRPr/>
-                </a:pPr>
-                <a:endParaRPr kumimoji="0" lang="en-US" sz="1800" b="0" i="0" u="none" strike="noStrike" kern="0" cap="none" spc="0" normalizeH="0" baseline="0" noProof="0">
-                  <a:ln>
-                    <a:noFill/>
-                  </a:ln>
-                  <a:solidFill>
-                    <a:sysClr val="window" lastClr="FFFFFF"/>
-                  </a:solidFill>
-                  <a:effectLst/>
-                  <a:uLnTx/>
-                  <a:uFillTx/>
-                  <a:latin typeface="Calibri"/>
-                  <a:ea typeface="+mn-ea"/>
-                  <a:cs typeface="+mn-cs"/>
-                </a:endParaRPr>
-              </a:p>
-            </p:txBody>
-          </p:sp>
-          <p:sp>
-            <p:nvSpPr>
-              <p:cNvPr id="129" name="椭圆 128"/>
-              <p:cNvSpPr/>
-              <p:nvPr/>
-            </p:nvSpPr>
-            <p:spPr>
-              <a:xfrm rot="197558">
-                <a:off x="4528317" y="2357216"/>
-                <a:ext cx="2453121" cy="2453105"/>
-              </a:xfrm>
-              <a:prstGeom prst="ellipse">
-                <a:avLst/>
-              </a:prstGeom>
-              <a:ln/>
-            </p:spPr>
-            <p:style>
-              <a:lnRef idx="2">
-                <a:schemeClr val="accent2"/>
-              </a:lnRef>
-              <a:fillRef idx="1">
-                <a:schemeClr val="lt1"/>
-              </a:fillRef>
-              <a:effectRef idx="0">
-                <a:schemeClr val="accent2"/>
-              </a:effectRef>
-              <a:fontRef idx="minor">
-                <a:schemeClr val="dk1"/>
-              </a:fontRef>
-            </p:style>
-            <p:txBody>
-              <a:bodyPr rtlCol="0" anchor="ctr"/>
-              <a:lstStyle/>
-              <a:p>
-                <a:pPr marL="0" marR="0" lvl="0" indent="0" algn="ctr" defTabSz="914400" eaLnBrk="1" fontAlgn="auto" latinLnBrk="0" hangingPunct="1">
-                  <a:lnSpc>
-                    <a:spcPct val="100000"/>
-                  </a:lnSpc>
-                  <a:spcBef>
-                    <a:spcPts val="0"/>
-                  </a:spcBef>
-                  <a:spcAft>
-                    <a:spcPts val="0"/>
-                  </a:spcAft>
-                  <a:buClrTx/>
-                  <a:buSzTx/>
-                  <a:buFontTx/>
-                  <a:buNone/>
-                  <a:tabLst/>
-                  <a:defRPr/>
-                </a:pPr>
-                <a:endParaRPr kumimoji="0" lang="en-US" sz="1800" b="0" i="0" u="none" strike="noStrike" kern="0" cap="none" spc="0" normalizeH="0" baseline="0" noProof="0">
-                  <a:ln>
-                    <a:noFill/>
-                  </a:ln>
-                  <a:solidFill>
-                    <a:schemeClr val="bg1"/>
-                  </a:solidFill>
-                  <a:effectLst/>
-                  <a:uLnTx/>
-                  <a:uFillTx/>
-                  <a:latin typeface="Calibri"/>
-                  <a:ea typeface="+mn-ea"/>
-                  <a:cs typeface="+mn-cs"/>
-                </a:endParaRPr>
-              </a:p>
-            </p:txBody>
-          </p:sp>
-          <p:sp>
-            <p:nvSpPr>
-              <p:cNvPr id="130" name="椭圆 20"/>
-              <p:cNvSpPr/>
-              <p:nvPr/>
-            </p:nvSpPr>
-            <p:spPr>
-              <a:xfrm rot="3681412">
-                <a:off x="4500236" y="2568117"/>
-                <a:ext cx="2440603" cy="1296915"/>
-              </a:xfrm>
-              <a:custGeom>
-                <a:avLst/>
-                <a:gdLst/>
-                <a:ahLst/>
-                <a:cxnLst/>
-                <a:rect l="l" t="t" r="r" b="b"/>
-                <a:pathLst>
-                  <a:path w="2440603" h="1296915">
-                    <a:moveTo>
-                      <a:pt x="0" y="227448"/>
-                    </a:moveTo>
-                    <a:cubicBezTo>
-                      <a:pt x="25678" y="293739"/>
-                      <a:pt x="58916" y="357865"/>
-                      <a:pt x="98728" y="419543"/>
-                    </a:cubicBezTo>
-                    <a:cubicBezTo>
-                      <a:pt x="465376" y="987560"/>
-                      <a:pt x="1250831" y="1132882"/>
-                      <a:pt x="1853093" y="744130"/>
-                    </a:cubicBezTo>
-                    <a:cubicBezTo>
-                      <a:pt x="2136008" y="561511"/>
-                      <a:pt x="2328171" y="293524"/>
-                      <a:pt x="2413029" y="1382"/>
-                    </a:cubicBezTo>
-                    <a:lnTo>
-                      <a:pt x="2437050" y="0"/>
-                    </a:lnTo>
-                    <a:cubicBezTo>
-                      <a:pt x="2439934" y="23226"/>
-                      <a:pt x="2440603" y="46715"/>
-                      <a:pt x="2440603" y="70360"/>
-                    </a:cubicBezTo>
-                    <a:cubicBezTo>
-                      <a:pt x="2440603" y="747768"/>
-                      <a:pt x="1891456" y="1296915"/>
-                      <a:pt x="1214048" y="1296915"/>
-                    </a:cubicBezTo>
-                    <a:cubicBezTo>
-                      <a:pt x="589939" y="1296915"/>
-                      <a:pt x="74701" y="830783"/>
-                      <a:pt x="0" y="227448"/>
-                    </a:cubicBezTo>
-                    <a:close/>
-                  </a:path>
-                </a:pathLst>
-              </a:custGeom>
-              <a:solidFill>
-                <a:srgbClr val="FFFFFF">
-                  <a:alpha val="9020"/>
-                </a:srgbClr>
-              </a:solidFill>
-              <a:ln w="25400" cap="flat" cmpd="sng" algn="ctr">
-                <a:noFill/>
-                <a:prstDash val="solid"/>
-              </a:ln>
-              <a:effectLst/>
-            </p:spPr>
-            <p:txBody>
-              <a:bodyPr rtlCol="0" anchor="ctr"/>
-              <a:lstStyle/>
-              <a:p>
-                <a:pPr marL="0" marR="0" lvl="0" indent="0" algn="ctr" defTabSz="914400" eaLnBrk="1" fontAlgn="auto" latinLnBrk="0" hangingPunct="1">
-                  <a:lnSpc>
-                    <a:spcPct val="100000"/>
-                  </a:lnSpc>
-                  <a:spcBef>
-                    <a:spcPts val="0"/>
-                  </a:spcBef>
-                  <a:spcAft>
-                    <a:spcPts val="0"/>
-                  </a:spcAft>
-                  <a:buClrTx/>
-                  <a:buSzTx/>
-                  <a:buFontTx/>
-                  <a:buNone/>
-                  <a:tabLst/>
-                  <a:defRPr/>
-                </a:pPr>
-                <a:endParaRPr kumimoji="0" lang="en-US" sz="1600" b="0" i="0" u="none" strike="noStrike" kern="0" cap="none" spc="0" normalizeH="0" baseline="0" noProof="0" dirty="0">
-                  <a:ln>
-                    <a:noFill/>
-                  </a:ln>
-                  <a:solidFill>
-                    <a:sysClr val="window" lastClr="FFFFFF"/>
+                    <a:sysClr val="windowText" lastClr="000000"/>
                   </a:solidFill>
                   <a:effectLst/>
                   <a:uLnTx/>
@@ -11403,703 +11853,1193 @@
         </p:grpSp>
         <p:grpSp>
           <p:nvGrpSpPr>
-            <p:cNvPr id="139" name="组合 138"/>
-            <p:cNvGrpSpPr/>
-            <p:nvPr/>
-          </p:nvGrpSpPr>
-          <p:grpSpPr>
-            <a:xfrm rot="14149206">
-              <a:off x="2391821" y="4441012"/>
-              <a:ext cx="1215386" cy="1113790"/>
-              <a:chOff x="4629871" y="1716570"/>
-              <a:chExt cx="2968442" cy="2720306"/>
-            </a:xfrm>
-          </p:grpSpPr>
-          <p:sp>
-            <p:nvSpPr>
-              <p:cNvPr id="140" name="椭圆 139"/>
-              <p:cNvSpPr/>
-              <p:nvPr/>
-            </p:nvSpPr>
-            <p:spPr>
-              <a:xfrm rot="197558">
-                <a:off x="4629871" y="1830047"/>
-                <a:ext cx="2968442" cy="2523901"/>
-              </a:xfrm>
-              <a:prstGeom prst="ellipse">
-                <a:avLst/>
-              </a:prstGeom>
-              <a:gradFill flip="none" rotWithShape="1">
-                <a:gsLst>
-                  <a:gs pos="52000">
-                    <a:srgbClr val="705500"/>
-                  </a:gs>
-                  <a:gs pos="100000">
-                    <a:sysClr val="windowText" lastClr="000000">
-                      <a:lumMod val="50000"/>
-                      <a:lumOff val="50000"/>
-                      <a:shade val="67500"/>
-                      <a:satMod val="115000"/>
-                      <a:alpha val="0"/>
-                    </a:sysClr>
-                  </a:gs>
-                  <a:gs pos="68000">
-                    <a:sysClr val="windowText" lastClr="000000">
-                      <a:lumMod val="50000"/>
-                      <a:lumOff val="50000"/>
-                      <a:shade val="100000"/>
-                      <a:satMod val="115000"/>
-                      <a:alpha val="0"/>
-                    </a:sysClr>
-                  </a:gs>
-                </a:gsLst>
-                <a:path path="circle">
-                  <a:fillToRect l="50000" t="50000" r="50000" b="50000"/>
-                </a:path>
-                <a:tileRect/>
-              </a:gradFill>
-              <a:ln w="25400" cap="flat" cmpd="sng" algn="ctr">
-                <a:noFill/>
-                <a:prstDash val="solid"/>
-              </a:ln>
-              <a:effectLst/>
-            </p:spPr>
-            <p:txBody>
-              <a:bodyPr rtlCol="0" anchor="ctr"/>
-              <a:lstStyle/>
-              <a:p>
-                <a:pPr marL="0" marR="0" lvl="0" indent="0" algn="ctr" defTabSz="914400" eaLnBrk="1" fontAlgn="auto" latinLnBrk="0" hangingPunct="1">
-                  <a:lnSpc>
-                    <a:spcPct val="100000"/>
-                  </a:lnSpc>
-                  <a:spcBef>
-                    <a:spcPts val="0"/>
-                  </a:spcBef>
-                  <a:spcAft>
-                    <a:spcPts val="0"/>
-                  </a:spcAft>
-                  <a:buClrTx/>
-                  <a:buSzTx/>
-                  <a:buFontTx/>
-                  <a:buNone/>
-                  <a:tabLst/>
-                  <a:defRPr/>
-                </a:pPr>
-                <a:endParaRPr kumimoji="0" lang="en-US" sz="1800" b="0" i="0" u="none" strike="noStrike" kern="0" cap="none" spc="0" normalizeH="0" baseline="0" noProof="0">
-                  <a:ln>
-                    <a:noFill/>
-                  </a:ln>
-                  <a:solidFill>
-                    <a:sysClr val="window" lastClr="FFFFFF"/>
-                  </a:solidFill>
-                  <a:effectLst/>
-                  <a:uLnTx/>
-                  <a:uFillTx/>
-                  <a:latin typeface="Calibri"/>
-                  <a:ea typeface="+mn-ea"/>
-                  <a:cs typeface="+mn-cs"/>
-                </a:endParaRPr>
-              </a:p>
-            </p:txBody>
-          </p:sp>
-          <p:sp>
-            <p:nvSpPr>
-              <p:cNvPr id="141" name="椭圆 140"/>
-              <p:cNvSpPr/>
-              <p:nvPr/>
-            </p:nvSpPr>
-            <p:spPr>
-              <a:xfrm rot="197558">
-                <a:off x="5001848" y="1716570"/>
-                <a:ext cx="2453110" cy="2453110"/>
-              </a:xfrm>
-              <a:prstGeom prst="ellipse">
-                <a:avLst/>
-              </a:prstGeom>
-              <a:ln/>
-            </p:spPr>
-            <p:style>
-              <a:lnRef idx="2">
-                <a:schemeClr val="accent4"/>
-              </a:lnRef>
-              <a:fillRef idx="1">
-                <a:schemeClr val="lt1"/>
-              </a:fillRef>
-              <a:effectRef idx="0">
-                <a:schemeClr val="accent4"/>
-              </a:effectRef>
-              <a:fontRef idx="minor">
-                <a:schemeClr val="dk1"/>
-              </a:fontRef>
-            </p:style>
-            <p:txBody>
-              <a:bodyPr rtlCol="0" anchor="ctr"/>
-              <a:lstStyle/>
-              <a:p>
-                <a:pPr marL="0" marR="0" lvl="0" indent="0" algn="ctr" defTabSz="914400" eaLnBrk="1" fontAlgn="auto" latinLnBrk="0" hangingPunct="1">
-                  <a:lnSpc>
-                    <a:spcPct val="100000"/>
-                  </a:lnSpc>
-                  <a:spcBef>
-                    <a:spcPts val="0"/>
-                  </a:spcBef>
-                  <a:spcAft>
-                    <a:spcPts val="0"/>
-                  </a:spcAft>
-                  <a:buClrTx/>
-                  <a:buSzTx/>
-                  <a:buFontTx/>
-                  <a:buNone/>
-                  <a:tabLst/>
-                  <a:defRPr/>
-                </a:pPr>
-                <a:endParaRPr kumimoji="0" lang="en-US" sz="1400" b="0" i="0" u="none" strike="noStrike" kern="0" cap="none" spc="0" normalizeH="0" baseline="0" noProof="0" dirty="0">
-                  <a:ln>
-                    <a:noFill/>
-                  </a:ln>
-                  <a:solidFill>
-                    <a:sysClr val="window" lastClr="FFFFFF"/>
-                  </a:solidFill>
-                  <a:effectLst/>
-                  <a:uLnTx/>
-                  <a:uFillTx/>
-                  <a:latin typeface="Calibri"/>
-                  <a:ea typeface="+mn-ea"/>
-                  <a:cs typeface="+mn-cs"/>
-                </a:endParaRPr>
-              </a:p>
-            </p:txBody>
-          </p:sp>
-          <p:sp>
-            <p:nvSpPr>
-              <p:cNvPr id="142" name="椭圆 20"/>
-              <p:cNvSpPr/>
-              <p:nvPr/>
-            </p:nvSpPr>
-            <p:spPr>
-              <a:xfrm rot="3681412">
-                <a:off x="4500236" y="2568117"/>
-                <a:ext cx="2440603" cy="1296915"/>
-              </a:xfrm>
-              <a:custGeom>
-                <a:avLst/>
-                <a:gdLst/>
-                <a:ahLst/>
-                <a:cxnLst/>
-                <a:rect l="l" t="t" r="r" b="b"/>
-                <a:pathLst>
-                  <a:path w="2440603" h="1296915">
-                    <a:moveTo>
-                      <a:pt x="0" y="227448"/>
-                    </a:moveTo>
-                    <a:cubicBezTo>
-                      <a:pt x="25678" y="293739"/>
-                      <a:pt x="58916" y="357865"/>
-                      <a:pt x="98728" y="419543"/>
-                    </a:cubicBezTo>
-                    <a:cubicBezTo>
-                      <a:pt x="465376" y="987560"/>
-                      <a:pt x="1250831" y="1132882"/>
-                      <a:pt x="1853093" y="744130"/>
-                    </a:cubicBezTo>
-                    <a:cubicBezTo>
-                      <a:pt x="2136008" y="561511"/>
-                      <a:pt x="2328171" y="293524"/>
-                      <a:pt x="2413029" y="1382"/>
-                    </a:cubicBezTo>
-                    <a:lnTo>
-                      <a:pt x="2437050" y="0"/>
-                    </a:lnTo>
-                    <a:cubicBezTo>
-                      <a:pt x="2439934" y="23226"/>
-                      <a:pt x="2440603" y="46715"/>
-                      <a:pt x="2440603" y="70360"/>
-                    </a:cubicBezTo>
-                    <a:cubicBezTo>
-                      <a:pt x="2440603" y="747768"/>
-                      <a:pt x="1891456" y="1296915"/>
-                      <a:pt x="1214048" y="1296915"/>
-                    </a:cubicBezTo>
-                    <a:cubicBezTo>
-                      <a:pt x="589939" y="1296915"/>
-                      <a:pt x="74701" y="830783"/>
-                      <a:pt x="0" y="227448"/>
-                    </a:cubicBezTo>
-                    <a:close/>
-                  </a:path>
-                </a:pathLst>
-              </a:custGeom>
-              <a:solidFill>
-                <a:srgbClr val="FFFFFF">
-                  <a:alpha val="9020"/>
-                </a:srgbClr>
-              </a:solidFill>
-              <a:ln w="25400" cap="flat" cmpd="sng" algn="ctr">
-                <a:noFill/>
-                <a:prstDash val="solid"/>
-              </a:ln>
-              <a:effectLst/>
-            </p:spPr>
-            <p:txBody>
-              <a:bodyPr rtlCol="0" anchor="ctr"/>
-              <a:lstStyle/>
-              <a:p>
-                <a:pPr marL="0" marR="0" lvl="0" indent="0" algn="ctr" defTabSz="914400" eaLnBrk="1" fontAlgn="auto" latinLnBrk="0" hangingPunct="1">
-                  <a:lnSpc>
-                    <a:spcPct val="100000"/>
-                  </a:lnSpc>
-                  <a:spcBef>
-                    <a:spcPts val="0"/>
-                  </a:spcBef>
-                  <a:spcAft>
-                    <a:spcPts val="0"/>
-                  </a:spcAft>
-                  <a:buClrTx/>
-                  <a:buSzTx/>
-                  <a:buFontTx/>
-                  <a:buNone/>
-                  <a:tabLst/>
-                  <a:defRPr/>
-                </a:pPr>
-                <a:endParaRPr kumimoji="0" lang="en-US" sz="1800" b="0" i="0" u="none" strike="noStrike" kern="0" cap="none" spc="0" normalizeH="0" baseline="0" noProof="0">
-                  <a:ln>
-                    <a:noFill/>
-                  </a:ln>
-                  <a:solidFill>
-                    <a:sysClr val="window" lastClr="FFFFFF"/>
-                  </a:solidFill>
-                  <a:effectLst/>
-                  <a:uLnTx/>
-                  <a:uFillTx/>
-                  <a:latin typeface="Calibri"/>
-                  <a:ea typeface="+mn-ea"/>
-                  <a:cs typeface="+mn-cs"/>
-                </a:endParaRPr>
-              </a:p>
-            </p:txBody>
-          </p:sp>
-        </p:grpSp>
-        <p:sp>
-          <p:nvSpPr>
-            <p:cNvPr id="145" name="椭圆 144"/>
-            <p:cNvSpPr/>
-            <p:nvPr/>
-          </p:nvSpPr>
-          <p:spPr>
-            <a:xfrm>
-              <a:off x="4795049" y="1456600"/>
-              <a:ext cx="2843079" cy="2843079"/>
-            </a:xfrm>
-            <a:prstGeom prst="ellipse">
-              <a:avLst/>
-            </a:prstGeom>
-            <a:noFill/>
-            <a:ln w="12700" cap="flat" cmpd="sng" algn="ctr">
-              <a:solidFill>
-                <a:srgbClr val="966F00"/>
-              </a:solidFill>
-              <a:prstDash val="sysDash"/>
-            </a:ln>
-            <a:effectLst>
-              <a:outerShdw dist="12700" dir="5400000" algn="t" rotWithShape="0">
-                <a:sysClr val="window" lastClr="FFFFFF">
-                  <a:alpha val="83000"/>
-                </a:sysClr>
-              </a:outerShdw>
-            </a:effectLst>
-          </p:spPr>
-          <p:txBody>
-            <a:bodyPr rot="0" spcFirstLastPara="0" vertOverflow="overflow" horzOverflow="overflow" vert="horz" wrap="square" lIns="91440" tIns="45720" rIns="91440" bIns="45720" numCol="1" spcCol="0" rtlCol="0" fromWordArt="0" anchor="ctr" anchorCtr="0" forceAA="0" compatLnSpc="1">
-              <a:prstTxWarp prst="textNoShape">
-                <a:avLst/>
-              </a:prstTxWarp>
-              <a:noAutofit/>
-            </a:bodyPr>
-            <a:lstStyle/>
-            <a:p>
-              <a:pPr marL="0" marR="0" lvl="0" indent="0" algn="ctr" defTabSz="914400" eaLnBrk="1" fontAlgn="auto" latinLnBrk="0" hangingPunct="1">
-                <a:lnSpc>
-                  <a:spcPct val="100000"/>
-                </a:lnSpc>
-                <a:spcBef>
-                  <a:spcPts val="0"/>
-                </a:spcBef>
-                <a:spcAft>
-                  <a:spcPts val="0"/>
-                </a:spcAft>
-                <a:buClrTx/>
-                <a:buSzTx/>
-                <a:buFontTx/>
-                <a:buNone/>
-                <a:tabLst/>
-                <a:defRPr/>
-              </a:pPr>
-              <a:endParaRPr kumimoji="0" lang="en-US" sz="1800" b="0" i="0" u="none" strike="noStrike" kern="0" cap="none" spc="0" normalizeH="0" baseline="0" noProof="0">
-                <a:ln>
-                  <a:noFill/>
-                </a:ln>
-                <a:solidFill>
-                  <a:sysClr val="windowText" lastClr="000000"/>
-                </a:solidFill>
-                <a:effectLst/>
-                <a:uLnTx/>
-                <a:uFillTx/>
-                <a:latin typeface="Calibri"/>
-                <a:ea typeface="+mn-ea"/>
-                <a:cs typeface="+mn-cs"/>
-              </a:endParaRPr>
-            </a:p>
-          </p:txBody>
-        </p:sp>
-      </p:grpSp>
-      <p:grpSp>
-        <p:nvGrpSpPr>
-          <p:cNvPr id="58" name="组合 57"/>
-          <p:cNvGrpSpPr/>
-          <p:nvPr/>
-        </p:nvGrpSpPr>
-        <p:grpSpPr>
-          <a:xfrm>
-            <a:off x="2645278" y="1236615"/>
-            <a:ext cx="970791" cy="958826"/>
-            <a:chOff x="2674167" y="3530330"/>
-            <a:chExt cx="1961247" cy="1893098"/>
-          </a:xfrm>
-          <a:noFill/>
-        </p:grpSpPr>
-        <p:grpSp>
-          <p:nvGrpSpPr>
-            <p:cNvPr id="60" name="组合 59"/>
+            <p:cNvPr id="58" name="组合 57"/>
             <p:cNvGrpSpPr/>
             <p:nvPr/>
           </p:nvGrpSpPr>
           <p:grpSpPr>
             <a:xfrm>
-              <a:off x="2674167" y="4489156"/>
-              <a:ext cx="1961247" cy="934272"/>
-              <a:chOff x="2674167" y="4489156"/>
-              <a:chExt cx="1961247" cy="934272"/>
+              <a:off x="2645278" y="1177825"/>
+              <a:ext cx="970791" cy="958826"/>
+              <a:chOff x="2674167" y="3530330"/>
+              <a:chExt cx="1961247" cy="1893098"/>
             </a:xfrm>
-            <a:grpFill/>
+            <a:noFill/>
           </p:grpSpPr>
+          <p:grpSp>
+            <p:nvGrpSpPr>
+              <p:cNvPr id="60" name="组合 59"/>
+              <p:cNvGrpSpPr/>
+              <p:nvPr/>
+            </p:nvGrpSpPr>
+            <p:grpSpPr>
+              <a:xfrm>
+                <a:off x="2674167" y="4489156"/>
+                <a:ext cx="1961247" cy="934272"/>
+                <a:chOff x="2674167" y="4489156"/>
+                <a:chExt cx="1961247" cy="934272"/>
+              </a:xfrm>
+              <a:grpFill/>
+            </p:grpSpPr>
+            <p:sp>
+              <p:nvSpPr>
+                <p:cNvPr id="68" name="椭圆 27"/>
+                <p:cNvSpPr/>
+                <p:nvPr/>
+              </p:nvSpPr>
+              <p:spPr>
+                <a:xfrm>
+                  <a:off x="2674167" y="4489156"/>
+                  <a:ext cx="1961247" cy="923571"/>
+                </a:xfrm>
+                <a:custGeom>
+                  <a:avLst/>
+                  <a:gdLst/>
+                  <a:ahLst/>
+                  <a:cxnLst/>
+                  <a:rect l="l" t="t" r="r" b="b"/>
+                  <a:pathLst>
+                    <a:path w="2279984" h="1073667">
+                      <a:moveTo>
+                        <a:pt x="1139992" y="0"/>
+                      </a:moveTo>
+                      <a:cubicBezTo>
+                        <a:pt x="1748056" y="0"/>
+                        <a:pt x="2245270" y="474603"/>
+                        <a:pt x="2279984" y="1073667"/>
+                      </a:cubicBezTo>
+                      <a:lnTo>
+                        <a:pt x="0" y="1073667"/>
+                      </a:lnTo>
+                      <a:cubicBezTo>
+                        <a:pt x="34715" y="474603"/>
+                        <a:pt x="531929" y="0"/>
+                        <a:pt x="1139992" y="0"/>
+                      </a:cubicBezTo>
+                      <a:close/>
+                    </a:path>
+                  </a:pathLst>
+                </a:custGeom>
+                <a:grpFill/>
+                <a:ln>
+                  <a:solidFill>
+                    <a:schemeClr val="accent5">
+                      <a:lumMod val="75000"/>
+                    </a:schemeClr>
+                  </a:solidFill>
+                </a:ln>
+                <a:effectLst>
+                  <a:innerShdw blurRad="63500" dist="76200" dir="18900000">
+                    <a:schemeClr val="bg1">
+                      <a:alpha val="73000"/>
+                    </a:schemeClr>
+                  </a:innerShdw>
+                </a:effectLst>
+              </p:spPr>
+              <p:style>
+                <a:lnRef idx="2">
+                  <a:schemeClr val="accent1">
+                    <a:shade val="50000"/>
+                  </a:schemeClr>
+                </a:lnRef>
+                <a:fillRef idx="1">
+                  <a:schemeClr val="accent1"/>
+                </a:fillRef>
+                <a:effectRef idx="0">
+                  <a:schemeClr val="accent1"/>
+                </a:effectRef>
+                <a:fontRef idx="minor">
+                  <a:schemeClr val="lt1"/>
+                </a:fontRef>
+              </p:style>
+              <p:txBody>
+                <a:bodyPr rtlCol="0" anchor="ctr"/>
+                <a:lstStyle/>
+                <a:p>
+                  <a:pPr algn="ctr"/>
+                  <a:endParaRPr lang="zh-CN" altLang="en-US"/>
+                </a:p>
+              </p:txBody>
+            </p:sp>
+            <p:sp>
+              <p:nvSpPr>
+                <p:cNvPr id="69" name="椭圆 27"/>
+                <p:cNvSpPr/>
+                <p:nvPr/>
+              </p:nvSpPr>
+              <p:spPr>
+                <a:xfrm>
+                  <a:off x="2771451" y="4585436"/>
+                  <a:ext cx="1789602" cy="837992"/>
+                </a:xfrm>
+                <a:custGeom>
+                  <a:avLst/>
+                  <a:gdLst>
+                    <a:gd name="connsiteX0" fmla="*/ 2279984 w 2405951"/>
+                    <a:gd name="connsiteY0" fmla="*/ 1073667 h 1199634"/>
+                    <a:gd name="connsiteX1" fmla="*/ 0 w 2405951"/>
+                    <a:gd name="connsiteY1" fmla="*/ 1073667 h 1199634"/>
+                    <a:gd name="connsiteX2" fmla="*/ 1139992 w 2405951"/>
+                    <a:gd name="connsiteY2" fmla="*/ 0 h 1199634"/>
+                    <a:gd name="connsiteX3" fmla="*/ 2405951 w 2405951"/>
+                    <a:gd name="connsiteY3" fmla="*/ 1199634 h 1199634"/>
+                    <a:gd name="connsiteX0" fmla="*/ 0 w 2405951"/>
+                    <a:gd name="connsiteY0" fmla="*/ 1073667 h 1199634"/>
+                    <a:gd name="connsiteX1" fmla="*/ 1139992 w 2405951"/>
+                    <a:gd name="connsiteY1" fmla="*/ 0 h 1199634"/>
+                    <a:gd name="connsiteX2" fmla="*/ 2405951 w 2405951"/>
+                    <a:gd name="connsiteY2" fmla="*/ 1199634 h 1199634"/>
+                    <a:gd name="connsiteX0" fmla="*/ 0 w 2292904"/>
+                    <a:gd name="connsiteY0" fmla="*/ 1073667 h 1073667"/>
+                    <a:gd name="connsiteX1" fmla="*/ 1139992 w 2292904"/>
+                    <a:gd name="connsiteY1" fmla="*/ 0 h 1073667"/>
+                    <a:gd name="connsiteX2" fmla="*/ 2292904 w 2292904"/>
+                    <a:gd name="connsiteY2" fmla="*/ 1070436 h 1073667"/>
+                  </a:gdLst>
+                  <a:ahLst/>
+                  <a:cxnLst>
+                    <a:cxn ang="0">
+                      <a:pos x="connsiteX0" y="connsiteY0"/>
+                    </a:cxn>
+                    <a:cxn ang="0">
+                      <a:pos x="connsiteX1" y="connsiteY1"/>
+                    </a:cxn>
+                    <a:cxn ang="0">
+                      <a:pos x="connsiteX2" y="connsiteY2"/>
+                    </a:cxn>
+                  </a:cxnLst>
+                  <a:rect l="l" t="t" r="r" b="b"/>
+                  <a:pathLst>
+                    <a:path w="2292904" h="1073667">
+                      <a:moveTo>
+                        <a:pt x="0" y="1073667"/>
+                      </a:moveTo>
+                      <a:cubicBezTo>
+                        <a:pt x="34715" y="474603"/>
+                        <a:pt x="757841" y="539"/>
+                        <a:pt x="1139992" y="0"/>
+                      </a:cubicBezTo>
+                      <a:cubicBezTo>
+                        <a:pt x="1522143" y="-539"/>
+                        <a:pt x="2132223" y="345405"/>
+                        <a:pt x="2292904" y="1070436"/>
+                      </a:cubicBezTo>
+                    </a:path>
+                  </a:pathLst>
+                </a:custGeom>
+                <a:grpFill/>
+                <a:ln>
+                  <a:solidFill>
+                    <a:schemeClr val="accent5">
+                      <a:lumMod val="75000"/>
+                    </a:schemeClr>
+                  </a:solidFill>
+                </a:ln>
+              </p:spPr>
+              <p:style>
+                <a:lnRef idx="2">
+                  <a:schemeClr val="accent1">
+                    <a:shade val="50000"/>
+                  </a:schemeClr>
+                </a:lnRef>
+                <a:fillRef idx="1">
+                  <a:schemeClr val="accent1"/>
+                </a:fillRef>
+                <a:effectRef idx="0">
+                  <a:schemeClr val="accent1"/>
+                </a:effectRef>
+                <a:fontRef idx="minor">
+                  <a:schemeClr val="lt1"/>
+                </a:fontRef>
+              </p:style>
+              <p:txBody>
+                <a:bodyPr rtlCol="0" anchor="ctr"/>
+                <a:lstStyle/>
+                <a:p>
+                  <a:pPr algn="ctr"/>
+                  <a:endParaRPr lang="zh-CN" altLang="en-US"/>
+                </a:p>
+              </p:txBody>
+            </p:sp>
+          </p:grpSp>
+          <p:grpSp>
+            <p:nvGrpSpPr>
+              <p:cNvPr id="61" name="组合 60"/>
+              <p:cNvGrpSpPr/>
+              <p:nvPr/>
+            </p:nvGrpSpPr>
+            <p:grpSpPr>
+              <a:xfrm>
+                <a:off x="3004406" y="3530330"/>
+                <a:ext cx="1176887" cy="1176888"/>
+                <a:chOff x="3004406" y="3530330"/>
+                <a:chExt cx="1176887" cy="1176888"/>
+              </a:xfrm>
+              <a:grpFill/>
+            </p:grpSpPr>
+            <p:sp>
+              <p:nvSpPr>
+                <p:cNvPr id="66" name="椭圆 65"/>
+                <p:cNvSpPr/>
+                <p:nvPr/>
+              </p:nvSpPr>
+              <p:spPr>
+                <a:xfrm>
+                  <a:off x="3004406" y="3530330"/>
+                  <a:ext cx="1176887" cy="1176888"/>
+                </a:xfrm>
+                <a:prstGeom prst="ellipse">
+                  <a:avLst/>
+                </a:prstGeom>
+                <a:grpFill/>
+                <a:ln>
+                  <a:solidFill>
+                    <a:schemeClr val="accent5">
+                      <a:lumMod val="75000"/>
+                    </a:schemeClr>
+                  </a:solidFill>
+                </a:ln>
+                <a:effectLst>
+                  <a:innerShdw blurRad="63500" dist="76200" dir="18900000">
+                    <a:schemeClr val="bg1">
+                      <a:alpha val="73000"/>
+                    </a:schemeClr>
+                  </a:innerShdw>
+                </a:effectLst>
+              </p:spPr>
+              <p:style>
+                <a:lnRef idx="2">
+                  <a:schemeClr val="accent1">
+                    <a:shade val="50000"/>
+                  </a:schemeClr>
+                </a:lnRef>
+                <a:fillRef idx="1">
+                  <a:schemeClr val="accent1"/>
+                </a:fillRef>
+                <a:effectRef idx="0">
+                  <a:schemeClr val="accent1"/>
+                </a:effectRef>
+                <a:fontRef idx="minor">
+                  <a:schemeClr val="lt1"/>
+                </a:fontRef>
+              </p:style>
+              <p:txBody>
+                <a:bodyPr rtlCol="0" anchor="ctr"/>
+                <a:lstStyle/>
+                <a:p>
+                  <a:pPr algn="ctr"/>
+                  <a:endParaRPr lang="zh-CN" altLang="en-US"/>
+                </a:p>
+              </p:txBody>
+            </p:sp>
+            <p:sp>
+              <p:nvSpPr>
+                <p:cNvPr id="67" name="椭圆 66"/>
+                <p:cNvSpPr/>
+                <p:nvPr/>
+              </p:nvSpPr>
+              <p:spPr>
+                <a:xfrm>
+                  <a:off x="3098035" y="3644128"/>
+                  <a:ext cx="991063" cy="991063"/>
+                </a:xfrm>
+                <a:prstGeom prst="ellipse">
+                  <a:avLst/>
+                </a:prstGeom>
+                <a:grpFill/>
+                <a:ln>
+                  <a:solidFill>
+                    <a:schemeClr val="accent5">
+                      <a:lumMod val="75000"/>
+                    </a:schemeClr>
+                  </a:solidFill>
+                </a:ln>
+              </p:spPr>
+              <p:style>
+                <a:lnRef idx="2">
+                  <a:schemeClr val="accent1">
+                    <a:shade val="50000"/>
+                  </a:schemeClr>
+                </a:lnRef>
+                <a:fillRef idx="1">
+                  <a:schemeClr val="accent1"/>
+                </a:fillRef>
+                <a:effectRef idx="0">
+                  <a:schemeClr val="accent1"/>
+                </a:effectRef>
+                <a:fontRef idx="minor">
+                  <a:schemeClr val="lt1"/>
+                </a:fontRef>
+              </p:style>
+              <p:txBody>
+                <a:bodyPr rtlCol="0" anchor="ctr"/>
+                <a:lstStyle/>
+                <a:p>
+                  <a:pPr algn="ctr"/>
+                  <a:endParaRPr lang="zh-CN" altLang="en-US"/>
+                </a:p>
+              </p:txBody>
+            </p:sp>
+          </p:grpSp>
           <p:sp>
             <p:nvSpPr>
-              <p:cNvPr id="68" name="椭圆 27"/>
-              <p:cNvSpPr/>
+              <p:cNvPr id="64" name="TextBox 63"/>
+              <p:cNvSpPr txBox="1"/>
               <p:nvPr/>
             </p:nvSpPr>
             <p:spPr>
               <a:xfrm>
-                <a:off x="2674167" y="4489156"/>
-                <a:ext cx="1961247" cy="923571"/>
+                <a:off x="3230459" y="3763802"/>
+                <a:ext cx="793997" cy="789974"/>
               </a:xfrm>
-              <a:custGeom>
+              <a:prstGeom prst="rect">
                 <a:avLst/>
-                <a:gdLst/>
-                <a:ahLst/>
-                <a:cxnLst/>
-                <a:rect l="l" t="t" r="r" b="b"/>
-                <a:pathLst>
-                  <a:path w="2279984" h="1073667">
-                    <a:moveTo>
-                      <a:pt x="1139992" y="0"/>
-                    </a:moveTo>
-                    <a:cubicBezTo>
-                      <a:pt x="1748056" y="0"/>
-                      <a:pt x="2245270" y="474603"/>
-                      <a:pt x="2279984" y="1073667"/>
-                    </a:cubicBezTo>
-                    <a:lnTo>
-                      <a:pt x="0" y="1073667"/>
-                    </a:lnTo>
-                    <a:cubicBezTo>
-                      <a:pt x="34715" y="474603"/>
-                      <a:pt x="531929" y="0"/>
-                      <a:pt x="1139992" y="0"/>
-                    </a:cubicBezTo>
-                    <a:close/>
-                  </a:path>
-                </a:pathLst>
-              </a:custGeom>
+              </a:prstGeom>
               <a:grpFill/>
               <a:ln>
-                <a:solidFill>
-                  <a:schemeClr val="accent5">
-                    <a:lumMod val="75000"/>
-                  </a:schemeClr>
-                </a:solidFill>
+                <a:noFill/>
               </a:ln>
-              <a:effectLst>
-                <a:innerShdw blurRad="63500" dist="76200" dir="18900000">
-                  <a:schemeClr val="bg1">
-                    <a:alpha val="73000"/>
-                  </a:schemeClr>
-                </a:innerShdw>
-              </a:effectLst>
             </p:spPr>
-            <p:style>
-              <a:lnRef idx="2">
-                <a:schemeClr val="accent1">
-                  <a:shade val="50000"/>
-                </a:schemeClr>
-              </a:lnRef>
-              <a:fillRef idx="1">
-                <a:schemeClr val="accent1"/>
-              </a:fillRef>
-              <a:effectRef idx="0">
-                <a:schemeClr val="accent1"/>
-              </a:effectRef>
-              <a:fontRef idx="minor">
-                <a:schemeClr val="lt1"/>
-              </a:fontRef>
-            </p:style>
             <p:txBody>
-              <a:bodyPr rtlCol="0" anchor="ctr"/>
+              <a:bodyPr wrap="square" rtlCol="0">
+                <a:spAutoFit/>
+              </a:bodyPr>
               <a:lstStyle/>
               <a:p>
-                <a:pPr algn="ctr"/>
-                <a:endParaRPr lang="zh-CN" altLang="en-US"/>
-              </a:p>
-            </p:txBody>
-          </p:sp>
-          <p:sp>
-            <p:nvSpPr>
-              <p:cNvPr id="69" name="椭圆 27"/>
-              <p:cNvSpPr/>
-              <p:nvPr/>
-            </p:nvSpPr>
-            <p:spPr>
-              <a:xfrm>
-                <a:off x="2771451" y="4585436"/>
-                <a:ext cx="1789602" cy="837992"/>
-              </a:xfrm>
-              <a:custGeom>
-                <a:avLst/>
-                <a:gdLst>
-                  <a:gd name="connsiteX0" fmla="*/ 2279984 w 2405951"/>
-                  <a:gd name="connsiteY0" fmla="*/ 1073667 h 1199634"/>
-                  <a:gd name="connsiteX1" fmla="*/ 0 w 2405951"/>
-                  <a:gd name="connsiteY1" fmla="*/ 1073667 h 1199634"/>
-                  <a:gd name="connsiteX2" fmla="*/ 1139992 w 2405951"/>
-                  <a:gd name="connsiteY2" fmla="*/ 0 h 1199634"/>
-                  <a:gd name="connsiteX3" fmla="*/ 2405951 w 2405951"/>
-                  <a:gd name="connsiteY3" fmla="*/ 1199634 h 1199634"/>
-                  <a:gd name="connsiteX0" fmla="*/ 0 w 2405951"/>
-                  <a:gd name="connsiteY0" fmla="*/ 1073667 h 1199634"/>
-                  <a:gd name="connsiteX1" fmla="*/ 1139992 w 2405951"/>
-                  <a:gd name="connsiteY1" fmla="*/ 0 h 1199634"/>
-                  <a:gd name="connsiteX2" fmla="*/ 2405951 w 2405951"/>
-                  <a:gd name="connsiteY2" fmla="*/ 1199634 h 1199634"/>
-                  <a:gd name="connsiteX0" fmla="*/ 0 w 2292904"/>
-                  <a:gd name="connsiteY0" fmla="*/ 1073667 h 1073667"/>
-                  <a:gd name="connsiteX1" fmla="*/ 1139992 w 2292904"/>
-                  <a:gd name="connsiteY1" fmla="*/ 0 h 1073667"/>
-                  <a:gd name="connsiteX2" fmla="*/ 2292904 w 2292904"/>
-                  <a:gd name="connsiteY2" fmla="*/ 1070436 h 1073667"/>
-                </a:gdLst>
-                <a:ahLst/>
-                <a:cxnLst>
-                  <a:cxn ang="0">
-                    <a:pos x="connsiteX0" y="connsiteY0"/>
-                  </a:cxn>
-                  <a:cxn ang="0">
-                    <a:pos x="connsiteX1" y="connsiteY1"/>
-                  </a:cxn>
-                  <a:cxn ang="0">
-                    <a:pos x="connsiteX2" y="connsiteY2"/>
-                  </a:cxn>
-                </a:cxnLst>
-                <a:rect l="l" t="t" r="r" b="b"/>
-                <a:pathLst>
-                  <a:path w="2292904" h="1073667">
-                    <a:moveTo>
-                      <a:pt x="0" y="1073667"/>
-                    </a:moveTo>
-                    <a:cubicBezTo>
-                      <a:pt x="34715" y="474603"/>
-                      <a:pt x="757841" y="539"/>
-                      <a:pt x="1139992" y="0"/>
-                    </a:cubicBezTo>
-                    <a:cubicBezTo>
-                      <a:pt x="1522143" y="-539"/>
-                      <a:pt x="2132223" y="345405"/>
-                      <a:pt x="2292904" y="1070436"/>
-                    </a:cubicBezTo>
-                  </a:path>
-                </a:pathLst>
-              </a:custGeom>
-              <a:grpFill/>
-              <a:ln>
-                <a:solidFill>
-                  <a:schemeClr val="accent5">
-                    <a:lumMod val="75000"/>
-                  </a:schemeClr>
-                </a:solidFill>
-              </a:ln>
-            </p:spPr>
-            <p:style>
-              <a:lnRef idx="2">
-                <a:schemeClr val="accent1">
-                  <a:shade val="50000"/>
-                </a:schemeClr>
-              </a:lnRef>
-              <a:fillRef idx="1">
-                <a:schemeClr val="accent1"/>
-              </a:fillRef>
-              <a:effectRef idx="0">
-                <a:schemeClr val="accent1"/>
-              </a:effectRef>
-              <a:fontRef idx="minor">
-                <a:schemeClr val="lt1"/>
-              </a:fontRef>
-            </p:style>
-            <p:txBody>
-              <a:bodyPr rtlCol="0" anchor="ctr"/>
-              <a:lstStyle/>
-              <a:p>
-                <a:pPr algn="ctr"/>
-                <a:endParaRPr lang="zh-CN" altLang="en-US"/>
+                <a:r>
+                  <a:rPr lang="en-US" altLang="zh-CN" sz="2000" b="1" dirty="0" smtClean="0">
+                    <a:solidFill>
+                      <a:schemeClr val="tx1">
+                        <a:lumMod val="75000"/>
+                        <a:lumOff val="25000"/>
+                      </a:schemeClr>
+                    </a:solidFill>
+                    <a:latin typeface="微软雅黑" pitchFamily="34" charset="-122"/>
+                    <a:ea typeface="微软雅黑" pitchFamily="34" charset="-122"/>
+                  </a:rPr>
+                  <a:t>A</a:t>
+                </a:r>
+                <a:endParaRPr lang="zh-CN" altLang="en-US" sz="2000" b="1" dirty="0">
+                  <a:solidFill>
+                    <a:schemeClr val="tx1">
+                      <a:lumMod val="75000"/>
+                      <a:lumOff val="25000"/>
+                    </a:schemeClr>
+                  </a:solidFill>
+                  <a:latin typeface="微软雅黑" pitchFamily="34" charset="-122"/>
+                  <a:ea typeface="微软雅黑" pitchFamily="34" charset="-122"/>
+                </a:endParaRPr>
               </a:p>
             </p:txBody>
           </p:sp>
         </p:grpSp>
         <p:grpSp>
           <p:nvGrpSpPr>
-            <p:cNvPr id="61" name="组合 60"/>
+            <p:cNvPr id="81" name="组合 80"/>
             <p:cNvGrpSpPr/>
             <p:nvPr/>
           </p:nvGrpSpPr>
           <p:grpSpPr>
             <a:xfrm>
-              <a:off x="3004406" y="3530330"/>
-              <a:ext cx="1176887" cy="1176888"/>
-              <a:chOff x="3004406" y="3530330"/>
-              <a:chExt cx="1176887" cy="1176888"/>
+              <a:off x="2116110" y="2263601"/>
+              <a:ext cx="970791" cy="958826"/>
+              <a:chOff x="2674167" y="3530330"/>
+              <a:chExt cx="1961247" cy="1893098"/>
             </a:xfrm>
-            <a:grpFill/>
+            <a:noFill/>
           </p:grpSpPr>
+          <p:grpSp>
+            <p:nvGrpSpPr>
+              <p:cNvPr id="82" name="组合 81"/>
+              <p:cNvGrpSpPr/>
+              <p:nvPr/>
+            </p:nvGrpSpPr>
+            <p:grpSpPr>
+              <a:xfrm>
+                <a:off x="2674167" y="4489156"/>
+                <a:ext cx="1961247" cy="934272"/>
+                <a:chOff x="2674167" y="4489156"/>
+                <a:chExt cx="1961247" cy="934272"/>
+              </a:xfrm>
+              <a:grpFill/>
+            </p:grpSpPr>
+            <p:sp>
+              <p:nvSpPr>
+                <p:cNvPr id="87" name="椭圆 27"/>
+                <p:cNvSpPr/>
+                <p:nvPr/>
+              </p:nvSpPr>
+              <p:spPr>
+                <a:xfrm>
+                  <a:off x="2674167" y="4489156"/>
+                  <a:ext cx="1961247" cy="923571"/>
+                </a:xfrm>
+                <a:custGeom>
+                  <a:avLst/>
+                  <a:gdLst/>
+                  <a:ahLst/>
+                  <a:cxnLst/>
+                  <a:rect l="l" t="t" r="r" b="b"/>
+                  <a:pathLst>
+                    <a:path w="2279984" h="1073667">
+                      <a:moveTo>
+                        <a:pt x="1139992" y="0"/>
+                      </a:moveTo>
+                      <a:cubicBezTo>
+                        <a:pt x="1748056" y="0"/>
+                        <a:pt x="2245270" y="474603"/>
+                        <a:pt x="2279984" y="1073667"/>
+                      </a:cubicBezTo>
+                      <a:lnTo>
+                        <a:pt x="0" y="1073667"/>
+                      </a:lnTo>
+                      <a:cubicBezTo>
+                        <a:pt x="34715" y="474603"/>
+                        <a:pt x="531929" y="0"/>
+                        <a:pt x="1139992" y="0"/>
+                      </a:cubicBezTo>
+                      <a:close/>
+                    </a:path>
+                  </a:pathLst>
+                </a:custGeom>
+                <a:grpFill/>
+                <a:ln>
+                  <a:solidFill>
+                    <a:schemeClr val="accent2">
+                      <a:lumMod val="50000"/>
+                    </a:schemeClr>
+                  </a:solidFill>
+                </a:ln>
+                <a:effectLst>
+                  <a:innerShdw blurRad="63500" dist="76200" dir="18900000">
+                    <a:schemeClr val="bg1">
+                      <a:alpha val="73000"/>
+                    </a:schemeClr>
+                  </a:innerShdw>
+                </a:effectLst>
+              </p:spPr>
+              <p:style>
+                <a:lnRef idx="2">
+                  <a:schemeClr val="accent1">
+                    <a:shade val="50000"/>
+                  </a:schemeClr>
+                </a:lnRef>
+                <a:fillRef idx="1">
+                  <a:schemeClr val="accent1"/>
+                </a:fillRef>
+                <a:effectRef idx="0">
+                  <a:schemeClr val="accent1"/>
+                </a:effectRef>
+                <a:fontRef idx="minor">
+                  <a:schemeClr val="lt1"/>
+                </a:fontRef>
+              </p:style>
+              <p:txBody>
+                <a:bodyPr rtlCol="0" anchor="ctr"/>
+                <a:lstStyle/>
+                <a:p>
+                  <a:pPr algn="ctr"/>
+                  <a:endParaRPr lang="zh-CN" altLang="en-US"/>
+                </a:p>
+              </p:txBody>
+            </p:sp>
+            <p:sp>
+              <p:nvSpPr>
+                <p:cNvPr id="88" name="椭圆 27"/>
+                <p:cNvSpPr/>
+                <p:nvPr/>
+              </p:nvSpPr>
+              <p:spPr>
+                <a:xfrm>
+                  <a:off x="2771451" y="4585436"/>
+                  <a:ext cx="1789602" cy="837992"/>
+                </a:xfrm>
+                <a:custGeom>
+                  <a:avLst/>
+                  <a:gdLst>
+                    <a:gd name="connsiteX0" fmla="*/ 2279984 w 2405951"/>
+                    <a:gd name="connsiteY0" fmla="*/ 1073667 h 1199634"/>
+                    <a:gd name="connsiteX1" fmla="*/ 0 w 2405951"/>
+                    <a:gd name="connsiteY1" fmla="*/ 1073667 h 1199634"/>
+                    <a:gd name="connsiteX2" fmla="*/ 1139992 w 2405951"/>
+                    <a:gd name="connsiteY2" fmla="*/ 0 h 1199634"/>
+                    <a:gd name="connsiteX3" fmla="*/ 2405951 w 2405951"/>
+                    <a:gd name="connsiteY3" fmla="*/ 1199634 h 1199634"/>
+                    <a:gd name="connsiteX0" fmla="*/ 0 w 2405951"/>
+                    <a:gd name="connsiteY0" fmla="*/ 1073667 h 1199634"/>
+                    <a:gd name="connsiteX1" fmla="*/ 1139992 w 2405951"/>
+                    <a:gd name="connsiteY1" fmla="*/ 0 h 1199634"/>
+                    <a:gd name="connsiteX2" fmla="*/ 2405951 w 2405951"/>
+                    <a:gd name="connsiteY2" fmla="*/ 1199634 h 1199634"/>
+                    <a:gd name="connsiteX0" fmla="*/ 0 w 2292904"/>
+                    <a:gd name="connsiteY0" fmla="*/ 1073667 h 1073667"/>
+                    <a:gd name="connsiteX1" fmla="*/ 1139992 w 2292904"/>
+                    <a:gd name="connsiteY1" fmla="*/ 0 h 1073667"/>
+                    <a:gd name="connsiteX2" fmla="*/ 2292904 w 2292904"/>
+                    <a:gd name="connsiteY2" fmla="*/ 1070436 h 1073667"/>
+                  </a:gdLst>
+                  <a:ahLst/>
+                  <a:cxnLst>
+                    <a:cxn ang="0">
+                      <a:pos x="connsiteX0" y="connsiteY0"/>
+                    </a:cxn>
+                    <a:cxn ang="0">
+                      <a:pos x="connsiteX1" y="connsiteY1"/>
+                    </a:cxn>
+                    <a:cxn ang="0">
+                      <a:pos x="connsiteX2" y="connsiteY2"/>
+                    </a:cxn>
+                  </a:cxnLst>
+                  <a:rect l="l" t="t" r="r" b="b"/>
+                  <a:pathLst>
+                    <a:path w="2292904" h="1073667">
+                      <a:moveTo>
+                        <a:pt x="0" y="1073667"/>
+                      </a:moveTo>
+                      <a:cubicBezTo>
+                        <a:pt x="34715" y="474603"/>
+                        <a:pt x="757841" y="539"/>
+                        <a:pt x="1139992" y="0"/>
+                      </a:cubicBezTo>
+                      <a:cubicBezTo>
+                        <a:pt x="1522143" y="-539"/>
+                        <a:pt x="2132223" y="345405"/>
+                        <a:pt x="2292904" y="1070436"/>
+                      </a:cubicBezTo>
+                    </a:path>
+                  </a:pathLst>
+                </a:custGeom>
+                <a:grpFill/>
+                <a:ln>
+                  <a:solidFill>
+                    <a:schemeClr val="accent2">
+                      <a:lumMod val="50000"/>
+                    </a:schemeClr>
+                  </a:solidFill>
+                </a:ln>
+              </p:spPr>
+              <p:style>
+                <a:lnRef idx="2">
+                  <a:schemeClr val="accent1">
+                    <a:shade val="50000"/>
+                  </a:schemeClr>
+                </a:lnRef>
+                <a:fillRef idx="1">
+                  <a:schemeClr val="accent1"/>
+                </a:fillRef>
+                <a:effectRef idx="0">
+                  <a:schemeClr val="accent1"/>
+                </a:effectRef>
+                <a:fontRef idx="minor">
+                  <a:schemeClr val="lt1"/>
+                </a:fontRef>
+              </p:style>
+              <p:txBody>
+                <a:bodyPr rtlCol="0" anchor="ctr"/>
+                <a:lstStyle/>
+                <a:p>
+                  <a:pPr algn="ctr"/>
+                  <a:endParaRPr lang="zh-CN" altLang="en-US"/>
+                </a:p>
+              </p:txBody>
+            </p:sp>
+          </p:grpSp>
+          <p:grpSp>
+            <p:nvGrpSpPr>
+              <p:cNvPr id="83" name="组合 82"/>
+              <p:cNvGrpSpPr/>
+              <p:nvPr/>
+            </p:nvGrpSpPr>
+            <p:grpSpPr>
+              <a:xfrm>
+                <a:off x="3004406" y="3530330"/>
+                <a:ext cx="1176887" cy="1176888"/>
+                <a:chOff x="3004406" y="3530330"/>
+                <a:chExt cx="1176887" cy="1176888"/>
+              </a:xfrm>
+              <a:grpFill/>
+            </p:grpSpPr>
+            <p:sp>
+              <p:nvSpPr>
+                <p:cNvPr id="85" name="椭圆 84"/>
+                <p:cNvSpPr/>
+                <p:nvPr/>
+              </p:nvSpPr>
+              <p:spPr>
+                <a:xfrm>
+                  <a:off x="3004406" y="3530330"/>
+                  <a:ext cx="1176887" cy="1176888"/>
+                </a:xfrm>
+                <a:prstGeom prst="ellipse">
+                  <a:avLst/>
+                </a:prstGeom>
+                <a:grpFill/>
+                <a:ln>
+                  <a:solidFill>
+                    <a:schemeClr val="accent2">
+                      <a:lumMod val="50000"/>
+                    </a:schemeClr>
+                  </a:solidFill>
+                </a:ln>
+                <a:effectLst>
+                  <a:innerShdw blurRad="63500" dist="76200" dir="18900000">
+                    <a:schemeClr val="bg1">
+                      <a:alpha val="73000"/>
+                    </a:schemeClr>
+                  </a:innerShdw>
+                </a:effectLst>
+              </p:spPr>
+              <p:style>
+                <a:lnRef idx="2">
+                  <a:schemeClr val="accent1">
+                    <a:shade val="50000"/>
+                  </a:schemeClr>
+                </a:lnRef>
+                <a:fillRef idx="1">
+                  <a:schemeClr val="accent1"/>
+                </a:fillRef>
+                <a:effectRef idx="0">
+                  <a:schemeClr val="accent1"/>
+                </a:effectRef>
+                <a:fontRef idx="minor">
+                  <a:schemeClr val="lt1"/>
+                </a:fontRef>
+              </p:style>
+              <p:txBody>
+                <a:bodyPr rtlCol="0" anchor="ctr"/>
+                <a:lstStyle/>
+                <a:p>
+                  <a:pPr algn="ctr"/>
+                  <a:endParaRPr lang="zh-CN" altLang="en-US"/>
+                </a:p>
+              </p:txBody>
+            </p:sp>
+            <p:sp>
+              <p:nvSpPr>
+                <p:cNvPr id="86" name="椭圆 85"/>
+                <p:cNvSpPr/>
+                <p:nvPr/>
+              </p:nvSpPr>
+              <p:spPr>
+                <a:xfrm>
+                  <a:off x="3098035" y="3644128"/>
+                  <a:ext cx="991063" cy="991063"/>
+                </a:xfrm>
+                <a:prstGeom prst="ellipse">
+                  <a:avLst/>
+                </a:prstGeom>
+                <a:grpFill/>
+                <a:ln>
+                  <a:solidFill>
+                    <a:schemeClr val="accent2">
+                      <a:lumMod val="50000"/>
+                    </a:schemeClr>
+                  </a:solidFill>
+                </a:ln>
+              </p:spPr>
+              <p:style>
+                <a:lnRef idx="2">
+                  <a:schemeClr val="accent1">
+                    <a:shade val="50000"/>
+                  </a:schemeClr>
+                </a:lnRef>
+                <a:fillRef idx="1">
+                  <a:schemeClr val="accent1"/>
+                </a:fillRef>
+                <a:effectRef idx="0">
+                  <a:schemeClr val="accent1"/>
+                </a:effectRef>
+                <a:fontRef idx="minor">
+                  <a:schemeClr val="lt1"/>
+                </a:fontRef>
+              </p:style>
+              <p:txBody>
+                <a:bodyPr rtlCol="0" anchor="ctr"/>
+                <a:lstStyle/>
+                <a:p>
+                  <a:pPr algn="ctr"/>
+                  <a:endParaRPr lang="zh-CN" altLang="en-US"/>
+                </a:p>
+              </p:txBody>
+            </p:sp>
+          </p:grpSp>
           <p:sp>
             <p:nvSpPr>
-              <p:cNvPr id="66" name="椭圆 65"/>
-              <p:cNvSpPr/>
+              <p:cNvPr id="84" name="TextBox 83"/>
+              <p:cNvSpPr txBox="1"/>
               <p:nvPr/>
             </p:nvSpPr>
             <p:spPr>
               <a:xfrm>
-                <a:off x="3004406" y="3530330"/>
-                <a:ext cx="1176887" cy="1176888"/>
+                <a:off x="3230459" y="3763802"/>
+                <a:ext cx="793997" cy="789974"/>
               </a:xfrm>
-              <a:prstGeom prst="ellipse">
+              <a:prstGeom prst="rect">
                 <a:avLst/>
               </a:prstGeom>
               <a:grpFill/>
               <a:ln>
-                <a:solidFill>
-                  <a:schemeClr val="accent5">
-                    <a:lumMod val="75000"/>
-                  </a:schemeClr>
-                </a:solidFill>
+                <a:noFill/>
               </a:ln>
-              <a:effectLst>
-                <a:innerShdw blurRad="63500" dist="76200" dir="18900000">
-                  <a:schemeClr val="bg1">
-                    <a:alpha val="73000"/>
-                  </a:schemeClr>
-                </a:innerShdw>
-              </a:effectLst>
             </p:spPr>
-            <p:style>
-              <a:lnRef idx="2">
-                <a:schemeClr val="accent1">
-                  <a:shade val="50000"/>
-                </a:schemeClr>
-              </a:lnRef>
-              <a:fillRef idx="1">
-                <a:schemeClr val="accent1"/>
-              </a:fillRef>
-              <a:effectRef idx="0">
-                <a:schemeClr val="accent1"/>
-              </a:effectRef>
-              <a:fontRef idx="minor">
-                <a:schemeClr val="lt1"/>
-              </a:fontRef>
-            </p:style>
             <p:txBody>
-              <a:bodyPr rtlCol="0" anchor="ctr"/>
+              <a:bodyPr wrap="square" rtlCol="0">
+                <a:spAutoFit/>
+              </a:bodyPr>
               <a:lstStyle/>
               <a:p>
-                <a:pPr algn="ctr"/>
-                <a:endParaRPr lang="zh-CN" altLang="en-US"/>
+                <a:r>
+                  <a:rPr lang="en-US" altLang="zh-CN" sz="2000" b="1" dirty="0">
+                    <a:solidFill>
+                      <a:schemeClr val="tx1">
+                        <a:lumMod val="75000"/>
+                        <a:lumOff val="25000"/>
+                      </a:schemeClr>
+                    </a:solidFill>
+                    <a:latin typeface="微软雅黑" pitchFamily="34" charset="-122"/>
+                    <a:ea typeface="微软雅黑" pitchFamily="34" charset="-122"/>
+                  </a:rPr>
+                  <a:t>B</a:t>
+                </a:r>
+                <a:endParaRPr lang="zh-CN" altLang="en-US" sz="2000" b="1" dirty="0">
+                  <a:solidFill>
+                    <a:schemeClr val="tx1">
+                      <a:lumMod val="75000"/>
+                      <a:lumOff val="25000"/>
+                    </a:schemeClr>
+                  </a:solidFill>
+                  <a:latin typeface="微软雅黑" pitchFamily="34" charset="-122"/>
+                  <a:ea typeface="微软雅黑" pitchFamily="34" charset="-122"/>
+                </a:endParaRPr>
               </a:p>
             </p:txBody>
           </p:sp>
+        </p:grpSp>
+        <p:grpSp>
+          <p:nvGrpSpPr>
+            <p:cNvPr id="73" name="组合 72"/>
+            <p:cNvGrpSpPr/>
+            <p:nvPr/>
+          </p:nvGrpSpPr>
+          <p:grpSpPr>
+            <a:xfrm>
+              <a:off x="2353765" y="3479449"/>
+              <a:ext cx="970791" cy="958826"/>
+              <a:chOff x="2674167" y="3530330"/>
+              <a:chExt cx="1961247" cy="1893098"/>
+            </a:xfrm>
+            <a:noFill/>
+          </p:grpSpPr>
+          <p:grpSp>
+            <p:nvGrpSpPr>
+              <p:cNvPr id="74" name="组合 73"/>
+              <p:cNvGrpSpPr/>
+              <p:nvPr/>
+            </p:nvGrpSpPr>
+            <p:grpSpPr>
+              <a:xfrm>
+                <a:off x="2674167" y="4489156"/>
+                <a:ext cx="1961247" cy="934272"/>
+                <a:chOff x="2674167" y="4489156"/>
+                <a:chExt cx="1961247" cy="934272"/>
+              </a:xfrm>
+              <a:grpFill/>
+            </p:grpSpPr>
+            <p:sp>
+              <p:nvSpPr>
+                <p:cNvPr id="79" name="椭圆 27"/>
+                <p:cNvSpPr/>
+                <p:nvPr/>
+              </p:nvSpPr>
+              <p:spPr>
+                <a:xfrm>
+                  <a:off x="2674167" y="4489156"/>
+                  <a:ext cx="1961247" cy="923571"/>
+                </a:xfrm>
+                <a:custGeom>
+                  <a:avLst/>
+                  <a:gdLst/>
+                  <a:ahLst/>
+                  <a:cxnLst/>
+                  <a:rect l="l" t="t" r="r" b="b"/>
+                  <a:pathLst>
+                    <a:path w="2279984" h="1073667">
+                      <a:moveTo>
+                        <a:pt x="1139992" y="0"/>
+                      </a:moveTo>
+                      <a:cubicBezTo>
+                        <a:pt x="1748056" y="0"/>
+                        <a:pt x="2245270" y="474603"/>
+                        <a:pt x="2279984" y="1073667"/>
+                      </a:cubicBezTo>
+                      <a:lnTo>
+                        <a:pt x="0" y="1073667"/>
+                      </a:lnTo>
+                      <a:cubicBezTo>
+                        <a:pt x="34715" y="474603"/>
+                        <a:pt x="531929" y="0"/>
+                        <a:pt x="1139992" y="0"/>
+                      </a:cubicBezTo>
+                      <a:close/>
+                    </a:path>
+                  </a:pathLst>
+                </a:custGeom>
+                <a:grpFill/>
+                <a:ln>
+                  <a:solidFill>
+                    <a:srgbClr val="FF0000"/>
+                  </a:solidFill>
+                </a:ln>
+                <a:effectLst>
+                  <a:innerShdw blurRad="63500" dist="76200" dir="18900000">
+                    <a:schemeClr val="bg1">
+                      <a:alpha val="73000"/>
+                    </a:schemeClr>
+                  </a:innerShdw>
+                </a:effectLst>
+              </p:spPr>
+              <p:style>
+                <a:lnRef idx="2">
+                  <a:schemeClr val="accent1">
+                    <a:shade val="50000"/>
+                  </a:schemeClr>
+                </a:lnRef>
+                <a:fillRef idx="1">
+                  <a:schemeClr val="accent1"/>
+                </a:fillRef>
+                <a:effectRef idx="0">
+                  <a:schemeClr val="accent1"/>
+                </a:effectRef>
+                <a:fontRef idx="minor">
+                  <a:schemeClr val="lt1"/>
+                </a:fontRef>
+              </p:style>
+              <p:txBody>
+                <a:bodyPr rtlCol="0" anchor="ctr"/>
+                <a:lstStyle/>
+                <a:p>
+                  <a:pPr algn="ctr"/>
+                  <a:endParaRPr lang="zh-CN" altLang="en-US"/>
+                </a:p>
+              </p:txBody>
+            </p:sp>
+            <p:sp>
+              <p:nvSpPr>
+                <p:cNvPr id="80" name="椭圆 27"/>
+                <p:cNvSpPr/>
+                <p:nvPr/>
+              </p:nvSpPr>
+              <p:spPr>
+                <a:xfrm>
+                  <a:off x="2771451" y="4585436"/>
+                  <a:ext cx="1789602" cy="837992"/>
+                </a:xfrm>
+                <a:custGeom>
+                  <a:avLst/>
+                  <a:gdLst>
+                    <a:gd name="connsiteX0" fmla="*/ 2279984 w 2405951"/>
+                    <a:gd name="connsiteY0" fmla="*/ 1073667 h 1199634"/>
+                    <a:gd name="connsiteX1" fmla="*/ 0 w 2405951"/>
+                    <a:gd name="connsiteY1" fmla="*/ 1073667 h 1199634"/>
+                    <a:gd name="connsiteX2" fmla="*/ 1139992 w 2405951"/>
+                    <a:gd name="connsiteY2" fmla="*/ 0 h 1199634"/>
+                    <a:gd name="connsiteX3" fmla="*/ 2405951 w 2405951"/>
+                    <a:gd name="connsiteY3" fmla="*/ 1199634 h 1199634"/>
+                    <a:gd name="connsiteX0" fmla="*/ 0 w 2405951"/>
+                    <a:gd name="connsiteY0" fmla="*/ 1073667 h 1199634"/>
+                    <a:gd name="connsiteX1" fmla="*/ 1139992 w 2405951"/>
+                    <a:gd name="connsiteY1" fmla="*/ 0 h 1199634"/>
+                    <a:gd name="connsiteX2" fmla="*/ 2405951 w 2405951"/>
+                    <a:gd name="connsiteY2" fmla="*/ 1199634 h 1199634"/>
+                    <a:gd name="connsiteX0" fmla="*/ 0 w 2292904"/>
+                    <a:gd name="connsiteY0" fmla="*/ 1073667 h 1073667"/>
+                    <a:gd name="connsiteX1" fmla="*/ 1139992 w 2292904"/>
+                    <a:gd name="connsiteY1" fmla="*/ 0 h 1073667"/>
+                    <a:gd name="connsiteX2" fmla="*/ 2292904 w 2292904"/>
+                    <a:gd name="connsiteY2" fmla="*/ 1070436 h 1073667"/>
+                  </a:gdLst>
+                  <a:ahLst/>
+                  <a:cxnLst>
+                    <a:cxn ang="0">
+                      <a:pos x="connsiteX0" y="connsiteY0"/>
+                    </a:cxn>
+                    <a:cxn ang="0">
+                      <a:pos x="connsiteX1" y="connsiteY1"/>
+                    </a:cxn>
+                    <a:cxn ang="0">
+                      <a:pos x="connsiteX2" y="connsiteY2"/>
+                    </a:cxn>
+                  </a:cxnLst>
+                  <a:rect l="l" t="t" r="r" b="b"/>
+                  <a:pathLst>
+                    <a:path w="2292904" h="1073667">
+                      <a:moveTo>
+                        <a:pt x="0" y="1073667"/>
+                      </a:moveTo>
+                      <a:cubicBezTo>
+                        <a:pt x="34715" y="474603"/>
+                        <a:pt x="757841" y="539"/>
+                        <a:pt x="1139992" y="0"/>
+                      </a:cubicBezTo>
+                      <a:cubicBezTo>
+                        <a:pt x="1522143" y="-539"/>
+                        <a:pt x="2132223" y="345405"/>
+                        <a:pt x="2292904" y="1070436"/>
+                      </a:cubicBezTo>
+                    </a:path>
+                  </a:pathLst>
+                </a:custGeom>
+                <a:grpFill/>
+                <a:ln>
+                  <a:solidFill>
+                    <a:srgbClr val="FF0000"/>
+                  </a:solidFill>
+                </a:ln>
+              </p:spPr>
+              <p:style>
+                <a:lnRef idx="2">
+                  <a:schemeClr val="accent1">
+                    <a:shade val="50000"/>
+                  </a:schemeClr>
+                </a:lnRef>
+                <a:fillRef idx="1">
+                  <a:schemeClr val="accent1"/>
+                </a:fillRef>
+                <a:effectRef idx="0">
+                  <a:schemeClr val="accent1"/>
+                </a:effectRef>
+                <a:fontRef idx="minor">
+                  <a:schemeClr val="lt1"/>
+                </a:fontRef>
+              </p:style>
+              <p:txBody>
+                <a:bodyPr rtlCol="0" anchor="ctr"/>
+                <a:lstStyle/>
+                <a:p>
+                  <a:pPr algn="ctr"/>
+                  <a:endParaRPr lang="zh-CN" altLang="en-US"/>
+                </a:p>
+              </p:txBody>
+            </p:sp>
+          </p:grpSp>
+          <p:grpSp>
+            <p:nvGrpSpPr>
+              <p:cNvPr id="75" name="组合 74"/>
+              <p:cNvGrpSpPr/>
+              <p:nvPr/>
+            </p:nvGrpSpPr>
+            <p:grpSpPr>
+              <a:xfrm>
+                <a:off x="3004406" y="3530330"/>
+                <a:ext cx="1176887" cy="1176888"/>
+                <a:chOff x="3004406" y="3530330"/>
+                <a:chExt cx="1176887" cy="1176888"/>
+              </a:xfrm>
+              <a:grpFill/>
+            </p:grpSpPr>
+            <p:sp>
+              <p:nvSpPr>
+                <p:cNvPr id="77" name="椭圆 76"/>
+                <p:cNvSpPr/>
+                <p:nvPr/>
+              </p:nvSpPr>
+              <p:spPr>
+                <a:xfrm>
+                  <a:off x="3004406" y="3530330"/>
+                  <a:ext cx="1176887" cy="1176888"/>
+                </a:xfrm>
+                <a:prstGeom prst="ellipse">
+                  <a:avLst/>
+                </a:prstGeom>
+                <a:grpFill/>
+                <a:ln>
+                  <a:solidFill>
+                    <a:srgbClr val="FF0000"/>
+                  </a:solidFill>
+                </a:ln>
+                <a:effectLst>
+                  <a:innerShdw blurRad="63500" dist="76200" dir="18900000">
+                    <a:schemeClr val="bg1">
+                      <a:alpha val="73000"/>
+                    </a:schemeClr>
+                  </a:innerShdw>
+                </a:effectLst>
+              </p:spPr>
+              <p:style>
+                <a:lnRef idx="2">
+                  <a:schemeClr val="accent1">
+                    <a:shade val="50000"/>
+                  </a:schemeClr>
+                </a:lnRef>
+                <a:fillRef idx="1">
+                  <a:schemeClr val="accent1"/>
+                </a:fillRef>
+                <a:effectRef idx="0">
+                  <a:schemeClr val="accent1"/>
+                </a:effectRef>
+                <a:fontRef idx="minor">
+                  <a:schemeClr val="lt1"/>
+                </a:fontRef>
+              </p:style>
+              <p:txBody>
+                <a:bodyPr rtlCol="0" anchor="ctr"/>
+                <a:lstStyle/>
+                <a:p>
+                  <a:pPr algn="ctr"/>
+                  <a:endParaRPr lang="zh-CN" altLang="en-US"/>
+                </a:p>
+              </p:txBody>
+            </p:sp>
+            <p:sp>
+              <p:nvSpPr>
+                <p:cNvPr id="78" name="椭圆 77"/>
+                <p:cNvSpPr/>
+                <p:nvPr/>
+              </p:nvSpPr>
+              <p:spPr>
+                <a:xfrm>
+                  <a:off x="3098035" y="3644128"/>
+                  <a:ext cx="991063" cy="991063"/>
+                </a:xfrm>
+                <a:prstGeom prst="ellipse">
+                  <a:avLst/>
+                </a:prstGeom>
+                <a:grpFill/>
+                <a:ln>
+                  <a:solidFill>
+                    <a:srgbClr val="FF0000"/>
+                  </a:solidFill>
+                </a:ln>
+              </p:spPr>
+              <p:style>
+                <a:lnRef idx="2">
+                  <a:schemeClr val="accent1">
+                    <a:shade val="50000"/>
+                  </a:schemeClr>
+                </a:lnRef>
+                <a:fillRef idx="1">
+                  <a:schemeClr val="accent1"/>
+                </a:fillRef>
+                <a:effectRef idx="0">
+                  <a:schemeClr val="accent1"/>
+                </a:effectRef>
+                <a:fontRef idx="minor">
+                  <a:schemeClr val="lt1"/>
+                </a:fontRef>
+              </p:style>
+              <p:txBody>
+                <a:bodyPr rtlCol="0" anchor="ctr"/>
+                <a:lstStyle/>
+                <a:p>
+                  <a:pPr algn="ctr"/>
+                  <a:endParaRPr lang="zh-CN" altLang="en-US"/>
+                </a:p>
+              </p:txBody>
+            </p:sp>
+          </p:grpSp>
           <p:sp>
             <p:nvSpPr>
-              <p:cNvPr id="67" name="椭圆 66"/>
-              <p:cNvSpPr/>
+              <p:cNvPr id="76" name="TextBox 75"/>
+              <p:cNvSpPr txBox="1"/>
               <p:nvPr/>
             </p:nvSpPr>
             <p:spPr>
               <a:xfrm>
-                <a:off x="3098035" y="3644128"/>
-                <a:ext cx="991063" cy="991063"/>
+                <a:off x="3230459" y="3763802"/>
+                <a:ext cx="793997" cy="789974"/>
               </a:xfrm>
-              <a:prstGeom prst="ellipse">
+              <a:prstGeom prst="rect">
                 <a:avLst/>
               </a:prstGeom>
               <a:grpFill/>
               <a:ln>
-                <a:solidFill>
-                  <a:schemeClr val="accent5">
-                    <a:lumMod val="75000"/>
-                  </a:schemeClr>
-                </a:solidFill>
+                <a:noFill/>
               </a:ln>
             </p:spPr>
-            <p:style>
-              <a:lnRef idx="2">
-                <a:schemeClr val="accent1">
-                  <a:shade val="50000"/>
-                </a:schemeClr>
-              </a:lnRef>
-              <a:fillRef idx="1">
-                <a:schemeClr val="accent1"/>
-              </a:fillRef>
-              <a:effectRef idx="0">
-                <a:schemeClr val="accent1"/>
-              </a:effectRef>
-              <a:fontRef idx="minor">
-                <a:schemeClr val="lt1"/>
-              </a:fontRef>
-            </p:style>
             <p:txBody>
-              <a:bodyPr rtlCol="0" anchor="ctr"/>
+              <a:bodyPr wrap="square" rtlCol="0">
+                <a:spAutoFit/>
+              </a:bodyPr>
               <a:lstStyle/>
               <a:p>
-                <a:pPr algn="ctr"/>
-                <a:endParaRPr lang="zh-CN" altLang="en-US"/>
+                <a:r>
+                  <a:rPr lang="en-US" altLang="zh-CN" sz="2000" b="1" dirty="0">
+                    <a:solidFill>
+                      <a:schemeClr val="tx1">
+                        <a:lumMod val="75000"/>
+                        <a:lumOff val="25000"/>
+                      </a:schemeClr>
+                    </a:solidFill>
+                    <a:latin typeface="微软雅黑" pitchFamily="34" charset="-122"/>
+                    <a:ea typeface="微软雅黑" pitchFamily="34" charset="-122"/>
+                  </a:rPr>
+                  <a:t>C</a:t>
+                </a:r>
+                <a:endParaRPr lang="zh-CN" altLang="en-US" sz="2000" b="1" dirty="0">
+                  <a:solidFill>
+                    <a:schemeClr val="tx1">
+                      <a:lumMod val="75000"/>
+                      <a:lumOff val="25000"/>
+                    </a:schemeClr>
+                  </a:solidFill>
+                  <a:latin typeface="微软雅黑" pitchFamily="34" charset="-122"/>
+                  <a:ea typeface="微软雅黑" pitchFamily="34" charset="-122"/>
+                </a:endParaRPr>
               </a:p>
             </p:txBody>
           </p:sp>
         </p:grpSp>
+        <p:cxnSp>
+          <p:nvCxnSpPr>
+            <p:cNvPr id="161" name="肘形连接符 160"/>
+            <p:cNvCxnSpPr/>
+            <p:nvPr/>
+          </p:nvCxnSpPr>
+          <p:spPr>
+            <a:xfrm rot="16200000" flipV="1">
+              <a:off x="5685918" y="3372102"/>
+              <a:ext cx="3103177" cy="2080165"/>
+            </a:xfrm>
+            <a:prstGeom prst="bentConnector2">
+              <a:avLst/>
+            </a:prstGeom>
+            <a:ln>
+              <a:solidFill>
+                <a:schemeClr val="tx2"/>
+              </a:solidFill>
+              <a:tailEnd type="arrow"/>
+            </a:ln>
+          </p:spPr>
+          <p:style>
+            <a:lnRef idx="2">
+              <a:schemeClr val="accent1"/>
+            </a:lnRef>
+            <a:fillRef idx="0">
+              <a:schemeClr val="accent1"/>
+            </a:fillRef>
+            <a:effectRef idx="1">
+              <a:schemeClr val="accent1"/>
+            </a:effectRef>
+            <a:fontRef idx="minor">
+              <a:schemeClr val="tx1"/>
+            </a:fontRef>
+          </p:style>
+        </p:cxnSp>
         <p:sp>
           <p:nvSpPr>
-            <p:cNvPr id="64" name="TextBox 63"/>
+            <p:cNvPr id="167" name="文本框 5"/>
             <p:cNvSpPr txBox="1"/>
             <p:nvPr/>
           </p:nvSpPr>
           <p:spPr>
             <a:xfrm>
-              <a:off x="3230459" y="3763802"/>
-              <a:ext cx="793997" cy="789974"/>
+              <a:off x="6020348" y="1375816"/>
+              <a:ext cx="2485116" cy="675057"/>
             </a:xfrm>
             <a:prstGeom prst="rect">
               <a:avLst/>
             </a:prstGeom>
-            <a:grpFill/>
-            <a:ln>
-              <a:noFill/>
-            </a:ln>
+            <a:noFill/>
           </p:spPr>
           <p:txBody>
             <a:bodyPr wrap="square" rtlCol="0">
@@ -12107,381 +13047,100 @@
             </a:bodyPr>
             <a:lstStyle/>
             <a:p>
+              <a:pPr>
+                <a:lnSpc>
+                  <a:spcPct val="120000"/>
+                </a:lnSpc>
+              </a:pPr>
               <a:r>
-                <a:rPr lang="en-US" altLang="zh-CN" sz="2000" b="1" dirty="0" smtClean="0">
-                  <a:solidFill>
-                    <a:schemeClr val="tx1">
-                      <a:lumMod val="75000"/>
-                      <a:lumOff val="25000"/>
-                    </a:schemeClr>
-                  </a:solidFill>
-                  <a:latin typeface="微软雅黑" pitchFamily="34" charset="-122"/>
-                  <a:ea typeface="微软雅黑" pitchFamily="34" charset="-122"/>
+                <a:rPr kumimoji="1" lang="zh-CN" altLang="en-US" sz="1600" dirty="0" smtClean="0">
+                  <a:solidFill>
+                    <a:srgbClr val="BFBFBF"/>
+                  </a:solidFill>
+                  <a:latin typeface="Zapf Dingbats"/>
+                  <a:ea typeface="Zapf Dingbats"/>
+                  <a:cs typeface="Zapf Dingbats"/>
+                  <a:sym typeface="Zapf Dingbats"/>
                 </a:rPr>
-                <a:t>A</a:t>
+                <a:t>✓</a:t>
               </a:r>
-              <a:endParaRPr lang="zh-CN" altLang="en-US" sz="2000" b="1" dirty="0">
+              <a:r>
+                <a:rPr kumimoji="1" lang="en-US" altLang="zh-CN" sz="1600" dirty="0" smtClean="0">
+                  <a:solidFill>
+                    <a:srgbClr val="BFBFBF"/>
+                  </a:solidFill>
+                  <a:latin typeface="Zapf Dingbats"/>
+                  <a:ea typeface="Zapf Dingbats"/>
+                  <a:cs typeface="Zapf Dingbats"/>
+                  <a:sym typeface="Zapf Dingbats"/>
+                </a:rPr>
+                <a:t>  </a:t>
+              </a:r>
+              <a:r>
+                <a:rPr kumimoji="1" lang="zh-CN" altLang="en-US" sz="1600" dirty="0" smtClean="0">
+                  <a:solidFill>
+                    <a:srgbClr val="BFBFBF"/>
+                  </a:solidFill>
+                  <a:latin typeface="Zapf Dingbats"/>
+                  <a:ea typeface="Zapf Dingbats"/>
+                  <a:cs typeface="Zapf Dingbats"/>
+                  <a:sym typeface="Zapf Dingbats"/>
+                </a:rPr>
+                <a:t>消息中心全渠道推送</a:t>
+              </a:r>
+              <a:endParaRPr kumimoji="1" lang="en-US" altLang="zh-CN" sz="1600" dirty="0" smtClean="0">
                 <a:solidFill>
-                  <a:schemeClr val="tx1">
-                    <a:lumMod val="75000"/>
-                    <a:lumOff val="25000"/>
-                  </a:schemeClr>
+                  <a:srgbClr val="BFBFBF"/>
                 </a:solidFill>
-                <a:latin typeface="微软雅黑" pitchFamily="34" charset="-122"/>
-                <a:ea typeface="微软雅黑" pitchFamily="34" charset="-122"/>
+              </a:endParaRPr>
+            </a:p>
+            <a:p>
+              <a:pPr marL="285750" indent="-285750">
+                <a:lnSpc>
+                  <a:spcPct val="120000"/>
+                </a:lnSpc>
+                <a:buFont typeface="Zapf Dingbats" charset="0"/>
+                <a:buChar char="✓"/>
+              </a:pPr>
+              <a:r>
+                <a:rPr kumimoji="1" lang="zh-CN" altLang="en-US" sz="1600" dirty="0" smtClean="0">
+                  <a:solidFill>
+                    <a:srgbClr val="BFBFBF"/>
+                  </a:solidFill>
+                  <a:latin typeface="Zapf Dingbats"/>
+                  <a:ea typeface="Zapf Dingbats"/>
+                  <a:cs typeface="Zapf Dingbats"/>
+                  <a:sym typeface="Zapf Dingbats"/>
+                </a:rPr>
+                <a:t>渠道端反馈营销效果</a:t>
+              </a:r>
+              <a:endParaRPr kumimoji="1" lang="en-US" altLang="zh-CN" sz="1600" dirty="0" smtClean="0">
+                <a:solidFill>
+                  <a:srgbClr val="BFBFBF"/>
+                </a:solidFill>
+                <a:latin typeface="Zapf Dingbats"/>
+                <a:ea typeface="Zapf Dingbats"/>
+                <a:cs typeface="Zapf Dingbats"/>
+                <a:sym typeface="Zapf Dingbats"/>
               </a:endParaRPr>
             </a:p>
           </p:txBody>
         </p:sp>
-      </p:grpSp>
-      <p:grpSp>
-        <p:nvGrpSpPr>
-          <p:cNvPr id="81" name="组合 80"/>
-          <p:cNvGrpSpPr/>
-          <p:nvPr/>
-        </p:nvGrpSpPr>
-        <p:grpSpPr>
-          <a:xfrm>
-            <a:off x="2116110" y="2322391"/>
-            <a:ext cx="970791" cy="958826"/>
-            <a:chOff x="2674167" y="3530330"/>
-            <a:chExt cx="1961247" cy="1893098"/>
-          </a:xfrm>
-          <a:noFill/>
-        </p:grpSpPr>
-        <p:grpSp>
-          <p:nvGrpSpPr>
-            <p:cNvPr id="82" name="组合 81"/>
-            <p:cNvGrpSpPr/>
-            <p:nvPr/>
-          </p:nvGrpSpPr>
-          <p:grpSpPr>
-            <a:xfrm>
-              <a:off x="2674167" y="4489156"/>
-              <a:ext cx="1961247" cy="934272"/>
-              <a:chOff x="2674167" y="4489156"/>
-              <a:chExt cx="1961247" cy="934272"/>
-            </a:xfrm>
-            <a:grpFill/>
-          </p:grpSpPr>
-          <p:sp>
-            <p:nvSpPr>
-              <p:cNvPr id="87" name="椭圆 27"/>
-              <p:cNvSpPr/>
-              <p:nvPr/>
-            </p:nvSpPr>
-            <p:spPr>
-              <a:xfrm>
-                <a:off x="2674167" y="4489156"/>
-                <a:ext cx="1961247" cy="923571"/>
-              </a:xfrm>
-              <a:custGeom>
-                <a:avLst/>
-                <a:gdLst/>
-                <a:ahLst/>
-                <a:cxnLst/>
-                <a:rect l="l" t="t" r="r" b="b"/>
-                <a:pathLst>
-                  <a:path w="2279984" h="1073667">
-                    <a:moveTo>
-                      <a:pt x="1139992" y="0"/>
-                    </a:moveTo>
-                    <a:cubicBezTo>
-                      <a:pt x="1748056" y="0"/>
-                      <a:pt x="2245270" y="474603"/>
-                      <a:pt x="2279984" y="1073667"/>
-                    </a:cubicBezTo>
-                    <a:lnTo>
-                      <a:pt x="0" y="1073667"/>
-                    </a:lnTo>
-                    <a:cubicBezTo>
-                      <a:pt x="34715" y="474603"/>
-                      <a:pt x="531929" y="0"/>
-                      <a:pt x="1139992" y="0"/>
-                    </a:cubicBezTo>
-                    <a:close/>
-                  </a:path>
-                </a:pathLst>
-              </a:custGeom>
-              <a:grpFill/>
-              <a:ln>
-                <a:solidFill>
-                  <a:schemeClr val="accent2">
-                    <a:lumMod val="50000"/>
-                  </a:schemeClr>
-                </a:solidFill>
-              </a:ln>
-              <a:effectLst>
-                <a:innerShdw blurRad="63500" dist="76200" dir="18900000">
-                  <a:schemeClr val="bg1">
-                    <a:alpha val="73000"/>
-                  </a:schemeClr>
-                </a:innerShdw>
-              </a:effectLst>
-            </p:spPr>
-            <p:style>
-              <a:lnRef idx="2">
-                <a:schemeClr val="accent1">
-                  <a:shade val="50000"/>
-                </a:schemeClr>
-              </a:lnRef>
-              <a:fillRef idx="1">
-                <a:schemeClr val="accent1"/>
-              </a:fillRef>
-              <a:effectRef idx="0">
-                <a:schemeClr val="accent1"/>
-              </a:effectRef>
-              <a:fontRef idx="minor">
-                <a:schemeClr val="lt1"/>
-              </a:fontRef>
-            </p:style>
-            <p:txBody>
-              <a:bodyPr rtlCol="0" anchor="ctr"/>
-              <a:lstStyle/>
-              <a:p>
-                <a:pPr algn="ctr"/>
-                <a:endParaRPr lang="zh-CN" altLang="en-US"/>
-              </a:p>
-            </p:txBody>
-          </p:sp>
-          <p:sp>
-            <p:nvSpPr>
-              <p:cNvPr id="88" name="椭圆 27"/>
-              <p:cNvSpPr/>
-              <p:nvPr/>
-            </p:nvSpPr>
-            <p:spPr>
-              <a:xfrm>
-                <a:off x="2771451" y="4585436"/>
-                <a:ext cx="1789602" cy="837992"/>
-              </a:xfrm>
-              <a:custGeom>
-                <a:avLst/>
-                <a:gdLst>
-                  <a:gd name="connsiteX0" fmla="*/ 2279984 w 2405951"/>
-                  <a:gd name="connsiteY0" fmla="*/ 1073667 h 1199634"/>
-                  <a:gd name="connsiteX1" fmla="*/ 0 w 2405951"/>
-                  <a:gd name="connsiteY1" fmla="*/ 1073667 h 1199634"/>
-                  <a:gd name="connsiteX2" fmla="*/ 1139992 w 2405951"/>
-                  <a:gd name="connsiteY2" fmla="*/ 0 h 1199634"/>
-                  <a:gd name="connsiteX3" fmla="*/ 2405951 w 2405951"/>
-                  <a:gd name="connsiteY3" fmla="*/ 1199634 h 1199634"/>
-                  <a:gd name="connsiteX0" fmla="*/ 0 w 2405951"/>
-                  <a:gd name="connsiteY0" fmla="*/ 1073667 h 1199634"/>
-                  <a:gd name="connsiteX1" fmla="*/ 1139992 w 2405951"/>
-                  <a:gd name="connsiteY1" fmla="*/ 0 h 1199634"/>
-                  <a:gd name="connsiteX2" fmla="*/ 2405951 w 2405951"/>
-                  <a:gd name="connsiteY2" fmla="*/ 1199634 h 1199634"/>
-                  <a:gd name="connsiteX0" fmla="*/ 0 w 2292904"/>
-                  <a:gd name="connsiteY0" fmla="*/ 1073667 h 1073667"/>
-                  <a:gd name="connsiteX1" fmla="*/ 1139992 w 2292904"/>
-                  <a:gd name="connsiteY1" fmla="*/ 0 h 1073667"/>
-                  <a:gd name="connsiteX2" fmla="*/ 2292904 w 2292904"/>
-                  <a:gd name="connsiteY2" fmla="*/ 1070436 h 1073667"/>
-                </a:gdLst>
-                <a:ahLst/>
-                <a:cxnLst>
-                  <a:cxn ang="0">
-                    <a:pos x="connsiteX0" y="connsiteY0"/>
-                  </a:cxn>
-                  <a:cxn ang="0">
-                    <a:pos x="connsiteX1" y="connsiteY1"/>
-                  </a:cxn>
-                  <a:cxn ang="0">
-                    <a:pos x="connsiteX2" y="connsiteY2"/>
-                  </a:cxn>
-                </a:cxnLst>
-                <a:rect l="l" t="t" r="r" b="b"/>
-                <a:pathLst>
-                  <a:path w="2292904" h="1073667">
-                    <a:moveTo>
-                      <a:pt x="0" y="1073667"/>
-                    </a:moveTo>
-                    <a:cubicBezTo>
-                      <a:pt x="34715" y="474603"/>
-                      <a:pt x="757841" y="539"/>
-                      <a:pt x="1139992" y="0"/>
-                    </a:cubicBezTo>
-                    <a:cubicBezTo>
-                      <a:pt x="1522143" y="-539"/>
-                      <a:pt x="2132223" y="345405"/>
-                      <a:pt x="2292904" y="1070436"/>
-                    </a:cubicBezTo>
-                  </a:path>
-                </a:pathLst>
-              </a:custGeom>
-              <a:grpFill/>
-              <a:ln>
-                <a:solidFill>
-                  <a:schemeClr val="accent2">
-                    <a:lumMod val="50000"/>
-                  </a:schemeClr>
-                </a:solidFill>
-              </a:ln>
-            </p:spPr>
-            <p:style>
-              <a:lnRef idx="2">
-                <a:schemeClr val="accent1">
-                  <a:shade val="50000"/>
-                </a:schemeClr>
-              </a:lnRef>
-              <a:fillRef idx="1">
-                <a:schemeClr val="accent1"/>
-              </a:fillRef>
-              <a:effectRef idx="0">
-                <a:schemeClr val="accent1"/>
-              </a:effectRef>
-              <a:fontRef idx="minor">
-                <a:schemeClr val="lt1"/>
-              </a:fontRef>
-            </p:style>
-            <p:txBody>
-              <a:bodyPr rtlCol="0" anchor="ctr"/>
-              <a:lstStyle/>
-              <a:p>
-                <a:pPr algn="ctr"/>
-                <a:endParaRPr lang="zh-CN" altLang="en-US"/>
-              </a:p>
-            </p:txBody>
-          </p:sp>
-        </p:grpSp>
-        <p:grpSp>
-          <p:nvGrpSpPr>
-            <p:cNvPr id="83" name="组合 82"/>
-            <p:cNvGrpSpPr/>
-            <p:nvPr/>
-          </p:nvGrpSpPr>
-          <p:grpSpPr>
-            <a:xfrm>
-              <a:off x="3004406" y="3530330"/>
-              <a:ext cx="1176887" cy="1176888"/>
-              <a:chOff x="3004406" y="3530330"/>
-              <a:chExt cx="1176887" cy="1176888"/>
-            </a:xfrm>
-            <a:grpFill/>
-          </p:grpSpPr>
-          <p:sp>
-            <p:nvSpPr>
-              <p:cNvPr id="85" name="椭圆 84"/>
-              <p:cNvSpPr/>
-              <p:nvPr/>
-            </p:nvSpPr>
-            <p:spPr>
-              <a:xfrm>
-                <a:off x="3004406" y="3530330"/>
-                <a:ext cx="1176887" cy="1176888"/>
-              </a:xfrm>
-              <a:prstGeom prst="ellipse">
-                <a:avLst/>
-              </a:prstGeom>
-              <a:grpFill/>
-              <a:ln>
-                <a:solidFill>
-                  <a:schemeClr val="accent2">
-                    <a:lumMod val="50000"/>
-                  </a:schemeClr>
-                </a:solidFill>
-              </a:ln>
-              <a:effectLst>
-                <a:innerShdw blurRad="63500" dist="76200" dir="18900000">
-                  <a:schemeClr val="bg1">
-                    <a:alpha val="73000"/>
-                  </a:schemeClr>
-                </a:innerShdw>
-              </a:effectLst>
-            </p:spPr>
-            <p:style>
-              <a:lnRef idx="2">
-                <a:schemeClr val="accent1">
-                  <a:shade val="50000"/>
-                </a:schemeClr>
-              </a:lnRef>
-              <a:fillRef idx="1">
-                <a:schemeClr val="accent1"/>
-              </a:fillRef>
-              <a:effectRef idx="0">
-                <a:schemeClr val="accent1"/>
-              </a:effectRef>
-              <a:fontRef idx="minor">
-                <a:schemeClr val="lt1"/>
-              </a:fontRef>
-            </p:style>
-            <p:txBody>
-              <a:bodyPr rtlCol="0" anchor="ctr"/>
-              <a:lstStyle/>
-              <a:p>
-                <a:pPr algn="ctr"/>
-                <a:endParaRPr lang="zh-CN" altLang="en-US"/>
-              </a:p>
-            </p:txBody>
-          </p:sp>
-          <p:sp>
-            <p:nvSpPr>
-              <p:cNvPr id="86" name="椭圆 85"/>
-              <p:cNvSpPr/>
-              <p:nvPr/>
-            </p:nvSpPr>
-            <p:spPr>
-              <a:xfrm>
-                <a:off x="3098035" y="3644128"/>
-                <a:ext cx="991063" cy="991063"/>
-              </a:xfrm>
-              <a:prstGeom prst="ellipse">
-                <a:avLst/>
-              </a:prstGeom>
-              <a:grpFill/>
-              <a:ln>
-                <a:solidFill>
-                  <a:schemeClr val="accent2">
-                    <a:lumMod val="50000"/>
-                  </a:schemeClr>
-                </a:solidFill>
-              </a:ln>
-            </p:spPr>
-            <p:style>
-              <a:lnRef idx="2">
-                <a:schemeClr val="accent1">
-                  <a:shade val="50000"/>
-                </a:schemeClr>
-              </a:lnRef>
-              <a:fillRef idx="1">
-                <a:schemeClr val="accent1"/>
-              </a:fillRef>
-              <a:effectRef idx="0">
-                <a:schemeClr val="accent1"/>
-              </a:effectRef>
-              <a:fontRef idx="minor">
-                <a:schemeClr val="lt1"/>
-              </a:fontRef>
-            </p:style>
-            <p:txBody>
-              <a:bodyPr rtlCol="0" anchor="ctr"/>
-              <a:lstStyle/>
-              <a:p>
-                <a:pPr algn="ctr"/>
-                <a:endParaRPr lang="zh-CN" altLang="en-US"/>
-              </a:p>
-            </p:txBody>
-          </p:sp>
-        </p:grpSp>
         <p:sp>
           <p:nvSpPr>
-            <p:cNvPr id="84" name="TextBox 83"/>
+            <p:cNvPr id="168" name="文本框 5"/>
             <p:cNvSpPr txBox="1"/>
             <p:nvPr/>
           </p:nvSpPr>
           <p:spPr>
             <a:xfrm>
-              <a:off x="3230459" y="3763802"/>
-              <a:ext cx="793997" cy="789974"/>
+              <a:off x="352429" y="4856729"/>
+              <a:ext cx="2485116" cy="970522"/>
             </a:xfrm>
             <a:prstGeom prst="rect">
               <a:avLst/>
             </a:prstGeom>
-            <a:grpFill/>
-            <a:ln>
-              <a:noFill/>
-            </a:ln>
+            <a:noFill/>
           </p:spPr>
           <p:txBody>
             <a:bodyPr wrap="square" rtlCol="0">
@@ -12489,373 +13148,142 @@
             </a:bodyPr>
             <a:lstStyle/>
             <a:p>
+              <a:pPr>
+                <a:lnSpc>
+                  <a:spcPct val="120000"/>
+                </a:lnSpc>
+              </a:pPr>
               <a:r>
-                <a:rPr lang="en-US" altLang="zh-CN" sz="2000" b="1" dirty="0">
-                  <a:solidFill>
-                    <a:schemeClr val="tx1">
-                      <a:lumMod val="75000"/>
-                      <a:lumOff val="25000"/>
-                    </a:schemeClr>
-                  </a:solidFill>
-                  <a:latin typeface="微软雅黑" pitchFamily="34" charset="-122"/>
-                  <a:ea typeface="微软雅黑" pitchFamily="34" charset="-122"/>
+                <a:rPr kumimoji="1" lang="zh-CN" altLang="en-US" sz="1600" dirty="0" smtClean="0">
+                  <a:solidFill>
+                    <a:srgbClr val="BFBFBF"/>
+                  </a:solidFill>
+                  <a:latin typeface="Zapf Dingbats"/>
+                  <a:ea typeface="Zapf Dingbats"/>
+                  <a:cs typeface="Zapf Dingbats"/>
+                  <a:sym typeface="Zapf Dingbats"/>
                 </a:rPr>
-                <a:t>B</a:t>
+                <a:t>✓</a:t>
               </a:r>
-              <a:endParaRPr lang="zh-CN" altLang="en-US" sz="2000" b="1" dirty="0">
+              <a:r>
+                <a:rPr kumimoji="1" lang="en-US" altLang="zh-CN" sz="1600" dirty="0" smtClean="0">
+                  <a:solidFill>
+                    <a:srgbClr val="BFBFBF"/>
+                  </a:solidFill>
+                  <a:latin typeface="Zapf Dingbats"/>
+                  <a:ea typeface="Zapf Dingbats"/>
+                  <a:cs typeface="Zapf Dingbats"/>
+                  <a:sym typeface="Zapf Dingbats"/>
+                </a:rPr>
+                <a:t> </a:t>
+              </a:r>
+              <a:r>
+                <a:rPr kumimoji="1" lang="en-US" altLang="zh-CN" sz="1600" dirty="0" smtClean="0">
+                  <a:solidFill>
+                    <a:srgbClr val="BFBFBF"/>
+                  </a:solidFill>
+                  <a:latin typeface="Zapf Dingbats"/>
+                  <a:ea typeface="Zapf Dingbats"/>
+                  <a:cs typeface="Zapf Dingbats"/>
+                  <a:sym typeface="Zapf Dingbats"/>
+                </a:rPr>
+                <a:t> </a:t>
+              </a:r>
+              <a:r>
+                <a:rPr kumimoji="1" lang="zh-CN" altLang="en-US" sz="1600" dirty="0" smtClean="0">
+                  <a:solidFill>
+                    <a:srgbClr val="BFBFBF"/>
+                  </a:solidFill>
+                  <a:latin typeface="Zapf Dingbats"/>
+                  <a:ea typeface="Zapf Dingbats"/>
+                  <a:cs typeface="Zapf Dingbats"/>
+                  <a:sym typeface="Zapf Dingbats"/>
+                </a:rPr>
+                <a:t>自动任务扫描</a:t>
+              </a:r>
+              <a:endParaRPr kumimoji="1" lang="en-US" altLang="zh-CN" sz="1600" dirty="0" smtClean="0">
                 <a:solidFill>
-                  <a:schemeClr val="tx1">
-                    <a:lumMod val="75000"/>
-                    <a:lumOff val="25000"/>
-                  </a:schemeClr>
+                  <a:srgbClr val="BFBFBF"/>
                 </a:solidFill>
-                <a:latin typeface="微软雅黑" pitchFamily="34" charset="-122"/>
-                <a:ea typeface="微软雅黑" pitchFamily="34" charset="-122"/>
+              </a:endParaRPr>
+            </a:p>
+            <a:p>
+              <a:pPr marL="285750" indent="-285750">
+                <a:lnSpc>
+                  <a:spcPct val="120000"/>
+                </a:lnSpc>
+                <a:buFont typeface="Zapf Dingbats" charset="0"/>
+                <a:buChar char="✓"/>
+              </a:pPr>
+              <a:r>
+                <a:rPr kumimoji="1" lang="zh-CN" altLang="en-US" sz="1600" dirty="0" smtClean="0">
+                  <a:solidFill>
+                    <a:srgbClr val="BFBFBF"/>
+                  </a:solidFill>
+                  <a:latin typeface="Zapf Dingbats"/>
+                  <a:ea typeface="Zapf Dingbats"/>
+                  <a:cs typeface="Zapf Dingbats"/>
+                  <a:sym typeface="Zapf Dingbats"/>
+                </a:rPr>
+                <a:t>用户活动匹配</a:t>
+              </a:r>
+              <a:endParaRPr kumimoji="1" lang="en-US" altLang="zh-CN" sz="1600" dirty="0" smtClean="0">
+                <a:solidFill>
+                  <a:srgbClr val="BFBFBF"/>
+                </a:solidFill>
+                <a:latin typeface="Zapf Dingbats"/>
+                <a:ea typeface="Zapf Dingbats"/>
+                <a:cs typeface="Zapf Dingbats"/>
+                <a:sym typeface="Zapf Dingbats"/>
+              </a:endParaRPr>
+            </a:p>
+            <a:p>
+              <a:pPr marL="285750" indent="-285750">
+                <a:lnSpc>
+                  <a:spcPct val="120000"/>
+                </a:lnSpc>
+                <a:buFont typeface="Zapf Dingbats" charset="0"/>
+                <a:buChar char="✓"/>
+              </a:pPr>
+              <a:r>
+                <a:rPr kumimoji="1" lang="zh-CN" altLang="en-US" sz="1600" dirty="0" smtClean="0">
+                  <a:solidFill>
+                    <a:srgbClr val="BFBFBF"/>
+                  </a:solidFill>
+                  <a:latin typeface="Zapf Dingbats"/>
+                  <a:ea typeface="Zapf Dingbats"/>
+                  <a:cs typeface="Zapf Dingbats"/>
+                  <a:sym typeface="Zapf Dingbats"/>
+                </a:rPr>
+                <a:t>活动通知</a:t>
+              </a:r>
+              <a:endParaRPr kumimoji="1" lang="en-US" altLang="zh-CN" sz="1600" dirty="0" smtClean="0">
+                <a:solidFill>
+                  <a:srgbClr val="BFBFBF"/>
+                </a:solidFill>
+                <a:latin typeface="Zapf Dingbats"/>
+                <a:ea typeface="Zapf Dingbats"/>
+                <a:cs typeface="Zapf Dingbats"/>
+                <a:sym typeface="Zapf Dingbats"/>
               </a:endParaRPr>
             </a:p>
           </p:txBody>
         </p:sp>
-      </p:grpSp>
-      <p:grpSp>
-        <p:nvGrpSpPr>
-          <p:cNvPr id="73" name="组合 72"/>
-          <p:cNvGrpSpPr/>
-          <p:nvPr/>
-        </p:nvGrpSpPr>
-        <p:grpSpPr>
-          <a:xfrm>
-            <a:off x="2353765" y="3538239"/>
-            <a:ext cx="970791" cy="958826"/>
-            <a:chOff x="2674167" y="3530330"/>
-            <a:chExt cx="1961247" cy="1893098"/>
-          </a:xfrm>
-          <a:noFill/>
-        </p:grpSpPr>
-        <p:grpSp>
-          <p:nvGrpSpPr>
-            <p:cNvPr id="74" name="组合 73"/>
-            <p:cNvGrpSpPr/>
-            <p:nvPr/>
-          </p:nvGrpSpPr>
-          <p:grpSpPr>
-            <a:xfrm>
-              <a:off x="2674167" y="4489156"/>
-              <a:ext cx="1961247" cy="934272"/>
-              <a:chOff x="2674167" y="4489156"/>
-              <a:chExt cx="1961247" cy="934272"/>
-            </a:xfrm>
-            <a:grpFill/>
-          </p:grpSpPr>
-          <p:sp>
-            <p:nvSpPr>
-              <p:cNvPr id="79" name="椭圆 27"/>
-              <p:cNvSpPr/>
-              <p:nvPr/>
-            </p:nvSpPr>
-            <p:spPr>
-              <a:xfrm>
-                <a:off x="2674167" y="4489156"/>
-                <a:ext cx="1961247" cy="923571"/>
-              </a:xfrm>
-              <a:custGeom>
-                <a:avLst/>
-                <a:gdLst/>
-                <a:ahLst/>
-                <a:cxnLst/>
-                <a:rect l="l" t="t" r="r" b="b"/>
-                <a:pathLst>
-                  <a:path w="2279984" h="1073667">
-                    <a:moveTo>
-                      <a:pt x="1139992" y="0"/>
-                    </a:moveTo>
-                    <a:cubicBezTo>
-                      <a:pt x="1748056" y="0"/>
-                      <a:pt x="2245270" y="474603"/>
-                      <a:pt x="2279984" y="1073667"/>
-                    </a:cubicBezTo>
-                    <a:lnTo>
-                      <a:pt x="0" y="1073667"/>
-                    </a:lnTo>
-                    <a:cubicBezTo>
-                      <a:pt x="34715" y="474603"/>
-                      <a:pt x="531929" y="0"/>
-                      <a:pt x="1139992" y="0"/>
-                    </a:cubicBezTo>
-                    <a:close/>
-                  </a:path>
-                </a:pathLst>
-              </a:custGeom>
-              <a:grpFill/>
-              <a:ln>
-                <a:solidFill>
-                  <a:srgbClr val="FF0000"/>
-                </a:solidFill>
-              </a:ln>
-              <a:effectLst>
-                <a:innerShdw blurRad="63500" dist="76200" dir="18900000">
-                  <a:schemeClr val="bg1">
-                    <a:alpha val="73000"/>
-                  </a:schemeClr>
-                </a:innerShdw>
-              </a:effectLst>
-            </p:spPr>
-            <p:style>
-              <a:lnRef idx="2">
-                <a:schemeClr val="accent1">
-                  <a:shade val="50000"/>
-                </a:schemeClr>
-              </a:lnRef>
-              <a:fillRef idx="1">
-                <a:schemeClr val="accent1"/>
-              </a:fillRef>
-              <a:effectRef idx="0">
-                <a:schemeClr val="accent1"/>
-              </a:effectRef>
-              <a:fontRef idx="minor">
-                <a:schemeClr val="lt1"/>
-              </a:fontRef>
-            </p:style>
-            <p:txBody>
-              <a:bodyPr rtlCol="0" anchor="ctr"/>
-              <a:lstStyle/>
-              <a:p>
-                <a:pPr algn="ctr"/>
-                <a:endParaRPr lang="zh-CN" altLang="en-US"/>
-              </a:p>
-            </p:txBody>
-          </p:sp>
-          <p:sp>
-            <p:nvSpPr>
-              <p:cNvPr id="80" name="椭圆 27"/>
-              <p:cNvSpPr/>
-              <p:nvPr/>
-            </p:nvSpPr>
-            <p:spPr>
-              <a:xfrm>
-                <a:off x="2771451" y="4585436"/>
-                <a:ext cx="1789602" cy="837992"/>
-              </a:xfrm>
-              <a:custGeom>
-                <a:avLst/>
-                <a:gdLst>
-                  <a:gd name="connsiteX0" fmla="*/ 2279984 w 2405951"/>
-                  <a:gd name="connsiteY0" fmla="*/ 1073667 h 1199634"/>
-                  <a:gd name="connsiteX1" fmla="*/ 0 w 2405951"/>
-                  <a:gd name="connsiteY1" fmla="*/ 1073667 h 1199634"/>
-                  <a:gd name="connsiteX2" fmla="*/ 1139992 w 2405951"/>
-                  <a:gd name="connsiteY2" fmla="*/ 0 h 1199634"/>
-                  <a:gd name="connsiteX3" fmla="*/ 2405951 w 2405951"/>
-                  <a:gd name="connsiteY3" fmla="*/ 1199634 h 1199634"/>
-                  <a:gd name="connsiteX0" fmla="*/ 0 w 2405951"/>
-                  <a:gd name="connsiteY0" fmla="*/ 1073667 h 1199634"/>
-                  <a:gd name="connsiteX1" fmla="*/ 1139992 w 2405951"/>
-                  <a:gd name="connsiteY1" fmla="*/ 0 h 1199634"/>
-                  <a:gd name="connsiteX2" fmla="*/ 2405951 w 2405951"/>
-                  <a:gd name="connsiteY2" fmla="*/ 1199634 h 1199634"/>
-                  <a:gd name="connsiteX0" fmla="*/ 0 w 2292904"/>
-                  <a:gd name="connsiteY0" fmla="*/ 1073667 h 1073667"/>
-                  <a:gd name="connsiteX1" fmla="*/ 1139992 w 2292904"/>
-                  <a:gd name="connsiteY1" fmla="*/ 0 h 1073667"/>
-                  <a:gd name="connsiteX2" fmla="*/ 2292904 w 2292904"/>
-                  <a:gd name="connsiteY2" fmla="*/ 1070436 h 1073667"/>
-                </a:gdLst>
-                <a:ahLst/>
-                <a:cxnLst>
-                  <a:cxn ang="0">
-                    <a:pos x="connsiteX0" y="connsiteY0"/>
-                  </a:cxn>
-                  <a:cxn ang="0">
-                    <a:pos x="connsiteX1" y="connsiteY1"/>
-                  </a:cxn>
-                  <a:cxn ang="0">
-                    <a:pos x="connsiteX2" y="connsiteY2"/>
-                  </a:cxn>
-                </a:cxnLst>
-                <a:rect l="l" t="t" r="r" b="b"/>
-                <a:pathLst>
-                  <a:path w="2292904" h="1073667">
-                    <a:moveTo>
-                      <a:pt x="0" y="1073667"/>
-                    </a:moveTo>
-                    <a:cubicBezTo>
-                      <a:pt x="34715" y="474603"/>
-                      <a:pt x="757841" y="539"/>
-                      <a:pt x="1139992" y="0"/>
-                    </a:cubicBezTo>
-                    <a:cubicBezTo>
-                      <a:pt x="1522143" y="-539"/>
-                      <a:pt x="2132223" y="345405"/>
-                      <a:pt x="2292904" y="1070436"/>
-                    </a:cubicBezTo>
-                  </a:path>
-                </a:pathLst>
-              </a:custGeom>
-              <a:grpFill/>
-              <a:ln>
-                <a:solidFill>
-                  <a:srgbClr val="FF0000"/>
-                </a:solidFill>
-              </a:ln>
-            </p:spPr>
-            <p:style>
-              <a:lnRef idx="2">
-                <a:schemeClr val="accent1">
-                  <a:shade val="50000"/>
-                </a:schemeClr>
-              </a:lnRef>
-              <a:fillRef idx="1">
-                <a:schemeClr val="accent1"/>
-              </a:fillRef>
-              <a:effectRef idx="0">
-                <a:schemeClr val="accent1"/>
-              </a:effectRef>
-              <a:fontRef idx="minor">
-                <a:schemeClr val="lt1"/>
-              </a:fontRef>
-            </p:style>
-            <p:txBody>
-              <a:bodyPr rtlCol="0" anchor="ctr"/>
-              <a:lstStyle/>
-              <a:p>
-                <a:pPr algn="ctr"/>
-                <a:endParaRPr lang="zh-CN" altLang="en-US"/>
-              </a:p>
-            </p:txBody>
-          </p:sp>
-        </p:grpSp>
-        <p:grpSp>
-          <p:nvGrpSpPr>
-            <p:cNvPr id="75" name="组合 74"/>
-            <p:cNvGrpSpPr/>
-            <p:nvPr/>
-          </p:nvGrpSpPr>
-          <p:grpSpPr>
-            <a:xfrm>
-              <a:off x="3004406" y="3530330"/>
-              <a:ext cx="1176887" cy="1176888"/>
-              <a:chOff x="3004406" y="3530330"/>
-              <a:chExt cx="1176887" cy="1176888"/>
-            </a:xfrm>
-            <a:grpFill/>
-          </p:grpSpPr>
-          <p:sp>
-            <p:nvSpPr>
-              <p:cNvPr id="77" name="椭圆 76"/>
-              <p:cNvSpPr/>
-              <p:nvPr/>
-            </p:nvSpPr>
-            <p:spPr>
-              <a:xfrm>
-                <a:off x="3004406" y="3530330"/>
-                <a:ext cx="1176887" cy="1176888"/>
-              </a:xfrm>
-              <a:prstGeom prst="ellipse">
-                <a:avLst/>
-              </a:prstGeom>
-              <a:grpFill/>
-              <a:ln>
-                <a:solidFill>
-                  <a:srgbClr val="FF0000"/>
-                </a:solidFill>
-              </a:ln>
-              <a:effectLst>
-                <a:innerShdw blurRad="63500" dist="76200" dir="18900000">
-                  <a:schemeClr val="bg1">
-                    <a:alpha val="73000"/>
-                  </a:schemeClr>
-                </a:innerShdw>
-              </a:effectLst>
-            </p:spPr>
-            <p:style>
-              <a:lnRef idx="2">
-                <a:schemeClr val="accent1">
-                  <a:shade val="50000"/>
-                </a:schemeClr>
-              </a:lnRef>
-              <a:fillRef idx="1">
-                <a:schemeClr val="accent1"/>
-              </a:fillRef>
-              <a:effectRef idx="0">
-                <a:schemeClr val="accent1"/>
-              </a:effectRef>
-              <a:fontRef idx="minor">
-                <a:schemeClr val="lt1"/>
-              </a:fontRef>
-            </p:style>
-            <p:txBody>
-              <a:bodyPr rtlCol="0" anchor="ctr"/>
-              <a:lstStyle/>
-              <a:p>
-                <a:pPr algn="ctr"/>
-                <a:endParaRPr lang="zh-CN" altLang="en-US"/>
-              </a:p>
-            </p:txBody>
-          </p:sp>
-          <p:sp>
-            <p:nvSpPr>
-              <p:cNvPr id="78" name="椭圆 77"/>
-              <p:cNvSpPr/>
-              <p:nvPr/>
-            </p:nvSpPr>
-            <p:spPr>
-              <a:xfrm>
-                <a:off x="3098035" y="3644128"/>
-                <a:ext cx="991063" cy="991063"/>
-              </a:xfrm>
-              <a:prstGeom prst="ellipse">
-                <a:avLst/>
-              </a:prstGeom>
-              <a:grpFill/>
-              <a:ln>
-                <a:solidFill>
-                  <a:srgbClr val="FF0000"/>
-                </a:solidFill>
-              </a:ln>
-            </p:spPr>
-            <p:style>
-              <a:lnRef idx="2">
-                <a:schemeClr val="accent1">
-                  <a:shade val="50000"/>
-                </a:schemeClr>
-              </a:lnRef>
-              <a:fillRef idx="1">
-                <a:schemeClr val="accent1"/>
-              </a:fillRef>
-              <a:effectRef idx="0">
-                <a:schemeClr val="accent1"/>
-              </a:effectRef>
-              <a:fontRef idx="minor">
-                <a:schemeClr val="lt1"/>
-              </a:fontRef>
-            </p:style>
-            <p:txBody>
-              <a:bodyPr rtlCol="0" anchor="ctr"/>
-              <a:lstStyle/>
-              <a:p>
-                <a:pPr algn="ctr"/>
-                <a:endParaRPr lang="zh-CN" altLang="en-US"/>
-              </a:p>
-            </p:txBody>
-          </p:sp>
-        </p:grpSp>
         <p:sp>
           <p:nvSpPr>
-            <p:cNvPr id="76" name="TextBox 75"/>
+            <p:cNvPr id="65" name="文本框 5"/>
             <p:cNvSpPr txBox="1"/>
             <p:nvPr/>
           </p:nvSpPr>
           <p:spPr>
             <a:xfrm>
-              <a:off x="3230459" y="3763802"/>
-              <a:ext cx="793997" cy="789974"/>
+              <a:off x="3369796" y="1482873"/>
+              <a:ext cx="697576" cy="343684"/>
             </a:xfrm>
             <a:prstGeom prst="rect">
               <a:avLst/>
             </a:prstGeom>
-            <a:grpFill/>
-            <a:ln>
-              <a:noFill/>
-            </a:ln>
+            <a:noFill/>
           </p:spPr>
           <p:txBody>
             <a:bodyPr wrap="square" rtlCol="0">
@@ -12863,458 +13291,130 @@
             </a:bodyPr>
             <a:lstStyle/>
             <a:p>
+              <a:pPr>
+                <a:lnSpc>
+                  <a:spcPct val="120000"/>
+                </a:lnSpc>
+              </a:pPr>
               <a:r>
-                <a:rPr lang="en-US" altLang="zh-CN" sz="2000" b="1" dirty="0">
-                  <a:solidFill>
-                    <a:schemeClr val="tx1">
-                      <a:lumMod val="75000"/>
-                      <a:lumOff val="25000"/>
+                <a:rPr kumimoji="1" lang="zh-CN" altLang="en-US" sz="1400" dirty="0" smtClean="0">
+                  <a:solidFill>
+                    <a:schemeClr val="accent1">
+                      <a:lumMod val="50000"/>
                     </a:schemeClr>
                   </a:solidFill>
-                  <a:latin typeface="微软雅黑" pitchFamily="34" charset="-122"/>
-                  <a:ea typeface="微软雅黑" pitchFamily="34" charset="-122"/>
+                  <a:latin typeface="Zapf Dingbats"/>
+                  <a:ea typeface="Zapf Dingbats"/>
+                  <a:cs typeface="Zapf Dingbats"/>
+                  <a:sym typeface="Zapf Dingbats"/>
                 </a:rPr>
-                <a:t>C</a:t>
+                <a:t>网银</a:t>
               </a:r>
-              <a:endParaRPr lang="zh-CN" altLang="en-US" sz="2000" b="1" dirty="0">
+              <a:endParaRPr kumimoji="1" lang="en-US" altLang="zh-CN" sz="1400" dirty="0" smtClean="0">
                 <a:solidFill>
-                  <a:schemeClr val="tx1">
-                    <a:lumMod val="75000"/>
-                    <a:lumOff val="25000"/>
+                  <a:schemeClr val="accent1">
+                    <a:lumMod val="50000"/>
                   </a:schemeClr>
                 </a:solidFill>
-                <a:latin typeface="微软雅黑" pitchFamily="34" charset="-122"/>
-                <a:ea typeface="微软雅黑" pitchFamily="34" charset="-122"/>
+              </a:endParaRPr>
+            </a:p>
+          </p:txBody>
+        </p:sp>
+        <p:sp>
+          <p:nvSpPr>
+            <p:cNvPr id="70" name="文本框 5"/>
+            <p:cNvSpPr txBox="1"/>
+            <p:nvPr/>
+          </p:nvSpPr>
+          <p:spPr>
+            <a:xfrm>
+              <a:off x="2809779" y="2562327"/>
+              <a:ext cx="697576" cy="343684"/>
+            </a:xfrm>
+            <a:prstGeom prst="rect">
+              <a:avLst/>
+            </a:prstGeom>
+            <a:noFill/>
+          </p:spPr>
+          <p:txBody>
+            <a:bodyPr wrap="square" rtlCol="0">
+              <a:spAutoFit/>
+            </a:bodyPr>
+            <a:lstStyle/>
+            <a:p>
+              <a:pPr>
+                <a:lnSpc>
+                  <a:spcPct val="120000"/>
+                </a:lnSpc>
+              </a:pPr>
+              <a:r>
+                <a:rPr kumimoji="1" lang="zh-CN" altLang="en-US" sz="1400" dirty="0" smtClean="0">
+                  <a:solidFill>
+                    <a:srgbClr val="796D04"/>
+                  </a:solidFill>
+                  <a:latin typeface="Zapf Dingbats"/>
+                  <a:ea typeface="Zapf Dingbats"/>
+                  <a:cs typeface="Zapf Dingbats"/>
+                  <a:sym typeface="Zapf Dingbats"/>
+                </a:rPr>
+                <a:t>微信</a:t>
+              </a:r>
+              <a:endParaRPr kumimoji="1" lang="en-US" altLang="zh-CN" sz="1400" dirty="0" smtClean="0">
+                <a:solidFill>
+                  <a:srgbClr val="796D04"/>
+                </a:solidFill>
+              </a:endParaRPr>
+            </a:p>
+          </p:txBody>
+        </p:sp>
+        <p:sp>
+          <p:nvSpPr>
+            <p:cNvPr id="71" name="文本框 5"/>
+            <p:cNvSpPr txBox="1"/>
+            <p:nvPr/>
+          </p:nvSpPr>
+          <p:spPr>
+            <a:xfrm>
+              <a:off x="3044791" y="3757964"/>
+              <a:ext cx="697576" cy="343684"/>
+            </a:xfrm>
+            <a:prstGeom prst="rect">
+              <a:avLst/>
+            </a:prstGeom>
+            <a:noFill/>
+          </p:spPr>
+          <p:txBody>
+            <a:bodyPr wrap="square" rtlCol="0">
+              <a:spAutoFit/>
+            </a:bodyPr>
+            <a:lstStyle/>
+            <a:p>
+              <a:pPr>
+                <a:lnSpc>
+                  <a:spcPct val="120000"/>
+                </a:lnSpc>
+              </a:pPr>
+              <a:r>
+                <a:rPr kumimoji="1" lang="zh-CN" altLang="en-US" sz="1400" dirty="0" smtClean="0">
+                  <a:solidFill>
+                    <a:srgbClr val="796D04"/>
+                  </a:solidFill>
+                  <a:latin typeface="Zapf Dingbats"/>
+                  <a:ea typeface="Zapf Dingbats"/>
+                  <a:cs typeface="Zapf Dingbats"/>
+                  <a:sym typeface="Zapf Dingbats"/>
+                </a:rPr>
+                <a:t>直销</a:t>
+              </a:r>
+              <a:endParaRPr kumimoji="1" lang="en-US" altLang="zh-CN" sz="1400" dirty="0" smtClean="0">
+                <a:solidFill>
+                  <a:srgbClr val="796D04"/>
+                </a:solidFill>
               </a:endParaRPr>
             </a:p>
           </p:txBody>
         </p:sp>
       </p:grpSp>
-      <p:cxnSp>
-        <p:nvCxnSpPr>
-          <p:cNvPr id="161" name="肘形连接符 160"/>
-          <p:cNvCxnSpPr/>
-          <p:nvPr/>
-        </p:nvCxnSpPr>
-        <p:spPr>
-          <a:xfrm rot="16200000" flipV="1">
-            <a:off x="5685918" y="3430892"/>
-            <a:ext cx="3103177" cy="2080165"/>
-          </a:xfrm>
-          <a:prstGeom prst="bentConnector2">
-            <a:avLst/>
-          </a:prstGeom>
-          <a:ln>
-            <a:solidFill>
-              <a:schemeClr val="tx2"/>
-            </a:solidFill>
-            <a:tailEnd type="arrow"/>
-          </a:ln>
-        </p:spPr>
-        <p:style>
-          <a:lnRef idx="2">
-            <a:schemeClr val="accent1"/>
-          </a:lnRef>
-          <a:fillRef idx="0">
-            <a:schemeClr val="accent1"/>
-          </a:fillRef>
-          <a:effectRef idx="1">
-            <a:schemeClr val="accent1"/>
-          </a:effectRef>
-          <a:fontRef idx="minor">
-            <a:schemeClr val="tx1"/>
-          </a:fontRef>
-        </p:style>
-      </p:cxnSp>
-      <p:sp>
-        <p:nvSpPr>
-          <p:cNvPr id="167" name="文本框 5"/>
-          <p:cNvSpPr txBox="1"/>
-          <p:nvPr/>
-        </p:nvSpPr>
-        <p:spPr>
-          <a:xfrm>
-            <a:off x="6020348" y="1434606"/>
-            <a:ext cx="2485116" cy="675057"/>
-          </a:xfrm>
-          <a:prstGeom prst="rect">
-            <a:avLst/>
-          </a:prstGeom>
-          <a:noFill/>
-        </p:spPr>
-        <p:txBody>
-          <a:bodyPr wrap="square" rtlCol="0">
-            <a:spAutoFit/>
-          </a:bodyPr>
-          <a:lstStyle/>
-          <a:p>
-            <a:pPr>
-              <a:lnSpc>
-                <a:spcPct val="120000"/>
-              </a:lnSpc>
-            </a:pPr>
-            <a:r>
-              <a:rPr kumimoji="1" lang="zh-CN" altLang="en-US" sz="1600" dirty="0" smtClean="0">
-                <a:solidFill>
-                  <a:srgbClr val="BFBFBF"/>
-                </a:solidFill>
-                <a:latin typeface="Zapf Dingbats"/>
-                <a:ea typeface="Zapf Dingbats"/>
-                <a:cs typeface="Zapf Dingbats"/>
-                <a:sym typeface="Zapf Dingbats"/>
-              </a:rPr>
-              <a:t>✓</a:t>
-            </a:r>
-            <a:r>
-              <a:rPr kumimoji="1" lang="en-US" altLang="zh-CN" sz="1600" dirty="0" smtClean="0">
-                <a:solidFill>
-                  <a:srgbClr val="BFBFBF"/>
-                </a:solidFill>
-                <a:latin typeface="Zapf Dingbats"/>
-                <a:ea typeface="Zapf Dingbats"/>
-                <a:cs typeface="Zapf Dingbats"/>
-                <a:sym typeface="Zapf Dingbats"/>
-              </a:rPr>
-              <a:t>  </a:t>
-            </a:r>
-            <a:r>
-              <a:rPr kumimoji="1" lang="zh-CN" altLang="en-US" sz="1600" dirty="0" smtClean="0">
-                <a:solidFill>
-                  <a:srgbClr val="BFBFBF"/>
-                </a:solidFill>
-                <a:latin typeface="Zapf Dingbats"/>
-                <a:ea typeface="Zapf Dingbats"/>
-                <a:cs typeface="Zapf Dingbats"/>
-                <a:sym typeface="Zapf Dingbats"/>
-              </a:rPr>
-              <a:t>消息中心全渠道推送</a:t>
-            </a:r>
-            <a:endParaRPr kumimoji="1" lang="en-US" altLang="zh-CN" sz="1600" dirty="0" smtClean="0">
-              <a:solidFill>
-                <a:srgbClr val="BFBFBF"/>
-              </a:solidFill>
-            </a:endParaRPr>
-          </a:p>
-          <a:p>
-            <a:pPr marL="285750" indent="-285750">
-              <a:lnSpc>
-                <a:spcPct val="120000"/>
-              </a:lnSpc>
-              <a:buFont typeface="Zapf Dingbats" charset="0"/>
-              <a:buChar char="✓"/>
-            </a:pPr>
-            <a:r>
-              <a:rPr kumimoji="1" lang="zh-CN" altLang="en-US" sz="1600" dirty="0" smtClean="0">
-                <a:solidFill>
-                  <a:srgbClr val="BFBFBF"/>
-                </a:solidFill>
-                <a:latin typeface="Zapf Dingbats"/>
-                <a:ea typeface="Zapf Dingbats"/>
-                <a:cs typeface="Zapf Dingbats"/>
-                <a:sym typeface="Zapf Dingbats"/>
-              </a:rPr>
-              <a:t>渠道端反馈营销效果</a:t>
-            </a:r>
-            <a:endParaRPr kumimoji="1" lang="en-US" altLang="zh-CN" sz="1600" dirty="0" smtClean="0">
-              <a:solidFill>
-                <a:srgbClr val="BFBFBF"/>
-              </a:solidFill>
-              <a:latin typeface="Zapf Dingbats"/>
-              <a:ea typeface="Zapf Dingbats"/>
-              <a:cs typeface="Zapf Dingbats"/>
-              <a:sym typeface="Zapf Dingbats"/>
-            </a:endParaRPr>
-          </a:p>
-        </p:txBody>
-      </p:sp>
-      <p:sp>
-        <p:nvSpPr>
-          <p:cNvPr id="168" name="文本框 5"/>
-          <p:cNvSpPr txBox="1"/>
-          <p:nvPr/>
-        </p:nvSpPr>
-        <p:spPr>
-          <a:xfrm>
-            <a:off x="352429" y="4915519"/>
-            <a:ext cx="2485116" cy="970522"/>
-          </a:xfrm>
-          <a:prstGeom prst="rect">
-            <a:avLst/>
-          </a:prstGeom>
-          <a:noFill/>
-        </p:spPr>
-        <p:txBody>
-          <a:bodyPr wrap="square" rtlCol="0">
-            <a:spAutoFit/>
-          </a:bodyPr>
-          <a:lstStyle/>
-          <a:p>
-            <a:pPr>
-              <a:lnSpc>
-                <a:spcPct val="120000"/>
-              </a:lnSpc>
-            </a:pPr>
-            <a:r>
-              <a:rPr kumimoji="1" lang="zh-CN" altLang="en-US" sz="1600" dirty="0" smtClean="0">
-                <a:solidFill>
-                  <a:srgbClr val="BFBFBF"/>
-                </a:solidFill>
-                <a:latin typeface="Zapf Dingbats"/>
-                <a:ea typeface="Zapf Dingbats"/>
-                <a:cs typeface="Zapf Dingbats"/>
-                <a:sym typeface="Zapf Dingbats"/>
-              </a:rPr>
-              <a:t>✓</a:t>
-            </a:r>
-            <a:r>
-              <a:rPr kumimoji="1" lang="en-US" altLang="zh-CN" sz="1600" dirty="0" smtClean="0">
-                <a:solidFill>
-                  <a:srgbClr val="BFBFBF"/>
-                </a:solidFill>
-                <a:latin typeface="Zapf Dingbats"/>
-                <a:ea typeface="Zapf Dingbats"/>
-                <a:cs typeface="Zapf Dingbats"/>
-                <a:sym typeface="Zapf Dingbats"/>
-              </a:rPr>
-              <a:t> </a:t>
-            </a:r>
-            <a:r>
-              <a:rPr kumimoji="1" lang="en-US" altLang="zh-CN" sz="1600" dirty="0" smtClean="0">
-                <a:solidFill>
-                  <a:srgbClr val="BFBFBF"/>
-                </a:solidFill>
-                <a:latin typeface="Zapf Dingbats"/>
-                <a:ea typeface="Zapf Dingbats"/>
-                <a:cs typeface="Zapf Dingbats"/>
-                <a:sym typeface="Zapf Dingbats"/>
-              </a:rPr>
-              <a:t> </a:t>
-            </a:r>
-            <a:r>
-              <a:rPr kumimoji="1" lang="zh-CN" altLang="en-US" sz="1600" dirty="0" smtClean="0">
-                <a:solidFill>
-                  <a:srgbClr val="BFBFBF"/>
-                </a:solidFill>
-                <a:latin typeface="Zapf Dingbats"/>
-                <a:ea typeface="Zapf Dingbats"/>
-                <a:cs typeface="Zapf Dingbats"/>
-                <a:sym typeface="Zapf Dingbats"/>
-              </a:rPr>
-              <a:t>自动任务扫描</a:t>
-            </a:r>
-            <a:endParaRPr kumimoji="1" lang="en-US" altLang="zh-CN" sz="1600" dirty="0" smtClean="0">
-              <a:solidFill>
-                <a:srgbClr val="BFBFBF"/>
-              </a:solidFill>
-            </a:endParaRPr>
-          </a:p>
-          <a:p>
-            <a:pPr marL="285750" indent="-285750">
-              <a:lnSpc>
-                <a:spcPct val="120000"/>
-              </a:lnSpc>
-              <a:buFont typeface="Zapf Dingbats" charset="0"/>
-              <a:buChar char="✓"/>
-            </a:pPr>
-            <a:r>
-              <a:rPr kumimoji="1" lang="zh-CN" altLang="en-US" sz="1600" dirty="0" smtClean="0">
-                <a:solidFill>
-                  <a:srgbClr val="BFBFBF"/>
-                </a:solidFill>
-                <a:latin typeface="Zapf Dingbats"/>
-                <a:ea typeface="Zapf Dingbats"/>
-                <a:cs typeface="Zapf Dingbats"/>
-                <a:sym typeface="Zapf Dingbats"/>
-              </a:rPr>
-              <a:t>用户活动匹配</a:t>
-            </a:r>
-            <a:endParaRPr kumimoji="1" lang="en-US" altLang="zh-CN" sz="1600" dirty="0" smtClean="0">
-              <a:solidFill>
-                <a:srgbClr val="BFBFBF"/>
-              </a:solidFill>
-              <a:latin typeface="Zapf Dingbats"/>
-              <a:ea typeface="Zapf Dingbats"/>
-              <a:cs typeface="Zapf Dingbats"/>
-              <a:sym typeface="Zapf Dingbats"/>
-            </a:endParaRPr>
-          </a:p>
-          <a:p>
-            <a:pPr marL="285750" indent="-285750">
-              <a:lnSpc>
-                <a:spcPct val="120000"/>
-              </a:lnSpc>
-              <a:buFont typeface="Zapf Dingbats" charset="0"/>
-              <a:buChar char="✓"/>
-            </a:pPr>
-            <a:r>
-              <a:rPr kumimoji="1" lang="zh-CN" altLang="en-US" sz="1600" dirty="0" smtClean="0">
-                <a:solidFill>
-                  <a:srgbClr val="BFBFBF"/>
-                </a:solidFill>
-                <a:latin typeface="Zapf Dingbats"/>
-                <a:ea typeface="Zapf Dingbats"/>
-                <a:cs typeface="Zapf Dingbats"/>
-                <a:sym typeface="Zapf Dingbats"/>
-              </a:rPr>
-              <a:t>活动通知</a:t>
-            </a:r>
-            <a:endParaRPr kumimoji="1" lang="en-US" altLang="zh-CN" sz="1600" dirty="0" smtClean="0">
-              <a:solidFill>
-                <a:srgbClr val="BFBFBF"/>
-              </a:solidFill>
-              <a:latin typeface="Zapf Dingbats"/>
-              <a:ea typeface="Zapf Dingbats"/>
-              <a:cs typeface="Zapf Dingbats"/>
-              <a:sym typeface="Zapf Dingbats"/>
-            </a:endParaRPr>
-          </a:p>
-        </p:txBody>
-      </p:sp>
-      <p:sp>
-        <p:nvSpPr>
-          <p:cNvPr id="65" name="文本框 5"/>
-          <p:cNvSpPr txBox="1"/>
-          <p:nvPr/>
-        </p:nvSpPr>
-        <p:spPr>
-          <a:xfrm>
-            <a:off x="3369796" y="1541663"/>
-            <a:ext cx="697576" cy="343684"/>
-          </a:xfrm>
-          <a:prstGeom prst="rect">
-            <a:avLst/>
-          </a:prstGeom>
-          <a:noFill/>
-        </p:spPr>
-        <p:txBody>
-          <a:bodyPr wrap="square" rtlCol="0">
-            <a:spAutoFit/>
-          </a:bodyPr>
-          <a:lstStyle/>
-          <a:p>
-            <a:pPr>
-              <a:lnSpc>
-                <a:spcPct val="120000"/>
-              </a:lnSpc>
-            </a:pPr>
-            <a:r>
-              <a:rPr kumimoji="1" lang="zh-CN" altLang="en-US" sz="1400" dirty="0" smtClean="0">
-                <a:solidFill>
-                  <a:schemeClr val="accent1">
-                    <a:lumMod val="50000"/>
-                  </a:schemeClr>
-                </a:solidFill>
-                <a:latin typeface="Zapf Dingbats"/>
-                <a:ea typeface="Zapf Dingbats"/>
-                <a:cs typeface="Zapf Dingbats"/>
-                <a:sym typeface="Zapf Dingbats"/>
-              </a:rPr>
-              <a:t>网银</a:t>
-            </a:r>
-            <a:endParaRPr kumimoji="1" lang="en-US" altLang="zh-CN" sz="1400" dirty="0" smtClean="0">
-              <a:solidFill>
-                <a:schemeClr val="accent1">
-                  <a:lumMod val="50000"/>
-                </a:schemeClr>
-              </a:solidFill>
-            </a:endParaRPr>
-          </a:p>
-        </p:txBody>
-      </p:sp>
-      <p:sp>
-        <p:nvSpPr>
-          <p:cNvPr id="70" name="文本框 5"/>
-          <p:cNvSpPr txBox="1"/>
-          <p:nvPr/>
-        </p:nvSpPr>
-        <p:spPr>
-          <a:xfrm>
-            <a:off x="2809779" y="2621117"/>
-            <a:ext cx="697576" cy="343684"/>
-          </a:xfrm>
-          <a:prstGeom prst="rect">
-            <a:avLst/>
-          </a:prstGeom>
-          <a:noFill/>
-        </p:spPr>
-        <p:txBody>
-          <a:bodyPr wrap="square" rtlCol="0">
-            <a:spAutoFit/>
-          </a:bodyPr>
-          <a:lstStyle/>
-          <a:p>
-            <a:pPr>
-              <a:lnSpc>
-                <a:spcPct val="120000"/>
-              </a:lnSpc>
-            </a:pPr>
-            <a:r>
-              <a:rPr kumimoji="1" lang="zh-CN" altLang="en-US" sz="1400" dirty="0" smtClean="0">
-                <a:solidFill>
-                  <a:srgbClr val="796D04"/>
-                </a:solidFill>
-                <a:latin typeface="Zapf Dingbats"/>
-                <a:ea typeface="Zapf Dingbats"/>
-                <a:cs typeface="Zapf Dingbats"/>
-                <a:sym typeface="Zapf Dingbats"/>
-              </a:rPr>
-              <a:t>微信</a:t>
-            </a:r>
-            <a:endParaRPr kumimoji="1" lang="en-US" altLang="zh-CN" sz="1400" dirty="0" smtClean="0">
-              <a:solidFill>
-                <a:srgbClr val="796D04"/>
-              </a:solidFill>
-            </a:endParaRPr>
-          </a:p>
-        </p:txBody>
-      </p:sp>
-      <p:sp>
-        <p:nvSpPr>
-          <p:cNvPr id="71" name="文本框 5"/>
-          <p:cNvSpPr txBox="1"/>
-          <p:nvPr/>
-        </p:nvSpPr>
-        <p:spPr>
-          <a:xfrm>
-            <a:off x="3044791" y="3816754"/>
-            <a:ext cx="697576" cy="343684"/>
-          </a:xfrm>
-          <a:prstGeom prst="rect">
-            <a:avLst/>
-          </a:prstGeom>
-          <a:noFill/>
-        </p:spPr>
-        <p:txBody>
-          <a:bodyPr wrap="square" rtlCol="0">
-            <a:spAutoFit/>
-          </a:bodyPr>
-          <a:lstStyle/>
-          <a:p>
-            <a:pPr>
-              <a:lnSpc>
-                <a:spcPct val="120000"/>
-              </a:lnSpc>
-            </a:pPr>
-            <a:r>
-              <a:rPr kumimoji="1" lang="zh-CN" altLang="en-US" sz="1400" dirty="0" smtClean="0">
-                <a:solidFill>
-                  <a:srgbClr val="796D04"/>
-                </a:solidFill>
-                <a:latin typeface="Zapf Dingbats"/>
-                <a:ea typeface="Zapf Dingbats"/>
-                <a:cs typeface="Zapf Dingbats"/>
-                <a:sym typeface="Zapf Dingbats"/>
-              </a:rPr>
-              <a:t>直销</a:t>
-            </a:r>
-            <a:endParaRPr kumimoji="1" lang="en-US" altLang="zh-CN" sz="1400" dirty="0" smtClean="0">
-              <a:solidFill>
-                <a:srgbClr val="796D04"/>
-              </a:solidFill>
-            </a:endParaRPr>
-          </a:p>
-        </p:txBody>
-      </p:sp>
     </p:spTree>
     <p:extLst>
       <p:ext uri="{BB962C8B-B14F-4D97-AF65-F5344CB8AC3E}">
@@ -18630,6 +18730,1445 @@
 </p:sld>
 </file>
 
+<file path=ppt/slides/slide12.xml><?xml version="1.0" encoding="utf-8"?>
+<p:sld xmlns:a="http://schemas.openxmlformats.org/drawingml/2006/main" xmlns:r="http://schemas.openxmlformats.org/officeDocument/2006/relationships" xmlns:p="http://schemas.openxmlformats.org/presentationml/2006/main">
+  <p:cSld>
+    <p:spTree>
+      <p:nvGrpSpPr>
+        <p:cNvPr id="1" name=""/>
+        <p:cNvGrpSpPr/>
+        <p:nvPr/>
+      </p:nvGrpSpPr>
+      <p:grpSpPr>
+        <a:xfrm>
+          <a:off x="0" y="0"/>
+          <a:ext cx="0" cy="0"/>
+          <a:chOff x="0" y="0"/>
+          <a:chExt cx="0" cy="0"/>
+        </a:xfrm>
+      </p:grpSpPr>
+      <p:cxnSp>
+        <p:nvCxnSpPr>
+          <p:cNvPr id="65" name="直接连接符 15"/>
+          <p:cNvCxnSpPr/>
+          <p:nvPr/>
+        </p:nvCxnSpPr>
+        <p:spPr>
+          <a:xfrm flipH="1">
+            <a:off x="4964206" y="5567670"/>
+            <a:ext cx="661706" cy="0"/>
+          </a:xfrm>
+          <a:prstGeom prst="line">
+            <a:avLst/>
+          </a:prstGeom>
+          <a:ln w="28575">
+            <a:solidFill>
+              <a:schemeClr val="accent2">
+                <a:lumMod val="60000"/>
+                <a:lumOff val="40000"/>
+              </a:schemeClr>
+            </a:solidFill>
+          </a:ln>
+        </p:spPr>
+        <p:style>
+          <a:lnRef idx="1">
+            <a:schemeClr val="accent1"/>
+          </a:lnRef>
+          <a:fillRef idx="0">
+            <a:schemeClr val="accent1"/>
+          </a:fillRef>
+          <a:effectRef idx="0">
+            <a:schemeClr val="accent1"/>
+          </a:effectRef>
+          <a:fontRef idx="minor">
+            <a:schemeClr val="tx1"/>
+          </a:fontRef>
+        </p:style>
+      </p:cxnSp>
+      <p:sp>
+        <p:nvSpPr>
+          <p:cNvPr id="7" name="文本框 6"/>
+          <p:cNvSpPr txBox="1"/>
+          <p:nvPr/>
+        </p:nvSpPr>
+        <p:spPr>
+          <a:xfrm>
+            <a:off x="437814" y="69852"/>
+            <a:ext cx="2773112" cy="523220"/>
+          </a:xfrm>
+          <a:prstGeom prst="rect">
+            <a:avLst/>
+          </a:prstGeom>
+          <a:noFill/>
+        </p:spPr>
+        <p:txBody>
+          <a:bodyPr wrap="square" rtlCol="0">
+            <a:spAutoFit/>
+          </a:bodyPr>
+          <a:lstStyle/>
+          <a:p>
+            <a:r>
+              <a:rPr kumimoji="1" lang="zh-CN" altLang="en-US" sz="2800" dirty="0" smtClean="0">
+                <a:solidFill>
+                  <a:srgbClr val="BFBFBF"/>
+                </a:solidFill>
+              </a:rPr>
+              <a:t>研发进度</a:t>
+            </a:r>
+            <a:endParaRPr kumimoji="1" lang="en-US" altLang="zh-CN" sz="2800" dirty="0" smtClean="0">
+              <a:solidFill>
+                <a:srgbClr val="BFBFBF"/>
+              </a:solidFill>
+            </a:endParaRPr>
+          </a:p>
+        </p:txBody>
+      </p:sp>
+      <p:cxnSp>
+        <p:nvCxnSpPr>
+          <p:cNvPr id="9" name="直线连接符 8"/>
+          <p:cNvCxnSpPr/>
+          <p:nvPr/>
+        </p:nvCxnSpPr>
+        <p:spPr>
+          <a:xfrm>
+            <a:off x="437814" y="587681"/>
+            <a:ext cx="2573320" cy="5391"/>
+          </a:xfrm>
+          <a:prstGeom prst="line">
+            <a:avLst/>
+          </a:prstGeom>
+          <a:ln>
+            <a:solidFill>
+              <a:schemeClr val="tx2"/>
+            </a:solidFill>
+          </a:ln>
+        </p:spPr>
+        <p:style>
+          <a:lnRef idx="2">
+            <a:schemeClr val="accent1"/>
+          </a:lnRef>
+          <a:fillRef idx="0">
+            <a:schemeClr val="accent1"/>
+          </a:fillRef>
+          <a:effectRef idx="1">
+            <a:schemeClr val="accent1"/>
+          </a:effectRef>
+          <a:fontRef idx="minor">
+            <a:schemeClr val="tx1"/>
+          </a:fontRef>
+        </p:style>
+      </p:cxnSp>
+      <p:sp>
+        <p:nvSpPr>
+          <p:cNvPr id="47" name="矩形 46"/>
+          <p:cNvSpPr/>
+          <p:nvPr/>
+        </p:nvSpPr>
+        <p:spPr>
+          <a:xfrm>
+            <a:off x="4139952" y="576160"/>
+            <a:ext cx="864096" cy="5952615"/>
+          </a:xfrm>
+          <a:prstGeom prst="rect">
+            <a:avLst/>
+          </a:prstGeom>
+          <a:solidFill>
+            <a:schemeClr val="accent1">
+              <a:lumMod val="75000"/>
+            </a:schemeClr>
+          </a:solidFill>
+          <a:ln>
+            <a:noFill/>
+          </a:ln>
+        </p:spPr>
+        <p:style>
+          <a:lnRef idx="2">
+            <a:schemeClr val="accent1">
+              <a:shade val="50000"/>
+            </a:schemeClr>
+          </a:lnRef>
+          <a:fillRef idx="1">
+            <a:schemeClr val="accent1"/>
+          </a:fillRef>
+          <a:effectRef idx="0">
+            <a:schemeClr val="accent1"/>
+          </a:effectRef>
+          <a:fontRef idx="minor">
+            <a:schemeClr val="lt1"/>
+          </a:fontRef>
+        </p:style>
+        <p:txBody>
+          <a:bodyPr rtlCol="0" anchor="ctr"/>
+          <a:lstStyle/>
+          <a:p>
+            <a:pPr algn="ctr"/>
+            <a:endParaRPr lang="zh-CN" altLang="en-US">
+              <a:solidFill>
+                <a:srgbClr val="FFFFFF"/>
+              </a:solidFill>
+            </a:endParaRPr>
+          </a:p>
+        </p:txBody>
+      </p:sp>
+      <p:sp>
+        <p:nvSpPr>
+          <p:cNvPr id="48" name="TextBox 4"/>
+          <p:cNvSpPr txBox="1"/>
+          <p:nvPr/>
+        </p:nvSpPr>
+        <p:spPr>
+          <a:xfrm>
+            <a:off x="4239523" y="1124744"/>
+            <a:ext cx="649537" cy="646331"/>
+          </a:xfrm>
+          <a:prstGeom prst="rect">
+            <a:avLst/>
+          </a:prstGeom>
+          <a:noFill/>
+        </p:spPr>
+        <p:txBody>
+          <a:bodyPr wrap="none" rtlCol="0">
+            <a:spAutoFit/>
+          </a:bodyPr>
+          <a:lstStyle/>
+          <a:p>
+            <a:r>
+              <a:rPr lang="en-US" altLang="zh-CN" sz="3600" b="1" dirty="0" smtClean="0">
+                <a:solidFill>
+                  <a:srgbClr val="FFFFFF"/>
+                </a:solidFill>
+                <a:latin typeface="MS PMincho" pitchFamily="18" charset="-128"/>
+                <a:ea typeface="MS PMincho" pitchFamily="18" charset="-128"/>
+              </a:rPr>
+              <a:t>01</a:t>
+            </a:r>
+            <a:endParaRPr lang="zh-CN" altLang="en-US" sz="3600" b="1" dirty="0" smtClean="0">
+              <a:solidFill>
+                <a:srgbClr val="FFFFFF"/>
+              </a:solidFill>
+              <a:latin typeface="MS PMincho" pitchFamily="18" charset="-128"/>
+              <a:ea typeface="MS PMincho" pitchFamily="18" charset="-128"/>
+            </a:endParaRPr>
+          </a:p>
+        </p:txBody>
+      </p:sp>
+      <p:cxnSp>
+        <p:nvCxnSpPr>
+          <p:cNvPr id="49" name="直接连接符 9"/>
+          <p:cNvCxnSpPr>
+            <a:stCxn id="51" idx="3"/>
+          </p:cNvCxnSpPr>
+          <p:nvPr/>
+        </p:nvCxnSpPr>
+        <p:spPr>
+          <a:xfrm>
+            <a:off x="3518088" y="1489509"/>
+            <a:ext cx="661706" cy="4223"/>
+          </a:xfrm>
+          <a:prstGeom prst="line">
+            <a:avLst/>
+          </a:prstGeom>
+          <a:ln w="28575">
+            <a:solidFill>
+              <a:schemeClr val="accent2">
+                <a:lumMod val="60000"/>
+                <a:lumOff val="40000"/>
+              </a:schemeClr>
+            </a:solidFill>
+          </a:ln>
+        </p:spPr>
+        <p:style>
+          <a:lnRef idx="1">
+            <a:schemeClr val="accent1"/>
+          </a:lnRef>
+          <a:fillRef idx="0">
+            <a:schemeClr val="accent1"/>
+          </a:fillRef>
+          <a:effectRef idx="0">
+            <a:schemeClr val="accent1"/>
+          </a:effectRef>
+          <a:fontRef idx="minor">
+            <a:schemeClr val="tx1"/>
+          </a:fontRef>
+        </p:style>
+      </p:cxnSp>
+      <p:sp>
+        <p:nvSpPr>
+          <p:cNvPr id="50" name="椭圆 49"/>
+          <p:cNvSpPr/>
+          <p:nvPr/>
+        </p:nvSpPr>
+        <p:spPr>
+          <a:xfrm>
+            <a:off x="4175956" y="1436888"/>
+            <a:ext cx="108012" cy="108012"/>
+          </a:xfrm>
+          <a:prstGeom prst="ellipse">
+            <a:avLst/>
+          </a:prstGeom>
+          <a:solidFill>
+            <a:schemeClr val="accent2">
+              <a:lumMod val="60000"/>
+              <a:lumOff val="40000"/>
+            </a:schemeClr>
+          </a:solidFill>
+          <a:ln w="19050">
+            <a:solidFill>
+              <a:schemeClr val="bg1"/>
+            </a:solidFill>
+          </a:ln>
+        </p:spPr>
+        <p:style>
+          <a:lnRef idx="2">
+            <a:schemeClr val="accent1">
+              <a:shade val="50000"/>
+            </a:schemeClr>
+          </a:lnRef>
+          <a:fillRef idx="1">
+            <a:schemeClr val="accent1"/>
+          </a:fillRef>
+          <a:effectRef idx="0">
+            <a:schemeClr val="accent1"/>
+          </a:effectRef>
+          <a:fontRef idx="minor">
+            <a:schemeClr val="lt1"/>
+          </a:fontRef>
+        </p:style>
+        <p:txBody>
+          <a:bodyPr rtlCol="0" anchor="ctr"/>
+          <a:lstStyle/>
+          <a:p>
+            <a:pPr algn="ctr"/>
+            <a:endParaRPr lang="zh-CN" altLang="en-US"/>
+          </a:p>
+        </p:txBody>
+      </p:sp>
+      <p:sp>
+        <p:nvSpPr>
+          <p:cNvPr id="51" name="矩形 50"/>
+          <p:cNvSpPr/>
+          <p:nvPr/>
+        </p:nvSpPr>
+        <p:spPr>
+          <a:xfrm>
+            <a:off x="1488230" y="1308178"/>
+            <a:ext cx="2029858" cy="362662"/>
+          </a:xfrm>
+          <a:prstGeom prst="rect">
+            <a:avLst/>
+          </a:prstGeom>
+          <a:solidFill>
+            <a:schemeClr val="accent3">
+              <a:lumMod val="60000"/>
+              <a:lumOff val="40000"/>
+              <a:alpha val="60000"/>
+            </a:schemeClr>
+          </a:solidFill>
+          <a:ln>
+            <a:noFill/>
+          </a:ln>
+        </p:spPr>
+        <p:style>
+          <a:lnRef idx="2">
+            <a:schemeClr val="accent1">
+              <a:shade val="50000"/>
+            </a:schemeClr>
+          </a:lnRef>
+          <a:fillRef idx="1">
+            <a:schemeClr val="accent1"/>
+          </a:fillRef>
+          <a:effectRef idx="0">
+            <a:schemeClr val="accent1"/>
+          </a:effectRef>
+          <a:fontRef idx="minor">
+            <a:schemeClr val="lt1"/>
+          </a:fontRef>
+        </p:style>
+        <p:txBody>
+          <a:bodyPr rtlCol="0" anchor="ctr"/>
+          <a:lstStyle/>
+          <a:p>
+            <a:pPr algn="ctr"/>
+            <a:r>
+              <a:rPr lang="en-US" altLang="zh-CN" sz="1600" dirty="0" smtClean="0">
+                <a:solidFill>
+                  <a:srgbClr val="FFFFFF"/>
+                </a:solidFill>
+                <a:latin typeface="微软雅黑" pitchFamily="34" charset="-122"/>
+                <a:ea typeface="微软雅黑" pitchFamily="34" charset="-122"/>
+              </a:rPr>
+              <a:t>UBP</a:t>
+            </a:r>
+            <a:r>
+              <a:rPr lang="zh-CN" altLang="en-US" sz="1600" dirty="0" smtClean="0">
+                <a:solidFill>
+                  <a:srgbClr val="FFFFFF"/>
+                </a:solidFill>
+                <a:latin typeface="微软雅黑" pitchFamily="34" charset="-122"/>
+                <a:ea typeface="微软雅黑" pitchFamily="34" charset="-122"/>
+              </a:rPr>
+              <a:t>平台研发</a:t>
+            </a:r>
+            <a:endParaRPr lang="zh-CN" altLang="en-US" sz="1600" dirty="0">
+              <a:solidFill>
+                <a:srgbClr val="FFFFFF"/>
+              </a:solidFill>
+              <a:latin typeface="微软雅黑" pitchFamily="34" charset="-122"/>
+              <a:ea typeface="微软雅黑" pitchFamily="34" charset="-122"/>
+            </a:endParaRPr>
+          </a:p>
+        </p:txBody>
+      </p:sp>
+      <p:sp>
+        <p:nvSpPr>
+          <p:cNvPr id="52" name="TextBox 11"/>
+          <p:cNvSpPr txBox="1"/>
+          <p:nvPr/>
+        </p:nvSpPr>
+        <p:spPr>
+          <a:xfrm>
+            <a:off x="611560" y="1771075"/>
+            <a:ext cx="2952328" cy="1043363"/>
+          </a:xfrm>
+          <a:prstGeom prst="rect">
+            <a:avLst/>
+          </a:prstGeom>
+          <a:solidFill>
+            <a:schemeClr val="accent5">
+              <a:lumMod val="75000"/>
+            </a:schemeClr>
+          </a:solidFill>
+        </p:spPr>
+        <p:txBody>
+          <a:bodyPr wrap="square" rtlCol="0">
+            <a:spAutoFit/>
+          </a:bodyPr>
+          <a:lstStyle/>
+          <a:p>
+            <a:pPr>
+              <a:lnSpc>
+                <a:spcPct val="130000"/>
+              </a:lnSpc>
+            </a:pPr>
+            <a:r>
+              <a:rPr lang="zh-CN" altLang="en-US" sz="1200" dirty="0" smtClean="0">
+                <a:latin typeface="微软雅黑" pitchFamily="34" charset="-122"/>
+                <a:ea typeface="微软雅黑" pitchFamily="34" charset="-122"/>
+              </a:rPr>
+              <a:t>营销中心</a:t>
+            </a:r>
+            <a:endParaRPr lang="en-US" altLang="zh-CN" sz="1200" dirty="0">
+              <a:latin typeface="微软雅黑" pitchFamily="34" charset="-122"/>
+              <a:ea typeface="微软雅黑" pitchFamily="34" charset="-122"/>
+            </a:endParaRPr>
+          </a:p>
+          <a:p>
+            <a:pPr>
+              <a:lnSpc>
+                <a:spcPct val="130000"/>
+              </a:lnSpc>
+            </a:pPr>
+            <a:r>
+              <a:rPr lang="en-US" altLang="zh-CN" sz="1200" dirty="0" smtClean="0">
+                <a:latin typeface="微软雅黑" pitchFamily="34" charset="-122"/>
+                <a:ea typeface="微软雅黑" pitchFamily="34" charset="-122"/>
+              </a:rPr>
+              <a:t>       </a:t>
+            </a:r>
+            <a:r>
+              <a:rPr lang="zh-CN" altLang="en-US" sz="1200" dirty="0" smtClean="0">
+                <a:latin typeface="微软雅黑" pitchFamily="34" charset="-122"/>
+                <a:ea typeface="微软雅黑" pitchFamily="34" charset="-122"/>
+              </a:rPr>
+              <a:t>活动设置设计、开发</a:t>
+            </a:r>
+            <a:endParaRPr lang="en-US" altLang="zh-CN" sz="1200" dirty="0" smtClean="0">
+              <a:latin typeface="微软雅黑" pitchFamily="34" charset="-122"/>
+              <a:ea typeface="微软雅黑" pitchFamily="34" charset="-122"/>
+            </a:endParaRPr>
+          </a:p>
+          <a:p>
+            <a:pPr>
+              <a:lnSpc>
+                <a:spcPct val="130000"/>
+              </a:lnSpc>
+            </a:pPr>
+            <a:r>
+              <a:rPr lang="en-US" altLang="zh-CN" sz="1200" dirty="0">
+                <a:latin typeface="微软雅黑" pitchFamily="34" charset="-122"/>
+                <a:ea typeface="微软雅黑" pitchFamily="34" charset="-122"/>
+              </a:rPr>
+              <a:t> </a:t>
+            </a:r>
+            <a:r>
+              <a:rPr lang="en-US" altLang="zh-CN" sz="1200" dirty="0" smtClean="0">
+                <a:latin typeface="微软雅黑" pitchFamily="34" charset="-122"/>
+                <a:ea typeface="微软雅黑" pitchFamily="34" charset="-122"/>
+              </a:rPr>
+              <a:t>      </a:t>
+            </a:r>
+            <a:r>
+              <a:rPr lang="zh-CN" altLang="en-US" sz="1200" dirty="0" smtClean="0">
+                <a:latin typeface="微软雅黑" pitchFamily="34" charset="-122"/>
+                <a:ea typeface="微软雅黑" pitchFamily="34" charset="-122"/>
+              </a:rPr>
+              <a:t>活动发布设计、开发</a:t>
+            </a:r>
+            <a:endParaRPr lang="en-US" altLang="zh-CN" sz="1200" dirty="0" smtClean="0">
+              <a:latin typeface="微软雅黑" pitchFamily="34" charset="-122"/>
+              <a:ea typeface="微软雅黑" pitchFamily="34" charset="-122"/>
+            </a:endParaRPr>
+          </a:p>
+          <a:p>
+            <a:pPr>
+              <a:lnSpc>
+                <a:spcPct val="130000"/>
+              </a:lnSpc>
+            </a:pPr>
+            <a:r>
+              <a:rPr lang="zh-CN" altLang="en-US" sz="1200" dirty="0" smtClean="0">
+                <a:latin typeface="微软雅黑" pitchFamily="34" charset="-122"/>
+                <a:ea typeface="微软雅黑" pitchFamily="34" charset="-122"/>
+              </a:rPr>
+              <a:t>采集、分析接口规范修改</a:t>
+            </a:r>
+            <a:endParaRPr lang="en-US" altLang="zh-CN" sz="1200" dirty="0">
+              <a:latin typeface="微软雅黑" pitchFamily="34" charset="-122"/>
+              <a:ea typeface="微软雅黑" pitchFamily="34" charset="-122"/>
+            </a:endParaRPr>
+          </a:p>
+        </p:txBody>
+      </p:sp>
+      <p:sp>
+        <p:nvSpPr>
+          <p:cNvPr id="53" name="TextBox 13"/>
+          <p:cNvSpPr txBox="1"/>
+          <p:nvPr/>
+        </p:nvSpPr>
+        <p:spPr>
+          <a:xfrm>
+            <a:off x="4239523" y="2780928"/>
+            <a:ext cx="649537" cy="646331"/>
+          </a:xfrm>
+          <a:prstGeom prst="rect">
+            <a:avLst/>
+          </a:prstGeom>
+          <a:noFill/>
+        </p:spPr>
+        <p:txBody>
+          <a:bodyPr wrap="none" rtlCol="0">
+            <a:spAutoFit/>
+          </a:bodyPr>
+          <a:lstStyle/>
+          <a:p>
+            <a:r>
+              <a:rPr lang="en-US" altLang="zh-CN" sz="3600" b="1" dirty="0" smtClean="0">
+                <a:solidFill>
+                  <a:srgbClr val="FFFFFF"/>
+                </a:solidFill>
+                <a:latin typeface="MS PMincho" pitchFamily="18" charset="-128"/>
+                <a:ea typeface="MS PMincho" pitchFamily="18" charset="-128"/>
+              </a:rPr>
+              <a:t>02</a:t>
+            </a:r>
+            <a:endParaRPr lang="zh-CN" altLang="en-US" sz="3600" b="1" dirty="0" smtClean="0">
+              <a:solidFill>
+                <a:srgbClr val="FFFFFF"/>
+              </a:solidFill>
+              <a:latin typeface="MS PMincho" pitchFamily="18" charset="-128"/>
+              <a:ea typeface="MS PMincho" pitchFamily="18" charset="-128"/>
+            </a:endParaRPr>
+          </a:p>
+        </p:txBody>
+      </p:sp>
+      <p:cxnSp>
+        <p:nvCxnSpPr>
+          <p:cNvPr id="54" name="直接连接符 15"/>
+          <p:cNvCxnSpPr>
+            <a:stCxn id="56" idx="3"/>
+          </p:cNvCxnSpPr>
+          <p:nvPr/>
+        </p:nvCxnSpPr>
+        <p:spPr>
+          <a:xfrm flipH="1">
+            <a:off x="4964206" y="3104093"/>
+            <a:ext cx="661706" cy="4223"/>
+          </a:xfrm>
+          <a:prstGeom prst="line">
+            <a:avLst/>
+          </a:prstGeom>
+          <a:ln w="28575">
+            <a:solidFill>
+              <a:schemeClr val="accent2">
+                <a:lumMod val="60000"/>
+                <a:lumOff val="40000"/>
+              </a:schemeClr>
+            </a:solidFill>
+          </a:ln>
+        </p:spPr>
+        <p:style>
+          <a:lnRef idx="1">
+            <a:schemeClr val="accent1"/>
+          </a:lnRef>
+          <a:fillRef idx="0">
+            <a:schemeClr val="accent1"/>
+          </a:fillRef>
+          <a:effectRef idx="0">
+            <a:schemeClr val="accent1"/>
+          </a:effectRef>
+          <a:fontRef idx="minor">
+            <a:schemeClr val="tx1"/>
+          </a:fontRef>
+        </p:style>
+      </p:cxnSp>
+      <p:sp>
+        <p:nvSpPr>
+          <p:cNvPr id="55" name="椭圆 54"/>
+          <p:cNvSpPr/>
+          <p:nvPr/>
+        </p:nvSpPr>
+        <p:spPr>
+          <a:xfrm flipH="1">
+            <a:off x="4860032" y="3051472"/>
+            <a:ext cx="108012" cy="108012"/>
+          </a:xfrm>
+          <a:prstGeom prst="ellipse">
+            <a:avLst/>
+          </a:prstGeom>
+          <a:solidFill>
+            <a:schemeClr val="accent2">
+              <a:lumMod val="60000"/>
+              <a:lumOff val="40000"/>
+            </a:schemeClr>
+          </a:solidFill>
+          <a:ln w="19050">
+            <a:solidFill>
+              <a:schemeClr val="bg1"/>
+            </a:solidFill>
+          </a:ln>
+        </p:spPr>
+        <p:style>
+          <a:lnRef idx="2">
+            <a:schemeClr val="accent1">
+              <a:shade val="50000"/>
+            </a:schemeClr>
+          </a:lnRef>
+          <a:fillRef idx="1">
+            <a:schemeClr val="accent1"/>
+          </a:fillRef>
+          <a:effectRef idx="0">
+            <a:schemeClr val="accent1"/>
+          </a:effectRef>
+          <a:fontRef idx="minor">
+            <a:schemeClr val="lt1"/>
+          </a:fontRef>
+        </p:style>
+        <p:txBody>
+          <a:bodyPr rtlCol="0" anchor="ctr"/>
+          <a:lstStyle/>
+          <a:p>
+            <a:pPr algn="ctr"/>
+            <a:endParaRPr lang="zh-CN" altLang="en-US"/>
+          </a:p>
+        </p:txBody>
+      </p:sp>
+      <p:sp>
+        <p:nvSpPr>
+          <p:cNvPr id="56" name="矩形 55"/>
+          <p:cNvSpPr/>
+          <p:nvPr/>
+        </p:nvSpPr>
+        <p:spPr>
+          <a:xfrm flipH="1">
+            <a:off x="5625912" y="2922762"/>
+            <a:ext cx="2029858" cy="362662"/>
+          </a:xfrm>
+          <a:prstGeom prst="rect">
+            <a:avLst/>
+          </a:prstGeom>
+          <a:solidFill>
+            <a:srgbClr val="67BAF6">
+              <a:alpha val="80000"/>
+            </a:srgbClr>
+          </a:solidFill>
+          <a:ln>
+            <a:noFill/>
+          </a:ln>
+        </p:spPr>
+        <p:style>
+          <a:lnRef idx="2">
+            <a:schemeClr val="accent1">
+              <a:shade val="50000"/>
+            </a:schemeClr>
+          </a:lnRef>
+          <a:fillRef idx="1">
+            <a:schemeClr val="accent1"/>
+          </a:fillRef>
+          <a:effectRef idx="0">
+            <a:schemeClr val="accent1"/>
+          </a:effectRef>
+          <a:fontRef idx="minor">
+            <a:schemeClr val="lt1"/>
+          </a:fontRef>
+        </p:style>
+        <p:txBody>
+          <a:bodyPr rtlCol="0" anchor="ctr"/>
+          <a:lstStyle/>
+          <a:p>
+            <a:pPr algn="ctr"/>
+            <a:r>
+              <a:rPr lang="zh-CN" altLang="en-US" sz="1600" dirty="0" smtClean="0">
+                <a:solidFill>
+                  <a:srgbClr val="FFFFFF"/>
+                </a:solidFill>
+                <a:latin typeface="微软雅黑" pitchFamily="34" charset="-122"/>
+                <a:ea typeface="微软雅黑" pitchFamily="34" charset="-122"/>
+              </a:rPr>
+              <a:t>数据中心</a:t>
+            </a:r>
+            <a:endParaRPr lang="zh-CN" altLang="en-US" sz="1600" dirty="0">
+              <a:solidFill>
+                <a:srgbClr val="FFFFFF"/>
+              </a:solidFill>
+              <a:latin typeface="微软雅黑" pitchFamily="34" charset="-122"/>
+              <a:ea typeface="微软雅黑" pitchFamily="34" charset="-122"/>
+            </a:endParaRPr>
+          </a:p>
+        </p:txBody>
+      </p:sp>
+      <p:sp>
+        <p:nvSpPr>
+          <p:cNvPr id="57" name="TextBox 18"/>
+          <p:cNvSpPr txBox="1"/>
+          <p:nvPr/>
+        </p:nvSpPr>
+        <p:spPr>
+          <a:xfrm>
+            <a:off x="5537132" y="3380825"/>
+            <a:ext cx="2952328" cy="1043363"/>
+          </a:xfrm>
+          <a:prstGeom prst="rect">
+            <a:avLst/>
+          </a:prstGeom>
+          <a:solidFill>
+            <a:srgbClr val="A95306"/>
+          </a:solidFill>
+        </p:spPr>
+        <p:txBody>
+          <a:bodyPr wrap="square" rtlCol="0">
+            <a:spAutoFit/>
+          </a:bodyPr>
+          <a:lstStyle/>
+          <a:p>
+            <a:pPr>
+              <a:lnSpc>
+                <a:spcPct val="130000"/>
+              </a:lnSpc>
+            </a:pPr>
+            <a:r>
+              <a:rPr lang="zh-CN" altLang="en-US" sz="1200" dirty="0" smtClean="0">
+                <a:solidFill>
+                  <a:srgbClr val="FFFFFF"/>
+                </a:solidFill>
+                <a:latin typeface="微软雅黑" pitchFamily="34" charset="-122"/>
+                <a:ea typeface="微软雅黑" pitchFamily="34" charset="-122"/>
+              </a:rPr>
+              <a:t>数据系统对接</a:t>
+            </a:r>
+            <a:endParaRPr lang="en-US" altLang="zh-CN" sz="1200" dirty="0" smtClean="0">
+              <a:solidFill>
+                <a:srgbClr val="FFFFFF"/>
+              </a:solidFill>
+              <a:latin typeface="微软雅黑" pitchFamily="34" charset="-122"/>
+              <a:ea typeface="微软雅黑" pitchFamily="34" charset="-122"/>
+            </a:endParaRPr>
+          </a:p>
+          <a:p>
+            <a:pPr>
+              <a:lnSpc>
+                <a:spcPct val="130000"/>
+              </a:lnSpc>
+            </a:pPr>
+            <a:r>
+              <a:rPr lang="en-US" altLang="zh-CN" sz="1200" dirty="0" smtClean="0">
+                <a:solidFill>
+                  <a:srgbClr val="FFFFFF"/>
+                </a:solidFill>
+                <a:latin typeface="微软雅黑" pitchFamily="34" charset="-122"/>
+                <a:ea typeface="微软雅黑" pitchFamily="34" charset="-122"/>
+              </a:rPr>
+              <a:t>       </a:t>
+            </a:r>
+            <a:r>
+              <a:rPr lang="zh-CN" altLang="en-US" sz="1200" dirty="0" smtClean="0">
+                <a:solidFill>
+                  <a:srgbClr val="FFFFFF"/>
+                </a:solidFill>
+                <a:latin typeface="微软雅黑" pitchFamily="34" charset="-122"/>
+                <a:ea typeface="微软雅黑" pitchFamily="34" charset="-122"/>
+              </a:rPr>
+              <a:t>接口规范设计、开发</a:t>
+            </a:r>
+            <a:endParaRPr lang="en-US" altLang="zh-CN" sz="1200" dirty="0" smtClean="0">
+              <a:solidFill>
+                <a:srgbClr val="FFFFFF"/>
+              </a:solidFill>
+              <a:latin typeface="微软雅黑" pitchFamily="34" charset="-122"/>
+              <a:ea typeface="微软雅黑" pitchFamily="34" charset="-122"/>
+            </a:endParaRPr>
+          </a:p>
+          <a:p>
+            <a:pPr>
+              <a:lnSpc>
+                <a:spcPct val="130000"/>
+              </a:lnSpc>
+            </a:pPr>
+            <a:r>
+              <a:rPr lang="en-US" altLang="zh-CN" sz="1200" dirty="0">
+                <a:solidFill>
+                  <a:srgbClr val="FFFFFF"/>
+                </a:solidFill>
+                <a:latin typeface="微软雅黑" pitchFamily="34" charset="-122"/>
+                <a:ea typeface="微软雅黑" pitchFamily="34" charset="-122"/>
+              </a:rPr>
+              <a:t> </a:t>
+            </a:r>
+            <a:r>
+              <a:rPr lang="en-US" altLang="zh-CN" sz="1200" dirty="0" smtClean="0">
+                <a:solidFill>
+                  <a:srgbClr val="FFFFFF"/>
+                </a:solidFill>
+                <a:latin typeface="微软雅黑" pitchFamily="34" charset="-122"/>
+                <a:ea typeface="微软雅黑" pitchFamily="34" charset="-122"/>
+              </a:rPr>
+              <a:t>      </a:t>
+            </a:r>
+            <a:r>
+              <a:rPr lang="zh-CN" altLang="en-US" sz="1200" dirty="0" smtClean="0">
+                <a:solidFill>
+                  <a:srgbClr val="FFFFFF"/>
+                </a:solidFill>
+                <a:latin typeface="微软雅黑" pitchFamily="34" charset="-122"/>
+                <a:ea typeface="微软雅黑" pitchFamily="34" charset="-122"/>
+              </a:rPr>
+              <a:t>接口联调测试</a:t>
+            </a:r>
+            <a:endParaRPr lang="en-US" altLang="zh-CN" sz="1200" dirty="0" smtClean="0">
+              <a:solidFill>
+                <a:srgbClr val="FFFFFF"/>
+              </a:solidFill>
+              <a:latin typeface="微软雅黑" pitchFamily="34" charset="-122"/>
+              <a:ea typeface="微软雅黑" pitchFamily="34" charset="-122"/>
+            </a:endParaRPr>
+          </a:p>
+          <a:p>
+            <a:pPr>
+              <a:lnSpc>
+                <a:spcPct val="130000"/>
+              </a:lnSpc>
+            </a:pPr>
+            <a:endParaRPr lang="en-US" altLang="zh-CN" sz="1200" dirty="0">
+              <a:solidFill>
+                <a:srgbClr val="FFFFFF"/>
+              </a:solidFill>
+              <a:latin typeface="微软雅黑" pitchFamily="34" charset="-122"/>
+              <a:ea typeface="微软雅黑" pitchFamily="34" charset="-122"/>
+            </a:endParaRPr>
+          </a:p>
+        </p:txBody>
+      </p:sp>
+      <p:sp>
+        <p:nvSpPr>
+          <p:cNvPr id="58" name="TextBox 19"/>
+          <p:cNvSpPr txBox="1"/>
+          <p:nvPr/>
+        </p:nvSpPr>
+        <p:spPr>
+          <a:xfrm>
+            <a:off x="4247231" y="4365104"/>
+            <a:ext cx="649537" cy="646331"/>
+          </a:xfrm>
+          <a:prstGeom prst="rect">
+            <a:avLst/>
+          </a:prstGeom>
+          <a:noFill/>
+        </p:spPr>
+        <p:txBody>
+          <a:bodyPr wrap="none" rtlCol="0">
+            <a:spAutoFit/>
+          </a:bodyPr>
+          <a:lstStyle/>
+          <a:p>
+            <a:r>
+              <a:rPr lang="en-US" altLang="zh-CN" sz="3600" b="1" dirty="0" smtClean="0">
+                <a:solidFill>
+                  <a:srgbClr val="FFFFFF"/>
+                </a:solidFill>
+                <a:latin typeface="MS PMincho" pitchFamily="18" charset="-128"/>
+                <a:ea typeface="MS PMincho" pitchFamily="18" charset="-128"/>
+              </a:rPr>
+              <a:t>03</a:t>
+            </a:r>
+            <a:endParaRPr lang="zh-CN" altLang="en-US" sz="3600" b="1" dirty="0" smtClean="0">
+              <a:solidFill>
+                <a:srgbClr val="FFFFFF"/>
+              </a:solidFill>
+              <a:latin typeface="MS PMincho" pitchFamily="18" charset="-128"/>
+              <a:ea typeface="MS PMincho" pitchFamily="18" charset="-128"/>
+            </a:endParaRPr>
+          </a:p>
+        </p:txBody>
+      </p:sp>
+      <p:cxnSp>
+        <p:nvCxnSpPr>
+          <p:cNvPr id="59" name="直接连接符 21"/>
+          <p:cNvCxnSpPr>
+            <a:stCxn id="61" idx="3"/>
+          </p:cNvCxnSpPr>
+          <p:nvPr/>
+        </p:nvCxnSpPr>
+        <p:spPr>
+          <a:xfrm>
+            <a:off x="3525796" y="4729869"/>
+            <a:ext cx="661706" cy="4223"/>
+          </a:xfrm>
+          <a:prstGeom prst="line">
+            <a:avLst/>
+          </a:prstGeom>
+          <a:ln w="28575">
+            <a:solidFill>
+              <a:schemeClr val="accent2">
+                <a:lumMod val="60000"/>
+                <a:lumOff val="40000"/>
+              </a:schemeClr>
+            </a:solidFill>
+          </a:ln>
+        </p:spPr>
+        <p:style>
+          <a:lnRef idx="1">
+            <a:schemeClr val="accent1"/>
+          </a:lnRef>
+          <a:fillRef idx="0">
+            <a:schemeClr val="accent1"/>
+          </a:fillRef>
+          <a:effectRef idx="0">
+            <a:schemeClr val="accent1"/>
+          </a:effectRef>
+          <a:fontRef idx="minor">
+            <a:schemeClr val="tx1"/>
+          </a:fontRef>
+        </p:style>
+      </p:cxnSp>
+      <p:sp>
+        <p:nvSpPr>
+          <p:cNvPr id="60" name="椭圆 59"/>
+          <p:cNvSpPr/>
+          <p:nvPr/>
+        </p:nvSpPr>
+        <p:spPr>
+          <a:xfrm>
+            <a:off x="4183664" y="4677248"/>
+            <a:ext cx="108012" cy="108012"/>
+          </a:xfrm>
+          <a:prstGeom prst="ellipse">
+            <a:avLst/>
+          </a:prstGeom>
+          <a:solidFill>
+            <a:schemeClr val="accent2">
+              <a:lumMod val="60000"/>
+              <a:lumOff val="40000"/>
+            </a:schemeClr>
+          </a:solidFill>
+          <a:ln w="19050">
+            <a:solidFill>
+              <a:schemeClr val="bg1"/>
+            </a:solidFill>
+          </a:ln>
+        </p:spPr>
+        <p:style>
+          <a:lnRef idx="2">
+            <a:schemeClr val="accent1">
+              <a:shade val="50000"/>
+            </a:schemeClr>
+          </a:lnRef>
+          <a:fillRef idx="1">
+            <a:schemeClr val="accent1"/>
+          </a:fillRef>
+          <a:effectRef idx="0">
+            <a:schemeClr val="accent1"/>
+          </a:effectRef>
+          <a:fontRef idx="minor">
+            <a:schemeClr val="lt1"/>
+          </a:fontRef>
+        </p:style>
+        <p:txBody>
+          <a:bodyPr rtlCol="0" anchor="ctr"/>
+          <a:lstStyle/>
+          <a:p>
+            <a:pPr algn="ctr"/>
+            <a:endParaRPr lang="zh-CN" altLang="en-US"/>
+          </a:p>
+        </p:txBody>
+      </p:sp>
+      <p:sp>
+        <p:nvSpPr>
+          <p:cNvPr id="61" name="矩形 60"/>
+          <p:cNvSpPr/>
+          <p:nvPr/>
+        </p:nvSpPr>
+        <p:spPr>
+          <a:xfrm>
+            <a:off x="1495938" y="4548538"/>
+            <a:ext cx="2029858" cy="362662"/>
+          </a:xfrm>
+          <a:prstGeom prst="rect">
+            <a:avLst/>
+          </a:prstGeom>
+          <a:solidFill>
+            <a:srgbClr val="67BAF6">
+              <a:alpha val="50000"/>
+            </a:srgbClr>
+          </a:solidFill>
+          <a:ln>
+            <a:noFill/>
+          </a:ln>
+        </p:spPr>
+        <p:style>
+          <a:lnRef idx="2">
+            <a:schemeClr val="accent1">
+              <a:shade val="50000"/>
+            </a:schemeClr>
+          </a:lnRef>
+          <a:fillRef idx="1">
+            <a:schemeClr val="accent1"/>
+          </a:fillRef>
+          <a:effectRef idx="0">
+            <a:schemeClr val="accent1"/>
+          </a:effectRef>
+          <a:fontRef idx="minor">
+            <a:schemeClr val="lt1"/>
+          </a:fontRef>
+        </p:style>
+        <p:txBody>
+          <a:bodyPr rtlCol="0" anchor="ctr"/>
+          <a:lstStyle/>
+          <a:p>
+            <a:pPr algn="ctr"/>
+            <a:r>
+              <a:rPr lang="zh-CN" altLang="en-US" sz="1600" dirty="0" smtClean="0">
+                <a:solidFill>
+                  <a:srgbClr val="FFFFFF"/>
+                </a:solidFill>
+                <a:latin typeface="微软雅黑" pitchFamily="34" charset="-122"/>
+                <a:ea typeface="微软雅黑" pitchFamily="34" charset="-122"/>
+              </a:rPr>
+              <a:t>渠道数据采集</a:t>
+            </a:r>
+            <a:endParaRPr lang="zh-CN" altLang="en-US" sz="1600" dirty="0">
+              <a:solidFill>
+                <a:srgbClr val="FFFFFF"/>
+              </a:solidFill>
+              <a:latin typeface="微软雅黑" pitchFamily="34" charset="-122"/>
+              <a:ea typeface="微软雅黑" pitchFamily="34" charset="-122"/>
+            </a:endParaRPr>
+          </a:p>
+        </p:txBody>
+      </p:sp>
+      <p:sp>
+        <p:nvSpPr>
+          <p:cNvPr id="62" name="TextBox 24"/>
+          <p:cNvSpPr txBox="1"/>
+          <p:nvPr/>
+        </p:nvSpPr>
+        <p:spPr>
+          <a:xfrm>
+            <a:off x="619268" y="5011435"/>
+            <a:ext cx="2952328" cy="1523494"/>
+          </a:xfrm>
+          <a:prstGeom prst="rect">
+            <a:avLst/>
+          </a:prstGeom>
+          <a:solidFill>
+            <a:srgbClr val="A95306"/>
+          </a:solidFill>
+        </p:spPr>
+        <p:txBody>
+          <a:bodyPr wrap="square" rtlCol="0">
+            <a:spAutoFit/>
+          </a:bodyPr>
+          <a:lstStyle/>
+          <a:p>
+            <a:pPr>
+              <a:lnSpc>
+                <a:spcPct val="130000"/>
+              </a:lnSpc>
+            </a:pPr>
+            <a:r>
+              <a:rPr lang="zh-CN" altLang="en-US" sz="1200" dirty="0" smtClean="0">
+                <a:solidFill>
+                  <a:srgbClr val="FFFFFF"/>
+                </a:solidFill>
+                <a:latin typeface="微软雅黑" pitchFamily="34" charset="-122"/>
+                <a:ea typeface="微软雅黑" pitchFamily="34" charset="-122"/>
+              </a:rPr>
+              <a:t>微信接入场景讨论</a:t>
+            </a:r>
+            <a:endParaRPr lang="en-US" altLang="zh-CN" sz="1200" dirty="0" smtClean="0">
+              <a:solidFill>
+                <a:srgbClr val="FFFFFF"/>
+              </a:solidFill>
+              <a:latin typeface="微软雅黑" pitchFamily="34" charset="-122"/>
+              <a:ea typeface="微软雅黑" pitchFamily="34" charset="-122"/>
+            </a:endParaRPr>
+          </a:p>
+          <a:p>
+            <a:pPr>
+              <a:lnSpc>
+                <a:spcPct val="130000"/>
+              </a:lnSpc>
+            </a:pPr>
+            <a:r>
+              <a:rPr lang="zh-CN" altLang="en-US" sz="1200" dirty="0" smtClean="0">
+                <a:solidFill>
+                  <a:srgbClr val="FFFFFF"/>
+                </a:solidFill>
+                <a:latin typeface="微软雅黑" pitchFamily="34" charset="-122"/>
+                <a:ea typeface="微软雅黑" pitchFamily="34" charset="-122"/>
+              </a:rPr>
+              <a:t>微信接入接口设计、整理</a:t>
+            </a:r>
+            <a:endParaRPr lang="en-US" altLang="zh-CN" sz="1200" dirty="0">
+              <a:solidFill>
+                <a:srgbClr val="FFFFFF"/>
+              </a:solidFill>
+              <a:latin typeface="微软雅黑" pitchFamily="34" charset="-122"/>
+              <a:ea typeface="微软雅黑" pitchFamily="34" charset="-122"/>
+            </a:endParaRPr>
+          </a:p>
+          <a:p>
+            <a:pPr>
+              <a:lnSpc>
+                <a:spcPct val="130000"/>
+              </a:lnSpc>
+            </a:pPr>
+            <a:endParaRPr lang="en-US" altLang="zh-CN" sz="1200" dirty="0">
+              <a:solidFill>
+                <a:srgbClr val="FFFFFF"/>
+              </a:solidFill>
+              <a:latin typeface="微软雅黑" pitchFamily="34" charset="-122"/>
+              <a:ea typeface="微软雅黑" pitchFamily="34" charset="-122"/>
+            </a:endParaRPr>
+          </a:p>
+          <a:p>
+            <a:pPr>
+              <a:lnSpc>
+                <a:spcPct val="130000"/>
+              </a:lnSpc>
+            </a:pPr>
+            <a:r>
+              <a:rPr lang="zh-CN" altLang="en-US" sz="1200" dirty="0" smtClean="0">
+                <a:solidFill>
+                  <a:srgbClr val="FFFFFF"/>
+                </a:solidFill>
+                <a:latin typeface="微软雅黑" pitchFamily="34" charset="-122"/>
+                <a:ea typeface="微软雅黑" pitchFamily="34" charset="-122"/>
+              </a:rPr>
+              <a:t>桌面接入场景设计</a:t>
+            </a:r>
+            <a:endParaRPr lang="en-US" altLang="zh-CN" sz="1200" dirty="0" smtClean="0">
+              <a:solidFill>
+                <a:srgbClr val="FFFFFF"/>
+              </a:solidFill>
+              <a:latin typeface="微软雅黑" pitchFamily="34" charset="-122"/>
+              <a:ea typeface="微软雅黑" pitchFamily="34" charset="-122"/>
+            </a:endParaRPr>
+          </a:p>
+          <a:p>
+            <a:pPr>
+              <a:lnSpc>
+                <a:spcPct val="130000"/>
+              </a:lnSpc>
+            </a:pPr>
+            <a:r>
+              <a:rPr lang="zh-CN" altLang="en-US" sz="1200" dirty="0" smtClean="0">
+                <a:solidFill>
+                  <a:srgbClr val="FFFFFF"/>
+                </a:solidFill>
+                <a:latin typeface="微软雅黑" pitchFamily="34" charset="-122"/>
+                <a:ea typeface="微软雅黑" pitchFamily="34" charset="-122"/>
+              </a:rPr>
+              <a:t>桌面接入接口设计、整理</a:t>
+            </a:r>
+            <a:endParaRPr lang="en-US" altLang="zh-CN" sz="1200" dirty="0" smtClean="0">
+              <a:solidFill>
+                <a:srgbClr val="FFFFFF"/>
+              </a:solidFill>
+              <a:latin typeface="微软雅黑" pitchFamily="34" charset="-122"/>
+              <a:ea typeface="微软雅黑" pitchFamily="34" charset="-122"/>
+            </a:endParaRPr>
+          </a:p>
+          <a:p>
+            <a:pPr>
+              <a:lnSpc>
+                <a:spcPct val="130000"/>
+              </a:lnSpc>
+            </a:pPr>
+            <a:r>
+              <a:rPr lang="zh-CN" altLang="en-US" sz="1200" dirty="0" smtClean="0">
+                <a:solidFill>
+                  <a:srgbClr val="FFFFFF"/>
+                </a:solidFill>
+                <a:latin typeface="微软雅黑" pitchFamily="34" charset="-122"/>
+                <a:ea typeface="微软雅黑" pitchFamily="34" charset="-122"/>
+              </a:rPr>
+              <a:t>桌面接入开发</a:t>
+            </a:r>
+            <a:endParaRPr lang="en-US" altLang="zh-CN" sz="1200" dirty="0" smtClean="0">
+              <a:solidFill>
+                <a:srgbClr val="FFFFFF"/>
+              </a:solidFill>
+              <a:latin typeface="微软雅黑" pitchFamily="34" charset="-122"/>
+              <a:ea typeface="微软雅黑" pitchFamily="34" charset="-122"/>
+            </a:endParaRPr>
+          </a:p>
+        </p:txBody>
+      </p:sp>
+      <p:sp>
+        <p:nvSpPr>
+          <p:cNvPr id="63" name="TextBox 19"/>
+          <p:cNvSpPr txBox="1"/>
+          <p:nvPr/>
+        </p:nvSpPr>
+        <p:spPr>
+          <a:xfrm>
+            <a:off x="4247231" y="5599264"/>
+            <a:ext cx="646331" cy="646331"/>
+          </a:xfrm>
+          <a:prstGeom prst="rect">
+            <a:avLst/>
+          </a:prstGeom>
+          <a:noFill/>
+        </p:spPr>
+        <p:txBody>
+          <a:bodyPr wrap="none" rtlCol="0">
+            <a:spAutoFit/>
+          </a:bodyPr>
+          <a:lstStyle/>
+          <a:p>
+            <a:r>
+              <a:rPr lang="en-US" altLang="zh-CN" sz="3600" b="1" dirty="0" smtClean="0">
+                <a:solidFill>
+                  <a:srgbClr val="FFFFFF"/>
+                </a:solidFill>
+                <a:latin typeface="MS PMincho" pitchFamily="18" charset="-128"/>
+                <a:ea typeface="MS PMincho" pitchFamily="18" charset="-128"/>
+              </a:rPr>
+              <a:t>0</a:t>
+            </a:r>
+            <a:r>
+              <a:rPr lang="en-US" altLang="zh-CN" sz="3600" b="1" dirty="0" smtClean="0">
+                <a:solidFill>
+                  <a:srgbClr val="FFFFFF"/>
+                </a:solidFill>
+                <a:latin typeface="MS PMincho" pitchFamily="18" charset="-128"/>
+                <a:ea typeface="MS PMincho" pitchFamily="18" charset="-128"/>
+              </a:rPr>
+              <a:t>4</a:t>
+            </a:r>
+            <a:endParaRPr lang="zh-CN" altLang="en-US" sz="3600" b="1" dirty="0" smtClean="0">
+              <a:solidFill>
+                <a:srgbClr val="FFFFFF"/>
+              </a:solidFill>
+              <a:latin typeface="MS PMincho" pitchFamily="18" charset="-128"/>
+              <a:ea typeface="MS PMincho" pitchFamily="18" charset="-128"/>
+            </a:endParaRPr>
+          </a:p>
+        </p:txBody>
+      </p:sp>
+      <p:sp>
+        <p:nvSpPr>
+          <p:cNvPr id="64" name="矩形 63"/>
+          <p:cNvSpPr/>
+          <p:nvPr/>
+        </p:nvSpPr>
+        <p:spPr>
+          <a:xfrm flipH="1">
+            <a:off x="5637671" y="5351065"/>
+            <a:ext cx="2029858" cy="362662"/>
+          </a:xfrm>
+          <a:prstGeom prst="rect">
+            <a:avLst/>
+          </a:prstGeom>
+          <a:solidFill>
+            <a:srgbClr val="67BAF6">
+              <a:alpha val="10000"/>
+            </a:srgbClr>
+          </a:solidFill>
+          <a:ln>
+            <a:noFill/>
+          </a:ln>
+        </p:spPr>
+        <p:style>
+          <a:lnRef idx="2">
+            <a:schemeClr val="accent1">
+              <a:shade val="50000"/>
+            </a:schemeClr>
+          </a:lnRef>
+          <a:fillRef idx="1">
+            <a:schemeClr val="accent1"/>
+          </a:fillRef>
+          <a:effectRef idx="0">
+            <a:schemeClr val="accent1"/>
+          </a:effectRef>
+          <a:fontRef idx="minor">
+            <a:schemeClr val="lt1"/>
+          </a:fontRef>
+        </p:style>
+        <p:txBody>
+          <a:bodyPr rtlCol="0" anchor="ctr"/>
+          <a:lstStyle/>
+          <a:p>
+            <a:pPr algn="ctr"/>
+            <a:r>
+              <a:rPr lang="zh-CN" altLang="en-US" sz="1600" dirty="0" smtClean="0">
+                <a:solidFill>
+                  <a:srgbClr val="FFFFFF"/>
+                </a:solidFill>
+                <a:latin typeface="微软雅黑" pitchFamily="34" charset="-122"/>
+                <a:ea typeface="微软雅黑" pitchFamily="34" charset="-122"/>
+              </a:rPr>
+              <a:t>消息中心</a:t>
+            </a:r>
+            <a:endParaRPr lang="zh-CN" altLang="en-US" sz="1600" dirty="0">
+              <a:solidFill>
+                <a:srgbClr val="FFFFFF"/>
+              </a:solidFill>
+              <a:latin typeface="微软雅黑" pitchFamily="34" charset="-122"/>
+              <a:ea typeface="微软雅黑" pitchFamily="34" charset="-122"/>
+            </a:endParaRPr>
+          </a:p>
+        </p:txBody>
+      </p:sp>
+      <p:sp>
+        <p:nvSpPr>
+          <p:cNvPr id="66" name="TextBox 18"/>
+          <p:cNvSpPr txBox="1"/>
+          <p:nvPr/>
+        </p:nvSpPr>
+        <p:spPr>
+          <a:xfrm>
+            <a:off x="5537132" y="5814637"/>
+            <a:ext cx="2952328" cy="323165"/>
+          </a:xfrm>
+          <a:prstGeom prst="rect">
+            <a:avLst/>
+          </a:prstGeom>
+          <a:solidFill>
+            <a:srgbClr val="A95306"/>
+          </a:solidFill>
+        </p:spPr>
+        <p:txBody>
+          <a:bodyPr wrap="square" rtlCol="0">
+            <a:spAutoFit/>
+          </a:bodyPr>
+          <a:lstStyle/>
+          <a:p>
+            <a:pPr>
+              <a:lnSpc>
+                <a:spcPct val="130000"/>
+              </a:lnSpc>
+            </a:pPr>
+            <a:r>
+              <a:rPr lang="zh-CN" altLang="en-US" sz="1200" dirty="0" smtClean="0">
+                <a:solidFill>
+                  <a:srgbClr val="FFFFFF"/>
+                </a:solidFill>
+                <a:latin typeface="微软雅黑" pitchFamily="34" charset="-122"/>
+                <a:ea typeface="微软雅黑" pitchFamily="34" charset="-122"/>
+              </a:rPr>
+              <a:t>接入场景讨论</a:t>
+            </a:r>
+            <a:endParaRPr lang="en-US" altLang="zh-CN" sz="1200" dirty="0">
+              <a:solidFill>
+                <a:srgbClr val="FFFFFF"/>
+              </a:solidFill>
+              <a:latin typeface="微软雅黑" pitchFamily="34" charset="-122"/>
+              <a:ea typeface="微软雅黑" pitchFamily="34" charset="-122"/>
+            </a:endParaRPr>
+          </a:p>
+        </p:txBody>
+      </p:sp>
+      <p:sp>
+        <p:nvSpPr>
+          <p:cNvPr id="67" name="椭圆 66"/>
+          <p:cNvSpPr/>
+          <p:nvPr/>
+        </p:nvSpPr>
+        <p:spPr>
+          <a:xfrm flipH="1">
+            <a:off x="4859565" y="5520198"/>
+            <a:ext cx="108012" cy="108012"/>
+          </a:xfrm>
+          <a:prstGeom prst="ellipse">
+            <a:avLst/>
+          </a:prstGeom>
+          <a:solidFill>
+            <a:schemeClr val="accent2">
+              <a:lumMod val="60000"/>
+              <a:lumOff val="40000"/>
+            </a:schemeClr>
+          </a:solidFill>
+          <a:ln w="19050">
+            <a:solidFill>
+              <a:schemeClr val="bg1"/>
+            </a:solidFill>
+          </a:ln>
+        </p:spPr>
+        <p:style>
+          <a:lnRef idx="2">
+            <a:schemeClr val="accent1">
+              <a:shade val="50000"/>
+            </a:schemeClr>
+          </a:lnRef>
+          <a:fillRef idx="1">
+            <a:schemeClr val="accent1"/>
+          </a:fillRef>
+          <a:effectRef idx="0">
+            <a:schemeClr val="accent1"/>
+          </a:effectRef>
+          <a:fontRef idx="minor">
+            <a:schemeClr val="lt1"/>
+          </a:fontRef>
+        </p:style>
+        <p:txBody>
+          <a:bodyPr rtlCol="0" anchor="ctr"/>
+          <a:lstStyle/>
+          <a:p>
+            <a:pPr algn="ctr"/>
+            <a:endParaRPr lang="zh-CN" altLang="en-US"/>
+          </a:p>
+        </p:txBody>
+      </p:sp>
+    </p:spTree>
+    <p:extLst>
+      <p:ext uri="{BB962C8B-B14F-4D97-AF65-F5344CB8AC3E}">
+        <p14:creationId xmlns:p14="http://schemas.microsoft.com/office/powerpoint/2010/main" val="3225874685"/>
+      </p:ext>
+    </p:extLst>
+  </p:cSld>
+  <p:clrMapOvr>
+    <a:masterClrMapping/>
+  </p:clrMapOvr>
+  <p:timing>
+    <p:tnLst>
+      <p:par>
+        <p:cTn xmlns:p14="http://schemas.microsoft.com/office/powerpoint/2010/main" id="1" dur="indefinite" restart="never" nodeType="tmRoot"/>
+      </p:par>
+    </p:tnLst>
+  </p:timing>
+</p:sld>
+</file>
+
 <file path=ppt/slides/slide2.xml><?xml version="1.0" encoding="utf-8"?>
 <p:sld xmlns:a="http://schemas.openxmlformats.org/drawingml/2006/main" xmlns:r="http://schemas.openxmlformats.org/officeDocument/2006/relationships" xmlns:p="http://schemas.openxmlformats.org/presentationml/2006/main">
   <p:cSld>

--- a/营销.pptx
+++ b/营销.pptx
@@ -4646,7 +4646,7 @@
           <a:p>
             <a:fld id="{141971DB-7766-C44B-930B-2F09E959C349}" type="datetimeFigureOut">
               <a:rPr kumimoji="1" lang="zh-CN" altLang="en-US" smtClean="0"/>
-              <a:t>15/4/20</a:t>
+              <a:t>15/5/18</a:t>
             </a:fld>
             <a:endParaRPr kumimoji="1" lang="zh-CN" altLang="en-US"/>
           </a:p>
@@ -4812,7 +4812,7 @@
           <a:p>
             <a:fld id="{59E3B538-975B-4249-AA39-E35F58C578B3}" type="datetimeFigureOut">
               <a:rPr kumimoji="1" lang="zh-CN" altLang="en-US" smtClean="0"/>
-              <a:t>15/4/20</a:t>
+              <a:t>15/5/18</a:t>
             </a:fld>
             <a:endParaRPr kumimoji="1" lang="zh-CN" altLang="en-US"/>
           </a:p>
@@ -6366,7 +6366,7 @@
           <a:p>
             <a:fld id="{7D4D5215-B83D-0F4A-9F6C-CFA7FB93B836}" type="datetime1">
               <a:rPr lang="zh-CN" altLang="en-US" smtClean="0"/>
-              <a:t>15/4/20</a:t>
+              <a:t>15/5/18</a:t>
             </a:fld>
             <a:endParaRPr lang="en-US"/>
           </a:p>
@@ -6723,7 +6723,7 @@
           <a:p>
             <a:fld id="{1FF577A3-261E-D34A-8D0F-9CF5899AC53E}" type="datetime1">
               <a:rPr lang="zh-CN" altLang="en-US" smtClean="0"/>
-              <a:t>15/4/20</a:t>
+              <a:t>15/5/18</a:t>
             </a:fld>
             <a:endParaRPr lang="en-US"/>
           </a:p>
@@ -6892,7 +6892,7 @@
           <a:p>
             <a:fld id="{F6261A2D-25E1-1349-A36F-EBC82F29A52C}" type="datetime1">
               <a:rPr lang="zh-CN" altLang="en-US" smtClean="0"/>
-              <a:t>15/4/20</a:t>
+              <a:t>15/5/18</a:t>
             </a:fld>
             <a:endParaRPr lang="en-US"/>
           </a:p>
@@ -7071,7 +7071,7 @@
           <a:p>
             <a:fld id="{B5087D83-E822-724C-8B3A-0150CD76E6F9}" type="datetime1">
               <a:rPr lang="zh-CN" altLang="en-US" smtClean="0"/>
-              <a:t>15/4/20</a:t>
+              <a:t>15/5/18</a:t>
             </a:fld>
             <a:endParaRPr lang="en-US"/>
           </a:p>
@@ -7240,7 +7240,7 @@
           <a:p>
             <a:fld id="{1E86C3BC-5F89-2F49-8F2B-3916B25A12D0}" type="datetime1">
               <a:rPr lang="zh-CN" altLang="en-US" smtClean="0"/>
-              <a:t>15/4/20</a:t>
+              <a:t>15/5/18</a:t>
             </a:fld>
             <a:endParaRPr lang="en-US"/>
           </a:p>
@@ -7517,7 +7517,7 @@
           <a:p>
             <a:fld id="{3C06AE13-05D3-C74C-A664-508DB1536078}" type="datetime1">
               <a:rPr lang="zh-CN" altLang="en-US" smtClean="0"/>
-              <a:t>15/4/20</a:t>
+              <a:t>15/5/18</a:t>
             </a:fld>
             <a:endParaRPr lang="en-US"/>
           </a:p>
@@ -7809,7 +7809,7 @@
           <a:p>
             <a:fld id="{737F11DA-40E2-6544-99E9-86C5EB9A7F46}" type="datetime1">
               <a:rPr lang="zh-CN" altLang="en-US" smtClean="0"/>
-              <a:t>15/4/20</a:t>
+              <a:t>15/5/18</a:t>
             </a:fld>
             <a:endParaRPr lang="en-US"/>
           </a:p>
@@ -8245,7 +8245,7 @@
           <a:p>
             <a:fld id="{B8A522D3-0C6D-2845-8738-67EDDA71C39A}" type="datetime1">
               <a:rPr lang="zh-CN" altLang="en-US" smtClean="0"/>
-              <a:t>15/4/20</a:t>
+              <a:t>15/5/18</a:t>
             </a:fld>
             <a:endParaRPr lang="en-US"/>
           </a:p>
@@ -8358,7 +8358,7 @@
           <a:p>
             <a:fld id="{F50657D1-CBB5-B44E-B989-83AB587ECBDE}" type="datetime1">
               <a:rPr lang="zh-CN" altLang="en-US" smtClean="0"/>
-              <a:t>15/4/20</a:t>
+              <a:t>15/5/18</a:t>
             </a:fld>
             <a:endParaRPr lang="en-US"/>
           </a:p>
@@ -8448,7 +8448,7 @@
           <a:p>
             <a:fld id="{66690611-31BF-C640-A836-04E19E216A6B}" type="datetime1">
               <a:rPr lang="zh-CN" altLang="en-US" smtClean="0"/>
-              <a:t>15/4/20</a:t>
+              <a:t>15/5/18</a:t>
             </a:fld>
             <a:endParaRPr lang="en-US"/>
           </a:p>
@@ -8785,7 +8785,7 @@
           <a:p>
             <a:fld id="{6BE92493-A156-C947-8894-F1EA4760435F}" type="datetime1">
               <a:rPr lang="zh-CN" altLang="en-US" smtClean="0"/>
-              <a:t>15/4/20</a:t>
+              <a:t>15/5/18</a:t>
             </a:fld>
             <a:endParaRPr lang="en-US"/>
           </a:p>
@@ -9100,7 +9100,7 @@
           <a:p>
             <a:fld id="{40E2AC34-94C9-3944-B48E-200F1B80D608}" type="datetime1">
               <a:rPr lang="zh-CN" altLang="en-US" smtClean="0"/>
-              <a:t>15/4/20</a:t>
+              <a:t>15/5/18</a:t>
             </a:fld>
             <a:endParaRPr lang="en-US"/>
           </a:p>
@@ -9346,7 +9346,7 @@
           <a:p>
             <a:fld id="{EDF516EF-5C45-534C-A800-220451E25F43}" type="datetime1">
               <a:rPr lang="zh-CN" altLang="en-US" smtClean="0"/>
-              <a:t>15/4/20</a:t>
+              <a:t>15/5/18</a:t>
             </a:fld>
             <a:endParaRPr lang="en-US"/>
           </a:p>
@@ -9942,15 +9942,7 @@
                   <a:srgbClr val="BFBFBF"/>
                 </a:solidFill>
               </a:rPr>
-              <a:t>营销</a:t>
-            </a:r>
-            <a:r>
-              <a:rPr kumimoji="1" lang="zh-CN" altLang="en-US" sz="2800" dirty="0" smtClean="0">
-                <a:solidFill>
-                  <a:srgbClr val="BFBFBF"/>
-                </a:solidFill>
-              </a:rPr>
-              <a:t>机制</a:t>
+              <a:t>营销机制</a:t>
             </a:r>
             <a:endParaRPr kumimoji="1" lang="en-US" altLang="zh-CN" sz="2800" dirty="0" smtClean="0">
               <a:solidFill>
@@ -13175,19 +13167,7 @@
                   <a:cs typeface="Zapf Dingbats"/>
                   <a:sym typeface="Zapf Dingbats"/>
                 </a:rPr>
-                <a:t> </a:t>
-              </a:r>
-              <a:r>
-                <a:rPr kumimoji="1" lang="en-US" altLang="zh-CN" sz="1600" dirty="0" smtClean="0">
-                  <a:solidFill>
-                    <a:srgbClr val="BFBFBF"/>
-                  </a:solidFill>
-                  <a:latin typeface="Zapf Dingbats"/>
-                  <a:ea typeface="Zapf Dingbats"/>
-                  <a:cs typeface="Zapf Dingbats"/>
-                  <a:sym typeface="Zapf Dingbats"/>
-                </a:rPr>
-                <a:t> </a:t>
+                <a:t>  </a:t>
               </a:r>
               <a:r>
                 <a:rPr kumimoji="1" lang="zh-CN" altLang="en-US" sz="1600" dirty="0" smtClean="0">
@@ -18411,7 +18391,7 @@
                 <a:defRPr/>
               </a:pPr>
               <a:r>
-                <a:rPr kumimoji="0" lang="en-US" altLang="zh-CN" sz="3200" b="1" i="0" strike="noStrike" kern="0" cap="none" spc="0" normalizeH="0" baseline="0" noProof="0" dirty="0" err="1" smtClean="0">
+                <a:rPr kumimoji="0" lang="en-US" altLang="zh-CN" sz="3200" b="1" i="0" strike="noStrike" kern="0" cap="none" spc="0" normalizeH="0" baseline="0" noProof="0" dirty="0" smtClean="0">
                   <a:ln>
                     <a:noFill/>
                   </a:ln>
@@ -18425,7 +18405,7 @@
                   <a:ea typeface="微软雅黑" pitchFamily="34" charset="-122"/>
                   <a:cs typeface="Calibri" pitchFamily="34" charset="0"/>
                 </a:rPr>
-                <a:t>EMP&amp;Liana</a:t>
+                <a:t>EMP2</a:t>
               </a:r>
               <a:endParaRPr kumimoji="0" lang="zh-CN" altLang="en-US" sz="3200" b="1" i="0" strike="noStrike" kern="0" cap="none" spc="0" normalizeH="0" baseline="0" noProof="0" dirty="0">
                 <a:ln>
@@ -19128,7 +19108,7 @@
         <p:spPr>
           <a:xfrm>
             <a:off x="611560" y="1771075"/>
-            <a:ext cx="2952328" cy="1043363"/>
+            <a:ext cx="2952328" cy="2003626"/>
           </a:xfrm>
           <a:prstGeom prst="rect">
             <a:avLst/>
@@ -19180,7 +19160,7 @@
                 <a:latin typeface="微软雅黑" pitchFamily="34" charset="-122"/>
                 <a:ea typeface="微软雅黑" pitchFamily="34" charset="-122"/>
               </a:rPr>
-              <a:t>活动设置设计、开发</a:t>
+              <a:t>活动发布开发</a:t>
             </a:r>
             <a:endParaRPr lang="en-US" altLang="zh-CN" sz="1200" dirty="0" smtClean="0">
               <a:latin typeface="微软雅黑" pitchFamily="34" charset="-122"/>
@@ -19212,7 +19192,7 @@
                 <a:latin typeface="微软雅黑" pitchFamily="34" charset="-122"/>
                 <a:ea typeface="微软雅黑" pitchFamily="34" charset="-122"/>
               </a:rPr>
-              <a:t>活动发布设计、开发</a:t>
+              <a:t>活动发布自动线程设计</a:t>
             </a:r>
             <a:endParaRPr lang="en-US" altLang="zh-CN" sz="1200" dirty="0" smtClean="0">
               <a:latin typeface="微软雅黑" pitchFamily="34" charset="-122"/>
@@ -19226,13 +19206,144 @@
               </a:lnSpc>
             </a:pPr>
             <a:r>
+              <a:rPr lang="en-US" altLang="zh-CN" sz="1200" dirty="0" smtClean="0">
+                <a:latin typeface="微软雅黑" pitchFamily="34" charset="-122"/>
+                <a:ea typeface="微软雅黑" pitchFamily="34" charset="-122"/>
+              </a:rPr>
+              <a:t>POC</a:t>
+            </a:r>
+          </a:p>
+          <a:p>
+            <a:pPr>
+              <a:lnSpc>
+                <a:spcPct val="130000"/>
+              </a:lnSpc>
+            </a:pPr>
+            <a:r>
+              <a:rPr lang="en-US" altLang="zh-CN" sz="1200" dirty="0">
+                <a:latin typeface="微软雅黑" pitchFamily="34" charset="-122"/>
+                <a:ea typeface="微软雅黑" pitchFamily="34" charset="-122"/>
+              </a:rPr>
+              <a:t> </a:t>
+            </a:r>
+            <a:r>
+              <a:rPr lang="en-US" altLang="zh-CN" sz="1200" dirty="0" smtClean="0">
+                <a:latin typeface="微软雅黑" pitchFamily="34" charset="-122"/>
+                <a:ea typeface="微软雅黑" pitchFamily="34" charset="-122"/>
+              </a:rPr>
+              <a:t>      </a:t>
+            </a:r>
+            <a:r>
               <a:rPr lang="zh-CN" altLang="en-US" sz="1200" dirty="0" smtClean="0">
                 <a:latin typeface="微软雅黑" pitchFamily="34" charset="-122"/>
                 <a:ea typeface="微软雅黑" pitchFamily="34" charset="-122"/>
               </a:rPr>
-              <a:t>采集、分析接口规范修改</a:t>
+              <a:t>演示场景、原型设计、</a:t>
             </a:r>
-            <a:endParaRPr lang="en-US" altLang="zh-CN" sz="1200" dirty="0">
+            <a:endParaRPr lang="en-US" altLang="zh-CN" sz="1200" dirty="0" smtClean="0">
+              <a:latin typeface="微软雅黑" pitchFamily="34" charset="-122"/>
+              <a:ea typeface="微软雅黑" pitchFamily="34" charset="-122"/>
+            </a:endParaRPr>
+          </a:p>
+          <a:p>
+            <a:pPr>
+              <a:lnSpc>
+                <a:spcPct val="130000"/>
+              </a:lnSpc>
+            </a:pPr>
+            <a:r>
+              <a:rPr lang="en-US" altLang="zh-CN" sz="1200" dirty="0">
+                <a:latin typeface="微软雅黑" pitchFamily="34" charset="-122"/>
+                <a:ea typeface="微软雅黑" pitchFamily="34" charset="-122"/>
+              </a:rPr>
+              <a:t> </a:t>
+            </a:r>
+            <a:r>
+              <a:rPr lang="en-US" altLang="zh-CN" sz="1200" dirty="0" smtClean="0">
+                <a:latin typeface="微软雅黑" pitchFamily="34" charset="-122"/>
+                <a:ea typeface="微软雅黑" pitchFamily="34" charset="-122"/>
+              </a:rPr>
+              <a:t>      </a:t>
+            </a:r>
+            <a:r>
+              <a:rPr lang="zh-CN" altLang="en-US" sz="1200" dirty="0" smtClean="0">
+                <a:latin typeface="微软雅黑" pitchFamily="34" charset="-122"/>
+                <a:ea typeface="微软雅黑" pitchFamily="34" charset="-122"/>
+              </a:rPr>
+              <a:t>功能点梳理</a:t>
+            </a:r>
+            <a:endParaRPr lang="en-US" altLang="zh-CN" sz="1200" dirty="0" smtClean="0">
+              <a:latin typeface="微软雅黑" pitchFamily="34" charset="-122"/>
+              <a:ea typeface="微软雅黑" pitchFamily="34" charset="-122"/>
+            </a:endParaRPr>
+          </a:p>
+          <a:p>
+            <a:pPr>
+              <a:lnSpc>
+                <a:spcPct val="130000"/>
+              </a:lnSpc>
+            </a:pPr>
+            <a:r>
+              <a:rPr lang="en-US" altLang="zh-CN" sz="1200" dirty="0">
+                <a:latin typeface="微软雅黑" pitchFamily="34" charset="-122"/>
+                <a:ea typeface="微软雅黑" pitchFamily="34" charset="-122"/>
+              </a:rPr>
+              <a:t> </a:t>
+            </a:r>
+            <a:r>
+              <a:rPr lang="en-US" altLang="zh-CN" sz="1200" dirty="0" smtClean="0">
+                <a:latin typeface="微软雅黑" pitchFamily="34" charset="-122"/>
+                <a:ea typeface="微软雅黑" pitchFamily="34" charset="-122"/>
+              </a:rPr>
+              <a:t>     </a:t>
+            </a:r>
+            <a:r>
+              <a:rPr lang="en-US" altLang="zh-CN" sz="1200" dirty="0">
+                <a:latin typeface="微软雅黑" pitchFamily="34" charset="-122"/>
+                <a:ea typeface="微软雅黑" pitchFamily="34" charset="-122"/>
+              </a:rPr>
+              <a:t> </a:t>
+            </a:r>
+            <a:r>
+              <a:rPr lang="zh-CN" altLang="en-US" sz="1200" dirty="0" smtClean="0">
+                <a:latin typeface="微软雅黑" pitchFamily="34" charset="-122"/>
+                <a:ea typeface="微软雅黑" pitchFamily="34" charset="-122"/>
+              </a:rPr>
+              <a:t>开发、联调计划</a:t>
+            </a:r>
+            <a:endParaRPr lang="en-US" altLang="zh-CN" sz="1200" dirty="0" smtClean="0">
+              <a:latin typeface="微软雅黑" pitchFamily="34" charset="-122"/>
+              <a:ea typeface="微软雅黑" pitchFamily="34" charset="-122"/>
+            </a:endParaRPr>
+          </a:p>
+          <a:p>
+            <a:pPr>
+              <a:lnSpc>
+                <a:spcPct val="130000"/>
+              </a:lnSpc>
+            </a:pPr>
+            <a:r>
+              <a:rPr lang="en-US" altLang="zh-CN" sz="1200" dirty="0">
+                <a:latin typeface="微软雅黑" pitchFamily="34" charset="-122"/>
+                <a:ea typeface="微软雅黑" pitchFamily="34" charset="-122"/>
+              </a:rPr>
+              <a:t> </a:t>
+            </a:r>
+            <a:r>
+              <a:rPr lang="en-US" altLang="zh-CN" sz="1200" dirty="0" smtClean="0">
+                <a:latin typeface="微软雅黑" pitchFamily="34" charset="-122"/>
+                <a:ea typeface="微软雅黑" pitchFamily="34" charset="-122"/>
+              </a:rPr>
+              <a:t>      </a:t>
+            </a:r>
+            <a:r>
+              <a:rPr lang="zh-CN" altLang="en-US" sz="1200" dirty="0" smtClean="0">
+                <a:latin typeface="微软雅黑" pitchFamily="34" charset="-122"/>
+                <a:ea typeface="微软雅黑" pitchFamily="34" charset="-122"/>
+              </a:rPr>
+              <a:t>分析接口测试</a:t>
+            </a:r>
+            <a:endParaRPr lang="en-US" altLang="zh-CN" sz="1200" dirty="0" smtClean="0">
               <a:latin typeface="微软雅黑" pitchFamily="34" charset="-122"/>
               <a:ea typeface="微软雅黑" pitchFamily="34" charset="-122"/>
             </a:endParaRPr>
@@ -19445,7 +19556,7 @@
         <p:spPr>
           <a:xfrm>
             <a:off x="5537132" y="3380825"/>
-            <a:ext cx="2952328" cy="1043363"/>
+            <a:ext cx="2952328" cy="803297"/>
           </a:xfrm>
           <a:prstGeom prst="rect">
             <a:avLst/>
@@ -19490,40 +19601,6 @@
               </a:lnSpc>
             </a:pPr>
             <a:r>
-              <a:rPr lang="en-US" altLang="zh-CN" sz="1200" dirty="0" smtClean="0">
-                <a:solidFill>
-                  <a:srgbClr val="FFFFFF"/>
-                </a:solidFill>
-                <a:latin typeface="微软雅黑" pitchFamily="34" charset="-122"/>
-                <a:ea typeface="微软雅黑" pitchFamily="34" charset="-122"/>
-              </a:rPr>
-              <a:t>       </a:t>
-            </a:r>
-            <a:r>
-              <a:rPr lang="zh-CN" altLang="en-US" sz="1200" dirty="0" smtClean="0">
-                <a:solidFill>
-                  <a:srgbClr val="FFFFFF"/>
-                </a:solidFill>
-                <a:latin typeface="微软雅黑" pitchFamily="34" charset="-122"/>
-                <a:ea typeface="微软雅黑" pitchFamily="34" charset="-122"/>
-              </a:rPr>
-              <a:t>接口规范设计、开发</a:t>
-            </a:r>
-            <a:endParaRPr lang="en-US" altLang="zh-CN" sz="1200" dirty="0" smtClean="0">
-              <a:solidFill>
-                <a:srgbClr val="FFFFFF"/>
-              </a:solidFill>
-              <a:latin typeface="微软雅黑" pitchFamily="34" charset="-122"/>
-              <a:ea typeface="微软雅黑" pitchFamily="34" charset="-122"/>
-            </a:endParaRPr>
-          </a:p>
-          <a:p>
-            <a:pPr>
-              <a:lnSpc>
-                <a:spcPct val="130000"/>
-              </a:lnSpc>
-            </a:pPr>
-            <a:r>
               <a:rPr lang="en-US" altLang="zh-CN" sz="1200" dirty="0">
                 <a:solidFill>
                   <a:srgbClr val="FFFFFF"/>
@@ -19551,7 +19628,27 @@
                 <a:latin typeface="微软雅黑" pitchFamily="34" charset="-122"/>
                 <a:ea typeface="微软雅黑" pitchFamily="34" charset="-122"/>
               </a:rPr>
-              <a:t>接口联调测试</a:t>
+              <a:t>接口联通性测试</a:t>
+            </a:r>
+            <a:r>
+              <a:rPr lang="zh-CN" altLang="zh-CN" sz="1200" dirty="0" smtClean="0">
+                <a:solidFill>
+                  <a:srgbClr val="FFFFFF"/>
+                </a:solidFill>
+                <a:latin typeface="微软雅黑" pitchFamily="34" charset="-122"/>
+                <a:ea typeface="微软雅黑" pitchFamily="34" charset="-122"/>
+              </a:rPr>
+              <a:t>（</a:t>
+            </a:r>
+            <a:r>
+              <a:rPr lang="zh-CN" altLang="en-US" sz="1200" dirty="0" smtClean="0">
+                <a:solidFill>
+                  <a:srgbClr val="FFFFFF"/>
+                </a:solidFill>
+                <a:latin typeface="微软雅黑" pitchFamily="34" charset="-122"/>
+                <a:ea typeface="微软雅黑" pitchFamily="34" charset="-122"/>
+              </a:rPr>
+              <a:t>协议、报文）</a:t>
             </a:r>
             <a:endParaRPr lang="en-US" altLang="zh-CN" sz="1200" dirty="0" smtClean="0">
               <a:solidFill>
@@ -19567,6 +19664,36 @@
                 <a:spcPct val="130000"/>
               </a:lnSpc>
             </a:pPr>
+            <a:r>
+              <a:rPr lang="en-US" altLang="zh-CN" sz="1200" dirty="0" smtClean="0">
+                <a:solidFill>
+                  <a:srgbClr val="FFFFFF"/>
+                </a:solidFill>
+                <a:latin typeface="微软雅黑" pitchFamily="34" charset="-122"/>
+                <a:ea typeface="微软雅黑" pitchFamily="34" charset="-122"/>
+              </a:rPr>
+              <a:t>       </a:t>
+            </a:r>
+            <a:r>
+              <a:rPr lang="en-US" altLang="zh-CN" sz="1200" dirty="0" err="1" smtClean="0">
+                <a:solidFill>
+                  <a:srgbClr val="FFFFFF"/>
+                </a:solidFill>
+                <a:latin typeface="微软雅黑" pitchFamily="34" charset="-122"/>
+                <a:ea typeface="微软雅黑" pitchFamily="34" charset="-122"/>
+              </a:rPr>
+              <a:t>poc</a:t>
+            </a:r>
+            <a:r>
+              <a:rPr lang="zh-CN" altLang="en-US" sz="1200" dirty="0" smtClean="0">
+                <a:solidFill>
+                  <a:srgbClr val="FFFFFF"/>
+                </a:solidFill>
+                <a:latin typeface="微软雅黑" pitchFamily="34" charset="-122"/>
+                <a:ea typeface="微软雅黑" pitchFamily="34" charset="-122"/>
+              </a:rPr>
+              <a:t>用户偏好分析接口设计、开发</a:t>
+            </a:r>
             <a:endParaRPr lang="en-US" altLang="zh-CN" sz="1200" dirty="0">
               <a:solidFill>
                 <a:srgbClr val="FFFFFF"/>
@@ -19783,7 +19910,7 @@
         <p:spPr>
           <a:xfrm>
             <a:off x="619268" y="5011435"/>
-            <a:ext cx="2952328" cy="1523494"/>
+            <a:ext cx="2952328" cy="803297"/>
           </a:xfrm>
           <a:prstGeom prst="rect">
             <a:avLst/>
@@ -19811,8 +19938,22 @@
                 <a:latin typeface="微软雅黑" pitchFamily="34" charset="-122"/>
                 <a:ea typeface="微软雅黑" pitchFamily="34" charset="-122"/>
               </a:rPr>
-              <a:t>微信接入场景讨论</a:t>
+              <a:t>老用户微信端理财产品推荐场景设计</a:t>
             </a:r>
+            <a:endParaRPr lang="en-US" altLang="zh-CN" sz="1200" dirty="0" smtClean="0">
+              <a:solidFill>
+                <a:srgbClr val="FFFFFF"/>
+              </a:solidFill>
+              <a:latin typeface="微软雅黑" pitchFamily="34" charset="-122"/>
+              <a:ea typeface="微软雅黑" pitchFamily="34" charset="-122"/>
+            </a:endParaRPr>
+          </a:p>
+          <a:p>
+            <a:pPr>
+              <a:lnSpc>
+                <a:spcPct val="130000"/>
+              </a:lnSpc>
+            </a:pPr>
             <a:endParaRPr lang="en-US" altLang="zh-CN" sz="1200" dirty="0" smtClean="0">
               <a:solidFill>
                 <a:srgbClr val="FFFFFF"/>
@@ -19835,36 +19976,18 @@
                 <a:latin typeface="微软雅黑" pitchFamily="34" charset="-122"/>
                 <a:ea typeface="微软雅黑" pitchFamily="34" charset="-122"/>
               </a:rPr>
-              <a:t>微信接入接口设计、整理</a:t>
+              <a:t>新用户</a:t>
             </a:r>
-            <a:endParaRPr lang="en-US" altLang="zh-CN" sz="1200" dirty="0">
-              <a:solidFill>
-                <a:srgbClr val="FFFFFF"/>
-              </a:solidFill>
-              <a:latin typeface="微软雅黑" pitchFamily="34" charset="-122"/>
-              <a:ea typeface="微软雅黑" pitchFamily="34" charset="-122"/>
-            </a:endParaRPr>
-          </a:p>
-          <a:p>
-            <a:pPr>
-              <a:lnSpc>
-                <a:spcPct val="130000"/>
-              </a:lnSpc>
-            </a:pPr>
-            <a:endParaRPr lang="en-US" altLang="zh-CN" sz="1200" dirty="0">
-              <a:solidFill>
-                <a:srgbClr val="FFFFFF"/>
-              </a:solidFill>
-              <a:latin typeface="微软雅黑" pitchFamily="34" charset="-122"/>
-              <a:ea typeface="微软雅黑" pitchFamily="34" charset="-122"/>
-            </a:endParaRPr>
-          </a:p>
-          <a:p>
-            <a:pPr>
-              <a:lnSpc>
-                <a:spcPct val="130000"/>
-              </a:lnSpc>
-            </a:pPr>
+            <a:r>
+              <a:rPr lang="en-US" altLang="zh-CN" sz="1200" dirty="0" smtClean="0">
+                <a:solidFill>
+                  <a:srgbClr val="FFFFFF"/>
+                </a:solidFill>
+                <a:latin typeface="微软雅黑" pitchFamily="34" charset="-122"/>
+                <a:ea typeface="微软雅黑" pitchFamily="34" charset="-122"/>
+              </a:rPr>
+              <a:t>pc</a:t>
+            </a:r>
             <a:r>
               <a:rPr lang="zh-CN" altLang="en-US" sz="1200" dirty="0" smtClean="0">
                 <a:solidFill>
@@ -19873,57 +19996,9 @@
                 <a:latin typeface="微软雅黑" pitchFamily="34" charset="-122"/>
                 <a:ea typeface="微软雅黑" pitchFamily="34" charset="-122"/>
               </a:rPr>
-              <a:t>桌面接入场景设计</a:t>
+              <a:t>端贷款产品推荐场景设计、开发</a:t>
             </a:r>
-            <a:endParaRPr lang="en-US" altLang="zh-CN" sz="1200" dirty="0" smtClean="0">
-              <a:solidFill>
-                <a:srgbClr val="FFFFFF"/>
-              </a:solidFill>
-              <a:latin typeface="微软雅黑" pitchFamily="34" charset="-122"/>
-              <a:ea typeface="微软雅黑" pitchFamily="34" charset="-122"/>
-            </a:endParaRPr>
-          </a:p>
-          <a:p>
-            <a:pPr>
-              <a:lnSpc>
-                <a:spcPct val="130000"/>
-              </a:lnSpc>
-            </a:pPr>
-            <a:r>
-              <a:rPr lang="zh-CN" altLang="en-US" sz="1200" dirty="0" smtClean="0">
-                <a:solidFill>
-                  <a:srgbClr val="FFFFFF"/>
-                </a:solidFill>
-                <a:latin typeface="微软雅黑" pitchFamily="34" charset="-122"/>
-                <a:ea typeface="微软雅黑" pitchFamily="34" charset="-122"/>
-              </a:rPr>
-              <a:t>桌面接入接口设计、整理</a:t>
-            </a:r>
-            <a:endParaRPr lang="en-US" altLang="zh-CN" sz="1200" dirty="0" smtClean="0">
-              <a:solidFill>
-                <a:srgbClr val="FFFFFF"/>
-              </a:solidFill>
-              <a:latin typeface="微软雅黑" pitchFamily="34" charset="-122"/>
-              <a:ea typeface="微软雅黑" pitchFamily="34" charset="-122"/>
-            </a:endParaRPr>
-          </a:p>
-          <a:p>
-            <a:pPr>
-              <a:lnSpc>
-                <a:spcPct val="130000"/>
-              </a:lnSpc>
-            </a:pPr>
-            <a:r>
-              <a:rPr lang="zh-CN" altLang="en-US" sz="1200" dirty="0" smtClean="0">
-                <a:solidFill>
-                  <a:srgbClr val="FFFFFF"/>
-                </a:solidFill>
-                <a:latin typeface="微软雅黑" pitchFamily="34" charset="-122"/>
-                <a:ea typeface="微软雅黑" pitchFamily="34" charset="-122"/>
-              </a:rPr>
-              <a:t>桌面接入开发</a:t>
-            </a:r>
-            <a:endParaRPr lang="en-US" altLang="zh-CN" sz="1200" dirty="0" smtClean="0">
+            <a:endParaRPr lang="en-US" altLang="zh-CN" sz="1200" dirty="0">
               <a:solidFill>
                 <a:srgbClr val="FFFFFF"/>
               </a:solidFill>
@@ -19963,17 +20038,7 @@
                 <a:latin typeface="MS PMincho" pitchFamily="18" charset="-128"/>
                 <a:ea typeface="MS PMincho" pitchFamily="18" charset="-128"/>
               </a:rPr>
-              <a:t>0</a:t>
-            </a:r>
-            <a:r>
-              <a:rPr lang="en-US" altLang="zh-CN" sz="3600" b="1" dirty="0" smtClean="0">
-                <a:solidFill>
-                  <a:srgbClr val="FFFFFF"/>
-                </a:solidFill>
-                <a:latin typeface="MS PMincho" pitchFamily="18" charset="-128"/>
-                <a:ea typeface="MS PMincho" pitchFamily="18" charset="-128"/>
-              </a:rPr>
-              <a:t>4</a:t>
+              <a:t>04</a:t>
             </a:r>
             <a:endParaRPr lang="zh-CN" altLang="en-US" sz="3600" b="1" dirty="0" smtClean="0">
               <a:solidFill>
@@ -20086,7 +20151,7 @@
                 <a:latin typeface="微软雅黑" pitchFamily="34" charset="-122"/>
                 <a:ea typeface="微软雅黑" pitchFamily="34" charset="-122"/>
               </a:rPr>
-              <a:t>接入场景讨论</a:t>
+              <a:t>营销活动通知推送开发、联调</a:t>
             </a:r>
             <a:endParaRPr lang="en-US" altLang="zh-CN" sz="1200" dirty="0">
               <a:solidFill>
@@ -35749,11 +35814,7 @@
             <a:p>
               <a:r>
                 <a:rPr lang="en-US" altLang="zh-CN" dirty="0" smtClean="0"/>
-                <a:t>V</a:t>
-              </a:r>
-              <a:r>
-                <a:rPr lang="en-US" altLang="zh-CN" dirty="0" smtClean="0"/>
-                <a:t>alue</a:t>
+                <a:t>Value</a:t>
               </a:r>
               <a:endParaRPr lang="zh-CN" altLang="en-US" dirty="0"/>
             </a:p>
